--- a/ppt/deploy-frontend-code.pptx
+++ b/ppt/deploy-frontend-code.pptx
@@ -5,7 +5,7 @@
     <p:sldMasterId id="2147483648" r:id="rId1"/>
   </p:sldMasterIdLst>
   <p:notesMasterIdLst>
-    <p:notesMasterId r:id="rId13"/>
+    <p:notesMasterId r:id="rId15"/>
   </p:notesMasterIdLst>
   <p:sldIdLst>
     <p:sldId id="256" r:id="rId2"/>
@@ -19,6 +19,8 @@
     <p:sldId id="266" r:id="rId10"/>
     <p:sldId id="267" r:id="rId11"/>
     <p:sldId id="268" r:id="rId12"/>
+    <p:sldId id="269" r:id="rId13"/>
+    <p:sldId id="270" r:id="rId14"/>
   </p:sldIdLst>
   <p:sldSz cx="12192000" cy="6858000"/>
   <p:notesSz cx="6858000" cy="9144000"/>
@@ -6945,7 +6947,7 @@
         <a:p>
           <a:r>
             <a:rPr lang="zh-CN" altLang="en-US" dirty="0"/>
-            <a:t>易用</a:t>
+            <a:t>规范</a:t>
           </a:r>
         </a:p>
       </dgm:t>
@@ -7017,7 +7019,7 @@
         <a:p>
           <a:r>
             <a:rPr lang="zh-CN" altLang="en-US" dirty="0"/>
-            <a:t>规范</a:t>
+            <a:t>易用</a:t>
           </a:r>
         </a:p>
       </dgm:t>
@@ -10319,7 +10321,7 @@
           </a:pPr>
           <a:r>
             <a:rPr lang="zh-CN" altLang="en-US" sz="2800" kern="1200" dirty="0"/>
-            <a:t>易用</a:t>
+            <a:t>规范</a:t>
           </a:r>
         </a:p>
       </dsp:txBody>
@@ -10477,7 +10479,7 @@
           </a:pPr>
           <a:r>
             <a:rPr lang="zh-CN" altLang="en-US" sz="2800" kern="1200" dirty="0"/>
-            <a:t>规范</a:t>
+            <a:t>易用</a:t>
           </a:r>
         </a:p>
       </dsp:txBody>
@@ -27891,7 +27893,7 @@
           <a:p>
             <a:fld id="{E2C0358F-1E84-49E8-B21C-8C0A3A5C5B79}" type="datetimeFigureOut">
               <a:rPr lang="zh-CN" altLang="en-US" smtClean="0"/>
-              <a:t>2017/11/13</a:t>
+              <a:t>2017/11/14</a:t>
             </a:fld>
             <a:endParaRPr lang="zh-CN" altLang="en-US"/>
           </a:p>
@@ -28473,7 +28475,7 @@
           <a:p>
             <a:fld id="{447F3282-5A5E-4735-A17A-39D77A40030C}" type="datetimeFigureOut">
               <a:rPr lang="zh-CN" altLang="en-US" smtClean="0"/>
-              <a:t>2017/11/13</a:t>
+              <a:t>2017/11/14</a:t>
             </a:fld>
             <a:endParaRPr lang="zh-CN" altLang="en-US"/>
           </a:p>
@@ -28671,7 +28673,7 @@
           <a:p>
             <a:fld id="{447F3282-5A5E-4735-A17A-39D77A40030C}" type="datetimeFigureOut">
               <a:rPr lang="zh-CN" altLang="en-US" smtClean="0"/>
-              <a:t>2017/11/13</a:t>
+              <a:t>2017/11/14</a:t>
             </a:fld>
             <a:endParaRPr lang="zh-CN" altLang="en-US"/>
           </a:p>
@@ -28879,7 +28881,7 @@
           <a:p>
             <a:fld id="{447F3282-5A5E-4735-A17A-39D77A40030C}" type="datetimeFigureOut">
               <a:rPr lang="zh-CN" altLang="en-US" smtClean="0"/>
-              <a:t>2017/11/13</a:t>
+              <a:t>2017/11/14</a:t>
             </a:fld>
             <a:endParaRPr lang="zh-CN" altLang="en-US"/>
           </a:p>
@@ -29077,7 +29079,7 @@
           <a:p>
             <a:fld id="{447F3282-5A5E-4735-A17A-39D77A40030C}" type="datetimeFigureOut">
               <a:rPr lang="zh-CN" altLang="en-US" smtClean="0"/>
-              <a:t>2017/11/13</a:t>
+              <a:t>2017/11/14</a:t>
             </a:fld>
             <a:endParaRPr lang="zh-CN" altLang="en-US"/>
           </a:p>
@@ -29352,7 +29354,7 @@
           <a:p>
             <a:fld id="{447F3282-5A5E-4735-A17A-39D77A40030C}" type="datetimeFigureOut">
               <a:rPr lang="zh-CN" altLang="en-US" smtClean="0"/>
-              <a:t>2017/11/13</a:t>
+              <a:t>2017/11/14</a:t>
             </a:fld>
             <a:endParaRPr lang="zh-CN" altLang="en-US"/>
           </a:p>
@@ -29617,7 +29619,7 @@
           <a:p>
             <a:fld id="{447F3282-5A5E-4735-A17A-39D77A40030C}" type="datetimeFigureOut">
               <a:rPr lang="zh-CN" altLang="en-US" smtClean="0"/>
-              <a:t>2017/11/13</a:t>
+              <a:t>2017/11/14</a:t>
             </a:fld>
             <a:endParaRPr lang="zh-CN" altLang="en-US"/>
           </a:p>
@@ -30029,7 +30031,7 @@
           <a:p>
             <a:fld id="{447F3282-5A5E-4735-A17A-39D77A40030C}" type="datetimeFigureOut">
               <a:rPr lang="zh-CN" altLang="en-US" smtClean="0"/>
-              <a:t>2017/11/13</a:t>
+              <a:t>2017/11/14</a:t>
             </a:fld>
             <a:endParaRPr lang="zh-CN" altLang="en-US"/>
           </a:p>
@@ -30170,7 +30172,7 @@
           <a:p>
             <a:fld id="{447F3282-5A5E-4735-A17A-39D77A40030C}" type="datetimeFigureOut">
               <a:rPr lang="zh-CN" altLang="en-US" smtClean="0"/>
-              <a:t>2017/11/13</a:t>
+              <a:t>2017/11/14</a:t>
             </a:fld>
             <a:endParaRPr lang="zh-CN" altLang="en-US"/>
           </a:p>
@@ -30283,7 +30285,7 @@
           <a:p>
             <a:fld id="{447F3282-5A5E-4735-A17A-39D77A40030C}" type="datetimeFigureOut">
               <a:rPr lang="zh-CN" altLang="en-US" smtClean="0"/>
-              <a:t>2017/11/13</a:t>
+              <a:t>2017/11/14</a:t>
             </a:fld>
             <a:endParaRPr lang="zh-CN" altLang="en-US"/>
           </a:p>
@@ -30594,7 +30596,7 @@
           <a:p>
             <a:fld id="{447F3282-5A5E-4735-A17A-39D77A40030C}" type="datetimeFigureOut">
               <a:rPr lang="zh-CN" altLang="en-US" smtClean="0"/>
-              <a:t>2017/11/13</a:t>
+              <a:t>2017/11/14</a:t>
             </a:fld>
             <a:endParaRPr lang="zh-CN" altLang="en-US"/>
           </a:p>
@@ -30882,7 +30884,7 @@
           <a:p>
             <a:fld id="{447F3282-5A5E-4735-A17A-39D77A40030C}" type="datetimeFigureOut">
               <a:rPr lang="zh-CN" altLang="en-US" smtClean="0"/>
-              <a:t>2017/11/13</a:t>
+              <a:t>2017/11/14</a:t>
             </a:fld>
             <a:endParaRPr lang="zh-CN" altLang="en-US"/>
           </a:p>
@@ -31123,7 +31125,7 @@
           <a:p>
             <a:fld id="{447F3282-5A5E-4735-A17A-39D77A40030C}" type="datetimeFigureOut">
               <a:rPr lang="zh-CN" altLang="en-US" smtClean="0"/>
-              <a:t>2017/11/13</a:t>
+              <a:t>2017/11/14</a:t>
             </a:fld>
             <a:endParaRPr lang="zh-CN" altLang="en-US"/>
           </a:p>
@@ -32120,7 +32122,7 @@
         <p:spPr>
           <a:xfrm>
             <a:off x="2379785" y="2075218"/>
-            <a:ext cx="4581703" cy="369332"/>
+            <a:ext cx="4929555" cy="369332"/>
           </a:xfrm>
           <a:prstGeom prst="rect">
             <a:avLst/>
@@ -32135,7 +32137,7 @@
           <a:p>
             <a:r>
               <a:rPr lang="en-US" altLang="zh-CN" dirty="0"/>
-              <a:t>PS. we change some code of project: activity</a:t>
+              <a:t>Event: we change some code of project: activity</a:t>
             </a:r>
             <a:endParaRPr lang="zh-CN" altLang="en-US" dirty="0"/>
           </a:p>
@@ -32145,6 +32147,4719 @@
     <p:extLst>
       <p:ext uri="{BB962C8B-B14F-4D97-AF65-F5344CB8AC3E}">
         <p14:creationId xmlns:p14="http://schemas.microsoft.com/office/powerpoint/2010/main" val="300373790"/>
+      </p:ext>
+    </p:extLst>
+  </p:cSld>
+  <p:clrMapOvr>
+    <a:masterClrMapping/>
+  </p:clrMapOvr>
+</p:sld>
+</file>
+
+<file path=ppt/slides/slide12.xml><?xml version="1.0" encoding="utf-8"?>
+<p:sld xmlns:a="http://schemas.openxmlformats.org/drawingml/2006/main" xmlns:r="http://schemas.openxmlformats.org/officeDocument/2006/relationships" xmlns:p="http://schemas.openxmlformats.org/presentationml/2006/main">
+  <p:cSld>
+    <p:spTree>
+      <p:nvGrpSpPr>
+        <p:cNvPr id="1" name=""/>
+        <p:cNvGrpSpPr/>
+        <p:nvPr/>
+      </p:nvGrpSpPr>
+      <p:grpSpPr>
+        <a:xfrm>
+          <a:off x="0" y="0"/>
+          <a:ext cx="0" cy="0"/>
+          <a:chOff x="0" y="0"/>
+          <a:chExt cx="0" cy="0"/>
+        </a:xfrm>
+      </p:grpSpPr>
+      <p:sp>
+        <p:nvSpPr>
+          <p:cNvPr id="4" name="矩形 3">
+            <a:extLst>
+              <a:ext uri="{FF2B5EF4-FFF2-40B4-BE49-F238E27FC236}">
+                <a16:creationId xmlns:a16="http://schemas.microsoft.com/office/drawing/2014/main" id="{5D569F9E-5B91-4C39-81F8-2A3075032F21}"/>
+              </a:ext>
+            </a:extLst>
+          </p:cNvPr>
+          <p:cNvSpPr/>
+          <p:nvPr/>
+        </p:nvSpPr>
+        <p:spPr>
+          <a:xfrm>
+            <a:off x="4869585" y="438912"/>
+            <a:ext cx="2452916" cy="923330"/>
+          </a:xfrm>
+          <a:prstGeom prst="rect">
+            <a:avLst/>
+          </a:prstGeom>
+          <a:noFill/>
+        </p:spPr>
+        <p:txBody>
+          <a:bodyPr wrap="none" lIns="91440" tIns="45720" rIns="91440" bIns="45720">
+            <a:spAutoFit/>
+          </a:bodyPr>
+          <a:lstStyle/>
+          <a:p>
+            <a:pPr algn="ctr"/>
+            <a:r>
+              <a:rPr lang="en-US" altLang="zh-CN" sz="5400" b="1" cap="none" spc="50" dirty="0">
+                <a:ln w="0"/>
+                <a:solidFill>
+                  <a:schemeClr val="bg2"/>
+                </a:solidFill>
+                <a:effectLst>
+                  <a:innerShdw blurRad="63500" dist="50800" dir="13500000">
+                    <a:srgbClr val="000000">
+                      <a:alpha val="50000"/>
+                    </a:srgbClr>
+                  </a:innerShdw>
+                </a:effectLst>
+              </a:rPr>
+              <a:t>Overall</a:t>
+            </a:r>
+            <a:endParaRPr lang="zh-CN" altLang="en-US" sz="5400" b="1" cap="none" spc="50" dirty="0">
+              <a:ln w="0"/>
+              <a:solidFill>
+                <a:schemeClr val="bg2"/>
+              </a:solidFill>
+              <a:effectLst>
+                <a:innerShdw blurRad="63500" dist="50800" dir="13500000">
+                  <a:srgbClr val="000000">
+                    <a:alpha val="50000"/>
+                  </a:srgbClr>
+                </a:innerShdw>
+              </a:effectLst>
+            </a:endParaRPr>
+          </a:p>
+        </p:txBody>
+      </p:sp>
+      <p:pic>
+        <p:nvPicPr>
+          <p:cNvPr id="6" name="图形 5" descr="用户">
+            <a:extLst>
+              <a:ext uri="{FF2B5EF4-FFF2-40B4-BE49-F238E27FC236}">
+                <a16:creationId xmlns:a16="http://schemas.microsoft.com/office/drawing/2014/main" id="{028F40AF-9DC3-46F2-93E2-05D03976FAAD}"/>
+              </a:ext>
+            </a:extLst>
+          </p:cNvPr>
+          <p:cNvPicPr>
+            <a:picLocks noChangeAspect="1"/>
+          </p:cNvPicPr>
+          <p:nvPr/>
+        </p:nvPicPr>
+        <p:blipFill>
+          <a:blip r:embed="rId2">
+            <a:extLst>
+              <a:ext uri="{28A0092B-C50C-407E-A947-70E740481C1C}">
+                <a14:useLocalDpi xmlns:a14="http://schemas.microsoft.com/office/drawing/2010/main" val="0"/>
+              </a:ext>
+              <a:ext uri="{96DAC541-7B7A-43D3-8B79-37D633B846F1}">
+                <asvg:svgBlip xmlns:asvg="http://schemas.microsoft.com/office/drawing/2016/SVG/main" r:embed="rId3"/>
+              </a:ext>
+            </a:extLst>
+          </a:blip>
+          <a:stretch>
+            <a:fillRect/>
+          </a:stretch>
+        </p:blipFill>
+        <p:spPr>
+          <a:xfrm>
+            <a:off x="1003139" y="3150162"/>
+            <a:ext cx="914400" cy="914400"/>
+          </a:xfrm>
+          <a:prstGeom prst="rect">
+            <a:avLst/>
+          </a:prstGeom>
+        </p:spPr>
+      </p:pic>
+      <p:pic>
+        <p:nvPicPr>
+          <p:cNvPr id="10" name="图形 9" descr="便携式计算机">
+            <a:extLst>
+              <a:ext uri="{FF2B5EF4-FFF2-40B4-BE49-F238E27FC236}">
+                <a16:creationId xmlns:a16="http://schemas.microsoft.com/office/drawing/2014/main" id="{94A62437-15D8-4498-8EC4-44D78AA7EF65}"/>
+              </a:ext>
+            </a:extLst>
+          </p:cNvPr>
+          <p:cNvPicPr>
+            <a:picLocks noChangeAspect="1"/>
+          </p:cNvPicPr>
+          <p:nvPr/>
+        </p:nvPicPr>
+        <p:blipFill>
+          <a:blip r:embed="rId4">
+            <a:extLst>
+              <a:ext uri="{28A0092B-C50C-407E-A947-70E740481C1C}">
+                <a14:useLocalDpi xmlns:a14="http://schemas.microsoft.com/office/drawing/2010/main" val="0"/>
+              </a:ext>
+              <a:ext uri="{96DAC541-7B7A-43D3-8B79-37D633B846F1}">
+                <asvg:svgBlip xmlns:asvg="http://schemas.microsoft.com/office/drawing/2016/SVG/main" r:embed="rId5"/>
+              </a:ext>
+            </a:extLst>
+          </a:blip>
+          <a:stretch>
+            <a:fillRect/>
+          </a:stretch>
+        </p:blipFill>
+        <p:spPr>
+          <a:xfrm>
+            <a:off x="1003139" y="2971800"/>
+            <a:ext cx="914400" cy="914400"/>
+          </a:xfrm>
+          <a:prstGeom prst="rect">
+            <a:avLst/>
+          </a:prstGeom>
+        </p:spPr>
+      </p:pic>
+      <p:sp>
+        <p:nvSpPr>
+          <p:cNvPr id="31" name="文本框 30">
+            <a:extLst>
+              <a:ext uri="{FF2B5EF4-FFF2-40B4-BE49-F238E27FC236}">
+                <a16:creationId xmlns:a16="http://schemas.microsoft.com/office/drawing/2014/main" id="{908DA4E2-E6D7-45C1-9DFD-BDACD42382E0}"/>
+              </a:ext>
+            </a:extLst>
+          </p:cNvPr>
+          <p:cNvSpPr txBox="1"/>
+          <p:nvPr/>
+        </p:nvSpPr>
+        <p:spPr>
+          <a:xfrm>
+            <a:off x="877360" y="4061554"/>
+            <a:ext cx="2185214" cy="369332"/>
+          </a:xfrm>
+          <a:prstGeom prst="rect">
+            <a:avLst/>
+          </a:prstGeom>
+          <a:noFill/>
+        </p:spPr>
+        <p:txBody>
+          <a:bodyPr wrap="none" rtlCol="0">
+            <a:spAutoFit/>
+          </a:bodyPr>
+          <a:lstStyle/>
+          <a:p>
+            <a:r>
+              <a:rPr lang="en-US" altLang="zh-CN" dirty="0"/>
+              <a:t>typing </a:t>
+            </a:r>
+            <a:r>
+              <a:rPr lang="en-US" altLang="zh-CN" dirty="0" err="1"/>
+              <a:t>typing</a:t>
+            </a:r>
+            <a:r>
+              <a:rPr lang="en-US" altLang="zh-CN" dirty="0"/>
+              <a:t> </a:t>
+            </a:r>
+            <a:r>
+              <a:rPr lang="en-US" altLang="zh-CN" dirty="0" err="1"/>
+              <a:t>typing</a:t>
+            </a:r>
+            <a:endParaRPr lang="zh-CN" altLang="en-US" dirty="0"/>
+          </a:p>
+        </p:txBody>
+      </p:sp>
+      <p:sp>
+        <p:nvSpPr>
+          <p:cNvPr id="32" name="文本框 31">
+            <a:extLst>
+              <a:ext uri="{FF2B5EF4-FFF2-40B4-BE49-F238E27FC236}">
+                <a16:creationId xmlns:a16="http://schemas.microsoft.com/office/drawing/2014/main" id="{643DFC57-9039-4F2B-90D8-437F1464CA83}"/>
+              </a:ext>
+            </a:extLst>
+          </p:cNvPr>
+          <p:cNvSpPr txBox="1"/>
+          <p:nvPr/>
+        </p:nvSpPr>
+        <p:spPr>
+          <a:xfrm>
+            <a:off x="877360" y="4470338"/>
+            <a:ext cx="829073" cy="369332"/>
+          </a:xfrm>
+          <a:prstGeom prst="rect">
+            <a:avLst/>
+          </a:prstGeom>
+          <a:noFill/>
+        </p:spPr>
+        <p:txBody>
+          <a:bodyPr wrap="none" rtlCol="0">
+            <a:spAutoFit/>
+          </a:bodyPr>
+          <a:lstStyle/>
+          <a:p>
+            <a:r>
+              <a:rPr lang="en-US" altLang="zh-CN" dirty="0"/>
+              <a:t>debug</a:t>
+            </a:r>
+            <a:endParaRPr lang="zh-CN" altLang="en-US" dirty="0"/>
+          </a:p>
+        </p:txBody>
+      </p:sp>
+      <p:sp>
+        <p:nvSpPr>
+          <p:cNvPr id="33" name="文本框 32">
+            <a:extLst>
+              <a:ext uri="{FF2B5EF4-FFF2-40B4-BE49-F238E27FC236}">
+                <a16:creationId xmlns:a16="http://schemas.microsoft.com/office/drawing/2014/main" id="{6C21D153-34BA-410E-8082-707D975C160A}"/>
+              </a:ext>
+            </a:extLst>
+          </p:cNvPr>
+          <p:cNvSpPr txBox="1"/>
+          <p:nvPr/>
+        </p:nvSpPr>
+        <p:spPr>
+          <a:xfrm>
+            <a:off x="877360" y="4883621"/>
+            <a:ext cx="2185214" cy="369332"/>
+          </a:xfrm>
+          <a:prstGeom prst="rect">
+            <a:avLst/>
+          </a:prstGeom>
+          <a:noFill/>
+        </p:spPr>
+        <p:txBody>
+          <a:bodyPr wrap="none" rtlCol="0">
+            <a:spAutoFit/>
+          </a:bodyPr>
+          <a:lstStyle/>
+          <a:p>
+            <a:r>
+              <a:rPr lang="en-US" altLang="zh-CN" dirty="0"/>
+              <a:t>typing </a:t>
+            </a:r>
+            <a:r>
+              <a:rPr lang="en-US" altLang="zh-CN" dirty="0" err="1"/>
+              <a:t>typing</a:t>
+            </a:r>
+            <a:r>
+              <a:rPr lang="en-US" altLang="zh-CN" dirty="0"/>
+              <a:t> </a:t>
+            </a:r>
+            <a:r>
+              <a:rPr lang="en-US" altLang="zh-CN" dirty="0" err="1"/>
+              <a:t>typing</a:t>
+            </a:r>
+            <a:endParaRPr lang="zh-CN" altLang="en-US" dirty="0"/>
+          </a:p>
+        </p:txBody>
+      </p:sp>
+      <p:sp>
+        <p:nvSpPr>
+          <p:cNvPr id="34" name="文本框 33">
+            <a:extLst>
+              <a:ext uri="{FF2B5EF4-FFF2-40B4-BE49-F238E27FC236}">
+                <a16:creationId xmlns:a16="http://schemas.microsoft.com/office/drawing/2014/main" id="{C9FBCF53-4CF6-4551-8BCE-B06BC8DD6389}"/>
+              </a:ext>
+            </a:extLst>
+          </p:cNvPr>
+          <p:cNvSpPr txBox="1"/>
+          <p:nvPr/>
+        </p:nvSpPr>
+        <p:spPr>
+          <a:xfrm>
+            <a:off x="877360" y="5292405"/>
+            <a:ext cx="934871" cy="369332"/>
+          </a:xfrm>
+          <a:prstGeom prst="rect">
+            <a:avLst/>
+          </a:prstGeom>
+          <a:noFill/>
+        </p:spPr>
+        <p:txBody>
+          <a:bodyPr wrap="none" rtlCol="0">
+            <a:spAutoFit/>
+          </a:bodyPr>
+          <a:lstStyle/>
+          <a:p>
+            <a:r>
+              <a:rPr lang="en-US" altLang="zh-CN" dirty="0"/>
+              <a:t>commit</a:t>
+            </a:r>
+            <a:endParaRPr lang="zh-CN" altLang="en-US" dirty="0"/>
+          </a:p>
+        </p:txBody>
+      </p:sp>
+      <p:cxnSp>
+        <p:nvCxnSpPr>
+          <p:cNvPr id="36" name="直接箭头连接符 35">
+            <a:extLst>
+              <a:ext uri="{FF2B5EF4-FFF2-40B4-BE49-F238E27FC236}">
+                <a16:creationId xmlns:a16="http://schemas.microsoft.com/office/drawing/2014/main" id="{89ADC506-ED8B-4743-A015-DF836E98A380}"/>
+              </a:ext>
+            </a:extLst>
+          </p:cNvPr>
+          <p:cNvCxnSpPr>
+            <a:cxnSpLocks/>
+            <a:stCxn id="10" idx="0"/>
+            <a:endCxn id="69" idx="2"/>
+          </p:cNvCxnSpPr>
+          <p:nvPr/>
+        </p:nvCxnSpPr>
+        <p:spPr>
+          <a:xfrm flipV="1">
+            <a:off x="1460339" y="2519065"/>
+            <a:ext cx="0" cy="452735"/>
+          </a:xfrm>
+          <a:prstGeom prst="straightConnector1">
+            <a:avLst/>
+          </a:prstGeom>
+          <a:ln>
+            <a:tailEnd type="triangle"/>
+          </a:ln>
+        </p:spPr>
+        <p:style>
+          <a:lnRef idx="1">
+            <a:schemeClr val="dk1"/>
+          </a:lnRef>
+          <a:fillRef idx="0">
+            <a:schemeClr val="dk1"/>
+          </a:fillRef>
+          <a:effectRef idx="0">
+            <a:schemeClr val="dk1"/>
+          </a:effectRef>
+          <a:fontRef idx="minor">
+            <a:schemeClr val="tx1"/>
+          </a:fontRef>
+        </p:style>
+      </p:cxnSp>
+      <p:cxnSp>
+        <p:nvCxnSpPr>
+          <p:cNvPr id="38" name="直接箭头连接符 37">
+            <a:extLst>
+              <a:ext uri="{FF2B5EF4-FFF2-40B4-BE49-F238E27FC236}">
+                <a16:creationId xmlns:a16="http://schemas.microsoft.com/office/drawing/2014/main" id="{43FB0755-FDDB-4969-85B6-BE5EDA107575}"/>
+              </a:ext>
+            </a:extLst>
+          </p:cNvPr>
+          <p:cNvCxnSpPr>
+            <a:cxnSpLocks/>
+            <a:stCxn id="16" idx="2"/>
+            <a:endCxn id="91" idx="0"/>
+          </p:cNvCxnSpPr>
+          <p:nvPr/>
+        </p:nvCxnSpPr>
+        <p:spPr>
+          <a:xfrm flipH="1">
+            <a:off x="2870139" y="2201966"/>
+            <a:ext cx="1568" cy="421826"/>
+          </a:xfrm>
+          <a:prstGeom prst="straightConnector1">
+            <a:avLst/>
+          </a:prstGeom>
+          <a:ln>
+            <a:tailEnd type="triangle"/>
+          </a:ln>
+        </p:spPr>
+        <p:style>
+          <a:lnRef idx="1">
+            <a:schemeClr val="dk1"/>
+          </a:lnRef>
+          <a:fillRef idx="0">
+            <a:schemeClr val="dk1"/>
+          </a:fillRef>
+          <a:effectRef idx="0">
+            <a:schemeClr val="dk1"/>
+          </a:effectRef>
+          <a:fontRef idx="minor">
+            <a:schemeClr val="tx1"/>
+          </a:fontRef>
+        </p:style>
+      </p:cxnSp>
+      <p:cxnSp>
+        <p:nvCxnSpPr>
+          <p:cNvPr id="40" name="直接箭头连接符 39">
+            <a:extLst>
+              <a:ext uri="{FF2B5EF4-FFF2-40B4-BE49-F238E27FC236}">
+                <a16:creationId xmlns:a16="http://schemas.microsoft.com/office/drawing/2014/main" id="{BB3A23D0-19E8-4F1C-B444-9B72583FEBA9}"/>
+              </a:ext>
+            </a:extLst>
+          </p:cNvPr>
+          <p:cNvCxnSpPr>
+            <a:cxnSpLocks/>
+            <a:stCxn id="99" idx="2"/>
+            <a:endCxn id="228" idx="0"/>
+          </p:cNvCxnSpPr>
+          <p:nvPr/>
+        </p:nvCxnSpPr>
+        <p:spPr>
+          <a:xfrm>
+            <a:off x="4318290" y="2412879"/>
+            <a:ext cx="2515" cy="637330"/>
+          </a:xfrm>
+          <a:prstGeom prst="straightConnector1">
+            <a:avLst/>
+          </a:prstGeom>
+          <a:ln>
+            <a:tailEnd type="triangle"/>
+          </a:ln>
+        </p:spPr>
+        <p:style>
+          <a:lnRef idx="1">
+            <a:schemeClr val="dk1"/>
+          </a:lnRef>
+          <a:fillRef idx="0">
+            <a:schemeClr val="dk1"/>
+          </a:fillRef>
+          <a:effectRef idx="0">
+            <a:schemeClr val="dk1"/>
+          </a:effectRef>
+          <a:fontRef idx="minor">
+            <a:schemeClr val="tx1"/>
+          </a:fontRef>
+        </p:style>
+      </p:cxnSp>
+      <p:cxnSp>
+        <p:nvCxnSpPr>
+          <p:cNvPr id="45" name="直接箭头连接符 44">
+            <a:extLst>
+              <a:ext uri="{FF2B5EF4-FFF2-40B4-BE49-F238E27FC236}">
+                <a16:creationId xmlns:a16="http://schemas.microsoft.com/office/drawing/2014/main" id="{9EDD873D-8271-4E35-8A2E-09EF9AFAD1A1}"/>
+              </a:ext>
+            </a:extLst>
+          </p:cNvPr>
+          <p:cNvCxnSpPr>
+            <a:cxnSpLocks/>
+            <a:stCxn id="22" idx="3"/>
+            <a:endCxn id="199" idx="1"/>
+          </p:cNvCxnSpPr>
+          <p:nvPr/>
+        </p:nvCxnSpPr>
+        <p:spPr>
+          <a:xfrm>
+            <a:off x="6667706" y="3507409"/>
+            <a:ext cx="509756" cy="982735"/>
+          </a:xfrm>
+          <a:prstGeom prst="straightConnector1">
+            <a:avLst/>
+          </a:prstGeom>
+          <a:ln>
+            <a:tailEnd type="triangle"/>
+          </a:ln>
+        </p:spPr>
+        <p:style>
+          <a:lnRef idx="1">
+            <a:schemeClr val="dk1"/>
+          </a:lnRef>
+          <a:fillRef idx="0">
+            <a:schemeClr val="dk1"/>
+          </a:fillRef>
+          <a:effectRef idx="0">
+            <a:schemeClr val="dk1"/>
+          </a:effectRef>
+          <a:fontRef idx="minor">
+            <a:schemeClr val="tx1"/>
+          </a:fontRef>
+        </p:style>
+      </p:cxnSp>
+      <p:cxnSp>
+        <p:nvCxnSpPr>
+          <p:cNvPr id="47" name="直接箭头连接符 46">
+            <a:extLst>
+              <a:ext uri="{FF2B5EF4-FFF2-40B4-BE49-F238E27FC236}">
+                <a16:creationId xmlns:a16="http://schemas.microsoft.com/office/drawing/2014/main" id="{1EDDC459-C8D8-4251-88CD-CB8A63D56809}"/>
+              </a:ext>
+            </a:extLst>
+          </p:cNvPr>
+          <p:cNvCxnSpPr>
+            <a:cxnSpLocks/>
+            <a:stCxn id="22" idx="2"/>
+            <a:endCxn id="28" idx="0"/>
+          </p:cNvCxnSpPr>
+          <p:nvPr/>
+        </p:nvCxnSpPr>
+        <p:spPr>
+          <a:xfrm flipH="1">
+            <a:off x="6201802" y="3964609"/>
+            <a:ext cx="8704" cy="1036464"/>
+          </a:xfrm>
+          <a:prstGeom prst="straightConnector1">
+            <a:avLst/>
+          </a:prstGeom>
+          <a:ln>
+            <a:tailEnd type="triangle"/>
+          </a:ln>
+        </p:spPr>
+        <p:style>
+          <a:lnRef idx="1">
+            <a:schemeClr val="dk1"/>
+          </a:lnRef>
+          <a:fillRef idx="0">
+            <a:schemeClr val="dk1"/>
+          </a:fillRef>
+          <a:effectRef idx="0">
+            <a:schemeClr val="dk1"/>
+          </a:effectRef>
+          <a:fontRef idx="minor">
+            <a:schemeClr val="tx1"/>
+          </a:fontRef>
+        </p:style>
+      </p:cxnSp>
+      <p:cxnSp>
+        <p:nvCxnSpPr>
+          <p:cNvPr id="66" name="直接箭头连接符 65">
+            <a:extLst>
+              <a:ext uri="{FF2B5EF4-FFF2-40B4-BE49-F238E27FC236}">
+                <a16:creationId xmlns:a16="http://schemas.microsoft.com/office/drawing/2014/main" id="{170ACC80-307B-4A1E-924E-AAFA437485EB}"/>
+              </a:ext>
+            </a:extLst>
+          </p:cNvPr>
+          <p:cNvCxnSpPr>
+            <a:cxnSpLocks/>
+            <a:stCxn id="26" idx="3"/>
+            <a:endCxn id="62" idx="1"/>
+          </p:cNvCxnSpPr>
+          <p:nvPr/>
+        </p:nvCxnSpPr>
+        <p:spPr>
+          <a:xfrm>
+            <a:off x="9696370" y="3463192"/>
+            <a:ext cx="847301" cy="1904"/>
+          </a:xfrm>
+          <a:prstGeom prst="straightConnector1">
+            <a:avLst/>
+          </a:prstGeom>
+          <a:ln>
+            <a:tailEnd type="triangle"/>
+          </a:ln>
+        </p:spPr>
+        <p:style>
+          <a:lnRef idx="1">
+            <a:schemeClr val="dk1"/>
+          </a:lnRef>
+          <a:fillRef idx="0">
+            <a:schemeClr val="dk1"/>
+          </a:fillRef>
+          <a:effectRef idx="0">
+            <a:schemeClr val="dk1"/>
+          </a:effectRef>
+          <a:fontRef idx="minor">
+            <a:schemeClr val="tx1"/>
+          </a:fontRef>
+        </p:style>
+      </p:cxnSp>
+      <p:cxnSp>
+        <p:nvCxnSpPr>
+          <p:cNvPr id="68" name="直接箭头连接符 67">
+            <a:extLst>
+              <a:ext uri="{FF2B5EF4-FFF2-40B4-BE49-F238E27FC236}">
+                <a16:creationId xmlns:a16="http://schemas.microsoft.com/office/drawing/2014/main" id="{6C76E502-32EA-48B9-8E72-259A4A5C196C}"/>
+              </a:ext>
+            </a:extLst>
+          </p:cNvPr>
+          <p:cNvCxnSpPr>
+            <a:cxnSpLocks/>
+            <a:stCxn id="62" idx="0"/>
+            <a:endCxn id="60" idx="2"/>
+          </p:cNvCxnSpPr>
+          <p:nvPr/>
+        </p:nvCxnSpPr>
+        <p:spPr>
+          <a:xfrm flipV="1">
+            <a:off x="11000871" y="2201966"/>
+            <a:ext cx="5997" cy="805930"/>
+          </a:xfrm>
+          <a:prstGeom prst="straightConnector1">
+            <a:avLst/>
+          </a:prstGeom>
+          <a:ln>
+            <a:tailEnd type="triangle"/>
+          </a:ln>
+        </p:spPr>
+        <p:style>
+          <a:lnRef idx="1">
+            <a:schemeClr val="dk1"/>
+          </a:lnRef>
+          <a:fillRef idx="0">
+            <a:schemeClr val="dk1"/>
+          </a:fillRef>
+          <a:effectRef idx="0">
+            <a:schemeClr val="dk1"/>
+          </a:effectRef>
+          <a:fontRef idx="minor">
+            <a:schemeClr val="tx1"/>
+          </a:fontRef>
+        </p:style>
+      </p:cxnSp>
+      <p:sp>
+        <p:nvSpPr>
+          <p:cNvPr id="69" name="文本框 68">
+            <a:extLst>
+              <a:ext uri="{FF2B5EF4-FFF2-40B4-BE49-F238E27FC236}">
+                <a16:creationId xmlns:a16="http://schemas.microsoft.com/office/drawing/2014/main" id="{3690A8C2-2186-4FE2-9638-5E9A3B1D3F0C}"/>
+              </a:ext>
+            </a:extLst>
+          </p:cNvPr>
+          <p:cNvSpPr txBox="1"/>
+          <p:nvPr/>
+        </p:nvSpPr>
+        <p:spPr>
+          <a:xfrm>
+            <a:off x="967255" y="2149733"/>
+            <a:ext cx="986167" cy="369332"/>
+          </a:xfrm>
+          <a:prstGeom prst="rect">
+            <a:avLst/>
+          </a:prstGeom>
+          <a:noFill/>
+        </p:spPr>
+        <p:txBody>
+          <a:bodyPr wrap="none" rtlCol="0">
+            <a:spAutoFit/>
+          </a:bodyPr>
+          <a:lstStyle/>
+          <a:p>
+            <a:r>
+              <a:rPr lang="en-US" altLang="zh-CN" dirty="0"/>
+              <a:t>git push</a:t>
+            </a:r>
+            <a:endParaRPr lang="zh-CN" altLang="en-US" dirty="0"/>
+          </a:p>
+        </p:txBody>
+      </p:sp>
+      <p:sp>
+        <p:nvSpPr>
+          <p:cNvPr id="70" name="文本框 69">
+            <a:extLst>
+              <a:ext uri="{FF2B5EF4-FFF2-40B4-BE49-F238E27FC236}">
+                <a16:creationId xmlns:a16="http://schemas.microsoft.com/office/drawing/2014/main" id="{61D0ED01-C8E7-4265-B5E4-614E2AF060A7}"/>
+              </a:ext>
+            </a:extLst>
+          </p:cNvPr>
+          <p:cNvSpPr txBox="1"/>
+          <p:nvPr/>
+        </p:nvSpPr>
+        <p:spPr>
+          <a:xfrm>
+            <a:off x="877360" y="5701189"/>
+            <a:ext cx="968535" cy="369332"/>
+          </a:xfrm>
+          <a:prstGeom prst="rect">
+            <a:avLst/>
+          </a:prstGeom>
+          <a:noFill/>
+        </p:spPr>
+        <p:txBody>
+          <a:bodyPr wrap="none" rtlCol="0">
+            <a:spAutoFit/>
+          </a:bodyPr>
+          <a:lstStyle/>
+          <a:p>
+            <a:r>
+              <a:rPr lang="en-US" altLang="zh-CN" dirty="0"/>
+              <a:t>fix </a:t>
+            </a:r>
+            <a:r>
+              <a:rPr lang="en-US" altLang="zh-CN" dirty="0" err="1"/>
+              <a:t>fix</a:t>
+            </a:r>
+            <a:r>
+              <a:rPr lang="en-US" altLang="zh-CN" dirty="0"/>
+              <a:t> </a:t>
+            </a:r>
+            <a:r>
+              <a:rPr lang="en-US" altLang="zh-CN" dirty="0" err="1"/>
+              <a:t>fix</a:t>
+            </a:r>
+            <a:endParaRPr lang="zh-CN" altLang="en-US" dirty="0"/>
+          </a:p>
+        </p:txBody>
+      </p:sp>
+      <p:cxnSp>
+        <p:nvCxnSpPr>
+          <p:cNvPr id="74" name="直接箭头连接符 73">
+            <a:extLst>
+              <a:ext uri="{FF2B5EF4-FFF2-40B4-BE49-F238E27FC236}">
+                <a16:creationId xmlns:a16="http://schemas.microsoft.com/office/drawing/2014/main" id="{5C388BEE-AA94-4C13-8B5B-5349DAAD8B72}"/>
+              </a:ext>
+            </a:extLst>
+          </p:cNvPr>
+          <p:cNvCxnSpPr>
+            <a:cxnSpLocks/>
+            <a:stCxn id="69" idx="0"/>
+            <a:endCxn id="16" idx="1"/>
+          </p:cNvCxnSpPr>
+          <p:nvPr/>
+        </p:nvCxnSpPr>
+        <p:spPr>
+          <a:xfrm flipV="1">
+            <a:off x="1460339" y="1744766"/>
+            <a:ext cx="954168" cy="404967"/>
+          </a:xfrm>
+          <a:prstGeom prst="straightConnector1">
+            <a:avLst/>
+          </a:prstGeom>
+          <a:ln>
+            <a:tailEnd type="triangle"/>
+          </a:ln>
+        </p:spPr>
+        <p:style>
+          <a:lnRef idx="1">
+            <a:schemeClr val="dk1"/>
+          </a:lnRef>
+          <a:fillRef idx="0">
+            <a:schemeClr val="dk1"/>
+          </a:fillRef>
+          <a:effectRef idx="0">
+            <a:schemeClr val="dk1"/>
+          </a:effectRef>
+          <a:fontRef idx="minor">
+            <a:schemeClr val="tx1"/>
+          </a:fontRef>
+        </p:style>
+      </p:cxnSp>
+      <p:grpSp>
+        <p:nvGrpSpPr>
+          <p:cNvPr id="90" name="组合 89">
+            <a:extLst>
+              <a:ext uri="{FF2B5EF4-FFF2-40B4-BE49-F238E27FC236}">
+                <a16:creationId xmlns:a16="http://schemas.microsoft.com/office/drawing/2014/main" id="{43F26F5D-23E9-425F-8695-7CAB8F5C19E1}"/>
+              </a:ext>
+            </a:extLst>
+          </p:cNvPr>
+          <p:cNvGrpSpPr/>
+          <p:nvPr/>
+        </p:nvGrpSpPr>
+        <p:grpSpPr>
+          <a:xfrm>
+            <a:off x="2230820" y="970588"/>
+            <a:ext cx="1290738" cy="1231378"/>
+            <a:chOff x="2750634" y="1142611"/>
+            <a:chExt cx="1290738" cy="1231378"/>
+          </a:xfrm>
+        </p:grpSpPr>
+        <p:pic>
+          <p:nvPicPr>
+            <p:cNvPr id="16" name="图形 15" descr="从云中下载">
+              <a:extLst>
+                <a:ext uri="{FF2B5EF4-FFF2-40B4-BE49-F238E27FC236}">
+                  <a16:creationId xmlns:a16="http://schemas.microsoft.com/office/drawing/2014/main" id="{26138187-4759-4CEC-8FA6-06FD0D9762FA}"/>
+                </a:ext>
+              </a:extLst>
+            </p:cNvPr>
+            <p:cNvPicPr>
+              <a:picLocks noChangeAspect="1"/>
+            </p:cNvPicPr>
+            <p:nvPr/>
+          </p:nvPicPr>
+          <p:blipFill>
+            <a:blip r:embed="rId6">
+              <a:extLst>
+                <a:ext uri="{28A0092B-C50C-407E-A947-70E740481C1C}">
+                  <a14:useLocalDpi xmlns:a14="http://schemas.microsoft.com/office/drawing/2010/main" val="0"/>
+                </a:ext>
+                <a:ext uri="{96DAC541-7B7A-43D3-8B79-37D633B846F1}">
+                  <asvg:svgBlip xmlns:asvg="http://schemas.microsoft.com/office/drawing/2016/SVG/main" r:embed="rId7"/>
+                </a:ext>
+              </a:extLst>
+            </a:blip>
+            <a:stretch>
+              <a:fillRect/>
+            </a:stretch>
+          </p:blipFill>
+          <p:spPr>
+            <a:xfrm>
+              <a:off x="2934321" y="1459589"/>
+              <a:ext cx="914400" cy="914400"/>
+            </a:xfrm>
+            <a:prstGeom prst="rect">
+              <a:avLst/>
+            </a:prstGeom>
+          </p:spPr>
+        </p:pic>
+        <p:sp>
+          <p:nvSpPr>
+            <p:cNvPr id="89" name="文本框 88">
+              <a:extLst>
+                <a:ext uri="{FF2B5EF4-FFF2-40B4-BE49-F238E27FC236}">
+                  <a16:creationId xmlns:a16="http://schemas.microsoft.com/office/drawing/2014/main" id="{053DE622-A096-430C-848B-24F992EF6940}"/>
+                </a:ext>
+              </a:extLst>
+            </p:cNvPr>
+            <p:cNvSpPr txBox="1"/>
+            <p:nvPr/>
+          </p:nvSpPr>
+          <p:spPr>
+            <a:xfrm>
+              <a:off x="2750634" y="1142611"/>
+              <a:ext cx="1290738" cy="369332"/>
+            </a:xfrm>
+            <a:prstGeom prst="rect">
+              <a:avLst/>
+            </a:prstGeom>
+            <a:noFill/>
+          </p:spPr>
+          <p:txBody>
+            <a:bodyPr wrap="none" rtlCol="0">
+              <a:spAutoFit/>
+            </a:bodyPr>
+            <a:lstStyle/>
+            <a:p>
+              <a:r>
+                <a:rPr lang="en-US" altLang="zh-CN" dirty="0" err="1"/>
+                <a:t>Gitlab</a:t>
+              </a:r>
+              <a:r>
+                <a:rPr lang="en-US" altLang="zh-CN" dirty="0"/>
+                <a:t> repo</a:t>
+              </a:r>
+              <a:endParaRPr lang="zh-CN" altLang="en-US" dirty="0"/>
+            </a:p>
+          </p:txBody>
+        </p:sp>
+      </p:grpSp>
+      <p:sp>
+        <p:nvSpPr>
+          <p:cNvPr id="91" name="文本框 90">
+            <a:extLst>
+              <a:ext uri="{FF2B5EF4-FFF2-40B4-BE49-F238E27FC236}">
+                <a16:creationId xmlns:a16="http://schemas.microsoft.com/office/drawing/2014/main" id="{215A699E-570C-4C10-9DC2-704BCDB5A7DD}"/>
+              </a:ext>
+            </a:extLst>
+          </p:cNvPr>
+          <p:cNvSpPr txBox="1"/>
+          <p:nvPr/>
+        </p:nvSpPr>
+        <p:spPr>
+          <a:xfrm>
+            <a:off x="2444381" y="2623792"/>
+            <a:ext cx="851515" cy="369332"/>
+          </a:xfrm>
+          <a:prstGeom prst="rect">
+            <a:avLst/>
+          </a:prstGeom>
+          <a:noFill/>
+        </p:spPr>
+        <p:txBody>
+          <a:bodyPr wrap="none" rtlCol="0">
+            <a:spAutoFit/>
+          </a:bodyPr>
+          <a:lstStyle/>
+          <a:p>
+            <a:r>
+              <a:rPr lang="en-US" altLang="zh-CN" dirty="0"/>
+              <a:t>trigger</a:t>
+            </a:r>
+            <a:endParaRPr lang="zh-CN" altLang="en-US" dirty="0"/>
+          </a:p>
+        </p:txBody>
+      </p:sp>
+      <p:cxnSp>
+        <p:nvCxnSpPr>
+          <p:cNvPr id="94" name="直接箭头连接符 93">
+            <a:extLst>
+              <a:ext uri="{FF2B5EF4-FFF2-40B4-BE49-F238E27FC236}">
+                <a16:creationId xmlns:a16="http://schemas.microsoft.com/office/drawing/2014/main" id="{6E4FE66F-69F8-40D9-96DE-174B4D1D5CAE}"/>
+              </a:ext>
+            </a:extLst>
+          </p:cNvPr>
+          <p:cNvCxnSpPr>
+            <a:stCxn id="91" idx="3"/>
+            <a:endCxn id="8" idx="1"/>
+          </p:cNvCxnSpPr>
+          <p:nvPr/>
+        </p:nvCxnSpPr>
+        <p:spPr>
+          <a:xfrm flipV="1">
+            <a:off x="3295896" y="1665499"/>
+            <a:ext cx="568628" cy="1142959"/>
+          </a:xfrm>
+          <a:prstGeom prst="straightConnector1">
+            <a:avLst/>
+          </a:prstGeom>
+          <a:ln>
+            <a:tailEnd type="triangle"/>
+          </a:ln>
+        </p:spPr>
+        <p:style>
+          <a:lnRef idx="1">
+            <a:schemeClr val="dk1"/>
+          </a:lnRef>
+          <a:fillRef idx="0">
+            <a:schemeClr val="dk1"/>
+          </a:fillRef>
+          <a:effectRef idx="0">
+            <a:schemeClr val="dk1"/>
+          </a:effectRef>
+          <a:fontRef idx="minor">
+            <a:schemeClr val="tx1"/>
+          </a:fontRef>
+        </p:style>
+      </p:cxnSp>
+      <p:grpSp>
+        <p:nvGrpSpPr>
+          <p:cNvPr id="100" name="组合 99">
+            <a:extLst>
+              <a:ext uri="{FF2B5EF4-FFF2-40B4-BE49-F238E27FC236}">
+                <a16:creationId xmlns:a16="http://schemas.microsoft.com/office/drawing/2014/main" id="{EFBBEF71-F4E4-4B4D-A2CF-2AEB0D9171B4}"/>
+              </a:ext>
+            </a:extLst>
+          </p:cNvPr>
+          <p:cNvGrpSpPr/>
+          <p:nvPr/>
+        </p:nvGrpSpPr>
+        <p:grpSpPr>
+          <a:xfrm>
+            <a:off x="3864524" y="1208299"/>
+            <a:ext cx="914400" cy="1204580"/>
+            <a:chOff x="5013385" y="3098738"/>
+            <a:chExt cx="914400" cy="1204580"/>
+          </a:xfrm>
+        </p:grpSpPr>
+        <p:pic>
+          <p:nvPicPr>
+            <p:cNvPr id="8" name="图形 7" descr="计算机">
+              <a:extLst>
+                <a:ext uri="{FF2B5EF4-FFF2-40B4-BE49-F238E27FC236}">
+                  <a16:creationId xmlns:a16="http://schemas.microsoft.com/office/drawing/2014/main" id="{C2888CE6-9985-4F6D-9D00-F20B12201D06}"/>
+                </a:ext>
+              </a:extLst>
+            </p:cNvPr>
+            <p:cNvPicPr>
+              <a:picLocks noChangeAspect="1"/>
+            </p:cNvPicPr>
+            <p:nvPr/>
+          </p:nvPicPr>
+          <p:blipFill>
+            <a:blip r:embed="rId8">
+              <a:extLst>
+                <a:ext uri="{28A0092B-C50C-407E-A947-70E740481C1C}">
+                  <a14:useLocalDpi xmlns:a14="http://schemas.microsoft.com/office/drawing/2010/main" val="0"/>
+                </a:ext>
+                <a:ext uri="{96DAC541-7B7A-43D3-8B79-37D633B846F1}">
+                  <asvg:svgBlip xmlns:asvg="http://schemas.microsoft.com/office/drawing/2016/SVG/main" r:embed="rId9"/>
+                </a:ext>
+              </a:extLst>
+            </a:blip>
+            <a:stretch>
+              <a:fillRect/>
+            </a:stretch>
+          </p:blipFill>
+          <p:spPr>
+            <a:xfrm>
+              <a:off x="5013385" y="3098738"/>
+              <a:ext cx="914400" cy="914400"/>
+            </a:xfrm>
+            <a:prstGeom prst="rect">
+              <a:avLst/>
+            </a:prstGeom>
+          </p:spPr>
+        </p:pic>
+        <p:sp>
+          <p:nvSpPr>
+            <p:cNvPr id="99" name="文本框 98">
+              <a:extLst>
+                <a:ext uri="{FF2B5EF4-FFF2-40B4-BE49-F238E27FC236}">
+                  <a16:creationId xmlns:a16="http://schemas.microsoft.com/office/drawing/2014/main" id="{5A01BB45-87AC-4650-A44E-F62673F6A67F}"/>
+                </a:ext>
+              </a:extLst>
+            </p:cNvPr>
+            <p:cNvSpPr txBox="1"/>
+            <p:nvPr/>
+          </p:nvSpPr>
+          <p:spPr>
+            <a:xfrm>
+              <a:off x="5022157" y="3933986"/>
+              <a:ext cx="889987" cy="369332"/>
+            </a:xfrm>
+            <a:prstGeom prst="rect">
+              <a:avLst/>
+            </a:prstGeom>
+            <a:noFill/>
+          </p:spPr>
+          <p:txBody>
+            <a:bodyPr wrap="none" rtlCol="0">
+              <a:spAutoFit/>
+            </a:bodyPr>
+            <a:lstStyle/>
+            <a:p>
+              <a:r>
+                <a:rPr lang="en-US" altLang="zh-CN" dirty="0"/>
+                <a:t>Jenkins</a:t>
+              </a:r>
+              <a:endParaRPr lang="zh-CN" altLang="en-US" dirty="0"/>
+            </a:p>
+          </p:txBody>
+        </p:sp>
+      </p:grpSp>
+      <p:cxnSp>
+        <p:nvCxnSpPr>
+          <p:cNvPr id="117" name="直接箭头连接符 116">
+            <a:extLst>
+              <a:ext uri="{FF2B5EF4-FFF2-40B4-BE49-F238E27FC236}">
+                <a16:creationId xmlns:a16="http://schemas.microsoft.com/office/drawing/2014/main" id="{301549E3-BCAA-449F-B91B-C2C118C8F3FC}"/>
+              </a:ext>
+            </a:extLst>
+          </p:cNvPr>
+          <p:cNvCxnSpPr>
+            <a:cxnSpLocks/>
+            <a:stCxn id="228" idx="3"/>
+            <a:endCxn id="22" idx="1"/>
+          </p:cNvCxnSpPr>
+          <p:nvPr/>
+        </p:nvCxnSpPr>
+        <p:spPr>
+          <a:xfrm>
+            <a:off x="4778005" y="3507409"/>
+            <a:ext cx="975301" cy="0"/>
+          </a:xfrm>
+          <a:prstGeom prst="straightConnector1">
+            <a:avLst/>
+          </a:prstGeom>
+          <a:ln>
+            <a:tailEnd type="triangle"/>
+          </a:ln>
+        </p:spPr>
+        <p:style>
+          <a:lnRef idx="1">
+            <a:schemeClr val="dk1"/>
+          </a:lnRef>
+          <a:fillRef idx="0">
+            <a:schemeClr val="dk1"/>
+          </a:fillRef>
+          <a:effectRef idx="0">
+            <a:schemeClr val="dk1"/>
+          </a:effectRef>
+          <a:fontRef idx="minor">
+            <a:schemeClr val="tx1"/>
+          </a:fontRef>
+        </p:style>
+      </p:cxnSp>
+      <p:grpSp>
+        <p:nvGrpSpPr>
+          <p:cNvPr id="198" name="组合 197">
+            <a:extLst>
+              <a:ext uri="{FF2B5EF4-FFF2-40B4-BE49-F238E27FC236}">
+                <a16:creationId xmlns:a16="http://schemas.microsoft.com/office/drawing/2014/main" id="{8E612DA2-7239-4F70-B7BE-90393DD182A1}"/>
+              </a:ext>
+            </a:extLst>
+          </p:cNvPr>
+          <p:cNvGrpSpPr/>
+          <p:nvPr/>
+        </p:nvGrpSpPr>
+        <p:grpSpPr>
+          <a:xfrm>
+            <a:off x="3702575" y="4989041"/>
+            <a:ext cx="1231427" cy="1283732"/>
+            <a:chOff x="4461104" y="4313113"/>
+            <a:chExt cx="1231427" cy="1283732"/>
+          </a:xfrm>
+        </p:grpSpPr>
+        <p:pic>
+          <p:nvPicPr>
+            <p:cNvPr id="122" name="图形 121" descr="禁止标志">
+              <a:extLst>
+                <a:ext uri="{FF2B5EF4-FFF2-40B4-BE49-F238E27FC236}">
+                  <a16:creationId xmlns:a16="http://schemas.microsoft.com/office/drawing/2014/main" id="{7D989AC7-C94B-4378-B730-B1251E55EB33}"/>
+                </a:ext>
+              </a:extLst>
+            </p:cNvPr>
+            <p:cNvPicPr>
+              <a:picLocks noChangeAspect="1"/>
+            </p:cNvPicPr>
+            <p:nvPr/>
+          </p:nvPicPr>
+          <p:blipFill>
+            <a:blip r:embed="rId10">
+              <a:extLst>
+                <a:ext uri="{28A0092B-C50C-407E-A947-70E740481C1C}">
+                  <a14:useLocalDpi xmlns:a14="http://schemas.microsoft.com/office/drawing/2010/main" val="0"/>
+                </a:ext>
+                <a:ext uri="{96DAC541-7B7A-43D3-8B79-37D633B846F1}">
+                  <asvg:svgBlip xmlns:asvg="http://schemas.microsoft.com/office/drawing/2016/SVG/main" r:embed="rId11"/>
+                </a:ext>
+              </a:extLst>
+            </a:blip>
+            <a:stretch>
+              <a:fillRect/>
+            </a:stretch>
+          </p:blipFill>
+          <p:spPr>
+            <a:xfrm>
+              <a:off x="4621775" y="4313113"/>
+              <a:ext cx="914400" cy="914400"/>
+            </a:xfrm>
+            <a:prstGeom prst="rect">
+              <a:avLst/>
+            </a:prstGeom>
+          </p:spPr>
+        </p:pic>
+        <p:sp>
+          <p:nvSpPr>
+            <p:cNvPr id="134" name="文本框 133">
+              <a:extLst>
+                <a:ext uri="{FF2B5EF4-FFF2-40B4-BE49-F238E27FC236}">
+                  <a16:creationId xmlns:a16="http://schemas.microsoft.com/office/drawing/2014/main" id="{7F660120-FD81-4818-B6E4-5EE3DB42B8D2}"/>
+                </a:ext>
+              </a:extLst>
+            </p:cNvPr>
+            <p:cNvSpPr txBox="1"/>
+            <p:nvPr/>
+          </p:nvSpPr>
+          <p:spPr>
+            <a:xfrm>
+              <a:off x="4461104" y="5227513"/>
+              <a:ext cx="1231427" cy="369332"/>
+            </a:xfrm>
+            <a:prstGeom prst="rect">
+              <a:avLst/>
+            </a:prstGeom>
+            <a:noFill/>
+          </p:spPr>
+          <p:txBody>
+            <a:bodyPr wrap="none" rtlCol="0">
+              <a:spAutoFit/>
+            </a:bodyPr>
+            <a:lstStyle/>
+            <a:p>
+              <a:r>
+                <a:rPr lang="en-US" altLang="zh-CN" dirty="0"/>
+                <a:t>no change</a:t>
+              </a:r>
+              <a:endParaRPr lang="zh-CN" altLang="en-US" dirty="0"/>
+            </a:p>
+          </p:txBody>
+        </p:sp>
+      </p:grpSp>
+      <p:cxnSp>
+        <p:nvCxnSpPr>
+          <p:cNvPr id="137" name="直接箭头连接符 136">
+            <a:extLst>
+              <a:ext uri="{FF2B5EF4-FFF2-40B4-BE49-F238E27FC236}">
+                <a16:creationId xmlns:a16="http://schemas.microsoft.com/office/drawing/2014/main" id="{728B04F8-BEF4-46F0-8000-BBEA55017BA5}"/>
+              </a:ext>
+            </a:extLst>
+          </p:cNvPr>
+          <p:cNvCxnSpPr>
+            <a:cxnSpLocks/>
+            <a:stCxn id="229" idx="2"/>
+            <a:endCxn id="122" idx="0"/>
+          </p:cNvCxnSpPr>
+          <p:nvPr/>
+        </p:nvCxnSpPr>
+        <p:spPr>
+          <a:xfrm flipH="1">
+            <a:off x="4320446" y="4333941"/>
+            <a:ext cx="359" cy="655100"/>
+          </a:xfrm>
+          <a:prstGeom prst="straightConnector1">
+            <a:avLst/>
+          </a:prstGeom>
+          <a:ln>
+            <a:tailEnd type="triangle"/>
+          </a:ln>
+        </p:spPr>
+        <p:style>
+          <a:lnRef idx="1">
+            <a:schemeClr val="dk1"/>
+          </a:lnRef>
+          <a:fillRef idx="0">
+            <a:schemeClr val="dk1"/>
+          </a:fillRef>
+          <a:effectRef idx="0">
+            <a:schemeClr val="dk1"/>
+          </a:effectRef>
+          <a:fontRef idx="minor">
+            <a:schemeClr val="tx1"/>
+          </a:fontRef>
+        </p:style>
+      </p:cxnSp>
+      <p:grpSp>
+        <p:nvGrpSpPr>
+          <p:cNvPr id="168" name="组合 167">
+            <a:extLst>
+              <a:ext uri="{FF2B5EF4-FFF2-40B4-BE49-F238E27FC236}">
+                <a16:creationId xmlns:a16="http://schemas.microsoft.com/office/drawing/2014/main" id="{A5EEF2B3-5A79-49B3-A4A0-4055179944B0}"/>
+              </a:ext>
+            </a:extLst>
+          </p:cNvPr>
+          <p:cNvGrpSpPr/>
+          <p:nvPr/>
+        </p:nvGrpSpPr>
+        <p:grpSpPr>
+          <a:xfrm>
+            <a:off x="5383797" y="2603987"/>
+            <a:ext cx="1705916" cy="1360622"/>
+            <a:chOff x="6411766" y="2200416"/>
+            <a:chExt cx="1705916" cy="1360622"/>
+          </a:xfrm>
+        </p:grpSpPr>
+        <p:pic>
+          <p:nvPicPr>
+            <p:cNvPr id="22" name="图形 21" descr="核对清单">
+              <a:extLst>
+                <a:ext uri="{FF2B5EF4-FFF2-40B4-BE49-F238E27FC236}">
+                  <a16:creationId xmlns:a16="http://schemas.microsoft.com/office/drawing/2014/main" id="{0DDDEC75-BA0D-44AF-A9DC-6E066C189AF6}"/>
+                </a:ext>
+              </a:extLst>
+            </p:cNvPr>
+            <p:cNvPicPr>
+              <a:picLocks noChangeAspect="1"/>
+            </p:cNvPicPr>
+            <p:nvPr/>
+          </p:nvPicPr>
+          <p:blipFill>
+            <a:blip r:embed="rId12">
+              <a:extLst>
+                <a:ext uri="{28A0092B-C50C-407E-A947-70E740481C1C}">
+                  <a14:useLocalDpi xmlns:a14="http://schemas.microsoft.com/office/drawing/2010/main" val="0"/>
+                </a:ext>
+                <a:ext uri="{96DAC541-7B7A-43D3-8B79-37D633B846F1}">
+                  <asvg:svgBlip xmlns:asvg="http://schemas.microsoft.com/office/drawing/2016/SVG/main" r:embed="rId13"/>
+                </a:ext>
+              </a:extLst>
+            </a:blip>
+            <a:stretch>
+              <a:fillRect/>
+            </a:stretch>
+          </p:blipFill>
+          <p:spPr>
+            <a:xfrm>
+              <a:off x="6781275" y="2646638"/>
+              <a:ext cx="914400" cy="914400"/>
+            </a:xfrm>
+            <a:prstGeom prst="rect">
+              <a:avLst/>
+            </a:prstGeom>
+          </p:spPr>
+        </p:pic>
+        <p:sp>
+          <p:nvSpPr>
+            <p:cNvPr id="167" name="文本框 166">
+              <a:extLst>
+                <a:ext uri="{FF2B5EF4-FFF2-40B4-BE49-F238E27FC236}">
+                  <a16:creationId xmlns:a16="http://schemas.microsoft.com/office/drawing/2014/main" id="{05EC01DD-AE51-45EA-A89F-3D5400B5A4C8}"/>
+                </a:ext>
+              </a:extLst>
+            </p:cNvPr>
+            <p:cNvSpPr txBox="1"/>
+            <p:nvPr/>
+          </p:nvSpPr>
+          <p:spPr>
+            <a:xfrm>
+              <a:off x="6411766" y="2200416"/>
+              <a:ext cx="1705916" cy="369332"/>
+            </a:xfrm>
+            <a:prstGeom prst="rect">
+              <a:avLst/>
+            </a:prstGeom>
+            <a:noFill/>
+          </p:spPr>
+          <p:txBody>
+            <a:bodyPr wrap="none" rtlCol="0">
+              <a:spAutoFit/>
+            </a:bodyPr>
+            <a:lstStyle/>
+            <a:p>
+              <a:r>
+                <a:rPr lang="en-US" altLang="zh-CN" dirty="0"/>
+                <a:t>all compile</a:t>
+              </a:r>
+              <a:r>
+                <a:rPr lang="zh-CN" altLang="en-US" dirty="0"/>
+                <a:t> </a:t>
+              </a:r>
+              <a:r>
+                <a:rPr lang="en-US" altLang="zh-CN" dirty="0"/>
+                <a:t>task</a:t>
+              </a:r>
+            </a:p>
+          </p:txBody>
+        </p:sp>
+      </p:grpSp>
+      <p:grpSp>
+        <p:nvGrpSpPr>
+          <p:cNvPr id="171" name="组合 170">
+            <a:extLst>
+              <a:ext uri="{FF2B5EF4-FFF2-40B4-BE49-F238E27FC236}">
+                <a16:creationId xmlns:a16="http://schemas.microsoft.com/office/drawing/2014/main" id="{7D322B1F-C570-4627-B40A-7472DF5560C6}"/>
+              </a:ext>
+            </a:extLst>
+          </p:cNvPr>
+          <p:cNvGrpSpPr/>
+          <p:nvPr/>
+        </p:nvGrpSpPr>
+        <p:grpSpPr>
+          <a:xfrm>
+            <a:off x="5542807" y="5001073"/>
+            <a:ext cx="1317990" cy="1251701"/>
+            <a:chOff x="6802394" y="4185918"/>
+            <a:chExt cx="1317990" cy="1251701"/>
+          </a:xfrm>
+        </p:grpSpPr>
+        <p:pic>
+          <p:nvPicPr>
+            <p:cNvPr id="28" name="图形 27" descr="惊讶的脸，实心填充">
+              <a:extLst>
+                <a:ext uri="{FF2B5EF4-FFF2-40B4-BE49-F238E27FC236}">
+                  <a16:creationId xmlns:a16="http://schemas.microsoft.com/office/drawing/2014/main" id="{D9B46197-59D6-4FAA-A3CE-B3906307569F}"/>
+                </a:ext>
+              </a:extLst>
+            </p:cNvPr>
+            <p:cNvPicPr>
+              <a:picLocks noChangeAspect="1"/>
+            </p:cNvPicPr>
+            <p:nvPr/>
+          </p:nvPicPr>
+          <p:blipFill>
+            <a:blip r:embed="rId14">
+              <a:extLst>
+                <a:ext uri="{28A0092B-C50C-407E-A947-70E740481C1C}">
+                  <a14:useLocalDpi xmlns:a14="http://schemas.microsoft.com/office/drawing/2010/main" val="0"/>
+                </a:ext>
+                <a:ext uri="{96DAC541-7B7A-43D3-8B79-37D633B846F1}">
+                  <asvg:svgBlip xmlns:asvg="http://schemas.microsoft.com/office/drawing/2016/SVG/main" r:embed="rId15"/>
+                </a:ext>
+              </a:extLst>
+            </a:blip>
+            <a:stretch>
+              <a:fillRect/>
+            </a:stretch>
+          </p:blipFill>
+          <p:spPr>
+            <a:xfrm>
+              <a:off x="7004189" y="4185918"/>
+              <a:ext cx="914400" cy="914400"/>
+            </a:xfrm>
+            <a:prstGeom prst="rect">
+              <a:avLst/>
+            </a:prstGeom>
+          </p:spPr>
+        </p:pic>
+        <p:sp>
+          <p:nvSpPr>
+            <p:cNvPr id="170" name="文本框 169">
+              <a:extLst>
+                <a:ext uri="{FF2B5EF4-FFF2-40B4-BE49-F238E27FC236}">
+                  <a16:creationId xmlns:a16="http://schemas.microsoft.com/office/drawing/2014/main" id="{E5B0A666-5E46-47B2-9CE6-49C42F063178}"/>
+                </a:ext>
+              </a:extLst>
+            </p:cNvPr>
+            <p:cNvSpPr txBox="1"/>
+            <p:nvPr/>
+          </p:nvSpPr>
+          <p:spPr>
+            <a:xfrm>
+              <a:off x="6802394" y="5068287"/>
+              <a:ext cx="1317990" cy="369332"/>
+            </a:xfrm>
+            <a:prstGeom prst="rect">
+              <a:avLst/>
+            </a:prstGeom>
+            <a:noFill/>
+          </p:spPr>
+          <p:txBody>
+            <a:bodyPr wrap="none" rtlCol="0">
+              <a:spAutoFit/>
+            </a:bodyPr>
+            <a:lstStyle/>
+            <a:p>
+              <a:r>
+                <a:rPr lang="en-US" altLang="zh-CN" dirty="0"/>
+                <a:t>compile fail</a:t>
+              </a:r>
+              <a:endParaRPr lang="zh-CN" altLang="en-US" dirty="0"/>
+            </a:p>
+          </p:txBody>
+        </p:sp>
+      </p:grpSp>
+      <p:grpSp>
+        <p:nvGrpSpPr>
+          <p:cNvPr id="177" name="组合 176">
+            <a:extLst>
+              <a:ext uri="{FF2B5EF4-FFF2-40B4-BE49-F238E27FC236}">
+                <a16:creationId xmlns:a16="http://schemas.microsoft.com/office/drawing/2014/main" id="{538E3B9C-0342-410A-B008-20450D4252DA}"/>
+              </a:ext>
+            </a:extLst>
+          </p:cNvPr>
+          <p:cNvGrpSpPr/>
+          <p:nvPr/>
+        </p:nvGrpSpPr>
+        <p:grpSpPr>
+          <a:xfrm>
+            <a:off x="8354152" y="2668691"/>
+            <a:ext cx="1770036" cy="1251701"/>
+            <a:chOff x="7617303" y="973114"/>
+            <a:chExt cx="1770036" cy="1251701"/>
+          </a:xfrm>
+        </p:grpSpPr>
+        <p:pic>
+          <p:nvPicPr>
+            <p:cNvPr id="26" name="图形 25" descr="笑嘻嘻的脸，没有填充">
+              <a:extLst>
+                <a:ext uri="{FF2B5EF4-FFF2-40B4-BE49-F238E27FC236}">
+                  <a16:creationId xmlns:a16="http://schemas.microsoft.com/office/drawing/2014/main" id="{E8AB7B15-7C04-40B4-A23F-AC559FAB7CAE}"/>
+                </a:ext>
+              </a:extLst>
+            </p:cNvPr>
+            <p:cNvPicPr>
+              <a:picLocks noChangeAspect="1"/>
+            </p:cNvPicPr>
+            <p:nvPr/>
+          </p:nvPicPr>
+          <p:blipFill>
+            <a:blip r:embed="rId16">
+              <a:extLst>
+                <a:ext uri="{28A0092B-C50C-407E-A947-70E740481C1C}">
+                  <a14:useLocalDpi xmlns:a14="http://schemas.microsoft.com/office/drawing/2010/main" val="0"/>
+                </a:ext>
+                <a:ext uri="{96DAC541-7B7A-43D3-8B79-37D633B846F1}">
+                  <asvg:svgBlip xmlns:asvg="http://schemas.microsoft.com/office/drawing/2016/SVG/main" r:embed="rId17"/>
+                </a:ext>
+              </a:extLst>
+            </a:blip>
+            <a:stretch>
+              <a:fillRect/>
+            </a:stretch>
+          </p:blipFill>
+          <p:spPr>
+            <a:xfrm>
+              <a:off x="8045121" y="1310415"/>
+              <a:ext cx="914400" cy="914400"/>
+            </a:xfrm>
+            <a:prstGeom prst="rect">
+              <a:avLst/>
+            </a:prstGeom>
+          </p:spPr>
+        </p:pic>
+        <p:sp>
+          <p:nvSpPr>
+            <p:cNvPr id="176" name="文本框 175">
+              <a:extLst>
+                <a:ext uri="{FF2B5EF4-FFF2-40B4-BE49-F238E27FC236}">
+                  <a16:creationId xmlns:a16="http://schemas.microsoft.com/office/drawing/2014/main" id="{1658BC22-4535-46C4-AA7D-B1502CFD93CE}"/>
+                </a:ext>
+              </a:extLst>
+            </p:cNvPr>
+            <p:cNvSpPr txBox="1"/>
+            <p:nvPr/>
+          </p:nvSpPr>
+          <p:spPr>
+            <a:xfrm>
+              <a:off x="7617303" y="973114"/>
+              <a:ext cx="1770036" cy="369332"/>
+            </a:xfrm>
+            <a:prstGeom prst="rect">
+              <a:avLst/>
+            </a:prstGeom>
+            <a:noFill/>
+          </p:spPr>
+          <p:txBody>
+            <a:bodyPr wrap="none" rtlCol="0">
+              <a:spAutoFit/>
+            </a:bodyPr>
+            <a:lstStyle/>
+            <a:p>
+              <a:r>
+                <a:rPr lang="en-US" altLang="zh-CN" dirty="0"/>
+                <a:t>compile success</a:t>
+              </a:r>
+              <a:endParaRPr lang="zh-CN" altLang="en-US" dirty="0"/>
+            </a:p>
+          </p:txBody>
+        </p:sp>
+      </p:grpSp>
+      <p:grpSp>
+        <p:nvGrpSpPr>
+          <p:cNvPr id="251" name="组合 250">
+            <a:extLst>
+              <a:ext uri="{FF2B5EF4-FFF2-40B4-BE49-F238E27FC236}">
+                <a16:creationId xmlns:a16="http://schemas.microsoft.com/office/drawing/2014/main" id="{7458476F-889B-4C18-B53C-ABAE215DEAE7}"/>
+              </a:ext>
+            </a:extLst>
+          </p:cNvPr>
+          <p:cNvGrpSpPr/>
+          <p:nvPr/>
+        </p:nvGrpSpPr>
+        <p:grpSpPr>
+          <a:xfrm>
+            <a:off x="10312967" y="3007896"/>
+            <a:ext cx="1436612" cy="1172569"/>
+            <a:chOff x="10103330" y="3118544"/>
+            <a:chExt cx="1436612" cy="1172569"/>
+          </a:xfrm>
+        </p:grpSpPr>
+        <p:pic>
+          <p:nvPicPr>
+            <p:cNvPr id="62" name="图形 61" descr="数据库">
+              <a:extLst>
+                <a:ext uri="{FF2B5EF4-FFF2-40B4-BE49-F238E27FC236}">
+                  <a16:creationId xmlns:a16="http://schemas.microsoft.com/office/drawing/2014/main" id="{3228AB96-17E2-430E-B4A0-0B6F3E914E5A}"/>
+                </a:ext>
+              </a:extLst>
+            </p:cNvPr>
+            <p:cNvPicPr>
+              <a:picLocks noChangeAspect="1"/>
+            </p:cNvPicPr>
+            <p:nvPr/>
+          </p:nvPicPr>
+          <p:blipFill>
+            <a:blip r:embed="rId18">
+              <a:extLst>
+                <a:ext uri="{28A0092B-C50C-407E-A947-70E740481C1C}">
+                  <a14:useLocalDpi xmlns:a14="http://schemas.microsoft.com/office/drawing/2010/main" val="0"/>
+                </a:ext>
+                <a:ext uri="{96DAC541-7B7A-43D3-8B79-37D633B846F1}">
+                  <asvg:svgBlip xmlns:asvg="http://schemas.microsoft.com/office/drawing/2016/SVG/main" r:embed="rId19"/>
+                </a:ext>
+              </a:extLst>
+            </a:blip>
+            <a:stretch>
+              <a:fillRect/>
+            </a:stretch>
+          </p:blipFill>
+          <p:spPr>
+            <a:xfrm>
+              <a:off x="10334034" y="3118544"/>
+              <a:ext cx="914400" cy="914400"/>
+            </a:xfrm>
+            <a:prstGeom prst="rect">
+              <a:avLst/>
+            </a:prstGeom>
+          </p:spPr>
+        </p:pic>
+        <p:sp>
+          <p:nvSpPr>
+            <p:cNvPr id="183" name="文本框 182">
+              <a:extLst>
+                <a:ext uri="{FF2B5EF4-FFF2-40B4-BE49-F238E27FC236}">
+                  <a16:creationId xmlns:a16="http://schemas.microsoft.com/office/drawing/2014/main" id="{D3CA10E1-985C-4953-9E5C-D1FEE7CA5CA7}"/>
+                </a:ext>
+              </a:extLst>
+            </p:cNvPr>
+            <p:cNvSpPr txBox="1"/>
+            <p:nvPr/>
+          </p:nvSpPr>
+          <p:spPr>
+            <a:xfrm>
+              <a:off x="10103330" y="3921781"/>
+              <a:ext cx="1436612" cy="369332"/>
+            </a:xfrm>
+            <a:prstGeom prst="rect">
+              <a:avLst/>
+            </a:prstGeom>
+            <a:noFill/>
+          </p:spPr>
+          <p:txBody>
+            <a:bodyPr wrap="none" rtlCol="0">
+              <a:spAutoFit/>
+            </a:bodyPr>
+            <a:lstStyle/>
+            <a:p>
+              <a:r>
+                <a:rPr lang="en-US" altLang="zh-CN" dirty="0"/>
+                <a:t>synchronous</a:t>
+              </a:r>
+              <a:endParaRPr lang="zh-CN" altLang="en-US" dirty="0"/>
+            </a:p>
+          </p:txBody>
+        </p:sp>
+      </p:grpSp>
+      <p:grpSp>
+        <p:nvGrpSpPr>
+          <p:cNvPr id="194" name="组合 193">
+            <a:extLst>
+              <a:ext uri="{FF2B5EF4-FFF2-40B4-BE49-F238E27FC236}">
+                <a16:creationId xmlns:a16="http://schemas.microsoft.com/office/drawing/2014/main" id="{797F2BC4-E7B7-4DEF-BCF6-AFDFB99F06D7}"/>
+              </a:ext>
+            </a:extLst>
+          </p:cNvPr>
+          <p:cNvGrpSpPr/>
+          <p:nvPr/>
+        </p:nvGrpSpPr>
+        <p:grpSpPr>
+          <a:xfrm>
+            <a:off x="10406705" y="970588"/>
+            <a:ext cx="1152880" cy="1231378"/>
+            <a:chOff x="10534013" y="3378781"/>
+            <a:chExt cx="1152880" cy="1231378"/>
+          </a:xfrm>
+        </p:grpSpPr>
+        <p:pic>
+          <p:nvPicPr>
+            <p:cNvPr id="60" name="图形 59" descr="地球亚洲-澳大利亚">
+              <a:extLst>
+                <a:ext uri="{FF2B5EF4-FFF2-40B4-BE49-F238E27FC236}">
+                  <a16:creationId xmlns:a16="http://schemas.microsoft.com/office/drawing/2014/main" id="{A6650F02-D047-4125-B3D4-7CDF218AAFA9}"/>
+                </a:ext>
+              </a:extLst>
+            </p:cNvPr>
+            <p:cNvPicPr>
+              <a:picLocks noChangeAspect="1"/>
+            </p:cNvPicPr>
+            <p:nvPr/>
+          </p:nvPicPr>
+          <p:blipFill>
+            <a:blip r:embed="rId20">
+              <a:extLst>
+                <a:ext uri="{28A0092B-C50C-407E-A947-70E740481C1C}">
+                  <a14:useLocalDpi xmlns:a14="http://schemas.microsoft.com/office/drawing/2010/main" val="0"/>
+                </a:ext>
+                <a:ext uri="{96DAC541-7B7A-43D3-8B79-37D633B846F1}">
+                  <asvg:svgBlip xmlns:asvg="http://schemas.microsoft.com/office/drawing/2016/SVG/main" r:embed="rId21"/>
+                </a:ext>
+              </a:extLst>
+            </a:blip>
+            <a:stretch>
+              <a:fillRect/>
+            </a:stretch>
+          </p:blipFill>
+          <p:spPr>
+            <a:xfrm>
+              <a:off x="10676976" y="3695759"/>
+              <a:ext cx="914400" cy="914400"/>
+            </a:xfrm>
+            <a:prstGeom prst="rect">
+              <a:avLst/>
+            </a:prstGeom>
+          </p:spPr>
+        </p:pic>
+        <p:sp>
+          <p:nvSpPr>
+            <p:cNvPr id="193" name="文本框 192">
+              <a:extLst>
+                <a:ext uri="{FF2B5EF4-FFF2-40B4-BE49-F238E27FC236}">
+                  <a16:creationId xmlns:a16="http://schemas.microsoft.com/office/drawing/2014/main" id="{E4AA2245-4D12-4726-8234-07F1EB773908}"/>
+                </a:ext>
+              </a:extLst>
+            </p:cNvPr>
+            <p:cNvSpPr txBox="1"/>
+            <p:nvPr/>
+          </p:nvSpPr>
+          <p:spPr>
+            <a:xfrm>
+              <a:off x="10534013" y="3378781"/>
+              <a:ext cx="1152880" cy="369332"/>
+            </a:xfrm>
+            <a:prstGeom prst="rect">
+              <a:avLst/>
+            </a:prstGeom>
+            <a:noFill/>
+          </p:spPr>
+          <p:txBody>
+            <a:bodyPr wrap="none" rtlCol="0">
+              <a:spAutoFit/>
+            </a:bodyPr>
+            <a:lstStyle/>
+            <a:p>
+              <a:r>
+                <a:rPr lang="en-US" altLang="zh-CN" dirty="0"/>
+                <a:t>published</a:t>
+              </a:r>
+              <a:endParaRPr lang="zh-CN" altLang="en-US" dirty="0"/>
+            </a:p>
+          </p:txBody>
+        </p:sp>
+      </p:grpSp>
+      <p:grpSp>
+        <p:nvGrpSpPr>
+          <p:cNvPr id="242" name="组合 241">
+            <a:extLst>
+              <a:ext uri="{FF2B5EF4-FFF2-40B4-BE49-F238E27FC236}">
+                <a16:creationId xmlns:a16="http://schemas.microsoft.com/office/drawing/2014/main" id="{F4B68C5C-67B1-481A-A726-5CA1D9CF7DB4}"/>
+              </a:ext>
+            </a:extLst>
+          </p:cNvPr>
+          <p:cNvGrpSpPr/>
+          <p:nvPr/>
+        </p:nvGrpSpPr>
+        <p:grpSpPr>
+          <a:xfrm>
+            <a:off x="6925162" y="1751489"/>
+            <a:ext cx="1383712" cy="1227642"/>
+            <a:chOff x="6797424" y="1648221"/>
+            <a:chExt cx="1383712" cy="1227642"/>
+          </a:xfrm>
+        </p:grpSpPr>
+        <p:pic>
+          <p:nvPicPr>
+            <p:cNvPr id="203" name="图形 202" descr="秒表">
+              <a:extLst>
+                <a:ext uri="{FF2B5EF4-FFF2-40B4-BE49-F238E27FC236}">
+                  <a16:creationId xmlns:a16="http://schemas.microsoft.com/office/drawing/2014/main" id="{B5531B4B-B8A2-42FB-9FD8-44300BC33FAC}"/>
+                </a:ext>
+              </a:extLst>
+            </p:cNvPr>
+            <p:cNvPicPr>
+              <a:picLocks noChangeAspect="1"/>
+            </p:cNvPicPr>
+            <p:nvPr/>
+          </p:nvPicPr>
+          <p:blipFill>
+            <a:blip r:embed="rId22">
+              <a:extLst>
+                <a:ext uri="{28A0092B-C50C-407E-A947-70E740481C1C}">
+                  <a14:useLocalDpi xmlns:a14="http://schemas.microsoft.com/office/drawing/2010/main" val="0"/>
+                </a:ext>
+                <a:ext uri="{96DAC541-7B7A-43D3-8B79-37D633B846F1}">
+                  <asvg:svgBlip xmlns:asvg="http://schemas.microsoft.com/office/drawing/2016/SVG/main" r:embed="rId23"/>
+                </a:ext>
+              </a:extLst>
+            </a:blip>
+            <a:stretch>
+              <a:fillRect/>
+            </a:stretch>
+          </p:blipFill>
+          <p:spPr>
+            <a:xfrm>
+              <a:off x="7038419" y="1961463"/>
+              <a:ext cx="914400" cy="914400"/>
+            </a:xfrm>
+            <a:prstGeom prst="rect">
+              <a:avLst/>
+            </a:prstGeom>
+          </p:spPr>
+        </p:pic>
+        <p:sp>
+          <p:nvSpPr>
+            <p:cNvPr id="204" name="文本框 203">
+              <a:extLst>
+                <a:ext uri="{FF2B5EF4-FFF2-40B4-BE49-F238E27FC236}">
+                  <a16:creationId xmlns:a16="http://schemas.microsoft.com/office/drawing/2014/main" id="{7F4169C5-6440-4949-AB65-8D5EFC6B4F7F}"/>
+                </a:ext>
+              </a:extLst>
+            </p:cNvPr>
+            <p:cNvSpPr txBox="1"/>
+            <p:nvPr/>
+          </p:nvSpPr>
+          <p:spPr>
+            <a:xfrm>
+              <a:off x="6797424" y="1648221"/>
+              <a:ext cx="1383712" cy="369332"/>
+            </a:xfrm>
+            <a:prstGeom prst="rect">
+              <a:avLst/>
+            </a:prstGeom>
+            <a:noFill/>
+          </p:spPr>
+          <p:txBody>
+            <a:bodyPr wrap="none" rtlCol="0">
+              <a:spAutoFit/>
+            </a:bodyPr>
+            <a:lstStyle/>
+            <a:p>
+              <a:r>
+                <a:rPr lang="en-US" altLang="zh-CN" dirty="0"/>
+                <a:t>fast compile</a:t>
+              </a:r>
+              <a:endParaRPr lang="zh-CN" altLang="en-US" dirty="0"/>
+            </a:p>
+          </p:txBody>
+        </p:sp>
+      </p:grpSp>
+      <p:grpSp>
+        <p:nvGrpSpPr>
+          <p:cNvPr id="208" name="组合 207">
+            <a:extLst>
+              <a:ext uri="{FF2B5EF4-FFF2-40B4-BE49-F238E27FC236}">
+                <a16:creationId xmlns:a16="http://schemas.microsoft.com/office/drawing/2014/main" id="{996A8B71-024B-4DA6-9823-FFD5ABD226EA}"/>
+              </a:ext>
+            </a:extLst>
+          </p:cNvPr>
+          <p:cNvGrpSpPr/>
+          <p:nvPr/>
+        </p:nvGrpSpPr>
+        <p:grpSpPr>
+          <a:xfrm>
+            <a:off x="6970057" y="4032944"/>
+            <a:ext cx="1329210" cy="1283732"/>
+            <a:chOff x="7996847" y="4098705"/>
+            <a:chExt cx="1329210" cy="1283732"/>
+          </a:xfrm>
+        </p:grpSpPr>
+        <p:pic>
+          <p:nvPicPr>
+            <p:cNvPr id="199" name="图形 198" descr="沙漏">
+              <a:extLst>
+                <a:ext uri="{FF2B5EF4-FFF2-40B4-BE49-F238E27FC236}">
+                  <a16:creationId xmlns:a16="http://schemas.microsoft.com/office/drawing/2014/main" id="{81C92330-C848-451B-918D-3430CE814063}"/>
+                </a:ext>
+              </a:extLst>
+            </p:cNvPr>
+            <p:cNvPicPr>
+              <a:picLocks noChangeAspect="1"/>
+            </p:cNvPicPr>
+            <p:nvPr/>
+          </p:nvPicPr>
+          <p:blipFill>
+            <a:blip r:embed="rId24">
+              <a:extLst>
+                <a:ext uri="{28A0092B-C50C-407E-A947-70E740481C1C}">
+                  <a14:useLocalDpi xmlns:a14="http://schemas.microsoft.com/office/drawing/2010/main" val="0"/>
+                </a:ext>
+                <a:ext uri="{96DAC541-7B7A-43D3-8B79-37D633B846F1}">
+                  <asvg:svgBlip xmlns:asvg="http://schemas.microsoft.com/office/drawing/2016/SVG/main" r:embed="rId25"/>
+                </a:ext>
+              </a:extLst>
+            </a:blip>
+            <a:stretch>
+              <a:fillRect/>
+            </a:stretch>
+          </p:blipFill>
+          <p:spPr>
+            <a:xfrm>
+              <a:off x="8204252" y="4098705"/>
+              <a:ext cx="914400" cy="914400"/>
+            </a:xfrm>
+            <a:prstGeom prst="rect">
+              <a:avLst/>
+            </a:prstGeom>
+          </p:spPr>
+        </p:pic>
+        <p:sp>
+          <p:nvSpPr>
+            <p:cNvPr id="207" name="文本框 206">
+              <a:extLst>
+                <a:ext uri="{FF2B5EF4-FFF2-40B4-BE49-F238E27FC236}">
+                  <a16:creationId xmlns:a16="http://schemas.microsoft.com/office/drawing/2014/main" id="{58BB3BEA-34C7-4A73-9BF5-8EE1A3F00469}"/>
+                </a:ext>
+              </a:extLst>
+            </p:cNvPr>
+            <p:cNvSpPr txBox="1"/>
+            <p:nvPr/>
+          </p:nvSpPr>
+          <p:spPr>
+            <a:xfrm>
+              <a:off x="7996847" y="5013105"/>
+              <a:ext cx="1329210" cy="369332"/>
+            </a:xfrm>
+            <a:prstGeom prst="rect">
+              <a:avLst/>
+            </a:prstGeom>
+            <a:noFill/>
+          </p:spPr>
+          <p:txBody>
+            <a:bodyPr wrap="none" rtlCol="0">
+              <a:spAutoFit/>
+            </a:bodyPr>
+            <a:lstStyle/>
+            <a:p>
+              <a:r>
+                <a:rPr lang="en-US" altLang="zh-CN" dirty="0"/>
+                <a:t>full compile</a:t>
+              </a:r>
+              <a:endParaRPr lang="zh-CN" altLang="en-US" dirty="0"/>
+            </a:p>
+          </p:txBody>
+        </p:sp>
+      </p:grpSp>
+      <p:cxnSp>
+        <p:nvCxnSpPr>
+          <p:cNvPr id="214" name="直接箭头连接符 213">
+            <a:extLst>
+              <a:ext uri="{FF2B5EF4-FFF2-40B4-BE49-F238E27FC236}">
+                <a16:creationId xmlns:a16="http://schemas.microsoft.com/office/drawing/2014/main" id="{D936623D-478F-41C8-ACE6-9FB686497FC9}"/>
+              </a:ext>
+            </a:extLst>
+          </p:cNvPr>
+          <p:cNvCxnSpPr>
+            <a:stCxn id="22" idx="3"/>
+            <a:endCxn id="203" idx="1"/>
+          </p:cNvCxnSpPr>
+          <p:nvPr/>
+        </p:nvCxnSpPr>
+        <p:spPr>
+          <a:xfrm flipV="1">
+            <a:off x="6667706" y="2521931"/>
+            <a:ext cx="498451" cy="985478"/>
+          </a:xfrm>
+          <a:prstGeom prst="straightConnector1">
+            <a:avLst/>
+          </a:prstGeom>
+          <a:ln>
+            <a:tailEnd type="triangle"/>
+          </a:ln>
+        </p:spPr>
+        <p:style>
+          <a:lnRef idx="1">
+            <a:schemeClr val="dk1"/>
+          </a:lnRef>
+          <a:fillRef idx="0">
+            <a:schemeClr val="dk1"/>
+          </a:fillRef>
+          <a:effectRef idx="0">
+            <a:schemeClr val="dk1"/>
+          </a:effectRef>
+          <a:fontRef idx="minor">
+            <a:schemeClr val="tx1"/>
+          </a:fontRef>
+        </p:style>
+      </p:cxnSp>
+      <p:cxnSp>
+        <p:nvCxnSpPr>
+          <p:cNvPr id="216" name="直接箭头连接符 215">
+            <a:extLst>
+              <a:ext uri="{FF2B5EF4-FFF2-40B4-BE49-F238E27FC236}">
+                <a16:creationId xmlns:a16="http://schemas.microsoft.com/office/drawing/2014/main" id="{661AD46A-90BE-4755-B1FC-23AD2A9C90DB}"/>
+              </a:ext>
+            </a:extLst>
+          </p:cNvPr>
+          <p:cNvCxnSpPr>
+            <a:stCxn id="203" idx="3"/>
+            <a:endCxn id="26" idx="1"/>
+          </p:cNvCxnSpPr>
+          <p:nvPr/>
+        </p:nvCxnSpPr>
+        <p:spPr>
+          <a:xfrm>
+            <a:off x="8080557" y="2521931"/>
+            <a:ext cx="701413" cy="941261"/>
+          </a:xfrm>
+          <a:prstGeom prst="straightConnector1">
+            <a:avLst/>
+          </a:prstGeom>
+          <a:ln>
+            <a:tailEnd type="triangle"/>
+          </a:ln>
+        </p:spPr>
+        <p:style>
+          <a:lnRef idx="1">
+            <a:schemeClr val="dk1"/>
+          </a:lnRef>
+          <a:fillRef idx="0">
+            <a:schemeClr val="dk1"/>
+          </a:fillRef>
+          <a:effectRef idx="0">
+            <a:schemeClr val="dk1"/>
+          </a:effectRef>
+          <a:fontRef idx="minor">
+            <a:schemeClr val="tx1"/>
+          </a:fontRef>
+        </p:style>
+      </p:cxnSp>
+      <p:cxnSp>
+        <p:nvCxnSpPr>
+          <p:cNvPr id="218" name="直接箭头连接符 217">
+            <a:extLst>
+              <a:ext uri="{FF2B5EF4-FFF2-40B4-BE49-F238E27FC236}">
+                <a16:creationId xmlns:a16="http://schemas.microsoft.com/office/drawing/2014/main" id="{DF8FB9F5-30D1-4C50-B66D-C28CCE3FAC25}"/>
+              </a:ext>
+            </a:extLst>
+          </p:cNvPr>
+          <p:cNvCxnSpPr>
+            <a:cxnSpLocks/>
+            <a:stCxn id="199" idx="3"/>
+            <a:endCxn id="26" idx="1"/>
+          </p:cNvCxnSpPr>
+          <p:nvPr/>
+        </p:nvCxnSpPr>
+        <p:spPr>
+          <a:xfrm flipV="1">
+            <a:off x="8091862" y="3463192"/>
+            <a:ext cx="690108" cy="1026952"/>
+          </a:xfrm>
+          <a:prstGeom prst="straightConnector1">
+            <a:avLst/>
+          </a:prstGeom>
+          <a:ln>
+            <a:tailEnd type="triangle"/>
+          </a:ln>
+        </p:spPr>
+        <p:style>
+          <a:lnRef idx="1">
+            <a:schemeClr val="dk1"/>
+          </a:lnRef>
+          <a:fillRef idx="0">
+            <a:schemeClr val="dk1"/>
+          </a:fillRef>
+          <a:effectRef idx="0">
+            <a:schemeClr val="dk1"/>
+          </a:effectRef>
+          <a:fontRef idx="minor">
+            <a:schemeClr val="tx1"/>
+          </a:fontRef>
+        </p:style>
+      </p:cxnSp>
+      <p:grpSp>
+        <p:nvGrpSpPr>
+          <p:cNvPr id="227" name="组合 226">
+            <a:extLst>
+              <a:ext uri="{FF2B5EF4-FFF2-40B4-BE49-F238E27FC236}">
+                <a16:creationId xmlns:a16="http://schemas.microsoft.com/office/drawing/2014/main" id="{DD99846F-F667-4190-9870-E61027F0FFFC}"/>
+              </a:ext>
+            </a:extLst>
+          </p:cNvPr>
+          <p:cNvGrpSpPr/>
+          <p:nvPr/>
+        </p:nvGrpSpPr>
+        <p:grpSpPr>
+          <a:xfrm>
+            <a:off x="3756387" y="3050209"/>
+            <a:ext cx="1128835" cy="1283732"/>
+            <a:chOff x="5988782" y="481263"/>
+            <a:chExt cx="1128835" cy="1283732"/>
+          </a:xfrm>
+        </p:grpSpPr>
+        <p:pic>
+          <p:nvPicPr>
+            <p:cNvPr id="228" name="图形 227" descr="齿轮">
+              <a:extLst>
+                <a:ext uri="{FF2B5EF4-FFF2-40B4-BE49-F238E27FC236}">
+                  <a16:creationId xmlns:a16="http://schemas.microsoft.com/office/drawing/2014/main" id="{CAFDD5F8-ECC7-432E-8CD9-147198C45650}"/>
+                </a:ext>
+              </a:extLst>
+            </p:cNvPr>
+            <p:cNvPicPr>
+              <a:picLocks noChangeAspect="1"/>
+            </p:cNvPicPr>
+            <p:nvPr/>
+          </p:nvPicPr>
+          <p:blipFill>
+            <a:blip r:embed="rId26">
+              <a:extLst>
+                <a:ext uri="{28A0092B-C50C-407E-A947-70E740481C1C}">
+                  <a14:useLocalDpi xmlns:a14="http://schemas.microsoft.com/office/drawing/2010/main" val="0"/>
+                </a:ext>
+                <a:ext uri="{96DAC541-7B7A-43D3-8B79-37D633B846F1}">
+                  <asvg:svgBlip xmlns:asvg="http://schemas.microsoft.com/office/drawing/2016/SVG/main" r:embed="rId27"/>
+                </a:ext>
+              </a:extLst>
+            </a:blip>
+            <a:stretch>
+              <a:fillRect/>
+            </a:stretch>
+          </p:blipFill>
+          <p:spPr>
+            <a:xfrm>
+              <a:off x="6096000" y="481263"/>
+              <a:ext cx="914400" cy="914400"/>
+            </a:xfrm>
+            <a:prstGeom prst="rect">
+              <a:avLst/>
+            </a:prstGeom>
+          </p:spPr>
+        </p:pic>
+        <p:sp>
+          <p:nvSpPr>
+            <p:cNvPr id="229" name="文本框 228">
+              <a:extLst>
+                <a:ext uri="{FF2B5EF4-FFF2-40B4-BE49-F238E27FC236}">
+                  <a16:creationId xmlns:a16="http://schemas.microsoft.com/office/drawing/2014/main" id="{BE817531-C7AC-4395-B62D-441D4DF10ADB}"/>
+                </a:ext>
+              </a:extLst>
+            </p:cNvPr>
+            <p:cNvSpPr txBox="1"/>
+            <p:nvPr/>
+          </p:nvSpPr>
+          <p:spPr>
+            <a:xfrm>
+              <a:off x="5988782" y="1395663"/>
+              <a:ext cx="1128835" cy="369332"/>
+            </a:xfrm>
+            <a:prstGeom prst="rect">
+              <a:avLst/>
+            </a:prstGeom>
+            <a:noFill/>
+          </p:spPr>
+          <p:txBody>
+            <a:bodyPr wrap="none" rtlCol="0">
+              <a:spAutoFit/>
+            </a:bodyPr>
+            <a:lstStyle/>
+            <a:p>
+              <a:r>
+                <a:rPr lang="en-US" altLang="zh-CN" dirty="0"/>
+                <a:t>check diff</a:t>
+              </a:r>
+              <a:endParaRPr lang="zh-CN" altLang="en-US" dirty="0"/>
+            </a:p>
+          </p:txBody>
+        </p:sp>
+      </p:grpSp>
+      <p:grpSp>
+        <p:nvGrpSpPr>
+          <p:cNvPr id="253" name="组合 252">
+            <a:extLst>
+              <a:ext uri="{FF2B5EF4-FFF2-40B4-BE49-F238E27FC236}">
+                <a16:creationId xmlns:a16="http://schemas.microsoft.com/office/drawing/2014/main" id="{D53DE238-A782-4A9E-8587-8110D16DF685}"/>
+              </a:ext>
+            </a:extLst>
+          </p:cNvPr>
+          <p:cNvGrpSpPr/>
+          <p:nvPr/>
+        </p:nvGrpSpPr>
+        <p:grpSpPr>
+          <a:xfrm>
+            <a:off x="10397191" y="4989041"/>
+            <a:ext cx="1314784" cy="1257704"/>
+            <a:chOff x="6569937" y="281863"/>
+            <a:chExt cx="1314784" cy="1257704"/>
+          </a:xfrm>
+        </p:grpSpPr>
+        <p:pic>
+          <p:nvPicPr>
+            <p:cNvPr id="254" name="图形 253" descr="世界">
+              <a:extLst>
+                <a:ext uri="{FF2B5EF4-FFF2-40B4-BE49-F238E27FC236}">
+                  <a16:creationId xmlns:a16="http://schemas.microsoft.com/office/drawing/2014/main" id="{EC9E4C2B-E8EF-4026-A311-0128DDAC6E48}"/>
+                </a:ext>
+              </a:extLst>
+            </p:cNvPr>
+            <p:cNvPicPr>
+              <a:picLocks noChangeAspect="1"/>
+            </p:cNvPicPr>
+            <p:nvPr/>
+          </p:nvPicPr>
+          <p:blipFill>
+            <a:blip r:embed="rId28">
+              <a:extLst>
+                <a:ext uri="{28A0092B-C50C-407E-A947-70E740481C1C}">
+                  <a14:useLocalDpi xmlns:a14="http://schemas.microsoft.com/office/drawing/2010/main" val="0"/>
+                </a:ext>
+                <a:ext uri="{96DAC541-7B7A-43D3-8B79-37D633B846F1}">
+                  <asvg:svgBlip xmlns:asvg="http://schemas.microsoft.com/office/drawing/2016/SVG/main" r:embed="rId29"/>
+                </a:ext>
+              </a:extLst>
+            </a:blip>
+            <a:stretch>
+              <a:fillRect/>
+            </a:stretch>
+          </p:blipFill>
+          <p:spPr>
+            <a:xfrm>
+              <a:off x="6744916" y="281863"/>
+              <a:ext cx="914400" cy="914400"/>
+            </a:xfrm>
+            <a:prstGeom prst="rect">
+              <a:avLst/>
+            </a:prstGeom>
+          </p:spPr>
+        </p:pic>
+        <p:sp>
+          <p:nvSpPr>
+            <p:cNvPr id="255" name="文本框 254">
+              <a:extLst>
+                <a:ext uri="{FF2B5EF4-FFF2-40B4-BE49-F238E27FC236}">
+                  <a16:creationId xmlns:a16="http://schemas.microsoft.com/office/drawing/2014/main" id="{7D1252B8-5C1C-4F9E-BFD7-248B589F3986}"/>
+                </a:ext>
+              </a:extLst>
+            </p:cNvPr>
+            <p:cNvSpPr txBox="1"/>
+            <p:nvPr/>
+          </p:nvSpPr>
+          <p:spPr>
+            <a:xfrm>
+              <a:off x="6569937" y="1170235"/>
+              <a:ext cx="1314784" cy="369332"/>
+            </a:xfrm>
+            <a:prstGeom prst="rect">
+              <a:avLst/>
+            </a:prstGeom>
+            <a:noFill/>
+          </p:spPr>
+          <p:txBody>
+            <a:bodyPr wrap="none" rtlCol="0">
+              <a:spAutoFit/>
+            </a:bodyPr>
+            <a:lstStyle/>
+            <a:p>
+              <a:r>
+                <a:rPr lang="en-US" altLang="zh-CN" dirty="0"/>
+                <a:t>Internal net</a:t>
+              </a:r>
+              <a:endParaRPr lang="zh-CN" altLang="en-US" dirty="0"/>
+            </a:p>
+          </p:txBody>
+        </p:sp>
+      </p:grpSp>
+      <p:cxnSp>
+        <p:nvCxnSpPr>
+          <p:cNvPr id="257" name="直接箭头连接符 256">
+            <a:extLst>
+              <a:ext uri="{FF2B5EF4-FFF2-40B4-BE49-F238E27FC236}">
+                <a16:creationId xmlns:a16="http://schemas.microsoft.com/office/drawing/2014/main" id="{AF4AE3D5-7FC2-43AF-99DA-07C8C8B2EB31}"/>
+              </a:ext>
+            </a:extLst>
+          </p:cNvPr>
+          <p:cNvCxnSpPr>
+            <a:cxnSpLocks/>
+            <a:stCxn id="183" idx="2"/>
+            <a:endCxn id="254" idx="0"/>
+          </p:cNvCxnSpPr>
+          <p:nvPr/>
+        </p:nvCxnSpPr>
+        <p:spPr>
+          <a:xfrm flipH="1">
+            <a:off x="11029370" y="4180465"/>
+            <a:ext cx="1903" cy="808576"/>
+          </a:xfrm>
+          <a:prstGeom prst="straightConnector1">
+            <a:avLst/>
+          </a:prstGeom>
+          <a:ln>
+            <a:tailEnd type="triangle"/>
+          </a:ln>
+        </p:spPr>
+        <p:style>
+          <a:lnRef idx="1">
+            <a:schemeClr val="dk1"/>
+          </a:lnRef>
+          <a:fillRef idx="0">
+            <a:schemeClr val="dk1"/>
+          </a:fillRef>
+          <a:effectRef idx="0">
+            <a:schemeClr val="dk1"/>
+          </a:effectRef>
+          <a:fontRef idx="minor">
+            <a:schemeClr val="tx1"/>
+          </a:fontRef>
+        </p:style>
+      </p:cxnSp>
+    </p:spTree>
+    <p:extLst>
+      <p:ext uri="{BB962C8B-B14F-4D97-AF65-F5344CB8AC3E}">
+        <p14:creationId xmlns:p14="http://schemas.microsoft.com/office/powerpoint/2010/main" val="98651608"/>
+      </p:ext>
+    </p:extLst>
+  </p:cSld>
+  <p:clrMapOvr>
+    <a:masterClrMapping/>
+  </p:clrMapOvr>
+  <p:timing>
+    <p:tnLst>
+      <p:par>
+        <p:cTn id="1" dur="indefinite" restart="never" nodeType="tmRoot">
+          <p:childTnLst>
+            <p:seq concurrent="1" nextAc="seek">
+              <p:cTn id="2" dur="indefinite" nodeType="mainSeq">
+                <p:childTnLst>
+                  <p:par>
+                    <p:cTn id="3" fill="hold">
+                      <p:stCondLst>
+                        <p:cond delay="indefinite"/>
+                      </p:stCondLst>
+                      <p:childTnLst>
+                        <p:par>
+                          <p:cTn id="4" fill="hold">
+                            <p:stCondLst>
+                              <p:cond delay="0"/>
+                            </p:stCondLst>
+                            <p:childTnLst>
+                              <p:par>
+                                <p:cTn id="5" presetID="42" presetClass="entr" presetSubtype="0" fill="hold" nodeType="clickEffect">
+                                  <p:stCondLst>
+                                    <p:cond delay="0"/>
+                                  </p:stCondLst>
+                                  <p:childTnLst>
+                                    <p:set>
+                                      <p:cBhvr>
+                                        <p:cTn id="6" dur="1" fill="hold">
+                                          <p:stCondLst>
+                                            <p:cond delay="0"/>
+                                          </p:stCondLst>
+                                        </p:cTn>
+                                        <p:tgtEl>
+                                          <p:spTgt spid="10"/>
+                                        </p:tgtEl>
+                                        <p:attrNameLst>
+                                          <p:attrName>style.visibility</p:attrName>
+                                        </p:attrNameLst>
+                                      </p:cBhvr>
+                                      <p:to>
+                                        <p:strVal val="visible"/>
+                                      </p:to>
+                                    </p:set>
+                                    <p:animEffect transition="in" filter="fade">
+                                      <p:cBhvr>
+                                        <p:cTn id="7" dur="1000"/>
+                                        <p:tgtEl>
+                                          <p:spTgt spid="10"/>
+                                        </p:tgtEl>
+                                      </p:cBhvr>
+                                    </p:animEffect>
+                                    <p:anim calcmode="lin" valueType="num">
+                                      <p:cBhvr>
+                                        <p:cTn id="8" dur="1000" fill="hold"/>
+                                        <p:tgtEl>
+                                          <p:spTgt spid="10"/>
+                                        </p:tgtEl>
+                                        <p:attrNameLst>
+                                          <p:attrName>ppt_x</p:attrName>
+                                        </p:attrNameLst>
+                                      </p:cBhvr>
+                                      <p:tavLst>
+                                        <p:tav tm="0">
+                                          <p:val>
+                                            <p:strVal val="#ppt_x"/>
+                                          </p:val>
+                                        </p:tav>
+                                        <p:tav tm="100000">
+                                          <p:val>
+                                            <p:strVal val="#ppt_x"/>
+                                          </p:val>
+                                        </p:tav>
+                                      </p:tavLst>
+                                    </p:anim>
+                                    <p:anim calcmode="lin" valueType="num">
+                                      <p:cBhvr>
+                                        <p:cTn id="9" dur="1000" fill="hold"/>
+                                        <p:tgtEl>
+                                          <p:spTgt spid="10"/>
+                                        </p:tgtEl>
+                                        <p:attrNameLst>
+                                          <p:attrName>ppt_y</p:attrName>
+                                        </p:attrNameLst>
+                                      </p:cBhvr>
+                                      <p:tavLst>
+                                        <p:tav tm="0">
+                                          <p:val>
+                                            <p:strVal val="#ppt_y+.1"/>
+                                          </p:val>
+                                        </p:tav>
+                                        <p:tav tm="100000">
+                                          <p:val>
+                                            <p:strVal val="#ppt_y"/>
+                                          </p:val>
+                                        </p:tav>
+                                      </p:tavLst>
+                                    </p:anim>
+                                  </p:childTnLst>
+                                </p:cTn>
+                              </p:par>
+                            </p:childTnLst>
+                          </p:cTn>
+                        </p:par>
+                      </p:childTnLst>
+                    </p:cTn>
+                  </p:par>
+                  <p:par>
+                    <p:cTn id="10" fill="hold">
+                      <p:stCondLst>
+                        <p:cond delay="indefinite"/>
+                      </p:stCondLst>
+                      <p:childTnLst>
+                        <p:par>
+                          <p:cTn id="11" fill="hold">
+                            <p:stCondLst>
+                              <p:cond delay="0"/>
+                            </p:stCondLst>
+                            <p:childTnLst>
+                              <p:par>
+                                <p:cTn id="12" presetID="2" presetClass="entr" presetSubtype="4" fill="hold" nodeType="clickEffect">
+                                  <p:stCondLst>
+                                    <p:cond delay="0"/>
+                                  </p:stCondLst>
+                                  <p:childTnLst>
+                                    <p:set>
+                                      <p:cBhvr>
+                                        <p:cTn id="13" dur="1" fill="hold">
+                                          <p:stCondLst>
+                                            <p:cond delay="0"/>
+                                          </p:stCondLst>
+                                        </p:cTn>
+                                        <p:tgtEl>
+                                          <p:spTgt spid="6"/>
+                                        </p:tgtEl>
+                                        <p:attrNameLst>
+                                          <p:attrName>style.visibility</p:attrName>
+                                        </p:attrNameLst>
+                                      </p:cBhvr>
+                                      <p:to>
+                                        <p:strVal val="visible"/>
+                                      </p:to>
+                                    </p:set>
+                                    <p:anim calcmode="lin" valueType="num">
+                                      <p:cBhvr additive="base">
+                                        <p:cTn id="14" dur="500" fill="hold"/>
+                                        <p:tgtEl>
+                                          <p:spTgt spid="6"/>
+                                        </p:tgtEl>
+                                        <p:attrNameLst>
+                                          <p:attrName>ppt_x</p:attrName>
+                                        </p:attrNameLst>
+                                      </p:cBhvr>
+                                      <p:tavLst>
+                                        <p:tav tm="0">
+                                          <p:val>
+                                            <p:strVal val="#ppt_x"/>
+                                          </p:val>
+                                        </p:tav>
+                                        <p:tav tm="100000">
+                                          <p:val>
+                                            <p:strVal val="#ppt_x"/>
+                                          </p:val>
+                                        </p:tav>
+                                      </p:tavLst>
+                                    </p:anim>
+                                    <p:anim calcmode="lin" valueType="num">
+                                      <p:cBhvr additive="base">
+                                        <p:cTn id="15" dur="500" fill="hold"/>
+                                        <p:tgtEl>
+                                          <p:spTgt spid="6"/>
+                                        </p:tgtEl>
+                                        <p:attrNameLst>
+                                          <p:attrName>ppt_y</p:attrName>
+                                        </p:attrNameLst>
+                                      </p:cBhvr>
+                                      <p:tavLst>
+                                        <p:tav tm="0">
+                                          <p:val>
+                                            <p:strVal val="1+#ppt_h/2"/>
+                                          </p:val>
+                                        </p:tav>
+                                        <p:tav tm="100000">
+                                          <p:val>
+                                            <p:strVal val="#ppt_y"/>
+                                          </p:val>
+                                        </p:tav>
+                                      </p:tavLst>
+                                    </p:anim>
+                                  </p:childTnLst>
+                                </p:cTn>
+                              </p:par>
+                            </p:childTnLst>
+                          </p:cTn>
+                        </p:par>
+                      </p:childTnLst>
+                    </p:cTn>
+                  </p:par>
+                  <p:par>
+                    <p:cTn id="16" fill="hold">
+                      <p:stCondLst>
+                        <p:cond delay="indefinite"/>
+                      </p:stCondLst>
+                      <p:childTnLst>
+                        <p:par>
+                          <p:cTn id="17" fill="hold">
+                            <p:stCondLst>
+                              <p:cond delay="0"/>
+                            </p:stCondLst>
+                            <p:childTnLst>
+                              <p:par>
+                                <p:cTn id="18" presetID="10" presetClass="entr" presetSubtype="0" fill="hold" grpId="0" nodeType="clickEffect">
+                                  <p:stCondLst>
+                                    <p:cond delay="0"/>
+                                  </p:stCondLst>
+                                  <p:childTnLst>
+                                    <p:set>
+                                      <p:cBhvr>
+                                        <p:cTn id="19" dur="1" fill="hold">
+                                          <p:stCondLst>
+                                            <p:cond delay="0"/>
+                                          </p:stCondLst>
+                                        </p:cTn>
+                                        <p:tgtEl>
+                                          <p:spTgt spid="31"/>
+                                        </p:tgtEl>
+                                        <p:attrNameLst>
+                                          <p:attrName>style.visibility</p:attrName>
+                                        </p:attrNameLst>
+                                      </p:cBhvr>
+                                      <p:to>
+                                        <p:strVal val="visible"/>
+                                      </p:to>
+                                    </p:set>
+                                    <p:animEffect transition="in" filter="fade">
+                                      <p:cBhvr>
+                                        <p:cTn id="20" dur="500"/>
+                                        <p:tgtEl>
+                                          <p:spTgt spid="31"/>
+                                        </p:tgtEl>
+                                      </p:cBhvr>
+                                    </p:animEffect>
+                                  </p:childTnLst>
+                                </p:cTn>
+                              </p:par>
+                            </p:childTnLst>
+                          </p:cTn>
+                        </p:par>
+                      </p:childTnLst>
+                    </p:cTn>
+                  </p:par>
+                  <p:par>
+                    <p:cTn id="21" fill="hold">
+                      <p:stCondLst>
+                        <p:cond delay="indefinite"/>
+                      </p:stCondLst>
+                      <p:childTnLst>
+                        <p:par>
+                          <p:cTn id="22" fill="hold">
+                            <p:stCondLst>
+                              <p:cond delay="0"/>
+                            </p:stCondLst>
+                            <p:childTnLst>
+                              <p:par>
+                                <p:cTn id="23" presetID="10" presetClass="entr" presetSubtype="0" fill="hold" grpId="0" nodeType="clickEffect">
+                                  <p:stCondLst>
+                                    <p:cond delay="0"/>
+                                  </p:stCondLst>
+                                  <p:childTnLst>
+                                    <p:set>
+                                      <p:cBhvr>
+                                        <p:cTn id="24" dur="1" fill="hold">
+                                          <p:stCondLst>
+                                            <p:cond delay="0"/>
+                                          </p:stCondLst>
+                                        </p:cTn>
+                                        <p:tgtEl>
+                                          <p:spTgt spid="32"/>
+                                        </p:tgtEl>
+                                        <p:attrNameLst>
+                                          <p:attrName>style.visibility</p:attrName>
+                                        </p:attrNameLst>
+                                      </p:cBhvr>
+                                      <p:to>
+                                        <p:strVal val="visible"/>
+                                      </p:to>
+                                    </p:set>
+                                    <p:animEffect transition="in" filter="fade">
+                                      <p:cBhvr>
+                                        <p:cTn id="25" dur="500"/>
+                                        <p:tgtEl>
+                                          <p:spTgt spid="32"/>
+                                        </p:tgtEl>
+                                      </p:cBhvr>
+                                    </p:animEffect>
+                                  </p:childTnLst>
+                                </p:cTn>
+                              </p:par>
+                            </p:childTnLst>
+                          </p:cTn>
+                        </p:par>
+                      </p:childTnLst>
+                    </p:cTn>
+                  </p:par>
+                  <p:par>
+                    <p:cTn id="26" fill="hold">
+                      <p:stCondLst>
+                        <p:cond delay="indefinite"/>
+                      </p:stCondLst>
+                      <p:childTnLst>
+                        <p:par>
+                          <p:cTn id="27" fill="hold">
+                            <p:stCondLst>
+                              <p:cond delay="0"/>
+                            </p:stCondLst>
+                            <p:childTnLst>
+                              <p:par>
+                                <p:cTn id="28" presetID="10" presetClass="entr" presetSubtype="0" fill="hold" grpId="0" nodeType="clickEffect">
+                                  <p:stCondLst>
+                                    <p:cond delay="0"/>
+                                  </p:stCondLst>
+                                  <p:childTnLst>
+                                    <p:set>
+                                      <p:cBhvr>
+                                        <p:cTn id="29" dur="1" fill="hold">
+                                          <p:stCondLst>
+                                            <p:cond delay="0"/>
+                                          </p:stCondLst>
+                                        </p:cTn>
+                                        <p:tgtEl>
+                                          <p:spTgt spid="33"/>
+                                        </p:tgtEl>
+                                        <p:attrNameLst>
+                                          <p:attrName>style.visibility</p:attrName>
+                                        </p:attrNameLst>
+                                      </p:cBhvr>
+                                      <p:to>
+                                        <p:strVal val="visible"/>
+                                      </p:to>
+                                    </p:set>
+                                    <p:animEffect transition="in" filter="fade">
+                                      <p:cBhvr>
+                                        <p:cTn id="30" dur="500"/>
+                                        <p:tgtEl>
+                                          <p:spTgt spid="33"/>
+                                        </p:tgtEl>
+                                      </p:cBhvr>
+                                    </p:animEffect>
+                                  </p:childTnLst>
+                                </p:cTn>
+                              </p:par>
+                            </p:childTnLst>
+                          </p:cTn>
+                        </p:par>
+                      </p:childTnLst>
+                    </p:cTn>
+                  </p:par>
+                  <p:par>
+                    <p:cTn id="31" fill="hold">
+                      <p:stCondLst>
+                        <p:cond delay="indefinite"/>
+                      </p:stCondLst>
+                      <p:childTnLst>
+                        <p:par>
+                          <p:cTn id="32" fill="hold">
+                            <p:stCondLst>
+                              <p:cond delay="0"/>
+                            </p:stCondLst>
+                            <p:childTnLst>
+                              <p:par>
+                                <p:cTn id="33" presetID="10" presetClass="entr" presetSubtype="0" fill="hold" grpId="0" nodeType="clickEffect">
+                                  <p:stCondLst>
+                                    <p:cond delay="0"/>
+                                  </p:stCondLst>
+                                  <p:childTnLst>
+                                    <p:set>
+                                      <p:cBhvr>
+                                        <p:cTn id="34" dur="1" fill="hold">
+                                          <p:stCondLst>
+                                            <p:cond delay="0"/>
+                                          </p:stCondLst>
+                                        </p:cTn>
+                                        <p:tgtEl>
+                                          <p:spTgt spid="34"/>
+                                        </p:tgtEl>
+                                        <p:attrNameLst>
+                                          <p:attrName>style.visibility</p:attrName>
+                                        </p:attrNameLst>
+                                      </p:cBhvr>
+                                      <p:to>
+                                        <p:strVal val="visible"/>
+                                      </p:to>
+                                    </p:set>
+                                    <p:animEffect transition="in" filter="fade">
+                                      <p:cBhvr>
+                                        <p:cTn id="35" dur="500"/>
+                                        <p:tgtEl>
+                                          <p:spTgt spid="34"/>
+                                        </p:tgtEl>
+                                      </p:cBhvr>
+                                    </p:animEffect>
+                                  </p:childTnLst>
+                                </p:cTn>
+                              </p:par>
+                            </p:childTnLst>
+                          </p:cTn>
+                        </p:par>
+                      </p:childTnLst>
+                    </p:cTn>
+                  </p:par>
+                  <p:par>
+                    <p:cTn id="36" fill="hold">
+                      <p:stCondLst>
+                        <p:cond delay="indefinite"/>
+                      </p:stCondLst>
+                      <p:childTnLst>
+                        <p:par>
+                          <p:cTn id="37" fill="hold">
+                            <p:stCondLst>
+                              <p:cond delay="0"/>
+                            </p:stCondLst>
+                            <p:childTnLst>
+                              <p:par>
+                                <p:cTn id="38" presetID="10" presetClass="entr" presetSubtype="0" fill="hold" grpId="0" nodeType="clickEffect">
+                                  <p:stCondLst>
+                                    <p:cond delay="0"/>
+                                  </p:stCondLst>
+                                  <p:childTnLst>
+                                    <p:set>
+                                      <p:cBhvr>
+                                        <p:cTn id="39" dur="1" fill="hold">
+                                          <p:stCondLst>
+                                            <p:cond delay="0"/>
+                                          </p:stCondLst>
+                                        </p:cTn>
+                                        <p:tgtEl>
+                                          <p:spTgt spid="70"/>
+                                        </p:tgtEl>
+                                        <p:attrNameLst>
+                                          <p:attrName>style.visibility</p:attrName>
+                                        </p:attrNameLst>
+                                      </p:cBhvr>
+                                      <p:to>
+                                        <p:strVal val="visible"/>
+                                      </p:to>
+                                    </p:set>
+                                    <p:animEffect transition="in" filter="fade">
+                                      <p:cBhvr>
+                                        <p:cTn id="40" dur="500"/>
+                                        <p:tgtEl>
+                                          <p:spTgt spid="70"/>
+                                        </p:tgtEl>
+                                      </p:cBhvr>
+                                    </p:animEffect>
+                                  </p:childTnLst>
+                                </p:cTn>
+                              </p:par>
+                            </p:childTnLst>
+                          </p:cTn>
+                        </p:par>
+                      </p:childTnLst>
+                    </p:cTn>
+                  </p:par>
+                  <p:par>
+                    <p:cTn id="41" fill="hold">
+                      <p:stCondLst>
+                        <p:cond delay="indefinite"/>
+                      </p:stCondLst>
+                      <p:childTnLst>
+                        <p:par>
+                          <p:cTn id="42" fill="hold">
+                            <p:stCondLst>
+                              <p:cond delay="0"/>
+                            </p:stCondLst>
+                            <p:childTnLst>
+                              <p:par>
+                                <p:cTn id="43" presetID="22" presetClass="entr" presetSubtype="4" fill="hold" nodeType="clickEffect">
+                                  <p:stCondLst>
+                                    <p:cond delay="0"/>
+                                  </p:stCondLst>
+                                  <p:childTnLst>
+                                    <p:set>
+                                      <p:cBhvr>
+                                        <p:cTn id="44" dur="1" fill="hold">
+                                          <p:stCondLst>
+                                            <p:cond delay="0"/>
+                                          </p:stCondLst>
+                                        </p:cTn>
+                                        <p:tgtEl>
+                                          <p:spTgt spid="36"/>
+                                        </p:tgtEl>
+                                        <p:attrNameLst>
+                                          <p:attrName>style.visibility</p:attrName>
+                                        </p:attrNameLst>
+                                      </p:cBhvr>
+                                      <p:to>
+                                        <p:strVal val="visible"/>
+                                      </p:to>
+                                    </p:set>
+                                    <p:animEffect transition="in" filter="wipe(down)">
+                                      <p:cBhvr>
+                                        <p:cTn id="45" dur="500"/>
+                                        <p:tgtEl>
+                                          <p:spTgt spid="36"/>
+                                        </p:tgtEl>
+                                      </p:cBhvr>
+                                    </p:animEffect>
+                                  </p:childTnLst>
+                                </p:cTn>
+                              </p:par>
+                            </p:childTnLst>
+                          </p:cTn>
+                        </p:par>
+                      </p:childTnLst>
+                    </p:cTn>
+                  </p:par>
+                  <p:par>
+                    <p:cTn id="46" fill="hold">
+                      <p:stCondLst>
+                        <p:cond delay="indefinite"/>
+                      </p:stCondLst>
+                      <p:childTnLst>
+                        <p:par>
+                          <p:cTn id="47" fill="hold">
+                            <p:stCondLst>
+                              <p:cond delay="0"/>
+                            </p:stCondLst>
+                            <p:childTnLst>
+                              <p:par>
+                                <p:cTn id="48" presetID="10" presetClass="entr" presetSubtype="0" fill="hold" grpId="0" nodeType="clickEffect">
+                                  <p:stCondLst>
+                                    <p:cond delay="0"/>
+                                  </p:stCondLst>
+                                  <p:childTnLst>
+                                    <p:set>
+                                      <p:cBhvr>
+                                        <p:cTn id="49" dur="1" fill="hold">
+                                          <p:stCondLst>
+                                            <p:cond delay="0"/>
+                                          </p:stCondLst>
+                                        </p:cTn>
+                                        <p:tgtEl>
+                                          <p:spTgt spid="69"/>
+                                        </p:tgtEl>
+                                        <p:attrNameLst>
+                                          <p:attrName>style.visibility</p:attrName>
+                                        </p:attrNameLst>
+                                      </p:cBhvr>
+                                      <p:to>
+                                        <p:strVal val="visible"/>
+                                      </p:to>
+                                    </p:set>
+                                    <p:animEffect transition="in" filter="fade">
+                                      <p:cBhvr>
+                                        <p:cTn id="50" dur="500"/>
+                                        <p:tgtEl>
+                                          <p:spTgt spid="69"/>
+                                        </p:tgtEl>
+                                      </p:cBhvr>
+                                    </p:animEffect>
+                                  </p:childTnLst>
+                                </p:cTn>
+                              </p:par>
+                            </p:childTnLst>
+                          </p:cTn>
+                        </p:par>
+                      </p:childTnLst>
+                    </p:cTn>
+                  </p:par>
+                  <p:par>
+                    <p:cTn id="51" fill="hold">
+                      <p:stCondLst>
+                        <p:cond delay="indefinite"/>
+                      </p:stCondLst>
+                      <p:childTnLst>
+                        <p:par>
+                          <p:cTn id="52" fill="hold">
+                            <p:stCondLst>
+                              <p:cond delay="0"/>
+                            </p:stCondLst>
+                            <p:childTnLst>
+                              <p:par>
+                                <p:cTn id="53" presetID="22" presetClass="entr" presetSubtype="8" fill="hold" nodeType="clickEffect">
+                                  <p:stCondLst>
+                                    <p:cond delay="0"/>
+                                  </p:stCondLst>
+                                  <p:childTnLst>
+                                    <p:set>
+                                      <p:cBhvr>
+                                        <p:cTn id="54" dur="1" fill="hold">
+                                          <p:stCondLst>
+                                            <p:cond delay="0"/>
+                                          </p:stCondLst>
+                                        </p:cTn>
+                                        <p:tgtEl>
+                                          <p:spTgt spid="74"/>
+                                        </p:tgtEl>
+                                        <p:attrNameLst>
+                                          <p:attrName>style.visibility</p:attrName>
+                                        </p:attrNameLst>
+                                      </p:cBhvr>
+                                      <p:to>
+                                        <p:strVal val="visible"/>
+                                      </p:to>
+                                    </p:set>
+                                    <p:animEffect transition="in" filter="wipe(left)">
+                                      <p:cBhvr>
+                                        <p:cTn id="55" dur="500"/>
+                                        <p:tgtEl>
+                                          <p:spTgt spid="74"/>
+                                        </p:tgtEl>
+                                      </p:cBhvr>
+                                    </p:animEffect>
+                                  </p:childTnLst>
+                                </p:cTn>
+                              </p:par>
+                            </p:childTnLst>
+                          </p:cTn>
+                        </p:par>
+                      </p:childTnLst>
+                    </p:cTn>
+                  </p:par>
+                  <p:par>
+                    <p:cTn id="56" fill="hold">
+                      <p:stCondLst>
+                        <p:cond delay="indefinite"/>
+                      </p:stCondLst>
+                      <p:childTnLst>
+                        <p:par>
+                          <p:cTn id="57" fill="hold">
+                            <p:stCondLst>
+                              <p:cond delay="0"/>
+                            </p:stCondLst>
+                            <p:childTnLst>
+                              <p:par>
+                                <p:cTn id="58" presetID="10" presetClass="entr" presetSubtype="0" fill="hold" nodeType="clickEffect">
+                                  <p:stCondLst>
+                                    <p:cond delay="0"/>
+                                  </p:stCondLst>
+                                  <p:childTnLst>
+                                    <p:set>
+                                      <p:cBhvr>
+                                        <p:cTn id="59" dur="1" fill="hold">
+                                          <p:stCondLst>
+                                            <p:cond delay="0"/>
+                                          </p:stCondLst>
+                                        </p:cTn>
+                                        <p:tgtEl>
+                                          <p:spTgt spid="90"/>
+                                        </p:tgtEl>
+                                        <p:attrNameLst>
+                                          <p:attrName>style.visibility</p:attrName>
+                                        </p:attrNameLst>
+                                      </p:cBhvr>
+                                      <p:to>
+                                        <p:strVal val="visible"/>
+                                      </p:to>
+                                    </p:set>
+                                    <p:animEffect transition="in" filter="fade">
+                                      <p:cBhvr>
+                                        <p:cTn id="60" dur="500"/>
+                                        <p:tgtEl>
+                                          <p:spTgt spid="90"/>
+                                        </p:tgtEl>
+                                      </p:cBhvr>
+                                    </p:animEffect>
+                                  </p:childTnLst>
+                                </p:cTn>
+                              </p:par>
+                            </p:childTnLst>
+                          </p:cTn>
+                        </p:par>
+                      </p:childTnLst>
+                    </p:cTn>
+                  </p:par>
+                  <p:par>
+                    <p:cTn id="61" fill="hold">
+                      <p:stCondLst>
+                        <p:cond delay="indefinite"/>
+                      </p:stCondLst>
+                      <p:childTnLst>
+                        <p:par>
+                          <p:cTn id="62" fill="hold">
+                            <p:stCondLst>
+                              <p:cond delay="0"/>
+                            </p:stCondLst>
+                            <p:childTnLst>
+                              <p:par>
+                                <p:cTn id="63" presetID="22" presetClass="entr" presetSubtype="8" fill="hold" nodeType="clickEffect">
+                                  <p:stCondLst>
+                                    <p:cond delay="0"/>
+                                  </p:stCondLst>
+                                  <p:childTnLst>
+                                    <p:set>
+                                      <p:cBhvr>
+                                        <p:cTn id="64" dur="1" fill="hold">
+                                          <p:stCondLst>
+                                            <p:cond delay="0"/>
+                                          </p:stCondLst>
+                                        </p:cTn>
+                                        <p:tgtEl>
+                                          <p:spTgt spid="38"/>
+                                        </p:tgtEl>
+                                        <p:attrNameLst>
+                                          <p:attrName>style.visibility</p:attrName>
+                                        </p:attrNameLst>
+                                      </p:cBhvr>
+                                      <p:to>
+                                        <p:strVal val="visible"/>
+                                      </p:to>
+                                    </p:set>
+                                    <p:animEffect transition="in" filter="wipe(left)">
+                                      <p:cBhvr>
+                                        <p:cTn id="65" dur="500"/>
+                                        <p:tgtEl>
+                                          <p:spTgt spid="38"/>
+                                        </p:tgtEl>
+                                      </p:cBhvr>
+                                    </p:animEffect>
+                                  </p:childTnLst>
+                                </p:cTn>
+                              </p:par>
+                            </p:childTnLst>
+                          </p:cTn>
+                        </p:par>
+                      </p:childTnLst>
+                    </p:cTn>
+                  </p:par>
+                  <p:par>
+                    <p:cTn id="66" fill="hold">
+                      <p:stCondLst>
+                        <p:cond delay="indefinite"/>
+                      </p:stCondLst>
+                      <p:childTnLst>
+                        <p:par>
+                          <p:cTn id="67" fill="hold">
+                            <p:stCondLst>
+                              <p:cond delay="0"/>
+                            </p:stCondLst>
+                            <p:childTnLst>
+                              <p:par>
+                                <p:cTn id="68" presetID="10" presetClass="entr" presetSubtype="0" fill="hold" grpId="0" nodeType="clickEffect">
+                                  <p:stCondLst>
+                                    <p:cond delay="0"/>
+                                  </p:stCondLst>
+                                  <p:childTnLst>
+                                    <p:set>
+                                      <p:cBhvr>
+                                        <p:cTn id="69" dur="1" fill="hold">
+                                          <p:stCondLst>
+                                            <p:cond delay="0"/>
+                                          </p:stCondLst>
+                                        </p:cTn>
+                                        <p:tgtEl>
+                                          <p:spTgt spid="91"/>
+                                        </p:tgtEl>
+                                        <p:attrNameLst>
+                                          <p:attrName>style.visibility</p:attrName>
+                                        </p:attrNameLst>
+                                      </p:cBhvr>
+                                      <p:to>
+                                        <p:strVal val="visible"/>
+                                      </p:to>
+                                    </p:set>
+                                    <p:animEffect transition="in" filter="fade">
+                                      <p:cBhvr>
+                                        <p:cTn id="70" dur="500"/>
+                                        <p:tgtEl>
+                                          <p:spTgt spid="91"/>
+                                        </p:tgtEl>
+                                      </p:cBhvr>
+                                    </p:animEffect>
+                                  </p:childTnLst>
+                                </p:cTn>
+                              </p:par>
+                            </p:childTnLst>
+                          </p:cTn>
+                        </p:par>
+                      </p:childTnLst>
+                    </p:cTn>
+                  </p:par>
+                  <p:par>
+                    <p:cTn id="71" fill="hold">
+                      <p:stCondLst>
+                        <p:cond delay="indefinite"/>
+                      </p:stCondLst>
+                      <p:childTnLst>
+                        <p:par>
+                          <p:cTn id="72" fill="hold">
+                            <p:stCondLst>
+                              <p:cond delay="0"/>
+                            </p:stCondLst>
+                            <p:childTnLst>
+                              <p:par>
+                                <p:cTn id="73" presetID="22" presetClass="entr" presetSubtype="8" fill="hold" nodeType="clickEffect">
+                                  <p:stCondLst>
+                                    <p:cond delay="0"/>
+                                  </p:stCondLst>
+                                  <p:childTnLst>
+                                    <p:set>
+                                      <p:cBhvr>
+                                        <p:cTn id="74" dur="1" fill="hold">
+                                          <p:stCondLst>
+                                            <p:cond delay="0"/>
+                                          </p:stCondLst>
+                                        </p:cTn>
+                                        <p:tgtEl>
+                                          <p:spTgt spid="94"/>
+                                        </p:tgtEl>
+                                        <p:attrNameLst>
+                                          <p:attrName>style.visibility</p:attrName>
+                                        </p:attrNameLst>
+                                      </p:cBhvr>
+                                      <p:to>
+                                        <p:strVal val="visible"/>
+                                      </p:to>
+                                    </p:set>
+                                    <p:animEffect transition="in" filter="wipe(left)">
+                                      <p:cBhvr>
+                                        <p:cTn id="75" dur="500"/>
+                                        <p:tgtEl>
+                                          <p:spTgt spid="94"/>
+                                        </p:tgtEl>
+                                      </p:cBhvr>
+                                    </p:animEffect>
+                                  </p:childTnLst>
+                                </p:cTn>
+                              </p:par>
+                            </p:childTnLst>
+                          </p:cTn>
+                        </p:par>
+                      </p:childTnLst>
+                    </p:cTn>
+                  </p:par>
+                  <p:par>
+                    <p:cTn id="76" fill="hold">
+                      <p:stCondLst>
+                        <p:cond delay="indefinite"/>
+                      </p:stCondLst>
+                      <p:childTnLst>
+                        <p:par>
+                          <p:cTn id="77" fill="hold">
+                            <p:stCondLst>
+                              <p:cond delay="0"/>
+                            </p:stCondLst>
+                            <p:childTnLst>
+                              <p:par>
+                                <p:cTn id="78" presetID="10" presetClass="entr" presetSubtype="0" fill="hold" nodeType="clickEffect">
+                                  <p:stCondLst>
+                                    <p:cond delay="0"/>
+                                  </p:stCondLst>
+                                  <p:childTnLst>
+                                    <p:set>
+                                      <p:cBhvr>
+                                        <p:cTn id="79" dur="1" fill="hold">
+                                          <p:stCondLst>
+                                            <p:cond delay="0"/>
+                                          </p:stCondLst>
+                                        </p:cTn>
+                                        <p:tgtEl>
+                                          <p:spTgt spid="100"/>
+                                        </p:tgtEl>
+                                        <p:attrNameLst>
+                                          <p:attrName>style.visibility</p:attrName>
+                                        </p:attrNameLst>
+                                      </p:cBhvr>
+                                      <p:to>
+                                        <p:strVal val="visible"/>
+                                      </p:to>
+                                    </p:set>
+                                    <p:animEffect transition="in" filter="fade">
+                                      <p:cBhvr>
+                                        <p:cTn id="80" dur="500"/>
+                                        <p:tgtEl>
+                                          <p:spTgt spid="100"/>
+                                        </p:tgtEl>
+                                      </p:cBhvr>
+                                    </p:animEffect>
+                                  </p:childTnLst>
+                                </p:cTn>
+                              </p:par>
+                            </p:childTnLst>
+                          </p:cTn>
+                        </p:par>
+                      </p:childTnLst>
+                    </p:cTn>
+                  </p:par>
+                  <p:par>
+                    <p:cTn id="81" fill="hold">
+                      <p:stCondLst>
+                        <p:cond delay="indefinite"/>
+                      </p:stCondLst>
+                      <p:childTnLst>
+                        <p:par>
+                          <p:cTn id="82" fill="hold">
+                            <p:stCondLst>
+                              <p:cond delay="0"/>
+                            </p:stCondLst>
+                            <p:childTnLst>
+                              <p:par>
+                                <p:cTn id="83" presetID="22" presetClass="entr" presetSubtype="8" fill="hold" nodeType="clickEffect">
+                                  <p:stCondLst>
+                                    <p:cond delay="0"/>
+                                  </p:stCondLst>
+                                  <p:childTnLst>
+                                    <p:set>
+                                      <p:cBhvr>
+                                        <p:cTn id="84" dur="1" fill="hold">
+                                          <p:stCondLst>
+                                            <p:cond delay="0"/>
+                                          </p:stCondLst>
+                                        </p:cTn>
+                                        <p:tgtEl>
+                                          <p:spTgt spid="40"/>
+                                        </p:tgtEl>
+                                        <p:attrNameLst>
+                                          <p:attrName>style.visibility</p:attrName>
+                                        </p:attrNameLst>
+                                      </p:cBhvr>
+                                      <p:to>
+                                        <p:strVal val="visible"/>
+                                      </p:to>
+                                    </p:set>
+                                    <p:animEffect transition="in" filter="wipe(left)">
+                                      <p:cBhvr>
+                                        <p:cTn id="85" dur="500"/>
+                                        <p:tgtEl>
+                                          <p:spTgt spid="40"/>
+                                        </p:tgtEl>
+                                      </p:cBhvr>
+                                    </p:animEffect>
+                                  </p:childTnLst>
+                                </p:cTn>
+                              </p:par>
+                            </p:childTnLst>
+                          </p:cTn>
+                        </p:par>
+                      </p:childTnLst>
+                    </p:cTn>
+                  </p:par>
+                  <p:par>
+                    <p:cTn id="86" fill="hold">
+                      <p:stCondLst>
+                        <p:cond delay="indefinite"/>
+                      </p:stCondLst>
+                      <p:childTnLst>
+                        <p:par>
+                          <p:cTn id="87" fill="hold">
+                            <p:stCondLst>
+                              <p:cond delay="0"/>
+                            </p:stCondLst>
+                            <p:childTnLst>
+                              <p:par>
+                                <p:cTn id="88" presetID="10" presetClass="entr" presetSubtype="0" fill="hold" nodeType="clickEffect">
+                                  <p:stCondLst>
+                                    <p:cond delay="0"/>
+                                  </p:stCondLst>
+                                  <p:childTnLst>
+                                    <p:set>
+                                      <p:cBhvr>
+                                        <p:cTn id="89" dur="1" fill="hold">
+                                          <p:stCondLst>
+                                            <p:cond delay="0"/>
+                                          </p:stCondLst>
+                                        </p:cTn>
+                                        <p:tgtEl>
+                                          <p:spTgt spid="227"/>
+                                        </p:tgtEl>
+                                        <p:attrNameLst>
+                                          <p:attrName>style.visibility</p:attrName>
+                                        </p:attrNameLst>
+                                      </p:cBhvr>
+                                      <p:to>
+                                        <p:strVal val="visible"/>
+                                      </p:to>
+                                    </p:set>
+                                    <p:animEffect transition="in" filter="fade">
+                                      <p:cBhvr>
+                                        <p:cTn id="90" dur="500"/>
+                                        <p:tgtEl>
+                                          <p:spTgt spid="227"/>
+                                        </p:tgtEl>
+                                      </p:cBhvr>
+                                    </p:animEffect>
+                                  </p:childTnLst>
+                                </p:cTn>
+                              </p:par>
+                            </p:childTnLst>
+                          </p:cTn>
+                        </p:par>
+                      </p:childTnLst>
+                    </p:cTn>
+                  </p:par>
+                  <p:par>
+                    <p:cTn id="91" fill="hold">
+                      <p:stCondLst>
+                        <p:cond delay="indefinite"/>
+                      </p:stCondLst>
+                      <p:childTnLst>
+                        <p:par>
+                          <p:cTn id="92" fill="hold">
+                            <p:stCondLst>
+                              <p:cond delay="0"/>
+                            </p:stCondLst>
+                            <p:childTnLst>
+                              <p:par>
+                                <p:cTn id="93" presetID="22" presetClass="entr" presetSubtype="1" fill="hold" nodeType="clickEffect">
+                                  <p:stCondLst>
+                                    <p:cond delay="0"/>
+                                  </p:stCondLst>
+                                  <p:childTnLst>
+                                    <p:set>
+                                      <p:cBhvr>
+                                        <p:cTn id="94" dur="1" fill="hold">
+                                          <p:stCondLst>
+                                            <p:cond delay="0"/>
+                                          </p:stCondLst>
+                                        </p:cTn>
+                                        <p:tgtEl>
+                                          <p:spTgt spid="137"/>
+                                        </p:tgtEl>
+                                        <p:attrNameLst>
+                                          <p:attrName>style.visibility</p:attrName>
+                                        </p:attrNameLst>
+                                      </p:cBhvr>
+                                      <p:to>
+                                        <p:strVal val="visible"/>
+                                      </p:to>
+                                    </p:set>
+                                    <p:animEffect transition="in" filter="wipe(up)">
+                                      <p:cBhvr>
+                                        <p:cTn id="95" dur="500"/>
+                                        <p:tgtEl>
+                                          <p:spTgt spid="137"/>
+                                        </p:tgtEl>
+                                      </p:cBhvr>
+                                    </p:animEffect>
+                                  </p:childTnLst>
+                                </p:cTn>
+                              </p:par>
+                            </p:childTnLst>
+                          </p:cTn>
+                        </p:par>
+                      </p:childTnLst>
+                    </p:cTn>
+                  </p:par>
+                  <p:par>
+                    <p:cTn id="96" fill="hold">
+                      <p:stCondLst>
+                        <p:cond delay="indefinite"/>
+                      </p:stCondLst>
+                      <p:childTnLst>
+                        <p:par>
+                          <p:cTn id="97" fill="hold">
+                            <p:stCondLst>
+                              <p:cond delay="0"/>
+                            </p:stCondLst>
+                            <p:childTnLst>
+                              <p:par>
+                                <p:cTn id="98" presetID="22" presetClass="entr" presetSubtype="8" fill="hold" nodeType="clickEffect">
+                                  <p:stCondLst>
+                                    <p:cond delay="0"/>
+                                  </p:stCondLst>
+                                  <p:childTnLst>
+                                    <p:set>
+                                      <p:cBhvr>
+                                        <p:cTn id="99" dur="1" fill="hold">
+                                          <p:stCondLst>
+                                            <p:cond delay="0"/>
+                                          </p:stCondLst>
+                                        </p:cTn>
+                                        <p:tgtEl>
+                                          <p:spTgt spid="117"/>
+                                        </p:tgtEl>
+                                        <p:attrNameLst>
+                                          <p:attrName>style.visibility</p:attrName>
+                                        </p:attrNameLst>
+                                      </p:cBhvr>
+                                      <p:to>
+                                        <p:strVal val="visible"/>
+                                      </p:to>
+                                    </p:set>
+                                    <p:animEffect transition="in" filter="wipe(left)">
+                                      <p:cBhvr>
+                                        <p:cTn id="100" dur="500"/>
+                                        <p:tgtEl>
+                                          <p:spTgt spid="117"/>
+                                        </p:tgtEl>
+                                      </p:cBhvr>
+                                    </p:animEffect>
+                                  </p:childTnLst>
+                                </p:cTn>
+                              </p:par>
+                            </p:childTnLst>
+                          </p:cTn>
+                        </p:par>
+                      </p:childTnLst>
+                    </p:cTn>
+                  </p:par>
+                  <p:par>
+                    <p:cTn id="101" fill="hold">
+                      <p:stCondLst>
+                        <p:cond delay="indefinite"/>
+                      </p:stCondLst>
+                      <p:childTnLst>
+                        <p:par>
+                          <p:cTn id="102" fill="hold">
+                            <p:stCondLst>
+                              <p:cond delay="0"/>
+                            </p:stCondLst>
+                            <p:childTnLst>
+                              <p:par>
+                                <p:cTn id="103" presetID="10" presetClass="entr" presetSubtype="0" fill="hold" nodeType="clickEffect">
+                                  <p:stCondLst>
+                                    <p:cond delay="0"/>
+                                  </p:stCondLst>
+                                  <p:childTnLst>
+                                    <p:set>
+                                      <p:cBhvr>
+                                        <p:cTn id="104" dur="1" fill="hold">
+                                          <p:stCondLst>
+                                            <p:cond delay="0"/>
+                                          </p:stCondLst>
+                                        </p:cTn>
+                                        <p:tgtEl>
+                                          <p:spTgt spid="198"/>
+                                        </p:tgtEl>
+                                        <p:attrNameLst>
+                                          <p:attrName>style.visibility</p:attrName>
+                                        </p:attrNameLst>
+                                      </p:cBhvr>
+                                      <p:to>
+                                        <p:strVal val="visible"/>
+                                      </p:to>
+                                    </p:set>
+                                    <p:animEffect transition="in" filter="fade">
+                                      <p:cBhvr>
+                                        <p:cTn id="105" dur="500"/>
+                                        <p:tgtEl>
+                                          <p:spTgt spid="198"/>
+                                        </p:tgtEl>
+                                      </p:cBhvr>
+                                    </p:animEffect>
+                                  </p:childTnLst>
+                                </p:cTn>
+                              </p:par>
+                            </p:childTnLst>
+                          </p:cTn>
+                        </p:par>
+                      </p:childTnLst>
+                    </p:cTn>
+                  </p:par>
+                  <p:par>
+                    <p:cTn id="106" fill="hold">
+                      <p:stCondLst>
+                        <p:cond delay="indefinite"/>
+                      </p:stCondLst>
+                      <p:childTnLst>
+                        <p:par>
+                          <p:cTn id="107" fill="hold">
+                            <p:stCondLst>
+                              <p:cond delay="0"/>
+                            </p:stCondLst>
+                            <p:childTnLst>
+                              <p:par>
+                                <p:cTn id="108" presetID="10" presetClass="entr" presetSubtype="0" fill="hold" nodeType="clickEffect">
+                                  <p:stCondLst>
+                                    <p:cond delay="0"/>
+                                  </p:stCondLst>
+                                  <p:childTnLst>
+                                    <p:set>
+                                      <p:cBhvr>
+                                        <p:cTn id="109" dur="1" fill="hold">
+                                          <p:stCondLst>
+                                            <p:cond delay="0"/>
+                                          </p:stCondLst>
+                                        </p:cTn>
+                                        <p:tgtEl>
+                                          <p:spTgt spid="168"/>
+                                        </p:tgtEl>
+                                        <p:attrNameLst>
+                                          <p:attrName>style.visibility</p:attrName>
+                                        </p:attrNameLst>
+                                      </p:cBhvr>
+                                      <p:to>
+                                        <p:strVal val="visible"/>
+                                      </p:to>
+                                    </p:set>
+                                    <p:animEffect transition="in" filter="fade">
+                                      <p:cBhvr>
+                                        <p:cTn id="110" dur="500"/>
+                                        <p:tgtEl>
+                                          <p:spTgt spid="168"/>
+                                        </p:tgtEl>
+                                      </p:cBhvr>
+                                    </p:animEffect>
+                                  </p:childTnLst>
+                                </p:cTn>
+                              </p:par>
+                            </p:childTnLst>
+                          </p:cTn>
+                        </p:par>
+                      </p:childTnLst>
+                    </p:cTn>
+                  </p:par>
+                  <p:par>
+                    <p:cTn id="111" fill="hold">
+                      <p:stCondLst>
+                        <p:cond delay="indefinite"/>
+                      </p:stCondLst>
+                      <p:childTnLst>
+                        <p:par>
+                          <p:cTn id="112" fill="hold">
+                            <p:stCondLst>
+                              <p:cond delay="0"/>
+                            </p:stCondLst>
+                            <p:childTnLst>
+                              <p:par>
+                                <p:cTn id="113" presetID="22" presetClass="entr" presetSubtype="1" fill="hold" nodeType="clickEffect">
+                                  <p:stCondLst>
+                                    <p:cond delay="0"/>
+                                  </p:stCondLst>
+                                  <p:childTnLst>
+                                    <p:set>
+                                      <p:cBhvr>
+                                        <p:cTn id="114" dur="1" fill="hold">
+                                          <p:stCondLst>
+                                            <p:cond delay="0"/>
+                                          </p:stCondLst>
+                                        </p:cTn>
+                                        <p:tgtEl>
+                                          <p:spTgt spid="47"/>
+                                        </p:tgtEl>
+                                        <p:attrNameLst>
+                                          <p:attrName>style.visibility</p:attrName>
+                                        </p:attrNameLst>
+                                      </p:cBhvr>
+                                      <p:to>
+                                        <p:strVal val="visible"/>
+                                      </p:to>
+                                    </p:set>
+                                    <p:animEffect transition="in" filter="wipe(up)">
+                                      <p:cBhvr>
+                                        <p:cTn id="115" dur="500"/>
+                                        <p:tgtEl>
+                                          <p:spTgt spid="47"/>
+                                        </p:tgtEl>
+                                      </p:cBhvr>
+                                    </p:animEffect>
+                                  </p:childTnLst>
+                                </p:cTn>
+                              </p:par>
+                            </p:childTnLst>
+                          </p:cTn>
+                        </p:par>
+                      </p:childTnLst>
+                    </p:cTn>
+                  </p:par>
+                  <p:par>
+                    <p:cTn id="116" fill="hold">
+                      <p:stCondLst>
+                        <p:cond delay="indefinite"/>
+                      </p:stCondLst>
+                      <p:childTnLst>
+                        <p:par>
+                          <p:cTn id="117" fill="hold">
+                            <p:stCondLst>
+                              <p:cond delay="0"/>
+                            </p:stCondLst>
+                            <p:childTnLst>
+                              <p:par>
+                                <p:cTn id="118" presetID="22" presetClass="entr" presetSubtype="8" fill="hold" nodeType="clickEffect">
+                                  <p:stCondLst>
+                                    <p:cond delay="0"/>
+                                  </p:stCondLst>
+                                  <p:childTnLst>
+                                    <p:set>
+                                      <p:cBhvr>
+                                        <p:cTn id="119" dur="1" fill="hold">
+                                          <p:stCondLst>
+                                            <p:cond delay="0"/>
+                                          </p:stCondLst>
+                                        </p:cTn>
+                                        <p:tgtEl>
+                                          <p:spTgt spid="214"/>
+                                        </p:tgtEl>
+                                        <p:attrNameLst>
+                                          <p:attrName>style.visibility</p:attrName>
+                                        </p:attrNameLst>
+                                      </p:cBhvr>
+                                      <p:to>
+                                        <p:strVal val="visible"/>
+                                      </p:to>
+                                    </p:set>
+                                    <p:animEffect transition="in" filter="wipe(left)">
+                                      <p:cBhvr>
+                                        <p:cTn id="120" dur="500"/>
+                                        <p:tgtEl>
+                                          <p:spTgt spid="214"/>
+                                        </p:tgtEl>
+                                      </p:cBhvr>
+                                    </p:animEffect>
+                                  </p:childTnLst>
+                                </p:cTn>
+                              </p:par>
+                            </p:childTnLst>
+                          </p:cTn>
+                        </p:par>
+                      </p:childTnLst>
+                    </p:cTn>
+                  </p:par>
+                  <p:par>
+                    <p:cTn id="121" fill="hold">
+                      <p:stCondLst>
+                        <p:cond delay="indefinite"/>
+                      </p:stCondLst>
+                      <p:childTnLst>
+                        <p:par>
+                          <p:cTn id="122" fill="hold">
+                            <p:stCondLst>
+                              <p:cond delay="0"/>
+                            </p:stCondLst>
+                            <p:childTnLst>
+                              <p:par>
+                                <p:cTn id="123" presetID="22" presetClass="entr" presetSubtype="8" fill="hold" nodeType="clickEffect">
+                                  <p:stCondLst>
+                                    <p:cond delay="0"/>
+                                  </p:stCondLst>
+                                  <p:childTnLst>
+                                    <p:set>
+                                      <p:cBhvr>
+                                        <p:cTn id="124" dur="1" fill="hold">
+                                          <p:stCondLst>
+                                            <p:cond delay="0"/>
+                                          </p:stCondLst>
+                                        </p:cTn>
+                                        <p:tgtEl>
+                                          <p:spTgt spid="45"/>
+                                        </p:tgtEl>
+                                        <p:attrNameLst>
+                                          <p:attrName>style.visibility</p:attrName>
+                                        </p:attrNameLst>
+                                      </p:cBhvr>
+                                      <p:to>
+                                        <p:strVal val="visible"/>
+                                      </p:to>
+                                    </p:set>
+                                    <p:animEffect transition="in" filter="wipe(left)">
+                                      <p:cBhvr>
+                                        <p:cTn id="125" dur="500"/>
+                                        <p:tgtEl>
+                                          <p:spTgt spid="45"/>
+                                        </p:tgtEl>
+                                      </p:cBhvr>
+                                    </p:animEffect>
+                                  </p:childTnLst>
+                                </p:cTn>
+                              </p:par>
+                            </p:childTnLst>
+                          </p:cTn>
+                        </p:par>
+                      </p:childTnLst>
+                    </p:cTn>
+                  </p:par>
+                  <p:par>
+                    <p:cTn id="126" fill="hold">
+                      <p:stCondLst>
+                        <p:cond delay="indefinite"/>
+                      </p:stCondLst>
+                      <p:childTnLst>
+                        <p:par>
+                          <p:cTn id="127" fill="hold">
+                            <p:stCondLst>
+                              <p:cond delay="0"/>
+                            </p:stCondLst>
+                            <p:childTnLst>
+                              <p:par>
+                                <p:cTn id="128" presetID="10" presetClass="entr" presetSubtype="0" fill="hold" nodeType="clickEffect">
+                                  <p:stCondLst>
+                                    <p:cond delay="0"/>
+                                  </p:stCondLst>
+                                  <p:childTnLst>
+                                    <p:set>
+                                      <p:cBhvr>
+                                        <p:cTn id="129" dur="1" fill="hold">
+                                          <p:stCondLst>
+                                            <p:cond delay="0"/>
+                                          </p:stCondLst>
+                                        </p:cTn>
+                                        <p:tgtEl>
+                                          <p:spTgt spid="171"/>
+                                        </p:tgtEl>
+                                        <p:attrNameLst>
+                                          <p:attrName>style.visibility</p:attrName>
+                                        </p:attrNameLst>
+                                      </p:cBhvr>
+                                      <p:to>
+                                        <p:strVal val="visible"/>
+                                      </p:to>
+                                    </p:set>
+                                    <p:animEffect transition="in" filter="fade">
+                                      <p:cBhvr>
+                                        <p:cTn id="130" dur="500"/>
+                                        <p:tgtEl>
+                                          <p:spTgt spid="171"/>
+                                        </p:tgtEl>
+                                      </p:cBhvr>
+                                    </p:animEffect>
+                                  </p:childTnLst>
+                                </p:cTn>
+                              </p:par>
+                            </p:childTnLst>
+                          </p:cTn>
+                        </p:par>
+                      </p:childTnLst>
+                    </p:cTn>
+                  </p:par>
+                  <p:par>
+                    <p:cTn id="131" fill="hold">
+                      <p:stCondLst>
+                        <p:cond delay="indefinite"/>
+                      </p:stCondLst>
+                      <p:childTnLst>
+                        <p:par>
+                          <p:cTn id="132" fill="hold">
+                            <p:stCondLst>
+                              <p:cond delay="0"/>
+                            </p:stCondLst>
+                            <p:childTnLst>
+                              <p:par>
+                                <p:cTn id="133" presetID="10" presetClass="entr" presetSubtype="0" fill="hold" nodeType="clickEffect">
+                                  <p:stCondLst>
+                                    <p:cond delay="0"/>
+                                  </p:stCondLst>
+                                  <p:childTnLst>
+                                    <p:set>
+                                      <p:cBhvr>
+                                        <p:cTn id="134" dur="1" fill="hold">
+                                          <p:stCondLst>
+                                            <p:cond delay="0"/>
+                                          </p:stCondLst>
+                                        </p:cTn>
+                                        <p:tgtEl>
+                                          <p:spTgt spid="242"/>
+                                        </p:tgtEl>
+                                        <p:attrNameLst>
+                                          <p:attrName>style.visibility</p:attrName>
+                                        </p:attrNameLst>
+                                      </p:cBhvr>
+                                      <p:to>
+                                        <p:strVal val="visible"/>
+                                      </p:to>
+                                    </p:set>
+                                    <p:animEffect transition="in" filter="fade">
+                                      <p:cBhvr>
+                                        <p:cTn id="135" dur="500"/>
+                                        <p:tgtEl>
+                                          <p:spTgt spid="242"/>
+                                        </p:tgtEl>
+                                      </p:cBhvr>
+                                    </p:animEffect>
+                                  </p:childTnLst>
+                                </p:cTn>
+                              </p:par>
+                            </p:childTnLst>
+                          </p:cTn>
+                        </p:par>
+                      </p:childTnLst>
+                    </p:cTn>
+                  </p:par>
+                  <p:par>
+                    <p:cTn id="136" fill="hold">
+                      <p:stCondLst>
+                        <p:cond delay="indefinite"/>
+                      </p:stCondLst>
+                      <p:childTnLst>
+                        <p:par>
+                          <p:cTn id="137" fill="hold">
+                            <p:stCondLst>
+                              <p:cond delay="0"/>
+                            </p:stCondLst>
+                            <p:childTnLst>
+                              <p:par>
+                                <p:cTn id="138" presetID="22" presetClass="entr" presetSubtype="8" fill="hold" nodeType="clickEffect">
+                                  <p:stCondLst>
+                                    <p:cond delay="0"/>
+                                  </p:stCondLst>
+                                  <p:childTnLst>
+                                    <p:set>
+                                      <p:cBhvr>
+                                        <p:cTn id="139" dur="1" fill="hold">
+                                          <p:stCondLst>
+                                            <p:cond delay="0"/>
+                                          </p:stCondLst>
+                                        </p:cTn>
+                                        <p:tgtEl>
+                                          <p:spTgt spid="216"/>
+                                        </p:tgtEl>
+                                        <p:attrNameLst>
+                                          <p:attrName>style.visibility</p:attrName>
+                                        </p:attrNameLst>
+                                      </p:cBhvr>
+                                      <p:to>
+                                        <p:strVal val="visible"/>
+                                      </p:to>
+                                    </p:set>
+                                    <p:animEffect transition="in" filter="wipe(left)">
+                                      <p:cBhvr>
+                                        <p:cTn id="140" dur="500"/>
+                                        <p:tgtEl>
+                                          <p:spTgt spid="216"/>
+                                        </p:tgtEl>
+                                      </p:cBhvr>
+                                    </p:animEffect>
+                                  </p:childTnLst>
+                                </p:cTn>
+                              </p:par>
+                            </p:childTnLst>
+                          </p:cTn>
+                        </p:par>
+                      </p:childTnLst>
+                    </p:cTn>
+                  </p:par>
+                  <p:par>
+                    <p:cTn id="141" fill="hold">
+                      <p:stCondLst>
+                        <p:cond delay="indefinite"/>
+                      </p:stCondLst>
+                      <p:childTnLst>
+                        <p:par>
+                          <p:cTn id="142" fill="hold">
+                            <p:stCondLst>
+                              <p:cond delay="0"/>
+                            </p:stCondLst>
+                            <p:childTnLst>
+                              <p:par>
+                                <p:cTn id="143" presetID="10" presetClass="entr" presetSubtype="0" fill="hold" nodeType="clickEffect">
+                                  <p:stCondLst>
+                                    <p:cond delay="0"/>
+                                  </p:stCondLst>
+                                  <p:childTnLst>
+                                    <p:set>
+                                      <p:cBhvr>
+                                        <p:cTn id="144" dur="1" fill="hold">
+                                          <p:stCondLst>
+                                            <p:cond delay="0"/>
+                                          </p:stCondLst>
+                                        </p:cTn>
+                                        <p:tgtEl>
+                                          <p:spTgt spid="208"/>
+                                        </p:tgtEl>
+                                        <p:attrNameLst>
+                                          <p:attrName>style.visibility</p:attrName>
+                                        </p:attrNameLst>
+                                      </p:cBhvr>
+                                      <p:to>
+                                        <p:strVal val="visible"/>
+                                      </p:to>
+                                    </p:set>
+                                    <p:animEffect transition="in" filter="fade">
+                                      <p:cBhvr>
+                                        <p:cTn id="145" dur="500"/>
+                                        <p:tgtEl>
+                                          <p:spTgt spid="208"/>
+                                        </p:tgtEl>
+                                      </p:cBhvr>
+                                    </p:animEffect>
+                                  </p:childTnLst>
+                                </p:cTn>
+                              </p:par>
+                            </p:childTnLst>
+                          </p:cTn>
+                        </p:par>
+                      </p:childTnLst>
+                    </p:cTn>
+                  </p:par>
+                  <p:par>
+                    <p:cTn id="146" fill="hold">
+                      <p:stCondLst>
+                        <p:cond delay="indefinite"/>
+                      </p:stCondLst>
+                      <p:childTnLst>
+                        <p:par>
+                          <p:cTn id="147" fill="hold">
+                            <p:stCondLst>
+                              <p:cond delay="0"/>
+                            </p:stCondLst>
+                            <p:childTnLst>
+                              <p:par>
+                                <p:cTn id="148" presetID="22" presetClass="entr" presetSubtype="8" fill="hold" nodeType="clickEffect">
+                                  <p:stCondLst>
+                                    <p:cond delay="0"/>
+                                  </p:stCondLst>
+                                  <p:childTnLst>
+                                    <p:set>
+                                      <p:cBhvr>
+                                        <p:cTn id="149" dur="1" fill="hold">
+                                          <p:stCondLst>
+                                            <p:cond delay="0"/>
+                                          </p:stCondLst>
+                                        </p:cTn>
+                                        <p:tgtEl>
+                                          <p:spTgt spid="218"/>
+                                        </p:tgtEl>
+                                        <p:attrNameLst>
+                                          <p:attrName>style.visibility</p:attrName>
+                                        </p:attrNameLst>
+                                      </p:cBhvr>
+                                      <p:to>
+                                        <p:strVal val="visible"/>
+                                      </p:to>
+                                    </p:set>
+                                    <p:animEffect transition="in" filter="wipe(left)">
+                                      <p:cBhvr>
+                                        <p:cTn id="150" dur="500"/>
+                                        <p:tgtEl>
+                                          <p:spTgt spid="218"/>
+                                        </p:tgtEl>
+                                      </p:cBhvr>
+                                    </p:animEffect>
+                                  </p:childTnLst>
+                                </p:cTn>
+                              </p:par>
+                            </p:childTnLst>
+                          </p:cTn>
+                        </p:par>
+                      </p:childTnLst>
+                    </p:cTn>
+                  </p:par>
+                  <p:par>
+                    <p:cTn id="151" fill="hold">
+                      <p:stCondLst>
+                        <p:cond delay="indefinite"/>
+                      </p:stCondLst>
+                      <p:childTnLst>
+                        <p:par>
+                          <p:cTn id="152" fill="hold">
+                            <p:stCondLst>
+                              <p:cond delay="0"/>
+                            </p:stCondLst>
+                            <p:childTnLst>
+                              <p:par>
+                                <p:cTn id="153" presetID="10" presetClass="entr" presetSubtype="0" fill="hold" nodeType="clickEffect">
+                                  <p:stCondLst>
+                                    <p:cond delay="0"/>
+                                  </p:stCondLst>
+                                  <p:childTnLst>
+                                    <p:set>
+                                      <p:cBhvr>
+                                        <p:cTn id="154" dur="1" fill="hold">
+                                          <p:stCondLst>
+                                            <p:cond delay="0"/>
+                                          </p:stCondLst>
+                                        </p:cTn>
+                                        <p:tgtEl>
+                                          <p:spTgt spid="177"/>
+                                        </p:tgtEl>
+                                        <p:attrNameLst>
+                                          <p:attrName>style.visibility</p:attrName>
+                                        </p:attrNameLst>
+                                      </p:cBhvr>
+                                      <p:to>
+                                        <p:strVal val="visible"/>
+                                      </p:to>
+                                    </p:set>
+                                    <p:animEffect transition="in" filter="fade">
+                                      <p:cBhvr>
+                                        <p:cTn id="155" dur="500"/>
+                                        <p:tgtEl>
+                                          <p:spTgt spid="177"/>
+                                        </p:tgtEl>
+                                      </p:cBhvr>
+                                    </p:animEffect>
+                                  </p:childTnLst>
+                                </p:cTn>
+                              </p:par>
+                            </p:childTnLst>
+                          </p:cTn>
+                        </p:par>
+                      </p:childTnLst>
+                    </p:cTn>
+                  </p:par>
+                  <p:par>
+                    <p:cTn id="156" fill="hold">
+                      <p:stCondLst>
+                        <p:cond delay="indefinite"/>
+                      </p:stCondLst>
+                      <p:childTnLst>
+                        <p:par>
+                          <p:cTn id="157" fill="hold">
+                            <p:stCondLst>
+                              <p:cond delay="0"/>
+                            </p:stCondLst>
+                            <p:childTnLst>
+                              <p:par>
+                                <p:cTn id="158" presetID="22" presetClass="entr" presetSubtype="8" fill="hold" nodeType="clickEffect">
+                                  <p:stCondLst>
+                                    <p:cond delay="0"/>
+                                  </p:stCondLst>
+                                  <p:childTnLst>
+                                    <p:set>
+                                      <p:cBhvr>
+                                        <p:cTn id="159" dur="1" fill="hold">
+                                          <p:stCondLst>
+                                            <p:cond delay="0"/>
+                                          </p:stCondLst>
+                                        </p:cTn>
+                                        <p:tgtEl>
+                                          <p:spTgt spid="66"/>
+                                        </p:tgtEl>
+                                        <p:attrNameLst>
+                                          <p:attrName>style.visibility</p:attrName>
+                                        </p:attrNameLst>
+                                      </p:cBhvr>
+                                      <p:to>
+                                        <p:strVal val="visible"/>
+                                      </p:to>
+                                    </p:set>
+                                    <p:animEffect transition="in" filter="wipe(left)">
+                                      <p:cBhvr>
+                                        <p:cTn id="160" dur="500"/>
+                                        <p:tgtEl>
+                                          <p:spTgt spid="66"/>
+                                        </p:tgtEl>
+                                      </p:cBhvr>
+                                    </p:animEffect>
+                                  </p:childTnLst>
+                                </p:cTn>
+                              </p:par>
+                            </p:childTnLst>
+                          </p:cTn>
+                        </p:par>
+                      </p:childTnLst>
+                    </p:cTn>
+                  </p:par>
+                  <p:par>
+                    <p:cTn id="161" fill="hold">
+                      <p:stCondLst>
+                        <p:cond delay="indefinite"/>
+                      </p:stCondLst>
+                      <p:childTnLst>
+                        <p:par>
+                          <p:cTn id="162" fill="hold">
+                            <p:stCondLst>
+                              <p:cond delay="0"/>
+                            </p:stCondLst>
+                            <p:childTnLst>
+                              <p:par>
+                                <p:cTn id="163" presetID="10" presetClass="entr" presetSubtype="0" fill="hold" nodeType="clickEffect">
+                                  <p:stCondLst>
+                                    <p:cond delay="0"/>
+                                  </p:stCondLst>
+                                  <p:childTnLst>
+                                    <p:set>
+                                      <p:cBhvr>
+                                        <p:cTn id="164" dur="1" fill="hold">
+                                          <p:stCondLst>
+                                            <p:cond delay="0"/>
+                                          </p:stCondLst>
+                                        </p:cTn>
+                                        <p:tgtEl>
+                                          <p:spTgt spid="251"/>
+                                        </p:tgtEl>
+                                        <p:attrNameLst>
+                                          <p:attrName>style.visibility</p:attrName>
+                                        </p:attrNameLst>
+                                      </p:cBhvr>
+                                      <p:to>
+                                        <p:strVal val="visible"/>
+                                      </p:to>
+                                    </p:set>
+                                    <p:animEffect transition="in" filter="fade">
+                                      <p:cBhvr>
+                                        <p:cTn id="165" dur="500"/>
+                                        <p:tgtEl>
+                                          <p:spTgt spid="251"/>
+                                        </p:tgtEl>
+                                      </p:cBhvr>
+                                    </p:animEffect>
+                                  </p:childTnLst>
+                                </p:cTn>
+                              </p:par>
+                            </p:childTnLst>
+                          </p:cTn>
+                        </p:par>
+                      </p:childTnLst>
+                    </p:cTn>
+                  </p:par>
+                  <p:par>
+                    <p:cTn id="166" fill="hold">
+                      <p:stCondLst>
+                        <p:cond delay="indefinite"/>
+                      </p:stCondLst>
+                      <p:childTnLst>
+                        <p:par>
+                          <p:cTn id="167" fill="hold">
+                            <p:stCondLst>
+                              <p:cond delay="0"/>
+                            </p:stCondLst>
+                            <p:childTnLst>
+                              <p:par>
+                                <p:cTn id="168" presetID="22" presetClass="entr" presetSubtype="4" fill="hold" nodeType="clickEffect">
+                                  <p:stCondLst>
+                                    <p:cond delay="0"/>
+                                  </p:stCondLst>
+                                  <p:childTnLst>
+                                    <p:set>
+                                      <p:cBhvr>
+                                        <p:cTn id="169" dur="1" fill="hold">
+                                          <p:stCondLst>
+                                            <p:cond delay="0"/>
+                                          </p:stCondLst>
+                                        </p:cTn>
+                                        <p:tgtEl>
+                                          <p:spTgt spid="68"/>
+                                        </p:tgtEl>
+                                        <p:attrNameLst>
+                                          <p:attrName>style.visibility</p:attrName>
+                                        </p:attrNameLst>
+                                      </p:cBhvr>
+                                      <p:to>
+                                        <p:strVal val="visible"/>
+                                      </p:to>
+                                    </p:set>
+                                    <p:animEffect transition="in" filter="wipe(down)">
+                                      <p:cBhvr>
+                                        <p:cTn id="170" dur="500"/>
+                                        <p:tgtEl>
+                                          <p:spTgt spid="68"/>
+                                        </p:tgtEl>
+                                      </p:cBhvr>
+                                    </p:animEffect>
+                                  </p:childTnLst>
+                                </p:cTn>
+                              </p:par>
+                            </p:childTnLst>
+                          </p:cTn>
+                        </p:par>
+                      </p:childTnLst>
+                    </p:cTn>
+                  </p:par>
+                  <p:par>
+                    <p:cTn id="171" fill="hold">
+                      <p:stCondLst>
+                        <p:cond delay="indefinite"/>
+                      </p:stCondLst>
+                      <p:childTnLst>
+                        <p:par>
+                          <p:cTn id="172" fill="hold">
+                            <p:stCondLst>
+                              <p:cond delay="0"/>
+                            </p:stCondLst>
+                            <p:childTnLst>
+                              <p:par>
+                                <p:cTn id="173" presetID="22" presetClass="entr" presetSubtype="1" fill="hold" nodeType="clickEffect">
+                                  <p:stCondLst>
+                                    <p:cond delay="0"/>
+                                  </p:stCondLst>
+                                  <p:childTnLst>
+                                    <p:set>
+                                      <p:cBhvr>
+                                        <p:cTn id="174" dur="1" fill="hold">
+                                          <p:stCondLst>
+                                            <p:cond delay="0"/>
+                                          </p:stCondLst>
+                                        </p:cTn>
+                                        <p:tgtEl>
+                                          <p:spTgt spid="257"/>
+                                        </p:tgtEl>
+                                        <p:attrNameLst>
+                                          <p:attrName>style.visibility</p:attrName>
+                                        </p:attrNameLst>
+                                      </p:cBhvr>
+                                      <p:to>
+                                        <p:strVal val="visible"/>
+                                      </p:to>
+                                    </p:set>
+                                    <p:animEffect transition="in" filter="wipe(up)">
+                                      <p:cBhvr>
+                                        <p:cTn id="175" dur="500"/>
+                                        <p:tgtEl>
+                                          <p:spTgt spid="257"/>
+                                        </p:tgtEl>
+                                      </p:cBhvr>
+                                    </p:animEffect>
+                                  </p:childTnLst>
+                                </p:cTn>
+                              </p:par>
+                            </p:childTnLst>
+                          </p:cTn>
+                        </p:par>
+                      </p:childTnLst>
+                    </p:cTn>
+                  </p:par>
+                  <p:par>
+                    <p:cTn id="176" fill="hold">
+                      <p:stCondLst>
+                        <p:cond delay="indefinite"/>
+                      </p:stCondLst>
+                      <p:childTnLst>
+                        <p:par>
+                          <p:cTn id="177" fill="hold">
+                            <p:stCondLst>
+                              <p:cond delay="0"/>
+                            </p:stCondLst>
+                            <p:childTnLst>
+                              <p:par>
+                                <p:cTn id="178" presetID="10" presetClass="entr" presetSubtype="0" fill="hold" nodeType="clickEffect">
+                                  <p:stCondLst>
+                                    <p:cond delay="0"/>
+                                  </p:stCondLst>
+                                  <p:childTnLst>
+                                    <p:set>
+                                      <p:cBhvr>
+                                        <p:cTn id="179" dur="1" fill="hold">
+                                          <p:stCondLst>
+                                            <p:cond delay="0"/>
+                                          </p:stCondLst>
+                                        </p:cTn>
+                                        <p:tgtEl>
+                                          <p:spTgt spid="253"/>
+                                        </p:tgtEl>
+                                        <p:attrNameLst>
+                                          <p:attrName>style.visibility</p:attrName>
+                                        </p:attrNameLst>
+                                      </p:cBhvr>
+                                      <p:to>
+                                        <p:strVal val="visible"/>
+                                      </p:to>
+                                    </p:set>
+                                    <p:animEffect transition="in" filter="fade">
+                                      <p:cBhvr>
+                                        <p:cTn id="180" dur="500"/>
+                                        <p:tgtEl>
+                                          <p:spTgt spid="253"/>
+                                        </p:tgtEl>
+                                      </p:cBhvr>
+                                    </p:animEffect>
+                                  </p:childTnLst>
+                                </p:cTn>
+                              </p:par>
+                            </p:childTnLst>
+                          </p:cTn>
+                        </p:par>
+                      </p:childTnLst>
+                    </p:cTn>
+                  </p:par>
+                  <p:par>
+                    <p:cTn id="181" fill="hold">
+                      <p:stCondLst>
+                        <p:cond delay="indefinite"/>
+                      </p:stCondLst>
+                      <p:childTnLst>
+                        <p:par>
+                          <p:cTn id="182" fill="hold">
+                            <p:stCondLst>
+                              <p:cond delay="0"/>
+                            </p:stCondLst>
+                            <p:childTnLst>
+                              <p:par>
+                                <p:cTn id="183" presetID="10" presetClass="entr" presetSubtype="0" fill="hold" nodeType="clickEffect">
+                                  <p:stCondLst>
+                                    <p:cond delay="0"/>
+                                  </p:stCondLst>
+                                  <p:childTnLst>
+                                    <p:set>
+                                      <p:cBhvr>
+                                        <p:cTn id="184" dur="1" fill="hold">
+                                          <p:stCondLst>
+                                            <p:cond delay="0"/>
+                                          </p:stCondLst>
+                                        </p:cTn>
+                                        <p:tgtEl>
+                                          <p:spTgt spid="194"/>
+                                        </p:tgtEl>
+                                        <p:attrNameLst>
+                                          <p:attrName>style.visibility</p:attrName>
+                                        </p:attrNameLst>
+                                      </p:cBhvr>
+                                      <p:to>
+                                        <p:strVal val="visible"/>
+                                      </p:to>
+                                    </p:set>
+                                    <p:animEffect transition="in" filter="fade">
+                                      <p:cBhvr>
+                                        <p:cTn id="185" dur="500"/>
+                                        <p:tgtEl>
+                                          <p:spTgt spid="194"/>
+                                        </p:tgtEl>
+                                      </p:cBhvr>
+                                    </p:animEffect>
+                                  </p:childTnLst>
+                                </p:cTn>
+                              </p:par>
+                            </p:childTnLst>
+                          </p:cTn>
+                        </p:par>
+                      </p:childTnLst>
+                    </p:cTn>
+                  </p:par>
+                </p:childTnLst>
+              </p:cTn>
+              <p:prevCondLst>
+                <p:cond evt="onPrev" delay="0">
+                  <p:tgtEl>
+                    <p:sldTgt/>
+                  </p:tgtEl>
+                </p:cond>
+              </p:prevCondLst>
+              <p:nextCondLst>
+                <p:cond evt="onNext" delay="0">
+                  <p:tgtEl>
+                    <p:sldTgt/>
+                  </p:tgtEl>
+                </p:cond>
+              </p:nextCondLst>
+            </p:seq>
+          </p:childTnLst>
+        </p:cTn>
+      </p:par>
+    </p:tnLst>
+    <p:bldLst>
+      <p:bldP spid="31" grpId="0"/>
+      <p:bldP spid="32" grpId="0"/>
+      <p:bldP spid="33" grpId="0"/>
+      <p:bldP spid="34" grpId="0"/>
+      <p:bldP spid="69" grpId="0"/>
+      <p:bldP spid="70" grpId="0"/>
+      <p:bldP spid="91" grpId="0"/>
+    </p:bldLst>
+  </p:timing>
+</p:sld>
+</file>
+
+<file path=ppt/slides/slide13.xml><?xml version="1.0" encoding="utf-8"?>
+<p:sld xmlns:a="http://schemas.openxmlformats.org/drawingml/2006/main" xmlns:r="http://schemas.openxmlformats.org/officeDocument/2006/relationships" xmlns:p="http://schemas.openxmlformats.org/presentationml/2006/main">
+  <p:cSld>
+    <p:spTree>
+      <p:nvGrpSpPr>
+        <p:cNvPr id="1" name=""/>
+        <p:cNvGrpSpPr/>
+        <p:nvPr/>
+      </p:nvGrpSpPr>
+      <p:grpSpPr>
+        <a:xfrm>
+          <a:off x="0" y="0"/>
+          <a:ext cx="0" cy="0"/>
+          <a:chOff x="0" y="0"/>
+          <a:chExt cx="0" cy="0"/>
+        </a:xfrm>
+      </p:grpSpPr>
+      <p:pic>
+        <p:nvPicPr>
+          <p:cNvPr id="4" name="图形 3" descr="智能手机">
+            <a:extLst>
+              <a:ext uri="{FF2B5EF4-FFF2-40B4-BE49-F238E27FC236}">
+                <a16:creationId xmlns:a16="http://schemas.microsoft.com/office/drawing/2014/main" id="{97C2796D-4078-4188-9961-0BE57A27B1D2}"/>
+              </a:ext>
+            </a:extLst>
+          </p:cNvPr>
+          <p:cNvPicPr>
+            <a:picLocks noChangeAspect="1"/>
+          </p:cNvPicPr>
+          <p:nvPr/>
+        </p:nvPicPr>
+        <p:blipFill>
+          <a:blip r:embed="rId2">
+            <a:extLst>
+              <a:ext uri="{28A0092B-C50C-407E-A947-70E740481C1C}">
+                <a14:useLocalDpi xmlns:a14="http://schemas.microsoft.com/office/drawing/2010/main" val="0"/>
+              </a:ext>
+              <a:ext uri="{96DAC541-7B7A-43D3-8B79-37D633B846F1}">
+                <asvg:svgBlip xmlns:asvg="http://schemas.microsoft.com/office/drawing/2016/SVG/main" r:embed="rId3"/>
+              </a:ext>
+            </a:extLst>
+          </a:blip>
+          <a:stretch>
+            <a:fillRect/>
+          </a:stretch>
+        </p:blipFill>
+        <p:spPr>
+          <a:xfrm>
+            <a:off x="10551197" y="5003144"/>
+            <a:ext cx="914400" cy="914400"/>
+          </a:xfrm>
+          <a:prstGeom prst="rect">
+            <a:avLst/>
+          </a:prstGeom>
+        </p:spPr>
+      </p:pic>
+      <p:pic>
+        <p:nvPicPr>
+          <p:cNvPr id="5" name="图形 4" descr="用户">
+            <a:extLst>
+              <a:ext uri="{FF2B5EF4-FFF2-40B4-BE49-F238E27FC236}">
+                <a16:creationId xmlns:a16="http://schemas.microsoft.com/office/drawing/2014/main" id="{6BFDB208-CB1F-46D0-8955-5CC05297EEA0}"/>
+              </a:ext>
+            </a:extLst>
+          </p:cNvPr>
+          <p:cNvPicPr>
+            <a:picLocks noChangeAspect="1"/>
+          </p:cNvPicPr>
+          <p:nvPr/>
+        </p:nvPicPr>
+        <p:blipFill>
+          <a:blip r:embed="rId4">
+            <a:extLst>
+              <a:ext uri="{28A0092B-C50C-407E-A947-70E740481C1C}">
+                <a14:useLocalDpi xmlns:a14="http://schemas.microsoft.com/office/drawing/2010/main" val="0"/>
+              </a:ext>
+              <a:ext uri="{96DAC541-7B7A-43D3-8B79-37D633B846F1}">
+                <asvg:svgBlip xmlns:asvg="http://schemas.microsoft.com/office/drawing/2016/SVG/main" r:embed="rId5"/>
+              </a:ext>
+            </a:extLst>
+          </a:blip>
+          <a:stretch>
+            <a:fillRect/>
+          </a:stretch>
+        </p:blipFill>
+        <p:spPr>
+          <a:xfrm>
+            <a:off x="4205040" y="5251652"/>
+            <a:ext cx="914400" cy="914400"/>
+          </a:xfrm>
+          <a:prstGeom prst="rect">
+            <a:avLst/>
+          </a:prstGeom>
+        </p:spPr>
+      </p:pic>
+      <p:pic>
+        <p:nvPicPr>
+          <p:cNvPr id="6" name="图形 5" descr="下载">
+            <a:extLst>
+              <a:ext uri="{FF2B5EF4-FFF2-40B4-BE49-F238E27FC236}">
+                <a16:creationId xmlns:a16="http://schemas.microsoft.com/office/drawing/2014/main" id="{1360312A-C9BE-4B27-9EDB-D08CA555665E}"/>
+              </a:ext>
+            </a:extLst>
+          </p:cNvPr>
+          <p:cNvPicPr>
+            <a:picLocks noChangeAspect="1"/>
+          </p:cNvPicPr>
+          <p:nvPr/>
+        </p:nvPicPr>
+        <p:blipFill>
+          <a:blip r:embed="rId6">
+            <a:extLst>
+              <a:ext uri="{28A0092B-C50C-407E-A947-70E740481C1C}">
+                <a14:useLocalDpi xmlns:a14="http://schemas.microsoft.com/office/drawing/2010/main" val="0"/>
+              </a:ext>
+              <a:ext uri="{96DAC541-7B7A-43D3-8B79-37D633B846F1}">
+                <asvg:svgBlip xmlns:asvg="http://schemas.microsoft.com/office/drawing/2016/SVG/main" r:embed="rId7"/>
+              </a:ext>
+            </a:extLst>
+          </a:blip>
+          <a:stretch>
+            <a:fillRect/>
+          </a:stretch>
+        </p:blipFill>
+        <p:spPr>
+          <a:xfrm>
+            <a:off x="9492090" y="5618433"/>
+            <a:ext cx="914400" cy="914400"/>
+          </a:xfrm>
+          <a:prstGeom prst="rect">
+            <a:avLst/>
+          </a:prstGeom>
+        </p:spPr>
+      </p:pic>
+      <p:pic>
+        <p:nvPicPr>
+          <p:cNvPr id="7" name="图形 6" descr="发送">
+            <a:extLst>
+              <a:ext uri="{FF2B5EF4-FFF2-40B4-BE49-F238E27FC236}">
+                <a16:creationId xmlns:a16="http://schemas.microsoft.com/office/drawing/2014/main" id="{90BA677B-D7D1-435D-8504-4B6AA3066BAE}"/>
+              </a:ext>
+            </a:extLst>
+          </p:cNvPr>
+          <p:cNvPicPr>
+            <a:picLocks noChangeAspect="1"/>
+          </p:cNvPicPr>
+          <p:nvPr/>
+        </p:nvPicPr>
+        <p:blipFill>
+          <a:blip r:embed="rId8">
+            <a:extLst>
+              <a:ext uri="{28A0092B-C50C-407E-A947-70E740481C1C}">
+                <a14:useLocalDpi xmlns:a14="http://schemas.microsoft.com/office/drawing/2010/main" val="0"/>
+              </a:ext>
+              <a:ext uri="{96DAC541-7B7A-43D3-8B79-37D633B846F1}">
+                <asvg:svgBlip xmlns:asvg="http://schemas.microsoft.com/office/drawing/2016/SVG/main" r:embed="rId9"/>
+              </a:ext>
+            </a:extLst>
+          </a:blip>
+          <a:stretch>
+            <a:fillRect/>
+          </a:stretch>
+        </p:blipFill>
+        <p:spPr>
+          <a:xfrm>
+            <a:off x="8394160" y="5618433"/>
+            <a:ext cx="914400" cy="914400"/>
+          </a:xfrm>
+          <a:prstGeom prst="rect">
+            <a:avLst/>
+          </a:prstGeom>
+        </p:spPr>
+      </p:pic>
+      <p:pic>
+        <p:nvPicPr>
+          <p:cNvPr id="8" name="图形 7" descr="沙漏">
+            <a:extLst>
+              <a:ext uri="{FF2B5EF4-FFF2-40B4-BE49-F238E27FC236}">
+                <a16:creationId xmlns:a16="http://schemas.microsoft.com/office/drawing/2014/main" id="{98014050-0AEE-4638-8AA3-21562CBFDCBC}"/>
+              </a:ext>
+            </a:extLst>
+          </p:cNvPr>
+          <p:cNvPicPr>
+            <a:picLocks noChangeAspect="1"/>
+          </p:cNvPicPr>
+          <p:nvPr/>
+        </p:nvPicPr>
+        <p:blipFill>
+          <a:blip r:embed="rId10">
+            <a:extLst>
+              <a:ext uri="{28A0092B-C50C-407E-A947-70E740481C1C}">
+                <a14:useLocalDpi xmlns:a14="http://schemas.microsoft.com/office/drawing/2010/main" val="0"/>
+              </a:ext>
+              <a:ext uri="{96DAC541-7B7A-43D3-8B79-37D633B846F1}">
+                <asvg:svgBlip xmlns:asvg="http://schemas.microsoft.com/office/drawing/2016/SVG/main" r:embed="rId11"/>
+              </a:ext>
+            </a:extLst>
+          </a:blip>
+          <a:stretch>
+            <a:fillRect/>
+          </a:stretch>
+        </p:blipFill>
+        <p:spPr>
+          <a:xfrm>
+            <a:off x="3243038" y="5477071"/>
+            <a:ext cx="914400" cy="914400"/>
+          </a:xfrm>
+          <a:prstGeom prst="rect">
+            <a:avLst/>
+          </a:prstGeom>
+        </p:spPr>
+      </p:pic>
+      <p:pic>
+        <p:nvPicPr>
+          <p:cNvPr id="9" name="图形 8" descr="发送">
+            <a:extLst>
+              <a:ext uri="{FF2B5EF4-FFF2-40B4-BE49-F238E27FC236}">
+                <a16:creationId xmlns:a16="http://schemas.microsoft.com/office/drawing/2014/main" id="{DF7C2B43-069F-48F6-BCA7-4EB2E003F57E}"/>
+              </a:ext>
+            </a:extLst>
+          </p:cNvPr>
+          <p:cNvPicPr>
+            <a:picLocks noChangeAspect="1"/>
+          </p:cNvPicPr>
+          <p:nvPr/>
+        </p:nvPicPr>
+        <p:blipFill>
+          <a:blip r:embed="rId8">
+            <a:extLst>
+              <a:ext uri="{28A0092B-C50C-407E-A947-70E740481C1C}">
+                <a14:useLocalDpi xmlns:a14="http://schemas.microsoft.com/office/drawing/2010/main" val="0"/>
+              </a:ext>
+              <a:ext uri="{96DAC541-7B7A-43D3-8B79-37D633B846F1}">
+                <asvg:svgBlip xmlns:asvg="http://schemas.microsoft.com/office/drawing/2016/SVG/main" r:embed="rId9"/>
+              </a:ext>
+            </a:extLst>
+          </a:blip>
+          <a:stretch>
+            <a:fillRect/>
+          </a:stretch>
+        </p:blipFill>
+        <p:spPr>
+          <a:xfrm>
+            <a:off x="5624242" y="5334040"/>
+            <a:ext cx="914400" cy="914400"/>
+          </a:xfrm>
+          <a:prstGeom prst="rect">
+            <a:avLst/>
+          </a:prstGeom>
+        </p:spPr>
+      </p:pic>
+      <p:pic>
+        <p:nvPicPr>
+          <p:cNvPr id="10" name="图形 9" descr="发送">
+            <a:extLst>
+              <a:ext uri="{FF2B5EF4-FFF2-40B4-BE49-F238E27FC236}">
+                <a16:creationId xmlns:a16="http://schemas.microsoft.com/office/drawing/2014/main" id="{DD11A742-EC97-490C-8A5A-2380EDBD2844}"/>
+              </a:ext>
+            </a:extLst>
+          </p:cNvPr>
+          <p:cNvPicPr>
+            <a:picLocks noChangeAspect="1"/>
+          </p:cNvPicPr>
+          <p:nvPr/>
+        </p:nvPicPr>
+        <p:blipFill>
+          <a:blip r:embed="rId8">
+            <a:extLst>
+              <a:ext uri="{28A0092B-C50C-407E-A947-70E740481C1C}">
+                <a14:useLocalDpi xmlns:a14="http://schemas.microsoft.com/office/drawing/2010/main" val="0"/>
+              </a:ext>
+              <a:ext uri="{96DAC541-7B7A-43D3-8B79-37D633B846F1}">
+                <asvg:svgBlip xmlns:asvg="http://schemas.microsoft.com/office/drawing/2016/SVG/main" r:embed="rId9"/>
+              </a:ext>
+            </a:extLst>
+          </a:blip>
+          <a:stretch>
+            <a:fillRect/>
+          </a:stretch>
+        </p:blipFill>
+        <p:spPr>
+          <a:xfrm>
+            <a:off x="7322501" y="5204537"/>
+            <a:ext cx="914400" cy="914400"/>
+          </a:xfrm>
+          <a:prstGeom prst="rect">
+            <a:avLst/>
+          </a:prstGeom>
+        </p:spPr>
+      </p:pic>
+      <p:pic>
+        <p:nvPicPr>
+          <p:cNvPr id="18" name="图形 17" descr="带齿轮的头部">
+            <a:extLst>
+              <a:ext uri="{FF2B5EF4-FFF2-40B4-BE49-F238E27FC236}">
+                <a16:creationId xmlns:a16="http://schemas.microsoft.com/office/drawing/2014/main" id="{C98211E8-DC68-425B-9E9A-AEB74A83C8D1}"/>
+              </a:ext>
+            </a:extLst>
+          </p:cNvPr>
+          <p:cNvPicPr>
+            <a:picLocks noChangeAspect="1"/>
+          </p:cNvPicPr>
+          <p:nvPr/>
+        </p:nvPicPr>
+        <p:blipFill>
+          <a:blip r:embed="rId12">
+            <a:extLst>
+              <a:ext uri="{28A0092B-C50C-407E-A947-70E740481C1C}">
+                <a14:useLocalDpi xmlns:a14="http://schemas.microsoft.com/office/drawing/2010/main" val="0"/>
+              </a:ext>
+              <a:ext uri="{96DAC541-7B7A-43D3-8B79-37D633B846F1}">
+                <asvg:svgBlip xmlns:asvg="http://schemas.microsoft.com/office/drawing/2016/SVG/main" r:embed="rId13"/>
+              </a:ext>
+            </a:extLst>
+          </a:blip>
+          <a:stretch>
+            <a:fillRect/>
+          </a:stretch>
+        </p:blipFill>
+        <p:spPr>
+          <a:xfrm>
+            <a:off x="4157438" y="1889628"/>
+            <a:ext cx="914400" cy="914400"/>
+          </a:xfrm>
+          <a:prstGeom prst="rect">
+            <a:avLst/>
+          </a:prstGeom>
+        </p:spPr>
+      </p:pic>
+      <p:pic>
+        <p:nvPicPr>
+          <p:cNvPr id="20" name="图形 19" descr="灯泡">
+            <a:extLst>
+              <a:ext uri="{FF2B5EF4-FFF2-40B4-BE49-F238E27FC236}">
+                <a16:creationId xmlns:a16="http://schemas.microsoft.com/office/drawing/2014/main" id="{6667E098-D162-4377-AC9D-9104EEE7D833}"/>
+              </a:ext>
+            </a:extLst>
+          </p:cNvPr>
+          <p:cNvPicPr>
+            <a:picLocks noChangeAspect="1"/>
+          </p:cNvPicPr>
+          <p:nvPr/>
+        </p:nvPicPr>
+        <p:blipFill>
+          <a:blip r:embed="rId14">
+            <a:extLst>
+              <a:ext uri="{28A0092B-C50C-407E-A947-70E740481C1C}">
+                <a14:useLocalDpi xmlns:a14="http://schemas.microsoft.com/office/drawing/2010/main" val="0"/>
+              </a:ext>
+              <a:ext uri="{96DAC541-7B7A-43D3-8B79-37D633B846F1}">
+                <asvg:svgBlip xmlns:asvg="http://schemas.microsoft.com/office/drawing/2016/SVG/main" r:embed="rId15"/>
+              </a:ext>
+            </a:extLst>
+          </a:blip>
+          <a:stretch>
+            <a:fillRect/>
+          </a:stretch>
+        </p:blipFill>
+        <p:spPr>
+          <a:xfrm>
+            <a:off x="7659316" y="3121800"/>
+            <a:ext cx="914400" cy="914400"/>
+          </a:xfrm>
+          <a:prstGeom prst="rect">
+            <a:avLst/>
+          </a:prstGeom>
+        </p:spPr>
+      </p:pic>
+      <p:pic>
+        <p:nvPicPr>
+          <p:cNvPr id="22" name="图形 21" descr="筛选器">
+            <a:extLst>
+              <a:ext uri="{FF2B5EF4-FFF2-40B4-BE49-F238E27FC236}">
+                <a16:creationId xmlns:a16="http://schemas.microsoft.com/office/drawing/2014/main" id="{128AECF6-9B7B-49FD-8004-7A6371E599A8}"/>
+              </a:ext>
+            </a:extLst>
+          </p:cNvPr>
+          <p:cNvPicPr>
+            <a:picLocks noChangeAspect="1"/>
+          </p:cNvPicPr>
+          <p:nvPr/>
+        </p:nvPicPr>
+        <p:blipFill>
+          <a:blip r:embed="rId16">
+            <a:extLst>
+              <a:ext uri="{28A0092B-C50C-407E-A947-70E740481C1C}">
+                <a14:useLocalDpi xmlns:a14="http://schemas.microsoft.com/office/drawing/2010/main" val="0"/>
+              </a:ext>
+              <a:ext uri="{96DAC541-7B7A-43D3-8B79-37D633B846F1}">
+                <asvg:svgBlip xmlns:asvg="http://schemas.microsoft.com/office/drawing/2016/SVG/main" r:embed="rId17"/>
+              </a:ext>
+            </a:extLst>
+          </a:blip>
+          <a:stretch>
+            <a:fillRect/>
+          </a:stretch>
+        </p:blipFill>
+        <p:spPr>
+          <a:xfrm>
+            <a:off x="2978344" y="3429000"/>
+            <a:ext cx="914400" cy="914400"/>
+          </a:xfrm>
+          <a:prstGeom prst="rect">
+            <a:avLst/>
+          </a:prstGeom>
+        </p:spPr>
+      </p:pic>
+    </p:spTree>
+    <p:extLst>
+      <p:ext uri="{BB962C8B-B14F-4D97-AF65-F5344CB8AC3E}">
+        <p14:creationId xmlns:p14="http://schemas.microsoft.com/office/powerpoint/2010/main" val="2781392906"/>
       </p:ext>
     </p:extLst>
   </p:cSld>
@@ -35594,7 +40309,7 @@
           <p:nvPr>
             <p:extLst>
               <p:ext uri="{D42A27DB-BD31-4B8C-83A1-F6EECF244321}">
-                <p14:modId xmlns:p14="http://schemas.microsoft.com/office/powerpoint/2010/main" val="313246119"/>
+                <p14:modId xmlns:p14="http://schemas.microsoft.com/office/powerpoint/2010/main" val="3982191779"/>
               </p:ext>
             </p:extLst>
           </p:nvPr>

--- a/ppt/deploy-frontend-code.pptx
+++ b/ppt/deploy-frontend-code.pptx
@@ -1167,6 +1167,813 @@
 </file>
 
 <file path=ppt/diagrams/colors1.xml><?xml version="1.0" encoding="utf-8"?>
+<dgm:colorsDef xmlns:dgm="http://schemas.openxmlformats.org/drawingml/2006/diagram" xmlns:a="http://schemas.openxmlformats.org/drawingml/2006/main" uniqueId="urn:microsoft.com/office/officeart/2005/8/colors/accent3_1">
+  <dgm:title val=""/>
+  <dgm:desc val=""/>
+  <dgm:catLst>
+    <dgm:cat type="accent3" pri="11100"/>
+  </dgm:catLst>
+  <dgm:styleLbl name="node0">
+    <dgm:fillClrLst meth="repeat">
+      <a:schemeClr val="lt1"/>
+    </dgm:fillClrLst>
+    <dgm:linClrLst meth="repeat">
+      <a:schemeClr val="accent3">
+        <a:shade val="80000"/>
+      </a:schemeClr>
+    </dgm:linClrLst>
+    <dgm:effectClrLst/>
+    <dgm:txLinClrLst/>
+    <dgm:txFillClrLst meth="repeat">
+      <a:schemeClr val="dk1"/>
+    </dgm:txFillClrLst>
+    <dgm:txEffectClrLst/>
+  </dgm:styleLbl>
+  <dgm:styleLbl name="node1">
+    <dgm:fillClrLst meth="repeat">
+      <a:schemeClr val="lt1"/>
+    </dgm:fillClrLst>
+    <dgm:linClrLst meth="repeat">
+      <a:schemeClr val="accent3">
+        <a:shade val="80000"/>
+      </a:schemeClr>
+    </dgm:linClrLst>
+    <dgm:effectClrLst/>
+    <dgm:txLinClrLst/>
+    <dgm:txFillClrLst meth="repeat">
+      <a:schemeClr val="dk1"/>
+    </dgm:txFillClrLst>
+    <dgm:txEffectClrLst/>
+  </dgm:styleLbl>
+  <dgm:styleLbl name="alignNode1">
+    <dgm:fillClrLst meth="repeat">
+      <a:schemeClr val="lt1"/>
+    </dgm:fillClrLst>
+    <dgm:linClrLst meth="repeat">
+      <a:schemeClr val="accent3">
+        <a:shade val="80000"/>
+      </a:schemeClr>
+    </dgm:linClrLst>
+    <dgm:effectClrLst/>
+    <dgm:txLinClrLst/>
+    <dgm:txFillClrLst meth="repeat">
+      <a:schemeClr val="dk1"/>
+    </dgm:txFillClrLst>
+    <dgm:txEffectClrLst/>
+  </dgm:styleLbl>
+  <dgm:styleLbl name="lnNode1">
+    <dgm:fillClrLst meth="repeat">
+      <a:schemeClr val="lt1"/>
+    </dgm:fillClrLst>
+    <dgm:linClrLst meth="repeat">
+      <a:schemeClr val="accent3">
+        <a:shade val="80000"/>
+      </a:schemeClr>
+    </dgm:linClrLst>
+    <dgm:effectClrLst/>
+    <dgm:txLinClrLst/>
+    <dgm:txFillClrLst meth="repeat">
+      <a:schemeClr val="dk1"/>
+    </dgm:txFillClrLst>
+    <dgm:txEffectClrLst/>
+  </dgm:styleLbl>
+  <dgm:styleLbl name="vennNode1">
+    <dgm:fillClrLst meth="repeat">
+      <a:schemeClr val="lt1">
+        <a:alpha val="50000"/>
+      </a:schemeClr>
+    </dgm:fillClrLst>
+    <dgm:linClrLst meth="repeat">
+      <a:schemeClr val="accent3">
+        <a:shade val="80000"/>
+      </a:schemeClr>
+    </dgm:linClrLst>
+    <dgm:effectClrLst/>
+    <dgm:txLinClrLst/>
+    <dgm:txFillClrLst/>
+    <dgm:txEffectClrLst/>
+  </dgm:styleLbl>
+  <dgm:styleLbl name="node2">
+    <dgm:fillClrLst meth="repeat">
+      <a:schemeClr val="lt1"/>
+    </dgm:fillClrLst>
+    <dgm:linClrLst meth="repeat">
+      <a:schemeClr val="accent3">
+        <a:shade val="80000"/>
+      </a:schemeClr>
+    </dgm:linClrLst>
+    <dgm:effectClrLst/>
+    <dgm:txLinClrLst/>
+    <dgm:txFillClrLst meth="repeat">
+      <a:schemeClr val="dk1"/>
+    </dgm:txFillClrLst>
+    <dgm:txEffectClrLst/>
+  </dgm:styleLbl>
+  <dgm:styleLbl name="node3">
+    <dgm:fillClrLst meth="repeat">
+      <a:schemeClr val="lt1"/>
+    </dgm:fillClrLst>
+    <dgm:linClrLst meth="repeat">
+      <a:schemeClr val="accent3">
+        <a:shade val="80000"/>
+      </a:schemeClr>
+    </dgm:linClrLst>
+    <dgm:effectClrLst/>
+    <dgm:txLinClrLst/>
+    <dgm:txFillClrLst meth="repeat">
+      <a:schemeClr val="dk1"/>
+    </dgm:txFillClrLst>
+    <dgm:txEffectClrLst/>
+  </dgm:styleLbl>
+  <dgm:styleLbl name="node4">
+    <dgm:fillClrLst meth="repeat">
+      <a:schemeClr val="lt1"/>
+    </dgm:fillClrLst>
+    <dgm:linClrLst meth="repeat">
+      <a:schemeClr val="accent3">
+        <a:shade val="80000"/>
+      </a:schemeClr>
+    </dgm:linClrLst>
+    <dgm:effectClrLst/>
+    <dgm:txLinClrLst/>
+    <dgm:txFillClrLst meth="repeat">
+      <a:schemeClr val="dk1"/>
+    </dgm:txFillClrLst>
+    <dgm:txEffectClrLst/>
+  </dgm:styleLbl>
+  <dgm:styleLbl name="fgImgPlace1">
+    <dgm:fillClrLst meth="repeat">
+      <a:schemeClr val="accent3">
+        <a:tint val="40000"/>
+      </a:schemeClr>
+    </dgm:fillClrLst>
+    <dgm:linClrLst meth="repeat">
+      <a:schemeClr val="accent3">
+        <a:shade val="80000"/>
+      </a:schemeClr>
+    </dgm:linClrLst>
+    <dgm:effectClrLst/>
+    <dgm:txLinClrLst/>
+    <dgm:txFillClrLst meth="repeat">
+      <a:schemeClr val="lt1"/>
+    </dgm:txFillClrLst>
+    <dgm:txEffectClrLst/>
+  </dgm:styleLbl>
+  <dgm:styleLbl name="alignImgPlace1">
+    <dgm:fillClrLst meth="repeat">
+      <a:schemeClr val="accent3">
+        <a:tint val="40000"/>
+      </a:schemeClr>
+    </dgm:fillClrLst>
+    <dgm:linClrLst meth="repeat">
+      <a:schemeClr val="accent3">
+        <a:shade val="80000"/>
+      </a:schemeClr>
+    </dgm:linClrLst>
+    <dgm:effectClrLst/>
+    <dgm:txLinClrLst/>
+    <dgm:txFillClrLst meth="repeat">
+      <a:schemeClr val="lt1"/>
+    </dgm:txFillClrLst>
+    <dgm:txEffectClrLst/>
+  </dgm:styleLbl>
+  <dgm:styleLbl name="bgImgPlace1">
+    <dgm:fillClrLst meth="repeat">
+      <a:schemeClr val="accent3">
+        <a:tint val="40000"/>
+      </a:schemeClr>
+    </dgm:fillClrLst>
+    <dgm:linClrLst meth="repeat">
+      <a:schemeClr val="accent3">
+        <a:shade val="80000"/>
+      </a:schemeClr>
+    </dgm:linClrLst>
+    <dgm:effectClrLst/>
+    <dgm:txLinClrLst/>
+    <dgm:txFillClrLst meth="repeat">
+      <a:schemeClr val="lt1"/>
+    </dgm:txFillClrLst>
+    <dgm:txEffectClrLst/>
+  </dgm:styleLbl>
+  <dgm:styleLbl name="sibTrans2D1">
+    <dgm:fillClrLst meth="repeat">
+      <a:schemeClr val="accent3">
+        <a:tint val="60000"/>
+      </a:schemeClr>
+    </dgm:fillClrLst>
+    <dgm:linClrLst meth="repeat">
+      <a:schemeClr val="accent3">
+        <a:tint val="60000"/>
+      </a:schemeClr>
+    </dgm:linClrLst>
+    <dgm:effectClrLst/>
+    <dgm:txLinClrLst/>
+    <dgm:txFillClrLst meth="repeat">
+      <a:schemeClr val="dk1"/>
+    </dgm:txFillClrLst>
+    <dgm:txEffectClrLst/>
+  </dgm:styleLbl>
+  <dgm:styleLbl name="fgSibTrans2D1">
+    <dgm:fillClrLst meth="repeat">
+      <a:schemeClr val="accent3">
+        <a:tint val="60000"/>
+      </a:schemeClr>
+    </dgm:fillClrLst>
+    <dgm:linClrLst meth="repeat">
+      <a:schemeClr val="accent3">
+        <a:tint val="60000"/>
+      </a:schemeClr>
+    </dgm:linClrLst>
+    <dgm:effectClrLst/>
+    <dgm:txLinClrLst/>
+    <dgm:txFillClrLst meth="repeat">
+      <a:schemeClr val="dk1"/>
+    </dgm:txFillClrLst>
+    <dgm:txEffectClrLst/>
+  </dgm:styleLbl>
+  <dgm:styleLbl name="bgSibTrans2D1">
+    <dgm:fillClrLst meth="repeat">
+      <a:schemeClr val="accent3">
+        <a:tint val="60000"/>
+      </a:schemeClr>
+    </dgm:fillClrLst>
+    <dgm:linClrLst meth="repeat">
+      <a:schemeClr val="accent3">
+        <a:tint val="60000"/>
+      </a:schemeClr>
+    </dgm:linClrLst>
+    <dgm:effectClrLst/>
+    <dgm:txLinClrLst/>
+    <dgm:txFillClrLst meth="repeat">
+      <a:schemeClr val="dk1"/>
+    </dgm:txFillClrLst>
+    <dgm:txEffectClrLst/>
+  </dgm:styleLbl>
+  <dgm:styleLbl name="sibTrans1D1">
+    <dgm:fillClrLst meth="repeat">
+      <a:schemeClr val="accent3"/>
+    </dgm:fillClrLst>
+    <dgm:linClrLst meth="repeat">
+      <a:schemeClr val="accent3"/>
+    </dgm:linClrLst>
+    <dgm:effectClrLst/>
+    <dgm:txLinClrLst/>
+    <dgm:txFillClrLst meth="repeat">
+      <a:schemeClr val="tx1"/>
+    </dgm:txFillClrLst>
+    <dgm:txEffectClrLst/>
+  </dgm:styleLbl>
+  <dgm:styleLbl name="callout">
+    <dgm:fillClrLst meth="repeat">
+      <a:schemeClr val="accent3"/>
+    </dgm:fillClrLst>
+    <dgm:linClrLst meth="repeat">
+      <a:schemeClr val="accent3"/>
+    </dgm:linClrLst>
+    <dgm:effectClrLst/>
+    <dgm:txLinClrLst/>
+    <dgm:txFillClrLst meth="repeat">
+      <a:schemeClr val="tx1"/>
+    </dgm:txFillClrLst>
+    <dgm:txEffectClrLst/>
+  </dgm:styleLbl>
+  <dgm:styleLbl name="asst0">
+    <dgm:fillClrLst meth="repeat">
+      <a:schemeClr val="lt1"/>
+    </dgm:fillClrLst>
+    <dgm:linClrLst meth="repeat">
+      <a:schemeClr val="accent3">
+        <a:shade val="80000"/>
+      </a:schemeClr>
+    </dgm:linClrLst>
+    <dgm:effectClrLst/>
+    <dgm:txLinClrLst/>
+    <dgm:txFillClrLst meth="repeat">
+      <a:schemeClr val="dk1"/>
+    </dgm:txFillClrLst>
+    <dgm:txEffectClrLst/>
+  </dgm:styleLbl>
+  <dgm:styleLbl name="asst1">
+    <dgm:fillClrLst meth="repeat">
+      <a:schemeClr val="lt1"/>
+    </dgm:fillClrLst>
+    <dgm:linClrLst meth="repeat">
+      <a:schemeClr val="accent3">
+        <a:shade val="80000"/>
+      </a:schemeClr>
+    </dgm:linClrLst>
+    <dgm:effectClrLst/>
+    <dgm:txLinClrLst/>
+    <dgm:txFillClrLst meth="repeat">
+      <a:schemeClr val="dk1"/>
+    </dgm:txFillClrLst>
+    <dgm:txEffectClrLst/>
+  </dgm:styleLbl>
+  <dgm:styleLbl name="asst2">
+    <dgm:fillClrLst meth="repeat">
+      <a:schemeClr val="lt1"/>
+    </dgm:fillClrLst>
+    <dgm:linClrLst meth="repeat">
+      <a:schemeClr val="accent3">
+        <a:shade val="80000"/>
+      </a:schemeClr>
+    </dgm:linClrLst>
+    <dgm:effectClrLst/>
+    <dgm:txLinClrLst/>
+    <dgm:txFillClrLst meth="repeat">
+      <a:schemeClr val="dk1"/>
+    </dgm:txFillClrLst>
+    <dgm:txEffectClrLst/>
+  </dgm:styleLbl>
+  <dgm:styleLbl name="asst3">
+    <dgm:fillClrLst meth="repeat">
+      <a:schemeClr val="lt1"/>
+    </dgm:fillClrLst>
+    <dgm:linClrLst meth="repeat">
+      <a:schemeClr val="accent3">
+        <a:shade val="80000"/>
+      </a:schemeClr>
+    </dgm:linClrLst>
+    <dgm:effectClrLst/>
+    <dgm:txLinClrLst/>
+    <dgm:txFillClrLst meth="repeat">
+      <a:schemeClr val="dk1"/>
+    </dgm:txFillClrLst>
+    <dgm:txEffectClrLst/>
+  </dgm:styleLbl>
+  <dgm:styleLbl name="asst4">
+    <dgm:fillClrLst meth="repeat">
+      <a:schemeClr val="lt1"/>
+    </dgm:fillClrLst>
+    <dgm:linClrLst meth="repeat">
+      <a:schemeClr val="accent3">
+        <a:shade val="80000"/>
+      </a:schemeClr>
+    </dgm:linClrLst>
+    <dgm:effectClrLst/>
+    <dgm:txLinClrLst/>
+    <dgm:txFillClrLst meth="repeat">
+      <a:schemeClr val="dk1"/>
+    </dgm:txFillClrLst>
+    <dgm:txEffectClrLst/>
+  </dgm:styleLbl>
+  <dgm:styleLbl name="parChTrans2D1">
+    <dgm:fillClrLst meth="repeat">
+      <a:schemeClr val="accent3">
+        <a:tint val="60000"/>
+      </a:schemeClr>
+    </dgm:fillClrLst>
+    <dgm:linClrLst meth="repeat">
+      <a:schemeClr val="accent3">
+        <a:tint val="60000"/>
+      </a:schemeClr>
+    </dgm:linClrLst>
+    <dgm:effectClrLst/>
+    <dgm:txLinClrLst/>
+    <dgm:txFillClrLst/>
+    <dgm:txEffectClrLst/>
+  </dgm:styleLbl>
+  <dgm:styleLbl name="parChTrans2D2">
+    <dgm:fillClrLst meth="repeat">
+      <a:schemeClr val="accent3"/>
+    </dgm:fillClrLst>
+    <dgm:linClrLst meth="repeat">
+      <a:schemeClr val="accent3"/>
+    </dgm:linClrLst>
+    <dgm:effectClrLst/>
+    <dgm:txLinClrLst/>
+    <dgm:txFillClrLst/>
+    <dgm:txEffectClrLst/>
+  </dgm:styleLbl>
+  <dgm:styleLbl name="parChTrans2D3">
+    <dgm:fillClrLst meth="repeat">
+      <a:schemeClr val="accent3"/>
+    </dgm:fillClrLst>
+    <dgm:linClrLst meth="repeat">
+      <a:schemeClr val="accent3"/>
+    </dgm:linClrLst>
+    <dgm:effectClrLst/>
+    <dgm:txLinClrLst/>
+    <dgm:txFillClrLst/>
+    <dgm:txEffectClrLst/>
+  </dgm:styleLbl>
+  <dgm:styleLbl name="parChTrans2D4">
+    <dgm:fillClrLst meth="repeat">
+      <a:schemeClr val="accent3"/>
+    </dgm:fillClrLst>
+    <dgm:linClrLst meth="repeat">
+      <a:schemeClr val="accent3"/>
+    </dgm:linClrLst>
+    <dgm:effectClrLst/>
+    <dgm:txLinClrLst/>
+    <dgm:txFillClrLst meth="repeat">
+      <a:schemeClr val="lt1"/>
+    </dgm:txFillClrLst>
+    <dgm:txEffectClrLst/>
+  </dgm:styleLbl>
+  <dgm:styleLbl name="parChTrans1D1">
+    <dgm:fillClrLst meth="repeat">
+      <a:schemeClr val="accent3"/>
+    </dgm:fillClrLst>
+    <dgm:linClrLst meth="repeat">
+      <a:schemeClr val="accent3">
+        <a:shade val="60000"/>
+      </a:schemeClr>
+    </dgm:linClrLst>
+    <dgm:effectClrLst/>
+    <dgm:txLinClrLst/>
+    <dgm:txFillClrLst meth="repeat">
+      <a:schemeClr val="tx1"/>
+    </dgm:txFillClrLst>
+    <dgm:txEffectClrLst/>
+  </dgm:styleLbl>
+  <dgm:styleLbl name="parChTrans1D2">
+    <dgm:fillClrLst meth="repeat">
+      <a:schemeClr val="accent3"/>
+    </dgm:fillClrLst>
+    <dgm:linClrLst meth="repeat">
+      <a:schemeClr val="accent3">
+        <a:shade val="60000"/>
+      </a:schemeClr>
+    </dgm:linClrLst>
+    <dgm:effectClrLst/>
+    <dgm:txLinClrLst/>
+    <dgm:txFillClrLst meth="repeat">
+      <a:schemeClr val="tx1"/>
+    </dgm:txFillClrLst>
+    <dgm:txEffectClrLst/>
+  </dgm:styleLbl>
+  <dgm:styleLbl name="parChTrans1D3">
+    <dgm:fillClrLst meth="repeat">
+      <a:schemeClr val="accent3"/>
+    </dgm:fillClrLst>
+    <dgm:linClrLst meth="repeat">
+      <a:schemeClr val="accent3">
+        <a:shade val="80000"/>
+      </a:schemeClr>
+    </dgm:linClrLst>
+    <dgm:effectClrLst/>
+    <dgm:txLinClrLst/>
+    <dgm:txFillClrLst meth="repeat">
+      <a:schemeClr val="tx1"/>
+    </dgm:txFillClrLst>
+    <dgm:txEffectClrLst/>
+  </dgm:styleLbl>
+  <dgm:styleLbl name="parChTrans1D4">
+    <dgm:fillClrLst meth="repeat">
+      <a:schemeClr val="accent3"/>
+    </dgm:fillClrLst>
+    <dgm:linClrLst meth="repeat">
+      <a:schemeClr val="accent3">
+        <a:shade val="80000"/>
+      </a:schemeClr>
+    </dgm:linClrLst>
+    <dgm:effectClrLst/>
+    <dgm:txLinClrLst/>
+    <dgm:txFillClrLst meth="repeat">
+      <a:schemeClr val="tx1"/>
+    </dgm:txFillClrLst>
+    <dgm:txEffectClrLst/>
+  </dgm:styleLbl>
+  <dgm:styleLbl name="fgAcc1">
+    <dgm:fillClrLst meth="repeat">
+      <a:schemeClr val="accent3">
+        <a:alpha val="90000"/>
+        <a:tint val="40000"/>
+      </a:schemeClr>
+    </dgm:fillClrLst>
+    <dgm:linClrLst meth="repeat">
+      <a:schemeClr val="accent3"/>
+    </dgm:linClrLst>
+    <dgm:effectClrLst/>
+    <dgm:txLinClrLst/>
+    <dgm:txFillClrLst meth="repeat">
+      <a:schemeClr val="dk1"/>
+    </dgm:txFillClrLst>
+    <dgm:txEffectClrLst/>
+  </dgm:styleLbl>
+  <dgm:styleLbl name="conFgAcc1">
+    <dgm:fillClrLst meth="repeat">
+      <a:schemeClr val="accent3">
+        <a:alpha val="90000"/>
+        <a:tint val="40000"/>
+      </a:schemeClr>
+    </dgm:fillClrLst>
+    <dgm:linClrLst meth="repeat">
+      <a:schemeClr val="accent3"/>
+    </dgm:linClrLst>
+    <dgm:effectClrLst/>
+    <dgm:txLinClrLst/>
+    <dgm:txFillClrLst meth="repeat">
+      <a:schemeClr val="dk1"/>
+    </dgm:txFillClrLst>
+    <dgm:txEffectClrLst/>
+  </dgm:styleLbl>
+  <dgm:styleLbl name="alignAcc1">
+    <dgm:fillClrLst meth="repeat">
+      <a:schemeClr val="accent3">
+        <a:alpha val="90000"/>
+        <a:tint val="40000"/>
+      </a:schemeClr>
+    </dgm:fillClrLst>
+    <dgm:linClrLst meth="repeat">
+      <a:schemeClr val="accent3"/>
+    </dgm:linClrLst>
+    <dgm:effectClrLst/>
+    <dgm:txLinClrLst/>
+    <dgm:txFillClrLst meth="repeat">
+      <a:schemeClr val="dk1"/>
+    </dgm:txFillClrLst>
+    <dgm:txEffectClrLst/>
+  </dgm:styleLbl>
+  <dgm:styleLbl name="trAlignAcc1">
+    <dgm:fillClrLst meth="repeat">
+      <a:schemeClr val="accent3">
+        <a:alpha val="40000"/>
+        <a:tint val="40000"/>
+      </a:schemeClr>
+    </dgm:fillClrLst>
+    <dgm:linClrLst meth="repeat">
+      <a:schemeClr val="accent3"/>
+    </dgm:linClrLst>
+    <dgm:effectClrLst/>
+    <dgm:txLinClrLst/>
+    <dgm:txFillClrLst meth="repeat">
+      <a:schemeClr val="dk1"/>
+    </dgm:txFillClrLst>
+    <dgm:txEffectClrLst/>
+  </dgm:styleLbl>
+  <dgm:styleLbl name="bgAcc1">
+    <dgm:fillClrLst meth="repeat">
+      <a:schemeClr val="accent3">
+        <a:alpha val="90000"/>
+        <a:tint val="40000"/>
+      </a:schemeClr>
+    </dgm:fillClrLst>
+    <dgm:linClrLst meth="repeat">
+      <a:schemeClr val="accent3"/>
+    </dgm:linClrLst>
+    <dgm:effectClrLst/>
+    <dgm:txLinClrLst/>
+    <dgm:txFillClrLst meth="repeat">
+      <a:schemeClr val="dk1"/>
+    </dgm:txFillClrLst>
+    <dgm:txEffectClrLst/>
+  </dgm:styleLbl>
+  <dgm:styleLbl name="solidFgAcc1">
+    <dgm:fillClrLst meth="repeat">
+      <a:schemeClr val="lt1"/>
+    </dgm:fillClrLst>
+    <dgm:linClrLst meth="repeat">
+      <a:schemeClr val="accent3"/>
+    </dgm:linClrLst>
+    <dgm:effectClrLst/>
+    <dgm:txLinClrLst/>
+    <dgm:txFillClrLst meth="repeat">
+      <a:schemeClr val="dk1"/>
+    </dgm:txFillClrLst>
+    <dgm:txEffectClrLst/>
+  </dgm:styleLbl>
+  <dgm:styleLbl name="solidAlignAcc1">
+    <dgm:fillClrLst meth="repeat">
+      <a:schemeClr val="lt1"/>
+    </dgm:fillClrLst>
+    <dgm:linClrLst meth="repeat">
+      <a:schemeClr val="accent3"/>
+    </dgm:linClrLst>
+    <dgm:effectClrLst/>
+    <dgm:txLinClrLst/>
+    <dgm:txFillClrLst meth="repeat">
+      <a:schemeClr val="dk1"/>
+    </dgm:txFillClrLst>
+    <dgm:txEffectClrLst/>
+  </dgm:styleLbl>
+  <dgm:styleLbl name="solidBgAcc1">
+    <dgm:fillClrLst meth="repeat">
+      <a:schemeClr val="lt1"/>
+    </dgm:fillClrLst>
+    <dgm:linClrLst meth="repeat">
+      <a:schemeClr val="accent3"/>
+    </dgm:linClrLst>
+    <dgm:effectClrLst/>
+    <dgm:txLinClrLst/>
+    <dgm:txFillClrLst meth="repeat">
+      <a:schemeClr val="dk1"/>
+    </dgm:txFillClrLst>
+    <dgm:txEffectClrLst/>
+  </dgm:styleLbl>
+  <dgm:styleLbl name="fgAccFollowNode1">
+    <dgm:fillClrLst meth="repeat">
+      <a:schemeClr val="lt1">
+        <a:alpha val="90000"/>
+        <a:tint val="40000"/>
+      </a:schemeClr>
+    </dgm:fillClrLst>
+    <dgm:linClrLst meth="repeat">
+      <a:schemeClr val="accent3">
+        <a:alpha val="90000"/>
+      </a:schemeClr>
+    </dgm:linClrLst>
+    <dgm:effectClrLst/>
+    <dgm:txLinClrLst/>
+    <dgm:txFillClrLst meth="repeat">
+      <a:schemeClr val="dk1"/>
+    </dgm:txFillClrLst>
+    <dgm:txEffectClrLst/>
+  </dgm:styleLbl>
+  <dgm:styleLbl name="alignAccFollowNode1">
+    <dgm:fillClrLst meth="repeat">
+      <a:schemeClr val="lt1">
+        <a:alpha val="90000"/>
+        <a:tint val="40000"/>
+      </a:schemeClr>
+    </dgm:fillClrLst>
+    <dgm:linClrLst meth="repeat">
+      <a:schemeClr val="accent3">
+        <a:alpha val="90000"/>
+      </a:schemeClr>
+    </dgm:linClrLst>
+    <dgm:effectClrLst/>
+    <dgm:txLinClrLst/>
+    <dgm:txFillClrLst meth="repeat">
+      <a:schemeClr val="dk1"/>
+    </dgm:txFillClrLst>
+    <dgm:txEffectClrLst/>
+  </dgm:styleLbl>
+  <dgm:styleLbl name="bgAccFollowNode1">
+    <dgm:fillClrLst meth="repeat">
+      <a:schemeClr val="lt1">
+        <a:alpha val="90000"/>
+        <a:tint val="40000"/>
+      </a:schemeClr>
+    </dgm:fillClrLst>
+    <dgm:linClrLst meth="repeat">
+      <a:schemeClr val="accent3">
+        <a:alpha val="90000"/>
+      </a:schemeClr>
+    </dgm:linClrLst>
+    <dgm:effectClrLst/>
+    <dgm:txLinClrLst/>
+    <dgm:txFillClrLst meth="repeat">
+      <a:schemeClr val="dk1"/>
+    </dgm:txFillClrLst>
+    <dgm:txEffectClrLst/>
+  </dgm:styleLbl>
+  <dgm:styleLbl name="fgAcc0">
+    <dgm:fillClrLst meth="repeat">
+      <a:schemeClr val="accent3">
+        <a:alpha val="90000"/>
+        <a:tint val="40000"/>
+      </a:schemeClr>
+    </dgm:fillClrLst>
+    <dgm:linClrLst meth="repeat">
+      <a:schemeClr val="accent3"/>
+    </dgm:linClrLst>
+    <dgm:effectClrLst/>
+    <dgm:txLinClrLst/>
+    <dgm:txFillClrLst meth="repeat">
+      <a:schemeClr val="dk1"/>
+    </dgm:txFillClrLst>
+    <dgm:txEffectClrLst/>
+  </dgm:styleLbl>
+  <dgm:styleLbl name="fgAcc2">
+    <dgm:fillClrLst meth="repeat">
+      <a:schemeClr val="accent3">
+        <a:alpha val="90000"/>
+        <a:tint val="40000"/>
+      </a:schemeClr>
+    </dgm:fillClrLst>
+    <dgm:linClrLst meth="repeat">
+      <a:schemeClr val="accent3"/>
+    </dgm:linClrLst>
+    <dgm:effectClrLst/>
+    <dgm:txLinClrLst/>
+    <dgm:txFillClrLst meth="repeat">
+      <a:schemeClr val="dk1"/>
+    </dgm:txFillClrLst>
+    <dgm:txEffectClrLst/>
+  </dgm:styleLbl>
+  <dgm:styleLbl name="fgAcc3">
+    <dgm:fillClrLst meth="repeat">
+      <a:schemeClr val="accent3">
+        <a:alpha val="90000"/>
+        <a:tint val="40000"/>
+      </a:schemeClr>
+    </dgm:fillClrLst>
+    <dgm:linClrLst meth="repeat">
+      <a:schemeClr val="accent3"/>
+    </dgm:linClrLst>
+    <dgm:effectClrLst/>
+    <dgm:txLinClrLst/>
+    <dgm:txFillClrLst meth="repeat">
+      <a:schemeClr val="dk1"/>
+    </dgm:txFillClrLst>
+    <dgm:txEffectClrLst/>
+  </dgm:styleLbl>
+  <dgm:styleLbl name="fgAcc4">
+    <dgm:fillClrLst meth="repeat">
+      <a:schemeClr val="accent3">
+        <a:alpha val="90000"/>
+        <a:tint val="40000"/>
+      </a:schemeClr>
+    </dgm:fillClrLst>
+    <dgm:linClrLst meth="repeat">
+      <a:schemeClr val="accent3"/>
+    </dgm:linClrLst>
+    <dgm:effectClrLst/>
+    <dgm:txLinClrLst/>
+    <dgm:txFillClrLst meth="repeat">
+      <a:schemeClr val="dk1"/>
+    </dgm:txFillClrLst>
+    <dgm:txEffectClrLst/>
+  </dgm:styleLbl>
+  <dgm:styleLbl name="bgShp">
+    <dgm:fillClrLst meth="repeat">
+      <a:schemeClr val="accent3">
+        <a:tint val="40000"/>
+      </a:schemeClr>
+    </dgm:fillClrLst>
+    <dgm:linClrLst meth="repeat">
+      <a:schemeClr val="accent3"/>
+    </dgm:linClrLst>
+    <dgm:effectClrLst/>
+    <dgm:txLinClrLst/>
+    <dgm:txFillClrLst meth="repeat">
+      <a:schemeClr val="dk1"/>
+    </dgm:txFillClrLst>
+    <dgm:txEffectClrLst/>
+  </dgm:styleLbl>
+  <dgm:styleLbl name="dkBgShp">
+    <dgm:fillClrLst meth="repeat">
+      <a:schemeClr val="accent3">
+        <a:shade val="80000"/>
+      </a:schemeClr>
+    </dgm:fillClrLst>
+    <dgm:linClrLst meth="repeat">
+      <a:schemeClr val="accent3"/>
+    </dgm:linClrLst>
+    <dgm:effectClrLst/>
+    <dgm:txLinClrLst/>
+    <dgm:txFillClrLst meth="repeat">
+      <a:schemeClr val="lt1"/>
+    </dgm:txFillClrLst>
+    <dgm:txEffectClrLst/>
+  </dgm:styleLbl>
+  <dgm:styleLbl name="trBgShp">
+    <dgm:fillClrLst meth="repeat">
+      <a:schemeClr val="accent3">
+        <a:tint val="50000"/>
+        <a:alpha val="40000"/>
+      </a:schemeClr>
+    </dgm:fillClrLst>
+    <dgm:linClrLst meth="repeat">
+      <a:schemeClr val="accent3"/>
+    </dgm:linClrLst>
+    <dgm:effectClrLst/>
+    <dgm:txLinClrLst/>
+    <dgm:txFillClrLst meth="repeat">
+      <a:schemeClr val="lt1"/>
+    </dgm:txFillClrLst>
+    <dgm:txEffectClrLst/>
+  </dgm:styleLbl>
+  <dgm:styleLbl name="fgShp">
+    <dgm:fillClrLst meth="repeat">
+      <a:schemeClr val="accent3">
+        <a:tint val="60000"/>
+      </a:schemeClr>
+    </dgm:fillClrLst>
+    <dgm:linClrLst meth="repeat">
+      <a:schemeClr val="lt1"/>
+    </dgm:linClrLst>
+    <dgm:effectClrLst/>
+    <dgm:txLinClrLst/>
+    <dgm:txFillClrLst meth="repeat">
+      <a:schemeClr val="dk1"/>
+    </dgm:txFillClrLst>
+    <dgm:txEffectClrLst/>
+  </dgm:styleLbl>
+  <dgm:styleLbl name="revTx">
+    <dgm:fillClrLst meth="repeat">
+      <a:schemeClr val="lt1">
+        <a:alpha val="0"/>
+      </a:schemeClr>
+    </dgm:fillClrLst>
+    <dgm:linClrLst meth="repeat">
+      <a:schemeClr val="dk1">
+        <a:alpha val="0"/>
+      </a:schemeClr>
+    </dgm:linClrLst>
+    <dgm:effectClrLst/>
+    <dgm:txLinClrLst/>
+    <dgm:txFillClrLst meth="repeat">
+      <a:schemeClr val="tx1"/>
+    </dgm:txFillClrLst>
+    <dgm:txEffectClrLst/>
+  </dgm:styleLbl>
+</dgm:colorsDef>
+</file>
+
+<file path=ppt/diagrams/colors2.xml><?xml version="1.0" encoding="utf-8"?>
 <dgm:colorsDef xmlns:dgm="http://schemas.openxmlformats.org/drawingml/2006/diagram" xmlns:a="http://schemas.openxmlformats.org/drawingml/2006/main" uniqueId="urn:microsoft.com/office/officeart/2005/8/colors/accent0_2">
   <dgm:title val=""/>
   <dgm:desc val=""/>
@@ -1960,813 +2767,6 @@
     </dgm:fillClrLst>
     <dgm:linClrLst meth="repeat">
       <a:schemeClr val="dk2">
-        <a:alpha val="0"/>
-      </a:schemeClr>
-    </dgm:linClrLst>
-    <dgm:effectClrLst/>
-    <dgm:txLinClrLst/>
-    <dgm:txFillClrLst meth="repeat">
-      <a:schemeClr val="tx1"/>
-    </dgm:txFillClrLst>
-    <dgm:txEffectClrLst/>
-  </dgm:styleLbl>
-</dgm:colorsDef>
-</file>
-
-<file path=ppt/diagrams/colors2.xml><?xml version="1.0" encoding="utf-8"?>
-<dgm:colorsDef xmlns:dgm="http://schemas.openxmlformats.org/drawingml/2006/diagram" xmlns:a="http://schemas.openxmlformats.org/drawingml/2006/main" uniqueId="urn:microsoft.com/office/officeart/2005/8/colors/accent3_1">
-  <dgm:title val=""/>
-  <dgm:desc val=""/>
-  <dgm:catLst>
-    <dgm:cat type="accent3" pri="11100"/>
-  </dgm:catLst>
-  <dgm:styleLbl name="node0">
-    <dgm:fillClrLst meth="repeat">
-      <a:schemeClr val="lt1"/>
-    </dgm:fillClrLst>
-    <dgm:linClrLst meth="repeat">
-      <a:schemeClr val="accent3">
-        <a:shade val="80000"/>
-      </a:schemeClr>
-    </dgm:linClrLst>
-    <dgm:effectClrLst/>
-    <dgm:txLinClrLst/>
-    <dgm:txFillClrLst meth="repeat">
-      <a:schemeClr val="dk1"/>
-    </dgm:txFillClrLst>
-    <dgm:txEffectClrLst/>
-  </dgm:styleLbl>
-  <dgm:styleLbl name="node1">
-    <dgm:fillClrLst meth="repeat">
-      <a:schemeClr val="lt1"/>
-    </dgm:fillClrLst>
-    <dgm:linClrLst meth="repeat">
-      <a:schemeClr val="accent3">
-        <a:shade val="80000"/>
-      </a:schemeClr>
-    </dgm:linClrLst>
-    <dgm:effectClrLst/>
-    <dgm:txLinClrLst/>
-    <dgm:txFillClrLst meth="repeat">
-      <a:schemeClr val="dk1"/>
-    </dgm:txFillClrLst>
-    <dgm:txEffectClrLst/>
-  </dgm:styleLbl>
-  <dgm:styleLbl name="alignNode1">
-    <dgm:fillClrLst meth="repeat">
-      <a:schemeClr val="lt1"/>
-    </dgm:fillClrLst>
-    <dgm:linClrLst meth="repeat">
-      <a:schemeClr val="accent3">
-        <a:shade val="80000"/>
-      </a:schemeClr>
-    </dgm:linClrLst>
-    <dgm:effectClrLst/>
-    <dgm:txLinClrLst/>
-    <dgm:txFillClrLst meth="repeat">
-      <a:schemeClr val="dk1"/>
-    </dgm:txFillClrLst>
-    <dgm:txEffectClrLst/>
-  </dgm:styleLbl>
-  <dgm:styleLbl name="lnNode1">
-    <dgm:fillClrLst meth="repeat">
-      <a:schemeClr val="lt1"/>
-    </dgm:fillClrLst>
-    <dgm:linClrLst meth="repeat">
-      <a:schemeClr val="accent3">
-        <a:shade val="80000"/>
-      </a:schemeClr>
-    </dgm:linClrLst>
-    <dgm:effectClrLst/>
-    <dgm:txLinClrLst/>
-    <dgm:txFillClrLst meth="repeat">
-      <a:schemeClr val="dk1"/>
-    </dgm:txFillClrLst>
-    <dgm:txEffectClrLst/>
-  </dgm:styleLbl>
-  <dgm:styleLbl name="vennNode1">
-    <dgm:fillClrLst meth="repeat">
-      <a:schemeClr val="lt1">
-        <a:alpha val="50000"/>
-      </a:schemeClr>
-    </dgm:fillClrLst>
-    <dgm:linClrLst meth="repeat">
-      <a:schemeClr val="accent3">
-        <a:shade val="80000"/>
-      </a:schemeClr>
-    </dgm:linClrLst>
-    <dgm:effectClrLst/>
-    <dgm:txLinClrLst/>
-    <dgm:txFillClrLst/>
-    <dgm:txEffectClrLst/>
-  </dgm:styleLbl>
-  <dgm:styleLbl name="node2">
-    <dgm:fillClrLst meth="repeat">
-      <a:schemeClr val="lt1"/>
-    </dgm:fillClrLst>
-    <dgm:linClrLst meth="repeat">
-      <a:schemeClr val="accent3">
-        <a:shade val="80000"/>
-      </a:schemeClr>
-    </dgm:linClrLst>
-    <dgm:effectClrLst/>
-    <dgm:txLinClrLst/>
-    <dgm:txFillClrLst meth="repeat">
-      <a:schemeClr val="dk1"/>
-    </dgm:txFillClrLst>
-    <dgm:txEffectClrLst/>
-  </dgm:styleLbl>
-  <dgm:styleLbl name="node3">
-    <dgm:fillClrLst meth="repeat">
-      <a:schemeClr val="lt1"/>
-    </dgm:fillClrLst>
-    <dgm:linClrLst meth="repeat">
-      <a:schemeClr val="accent3">
-        <a:shade val="80000"/>
-      </a:schemeClr>
-    </dgm:linClrLst>
-    <dgm:effectClrLst/>
-    <dgm:txLinClrLst/>
-    <dgm:txFillClrLst meth="repeat">
-      <a:schemeClr val="dk1"/>
-    </dgm:txFillClrLst>
-    <dgm:txEffectClrLst/>
-  </dgm:styleLbl>
-  <dgm:styleLbl name="node4">
-    <dgm:fillClrLst meth="repeat">
-      <a:schemeClr val="lt1"/>
-    </dgm:fillClrLst>
-    <dgm:linClrLst meth="repeat">
-      <a:schemeClr val="accent3">
-        <a:shade val="80000"/>
-      </a:schemeClr>
-    </dgm:linClrLst>
-    <dgm:effectClrLst/>
-    <dgm:txLinClrLst/>
-    <dgm:txFillClrLst meth="repeat">
-      <a:schemeClr val="dk1"/>
-    </dgm:txFillClrLst>
-    <dgm:txEffectClrLst/>
-  </dgm:styleLbl>
-  <dgm:styleLbl name="fgImgPlace1">
-    <dgm:fillClrLst meth="repeat">
-      <a:schemeClr val="accent3">
-        <a:tint val="40000"/>
-      </a:schemeClr>
-    </dgm:fillClrLst>
-    <dgm:linClrLst meth="repeat">
-      <a:schemeClr val="accent3">
-        <a:shade val="80000"/>
-      </a:schemeClr>
-    </dgm:linClrLst>
-    <dgm:effectClrLst/>
-    <dgm:txLinClrLst/>
-    <dgm:txFillClrLst meth="repeat">
-      <a:schemeClr val="lt1"/>
-    </dgm:txFillClrLst>
-    <dgm:txEffectClrLst/>
-  </dgm:styleLbl>
-  <dgm:styleLbl name="alignImgPlace1">
-    <dgm:fillClrLst meth="repeat">
-      <a:schemeClr val="accent3">
-        <a:tint val="40000"/>
-      </a:schemeClr>
-    </dgm:fillClrLst>
-    <dgm:linClrLst meth="repeat">
-      <a:schemeClr val="accent3">
-        <a:shade val="80000"/>
-      </a:schemeClr>
-    </dgm:linClrLst>
-    <dgm:effectClrLst/>
-    <dgm:txLinClrLst/>
-    <dgm:txFillClrLst meth="repeat">
-      <a:schemeClr val="lt1"/>
-    </dgm:txFillClrLst>
-    <dgm:txEffectClrLst/>
-  </dgm:styleLbl>
-  <dgm:styleLbl name="bgImgPlace1">
-    <dgm:fillClrLst meth="repeat">
-      <a:schemeClr val="accent3">
-        <a:tint val="40000"/>
-      </a:schemeClr>
-    </dgm:fillClrLst>
-    <dgm:linClrLst meth="repeat">
-      <a:schemeClr val="accent3">
-        <a:shade val="80000"/>
-      </a:schemeClr>
-    </dgm:linClrLst>
-    <dgm:effectClrLst/>
-    <dgm:txLinClrLst/>
-    <dgm:txFillClrLst meth="repeat">
-      <a:schemeClr val="lt1"/>
-    </dgm:txFillClrLst>
-    <dgm:txEffectClrLst/>
-  </dgm:styleLbl>
-  <dgm:styleLbl name="sibTrans2D1">
-    <dgm:fillClrLst meth="repeat">
-      <a:schemeClr val="accent3">
-        <a:tint val="60000"/>
-      </a:schemeClr>
-    </dgm:fillClrLst>
-    <dgm:linClrLst meth="repeat">
-      <a:schemeClr val="accent3">
-        <a:tint val="60000"/>
-      </a:schemeClr>
-    </dgm:linClrLst>
-    <dgm:effectClrLst/>
-    <dgm:txLinClrLst/>
-    <dgm:txFillClrLst meth="repeat">
-      <a:schemeClr val="dk1"/>
-    </dgm:txFillClrLst>
-    <dgm:txEffectClrLst/>
-  </dgm:styleLbl>
-  <dgm:styleLbl name="fgSibTrans2D1">
-    <dgm:fillClrLst meth="repeat">
-      <a:schemeClr val="accent3">
-        <a:tint val="60000"/>
-      </a:schemeClr>
-    </dgm:fillClrLst>
-    <dgm:linClrLst meth="repeat">
-      <a:schemeClr val="accent3">
-        <a:tint val="60000"/>
-      </a:schemeClr>
-    </dgm:linClrLst>
-    <dgm:effectClrLst/>
-    <dgm:txLinClrLst/>
-    <dgm:txFillClrLst meth="repeat">
-      <a:schemeClr val="dk1"/>
-    </dgm:txFillClrLst>
-    <dgm:txEffectClrLst/>
-  </dgm:styleLbl>
-  <dgm:styleLbl name="bgSibTrans2D1">
-    <dgm:fillClrLst meth="repeat">
-      <a:schemeClr val="accent3">
-        <a:tint val="60000"/>
-      </a:schemeClr>
-    </dgm:fillClrLst>
-    <dgm:linClrLst meth="repeat">
-      <a:schemeClr val="accent3">
-        <a:tint val="60000"/>
-      </a:schemeClr>
-    </dgm:linClrLst>
-    <dgm:effectClrLst/>
-    <dgm:txLinClrLst/>
-    <dgm:txFillClrLst meth="repeat">
-      <a:schemeClr val="dk1"/>
-    </dgm:txFillClrLst>
-    <dgm:txEffectClrLst/>
-  </dgm:styleLbl>
-  <dgm:styleLbl name="sibTrans1D1">
-    <dgm:fillClrLst meth="repeat">
-      <a:schemeClr val="accent3"/>
-    </dgm:fillClrLst>
-    <dgm:linClrLst meth="repeat">
-      <a:schemeClr val="accent3"/>
-    </dgm:linClrLst>
-    <dgm:effectClrLst/>
-    <dgm:txLinClrLst/>
-    <dgm:txFillClrLst meth="repeat">
-      <a:schemeClr val="tx1"/>
-    </dgm:txFillClrLst>
-    <dgm:txEffectClrLst/>
-  </dgm:styleLbl>
-  <dgm:styleLbl name="callout">
-    <dgm:fillClrLst meth="repeat">
-      <a:schemeClr val="accent3"/>
-    </dgm:fillClrLst>
-    <dgm:linClrLst meth="repeat">
-      <a:schemeClr val="accent3"/>
-    </dgm:linClrLst>
-    <dgm:effectClrLst/>
-    <dgm:txLinClrLst/>
-    <dgm:txFillClrLst meth="repeat">
-      <a:schemeClr val="tx1"/>
-    </dgm:txFillClrLst>
-    <dgm:txEffectClrLst/>
-  </dgm:styleLbl>
-  <dgm:styleLbl name="asst0">
-    <dgm:fillClrLst meth="repeat">
-      <a:schemeClr val="lt1"/>
-    </dgm:fillClrLst>
-    <dgm:linClrLst meth="repeat">
-      <a:schemeClr val="accent3">
-        <a:shade val="80000"/>
-      </a:schemeClr>
-    </dgm:linClrLst>
-    <dgm:effectClrLst/>
-    <dgm:txLinClrLst/>
-    <dgm:txFillClrLst meth="repeat">
-      <a:schemeClr val="dk1"/>
-    </dgm:txFillClrLst>
-    <dgm:txEffectClrLst/>
-  </dgm:styleLbl>
-  <dgm:styleLbl name="asst1">
-    <dgm:fillClrLst meth="repeat">
-      <a:schemeClr val="lt1"/>
-    </dgm:fillClrLst>
-    <dgm:linClrLst meth="repeat">
-      <a:schemeClr val="accent3">
-        <a:shade val="80000"/>
-      </a:schemeClr>
-    </dgm:linClrLst>
-    <dgm:effectClrLst/>
-    <dgm:txLinClrLst/>
-    <dgm:txFillClrLst meth="repeat">
-      <a:schemeClr val="dk1"/>
-    </dgm:txFillClrLst>
-    <dgm:txEffectClrLst/>
-  </dgm:styleLbl>
-  <dgm:styleLbl name="asst2">
-    <dgm:fillClrLst meth="repeat">
-      <a:schemeClr val="lt1"/>
-    </dgm:fillClrLst>
-    <dgm:linClrLst meth="repeat">
-      <a:schemeClr val="accent3">
-        <a:shade val="80000"/>
-      </a:schemeClr>
-    </dgm:linClrLst>
-    <dgm:effectClrLst/>
-    <dgm:txLinClrLst/>
-    <dgm:txFillClrLst meth="repeat">
-      <a:schemeClr val="dk1"/>
-    </dgm:txFillClrLst>
-    <dgm:txEffectClrLst/>
-  </dgm:styleLbl>
-  <dgm:styleLbl name="asst3">
-    <dgm:fillClrLst meth="repeat">
-      <a:schemeClr val="lt1"/>
-    </dgm:fillClrLst>
-    <dgm:linClrLst meth="repeat">
-      <a:schemeClr val="accent3">
-        <a:shade val="80000"/>
-      </a:schemeClr>
-    </dgm:linClrLst>
-    <dgm:effectClrLst/>
-    <dgm:txLinClrLst/>
-    <dgm:txFillClrLst meth="repeat">
-      <a:schemeClr val="dk1"/>
-    </dgm:txFillClrLst>
-    <dgm:txEffectClrLst/>
-  </dgm:styleLbl>
-  <dgm:styleLbl name="asst4">
-    <dgm:fillClrLst meth="repeat">
-      <a:schemeClr val="lt1"/>
-    </dgm:fillClrLst>
-    <dgm:linClrLst meth="repeat">
-      <a:schemeClr val="accent3">
-        <a:shade val="80000"/>
-      </a:schemeClr>
-    </dgm:linClrLst>
-    <dgm:effectClrLst/>
-    <dgm:txLinClrLst/>
-    <dgm:txFillClrLst meth="repeat">
-      <a:schemeClr val="dk1"/>
-    </dgm:txFillClrLst>
-    <dgm:txEffectClrLst/>
-  </dgm:styleLbl>
-  <dgm:styleLbl name="parChTrans2D1">
-    <dgm:fillClrLst meth="repeat">
-      <a:schemeClr val="accent3">
-        <a:tint val="60000"/>
-      </a:schemeClr>
-    </dgm:fillClrLst>
-    <dgm:linClrLst meth="repeat">
-      <a:schemeClr val="accent3">
-        <a:tint val="60000"/>
-      </a:schemeClr>
-    </dgm:linClrLst>
-    <dgm:effectClrLst/>
-    <dgm:txLinClrLst/>
-    <dgm:txFillClrLst/>
-    <dgm:txEffectClrLst/>
-  </dgm:styleLbl>
-  <dgm:styleLbl name="parChTrans2D2">
-    <dgm:fillClrLst meth="repeat">
-      <a:schemeClr val="accent3"/>
-    </dgm:fillClrLst>
-    <dgm:linClrLst meth="repeat">
-      <a:schemeClr val="accent3"/>
-    </dgm:linClrLst>
-    <dgm:effectClrLst/>
-    <dgm:txLinClrLst/>
-    <dgm:txFillClrLst/>
-    <dgm:txEffectClrLst/>
-  </dgm:styleLbl>
-  <dgm:styleLbl name="parChTrans2D3">
-    <dgm:fillClrLst meth="repeat">
-      <a:schemeClr val="accent3"/>
-    </dgm:fillClrLst>
-    <dgm:linClrLst meth="repeat">
-      <a:schemeClr val="accent3"/>
-    </dgm:linClrLst>
-    <dgm:effectClrLst/>
-    <dgm:txLinClrLst/>
-    <dgm:txFillClrLst/>
-    <dgm:txEffectClrLst/>
-  </dgm:styleLbl>
-  <dgm:styleLbl name="parChTrans2D4">
-    <dgm:fillClrLst meth="repeat">
-      <a:schemeClr val="accent3"/>
-    </dgm:fillClrLst>
-    <dgm:linClrLst meth="repeat">
-      <a:schemeClr val="accent3"/>
-    </dgm:linClrLst>
-    <dgm:effectClrLst/>
-    <dgm:txLinClrLst/>
-    <dgm:txFillClrLst meth="repeat">
-      <a:schemeClr val="lt1"/>
-    </dgm:txFillClrLst>
-    <dgm:txEffectClrLst/>
-  </dgm:styleLbl>
-  <dgm:styleLbl name="parChTrans1D1">
-    <dgm:fillClrLst meth="repeat">
-      <a:schemeClr val="accent3"/>
-    </dgm:fillClrLst>
-    <dgm:linClrLst meth="repeat">
-      <a:schemeClr val="accent3">
-        <a:shade val="60000"/>
-      </a:schemeClr>
-    </dgm:linClrLst>
-    <dgm:effectClrLst/>
-    <dgm:txLinClrLst/>
-    <dgm:txFillClrLst meth="repeat">
-      <a:schemeClr val="tx1"/>
-    </dgm:txFillClrLst>
-    <dgm:txEffectClrLst/>
-  </dgm:styleLbl>
-  <dgm:styleLbl name="parChTrans1D2">
-    <dgm:fillClrLst meth="repeat">
-      <a:schemeClr val="accent3"/>
-    </dgm:fillClrLst>
-    <dgm:linClrLst meth="repeat">
-      <a:schemeClr val="accent3">
-        <a:shade val="60000"/>
-      </a:schemeClr>
-    </dgm:linClrLst>
-    <dgm:effectClrLst/>
-    <dgm:txLinClrLst/>
-    <dgm:txFillClrLst meth="repeat">
-      <a:schemeClr val="tx1"/>
-    </dgm:txFillClrLst>
-    <dgm:txEffectClrLst/>
-  </dgm:styleLbl>
-  <dgm:styleLbl name="parChTrans1D3">
-    <dgm:fillClrLst meth="repeat">
-      <a:schemeClr val="accent3"/>
-    </dgm:fillClrLst>
-    <dgm:linClrLst meth="repeat">
-      <a:schemeClr val="accent3">
-        <a:shade val="80000"/>
-      </a:schemeClr>
-    </dgm:linClrLst>
-    <dgm:effectClrLst/>
-    <dgm:txLinClrLst/>
-    <dgm:txFillClrLst meth="repeat">
-      <a:schemeClr val="tx1"/>
-    </dgm:txFillClrLst>
-    <dgm:txEffectClrLst/>
-  </dgm:styleLbl>
-  <dgm:styleLbl name="parChTrans1D4">
-    <dgm:fillClrLst meth="repeat">
-      <a:schemeClr val="accent3"/>
-    </dgm:fillClrLst>
-    <dgm:linClrLst meth="repeat">
-      <a:schemeClr val="accent3">
-        <a:shade val="80000"/>
-      </a:schemeClr>
-    </dgm:linClrLst>
-    <dgm:effectClrLst/>
-    <dgm:txLinClrLst/>
-    <dgm:txFillClrLst meth="repeat">
-      <a:schemeClr val="tx1"/>
-    </dgm:txFillClrLst>
-    <dgm:txEffectClrLst/>
-  </dgm:styleLbl>
-  <dgm:styleLbl name="fgAcc1">
-    <dgm:fillClrLst meth="repeat">
-      <a:schemeClr val="accent3">
-        <a:alpha val="90000"/>
-        <a:tint val="40000"/>
-      </a:schemeClr>
-    </dgm:fillClrLst>
-    <dgm:linClrLst meth="repeat">
-      <a:schemeClr val="accent3"/>
-    </dgm:linClrLst>
-    <dgm:effectClrLst/>
-    <dgm:txLinClrLst/>
-    <dgm:txFillClrLst meth="repeat">
-      <a:schemeClr val="dk1"/>
-    </dgm:txFillClrLst>
-    <dgm:txEffectClrLst/>
-  </dgm:styleLbl>
-  <dgm:styleLbl name="conFgAcc1">
-    <dgm:fillClrLst meth="repeat">
-      <a:schemeClr val="accent3">
-        <a:alpha val="90000"/>
-        <a:tint val="40000"/>
-      </a:schemeClr>
-    </dgm:fillClrLst>
-    <dgm:linClrLst meth="repeat">
-      <a:schemeClr val="accent3"/>
-    </dgm:linClrLst>
-    <dgm:effectClrLst/>
-    <dgm:txLinClrLst/>
-    <dgm:txFillClrLst meth="repeat">
-      <a:schemeClr val="dk1"/>
-    </dgm:txFillClrLst>
-    <dgm:txEffectClrLst/>
-  </dgm:styleLbl>
-  <dgm:styleLbl name="alignAcc1">
-    <dgm:fillClrLst meth="repeat">
-      <a:schemeClr val="accent3">
-        <a:alpha val="90000"/>
-        <a:tint val="40000"/>
-      </a:schemeClr>
-    </dgm:fillClrLst>
-    <dgm:linClrLst meth="repeat">
-      <a:schemeClr val="accent3"/>
-    </dgm:linClrLst>
-    <dgm:effectClrLst/>
-    <dgm:txLinClrLst/>
-    <dgm:txFillClrLst meth="repeat">
-      <a:schemeClr val="dk1"/>
-    </dgm:txFillClrLst>
-    <dgm:txEffectClrLst/>
-  </dgm:styleLbl>
-  <dgm:styleLbl name="trAlignAcc1">
-    <dgm:fillClrLst meth="repeat">
-      <a:schemeClr val="accent3">
-        <a:alpha val="40000"/>
-        <a:tint val="40000"/>
-      </a:schemeClr>
-    </dgm:fillClrLst>
-    <dgm:linClrLst meth="repeat">
-      <a:schemeClr val="accent3"/>
-    </dgm:linClrLst>
-    <dgm:effectClrLst/>
-    <dgm:txLinClrLst/>
-    <dgm:txFillClrLst meth="repeat">
-      <a:schemeClr val="dk1"/>
-    </dgm:txFillClrLst>
-    <dgm:txEffectClrLst/>
-  </dgm:styleLbl>
-  <dgm:styleLbl name="bgAcc1">
-    <dgm:fillClrLst meth="repeat">
-      <a:schemeClr val="accent3">
-        <a:alpha val="90000"/>
-        <a:tint val="40000"/>
-      </a:schemeClr>
-    </dgm:fillClrLst>
-    <dgm:linClrLst meth="repeat">
-      <a:schemeClr val="accent3"/>
-    </dgm:linClrLst>
-    <dgm:effectClrLst/>
-    <dgm:txLinClrLst/>
-    <dgm:txFillClrLst meth="repeat">
-      <a:schemeClr val="dk1"/>
-    </dgm:txFillClrLst>
-    <dgm:txEffectClrLst/>
-  </dgm:styleLbl>
-  <dgm:styleLbl name="solidFgAcc1">
-    <dgm:fillClrLst meth="repeat">
-      <a:schemeClr val="lt1"/>
-    </dgm:fillClrLst>
-    <dgm:linClrLst meth="repeat">
-      <a:schemeClr val="accent3"/>
-    </dgm:linClrLst>
-    <dgm:effectClrLst/>
-    <dgm:txLinClrLst/>
-    <dgm:txFillClrLst meth="repeat">
-      <a:schemeClr val="dk1"/>
-    </dgm:txFillClrLst>
-    <dgm:txEffectClrLst/>
-  </dgm:styleLbl>
-  <dgm:styleLbl name="solidAlignAcc1">
-    <dgm:fillClrLst meth="repeat">
-      <a:schemeClr val="lt1"/>
-    </dgm:fillClrLst>
-    <dgm:linClrLst meth="repeat">
-      <a:schemeClr val="accent3"/>
-    </dgm:linClrLst>
-    <dgm:effectClrLst/>
-    <dgm:txLinClrLst/>
-    <dgm:txFillClrLst meth="repeat">
-      <a:schemeClr val="dk1"/>
-    </dgm:txFillClrLst>
-    <dgm:txEffectClrLst/>
-  </dgm:styleLbl>
-  <dgm:styleLbl name="solidBgAcc1">
-    <dgm:fillClrLst meth="repeat">
-      <a:schemeClr val="lt1"/>
-    </dgm:fillClrLst>
-    <dgm:linClrLst meth="repeat">
-      <a:schemeClr val="accent3"/>
-    </dgm:linClrLst>
-    <dgm:effectClrLst/>
-    <dgm:txLinClrLst/>
-    <dgm:txFillClrLst meth="repeat">
-      <a:schemeClr val="dk1"/>
-    </dgm:txFillClrLst>
-    <dgm:txEffectClrLst/>
-  </dgm:styleLbl>
-  <dgm:styleLbl name="fgAccFollowNode1">
-    <dgm:fillClrLst meth="repeat">
-      <a:schemeClr val="lt1">
-        <a:alpha val="90000"/>
-        <a:tint val="40000"/>
-      </a:schemeClr>
-    </dgm:fillClrLst>
-    <dgm:linClrLst meth="repeat">
-      <a:schemeClr val="accent3">
-        <a:alpha val="90000"/>
-      </a:schemeClr>
-    </dgm:linClrLst>
-    <dgm:effectClrLst/>
-    <dgm:txLinClrLst/>
-    <dgm:txFillClrLst meth="repeat">
-      <a:schemeClr val="dk1"/>
-    </dgm:txFillClrLst>
-    <dgm:txEffectClrLst/>
-  </dgm:styleLbl>
-  <dgm:styleLbl name="alignAccFollowNode1">
-    <dgm:fillClrLst meth="repeat">
-      <a:schemeClr val="lt1">
-        <a:alpha val="90000"/>
-        <a:tint val="40000"/>
-      </a:schemeClr>
-    </dgm:fillClrLst>
-    <dgm:linClrLst meth="repeat">
-      <a:schemeClr val="accent3">
-        <a:alpha val="90000"/>
-      </a:schemeClr>
-    </dgm:linClrLst>
-    <dgm:effectClrLst/>
-    <dgm:txLinClrLst/>
-    <dgm:txFillClrLst meth="repeat">
-      <a:schemeClr val="dk1"/>
-    </dgm:txFillClrLst>
-    <dgm:txEffectClrLst/>
-  </dgm:styleLbl>
-  <dgm:styleLbl name="bgAccFollowNode1">
-    <dgm:fillClrLst meth="repeat">
-      <a:schemeClr val="lt1">
-        <a:alpha val="90000"/>
-        <a:tint val="40000"/>
-      </a:schemeClr>
-    </dgm:fillClrLst>
-    <dgm:linClrLst meth="repeat">
-      <a:schemeClr val="accent3">
-        <a:alpha val="90000"/>
-      </a:schemeClr>
-    </dgm:linClrLst>
-    <dgm:effectClrLst/>
-    <dgm:txLinClrLst/>
-    <dgm:txFillClrLst meth="repeat">
-      <a:schemeClr val="dk1"/>
-    </dgm:txFillClrLst>
-    <dgm:txEffectClrLst/>
-  </dgm:styleLbl>
-  <dgm:styleLbl name="fgAcc0">
-    <dgm:fillClrLst meth="repeat">
-      <a:schemeClr val="accent3">
-        <a:alpha val="90000"/>
-        <a:tint val="40000"/>
-      </a:schemeClr>
-    </dgm:fillClrLst>
-    <dgm:linClrLst meth="repeat">
-      <a:schemeClr val="accent3"/>
-    </dgm:linClrLst>
-    <dgm:effectClrLst/>
-    <dgm:txLinClrLst/>
-    <dgm:txFillClrLst meth="repeat">
-      <a:schemeClr val="dk1"/>
-    </dgm:txFillClrLst>
-    <dgm:txEffectClrLst/>
-  </dgm:styleLbl>
-  <dgm:styleLbl name="fgAcc2">
-    <dgm:fillClrLst meth="repeat">
-      <a:schemeClr val="accent3">
-        <a:alpha val="90000"/>
-        <a:tint val="40000"/>
-      </a:schemeClr>
-    </dgm:fillClrLst>
-    <dgm:linClrLst meth="repeat">
-      <a:schemeClr val="accent3"/>
-    </dgm:linClrLst>
-    <dgm:effectClrLst/>
-    <dgm:txLinClrLst/>
-    <dgm:txFillClrLst meth="repeat">
-      <a:schemeClr val="dk1"/>
-    </dgm:txFillClrLst>
-    <dgm:txEffectClrLst/>
-  </dgm:styleLbl>
-  <dgm:styleLbl name="fgAcc3">
-    <dgm:fillClrLst meth="repeat">
-      <a:schemeClr val="accent3">
-        <a:alpha val="90000"/>
-        <a:tint val="40000"/>
-      </a:schemeClr>
-    </dgm:fillClrLst>
-    <dgm:linClrLst meth="repeat">
-      <a:schemeClr val="accent3"/>
-    </dgm:linClrLst>
-    <dgm:effectClrLst/>
-    <dgm:txLinClrLst/>
-    <dgm:txFillClrLst meth="repeat">
-      <a:schemeClr val="dk1"/>
-    </dgm:txFillClrLst>
-    <dgm:txEffectClrLst/>
-  </dgm:styleLbl>
-  <dgm:styleLbl name="fgAcc4">
-    <dgm:fillClrLst meth="repeat">
-      <a:schemeClr val="accent3">
-        <a:alpha val="90000"/>
-        <a:tint val="40000"/>
-      </a:schemeClr>
-    </dgm:fillClrLst>
-    <dgm:linClrLst meth="repeat">
-      <a:schemeClr val="accent3"/>
-    </dgm:linClrLst>
-    <dgm:effectClrLst/>
-    <dgm:txLinClrLst/>
-    <dgm:txFillClrLst meth="repeat">
-      <a:schemeClr val="dk1"/>
-    </dgm:txFillClrLst>
-    <dgm:txEffectClrLst/>
-  </dgm:styleLbl>
-  <dgm:styleLbl name="bgShp">
-    <dgm:fillClrLst meth="repeat">
-      <a:schemeClr val="accent3">
-        <a:tint val="40000"/>
-      </a:schemeClr>
-    </dgm:fillClrLst>
-    <dgm:linClrLst meth="repeat">
-      <a:schemeClr val="accent3"/>
-    </dgm:linClrLst>
-    <dgm:effectClrLst/>
-    <dgm:txLinClrLst/>
-    <dgm:txFillClrLst meth="repeat">
-      <a:schemeClr val="dk1"/>
-    </dgm:txFillClrLst>
-    <dgm:txEffectClrLst/>
-  </dgm:styleLbl>
-  <dgm:styleLbl name="dkBgShp">
-    <dgm:fillClrLst meth="repeat">
-      <a:schemeClr val="accent3">
-        <a:shade val="80000"/>
-      </a:schemeClr>
-    </dgm:fillClrLst>
-    <dgm:linClrLst meth="repeat">
-      <a:schemeClr val="accent3"/>
-    </dgm:linClrLst>
-    <dgm:effectClrLst/>
-    <dgm:txLinClrLst/>
-    <dgm:txFillClrLst meth="repeat">
-      <a:schemeClr val="lt1"/>
-    </dgm:txFillClrLst>
-    <dgm:txEffectClrLst/>
-  </dgm:styleLbl>
-  <dgm:styleLbl name="trBgShp">
-    <dgm:fillClrLst meth="repeat">
-      <a:schemeClr val="accent3">
-        <a:tint val="50000"/>
-        <a:alpha val="40000"/>
-      </a:schemeClr>
-    </dgm:fillClrLst>
-    <dgm:linClrLst meth="repeat">
-      <a:schemeClr val="accent3"/>
-    </dgm:linClrLst>
-    <dgm:effectClrLst/>
-    <dgm:txLinClrLst/>
-    <dgm:txFillClrLst meth="repeat">
-      <a:schemeClr val="lt1"/>
-    </dgm:txFillClrLst>
-    <dgm:txEffectClrLst/>
-  </dgm:styleLbl>
-  <dgm:styleLbl name="fgShp">
-    <dgm:fillClrLst meth="repeat">
-      <a:schemeClr val="accent3">
-        <a:tint val="60000"/>
-      </a:schemeClr>
-    </dgm:fillClrLst>
-    <dgm:linClrLst meth="repeat">
-      <a:schemeClr val="lt1"/>
-    </dgm:linClrLst>
-    <dgm:effectClrLst/>
-    <dgm:txLinClrLst/>
-    <dgm:txFillClrLst meth="repeat">
-      <a:schemeClr val="dk1"/>
-    </dgm:txFillClrLst>
-    <dgm:txEffectClrLst/>
-  </dgm:styleLbl>
-  <dgm:styleLbl name="revTx">
-    <dgm:fillClrLst meth="repeat">
-      <a:schemeClr val="lt1">
-        <a:alpha val="0"/>
-      </a:schemeClr>
-    </dgm:fillClrLst>
-    <dgm:linClrLst meth="repeat">
-      <a:schemeClr val="dk1">
         <a:alpha val="0"/>
       </a:schemeClr>
     </dgm:linClrLst>
@@ -6815,7 +6815,1309 @@
 </dgm:colorsDef>
 </file>
 
+<file path=ppt/diagrams/colors8.xml><?xml version="1.0" encoding="utf-8"?>
+<dgm:colorsDef xmlns:dgm="http://schemas.openxmlformats.org/drawingml/2006/diagram" xmlns:a="http://schemas.openxmlformats.org/drawingml/2006/main" uniqueId="urn:microsoft.com/office/officeart/2005/8/colors/accent3_1">
+  <dgm:title val=""/>
+  <dgm:desc val=""/>
+  <dgm:catLst>
+    <dgm:cat type="accent3" pri="11100"/>
+  </dgm:catLst>
+  <dgm:styleLbl name="node0">
+    <dgm:fillClrLst meth="repeat">
+      <a:schemeClr val="lt1"/>
+    </dgm:fillClrLst>
+    <dgm:linClrLst meth="repeat">
+      <a:schemeClr val="accent3">
+        <a:shade val="80000"/>
+      </a:schemeClr>
+    </dgm:linClrLst>
+    <dgm:effectClrLst/>
+    <dgm:txLinClrLst/>
+    <dgm:txFillClrLst meth="repeat">
+      <a:schemeClr val="dk1"/>
+    </dgm:txFillClrLst>
+    <dgm:txEffectClrLst/>
+  </dgm:styleLbl>
+  <dgm:styleLbl name="node1">
+    <dgm:fillClrLst meth="repeat">
+      <a:schemeClr val="lt1"/>
+    </dgm:fillClrLst>
+    <dgm:linClrLst meth="repeat">
+      <a:schemeClr val="accent3">
+        <a:shade val="80000"/>
+      </a:schemeClr>
+    </dgm:linClrLst>
+    <dgm:effectClrLst/>
+    <dgm:txLinClrLst/>
+    <dgm:txFillClrLst meth="repeat">
+      <a:schemeClr val="dk1"/>
+    </dgm:txFillClrLst>
+    <dgm:txEffectClrLst/>
+  </dgm:styleLbl>
+  <dgm:styleLbl name="alignNode1">
+    <dgm:fillClrLst meth="repeat">
+      <a:schemeClr val="lt1"/>
+    </dgm:fillClrLst>
+    <dgm:linClrLst meth="repeat">
+      <a:schemeClr val="accent3">
+        <a:shade val="80000"/>
+      </a:schemeClr>
+    </dgm:linClrLst>
+    <dgm:effectClrLst/>
+    <dgm:txLinClrLst/>
+    <dgm:txFillClrLst meth="repeat">
+      <a:schemeClr val="dk1"/>
+    </dgm:txFillClrLst>
+    <dgm:txEffectClrLst/>
+  </dgm:styleLbl>
+  <dgm:styleLbl name="lnNode1">
+    <dgm:fillClrLst meth="repeat">
+      <a:schemeClr val="lt1"/>
+    </dgm:fillClrLst>
+    <dgm:linClrLst meth="repeat">
+      <a:schemeClr val="accent3">
+        <a:shade val="80000"/>
+      </a:schemeClr>
+    </dgm:linClrLst>
+    <dgm:effectClrLst/>
+    <dgm:txLinClrLst/>
+    <dgm:txFillClrLst meth="repeat">
+      <a:schemeClr val="dk1"/>
+    </dgm:txFillClrLst>
+    <dgm:txEffectClrLst/>
+  </dgm:styleLbl>
+  <dgm:styleLbl name="vennNode1">
+    <dgm:fillClrLst meth="repeat">
+      <a:schemeClr val="lt1">
+        <a:alpha val="50000"/>
+      </a:schemeClr>
+    </dgm:fillClrLst>
+    <dgm:linClrLst meth="repeat">
+      <a:schemeClr val="accent3">
+        <a:shade val="80000"/>
+      </a:schemeClr>
+    </dgm:linClrLst>
+    <dgm:effectClrLst/>
+    <dgm:txLinClrLst/>
+    <dgm:txFillClrLst/>
+    <dgm:txEffectClrLst/>
+  </dgm:styleLbl>
+  <dgm:styleLbl name="node2">
+    <dgm:fillClrLst meth="repeat">
+      <a:schemeClr val="lt1"/>
+    </dgm:fillClrLst>
+    <dgm:linClrLst meth="repeat">
+      <a:schemeClr val="accent3">
+        <a:shade val="80000"/>
+      </a:schemeClr>
+    </dgm:linClrLst>
+    <dgm:effectClrLst/>
+    <dgm:txLinClrLst/>
+    <dgm:txFillClrLst meth="repeat">
+      <a:schemeClr val="dk1"/>
+    </dgm:txFillClrLst>
+    <dgm:txEffectClrLst/>
+  </dgm:styleLbl>
+  <dgm:styleLbl name="node3">
+    <dgm:fillClrLst meth="repeat">
+      <a:schemeClr val="lt1"/>
+    </dgm:fillClrLst>
+    <dgm:linClrLst meth="repeat">
+      <a:schemeClr val="accent3">
+        <a:shade val="80000"/>
+      </a:schemeClr>
+    </dgm:linClrLst>
+    <dgm:effectClrLst/>
+    <dgm:txLinClrLst/>
+    <dgm:txFillClrLst meth="repeat">
+      <a:schemeClr val="dk1"/>
+    </dgm:txFillClrLst>
+    <dgm:txEffectClrLst/>
+  </dgm:styleLbl>
+  <dgm:styleLbl name="node4">
+    <dgm:fillClrLst meth="repeat">
+      <a:schemeClr val="lt1"/>
+    </dgm:fillClrLst>
+    <dgm:linClrLst meth="repeat">
+      <a:schemeClr val="accent3">
+        <a:shade val="80000"/>
+      </a:schemeClr>
+    </dgm:linClrLst>
+    <dgm:effectClrLst/>
+    <dgm:txLinClrLst/>
+    <dgm:txFillClrLst meth="repeat">
+      <a:schemeClr val="dk1"/>
+    </dgm:txFillClrLst>
+    <dgm:txEffectClrLst/>
+  </dgm:styleLbl>
+  <dgm:styleLbl name="fgImgPlace1">
+    <dgm:fillClrLst meth="repeat">
+      <a:schemeClr val="accent3">
+        <a:tint val="40000"/>
+      </a:schemeClr>
+    </dgm:fillClrLst>
+    <dgm:linClrLst meth="repeat">
+      <a:schemeClr val="accent3">
+        <a:shade val="80000"/>
+      </a:schemeClr>
+    </dgm:linClrLst>
+    <dgm:effectClrLst/>
+    <dgm:txLinClrLst/>
+    <dgm:txFillClrLst meth="repeat">
+      <a:schemeClr val="lt1"/>
+    </dgm:txFillClrLst>
+    <dgm:txEffectClrLst/>
+  </dgm:styleLbl>
+  <dgm:styleLbl name="alignImgPlace1">
+    <dgm:fillClrLst meth="repeat">
+      <a:schemeClr val="accent3">
+        <a:tint val="40000"/>
+      </a:schemeClr>
+    </dgm:fillClrLst>
+    <dgm:linClrLst meth="repeat">
+      <a:schemeClr val="accent3">
+        <a:shade val="80000"/>
+      </a:schemeClr>
+    </dgm:linClrLst>
+    <dgm:effectClrLst/>
+    <dgm:txLinClrLst/>
+    <dgm:txFillClrLst meth="repeat">
+      <a:schemeClr val="lt1"/>
+    </dgm:txFillClrLst>
+    <dgm:txEffectClrLst/>
+  </dgm:styleLbl>
+  <dgm:styleLbl name="bgImgPlace1">
+    <dgm:fillClrLst meth="repeat">
+      <a:schemeClr val="accent3">
+        <a:tint val="40000"/>
+      </a:schemeClr>
+    </dgm:fillClrLst>
+    <dgm:linClrLst meth="repeat">
+      <a:schemeClr val="accent3">
+        <a:shade val="80000"/>
+      </a:schemeClr>
+    </dgm:linClrLst>
+    <dgm:effectClrLst/>
+    <dgm:txLinClrLst/>
+    <dgm:txFillClrLst meth="repeat">
+      <a:schemeClr val="lt1"/>
+    </dgm:txFillClrLst>
+    <dgm:txEffectClrLst/>
+  </dgm:styleLbl>
+  <dgm:styleLbl name="sibTrans2D1">
+    <dgm:fillClrLst meth="repeat">
+      <a:schemeClr val="accent3">
+        <a:tint val="60000"/>
+      </a:schemeClr>
+    </dgm:fillClrLst>
+    <dgm:linClrLst meth="repeat">
+      <a:schemeClr val="accent3">
+        <a:tint val="60000"/>
+      </a:schemeClr>
+    </dgm:linClrLst>
+    <dgm:effectClrLst/>
+    <dgm:txLinClrLst/>
+    <dgm:txFillClrLst meth="repeat">
+      <a:schemeClr val="dk1"/>
+    </dgm:txFillClrLst>
+    <dgm:txEffectClrLst/>
+  </dgm:styleLbl>
+  <dgm:styleLbl name="fgSibTrans2D1">
+    <dgm:fillClrLst meth="repeat">
+      <a:schemeClr val="accent3">
+        <a:tint val="60000"/>
+      </a:schemeClr>
+    </dgm:fillClrLst>
+    <dgm:linClrLst meth="repeat">
+      <a:schemeClr val="accent3">
+        <a:tint val="60000"/>
+      </a:schemeClr>
+    </dgm:linClrLst>
+    <dgm:effectClrLst/>
+    <dgm:txLinClrLst/>
+    <dgm:txFillClrLst meth="repeat">
+      <a:schemeClr val="dk1"/>
+    </dgm:txFillClrLst>
+    <dgm:txEffectClrLst/>
+  </dgm:styleLbl>
+  <dgm:styleLbl name="bgSibTrans2D1">
+    <dgm:fillClrLst meth="repeat">
+      <a:schemeClr val="accent3">
+        <a:tint val="60000"/>
+      </a:schemeClr>
+    </dgm:fillClrLst>
+    <dgm:linClrLst meth="repeat">
+      <a:schemeClr val="accent3">
+        <a:tint val="60000"/>
+      </a:schemeClr>
+    </dgm:linClrLst>
+    <dgm:effectClrLst/>
+    <dgm:txLinClrLst/>
+    <dgm:txFillClrLst meth="repeat">
+      <a:schemeClr val="dk1"/>
+    </dgm:txFillClrLst>
+    <dgm:txEffectClrLst/>
+  </dgm:styleLbl>
+  <dgm:styleLbl name="sibTrans1D1">
+    <dgm:fillClrLst meth="repeat">
+      <a:schemeClr val="accent3"/>
+    </dgm:fillClrLst>
+    <dgm:linClrLst meth="repeat">
+      <a:schemeClr val="accent3"/>
+    </dgm:linClrLst>
+    <dgm:effectClrLst/>
+    <dgm:txLinClrLst/>
+    <dgm:txFillClrLst meth="repeat">
+      <a:schemeClr val="tx1"/>
+    </dgm:txFillClrLst>
+    <dgm:txEffectClrLst/>
+  </dgm:styleLbl>
+  <dgm:styleLbl name="callout">
+    <dgm:fillClrLst meth="repeat">
+      <a:schemeClr val="accent3"/>
+    </dgm:fillClrLst>
+    <dgm:linClrLst meth="repeat">
+      <a:schemeClr val="accent3"/>
+    </dgm:linClrLst>
+    <dgm:effectClrLst/>
+    <dgm:txLinClrLst/>
+    <dgm:txFillClrLst meth="repeat">
+      <a:schemeClr val="tx1"/>
+    </dgm:txFillClrLst>
+    <dgm:txEffectClrLst/>
+  </dgm:styleLbl>
+  <dgm:styleLbl name="asst0">
+    <dgm:fillClrLst meth="repeat">
+      <a:schemeClr val="lt1"/>
+    </dgm:fillClrLst>
+    <dgm:linClrLst meth="repeat">
+      <a:schemeClr val="accent3">
+        <a:shade val="80000"/>
+      </a:schemeClr>
+    </dgm:linClrLst>
+    <dgm:effectClrLst/>
+    <dgm:txLinClrLst/>
+    <dgm:txFillClrLst meth="repeat">
+      <a:schemeClr val="dk1"/>
+    </dgm:txFillClrLst>
+    <dgm:txEffectClrLst/>
+  </dgm:styleLbl>
+  <dgm:styleLbl name="asst1">
+    <dgm:fillClrLst meth="repeat">
+      <a:schemeClr val="lt1"/>
+    </dgm:fillClrLst>
+    <dgm:linClrLst meth="repeat">
+      <a:schemeClr val="accent3">
+        <a:shade val="80000"/>
+      </a:schemeClr>
+    </dgm:linClrLst>
+    <dgm:effectClrLst/>
+    <dgm:txLinClrLst/>
+    <dgm:txFillClrLst meth="repeat">
+      <a:schemeClr val="dk1"/>
+    </dgm:txFillClrLst>
+    <dgm:txEffectClrLst/>
+  </dgm:styleLbl>
+  <dgm:styleLbl name="asst2">
+    <dgm:fillClrLst meth="repeat">
+      <a:schemeClr val="lt1"/>
+    </dgm:fillClrLst>
+    <dgm:linClrLst meth="repeat">
+      <a:schemeClr val="accent3">
+        <a:shade val="80000"/>
+      </a:schemeClr>
+    </dgm:linClrLst>
+    <dgm:effectClrLst/>
+    <dgm:txLinClrLst/>
+    <dgm:txFillClrLst meth="repeat">
+      <a:schemeClr val="dk1"/>
+    </dgm:txFillClrLst>
+    <dgm:txEffectClrLst/>
+  </dgm:styleLbl>
+  <dgm:styleLbl name="asst3">
+    <dgm:fillClrLst meth="repeat">
+      <a:schemeClr val="lt1"/>
+    </dgm:fillClrLst>
+    <dgm:linClrLst meth="repeat">
+      <a:schemeClr val="accent3">
+        <a:shade val="80000"/>
+      </a:schemeClr>
+    </dgm:linClrLst>
+    <dgm:effectClrLst/>
+    <dgm:txLinClrLst/>
+    <dgm:txFillClrLst meth="repeat">
+      <a:schemeClr val="dk1"/>
+    </dgm:txFillClrLst>
+    <dgm:txEffectClrLst/>
+  </dgm:styleLbl>
+  <dgm:styleLbl name="asst4">
+    <dgm:fillClrLst meth="repeat">
+      <a:schemeClr val="lt1"/>
+    </dgm:fillClrLst>
+    <dgm:linClrLst meth="repeat">
+      <a:schemeClr val="accent3">
+        <a:shade val="80000"/>
+      </a:schemeClr>
+    </dgm:linClrLst>
+    <dgm:effectClrLst/>
+    <dgm:txLinClrLst/>
+    <dgm:txFillClrLst meth="repeat">
+      <a:schemeClr val="dk1"/>
+    </dgm:txFillClrLst>
+    <dgm:txEffectClrLst/>
+  </dgm:styleLbl>
+  <dgm:styleLbl name="parChTrans2D1">
+    <dgm:fillClrLst meth="repeat">
+      <a:schemeClr val="accent3">
+        <a:tint val="60000"/>
+      </a:schemeClr>
+    </dgm:fillClrLst>
+    <dgm:linClrLst meth="repeat">
+      <a:schemeClr val="accent3">
+        <a:tint val="60000"/>
+      </a:schemeClr>
+    </dgm:linClrLst>
+    <dgm:effectClrLst/>
+    <dgm:txLinClrLst/>
+    <dgm:txFillClrLst/>
+    <dgm:txEffectClrLst/>
+  </dgm:styleLbl>
+  <dgm:styleLbl name="parChTrans2D2">
+    <dgm:fillClrLst meth="repeat">
+      <a:schemeClr val="accent3"/>
+    </dgm:fillClrLst>
+    <dgm:linClrLst meth="repeat">
+      <a:schemeClr val="accent3"/>
+    </dgm:linClrLst>
+    <dgm:effectClrLst/>
+    <dgm:txLinClrLst/>
+    <dgm:txFillClrLst/>
+    <dgm:txEffectClrLst/>
+  </dgm:styleLbl>
+  <dgm:styleLbl name="parChTrans2D3">
+    <dgm:fillClrLst meth="repeat">
+      <a:schemeClr val="accent3"/>
+    </dgm:fillClrLst>
+    <dgm:linClrLst meth="repeat">
+      <a:schemeClr val="accent3"/>
+    </dgm:linClrLst>
+    <dgm:effectClrLst/>
+    <dgm:txLinClrLst/>
+    <dgm:txFillClrLst/>
+    <dgm:txEffectClrLst/>
+  </dgm:styleLbl>
+  <dgm:styleLbl name="parChTrans2D4">
+    <dgm:fillClrLst meth="repeat">
+      <a:schemeClr val="accent3"/>
+    </dgm:fillClrLst>
+    <dgm:linClrLst meth="repeat">
+      <a:schemeClr val="accent3"/>
+    </dgm:linClrLst>
+    <dgm:effectClrLst/>
+    <dgm:txLinClrLst/>
+    <dgm:txFillClrLst meth="repeat">
+      <a:schemeClr val="lt1"/>
+    </dgm:txFillClrLst>
+    <dgm:txEffectClrLst/>
+  </dgm:styleLbl>
+  <dgm:styleLbl name="parChTrans1D1">
+    <dgm:fillClrLst meth="repeat">
+      <a:schemeClr val="accent3"/>
+    </dgm:fillClrLst>
+    <dgm:linClrLst meth="repeat">
+      <a:schemeClr val="accent3">
+        <a:shade val="60000"/>
+      </a:schemeClr>
+    </dgm:linClrLst>
+    <dgm:effectClrLst/>
+    <dgm:txLinClrLst/>
+    <dgm:txFillClrLst meth="repeat">
+      <a:schemeClr val="tx1"/>
+    </dgm:txFillClrLst>
+    <dgm:txEffectClrLst/>
+  </dgm:styleLbl>
+  <dgm:styleLbl name="parChTrans1D2">
+    <dgm:fillClrLst meth="repeat">
+      <a:schemeClr val="accent3"/>
+    </dgm:fillClrLst>
+    <dgm:linClrLst meth="repeat">
+      <a:schemeClr val="accent3">
+        <a:shade val="60000"/>
+      </a:schemeClr>
+    </dgm:linClrLst>
+    <dgm:effectClrLst/>
+    <dgm:txLinClrLst/>
+    <dgm:txFillClrLst meth="repeat">
+      <a:schemeClr val="tx1"/>
+    </dgm:txFillClrLst>
+    <dgm:txEffectClrLst/>
+  </dgm:styleLbl>
+  <dgm:styleLbl name="parChTrans1D3">
+    <dgm:fillClrLst meth="repeat">
+      <a:schemeClr val="accent3"/>
+    </dgm:fillClrLst>
+    <dgm:linClrLst meth="repeat">
+      <a:schemeClr val="accent3">
+        <a:shade val="80000"/>
+      </a:schemeClr>
+    </dgm:linClrLst>
+    <dgm:effectClrLst/>
+    <dgm:txLinClrLst/>
+    <dgm:txFillClrLst meth="repeat">
+      <a:schemeClr val="tx1"/>
+    </dgm:txFillClrLst>
+    <dgm:txEffectClrLst/>
+  </dgm:styleLbl>
+  <dgm:styleLbl name="parChTrans1D4">
+    <dgm:fillClrLst meth="repeat">
+      <a:schemeClr val="accent3"/>
+    </dgm:fillClrLst>
+    <dgm:linClrLst meth="repeat">
+      <a:schemeClr val="accent3">
+        <a:shade val="80000"/>
+      </a:schemeClr>
+    </dgm:linClrLst>
+    <dgm:effectClrLst/>
+    <dgm:txLinClrLst/>
+    <dgm:txFillClrLst meth="repeat">
+      <a:schemeClr val="tx1"/>
+    </dgm:txFillClrLst>
+    <dgm:txEffectClrLst/>
+  </dgm:styleLbl>
+  <dgm:styleLbl name="fgAcc1">
+    <dgm:fillClrLst meth="repeat">
+      <a:schemeClr val="accent3">
+        <a:alpha val="90000"/>
+        <a:tint val="40000"/>
+      </a:schemeClr>
+    </dgm:fillClrLst>
+    <dgm:linClrLst meth="repeat">
+      <a:schemeClr val="accent3"/>
+    </dgm:linClrLst>
+    <dgm:effectClrLst/>
+    <dgm:txLinClrLst/>
+    <dgm:txFillClrLst meth="repeat">
+      <a:schemeClr val="dk1"/>
+    </dgm:txFillClrLst>
+    <dgm:txEffectClrLst/>
+  </dgm:styleLbl>
+  <dgm:styleLbl name="conFgAcc1">
+    <dgm:fillClrLst meth="repeat">
+      <a:schemeClr val="accent3">
+        <a:alpha val="90000"/>
+        <a:tint val="40000"/>
+      </a:schemeClr>
+    </dgm:fillClrLst>
+    <dgm:linClrLst meth="repeat">
+      <a:schemeClr val="accent3"/>
+    </dgm:linClrLst>
+    <dgm:effectClrLst/>
+    <dgm:txLinClrLst/>
+    <dgm:txFillClrLst meth="repeat">
+      <a:schemeClr val="dk1"/>
+    </dgm:txFillClrLst>
+    <dgm:txEffectClrLst/>
+  </dgm:styleLbl>
+  <dgm:styleLbl name="alignAcc1">
+    <dgm:fillClrLst meth="repeat">
+      <a:schemeClr val="accent3">
+        <a:alpha val="90000"/>
+        <a:tint val="40000"/>
+      </a:schemeClr>
+    </dgm:fillClrLst>
+    <dgm:linClrLst meth="repeat">
+      <a:schemeClr val="accent3"/>
+    </dgm:linClrLst>
+    <dgm:effectClrLst/>
+    <dgm:txLinClrLst/>
+    <dgm:txFillClrLst meth="repeat">
+      <a:schemeClr val="dk1"/>
+    </dgm:txFillClrLst>
+    <dgm:txEffectClrLst/>
+  </dgm:styleLbl>
+  <dgm:styleLbl name="trAlignAcc1">
+    <dgm:fillClrLst meth="repeat">
+      <a:schemeClr val="accent3">
+        <a:alpha val="40000"/>
+        <a:tint val="40000"/>
+      </a:schemeClr>
+    </dgm:fillClrLst>
+    <dgm:linClrLst meth="repeat">
+      <a:schemeClr val="accent3"/>
+    </dgm:linClrLst>
+    <dgm:effectClrLst/>
+    <dgm:txLinClrLst/>
+    <dgm:txFillClrLst meth="repeat">
+      <a:schemeClr val="dk1"/>
+    </dgm:txFillClrLst>
+    <dgm:txEffectClrLst/>
+  </dgm:styleLbl>
+  <dgm:styleLbl name="bgAcc1">
+    <dgm:fillClrLst meth="repeat">
+      <a:schemeClr val="accent3">
+        <a:alpha val="90000"/>
+        <a:tint val="40000"/>
+      </a:schemeClr>
+    </dgm:fillClrLst>
+    <dgm:linClrLst meth="repeat">
+      <a:schemeClr val="accent3"/>
+    </dgm:linClrLst>
+    <dgm:effectClrLst/>
+    <dgm:txLinClrLst/>
+    <dgm:txFillClrLst meth="repeat">
+      <a:schemeClr val="dk1"/>
+    </dgm:txFillClrLst>
+    <dgm:txEffectClrLst/>
+  </dgm:styleLbl>
+  <dgm:styleLbl name="solidFgAcc1">
+    <dgm:fillClrLst meth="repeat">
+      <a:schemeClr val="lt1"/>
+    </dgm:fillClrLst>
+    <dgm:linClrLst meth="repeat">
+      <a:schemeClr val="accent3"/>
+    </dgm:linClrLst>
+    <dgm:effectClrLst/>
+    <dgm:txLinClrLst/>
+    <dgm:txFillClrLst meth="repeat">
+      <a:schemeClr val="dk1"/>
+    </dgm:txFillClrLst>
+    <dgm:txEffectClrLst/>
+  </dgm:styleLbl>
+  <dgm:styleLbl name="solidAlignAcc1">
+    <dgm:fillClrLst meth="repeat">
+      <a:schemeClr val="lt1"/>
+    </dgm:fillClrLst>
+    <dgm:linClrLst meth="repeat">
+      <a:schemeClr val="accent3"/>
+    </dgm:linClrLst>
+    <dgm:effectClrLst/>
+    <dgm:txLinClrLst/>
+    <dgm:txFillClrLst meth="repeat">
+      <a:schemeClr val="dk1"/>
+    </dgm:txFillClrLst>
+    <dgm:txEffectClrLst/>
+  </dgm:styleLbl>
+  <dgm:styleLbl name="solidBgAcc1">
+    <dgm:fillClrLst meth="repeat">
+      <a:schemeClr val="lt1"/>
+    </dgm:fillClrLst>
+    <dgm:linClrLst meth="repeat">
+      <a:schemeClr val="accent3"/>
+    </dgm:linClrLst>
+    <dgm:effectClrLst/>
+    <dgm:txLinClrLst/>
+    <dgm:txFillClrLst meth="repeat">
+      <a:schemeClr val="dk1"/>
+    </dgm:txFillClrLst>
+    <dgm:txEffectClrLst/>
+  </dgm:styleLbl>
+  <dgm:styleLbl name="fgAccFollowNode1">
+    <dgm:fillClrLst meth="repeat">
+      <a:schemeClr val="lt1">
+        <a:alpha val="90000"/>
+        <a:tint val="40000"/>
+      </a:schemeClr>
+    </dgm:fillClrLst>
+    <dgm:linClrLst meth="repeat">
+      <a:schemeClr val="accent3">
+        <a:alpha val="90000"/>
+      </a:schemeClr>
+    </dgm:linClrLst>
+    <dgm:effectClrLst/>
+    <dgm:txLinClrLst/>
+    <dgm:txFillClrLst meth="repeat">
+      <a:schemeClr val="dk1"/>
+    </dgm:txFillClrLst>
+    <dgm:txEffectClrLst/>
+  </dgm:styleLbl>
+  <dgm:styleLbl name="alignAccFollowNode1">
+    <dgm:fillClrLst meth="repeat">
+      <a:schemeClr val="lt1">
+        <a:alpha val="90000"/>
+        <a:tint val="40000"/>
+      </a:schemeClr>
+    </dgm:fillClrLst>
+    <dgm:linClrLst meth="repeat">
+      <a:schemeClr val="accent3">
+        <a:alpha val="90000"/>
+      </a:schemeClr>
+    </dgm:linClrLst>
+    <dgm:effectClrLst/>
+    <dgm:txLinClrLst/>
+    <dgm:txFillClrLst meth="repeat">
+      <a:schemeClr val="dk1"/>
+    </dgm:txFillClrLst>
+    <dgm:txEffectClrLst/>
+  </dgm:styleLbl>
+  <dgm:styleLbl name="bgAccFollowNode1">
+    <dgm:fillClrLst meth="repeat">
+      <a:schemeClr val="lt1">
+        <a:alpha val="90000"/>
+        <a:tint val="40000"/>
+      </a:schemeClr>
+    </dgm:fillClrLst>
+    <dgm:linClrLst meth="repeat">
+      <a:schemeClr val="accent3">
+        <a:alpha val="90000"/>
+      </a:schemeClr>
+    </dgm:linClrLst>
+    <dgm:effectClrLst/>
+    <dgm:txLinClrLst/>
+    <dgm:txFillClrLst meth="repeat">
+      <a:schemeClr val="dk1"/>
+    </dgm:txFillClrLst>
+    <dgm:txEffectClrLst/>
+  </dgm:styleLbl>
+  <dgm:styleLbl name="fgAcc0">
+    <dgm:fillClrLst meth="repeat">
+      <a:schemeClr val="accent3">
+        <a:alpha val="90000"/>
+        <a:tint val="40000"/>
+      </a:schemeClr>
+    </dgm:fillClrLst>
+    <dgm:linClrLst meth="repeat">
+      <a:schemeClr val="accent3"/>
+    </dgm:linClrLst>
+    <dgm:effectClrLst/>
+    <dgm:txLinClrLst/>
+    <dgm:txFillClrLst meth="repeat">
+      <a:schemeClr val="dk1"/>
+    </dgm:txFillClrLst>
+    <dgm:txEffectClrLst/>
+  </dgm:styleLbl>
+  <dgm:styleLbl name="fgAcc2">
+    <dgm:fillClrLst meth="repeat">
+      <a:schemeClr val="accent3">
+        <a:alpha val="90000"/>
+        <a:tint val="40000"/>
+      </a:schemeClr>
+    </dgm:fillClrLst>
+    <dgm:linClrLst meth="repeat">
+      <a:schemeClr val="accent3"/>
+    </dgm:linClrLst>
+    <dgm:effectClrLst/>
+    <dgm:txLinClrLst/>
+    <dgm:txFillClrLst meth="repeat">
+      <a:schemeClr val="dk1"/>
+    </dgm:txFillClrLst>
+    <dgm:txEffectClrLst/>
+  </dgm:styleLbl>
+  <dgm:styleLbl name="fgAcc3">
+    <dgm:fillClrLst meth="repeat">
+      <a:schemeClr val="accent3">
+        <a:alpha val="90000"/>
+        <a:tint val="40000"/>
+      </a:schemeClr>
+    </dgm:fillClrLst>
+    <dgm:linClrLst meth="repeat">
+      <a:schemeClr val="accent3"/>
+    </dgm:linClrLst>
+    <dgm:effectClrLst/>
+    <dgm:txLinClrLst/>
+    <dgm:txFillClrLst meth="repeat">
+      <a:schemeClr val="dk1"/>
+    </dgm:txFillClrLst>
+    <dgm:txEffectClrLst/>
+  </dgm:styleLbl>
+  <dgm:styleLbl name="fgAcc4">
+    <dgm:fillClrLst meth="repeat">
+      <a:schemeClr val="accent3">
+        <a:alpha val="90000"/>
+        <a:tint val="40000"/>
+      </a:schemeClr>
+    </dgm:fillClrLst>
+    <dgm:linClrLst meth="repeat">
+      <a:schemeClr val="accent3"/>
+    </dgm:linClrLst>
+    <dgm:effectClrLst/>
+    <dgm:txLinClrLst/>
+    <dgm:txFillClrLst meth="repeat">
+      <a:schemeClr val="dk1"/>
+    </dgm:txFillClrLst>
+    <dgm:txEffectClrLst/>
+  </dgm:styleLbl>
+  <dgm:styleLbl name="bgShp">
+    <dgm:fillClrLst meth="repeat">
+      <a:schemeClr val="accent3">
+        <a:tint val="40000"/>
+      </a:schemeClr>
+    </dgm:fillClrLst>
+    <dgm:linClrLst meth="repeat">
+      <a:schemeClr val="accent3"/>
+    </dgm:linClrLst>
+    <dgm:effectClrLst/>
+    <dgm:txLinClrLst/>
+    <dgm:txFillClrLst meth="repeat">
+      <a:schemeClr val="dk1"/>
+    </dgm:txFillClrLst>
+    <dgm:txEffectClrLst/>
+  </dgm:styleLbl>
+  <dgm:styleLbl name="dkBgShp">
+    <dgm:fillClrLst meth="repeat">
+      <a:schemeClr val="accent3">
+        <a:shade val="80000"/>
+      </a:schemeClr>
+    </dgm:fillClrLst>
+    <dgm:linClrLst meth="repeat">
+      <a:schemeClr val="accent3"/>
+    </dgm:linClrLst>
+    <dgm:effectClrLst/>
+    <dgm:txLinClrLst/>
+    <dgm:txFillClrLst meth="repeat">
+      <a:schemeClr val="lt1"/>
+    </dgm:txFillClrLst>
+    <dgm:txEffectClrLst/>
+  </dgm:styleLbl>
+  <dgm:styleLbl name="trBgShp">
+    <dgm:fillClrLst meth="repeat">
+      <a:schemeClr val="accent3">
+        <a:tint val="50000"/>
+        <a:alpha val="40000"/>
+      </a:schemeClr>
+    </dgm:fillClrLst>
+    <dgm:linClrLst meth="repeat">
+      <a:schemeClr val="accent3"/>
+    </dgm:linClrLst>
+    <dgm:effectClrLst/>
+    <dgm:txLinClrLst/>
+    <dgm:txFillClrLst meth="repeat">
+      <a:schemeClr val="lt1"/>
+    </dgm:txFillClrLst>
+    <dgm:txEffectClrLst/>
+  </dgm:styleLbl>
+  <dgm:styleLbl name="fgShp">
+    <dgm:fillClrLst meth="repeat">
+      <a:schemeClr val="accent3">
+        <a:tint val="60000"/>
+      </a:schemeClr>
+    </dgm:fillClrLst>
+    <dgm:linClrLst meth="repeat">
+      <a:schemeClr val="lt1"/>
+    </dgm:linClrLst>
+    <dgm:effectClrLst/>
+    <dgm:txLinClrLst/>
+    <dgm:txFillClrLst meth="repeat">
+      <a:schemeClr val="dk1"/>
+    </dgm:txFillClrLst>
+    <dgm:txEffectClrLst/>
+  </dgm:styleLbl>
+  <dgm:styleLbl name="revTx">
+    <dgm:fillClrLst meth="repeat">
+      <a:schemeClr val="lt1">
+        <a:alpha val="0"/>
+      </a:schemeClr>
+    </dgm:fillClrLst>
+    <dgm:linClrLst meth="repeat">
+      <a:schemeClr val="dk1">
+        <a:alpha val="0"/>
+      </a:schemeClr>
+    </dgm:linClrLst>
+    <dgm:effectClrLst/>
+    <dgm:txLinClrLst/>
+    <dgm:txFillClrLst meth="repeat">
+      <a:schemeClr val="tx1"/>
+    </dgm:txFillClrLst>
+    <dgm:txEffectClrLst/>
+  </dgm:styleLbl>
+</dgm:colorsDef>
+</file>
+
 <file path=ppt/diagrams/data1.xml><?xml version="1.0" encoding="utf-8"?>
+<dgm:dataModel xmlns:dgm="http://schemas.openxmlformats.org/drawingml/2006/diagram" xmlns:a="http://schemas.openxmlformats.org/drawingml/2006/main">
+  <dgm:ptLst>
+    <dgm:pt modelId="{00E2BE69-7E45-4CB0-B246-3EDFB6A2690D}" type="doc">
+      <dgm:prSet loTypeId="urn:microsoft.com/office/officeart/2005/8/layout/target3" loCatId="list" qsTypeId="urn:microsoft.com/office/officeart/2005/8/quickstyle/simple1" qsCatId="simple" csTypeId="urn:microsoft.com/office/officeart/2005/8/colors/accent3_1" csCatId="accent3" phldr="1"/>
+      <dgm:spPr/>
+      <dgm:t>
+        <a:bodyPr/>
+        <a:lstStyle/>
+        <a:p>
+          <a:endParaRPr lang="zh-CN" altLang="en-US"/>
+        </a:p>
+      </dgm:t>
+    </dgm:pt>
+    <dgm:pt modelId="{DDB5AB82-3615-4B0F-8331-EBEAE5FCECE6}">
+      <dgm:prSet phldrT="[文本]"/>
+      <dgm:spPr/>
+      <dgm:t>
+        <a:bodyPr/>
+        <a:lstStyle/>
+        <a:p>
+          <a:r>
+            <a:rPr lang="en-US" altLang="zh-CN" dirty="0"/>
+            <a:t>name</a:t>
+          </a:r>
+          <a:endParaRPr lang="zh-CN" altLang="en-US" dirty="0"/>
+        </a:p>
+      </dgm:t>
+    </dgm:pt>
+    <dgm:pt modelId="{81CB5AFA-ED33-4D4B-804C-ADFA720A8C8C}" type="parTrans" cxnId="{A3AEF3F9-3C2F-4CCB-AE5B-B93F9A9D9196}">
+      <dgm:prSet/>
+      <dgm:spPr/>
+      <dgm:t>
+        <a:bodyPr/>
+        <a:lstStyle/>
+        <a:p>
+          <a:endParaRPr lang="zh-CN" altLang="en-US"/>
+        </a:p>
+      </dgm:t>
+    </dgm:pt>
+    <dgm:pt modelId="{505A1170-FC97-45B9-B7E5-82340974143F}" type="sibTrans" cxnId="{A3AEF3F9-3C2F-4CCB-AE5B-B93F9A9D9196}">
+      <dgm:prSet/>
+      <dgm:spPr/>
+      <dgm:t>
+        <a:bodyPr/>
+        <a:lstStyle/>
+        <a:p>
+          <a:endParaRPr lang="zh-CN" altLang="en-US"/>
+        </a:p>
+      </dgm:t>
+    </dgm:pt>
+    <dgm:pt modelId="{C5C05943-1237-41A5-8F27-1203A558DAFF}">
+      <dgm:prSet phldrT="[文本]"/>
+      <dgm:spPr/>
+      <dgm:t>
+        <a:bodyPr/>
+        <a:lstStyle/>
+        <a:p>
+          <a:r>
+            <a:rPr lang="en-US" altLang="zh-CN" dirty="0"/>
+            <a:t>nucleus</a:t>
+          </a:r>
+          <a:endParaRPr lang="zh-CN" altLang="en-US" dirty="0"/>
+        </a:p>
+      </dgm:t>
+    </dgm:pt>
+    <dgm:pt modelId="{AB86D5EA-5B7F-46CB-BA41-BF466B89787E}" type="parTrans" cxnId="{71D2094F-551E-45FB-934C-35BC4F7C20E2}">
+      <dgm:prSet/>
+      <dgm:spPr/>
+      <dgm:t>
+        <a:bodyPr/>
+        <a:lstStyle/>
+        <a:p>
+          <a:endParaRPr lang="zh-CN" altLang="en-US"/>
+        </a:p>
+      </dgm:t>
+    </dgm:pt>
+    <dgm:pt modelId="{DB50916F-0212-46E2-9A33-5BDA09586A23}" type="sibTrans" cxnId="{71D2094F-551E-45FB-934C-35BC4F7C20E2}">
+      <dgm:prSet/>
+      <dgm:spPr/>
+      <dgm:t>
+        <a:bodyPr/>
+        <a:lstStyle/>
+        <a:p>
+          <a:endParaRPr lang="zh-CN" altLang="en-US"/>
+        </a:p>
+      </dgm:t>
+    </dgm:pt>
+    <dgm:pt modelId="{3B572124-754E-4904-A557-E6B47EACC656}">
+      <dgm:prSet phldrT="[文本]"/>
+      <dgm:spPr/>
+      <dgm:t>
+        <a:bodyPr/>
+        <a:lstStyle/>
+        <a:p>
+          <a:r>
+            <a:rPr lang="en-US" altLang="zh-CN" dirty="0"/>
+            <a:t>impact everywhere</a:t>
+          </a:r>
+          <a:endParaRPr lang="zh-CN" altLang="en-US" dirty="0"/>
+        </a:p>
+      </dgm:t>
+    </dgm:pt>
+    <dgm:pt modelId="{2E31BDC2-ECAD-4766-8AC5-8F353ABE9E79}" type="parTrans" cxnId="{E32FAFE9-89C5-41DF-9A97-F048B2F3117C}">
+      <dgm:prSet/>
+      <dgm:spPr/>
+      <dgm:t>
+        <a:bodyPr/>
+        <a:lstStyle/>
+        <a:p>
+          <a:endParaRPr lang="zh-CN" altLang="en-US"/>
+        </a:p>
+      </dgm:t>
+    </dgm:pt>
+    <dgm:pt modelId="{272071C2-B112-4C83-988A-5057283C8F76}" type="sibTrans" cxnId="{E32FAFE9-89C5-41DF-9A97-F048B2F3117C}">
+      <dgm:prSet/>
+      <dgm:spPr/>
+      <dgm:t>
+        <a:bodyPr/>
+        <a:lstStyle/>
+        <a:p>
+          <a:endParaRPr lang="zh-CN" altLang="en-US"/>
+        </a:p>
+      </dgm:t>
+    </dgm:pt>
+    <dgm:pt modelId="{DA40AFA8-38AD-4079-84B1-D6089E0D7136}">
+      <dgm:prSet phldrT="[文本]"/>
+      <dgm:spPr/>
+      <dgm:t>
+        <a:bodyPr/>
+        <a:lstStyle/>
+        <a:p>
+          <a:r>
+            <a:rPr lang="en-US" altLang="zh-CN" dirty="0"/>
+            <a:t>workflow</a:t>
+          </a:r>
+          <a:endParaRPr lang="zh-CN" altLang="en-US" dirty="0"/>
+        </a:p>
+      </dgm:t>
+    </dgm:pt>
+    <dgm:pt modelId="{A41AEA94-857B-425A-A9F9-58F2BD597D3F}" type="parTrans" cxnId="{EA0E6F94-76F7-48C7-B756-9AB0E8835B5C}">
+      <dgm:prSet/>
+      <dgm:spPr/>
+      <dgm:t>
+        <a:bodyPr/>
+        <a:lstStyle/>
+        <a:p>
+          <a:endParaRPr lang="zh-CN" altLang="en-US"/>
+        </a:p>
+      </dgm:t>
+    </dgm:pt>
+    <dgm:pt modelId="{C348F40A-0D09-4C06-8BDB-686F4947F5B2}" type="sibTrans" cxnId="{EA0E6F94-76F7-48C7-B756-9AB0E8835B5C}">
+      <dgm:prSet/>
+      <dgm:spPr/>
+      <dgm:t>
+        <a:bodyPr/>
+        <a:lstStyle/>
+        <a:p>
+          <a:endParaRPr lang="zh-CN" altLang="en-US"/>
+        </a:p>
+      </dgm:t>
+    </dgm:pt>
+    <dgm:pt modelId="{A69B398A-90D9-43EC-805A-BA493DA0921B}">
+      <dgm:prSet phldrT="[文本]"/>
+      <dgm:spPr/>
+      <dgm:t>
+        <a:bodyPr/>
+        <a:lstStyle/>
+        <a:p>
+          <a:r>
+            <a:rPr lang="en-US" altLang="zh-CN" dirty="0"/>
+            <a:t>standard</a:t>
+          </a:r>
+          <a:endParaRPr lang="zh-CN" altLang="en-US" dirty="0"/>
+        </a:p>
+      </dgm:t>
+    </dgm:pt>
+    <dgm:pt modelId="{7E3E485B-449F-4170-82B2-1A0914E807BB}" type="parTrans" cxnId="{1D8F664D-12C9-4D20-8934-E19C06368D0F}">
+      <dgm:prSet/>
+      <dgm:spPr/>
+      <dgm:t>
+        <a:bodyPr/>
+        <a:lstStyle/>
+        <a:p>
+          <a:endParaRPr lang="zh-CN" altLang="en-US"/>
+        </a:p>
+      </dgm:t>
+    </dgm:pt>
+    <dgm:pt modelId="{67048BFC-AF7C-4F45-BED0-8CAFD664B935}" type="sibTrans" cxnId="{1D8F664D-12C9-4D20-8934-E19C06368D0F}">
+      <dgm:prSet/>
+      <dgm:spPr/>
+      <dgm:t>
+        <a:bodyPr/>
+        <a:lstStyle/>
+        <a:p>
+          <a:endParaRPr lang="zh-CN" altLang="en-US"/>
+        </a:p>
+      </dgm:t>
+    </dgm:pt>
+    <dgm:pt modelId="{2304F8AB-28BA-4C2F-A863-B7548A30065F}">
+      <dgm:prSet phldrT="[文本]"/>
+      <dgm:spPr/>
+      <dgm:t>
+        <a:bodyPr/>
+        <a:lstStyle/>
+        <a:p>
+          <a:r>
+            <a:rPr lang="en-US" altLang="zh-CN" dirty="0"/>
+            <a:t>automatic</a:t>
+          </a:r>
+          <a:endParaRPr lang="zh-CN" altLang="en-US" dirty="0"/>
+        </a:p>
+      </dgm:t>
+    </dgm:pt>
+    <dgm:pt modelId="{BD7B094F-F0EC-4F62-BE55-84EDD5D45E84}" type="parTrans" cxnId="{9D9615A7-5B4A-49F4-803D-8991D2740A24}">
+      <dgm:prSet/>
+      <dgm:spPr/>
+      <dgm:t>
+        <a:bodyPr/>
+        <a:lstStyle/>
+        <a:p>
+          <a:endParaRPr lang="zh-CN" altLang="en-US"/>
+        </a:p>
+      </dgm:t>
+    </dgm:pt>
+    <dgm:pt modelId="{5503C3A4-9FB2-4E97-8B67-3FBE25907E19}" type="sibTrans" cxnId="{9D9615A7-5B4A-49F4-803D-8991D2740A24}">
+      <dgm:prSet/>
+      <dgm:spPr/>
+      <dgm:t>
+        <a:bodyPr/>
+        <a:lstStyle/>
+        <a:p>
+          <a:endParaRPr lang="zh-CN" altLang="en-US"/>
+        </a:p>
+      </dgm:t>
+    </dgm:pt>
+    <dgm:pt modelId="{31C8B410-3527-49BA-ACFC-E2CF637FE9C3}">
+      <dgm:prSet phldrT="[文本]"/>
+      <dgm:spPr/>
+      <dgm:t>
+        <a:bodyPr/>
+        <a:lstStyle/>
+        <a:p>
+          <a:r>
+            <a:rPr lang="en-US" altLang="zh-CN" dirty="0"/>
+            <a:t>command</a:t>
+          </a:r>
+          <a:endParaRPr lang="zh-CN" altLang="en-US" dirty="0"/>
+        </a:p>
+      </dgm:t>
+    </dgm:pt>
+    <dgm:pt modelId="{1E81EA85-B4C9-49FB-BD73-C370816388E4}" type="parTrans" cxnId="{C4FB3BE1-48F1-4A83-A8C6-0EB307FA6DA2}">
+      <dgm:prSet/>
+      <dgm:spPr/>
+      <dgm:t>
+        <a:bodyPr/>
+        <a:lstStyle/>
+        <a:p>
+          <a:endParaRPr lang="zh-CN" altLang="en-US"/>
+        </a:p>
+      </dgm:t>
+    </dgm:pt>
+    <dgm:pt modelId="{72DD7A6E-415A-4D2B-A8FB-4B3A301DC3B6}" type="sibTrans" cxnId="{C4FB3BE1-48F1-4A83-A8C6-0EB307FA6DA2}">
+      <dgm:prSet/>
+      <dgm:spPr/>
+      <dgm:t>
+        <a:bodyPr/>
+        <a:lstStyle/>
+        <a:p>
+          <a:endParaRPr lang="zh-CN" altLang="en-US"/>
+        </a:p>
+      </dgm:t>
+    </dgm:pt>
+    <dgm:pt modelId="{30A4AC6C-29A7-4FC2-B11B-51ACD7C07BD3}">
+      <dgm:prSet phldrT="[文本]"/>
+      <dgm:spPr/>
+      <dgm:t>
+        <a:bodyPr/>
+        <a:lstStyle/>
+        <a:p>
+          <a:r>
+            <a:rPr lang="en-US" altLang="zh-CN" dirty="0"/>
+            <a:t>stable</a:t>
+          </a:r>
+          <a:endParaRPr lang="zh-CN" altLang="en-US" dirty="0"/>
+        </a:p>
+      </dgm:t>
+    </dgm:pt>
+    <dgm:pt modelId="{021B84B1-435F-43E0-9BBF-D38CBC6D1CE0}" type="parTrans" cxnId="{9592AC16-830D-4BFC-BFD7-CC12C6D9A80D}">
+      <dgm:prSet/>
+      <dgm:spPr/>
+      <dgm:t>
+        <a:bodyPr/>
+        <a:lstStyle/>
+        <a:p>
+          <a:endParaRPr lang="zh-CN" altLang="en-US"/>
+        </a:p>
+      </dgm:t>
+    </dgm:pt>
+    <dgm:pt modelId="{8EAE603F-C0A3-4110-8072-61EC7F944073}" type="sibTrans" cxnId="{9592AC16-830D-4BFC-BFD7-CC12C6D9A80D}">
+      <dgm:prSet/>
+      <dgm:spPr/>
+      <dgm:t>
+        <a:bodyPr/>
+        <a:lstStyle/>
+        <a:p>
+          <a:endParaRPr lang="zh-CN" altLang="en-US"/>
+        </a:p>
+      </dgm:t>
+    </dgm:pt>
+    <dgm:pt modelId="{82ACCCDD-C894-4307-8F2C-EFE14999C434}">
+      <dgm:prSet phldrT="[文本]"/>
+      <dgm:spPr/>
+      <dgm:t>
+        <a:bodyPr/>
+        <a:lstStyle/>
+        <a:p>
+          <a:r>
+            <a:rPr lang="en-US" altLang="zh-CN" dirty="0"/>
+            <a:t>human friendly</a:t>
+          </a:r>
+          <a:endParaRPr lang="zh-CN" altLang="en-US" dirty="0"/>
+        </a:p>
+      </dgm:t>
+    </dgm:pt>
+    <dgm:pt modelId="{9B355890-D55D-47E0-9B44-7F2589FBE38E}" type="parTrans" cxnId="{FD699C7E-DDEC-4185-8674-2D53E4C1468D}">
+      <dgm:prSet/>
+      <dgm:spPr/>
+      <dgm:t>
+        <a:bodyPr/>
+        <a:lstStyle/>
+        <a:p>
+          <a:endParaRPr lang="zh-CN" altLang="en-US"/>
+        </a:p>
+      </dgm:t>
+    </dgm:pt>
+    <dgm:pt modelId="{8A03372B-94B9-45DF-A8C5-BC09CC287B89}" type="sibTrans" cxnId="{FD699C7E-DDEC-4185-8674-2D53E4C1468D}">
+      <dgm:prSet/>
+      <dgm:spPr/>
+      <dgm:t>
+        <a:bodyPr/>
+        <a:lstStyle/>
+        <a:p>
+          <a:endParaRPr lang="zh-CN" altLang="en-US"/>
+        </a:p>
+      </dgm:t>
+    </dgm:pt>
+    <dgm:pt modelId="{C76804F7-226F-435E-ACB4-C7BFC5026F59}" type="pres">
+      <dgm:prSet presAssocID="{00E2BE69-7E45-4CB0-B246-3EDFB6A2690D}" presName="Name0" presStyleCnt="0">
+        <dgm:presLayoutVars>
+          <dgm:chMax val="7"/>
+          <dgm:dir/>
+          <dgm:animLvl val="lvl"/>
+          <dgm:resizeHandles val="exact"/>
+        </dgm:presLayoutVars>
+      </dgm:prSet>
+      <dgm:spPr/>
+    </dgm:pt>
+    <dgm:pt modelId="{F5AB9597-AC8E-4491-B786-F4545EE2CAE9}" type="pres">
+      <dgm:prSet presAssocID="{DDB5AB82-3615-4B0F-8331-EBEAE5FCECE6}" presName="circle1" presStyleLbl="node1" presStyleIdx="0" presStyleCnt="3"/>
+      <dgm:spPr/>
+    </dgm:pt>
+    <dgm:pt modelId="{467FD71A-EACC-4028-ADEE-CCEC9D827A51}" type="pres">
+      <dgm:prSet presAssocID="{DDB5AB82-3615-4B0F-8331-EBEAE5FCECE6}" presName="space" presStyleCnt="0"/>
+      <dgm:spPr/>
+    </dgm:pt>
+    <dgm:pt modelId="{173DF577-7786-4924-B5AC-3479FF6FF984}" type="pres">
+      <dgm:prSet presAssocID="{DDB5AB82-3615-4B0F-8331-EBEAE5FCECE6}" presName="rect1" presStyleLbl="alignAcc1" presStyleIdx="0" presStyleCnt="3"/>
+      <dgm:spPr/>
+    </dgm:pt>
+    <dgm:pt modelId="{F766D668-FA58-49B0-BDBE-2FC42E695397}" type="pres">
+      <dgm:prSet presAssocID="{DA40AFA8-38AD-4079-84B1-D6089E0D7136}" presName="vertSpace2" presStyleLbl="node1" presStyleIdx="0" presStyleCnt="3"/>
+      <dgm:spPr/>
+    </dgm:pt>
+    <dgm:pt modelId="{CEFFFD73-31FB-4419-B2CC-7DD679F001D8}" type="pres">
+      <dgm:prSet presAssocID="{DA40AFA8-38AD-4079-84B1-D6089E0D7136}" presName="circle2" presStyleLbl="node1" presStyleIdx="1" presStyleCnt="3"/>
+      <dgm:spPr/>
+    </dgm:pt>
+    <dgm:pt modelId="{4B68AB31-7A6E-4398-B5E6-B010B95190FB}" type="pres">
+      <dgm:prSet presAssocID="{DA40AFA8-38AD-4079-84B1-D6089E0D7136}" presName="rect2" presStyleLbl="alignAcc1" presStyleIdx="1" presStyleCnt="3"/>
+      <dgm:spPr/>
+    </dgm:pt>
+    <dgm:pt modelId="{6BC982CF-F9B9-4A90-A148-831422B84B86}" type="pres">
+      <dgm:prSet presAssocID="{31C8B410-3527-49BA-ACFC-E2CF637FE9C3}" presName="vertSpace3" presStyleLbl="node1" presStyleIdx="1" presStyleCnt="3"/>
+      <dgm:spPr/>
+    </dgm:pt>
+    <dgm:pt modelId="{E2E5635C-4628-40FA-B637-0351DD8A812D}" type="pres">
+      <dgm:prSet presAssocID="{31C8B410-3527-49BA-ACFC-E2CF637FE9C3}" presName="circle3" presStyleLbl="node1" presStyleIdx="2" presStyleCnt="3"/>
+      <dgm:spPr/>
+    </dgm:pt>
+    <dgm:pt modelId="{325F10FB-F638-4237-84E8-6D72F626FDEB}" type="pres">
+      <dgm:prSet presAssocID="{31C8B410-3527-49BA-ACFC-E2CF637FE9C3}" presName="rect3" presStyleLbl="alignAcc1" presStyleIdx="2" presStyleCnt="3"/>
+      <dgm:spPr/>
+    </dgm:pt>
+    <dgm:pt modelId="{D1EBEC17-4B57-4121-957E-EC46418CB37D}" type="pres">
+      <dgm:prSet presAssocID="{DDB5AB82-3615-4B0F-8331-EBEAE5FCECE6}" presName="rect1ParTx" presStyleLbl="alignAcc1" presStyleIdx="2" presStyleCnt="3">
+        <dgm:presLayoutVars>
+          <dgm:chMax val="1"/>
+          <dgm:bulletEnabled val="1"/>
+        </dgm:presLayoutVars>
+      </dgm:prSet>
+      <dgm:spPr/>
+    </dgm:pt>
+    <dgm:pt modelId="{62D84FC7-442F-4577-B712-0223A2E69FA4}" type="pres">
+      <dgm:prSet presAssocID="{DDB5AB82-3615-4B0F-8331-EBEAE5FCECE6}" presName="rect1ChTx" presStyleLbl="alignAcc1" presStyleIdx="2" presStyleCnt="3">
+        <dgm:presLayoutVars>
+          <dgm:bulletEnabled val="1"/>
+        </dgm:presLayoutVars>
+      </dgm:prSet>
+      <dgm:spPr/>
+    </dgm:pt>
+    <dgm:pt modelId="{0356BF62-69C8-4424-BEE0-6EBBB4EEB8BD}" type="pres">
+      <dgm:prSet presAssocID="{DA40AFA8-38AD-4079-84B1-D6089E0D7136}" presName="rect2ParTx" presStyleLbl="alignAcc1" presStyleIdx="2" presStyleCnt="3">
+        <dgm:presLayoutVars>
+          <dgm:chMax val="1"/>
+          <dgm:bulletEnabled val="1"/>
+        </dgm:presLayoutVars>
+      </dgm:prSet>
+      <dgm:spPr/>
+    </dgm:pt>
+    <dgm:pt modelId="{83B97690-008A-4CB5-AF96-0C69C2A1B70B}" type="pres">
+      <dgm:prSet presAssocID="{DA40AFA8-38AD-4079-84B1-D6089E0D7136}" presName="rect2ChTx" presStyleLbl="alignAcc1" presStyleIdx="2" presStyleCnt="3">
+        <dgm:presLayoutVars>
+          <dgm:bulletEnabled val="1"/>
+        </dgm:presLayoutVars>
+      </dgm:prSet>
+      <dgm:spPr/>
+    </dgm:pt>
+    <dgm:pt modelId="{307E9DBF-640F-4569-8724-559D50BB77ED}" type="pres">
+      <dgm:prSet presAssocID="{31C8B410-3527-49BA-ACFC-E2CF637FE9C3}" presName="rect3ParTx" presStyleLbl="alignAcc1" presStyleIdx="2" presStyleCnt="3">
+        <dgm:presLayoutVars>
+          <dgm:chMax val="1"/>
+          <dgm:bulletEnabled val="1"/>
+        </dgm:presLayoutVars>
+      </dgm:prSet>
+      <dgm:spPr/>
+    </dgm:pt>
+    <dgm:pt modelId="{6D51AA11-45BC-4BD5-AC98-8A8DED652D0E}" type="pres">
+      <dgm:prSet presAssocID="{31C8B410-3527-49BA-ACFC-E2CF637FE9C3}" presName="rect3ChTx" presStyleLbl="alignAcc1" presStyleIdx="2" presStyleCnt="3">
+        <dgm:presLayoutVars>
+          <dgm:bulletEnabled val="1"/>
+        </dgm:presLayoutVars>
+      </dgm:prSet>
+      <dgm:spPr/>
+    </dgm:pt>
+  </dgm:ptLst>
+  <dgm:cxnLst>
+    <dgm:cxn modelId="{FC7DC107-E73C-4529-957C-40EEB88ED0AB}" type="presOf" srcId="{2304F8AB-28BA-4C2F-A863-B7548A30065F}" destId="{83B97690-008A-4CB5-AF96-0C69C2A1B70B}" srcOrd="0" destOrd="1" presId="urn:microsoft.com/office/officeart/2005/8/layout/target3"/>
+    <dgm:cxn modelId="{03517909-2480-493B-A93B-1E1571AA886A}" type="presOf" srcId="{A69B398A-90D9-43EC-805A-BA493DA0921B}" destId="{83B97690-008A-4CB5-AF96-0C69C2A1B70B}" srcOrd="0" destOrd="0" presId="urn:microsoft.com/office/officeart/2005/8/layout/target3"/>
+    <dgm:cxn modelId="{BDF2B913-024E-4556-8914-06ABD7F26991}" type="presOf" srcId="{82ACCCDD-C894-4307-8F2C-EFE14999C434}" destId="{6D51AA11-45BC-4BD5-AC98-8A8DED652D0E}" srcOrd="0" destOrd="1" presId="urn:microsoft.com/office/officeart/2005/8/layout/target3"/>
+    <dgm:cxn modelId="{9592AC16-830D-4BFC-BFD7-CC12C6D9A80D}" srcId="{31C8B410-3527-49BA-ACFC-E2CF637FE9C3}" destId="{30A4AC6C-29A7-4FC2-B11B-51ACD7C07BD3}" srcOrd="0" destOrd="0" parTransId="{021B84B1-435F-43E0-9BBF-D38CBC6D1CE0}" sibTransId="{8EAE603F-C0A3-4110-8072-61EC7F944073}"/>
+    <dgm:cxn modelId="{ECCF061B-505D-4E58-9A87-CF3FB8AA8198}" type="presOf" srcId="{DA40AFA8-38AD-4079-84B1-D6089E0D7136}" destId="{4B68AB31-7A6E-4398-B5E6-B010B95190FB}" srcOrd="0" destOrd="0" presId="urn:microsoft.com/office/officeart/2005/8/layout/target3"/>
+    <dgm:cxn modelId="{86C8C55C-C1B3-4F1E-B58F-7550DFB6DAB1}" type="presOf" srcId="{30A4AC6C-29A7-4FC2-B11B-51ACD7C07BD3}" destId="{6D51AA11-45BC-4BD5-AC98-8A8DED652D0E}" srcOrd="0" destOrd="0" presId="urn:microsoft.com/office/officeart/2005/8/layout/target3"/>
+    <dgm:cxn modelId="{1D8F664D-12C9-4D20-8934-E19C06368D0F}" srcId="{DA40AFA8-38AD-4079-84B1-D6089E0D7136}" destId="{A69B398A-90D9-43EC-805A-BA493DA0921B}" srcOrd="0" destOrd="0" parTransId="{7E3E485B-449F-4170-82B2-1A0914E807BB}" sibTransId="{67048BFC-AF7C-4F45-BED0-8CAFD664B935}"/>
+    <dgm:cxn modelId="{4D7F504E-9E07-44C5-B7F4-7C1ACEB9436A}" type="presOf" srcId="{DDB5AB82-3615-4B0F-8331-EBEAE5FCECE6}" destId="{D1EBEC17-4B57-4121-957E-EC46418CB37D}" srcOrd="1" destOrd="0" presId="urn:microsoft.com/office/officeart/2005/8/layout/target3"/>
+    <dgm:cxn modelId="{71D2094F-551E-45FB-934C-35BC4F7C20E2}" srcId="{DDB5AB82-3615-4B0F-8331-EBEAE5FCECE6}" destId="{C5C05943-1237-41A5-8F27-1203A558DAFF}" srcOrd="0" destOrd="0" parTransId="{AB86D5EA-5B7F-46CB-BA41-BF466B89787E}" sibTransId="{DB50916F-0212-46E2-9A33-5BDA09586A23}"/>
+    <dgm:cxn modelId="{1A5C7D55-A3F3-407E-AD13-A4293AB80604}" type="presOf" srcId="{DDB5AB82-3615-4B0F-8331-EBEAE5FCECE6}" destId="{173DF577-7786-4924-B5AC-3479FF6FF984}" srcOrd="0" destOrd="0" presId="urn:microsoft.com/office/officeart/2005/8/layout/target3"/>
+    <dgm:cxn modelId="{0DECC277-C1EB-4B17-A4CB-B35803EE3141}" type="presOf" srcId="{DA40AFA8-38AD-4079-84B1-D6089E0D7136}" destId="{0356BF62-69C8-4424-BEE0-6EBBB4EEB8BD}" srcOrd="1" destOrd="0" presId="urn:microsoft.com/office/officeart/2005/8/layout/target3"/>
+    <dgm:cxn modelId="{FD699C7E-DDEC-4185-8674-2D53E4C1468D}" srcId="{31C8B410-3527-49BA-ACFC-E2CF637FE9C3}" destId="{82ACCCDD-C894-4307-8F2C-EFE14999C434}" srcOrd="1" destOrd="0" parTransId="{9B355890-D55D-47E0-9B44-7F2589FBE38E}" sibTransId="{8A03372B-94B9-45DF-A8C5-BC09CC287B89}"/>
+    <dgm:cxn modelId="{EA0E6F94-76F7-48C7-B756-9AB0E8835B5C}" srcId="{00E2BE69-7E45-4CB0-B246-3EDFB6A2690D}" destId="{DA40AFA8-38AD-4079-84B1-D6089E0D7136}" srcOrd="1" destOrd="0" parTransId="{A41AEA94-857B-425A-A9F9-58F2BD597D3F}" sibTransId="{C348F40A-0D09-4C06-8BDB-686F4947F5B2}"/>
+    <dgm:cxn modelId="{DA05AA97-7160-4EDE-A09E-019336D6ED6D}" type="presOf" srcId="{C5C05943-1237-41A5-8F27-1203A558DAFF}" destId="{62D84FC7-442F-4577-B712-0223A2E69FA4}" srcOrd="0" destOrd="0" presId="urn:microsoft.com/office/officeart/2005/8/layout/target3"/>
+    <dgm:cxn modelId="{30C76999-9674-4B58-AC9F-EDF9C0AE6877}" type="presOf" srcId="{31C8B410-3527-49BA-ACFC-E2CF637FE9C3}" destId="{307E9DBF-640F-4569-8724-559D50BB77ED}" srcOrd="1" destOrd="0" presId="urn:microsoft.com/office/officeart/2005/8/layout/target3"/>
+    <dgm:cxn modelId="{9D9615A7-5B4A-49F4-803D-8991D2740A24}" srcId="{DA40AFA8-38AD-4079-84B1-D6089E0D7136}" destId="{2304F8AB-28BA-4C2F-A863-B7548A30065F}" srcOrd="1" destOrd="0" parTransId="{BD7B094F-F0EC-4F62-BE55-84EDD5D45E84}" sibTransId="{5503C3A4-9FB2-4E97-8B67-3FBE25907E19}"/>
+    <dgm:cxn modelId="{10C690D5-A45C-4705-9E42-5EB248EBA6CA}" type="presOf" srcId="{3B572124-754E-4904-A557-E6B47EACC656}" destId="{62D84FC7-442F-4577-B712-0223A2E69FA4}" srcOrd="0" destOrd="1" presId="urn:microsoft.com/office/officeart/2005/8/layout/target3"/>
+    <dgm:cxn modelId="{C4FB3BE1-48F1-4A83-A8C6-0EB307FA6DA2}" srcId="{00E2BE69-7E45-4CB0-B246-3EDFB6A2690D}" destId="{31C8B410-3527-49BA-ACFC-E2CF637FE9C3}" srcOrd="2" destOrd="0" parTransId="{1E81EA85-B4C9-49FB-BD73-C370816388E4}" sibTransId="{72DD7A6E-415A-4D2B-A8FB-4B3A301DC3B6}"/>
+    <dgm:cxn modelId="{F284AAE4-603C-46C5-A653-1B780805EE41}" type="presOf" srcId="{00E2BE69-7E45-4CB0-B246-3EDFB6A2690D}" destId="{C76804F7-226F-435E-ACB4-C7BFC5026F59}" srcOrd="0" destOrd="0" presId="urn:microsoft.com/office/officeart/2005/8/layout/target3"/>
+    <dgm:cxn modelId="{E32FAFE9-89C5-41DF-9A97-F048B2F3117C}" srcId="{DDB5AB82-3615-4B0F-8331-EBEAE5FCECE6}" destId="{3B572124-754E-4904-A557-E6B47EACC656}" srcOrd="1" destOrd="0" parTransId="{2E31BDC2-ECAD-4766-8AC5-8F353ABE9E79}" sibTransId="{272071C2-B112-4C83-988A-5057283C8F76}"/>
+    <dgm:cxn modelId="{E3A396F5-F405-4D7C-A2DC-59B0CEE4F144}" type="presOf" srcId="{31C8B410-3527-49BA-ACFC-E2CF637FE9C3}" destId="{325F10FB-F638-4237-84E8-6D72F626FDEB}" srcOrd="0" destOrd="0" presId="urn:microsoft.com/office/officeart/2005/8/layout/target3"/>
+    <dgm:cxn modelId="{A3AEF3F9-3C2F-4CCB-AE5B-B93F9A9D9196}" srcId="{00E2BE69-7E45-4CB0-B246-3EDFB6A2690D}" destId="{DDB5AB82-3615-4B0F-8331-EBEAE5FCECE6}" srcOrd="0" destOrd="0" parTransId="{81CB5AFA-ED33-4D4B-804C-ADFA720A8C8C}" sibTransId="{505A1170-FC97-45B9-B7E5-82340974143F}"/>
+    <dgm:cxn modelId="{37D300DB-D795-4F61-89D9-D0181FDFDD5E}" type="presParOf" srcId="{C76804F7-226F-435E-ACB4-C7BFC5026F59}" destId="{F5AB9597-AC8E-4491-B786-F4545EE2CAE9}" srcOrd="0" destOrd="0" presId="urn:microsoft.com/office/officeart/2005/8/layout/target3"/>
+    <dgm:cxn modelId="{C1A73044-DEAC-4192-92B1-25091DDBFBA0}" type="presParOf" srcId="{C76804F7-226F-435E-ACB4-C7BFC5026F59}" destId="{467FD71A-EACC-4028-ADEE-CCEC9D827A51}" srcOrd="1" destOrd="0" presId="urn:microsoft.com/office/officeart/2005/8/layout/target3"/>
+    <dgm:cxn modelId="{ED0C582E-BF03-4C5F-8958-FCB1535C4138}" type="presParOf" srcId="{C76804F7-226F-435E-ACB4-C7BFC5026F59}" destId="{173DF577-7786-4924-B5AC-3479FF6FF984}" srcOrd="2" destOrd="0" presId="urn:microsoft.com/office/officeart/2005/8/layout/target3"/>
+    <dgm:cxn modelId="{CB2EE17D-ABB6-4F39-A318-CF0B32FC5CF8}" type="presParOf" srcId="{C76804F7-226F-435E-ACB4-C7BFC5026F59}" destId="{F766D668-FA58-49B0-BDBE-2FC42E695397}" srcOrd="3" destOrd="0" presId="urn:microsoft.com/office/officeart/2005/8/layout/target3"/>
+    <dgm:cxn modelId="{AB8A075E-9671-4AA2-A2C2-032556979275}" type="presParOf" srcId="{C76804F7-226F-435E-ACB4-C7BFC5026F59}" destId="{CEFFFD73-31FB-4419-B2CC-7DD679F001D8}" srcOrd="4" destOrd="0" presId="urn:microsoft.com/office/officeart/2005/8/layout/target3"/>
+    <dgm:cxn modelId="{02B2959D-2592-4ED5-A367-06D2BAC4DF5B}" type="presParOf" srcId="{C76804F7-226F-435E-ACB4-C7BFC5026F59}" destId="{4B68AB31-7A6E-4398-B5E6-B010B95190FB}" srcOrd="5" destOrd="0" presId="urn:microsoft.com/office/officeart/2005/8/layout/target3"/>
+    <dgm:cxn modelId="{95EB9F81-DE9F-42AD-8461-0A950E0FE74A}" type="presParOf" srcId="{C76804F7-226F-435E-ACB4-C7BFC5026F59}" destId="{6BC982CF-F9B9-4A90-A148-831422B84B86}" srcOrd="6" destOrd="0" presId="urn:microsoft.com/office/officeart/2005/8/layout/target3"/>
+    <dgm:cxn modelId="{63B2D078-3BB5-4A3D-A81E-9DC6B3945998}" type="presParOf" srcId="{C76804F7-226F-435E-ACB4-C7BFC5026F59}" destId="{E2E5635C-4628-40FA-B637-0351DD8A812D}" srcOrd="7" destOrd="0" presId="urn:microsoft.com/office/officeart/2005/8/layout/target3"/>
+    <dgm:cxn modelId="{F0A8ECEA-0215-4A84-AEF1-C8EF01124791}" type="presParOf" srcId="{C76804F7-226F-435E-ACB4-C7BFC5026F59}" destId="{325F10FB-F638-4237-84E8-6D72F626FDEB}" srcOrd="8" destOrd="0" presId="urn:microsoft.com/office/officeart/2005/8/layout/target3"/>
+    <dgm:cxn modelId="{4D327EB8-AD02-4CF2-BEC1-60228AD20A53}" type="presParOf" srcId="{C76804F7-226F-435E-ACB4-C7BFC5026F59}" destId="{D1EBEC17-4B57-4121-957E-EC46418CB37D}" srcOrd="9" destOrd="0" presId="urn:microsoft.com/office/officeart/2005/8/layout/target3"/>
+    <dgm:cxn modelId="{BBF012FC-4BC8-4BE0-9C7F-66E5926DE7DE}" type="presParOf" srcId="{C76804F7-226F-435E-ACB4-C7BFC5026F59}" destId="{62D84FC7-442F-4577-B712-0223A2E69FA4}" srcOrd="10" destOrd="0" presId="urn:microsoft.com/office/officeart/2005/8/layout/target3"/>
+    <dgm:cxn modelId="{1FFB2F53-1731-405E-B7FF-305C4843B0B3}" type="presParOf" srcId="{C76804F7-226F-435E-ACB4-C7BFC5026F59}" destId="{0356BF62-69C8-4424-BEE0-6EBBB4EEB8BD}" srcOrd="11" destOrd="0" presId="urn:microsoft.com/office/officeart/2005/8/layout/target3"/>
+    <dgm:cxn modelId="{6804D4C8-2F42-418C-809F-FEB53F4E6732}" type="presParOf" srcId="{C76804F7-226F-435E-ACB4-C7BFC5026F59}" destId="{83B97690-008A-4CB5-AF96-0C69C2A1B70B}" srcOrd="12" destOrd="0" presId="urn:microsoft.com/office/officeart/2005/8/layout/target3"/>
+    <dgm:cxn modelId="{B2DE83DC-E236-414A-9B3F-71DB02B56D0A}" type="presParOf" srcId="{C76804F7-226F-435E-ACB4-C7BFC5026F59}" destId="{307E9DBF-640F-4569-8724-559D50BB77ED}" srcOrd="13" destOrd="0" presId="urn:microsoft.com/office/officeart/2005/8/layout/target3"/>
+    <dgm:cxn modelId="{3611E8A8-2AD6-4B5F-91AD-207AE8EC2E81}" type="presParOf" srcId="{C76804F7-226F-435E-ACB4-C7BFC5026F59}" destId="{6D51AA11-45BC-4BD5-AC98-8A8DED652D0E}" srcOrd="14" destOrd="0" presId="urn:microsoft.com/office/officeart/2005/8/layout/target3"/>
+  </dgm:cxnLst>
+  <dgm:bg/>
+  <dgm:whole/>
+  <dgm:extLst>
+    <a:ext uri="http://schemas.microsoft.com/office/drawing/2008/diagram">
+      <dsp:dataModelExt xmlns:dsp="http://schemas.microsoft.com/office/drawing/2008/diagram" relId="rId6" minVer="http://schemas.openxmlformats.org/drawingml/2006/diagram"/>
+    </a:ext>
+  </dgm:extLst>
+</dgm:dataModel>
+</file>
+
+<file path=ppt/diagrams/data2.xml><?xml version="1.0" encoding="utf-8"?>
 <dgm:dataModel xmlns:dgm="http://schemas.openxmlformats.org/drawingml/2006/diagram" xmlns:a="http://schemas.openxmlformats.org/drawingml/2006/main">
   <dgm:ptLst>
     <dgm:pt modelId="{8F569DB1-092A-40DB-86D4-45EF9801BD27}" type="doc">
@@ -7218,7 +8520,7 @@
 </dgm:dataModel>
 </file>
 
-<file path=ppt/diagrams/data2.xml><?xml version="1.0" encoding="utf-8"?>
+<file path=ppt/diagrams/data3.xml><?xml version="1.0" encoding="utf-8"?>
 <dgm:dataModel xmlns:dgm="http://schemas.openxmlformats.org/drawingml/2006/diagram" xmlns:a="http://schemas.openxmlformats.org/drawingml/2006/main">
   <dgm:ptLst>
     <dgm:pt modelId="{CC84E31C-A1AB-4624-8A72-0D2465326723}" type="doc">
@@ -7753,7 +9055,7 @@
 </dgm:dataModel>
 </file>
 
-<file path=ppt/diagrams/data3.xml><?xml version="1.0" encoding="utf-8"?>
+<file path=ppt/diagrams/data4.xml><?xml version="1.0" encoding="utf-8"?>
 <dgm:dataModel xmlns:dgm="http://schemas.openxmlformats.org/drawingml/2006/diagram" xmlns:a="http://schemas.openxmlformats.org/drawingml/2006/main">
   <dgm:ptLst>
     <dgm:pt modelId="{6275C7D9-2EDF-490A-A8F3-F24B6BD45FA4}" type="doc">
@@ -7997,7 +9299,7 @@
 </dgm:dataModel>
 </file>
 
-<file path=ppt/diagrams/data4.xml><?xml version="1.0" encoding="utf-8"?>
+<file path=ppt/diagrams/data5.xml><?xml version="1.0" encoding="utf-8"?>
 <dgm:dataModel xmlns:dgm="http://schemas.openxmlformats.org/drawingml/2006/diagram" xmlns:a="http://schemas.openxmlformats.org/drawingml/2006/main">
   <dgm:ptLst>
     <dgm:pt modelId="{57B2ACF2-657A-4BF1-9062-7C26D1981DF9}" type="doc">
@@ -8148,7 +9450,7 @@
 </dgm:dataModel>
 </file>
 
-<file path=ppt/diagrams/data5.xml><?xml version="1.0" encoding="utf-8"?>
+<file path=ppt/diagrams/data6.xml><?xml version="1.0" encoding="utf-8"?>
 <dgm:dataModel xmlns:dgm="http://schemas.openxmlformats.org/drawingml/2006/diagram" xmlns:a="http://schemas.openxmlformats.org/drawingml/2006/main">
   <dgm:ptLst>
     <dgm:pt modelId="{F6E19C73-7D1D-44FF-A525-22C5AEFEE763}" type="doc">
@@ -8569,7 +9871,7 @@
 </dgm:dataModel>
 </file>
 
-<file path=ppt/diagrams/data6.xml><?xml version="1.0" encoding="utf-8"?>
+<file path=ppt/diagrams/data7.xml><?xml version="1.0" encoding="utf-8"?>
 <dgm:dataModel xmlns:dgm="http://schemas.openxmlformats.org/drawingml/2006/diagram" xmlns:a="http://schemas.openxmlformats.org/drawingml/2006/main">
   <dgm:ptLst>
     <dgm:pt modelId="{F6E19C73-7D1D-44FF-A525-22C5AEFEE763}" type="doc">
@@ -8990,7 +10292,7 @@
 </dgm:dataModel>
 </file>
 
-<file path=ppt/diagrams/data7.xml><?xml version="1.0" encoding="utf-8"?>
+<file path=ppt/diagrams/data8.xml><?xml version="1.0" encoding="utf-8"?>
 <dgm:dataModel xmlns:dgm="http://schemas.openxmlformats.org/drawingml/2006/diagram" xmlns:a="http://schemas.openxmlformats.org/drawingml/2006/main">
   <dgm:ptLst>
     <dgm:pt modelId="{B4195223-CA09-4F21-9F30-21B34D15A323}" type="doc">
@@ -9985,6 +11287,666 @@
       <dsp:cNvGrpSpPr/>
     </dsp:nvGrpSpPr>
     <dsp:grpSpPr/>
+    <dsp:sp modelId="{F5AB9597-AC8E-4491-B786-F4545EE2CAE9}">
+      <dsp:nvSpPr>
+        <dsp:cNvPr id="0" name=""/>
+        <dsp:cNvSpPr/>
+      </dsp:nvSpPr>
+      <dsp:spPr>
+        <a:xfrm>
+          <a:off x="0" y="270933"/>
+          <a:ext cx="4876800" cy="4876800"/>
+        </a:xfrm>
+        <a:prstGeom prst="pie">
+          <a:avLst>
+            <a:gd name="adj1" fmla="val 5400000"/>
+            <a:gd name="adj2" fmla="val 16200000"/>
+          </a:avLst>
+        </a:prstGeom>
+        <a:solidFill>
+          <a:schemeClr val="lt1">
+            <a:hueOff val="0"/>
+            <a:satOff val="0"/>
+            <a:lumOff val="0"/>
+            <a:alphaOff val="0"/>
+          </a:schemeClr>
+        </a:solidFill>
+        <a:ln w="12700" cap="flat" cmpd="sng" algn="ctr">
+          <a:solidFill>
+            <a:schemeClr val="accent3">
+              <a:shade val="80000"/>
+              <a:hueOff val="0"/>
+              <a:satOff val="0"/>
+              <a:lumOff val="0"/>
+              <a:alphaOff val="0"/>
+            </a:schemeClr>
+          </a:solidFill>
+          <a:prstDash val="solid"/>
+          <a:miter lim="800000"/>
+        </a:ln>
+        <a:effectLst/>
+      </dsp:spPr>
+      <dsp:style>
+        <a:lnRef idx="2">
+          <a:scrgbClr r="0" g="0" b="0"/>
+        </a:lnRef>
+        <a:fillRef idx="1">
+          <a:scrgbClr r="0" g="0" b="0"/>
+        </a:fillRef>
+        <a:effectRef idx="0">
+          <a:scrgbClr r="0" g="0" b="0"/>
+        </a:effectRef>
+        <a:fontRef idx="minor">
+          <a:schemeClr val="lt1"/>
+        </a:fontRef>
+      </dsp:style>
+    </dsp:sp>
+    <dsp:sp modelId="{173DF577-7786-4924-B5AC-3479FF6FF984}">
+      <dsp:nvSpPr>
+        <dsp:cNvPr id="0" name=""/>
+        <dsp:cNvSpPr/>
+      </dsp:nvSpPr>
+      <dsp:spPr>
+        <a:xfrm>
+          <a:off x="2438400" y="270933"/>
+          <a:ext cx="5689599" cy="4876800"/>
+        </a:xfrm>
+        <a:prstGeom prst="rect">
+          <a:avLst/>
+        </a:prstGeom>
+        <a:solidFill>
+          <a:schemeClr val="accent3">
+            <a:alpha val="90000"/>
+            <a:tint val="40000"/>
+            <a:hueOff val="0"/>
+            <a:satOff val="0"/>
+            <a:lumOff val="0"/>
+            <a:alphaOff val="0"/>
+          </a:schemeClr>
+        </a:solidFill>
+        <a:ln w="12700" cap="flat" cmpd="sng" algn="ctr">
+          <a:solidFill>
+            <a:schemeClr val="accent3">
+              <a:hueOff val="0"/>
+              <a:satOff val="0"/>
+              <a:lumOff val="0"/>
+              <a:alphaOff val="0"/>
+            </a:schemeClr>
+          </a:solidFill>
+          <a:prstDash val="solid"/>
+          <a:miter lim="800000"/>
+        </a:ln>
+        <a:effectLst/>
+      </dsp:spPr>
+      <dsp:style>
+        <a:lnRef idx="2">
+          <a:scrgbClr r="0" g="0" b="0"/>
+        </a:lnRef>
+        <a:fillRef idx="1">
+          <a:scrgbClr r="0" g="0" b="0"/>
+        </a:fillRef>
+        <a:effectRef idx="0">
+          <a:scrgbClr r="0" g="0" b="0"/>
+        </a:effectRef>
+        <a:fontRef idx="minor"/>
+      </dsp:style>
+      <dsp:txBody>
+        <a:bodyPr spcFirstLastPara="0" vert="horz" wrap="square" lIns="171450" tIns="171450" rIns="171450" bIns="171450" numCol="1" spcCol="1270" anchor="ctr" anchorCtr="0">
+          <a:noAutofit/>
+        </a:bodyPr>
+        <a:lstStyle/>
+        <a:p>
+          <a:pPr marL="0" lvl="0" indent="0" algn="ctr" defTabSz="2000250">
+            <a:lnSpc>
+              <a:spcPct val="90000"/>
+            </a:lnSpc>
+            <a:spcBef>
+              <a:spcPct val="0"/>
+            </a:spcBef>
+            <a:spcAft>
+              <a:spcPct val="35000"/>
+            </a:spcAft>
+            <a:buNone/>
+          </a:pPr>
+          <a:r>
+            <a:rPr lang="en-US" altLang="zh-CN" sz="4500" kern="1200" dirty="0"/>
+            <a:t>name</a:t>
+          </a:r>
+          <a:endParaRPr lang="zh-CN" altLang="en-US" sz="4500" kern="1200" dirty="0"/>
+        </a:p>
+      </dsp:txBody>
+      <dsp:txXfrm>
+        <a:off x="2438400" y="270933"/>
+        <a:ext cx="2844799" cy="1463043"/>
+      </dsp:txXfrm>
+    </dsp:sp>
+    <dsp:sp modelId="{CEFFFD73-31FB-4419-B2CC-7DD679F001D8}">
+      <dsp:nvSpPr>
+        <dsp:cNvPr id="0" name=""/>
+        <dsp:cNvSpPr/>
+      </dsp:nvSpPr>
+      <dsp:spPr>
+        <a:xfrm>
+          <a:off x="853441" y="1733976"/>
+          <a:ext cx="3169916" cy="3169916"/>
+        </a:xfrm>
+        <a:prstGeom prst="pie">
+          <a:avLst>
+            <a:gd name="adj1" fmla="val 5400000"/>
+            <a:gd name="adj2" fmla="val 16200000"/>
+          </a:avLst>
+        </a:prstGeom>
+        <a:solidFill>
+          <a:schemeClr val="lt1">
+            <a:hueOff val="0"/>
+            <a:satOff val="0"/>
+            <a:lumOff val="0"/>
+            <a:alphaOff val="0"/>
+          </a:schemeClr>
+        </a:solidFill>
+        <a:ln w="12700" cap="flat" cmpd="sng" algn="ctr">
+          <a:solidFill>
+            <a:schemeClr val="accent3">
+              <a:shade val="80000"/>
+              <a:hueOff val="0"/>
+              <a:satOff val="0"/>
+              <a:lumOff val="0"/>
+              <a:alphaOff val="0"/>
+            </a:schemeClr>
+          </a:solidFill>
+          <a:prstDash val="solid"/>
+          <a:miter lim="800000"/>
+        </a:ln>
+        <a:effectLst/>
+      </dsp:spPr>
+      <dsp:style>
+        <a:lnRef idx="2">
+          <a:scrgbClr r="0" g="0" b="0"/>
+        </a:lnRef>
+        <a:fillRef idx="1">
+          <a:scrgbClr r="0" g="0" b="0"/>
+        </a:fillRef>
+        <a:effectRef idx="0">
+          <a:scrgbClr r="0" g="0" b="0"/>
+        </a:effectRef>
+        <a:fontRef idx="minor">
+          <a:schemeClr val="lt1"/>
+        </a:fontRef>
+      </dsp:style>
+    </dsp:sp>
+    <dsp:sp modelId="{4B68AB31-7A6E-4398-B5E6-B010B95190FB}">
+      <dsp:nvSpPr>
+        <dsp:cNvPr id="0" name=""/>
+        <dsp:cNvSpPr/>
+      </dsp:nvSpPr>
+      <dsp:spPr>
+        <a:xfrm>
+          <a:off x="2438400" y="1733976"/>
+          <a:ext cx="5689599" cy="3169916"/>
+        </a:xfrm>
+        <a:prstGeom prst="rect">
+          <a:avLst/>
+        </a:prstGeom>
+        <a:solidFill>
+          <a:schemeClr val="accent3">
+            <a:alpha val="90000"/>
+            <a:tint val="40000"/>
+            <a:hueOff val="0"/>
+            <a:satOff val="0"/>
+            <a:lumOff val="0"/>
+            <a:alphaOff val="0"/>
+          </a:schemeClr>
+        </a:solidFill>
+        <a:ln w="12700" cap="flat" cmpd="sng" algn="ctr">
+          <a:solidFill>
+            <a:schemeClr val="accent3">
+              <a:hueOff val="0"/>
+              <a:satOff val="0"/>
+              <a:lumOff val="0"/>
+              <a:alphaOff val="0"/>
+            </a:schemeClr>
+          </a:solidFill>
+          <a:prstDash val="solid"/>
+          <a:miter lim="800000"/>
+        </a:ln>
+        <a:effectLst/>
+      </dsp:spPr>
+      <dsp:style>
+        <a:lnRef idx="2">
+          <a:scrgbClr r="0" g="0" b="0"/>
+        </a:lnRef>
+        <a:fillRef idx="1">
+          <a:scrgbClr r="0" g="0" b="0"/>
+        </a:fillRef>
+        <a:effectRef idx="0">
+          <a:scrgbClr r="0" g="0" b="0"/>
+        </a:effectRef>
+        <a:fontRef idx="minor"/>
+      </dsp:style>
+      <dsp:txBody>
+        <a:bodyPr spcFirstLastPara="0" vert="horz" wrap="square" lIns="171450" tIns="171450" rIns="171450" bIns="171450" numCol="1" spcCol="1270" anchor="ctr" anchorCtr="0">
+          <a:noAutofit/>
+        </a:bodyPr>
+        <a:lstStyle/>
+        <a:p>
+          <a:pPr marL="0" lvl="0" indent="0" algn="ctr" defTabSz="2000250">
+            <a:lnSpc>
+              <a:spcPct val="90000"/>
+            </a:lnSpc>
+            <a:spcBef>
+              <a:spcPct val="0"/>
+            </a:spcBef>
+            <a:spcAft>
+              <a:spcPct val="35000"/>
+            </a:spcAft>
+            <a:buNone/>
+          </a:pPr>
+          <a:r>
+            <a:rPr lang="en-US" altLang="zh-CN" sz="4500" kern="1200" dirty="0"/>
+            <a:t>workflow</a:t>
+          </a:r>
+          <a:endParaRPr lang="zh-CN" altLang="en-US" sz="4500" kern="1200" dirty="0"/>
+        </a:p>
+      </dsp:txBody>
+      <dsp:txXfrm>
+        <a:off x="2438400" y="1733976"/>
+        <a:ext cx="2844799" cy="1463038"/>
+      </dsp:txXfrm>
+    </dsp:sp>
+    <dsp:sp modelId="{E2E5635C-4628-40FA-B637-0351DD8A812D}">
+      <dsp:nvSpPr>
+        <dsp:cNvPr id="0" name=""/>
+        <dsp:cNvSpPr/>
+      </dsp:nvSpPr>
+      <dsp:spPr>
+        <a:xfrm>
+          <a:off x="1706880" y="3197014"/>
+          <a:ext cx="1463038" cy="1463038"/>
+        </a:xfrm>
+        <a:prstGeom prst="pie">
+          <a:avLst>
+            <a:gd name="adj1" fmla="val 5400000"/>
+            <a:gd name="adj2" fmla="val 16200000"/>
+          </a:avLst>
+        </a:prstGeom>
+        <a:solidFill>
+          <a:schemeClr val="lt1">
+            <a:hueOff val="0"/>
+            <a:satOff val="0"/>
+            <a:lumOff val="0"/>
+            <a:alphaOff val="0"/>
+          </a:schemeClr>
+        </a:solidFill>
+        <a:ln w="12700" cap="flat" cmpd="sng" algn="ctr">
+          <a:solidFill>
+            <a:schemeClr val="accent3">
+              <a:shade val="80000"/>
+              <a:hueOff val="0"/>
+              <a:satOff val="0"/>
+              <a:lumOff val="0"/>
+              <a:alphaOff val="0"/>
+            </a:schemeClr>
+          </a:solidFill>
+          <a:prstDash val="solid"/>
+          <a:miter lim="800000"/>
+        </a:ln>
+        <a:effectLst/>
+      </dsp:spPr>
+      <dsp:style>
+        <a:lnRef idx="2">
+          <a:scrgbClr r="0" g="0" b="0"/>
+        </a:lnRef>
+        <a:fillRef idx="1">
+          <a:scrgbClr r="0" g="0" b="0"/>
+        </a:fillRef>
+        <a:effectRef idx="0">
+          <a:scrgbClr r="0" g="0" b="0"/>
+        </a:effectRef>
+        <a:fontRef idx="minor">
+          <a:schemeClr val="lt1"/>
+        </a:fontRef>
+      </dsp:style>
+    </dsp:sp>
+    <dsp:sp modelId="{325F10FB-F638-4237-84E8-6D72F626FDEB}">
+      <dsp:nvSpPr>
+        <dsp:cNvPr id="0" name=""/>
+        <dsp:cNvSpPr/>
+      </dsp:nvSpPr>
+      <dsp:spPr>
+        <a:xfrm>
+          <a:off x="2438400" y="3197014"/>
+          <a:ext cx="5689599" cy="1463038"/>
+        </a:xfrm>
+        <a:prstGeom prst="rect">
+          <a:avLst/>
+        </a:prstGeom>
+        <a:solidFill>
+          <a:schemeClr val="accent3">
+            <a:alpha val="90000"/>
+            <a:tint val="40000"/>
+            <a:hueOff val="0"/>
+            <a:satOff val="0"/>
+            <a:lumOff val="0"/>
+            <a:alphaOff val="0"/>
+          </a:schemeClr>
+        </a:solidFill>
+        <a:ln w="12700" cap="flat" cmpd="sng" algn="ctr">
+          <a:solidFill>
+            <a:schemeClr val="accent3">
+              <a:hueOff val="0"/>
+              <a:satOff val="0"/>
+              <a:lumOff val="0"/>
+              <a:alphaOff val="0"/>
+            </a:schemeClr>
+          </a:solidFill>
+          <a:prstDash val="solid"/>
+          <a:miter lim="800000"/>
+        </a:ln>
+        <a:effectLst/>
+      </dsp:spPr>
+      <dsp:style>
+        <a:lnRef idx="2">
+          <a:scrgbClr r="0" g="0" b="0"/>
+        </a:lnRef>
+        <a:fillRef idx="1">
+          <a:scrgbClr r="0" g="0" b="0"/>
+        </a:fillRef>
+        <a:effectRef idx="0">
+          <a:scrgbClr r="0" g="0" b="0"/>
+        </a:effectRef>
+        <a:fontRef idx="minor"/>
+      </dsp:style>
+      <dsp:txBody>
+        <a:bodyPr spcFirstLastPara="0" vert="horz" wrap="square" lIns="171450" tIns="171450" rIns="171450" bIns="171450" numCol="1" spcCol="1270" anchor="ctr" anchorCtr="0">
+          <a:noAutofit/>
+        </a:bodyPr>
+        <a:lstStyle/>
+        <a:p>
+          <a:pPr marL="0" lvl="0" indent="0" algn="ctr" defTabSz="2000250">
+            <a:lnSpc>
+              <a:spcPct val="90000"/>
+            </a:lnSpc>
+            <a:spcBef>
+              <a:spcPct val="0"/>
+            </a:spcBef>
+            <a:spcAft>
+              <a:spcPct val="35000"/>
+            </a:spcAft>
+            <a:buNone/>
+          </a:pPr>
+          <a:r>
+            <a:rPr lang="en-US" altLang="zh-CN" sz="4500" kern="1200" dirty="0"/>
+            <a:t>command</a:t>
+          </a:r>
+          <a:endParaRPr lang="zh-CN" altLang="en-US" sz="4500" kern="1200" dirty="0"/>
+        </a:p>
+      </dsp:txBody>
+      <dsp:txXfrm>
+        <a:off x="2438400" y="3197014"/>
+        <a:ext cx="2844799" cy="1463038"/>
+      </dsp:txXfrm>
+    </dsp:sp>
+    <dsp:sp modelId="{62D84FC7-442F-4577-B712-0223A2E69FA4}">
+      <dsp:nvSpPr>
+        <dsp:cNvPr id="0" name=""/>
+        <dsp:cNvSpPr/>
+      </dsp:nvSpPr>
+      <dsp:spPr>
+        <a:xfrm>
+          <a:off x="5283200" y="270933"/>
+          <a:ext cx="2844799" cy="1463043"/>
+        </a:xfrm>
+        <a:prstGeom prst="rect">
+          <a:avLst/>
+        </a:prstGeom>
+        <a:noFill/>
+        <a:ln w="12700" cap="flat" cmpd="sng" algn="ctr">
+          <a:noFill/>
+          <a:prstDash val="solid"/>
+          <a:miter lim="800000"/>
+        </a:ln>
+        <a:effectLst/>
+        <a:sp3d/>
+      </dsp:spPr>
+      <dsp:style>
+        <a:lnRef idx="2">
+          <a:scrgbClr r="0" g="0" b="0"/>
+        </a:lnRef>
+        <a:fillRef idx="1">
+          <a:scrgbClr r="0" g="0" b="0"/>
+        </a:fillRef>
+        <a:effectRef idx="0">
+          <a:scrgbClr r="0" g="0" b="0"/>
+        </a:effectRef>
+        <a:fontRef idx="minor"/>
+      </dsp:style>
+      <dsp:txBody>
+        <a:bodyPr spcFirstLastPara="0" vert="horz" wrap="square" lIns="95250" tIns="95250" rIns="95250" bIns="95250" numCol="1" spcCol="1270" anchor="ctr" anchorCtr="0">
+          <a:noAutofit/>
+        </a:bodyPr>
+        <a:lstStyle/>
+        <a:p>
+          <a:pPr marL="228600" lvl="1" indent="-228600" algn="l" defTabSz="1111250">
+            <a:lnSpc>
+              <a:spcPct val="90000"/>
+            </a:lnSpc>
+            <a:spcBef>
+              <a:spcPct val="0"/>
+            </a:spcBef>
+            <a:spcAft>
+              <a:spcPct val="15000"/>
+            </a:spcAft>
+            <a:buChar char="•"/>
+          </a:pPr>
+          <a:r>
+            <a:rPr lang="en-US" altLang="zh-CN" sz="2500" kern="1200" dirty="0"/>
+            <a:t>nucleus</a:t>
+          </a:r>
+          <a:endParaRPr lang="zh-CN" altLang="en-US" sz="2500" kern="1200" dirty="0"/>
+        </a:p>
+        <a:p>
+          <a:pPr marL="228600" lvl="1" indent="-228600" algn="l" defTabSz="1111250">
+            <a:lnSpc>
+              <a:spcPct val="90000"/>
+            </a:lnSpc>
+            <a:spcBef>
+              <a:spcPct val="0"/>
+            </a:spcBef>
+            <a:spcAft>
+              <a:spcPct val="15000"/>
+            </a:spcAft>
+            <a:buChar char="•"/>
+          </a:pPr>
+          <a:r>
+            <a:rPr lang="en-US" altLang="zh-CN" sz="2500" kern="1200" dirty="0"/>
+            <a:t>impact everywhere</a:t>
+          </a:r>
+          <a:endParaRPr lang="zh-CN" altLang="en-US" sz="2500" kern="1200" dirty="0"/>
+        </a:p>
+      </dsp:txBody>
+      <dsp:txXfrm>
+        <a:off x="5283200" y="270933"/>
+        <a:ext cx="2844799" cy="1463043"/>
+      </dsp:txXfrm>
+    </dsp:sp>
+    <dsp:sp modelId="{83B97690-008A-4CB5-AF96-0C69C2A1B70B}">
+      <dsp:nvSpPr>
+        <dsp:cNvPr id="0" name=""/>
+        <dsp:cNvSpPr/>
+      </dsp:nvSpPr>
+      <dsp:spPr>
+        <a:xfrm>
+          <a:off x="5283200" y="1733976"/>
+          <a:ext cx="2844799" cy="1463038"/>
+        </a:xfrm>
+        <a:prstGeom prst="rect">
+          <a:avLst/>
+        </a:prstGeom>
+        <a:noFill/>
+        <a:ln w="12700" cap="flat" cmpd="sng" algn="ctr">
+          <a:noFill/>
+          <a:prstDash val="solid"/>
+          <a:miter lim="800000"/>
+        </a:ln>
+        <a:effectLst/>
+        <a:sp3d/>
+      </dsp:spPr>
+      <dsp:style>
+        <a:lnRef idx="2">
+          <a:scrgbClr r="0" g="0" b="0"/>
+        </a:lnRef>
+        <a:fillRef idx="1">
+          <a:scrgbClr r="0" g="0" b="0"/>
+        </a:fillRef>
+        <a:effectRef idx="0">
+          <a:scrgbClr r="0" g="0" b="0"/>
+        </a:effectRef>
+        <a:fontRef idx="minor"/>
+      </dsp:style>
+      <dsp:txBody>
+        <a:bodyPr spcFirstLastPara="0" vert="horz" wrap="square" lIns="95250" tIns="95250" rIns="95250" bIns="95250" numCol="1" spcCol="1270" anchor="ctr" anchorCtr="0">
+          <a:noAutofit/>
+        </a:bodyPr>
+        <a:lstStyle/>
+        <a:p>
+          <a:pPr marL="228600" lvl="1" indent="-228600" algn="l" defTabSz="1111250">
+            <a:lnSpc>
+              <a:spcPct val="90000"/>
+            </a:lnSpc>
+            <a:spcBef>
+              <a:spcPct val="0"/>
+            </a:spcBef>
+            <a:spcAft>
+              <a:spcPct val="15000"/>
+            </a:spcAft>
+            <a:buChar char="•"/>
+          </a:pPr>
+          <a:r>
+            <a:rPr lang="en-US" altLang="zh-CN" sz="2500" kern="1200" dirty="0"/>
+            <a:t>standard</a:t>
+          </a:r>
+          <a:endParaRPr lang="zh-CN" altLang="en-US" sz="2500" kern="1200" dirty="0"/>
+        </a:p>
+        <a:p>
+          <a:pPr marL="228600" lvl="1" indent="-228600" algn="l" defTabSz="1111250">
+            <a:lnSpc>
+              <a:spcPct val="90000"/>
+            </a:lnSpc>
+            <a:spcBef>
+              <a:spcPct val="0"/>
+            </a:spcBef>
+            <a:spcAft>
+              <a:spcPct val="15000"/>
+            </a:spcAft>
+            <a:buChar char="•"/>
+          </a:pPr>
+          <a:r>
+            <a:rPr lang="en-US" altLang="zh-CN" sz="2500" kern="1200" dirty="0"/>
+            <a:t>automatic</a:t>
+          </a:r>
+          <a:endParaRPr lang="zh-CN" altLang="en-US" sz="2500" kern="1200" dirty="0"/>
+        </a:p>
+      </dsp:txBody>
+      <dsp:txXfrm>
+        <a:off x="5283200" y="1733976"/>
+        <a:ext cx="2844799" cy="1463038"/>
+      </dsp:txXfrm>
+    </dsp:sp>
+    <dsp:sp modelId="{6D51AA11-45BC-4BD5-AC98-8A8DED652D0E}">
+      <dsp:nvSpPr>
+        <dsp:cNvPr id="0" name=""/>
+        <dsp:cNvSpPr/>
+      </dsp:nvSpPr>
+      <dsp:spPr>
+        <a:xfrm>
+          <a:off x="5283200" y="3197014"/>
+          <a:ext cx="2844799" cy="1463038"/>
+        </a:xfrm>
+        <a:prstGeom prst="rect">
+          <a:avLst/>
+        </a:prstGeom>
+        <a:noFill/>
+        <a:ln w="12700" cap="flat" cmpd="sng" algn="ctr">
+          <a:noFill/>
+          <a:prstDash val="solid"/>
+          <a:miter lim="800000"/>
+        </a:ln>
+        <a:effectLst/>
+        <a:sp3d/>
+      </dsp:spPr>
+      <dsp:style>
+        <a:lnRef idx="2">
+          <a:scrgbClr r="0" g="0" b="0"/>
+        </a:lnRef>
+        <a:fillRef idx="1">
+          <a:scrgbClr r="0" g="0" b="0"/>
+        </a:fillRef>
+        <a:effectRef idx="0">
+          <a:scrgbClr r="0" g="0" b="0"/>
+        </a:effectRef>
+        <a:fontRef idx="minor"/>
+      </dsp:style>
+      <dsp:txBody>
+        <a:bodyPr spcFirstLastPara="0" vert="horz" wrap="square" lIns="95250" tIns="95250" rIns="95250" bIns="95250" numCol="1" spcCol="1270" anchor="ctr" anchorCtr="0">
+          <a:noAutofit/>
+        </a:bodyPr>
+        <a:lstStyle/>
+        <a:p>
+          <a:pPr marL="228600" lvl="1" indent="-228600" algn="l" defTabSz="1111250">
+            <a:lnSpc>
+              <a:spcPct val="90000"/>
+            </a:lnSpc>
+            <a:spcBef>
+              <a:spcPct val="0"/>
+            </a:spcBef>
+            <a:spcAft>
+              <a:spcPct val="15000"/>
+            </a:spcAft>
+            <a:buChar char="•"/>
+          </a:pPr>
+          <a:r>
+            <a:rPr lang="en-US" altLang="zh-CN" sz="2500" kern="1200" dirty="0"/>
+            <a:t>stable</a:t>
+          </a:r>
+          <a:endParaRPr lang="zh-CN" altLang="en-US" sz="2500" kern="1200" dirty="0"/>
+        </a:p>
+        <a:p>
+          <a:pPr marL="228600" lvl="1" indent="-228600" algn="l" defTabSz="1111250">
+            <a:lnSpc>
+              <a:spcPct val="90000"/>
+            </a:lnSpc>
+            <a:spcBef>
+              <a:spcPct val="0"/>
+            </a:spcBef>
+            <a:spcAft>
+              <a:spcPct val="15000"/>
+            </a:spcAft>
+            <a:buChar char="•"/>
+          </a:pPr>
+          <a:r>
+            <a:rPr lang="en-US" altLang="zh-CN" sz="2500" kern="1200" dirty="0"/>
+            <a:t>human friendly</a:t>
+          </a:r>
+          <a:endParaRPr lang="zh-CN" altLang="en-US" sz="2500" kern="1200" dirty="0"/>
+        </a:p>
+      </dsp:txBody>
+      <dsp:txXfrm>
+        <a:off x="5283200" y="3197014"/>
+        <a:ext cx="2844799" cy="1463038"/>
+      </dsp:txXfrm>
+    </dsp:sp>
+  </dsp:spTree>
+</dsp:drawing>
+</file>
+
+<file path=ppt/diagrams/drawing2.xml><?xml version="1.0" encoding="utf-8"?>
+<dsp:drawing xmlns:dgm="http://schemas.openxmlformats.org/drawingml/2006/diagram" xmlns:dsp="http://schemas.microsoft.com/office/drawing/2008/diagram" xmlns:a="http://schemas.openxmlformats.org/drawingml/2006/main">
+  <dsp:spTree>
+    <dsp:nvGrpSpPr>
+      <dsp:cNvPr id="0" name=""/>
+      <dsp:cNvGrpSpPr/>
+    </dsp:nvGrpSpPr>
+    <dsp:grpSpPr/>
     <dsp:sp modelId="{E057A4FC-1BEF-45C1-AA27-4C907D34540E}">
       <dsp:nvSpPr>
         <dsp:cNvPr id="0" name=""/>
@@ -10650,7 +12612,7 @@
 </dsp:drawing>
 </file>
 
-<file path=ppt/diagrams/drawing2.xml><?xml version="1.0" encoding="utf-8"?>
+<file path=ppt/diagrams/drawing3.xml><?xml version="1.0" encoding="utf-8"?>
 <dsp:drawing xmlns:dgm="http://schemas.openxmlformats.org/drawingml/2006/diagram" xmlns:dsp="http://schemas.microsoft.com/office/drawing/2008/diagram" xmlns:a="http://schemas.openxmlformats.org/drawingml/2006/main">
   <dsp:spTree>
     <dsp:nvGrpSpPr>
@@ -11339,7 +13301,7 @@
 </dsp:drawing>
 </file>
 
-<file path=ppt/diagrams/drawing3.xml><?xml version="1.0" encoding="utf-8"?>
+<file path=ppt/diagrams/drawing4.xml><?xml version="1.0" encoding="utf-8"?>
 <dsp:drawing xmlns:dgm="http://schemas.openxmlformats.org/drawingml/2006/diagram" xmlns:dsp="http://schemas.microsoft.com/office/drawing/2008/diagram" xmlns:a="http://schemas.openxmlformats.org/drawingml/2006/main">
   <dsp:spTree>
     <dsp:nvGrpSpPr>
@@ -11792,7 +13754,7 @@
 </dsp:drawing>
 </file>
 
-<file path=ppt/diagrams/drawing4.xml><?xml version="1.0" encoding="utf-8"?>
+<file path=ppt/diagrams/drawing5.xml><?xml version="1.0" encoding="utf-8"?>
 <dsp:drawing xmlns:dgm="http://schemas.openxmlformats.org/drawingml/2006/diagram" xmlns:dsp="http://schemas.microsoft.com/office/drawing/2008/diagram" xmlns:a="http://schemas.openxmlformats.org/drawingml/2006/main">
   <dsp:spTree>
     <dsp:nvGrpSpPr>
@@ -12075,7 +14037,7 @@
 </dsp:drawing>
 </file>
 
-<file path=ppt/diagrams/drawing5.xml><?xml version="1.0" encoding="utf-8"?>
+<file path=ppt/diagrams/drawing6.xml><?xml version="1.0" encoding="utf-8"?>
 <dsp:drawing xmlns:dgm="http://schemas.openxmlformats.org/drawingml/2006/diagram" xmlns:dsp="http://schemas.microsoft.com/office/drawing/2008/diagram" xmlns:a="http://schemas.openxmlformats.org/drawingml/2006/main">
   <dsp:spTree>
     <dsp:nvGrpSpPr>
@@ -12579,7 +14541,7 @@
 </dsp:drawing>
 </file>
 
-<file path=ppt/diagrams/drawing6.xml><?xml version="1.0" encoding="utf-8"?>
+<file path=ppt/diagrams/drawing7.xml><?xml version="1.0" encoding="utf-8"?>
 <dsp:drawing xmlns:dgm="http://schemas.openxmlformats.org/drawingml/2006/diagram" xmlns:dsp="http://schemas.microsoft.com/office/drawing/2008/diagram" xmlns:a="http://schemas.openxmlformats.org/drawingml/2006/main">
   <dsp:spTree>
     <dsp:nvGrpSpPr>
@@ -13083,7 +15045,7 @@
 </dsp:drawing>
 </file>
 
-<file path=ppt/diagrams/drawing7.xml><?xml version="1.0" encoding="utf-8"?>
+<file path=ppt/diagrams/drawing8.xml><?xml version="1.0" encoding="utf-8"?>
 <dsp:drawing xmlns:dgm="http://schemas.openxmlformats.org/drawingml/2006/diagram" xmlns:dsp="http://schemas.microsoft.com/office/drawing/2008/diagram" xmlns:a="http://schemas.openxmlformats.org/drawingml/2006/main">
   <dsp:spTree>
     <dsp:nvGrpSpPr>
@@ -14531,6 +16493,2519 @@
 </file>
 
 <file path=ppt/diagrams/layout1.xml><?xml version="1.0" encoding="utf-8"?>
+<dgm:layoutDef xmlns:dgm="http://schemas.openxmlformats.org/drawingml/2006/diagram" xmlns:a="http://schemas.openxmlformats.org/drawingml/2006/main" uniqueId="urn:microsoft.com/office/officeart/2005/8/layout/target3">
+  <dgm:title val=""/>
+  <dgm:desc val=""/>
+  <dgm:catLst>
+    <dgm:cat type="relationship" pri="11000"/>
+    <dgm:cat type="list" pri="22000"/>
+    <dgm:cat type="convert" pri="4000"/>
+  </dgm:catLst>
+  <dgm:sampData>
+    <dgm:dataModel>
+      <dgm:ptLst>
+        <dgm:pt modelId="0" type="doc"/>
+        <dgm:pt modelId="1">
+          <dgm:prSet phldr="1"/>
+        </dgm:pt>
+        <dgm:pt modelId="11">
+          <dgm:prSet phldr="1"/>
+        </dgm:pt>
+        <dgm:pt modelId="12">
+          <dgm:prSet phldr="1"/>
+        </dgm:pt>
+        <dgm:pt modelId="2">
+          <dgm:prSet phldr="1"/>
+        </dgm:pt>
+        <dgm:pt modelId="21">
+          <dgm:prSet phldr="1"/>
+        </dgm:pt>
+        <dgm:pt modelId="22">
+          <dgm:prSet phldr="1"/>
+        </dgm:pt>
+        <dgm:pt modelId="3">
+          <dgm:prSet phldr="1"/>
+        </dgm:pt>
+        <dgm:pt modelId="31">
+          <dgm:prSet phldr="1"/>
+        </dgm:pt>
+        <dgm:pt modelId="32">
+          <dgm:prSet phldr="1"/>
+        </dgm:pt>
+      </dgm:ptLst>
+      <dgm:cxnLst>
+        <dgm:cxn modelId="4" srcId="0" destId="1" srcOrd="0" destOrd="0"/>
+        <dgm:cxn modelId="5" srcId="0" destId="2" srcOrd="1" destOrd="0"/>
+        <dgm:cxn modelId="6" srcId="0" destId="3" srcOrd="2" destOrd="0"/>
+        <dgm:cxn modelId="41" srcId="1" destId="11" srcOrd="0" destOrd="0"/>
+        <dgm:cxn modelId="42" srcId="1" destId="12" srcOrd="1" destOrd="0"/>
+        <dgm:cxn modelId="51" srcId="2" destId="21" srcOrd="0" destOrd="0"/>
+        <dgm:cxn modelId="52" srcId="2" destId="22" srcOrd="1" destOrd="0"/>
+        <dgm:cxn modelId="61" srcId="3" destId="31" srcOrd="0" destOrd="0"/>
+        <dgm:cxn modelId="62" srcId="3" destId="32" srcOrd="1" destOrd="0"/>
+      </dgm:cxnLst>
+      <dgm:bg/>
+      <dgm:whole/>
+    </dgm:dataModel>
+  </dgm:sampData>
+  <dgm:styleData>
+    <dgm:dataModel>
+      <dgm:ptLst>
+        <dgm:pt modelId="0" type="doc"/>
+        <dgm:pt modelId="1"/>
+        <dgm:pt modelId="11"/>
+        <dgm:pt modelId="12"/>
+        <dgm:pt modelId="2"/>
+        <dgm:pt modelId="21"/>
+        <dgm:pt modelId="22"/>
+        <dgm:pt modelId="3"/>
+        <dgm:pt modelId="31"/>
+        <dgm:pt modelId="32"/>
+      </dgm:ptLst>
+      <dgm:cxnLst>
+        <dgm:cxn modelId="4" srcId="0" destId="1" srcOrd="0" destOrd="0"/>
+        <dgm:cxn modelId="5" srcId="0" destId="2" srcOrd="1" destOrd="0"/>
+        <dgm:cxn modelId="6" srcId="0" destId="3" srcOrd="2" destOrd="0"/>
+        <dgm:cxn modelId="41" srcId="1" destId="11" srcOrd="0" destOrd="0"/>
+        <dgm:cxn modelId="42" srcId="1" destId="12" srcOrd="1" destOrd="0"/>
+        <dgm:cxn modelId="51" srcId="2" destId="21" srcOrd="0" destOrd="0"/>
+        <dgm:cxn modelId="52" srcId="2" destId="22" srcOrd="1" destOrd="0"/>
+        <dgm:cxn modelId="61" srcId="3" destId="31" srcOrd="0" destOrd="0"/>
+        <dgm:cxn modelId="62" srcId="3" destId="32" srcOrd="1" destOrd="0"/>
+      </dgm:cxnLst>
+      <dgm:bg/>
+      <dgm:whole/>
+    </dgm:dataModel>
+  </dgm:styleData>
+  <dgm:clrData>
+    <dgm:dataModel>
+      <dgm:ptLst>
+        <dgm:pt modelId="0" type="doc"/>
+        <dgm:pt modelId="1"/>
+        <dgm:pt modelId="11"/>
+        <dgm:pt modelId="12"/>
+        <dgm:pt modelId="2"/>
+        <dgm:pt modelId="21"/>
+        <dgm:pt modelId="22"/>
+        <dgm:pt modelId="3"/>
+        <dgm:pt modelId="31"/>
+        <dgm:pt modelId="32"/>
+      </dgm:ptLst>
+      <dgm:cxnLst>
+        <dgm:cxn modelId="4" srcId="0" destId="1" srcOrd="0" destOrd="0"/>
+        <dgm:cxn modelId="5" srcId="0" destId="2" srcOrd="1" destOrd="0"/>
+        <dgm:cxn modelId="6" srcId="0" destId="3" srcOrd="2" destOrd="0"/>
+        <dgm:cxn modelId="41" srcId="1" destId="11" srcOrd="0" destOrd="0"/>
+        <dgm:cxn modelId="42" srcId="1" destId="12" srcOrd="1" destOrd="0"/>
+        <dgm:cxn modelId="51" srcId="2" destId="21" srcOrd="0" destOrd="0"/>
+        <dgm:cxn modelId="52" srcId="2" destId="22" srcOrd="1" destOrd="0"/>
+        <dgm:cxn modelId="61" srcId="3" destId="31" srcOrd="0" destOrd="0"/>
+        <dgm:cxn modelId="62" srcId="3" destId="32" srcOrd="1" destOrd="0"/>
+      </dgm:cxnLst>
+      <dgm:bg/>
+      <dgm:whole/>
+    </dgm:dataModel>
+  </dgm:clrData>
+  <dgm:layoutNode name="Name0">
+    <dgm:varLst>
+      <dgm:chMax val="7"/>
+      <dgm:dir/>
+      <dgm:animLvl val="lvl"/>
+      <dgm:resizeHandles val="exact"/>
+    </dgm:varLst>
+    <dgm:alg type="composite"/>
+    <dgm:shape xmlns:r="http://schemas.openxmlformats.org/officeDocument/2006/relationships" r:blip="">
+      <dgm:adjLst/>
+    </dgm:shape>
+    <dgm:presOf/>
+    <dgm:choose name="Name1">
+      <dgm:if name="Name2" func="var" arg="dir" op="equ" val="norm">
+        <dgm:choose name="Name3">
+          <dgm:if name="Name4" axis="ch" ptType="node" func="cnt" op="equ" val="1">
+            <dgm:constrLst>
+              <dgm:constr type="userA" refType="w" fact="0.3"/>
+              <dgm:constr type="w" for="ch" forName="circle1" refType="userA" fact="2"/>
+              <dgm:constr type="h" for="ch" forName="circle1" refType="w" refFor="ch" refForName="circle1" op="equ"/>
+              <dgm:constr type="l" for="ch" forName="circle1"/>
+              <dgm:constr type="ctrY" for="ch" forName="circle1" refType="h" fact="0.5"/>
+              <dgm:constr type="l" for="ch" forName="space" refType="ctrX" refFor="ch" refForName="circle1"/>
+              <dgm:constr type="w" for="ch" forName="space"/>
+              <dgm:constr type="h" for="ch" forName="space" refType="h" refFor="ch" refForName="circle1"/>
+              <dgm:constr type="b" for="ch" forName="space" refType="b" refFor="ch" refForName="circle1"/>
+              <dgm:constr type="l" for="ch" forName="rect1" refType="r" refFor="ch" refForName="space"/>
+              <dgm:constr type="r" for="ch" forName="rect1" refType="w"/>
+              <dgm:constr type="h" for="ch" forName="rect1" refType="h" refFor="ch" refForName="circle1"/>
+              <dgm:constr type="b" for="ch" forName="rect1" refType="b" refFor="ch" refForName="circle1"/>
+              <dgm:constr type="l" for="ch" forName="rect1ParTx" refType="r" refFor="ch" refForName="space"/>
+              <dgm:constr type="w" for="ch" forName="rect1ParTx" refType="w" refFor="ch" refForName="rect1" fact="0.5"/>
+              <dgm:constr type="t" for="ch" forName="rect1ParTx" refType="t" refFor="ch" refForName="rect1"/>
+              <dgm:constr type="b" for="ch" forName="rect1ParTx" refType="b" refFor="ch" refForName="rect1"/>
+              <dgm:constr type="l" for="ch" forName="rect1ChTx" refType="r" refFor="ch" refForName="rect1ParTx"/>
+              <dgm:constr type="w" for="ch" forName="rect1ChTx" refType="w" refFor="ch" refForName="rect1ParTx"/>
+              <dgm:constr type="t" for="ch" forName="rect1ChTx" refType="t" refFor="ch" refForName="rect1ParTx"/>
+              <dgm:constr type="b" for="ch" forName="rect1ChTx" refType="b" refFor="ch" refForName="rect1ParTx"/>
+              <dgm:constr type="l" for="ch" forName="rect1ParTxNoCh" refType="r" refFor="ch" refForName="space"/>
+              <dgm:constr type="w" for="ch" forName="rect1ParTxNoCh" refType="w" refFor="ch" refForName="rect1"/>
+              <dgm:constr type="t" for="ch" forName="rect1ParTxNoCh" refType="t" refFor="ch" refForName="rect1"/>
+              <dgm:constr type="b" for="ch" forName="rect1ParTxNoCh" refType="b" refFor="ch" refForName="rect1"/>
+              <dgm:constr type="primFontSz" for="ch" op="equ" val="65"/>
+              <dgm:constr type="secFontSz" for="ch" op="equ" val="65"/>
+            </dgm:constrLst>
+          </dgm:if>
+          <dgm:if name="Name5" axis="ch" ptType="node" func="cnt" op="equ" val="2">
+            <dgm:constrLst>
+              <dgm:constr type="userA" refType="w" fact="0.3"/>
+              <dgm:constr type="w" for="ch" forName="circle1" refType="userA" fact="2"/>
+              <dgm:constr type="h" for="ch" forName="circle1" refType="w" refFor="ch" refForName="circle1" op="equ"/>
+              <dgm:constr type="l" for="ch" forName="circle1"/>
+              <dgm:constr type="ctrY" for="ch" forName="circle1" refType="h" fact="0.5"/>
+              <dgm:constr type="l" for="ch" forName="space" refType="ctrX" refFor="ch" refForName="circle1"/>
+              <dgm:constr type="w" for="ch" forName="space"/>
+              <dgm:constr type="h" for="ch" forName="space" refType="h" refFor="ch" refForName="circle1"/>
+              <dgm:constr type="b" for="ch" forName="space" refType="b" refFor="ch" refForName="circle1"/>
+              <dgm:constr type="l" for="ch" forName="rect1" refType="r" refFor="ch" refForName="space"/>
+              <dgm:constr type="r" for="ch" forName="rect1" refType="w"/>
+              <dgm:constr type="h" for="ch" forName="rect1" refType="h" refFor="ch" refForName="circle1"/>
+              <dgm:constr type="b" for="ch" forName="rect1" refType="b" refFor="ch" refForName="circle1"/>
+              <dgm:constr type="l" for="ch" forName="vertSpace2"/>
+              <dgm:constr type="w" for="ch" forName="vertSpace2" refType="w"/>
+              <dgm:constr type="h" for="ch" forName="vertSpace2" refType="h" refFor="ch" refForName="circle1" fact="0.05"/>
+              <dgm:constr type="b" for="ch" forName="vertSpace2" refType="b" refFor="ch" refForName="circle1"/>
+              <dgm:constr type="ctrX" for="ch" forName="circle2" refType="l" refFor="ch" refForName="space"/>
+              <dgm:constr type="h" for="ch" forName="circle2" refType="h" refFor="ch" refForName="circle1" fact="0.5"/>
+              <dgm:constr type="hOff" for="ch" forName="circle2" refType="h" refFor="ch" refForName="vertSpace2" fact="-0.5"/>
+              <dgm:constr type="w" for="ch" forName="circle2" refType="h" refFor="ch" refForName="circle2" op="equ"/>
+              <dgm:constr type="wOff" for="ch" forName="circle2" refType="hOff" refFor="ch" refForName="circle2" op="equ"/>
+              <dgm:constr type="b" for="ch" forName="circle2" refType="t" refFor="ch" refForName="vertSpace2"/>
+              <dgm:constr type="l" for="ch" forName="rect2" refType="r" refFor="ch" refForName="space"/>
+              <dgm:constr type="r" for="ch" forName="rect2" refType="w"/>
+              <dgm:constr type="h" for="ch" forName="rect2" refType="h" refFor="ch" refForName="circle2"/>
+              <dgm:constr type="hOff" for="ch" forName="rect2" refType="hOff" refFor="ch" refForName="circle2"/>
+              <dgm:constr type="b" for="ch" forName="rect2" refType="b" refFor="ch" refForName="circle2"/>
+              <dgm:constr type="l" for="ch" forName="rect2ParTx" refType="r" refFor="ch" refForName="space"/>
+              <dgm:constr type="w" for="ch" forName="rect2ParTx" refType="w" refFor="ch" refForName="rect2" fact="0.5"/>
+              <dgm:constr type="t" for="ch" forName="rect2ParTx" refType="t" refFor="ch" refForName="rect2"/>
+              <dgm:constr type="b" for="ch" forName="rect2ParTx" refType="b" refFor="ch" refForName="rect2"/>
+              <dgm:constr type="l" for="ch" forName="rect2ChTx" refType="r" refFor="ch" refForName="rect2ParTx"/>
+              <dgm:constr type="w" for="ch" forName="rect2ChTx" refType="w" refFor="ch" refForName="rect2ParTx"/>
+              <dgm:constr type="t" for="ch" forName="rect2ChTx" refType="t" refFor="ch" refForName="rect2ParTx"/>
+              <dgm:constr type="b" for="ch" forName="rect2ChTx" refType="b" refFor="ch" refForName="rect2ParTx"/>
+              <dgm:constr type="l" for="ch" forName="rect2ParTxNoCh" refType="r" refFor="ch" refForName="space"/>
+              <dgm:constr type="w" for="ch" forName="rect2ParTxNoCh" refType="w" refFor="ch" refForName="rect2"/>
+              <dgm:constr type="t" for="ch" forName="rect2ParTxNoCh" refType="t" refFor="ch" refForName="rect2"/>
+              <dgm:constr type="b" for="ch" forName="rect2ParTxNoCh" refType="b" refFor="ch" refForName="rect2"/>
+              <dgm:constr type="l" for="ch" forName="rect1ParTx" refType="r" refFor="ch" refForName="space"/>
+              <dgm:constr type="w" for="ch" forName="rect1ParTx" refType="w" refFor="ch" refForName="rect1" fact="0.5"/>
+              <dgm:constr type="t" for="ch" forName="rect1ParTx" refType="t" refFor="ch" refForName="rect1"/>
+              <dgm:constr type="b" for="ch" forName="rect1ParTx" refType="t" refFor="ch" refForName="rect2"/>
+              <dgm:constr type="l" for="ch" forName="rect1ChTx" refType="r" refFor="ch" refForName="rect1ParTx"/>
+              <dgm:constr type="w" for="ch" forName="rect1ChTx" refType="w" refFor="ch" refForName="rect1ParTx"/>
+              <dgm:constr type="t" for="ch" forName="rect1ChTx" refType="t" refFor="ch" refForName="rect1ParTx"/>
+              <dgm:constr type="b" for="ch" forName="rect1ChTx" refType="b" refFor="ch" refForName="rect1ParTx"/>
+              <dgm:constr type="l" for="ch" forName="rect1ParTxNoCh" refType="r" refFor="ch" refForName="space"/>
+              <dgm:constr type="w" for="ch" forName="rect1ParTxNoCh" refType="w" refFor="ch" refForName="rect1"/>
+              <dgm:constr type="t" for="ch" forName="rect1ParTxNoCh" refType="t" refFor="ch" refForName="rect1"/>
+              <dgm:constr type="b" for="ch" forName="rect1ParTxNoCh" refType="t" refFor="ch" refForName="rect2"/>
+              <dgm:constr type="primFontSz" for="ch" op="equ" val="65"/>
+              <dgm:constr type="secFontSz" for="ch" op="equ" val="65"/>
+            </dgm:constrLst>
+          </dgm:if>
+          <dgm:if name="Name6" axis="ch" ptType="node" func="cnt" op="equ" val="3">
+            <dgm:constrLst>
+              <dgm:constr type="userA" refType="w" fact="0.3"/>
+              <dgm:constr type="w" for="ch" forName="circle1" refType="userA" fact="2"/>
+              <dgm:constr type="h" for="ch" forName="circle1" refType="w" refFor="ch" refForName="circle1" op="equ"/>
+              <dgm:constr type="l" for="ch" forName="circle1"/>
+              <dgm:constr type="ctrY" for="ch" forName="circle1" refType="h" fact="0.5"/>
+              <dgm:constr type="l" for="ch" forName="space" refType="ctrX" refFor="ch" refForName="circle1"/>
+              <dgm:constr type="w" for="ch" forName="space"/>
+              <dgm:constr type="h" for="ch" forName="space" refType="h" refFor="ch" refForName="circle1"/>
+              <dgm:constr type="b" for="ch" forName="space" refType="b" refFor="ch" refForName="circle1"/>
+              <dgm:constr type="l" for="ch" forName="rect1" refType="r" refFor="ch" refForName="space"/>
+              <dgm:constr type="r" for="ch" forName="rect1" refType="w"/>
+              <dgm:constr type="h" for="ch" forName="rect1" refType="h" refFor="ch" refForName="circle1"/>
+              <dgm:constr type="b" for="ch" forName="rect1" refType="b" refFor="ch" refForName="circle1"/>
+              <dgm:constr type="l" for="ch" forName="vertSpace2"/>
+              <dgm:constr type="w" for="ch" forName="vertSpace2" refType="w"/>
+              <dgm:constr type="h" for="ch" forName="vertSpace2" refType="h" refFor="ch" refForName="circle1" fact="0.05"/>
+              <dgm:constr type="b" for="ch" forName="vertSpace2" refType="b" refFor="ch" refForName="circle1"/>
+              <dgm:constr type="ctrX" for="ch" forName="circle2" refType="l" refFor="ch" refForName="space"/>
+              <dgm:constr type="h" for="ch" forName="circle2" refType="h" refFor="ch" refForName="circle1" fact="0.66667"/>
+              <dgm:constr type="hOff" for="ch" forName="circle2" refType="h" refFor="ch" refForName="vertSpace2" fact="-0.33333"/>
+              <dgm:constr type="w" for="ch" forName="circle2" refType="h" refFor="ch" refForName="circle2" op="equ"/>
+              <dgm:constr type="wOff" for="ch" forName="circle2" refType="hOff" refFor="ch" refForName="circle2" op="equ"/>
+              <dgm:constr type="b" for="ch" forName="circle2" refType="t" refFor="ch" refForName="vertSpace2"/>
+              <dgm:constr type="l" for="ch" forName="rect2" refType="r" refFor="ch" refForName="space"/>
+              <dgm:constr type="r" for="ch" forName="rect2" refType="w"/>
+              <dgm:constr type="h" for="ch" forName="rect2" refType="h" refFor="ch" refForName="circle2"/>
+              <dgm:constr type="hOff" for="ch" forName="rect2" refType="hOff" refFor="ch" refForName="circle2"/>
+              <dgm:constr type="b" for="ch" forName="rect2" refType="b" refFor="ch" refForName="circle2"/>
+              <dgm:constr type="l" for="ch" forName="vertSpace3"/>
+              <dgm:constr type="w" for="ch" forName="vertSpace3" refType="w"/>
+              <dgm:constr type="h" for="ch" forName="vertSpace3" refType="h" refFor="ch" refForName="vertSpace2"/>
+              <dgm:constr type="b" for="ch" forName="vertSpace3" refType="t" refFor="ch" refForName="vertSpace2"/>
+              <dgm:constr type="ctrX" for="ch" forName="circle3" refType="l" refFor="ch" refForName="space"/>
+              <dgm:constr type="h" for="ch" forName="circle3" refType="h" refFor="ch" refForName="circle1" fact="0.33333"/>
+              <dgm:constr type="hOff" for="ch" forName="circle3" refType="h" refFor="ch" refForName="vertSpace2" fact="-0.66667"/>
+              <dgm:constr type="w" for="ch" forName="circle3" refType="h" refFor="ch" refForName="circle3" op="equ"/>
+              <dgm:constr type="wOff" for="ch" forName="circle3" refType="hOff" refFor="ch" refForName="circle3" op="equ"/>
+              <dgm:constr type="b" for="ch" forName="circle3" refType="t" refFor="ch" refForName="vertSpace3"/>
+              <dgm:constr type="l" for="ch" forName="rect3" refType="r" refFor="ch" refForName="space"/>
+              <dgm:constr type="r" for="ch" forName="rect3" refType="w"/>
+              <dgm:constr type="h" for="ch" forName="rect3" refType="h" refFor="ch" refForName="circle3"/>
+              <dgm:constr type="hOff" for="ch" forName="rect3" refType="hOff" refFor="ch" refForName="circle3"/>
+              <dgm:constr type="b" for="ch" forName="rect3" refType="b" refFor="ch" refForName="circle3"/>
+              <dgm:constr type="l" for="ch" forName="rect3ParTx" refType="r" refFor="ch" refForName="space"/>
+              <dgm:constr type="w" for="ch" forName="rect3ParTx" refType="w" refFor="ch" refForName="rect3" fact="0.5"/>
+              <dgm:constr type="t" for="ch" forName="rect3ParTx" refType="t" refFor="ch" refForName="rect3"/>
+              <dgm:constr type="b" for="ch" forName="rect3ParTx" refType="b" refFor="ch" refForName="rect3"/>
+              <dgm:constr type="l" for="ch" forName="rect3ChTx" refType="r" refFor="ch" refForName="rect3ParTx"/>
+              <dgm:constr type="w" for="ch" forName="rect3ChTx" refType="w" refFor="ch" refForName="rect3ParTx"/>
+              <dgm:constr type="t" for="ch" forName="rect3ChTx" refType="t" refFor="ch" refForName="rect3ParTx"/>
+              <dgm:constr type="b" for="ch" forName="rect3ChTx" refType="b" refFor="ch" refForName="rect3ParTx"/>
+              <dgm:constr type="l" for="ch" forName="rect3ParTxNoCh" refType="r" refFor="ch" refForName="space"/>
+              <dgm:constr type="w" for="ch" forName="rect3ParTxNoCh" refType="w" refFor="ch" refForName="rect3"/>
+              <dgm:constr type="t" for="ch" forName="rect3ParTxNoCh" refType="t" refFor="ch" refForName="rect3"/>
+              <dgm:constr type="b" for="ch" forName="rect3ParTxNoCh" refType="b" refFor="ch" refForName="rect3"/>
+              <dgm:constr type="l" for="ch" forName="rect1ParTx" refType="r" refFor="ch" refForName="space"/>
+              <dgm:constr type="w" for="ch" forName="rect1ParTx" refType="w" refFor="ch" refForName="rect1" fact="0.5"/>
+              <dgm:constr type="t" for="ch" forName="rect1ParTx" refType="t" refFor="ch" refForName="rect1"/>
+              <dgm:constr type="b" for="ch" forName="rect1ParTx" refType="t" refFor="ch" refForName="rect2"/>
+              <dgm:constr type="l" for="ch" forName="rect1ChTx" refType="r" refFor="ch" refForName="rect1ParTx"/>
+              <dgm:constr type="w" for="ch" forName="rect1ChTx" refType="w" refFor="ch" refForName="rect1ParTx"/>
+              <dgm:constr type="t" for="ch" forName="rect1ChTx" refType="t" refFor="ch" refForName="rect1ParTx"/>
+              <dgm:constr type="b" for="ch" forName="rect1ChTx" refType="b" refFor="ch" refForName="rect1ParTx"/>
+              <dgm:constr type="l" for="ch" forName="rect1ParTxNoCh" refType="r" refFor="ch" refForName="space"/>
+              <dgm:constr type="w" for="ch" forName="rect1ParTxNoCh" refType="w" refFor="ch" refForName="rect1"/>
+              <dgm:constr type="t" for="ch" forName="rect1ParTxNoCh" refType="t" refFor="ch" refForName="rect1"/>
+              <dgm:constr type="b" for="ch" forName="rect1ParTxNoCh" refType="t" refFor="ch" refForName="rect2"/>
+              <dgm:constr type="l" for="ch" forName="rect2ParTx" refType="r" refFor="ch" refForName="space"/>
+              <dgm:constr type="w" for="ch" forName="rect2ParTx" refType="w" refFor="ch" refForName="rect2" fact="0.5"/>
+              <dgm:constr type="t" for="ch" forName="rect2ParTx" refType="t" refFor="ch" refForName="rect2"/>
+              <dgm:constr type="b" for="ch" forName="rect2ParTx" refType="t" refFor="ch" refForName="rect3"/>
+              <dgm:constr type="l" for="ch" forName="rect2ChTx" refType="r" refFor="ch" refForName="rect2ParTx"/>
+              <dgm:constr type="w" for="ch" forName="rect2ChTx" refType="w" refFor="ch" refForName="rect2ParTx"/>
+              <dgm:constr type="t" for="ch" forName="rect2ChTx" refType="t" refFor="ch" refForName="rect2ParTx"/>
+              <dgm:constr type="b" for="ch" forName="rect2ChTx" refType="b" refFor="ch" refForName="rect2ParTx"/>
+              <dgm:constr type="l" for="ch" forName="rect2ParTxNoCh" refType="r" refFor="ch" refForName="space"/>
+              <dgm:constr type="w" for="ch" forName="rect2ParTxNoCh" refType="w" refFor="ch" refForName="rect2"/>
+              <dgm:constr type="t" for="ch" forName="rect2ParTxNoCh" refType="t" refFor="ch" refForName="rect2"/>
+              <dgm:constr type="b" for="ch" forName="rect2ParTxNoCh" refType="t" refFor="ch" refForName="rect3"/>
+              <dgm:constr type="primFontSz" for="ch" op="equ" val="65"/>
+              <dgm:constr type="secFontSz" for="ch" op="equ" val="65"/>
+            </dgm:constrLst>
+          </dgm:if>
+          <dgm:if name="Name7" axis="ch" ptType="node" func="cnt" op="equ" val="4">
+            <dgm:constrLst>
+              <dgm:constr type="userA" refType="w" fact="0.3"/>
+              <dgm:constr type="w" for="ch" forName="circle1" refType="userA" fact="2"/>
+              <dgm:constr type="h" for="ch" forName="circle1" refType="w" refFor="ch" refForName="circle1" op="equ"/>
+              <dgm:constr type="l" for="ch" forName="circle1"/>
+              <dgm:constr type="ctrY" for="ch" forName="circle1" refType="h" fact="0.5"/>
+              <dgm:constr type="l" for="ch" forName="space" refType="ctrX" refFor="ch" refForName="circle1"/>
+              <dgm:constr type="w" for="ch" forName="space"/>
+              <dgm:constr type="h" for="ch" forName="space" refType="h" refFor="ch" refForName="circle1"/>
+              <dgm:constr type="b" for="ch" forName="space" refType="b" refFor="ch" refForName="circle1"/>
+              <dgm:constr type="l" for="ch" forName="rect1" refType="r" refFor="ch" refForName="space"/>
+              <dgm:constr type="r" for="ch" forName="rect1" refType="w"/>
+              <dgm:constr type="h" for="ch" forName="rect1" refType="h" refFor="ch" refForName="circle1"/>
+              <dgm:constr type="b" for="ch" forName="rect1" refType="b" refFor="ch" refForName="circle1"/>
+              <dgm:constr type="l" for="ch" forName="vertSpace2"/>
+              <dgm:constr type="w" for="ch" forName="vertSpace2" refType="w"/>
+              <dgm:constr type="h" for="ch" forName="vertSpace2" refType="h" refFor="ch" refForName="circle1" fact="0.05"/>
+              <dgm:constr type="b" for="ch" forName="vertSpace2" refType="b" refFor="ch" refForName="circle1"/>
+              <dgm:constr type="ctrX" for="ch" forName="circle2" refType="l" refFor="ch" refForName="space"/>
+              <dgm:constr type="h" for="ch" forName="circle2" refType="h" refFor="ch" refForName="circle1" fact="0.75"/>
+              <dgm:constr type="hOff" for="ch" forName="circle2" refType="h" refFor="ch" refForName="vertSpace2" fact="-0.25"/>
+              <dgm:constr type="w" for="ch" forName="circle2" refType="h" refFor="ch" refForName="circle2" op="equ"/>
+              <dgm:constr type="wOff" for="ch" forName="circle2" refType="hOff" refFor="ch" refForName="circle2" op="equ"/>
+              <dgm:constr type="b" for="ch" forName="circle2" refType="t" refFor="ch" refForName="vertSpace2"/>
+              <dgm:constr type="l" for="ch" forName="rect2" refType="r" refFor="ch" refForName="space"/>
+              <dgm:constr type="r" for="ch" forName="rect2" refType="w"/>
+              <dgm:constr type="h" for="ch" forName="rect2" refType="h" refFor="ch" refForName="circle2"/>
+              <dgm:constr type="hOff" for="ch" forName="rect2" refType="hOff" refFor="ch" refForName="circle2"/>
+              <dgm:constr type="b" for="ch" forName="rect2" refType="b" refFor="ch" refForName="circle2"/>
+              <dgm:constr type="l" for="ch" forName="vertSpace3"/>
+              <dgm:constr type="w" for="ch" forName="vertSpace3" refType="w"/>
+              <dgm:constr type="h" for="ch" forName="vertSpace3" refType="h" refFor="ch" refForName="vertSpace2"/>
+              <dgm:constr type="b" for="ch" forName="vertSpace3" refType="t" refFor="ch" refForName="vertSpace2"/>
+              <dgm:constr type="ctrX" for="ch" forName="circle3" refType="l" refFor="ch" refForName="space"/>
+              <dgm:constr type="h" for="ch" forName="circle3" refType="h" refFor="ch" refForName="circle1" fact="0.5"/>
+              <dgm:constr type="hOff" for="ch" forName="circle3" refType="h" refFor="ch" refForName="vertSpace2" fact="-0.5"/>
+              <dgm:constr type="w" for="ch" forName="circle3" refType="h" refFor="ch" refForName="circle3" op="equ"/>
+              <dgm:constr type="wOff" for="ch" forName="circle3" refType="hOff" refFor="ch" refForName="circle3" op="equ"/>
+              <dgm:constr type="b" for="ch" forName="circle3" refType="t" refFor="ch" refForName="vertSpace3"/>
+              <dgm:constr type="l" for="ch" forName="rect3" refType="r" refFor="ch" refForName="space"/>
+              <dgm:constr type="r" for="ch" forName="rect3" refType="w"/>
+              <dgm:constr type="h" for="ch" forName="rect3" refType="h" refFor="ch" refForName="circle3"/>
+              <dgm:constr type="hOff" for="ch" forName="rect3" refType="hOff" refFor="ch" refForName="circle3"/>
+              <dgm:constr type="b" for="ch" forName="rect3" refType="b" refFor="ch" refForName="circle3"/>
+              <dgm:constr type="l" for="ch" forName="vertSpace4"/>
+              <dgm:constr type="w" for="ch" forName="vertSpace4" refType="w"/>
+              <dgm:constr type="h" for="ch" forName="vertSpace4" refType="h" refFor="ch" refForName="vertSpace3"/>
+              <dgm:constr type="b" for="ch" forName="vertSpace4" refType="t" refFor="ch" refForName="vertSpace3"/>
+              <dgm:constr type="ctrX" for="ch" forName="circle4" refType="l" refFor="ch" refForName="space"/>
+              <dgm:constr type="h" for="ch" forName="circle4" refType="h" refFor="ch" refForName="circle1" fact="0.25"/>
+              <dgm:constr type="hOff" for="ch" forName="circle4" refType="h" refFor="ch" refForName="vertSpace2" fact="-0.75"/>
+              <dgm:constr type="w" for="ch" forName="circle4" refType="h" refFor="ch" refForName="circle4" op="equ"/>
+              <dgm:constr type="wOff" for="ch" forName="circle4" refType="hOff" refFor="ch" refForName="circle4" op="equ"/>
+              <dgm:constr type="b" for="ch" forName="circle4" refType="t" refFor="ch" refForName="vertSpace4"/>
+              <dgm:constr type="l" for="ch" forName="rect4" refType="r" refFor="ch" refForName="space"/>
+              <dgm:constr type="r" for="ch" forName="rect4" refType="w"/>
+              <dgm:constr type="h" for="ch" forName="rect4" refType="h" refFor="ch" refForName="circle4"/>
+              <dgm:constr type="hOff" for="ch" forName="rect4" refType="hOff" refFor="ch" refForName="circle4"/>
+              <dgm:constr type="b" for="ch" forName="rect4" refType="b" refFor="ch" refForName="circle4"/>
+              <dgm:constr type="l" for="ch" forName="rect4ParTx" refType="r" refFor="ch" refForName="space"/>
+              <dgm:constr type="w" for="ch" forName="rect4ParTx" refType="w" refFor="ch" refForName="rect4" fact="0.5"/>
+              <dgm:constr type="t" for="ch" forName="rect4ParTx" refType="t" refFor="ch" refForName="rect4"/>
+              <dgm:constr type="b" for="ch" forName="rect4ParTx" refType="b" refFor="ch" refForName="rect4"/>
+              <dgm:constr type="l" for="ch" forName="rect4ChTx" refType="r" refFor="ch" refForName="rect4ParTx"/>
+              <dgm:constr type="w" for="ch" forName="rect4ChTx" refType="w" refFor="ch" refForName="rect4ParTx"/>
+              <dgm:constr type="t" for="ch" forName="rect4ChTx" refType="t" refFor="ch" refForName="rect4ParTx"/>
+              <dgm:constr type="b" for="ch" forName="rect4ChTx" refType="b" refFor="ch" refForName="rect4ParTx"/>
+              <dgm:constr type="l" for="ch" forName="rect4ParTxNoCh" refType="r" refFor="ch" refForName="space"/>
+              <dgm:constr type="w" for="ch" forName="rect4ParTxNoCh" refType="w" refFor="ch" refForName="rect4"/>
+              <dgm:constr type="t" for="ch" forName="rect4ParTxNoCh" refType="t" refFor="ch" refForName="rect4"/>
+              <dgm:constr type="b" for="ch" forName="rect4ParTxNoCh" refType="b" refFor="ch" refForName="rect4"/>
+              <dgm:constr type="l" for="ch" forName="rect1ParTx" refType="r" refFor="ch" refForName="space"/>
+              <dgm:constr type="w" for="ch" forName="rect1ParTx" refType="w" refFor="ch" refForName="rect1" fact="0.5"/>
+              <dgm:constr type="t" for="ch" forName="rect1ParTx" refType="t" refFor="ch" refForName="rect1"/>
+              <dgm:constr type="b" for="ch" forName="rect1ParTx" refType="t" refFor="ch" refForName="rect2"/>
+              <dgm:constr type="l" for="ch" forName="rect1ChTx" refType="r" refFor="ch" refForName="rect1ParTx"/>
+              <dgm:constr type="w" for="ch" forName="rect1ChTx" refType="w" refFor="ch" refForName="rect1ParTx"/>
+              <dgm:constr type="t" for="ch" forName="rect1ChTx" refType="t" refFor="ch" refForName="rect1ParTx"/>
+              <dgm:constr type="b" for="ch" forName="rect1ChTx" refType="b" refFor="ch" refForName="rect1ParTx"/>
+              <dgm:constr type="l" for="ch" forName="rect1ParTxNoCh" refType="r" refFor="ch" refForName="space"/>
+              <dgm:constr type="w" for="ch" forName="rect1ParTxNoCh" refType="w" refFor="ch" refForName="rect1"/>
+              <dgm:constr type="t" for="ch" forName="rect1ParTxNoCh" refType="t" refFor="ch" refForName="rect1"/>
+              <dgm:constr type="b" for="ch" forName="rect1ParTxNoCh" refType="t" refFor="ch" refForName="rect2"/>
+              <dgm:constr type="l" for="ch" forName="rect2ParTx" refType="r" refFor="ch" refForName="space"/>
+              <dgm:constr type="w" for="ch" forName="rect2ParTx" refType="w" refFor="ch" refForName="rect2" fact="0.5"/>
+              <dgm:constr type="t" for="ch" forName="rect2ParTx" refType="t" refFor="ch" refForName="rect2"/>
+              <dgm:constr type="b" for="ch" forName="rect2ParTx" refType="t" refFor="ch" refForName="rect3"/>
+              <dgm:constr type="l" for="ch" forName="rect2ChTx" refType="r" refFor="ch" refForName="rect2ParTx"/>
+              <dgm:constr type="w" for="ch" forName="rect2ChTx" refType="w" refFor="ch" refForName="rect2ParTx"/>
+              <dgm:constr type="t" for="ch" forName="rect2ChTx" refType="t" refFor="ch" refForName="rect2ParTx"/>
+              <dgm:constr type="b" for="ch" forName="rect2ChTx" refType="b" refFor="ch" refForName="rect2ParTx"/>
+              <dgm:constr type="l" for="ch" forName="rect2ParTxNoCh" refType="r" refFor="ch" refForName="space"/>
+              <dgm:constr type="w" for="ch" forName="rect2ParTxNoCh" refType="w" refFor="ch" refForName="rect2"/>
+              <dgm:constr type="t" for="ch" forName="rect2ParTxNoCh" refType="t" refFor="ch" refForName="rect2"/>
+              <dgm:constr type="b" for="ch" forName="rect2ParTxNoCh" refType="t" refFor="ch" refForName="rect3"/>
+              <dgm:constr type="l" for="ch" forName="rect3ParTx" refType="r" refFor="ch" refForName="space"/>
+              <dgm:constr type="w" for="ch" forName="rect3ParTx" refType="w" refFor="ch" refForName="rect3" fact="0.5"/>
+              <dgm:constr type="t" for="ch" forName="rect3ParTx" refType="t" refFor="ch" refForName="rect3"/>
+              <dgm:constr type="b" for="ch" forName="rect3ParTx" refType="t" refFor="ch" refForName="rect4"/>
+              <dgm:constr type="l" for="ch" forName="rect3ChTx" refType="r" refFor="ch" refForName="rect3ParTx"/>
+              <dgm:constr type="w" for="ch" forName="rect3ChTx" refType="w" refFor="ch" refForName="rect3ParTx"/>
+              <dgm:constr type="t" for="ch" forName="rect3ChTx" refType="t" refFor="ch" refForName="rect3ParTx"/>
+              <dgm:constr type="b" for="ch" forName="rect3ChTx" refType="b" refFor="ch" refForName="rect3ParTx"/>
+              <dgm:constr type="l" for="ch" forName="rect3ParTxNoCh" refType="r" refFor="ch" refForName="space"/>
+              <dgm:constr type="w" for="ch" forName="rect3ParTxNoCh" refType="w" refFor="ch" refForName="rect3"/>
+              <dgm:constr type="t" for="ch" forName="rect3ParTxNoCh" refType="t" refFor="ch" refForName="rect3"/>
+              <dgm:constr type="b" for="ch" forName="rect3ParTxNoCh" refType="t" refFor="ch" refForName="rect4"/>
+              <dgm:constr type="primFontSz" for="ch" op="equ" val="65"/>
+              <dgm:constr type="secFontSz" for="ch" op="equ" val="65"/>
+            </dgm:constrLst>
+          </dgm:if>
+          <dgm:if name="Name8" axis="ch" ptType="node" func="cnt" op="equ" val="5">
+            <dgm:constrLst>
+              <dgm:constr type="userA" refType="w" fact="0.3"/>
+              <dgm:constr type="w" for="ch" forName="circle1" refType="userA" fact="2"/>
+              <dgm:constr type="h" for="ch" forName="circle1" refType="w" refFor="ch" refForName="circle1" op="equ"/>
+              <dgm:constr type="l" for="ch" forName="circle1"/>
+              <dgm:constr type="ctrY" for="ch" forName="circle1" refType="h" fact="0.5"/>
+              <dgm:constr type="l" for="ch" forName="space" refType="ctrX" refFor="ch" refForName="circle1"/>
+              <dgm:constr type="w" for="ch" forName="space"/>
+              <dgm:constr type="h" for="ch" forName="space" refType="h" refFor="ch" refForName="circle1"/>
+              <dgm:constr type="b" for="ch" forName="space" refType="b" refFor="ch" refForName="circle1"/>
+              <dgm:constr type="l" for="ch" forName="rect1" refType="r" refFor="ch" refForName="space"/>
+              <dgm:constr type="r" for="ch" forName="rect1" refType="w"/>
+              <dgm:constr type="h" for="ch" forName="rect1" refType="h" refFor="ch" refForName="circle1"/>
+              <dgm:constr type="b" for="ch" forName="rect1" refType="b" refFor="ch" refForName="circle1"/>
+              <dgm:constr type="l" for="ch" forName="vertSpace2"/>
+              <dgm:constr type="w" for="ch" forName="vertSpace2" refType="w"/>
+              <dgm:constr type="h" for="ch" forName="vertSpace2" refType="h" refFor="ch" refForName="circle1" fact="0.05"/>
+              <dgm:constr type="b" for="ch" forName="vertSpace2" refType="b" refFor="ch" refForName="circle1"/>
+              <dgm:constr type="ctrX" for="ch" forName="circle2" refType="l" refFor="ch" refForName="space"/>
+              <dgm:constr type="h" for="ch" forName="circle2" refType="h" refFor="ch" refForName="circle1" fact="0.8"/>
+              <dgm:constr type="hOff" for="ch" forName="circle2" refType="h" refFor="ch" refForName="vertSpace2" fact="-0.2"/>
+              <dgm:constr type="w" for="ch" forName="circle2" refType="h" refFor="ch" refForName="circle2" op="equ"/>
+              <dgm:constr type="wOff" for="ch" forName="circle2" refType="hOff" refFor="ch" refForName="circle2" op="equ"/>
+              <dgm:constr type="b" for="ch" forName="circle2" refType="t" refFor="ch" refForName="vertSpace2"/>
+              <dgm:constr type="l" for="ch" forName="rect2" refType="r" refFor="ch" refForName="space"/>
+              <dgm:constr type="r" for="ch" forName="rect2" refType="w"/>
+              <dgm:constr type="h" for="ch" forName="rect2" refType="h" refFor="ch" refForName="circle2"/>
+              <dgm:constr type="hOff" for="ch" forName="rect2" refType="hOff" refFor="ch" refForName="circle2"/>
+              <dgm:constr type="b" for="ch" forName="rect2" refType="b" refFor="ch" refForName="circle2"/>
+              <dgm:constr type="l" for="ch" forName="vertSpace3"/>
+              <dgm:constr type="w" for="ch" forName="vertSpace3" refType="w"/>
+              <dgm:constr type="h" for="ch" forName="vertSpace3" refType="h" refFor="ch" refForName="vertSpace2"/>
+              <dgm:constr type="b" for="ch" forName="vertSpace3" refType="t" refFor="ch" refForName="vertSpace2"/>
+              <dgm:constr type="ctrX" for="ch" forName="circle3" refType="l" refFor="ch" refForName="space"/>
+              <dgm:constr type="h" for="ch" forName="circle3" refType="h" refFor="ch" refForName="circle1" fact="0.6"/>
+              <dgm:constr type="hOff" for="ch" forName="circle3" refType="h" refFor="ch" refForName="vertSpace2" fact="-0.4"/>
+              <dgm:constr type="w" for="ch" forName="circle3" refType="h" refFor="ch" refForName="circle3" op="equ"/>
+              <dgm:constr type="wOff" for="ch" forName="circle3" refType="hOff" refFor="ch" refForName="circle3" op="equ"/>
+              <dgm:constr type="b" for="ch" forName="circle3" refType="t" refFor="ch" refForName="vertSpace3"/>
+              <dgm:constr type="l" for="ch" forName="rect3" refType="r" refFor="ch" refForName="space"/>
+              <dgm:constr type="r" for="ch" forName="rect3" refType="w"/>
+              <dgm:constr type="h" for="ch" forName="rect3" refType="h" refFor="ch" refForName="circle3"/>
+              <dgm:constr type="hOff" for="ch" forName="rect3" refType="hOff" refFor="ch" refForName="circle3"/>
+              <dgm:constr type="b" for="ch" forName="rect3" refType="b" refFor="ch" refForName="circle3"/>
+              <dgm:constr type="l" for="ch" forName="vertSpace4"/>
+              <dgm:constr type="w" for="ch" forName="vertSpace4" refType="w"/>
+              <dgm:constr type="h" for="ch" forName="vertSpace4" refType="h" refFor="ch" refForName="vertSpace3"/>
+              <dgm:constr type="b" for="ch" forName="vertSpace4" refType="t" refFor="ch" refForName="vertSpace3"/>
+              <dgm:constr type="ctrX" for="ch" forName="circle4" refType="l" refFor="ch" refForName="space"/>
+              <dgm:constr type="h" for="ch" forName="circle4" refType="h" refFor="ch" refForName="circle1" fact="0.4"/>
+              <dgm:constr type="hOff" for="ch" forName="circle4" refType="h" refFor="ch" refForName="vertSpace2" fact="-0.6"/>
+              <dgm:constr type="w" for="ch" forName="circle4" refType="h" refFor="ch" refForName="circle4" op="equ"/>
+              <dgm:constr type="wOff" for="ch" forName="circle4" refType="hOff" refFor="ch" refForName="circle4" op="equ"/>
+              <dgm:constr type="b" for="ch" forName="circle4" refType="t" refFor="ch" refForName="vertSpace4"/>
+              <dgm:constr type="l" for="ch" forName="rect4" refType="r" refFor="ch" refForName="space"/>
+              <dgm:constr type="r" for="ch" forName="rect4" refType="w"/>
+              <dgm:constr type="h" for="ch" forName="rect4" refType="h" refFor="ch" refForName="circle4"/>
+              <dgm:constr type="hOff" for="ch" forName="rect4" refType="hOff" refFor="ch" refForName="circle4"/>
+              <dgm:constr type="b" for="ch" forName="rect4" refType="b" refFor="ch" refForName="circle4"/>
+              <dgm:constr type="l" for="ch" forName="vertSpace5"/>
+              <dgm:constr type="w" for="ch" forName="vertSpace5" refType="w"/>
+              <dgm:constr type="h" for="ch" forName="vertSpace5" refType="h" refFor="ch" refForName="vertSpace4"/>
+              <dgm:constr type="b" for="ch" forName="vertSpace5" refType="t" refFor="ch" refForName="vertSpace4"/>
+              <dgm:constr type="ctrX" for="ch" forName="circle5" refType="l" refFor="ch" refForName="space"/>
+              <dgm:constr type="h" for="ch" forName="circle5" refType="h" refFor="ch" refForName="circle1" fact="0.2"/>
+              <dgm:constr type="hOff" for="ch" forName="circle5" refType="h" refFor="ch" refForName="vertSpace2" fact="-0.8"/>
+              <dgm:constr type="w" for="ch" forName="circle5" refType="h" refFor="ch" refForName="circle5" op="equ"/>
+              <dgm:constr type="wOff" for="ch" forName="circle5" refType="hOff" refFor="ch" refForName="circle5" op="equ"/>
+              <dgm:constr type="b" for="ch" forName="circle5" refType="t" refFor="ch" refForName="vertSpace5"/>
+              <dgm:constr type="l" for="ch" forName="rect5" refType="r" refFor="ch" refForName="space"/>
+              <dgm:constr type="r" for="ch" forName="rect5" refType="w"/>
+              <dgm:constr type="h" for="ch" forName="rect5" refType="h" refFor="ch" refForName="circle5"/>
+              <dgm:constr type="hOff" for="ch" forName="rect5" refType="hOff" refFor="ch" refForName="circle5"/>
+              <dgm:constr type="b" for="ch" forName="rect5" refType="b" refFor="ch" refForName="circle5"/>
+              <dgm:constr type="l" for="ch" forName="rect5ParTx" refType="r" refFor="ch" refForName="space"/>
+              <dgm:constr type="w" for="ch" forName="rect5ParTx" refType="w" refFor="ch" refForName="rect5" fact="0.5"/>
+              <dgm:constr type="t" for="ch" forName="rect5ParTx" refType="t" refFor="ch" refForName="rect5"/>
+              <dgm:constr type="b" for="ch" forName="rect5ParTx" refType="b" refFor="ch" refForName="rect5"/>
+              <dgm:constr type="l" for="ch" forName="rect5ChTx" refType="r" refFor="ch" refForName="rect5ParTx"/>
+              <dgm:constr type="w" for="ch" forName="rect5ChTx" refType="w" refFor="ch" refForName="rect5ParTx"/>
+              <dgm:constr type="t" for="ch" forName="rect5ChTx" refType="t" refFor="ch" refForName="rect5ParTx"/>
+              <dgm:constr type="b" for="ch" forName="rect5ChTx" refType="b" refFor="ch" refForName="rect5ParTx"/>
+              <dgm:constr type="l" for="ch" forName="rect5ParTxNoCh" refType="r" refFor="ch" refForName="space"/>
+              <dgm:constr type="w" for="ch" forName="rect5ParTxNoCh" refType="w" refFor="ch" refForName="rect5"/>
+              <dgm:constr type="t" for="ch" forName="rect5ParTxNoCh" refType="t" refFor="ch" refForName="rect5"/>
+              <dgm:constr type="b" for="ch" forName="rect5ParTxNoCh" refType="b" refFor="ch" refForName="rect5"/>
+              <dgm:constr type="l" for="ch" forName="rect1ParTx" refType="r" refFor="ch" refForName="space"/>
+              <dgm:constr type="w" for="ch" forName="rect1ParTx" refType="w" refFor="ch" refForName="rect1" fact="0.5"/>
+              <dgm:constr type="t" for="ch" forName="rect1ParTx" refType="t" refFor="ch" refForName="rect1"/>
+              <dgm:constr type="b" for="ch" forName="rect1ParTx" refType="t" refFor="ch" refForName="rect2"/>
+              <dgm:constr type="l" for="ch" forName="rect1ChTx" refType="r" refFor="ch" refForName="rect1ParTx"/>
+              <dgm:constr type="w" for="ch" forName="rect1ChTx" refType="w" refFor="ch" refForName="rect1ParTx"/>
+              <dgm:constr type="t" for="ch" forName="rect1ChTx" refType="t" refFor="ch" refForName="rect1ParTx"/>
+              <dgm:constr type="b" for="ch" forName="rect1ChTx" refType="b" refFor="ch" refForName="rect1ParTx"/>
+              <dgm:constr type="l" for="ch" forName="rect1ParTxNoCh" refType="r" refFor="ch" refForName="space"/>
+              <dgm:constr type="w" for="ch" forName="rect1ParTxNoCh" refType="w" refFor="ch" refForName="rect1"/>
+              <dgm:constr type="t" for="ch" forName="rect1ParTxNoCh" refType="t" refFor="ch" refForName="rect1"/>
+              <dgm:constr type="b" for="ch" forName="rect1ParTxNoCh" refType="t" refFor="ch" refForName="rect2"/>
+              <dgm:constr type="l" for="ch" forName="rect2ParTx" refType="r" refFor="ch" refForName="space"/>
+              <dgm:constr type="w" for="ch" forName="rect2ParTx" refType="w" refFor="ch" refForName="rect2" fact="0.5"/>
+              <dgm:constr type="t" for="ch" forName="rect2ParTx" refType="t" refFor="ch" refForName="rect2"/>
+              <dgm:constr type="b" for="ch" forName="rect2ParTx" refType="t" refFor="ch" refForName="rect3"/>
+              <dgm:constr type="l" for="ch" forName="rect2ChTx" refType="r" refFor="ch" refForName="rect2ParTx"/>
+              <dgm:constr type="w" for="ch" forName="rect2ChTx" refType="w" refFor="ch" refForName="rect2ParTx"/>
+              <dgm:constr type="t" for="ch" forName="rect2ChTx" refType="t" refFor="ch" refForName="rect2ParTx"/>
+              <dgm:constr type="b" for="ch" forName="rect2ChTx" refType="b" refFor="ch" refForName="rect2ParTx"/>
+              <dgm:constr type="l" for="ch" forName="rect2ParTxNoCh" refType="r" refFor="ch" refForName="space"/>
+              <dgm:constr type="w" for="ch" forName="rect2ParTxNoCh" refType="w" refFor="ch" refForName="rect2"/>
+              <dgm:constr type="t" for="ch" forName="rect2ParTxNoCh" refType="t" refFor="ch" refForName="rect2"/>
+              <dgm:constr type="b" for="ch" forName="rect2ParTxNoCh" refType="t" refFor="ch" refForName="rect3"/>
+              <dgm:constr type="l" for="ch" forName="rect3ParTx" refType="r" refFor="ch" refForName="space"/>
+              <dgm:constr type="w" for="ch" forName="rect3ParTx" refType="w" refFor="ch" refForName="rect3" fact="0.5"/>
+              <dgm:constr type="t" for="ch" forName="rect3ParTx" refType="t" refFor="ch" refForName="rect3"/>
+              <dgm:constr type="b" for="ch" forName="rect3ParTx" refType="t" refFor="ch" refForName="rect4"/>
+              <dgm:constr type="l" for="ch" forName="rect3ChTx" refType="r" refFor="ch" refForName="rect3ParTx"/>
+              <dgm:constr type="w" for="ch" forName="rect3ChTx" refType="w" refFor="ch" refForName="rect3ParTx"/>
+              <dgm:constr type="t" for="ch" forName="rect3ChTx" refType="t" refFor="ch" refForName="rect3ParTx"/>
+              <dgm:constr type="b" for="ch" forName="rect3ChTx" refType="b" refFor="ch" refForName="rect3ParTx"/>
+              <dgm:constr type="l" for="ch" forName="rect3ParTxNoCh" refType="r" refFor="ch" refForName="space"/>
+              <dgm:constr type="w" for="ch" forName="rect3ParTxNoCh" refType="w" refFor="ch" refForName="rect3"/>
+              <dgm:constr type="t" for="ch" forName="rect3ParTxNoCh" refType="t" refFor="ch" refForName="rect3"/>
+              <dgm:constr type="b" for="ch" forName="rect3ParTxNoCh" refType="t" refFor="ch" refForName="rect4"/>
+              <dgm:constr type="l" for="ch" forName="rect4ParTx" refType="r" refFor="ch" refForName="space"/>
+              <dgm:constr type="w" for="ch" forName="rect4ParTx" refType="w" refFor="ch" refForName="rect4" fact="0.5"/>
+              <dgm:constr type="t" for="ch" forName="rect4ParTx" refType="t" refFor="ch" refForName="rect4"/>
+              <dgm:constr type="b" for="ch" forName="rect4ParTx" refType="t" refFor="ch" refForName="rect5"/>
+              <dgm:constr type="l" for="ch" forName="rect4ChTx" refType="r" refFor="ch" refForName="rect4ParTx"/>
+              <dgm:constr type="w" for="ch" forName="rect4ChTx" refType="w" refFor="ch" refForName="rect4ParTx"/>
+              <dgm:constr type="t" for="ch" forName="rect4ChTx" refType="t" refFor="ch" refForName="rect4ParTx"/>
+              <dgm:constr type="b" for="ch" forName="rect4ChTx" refType="b" refFor="ch" refForName="rect4ParTx"/>
+              <dgm:constr type="l" for="ch" forName="rect4ParTxNoCh" refType="r" refFor="ch" refForName="space"/>
+              <dgm:constr type="w" for="ch" forName="rect4ParTxNoCh" refType="w" refFor="ch" refForName="rect4"/>
+              <dgm:constr type="t" for="ch" forName="rect4ParTxNoCh" refType="t" refFor="ch" refForName="rect4"/>
+              <dgm:constr type="b" for="ch" forName="rect4ParTxNoCh" refType="t" refFor="ch" refForName="rect5"/>
+              <dgm:constr type="primFontSz" for="ch" op="equ" val="65"/>
+              <dgm:constr type="secFontSz" for="ch" op="equ" val="65"/>
+            </dgm:constrLst>
+          </dgm:if>
+          <dgm:if name="Name9" axis="ch" ptType="node" func="cnt" op="equ" val="6">
+            <dgm:constrLst>
+              <dgm:constr type="userA" refType="w" fact="0.3"/>
+              <dgm:constr type="w" for="ch" forName="circle1" refType="userA" fact="2"/>
+              <dgm:constr type="h" for="ch" forName="circle1" refType="w" refFor="ch" refForName="circle1" op="equ"/>
+              <dgm:constr type="l" for="ch" forName="circle1"/>
+              <dgm:constr type="ctrY" for="ch" forName="circle1" refType="h" fact="0.5"/>
+              <dgm:constr type="l" for="ch" forName="space" refType="ctrX" refFor="ch" refForName="circle1"/>
+              <dgm:constr type="w" for="ch" forName="space"/>
+              <dgm:constr type="h" for="ch" forName="space" refType="h" refFor="ch" refForName="circle1"/>
+              <dgm:constr type="b" for="ch" forName="space" refType="b" refFor="ch" refForName="circle1"/>
+              <dgm:constr type="l" for="ch" forName="rect1" refType="r" refFor="ch" refForName="space"/>
+              <dgm:constr type="r" for="ch" forName="rect1" refType="w"/>
+              <dgm:constr type="h" for="ch" forName="rect1" refType="h" refFor="ch" refForName="circle1"/>
+              <dgm:constr type="b" for="ch" forName="rect1" refType="b" refFor="ch" refForName="circle1"/>
+              <dgm:constr type="l" for="ch" forName="vertSpace2"/>
+              <dgm:constr type="w" for="ch" forName="vertSpace2" refType="w"/>
+              <dgm:constr type="h" for="ch" forName="vertSpace2" refType="h" refFor="ch" refForName="circle1" fact="0.05"/>
+              <dgm:constr type="b" for="ch" forName="vertSpace2" refType="b" refFor="ch" refForName="circle1"/>
+              <dgm:constr type="ctrX" for="ch" forName="circle2" refType="l" refFor="ch" refForName="space"/>
+              <dgm:constr type="h" for="ch" forName="circle2" refType="h" refFor="ch" refForName="circle1" fact="0.83333"/>
+              <dgm:constr type="hOff" for="ch" forName="circle2" refType="h" refFor="ch" refForName="vertSpace2" fact="-0.16667"/>
+              <dgm:constr type="w" for="ch" forName="circle2" refType="h" refFor="ch" refForName="circle2" op="equ"/>
+              <dgm:constr type="wOff" for="ch" forName="circle2" refType="hOff" refFor="ch" refForName="circle2" op="equ"/>
+              <dgm:constr type="b" for="ch" forName="circle2" refType="t" refFor="ch" refForName="vertSpace2"/>
+              <dgm:constr type="l" for="ch" forName="rect2" refType="r" refFor="ch" refForName="space"/>
+              <dgm:constr type="r" for="ch" forName="rect2" refType="w"/>
+              <dgm:constr type="h" for="ch" forName="rect2" refType="h" refFor="ch" refForName="circle2"/>
+              <dgm:constr type="hOff" for="ch" forName="rect2" refType="hOff" refFor="ch" refForName="circle2"/>
+              <dgm:constr type="b" for="ch" forName="rect2" refType="b" refFor="ch" refForName="circle2"/>
+              <dgm:constr type="l" for="ch" forName="vertSpace3"/>
+              <dgm:constr type="w" for="ch" forName="vertSpace3" refType="w"/>
+              <dgm:constr type="h" for="ch" forName="vertSpace3" refType="h" refFor="ch" refForName="vertSpace2"/>
+              <dgm:constr type="b" for="ch" forName="vertSpace3" refType="t" refFor="ch" refForName="vertSpace2"/>
+              <dgm:constr type="ctrX" for="ch" forName="circle3" refType="l" refFor="ch" refForName="space"/>
+              <dgm:constr type="h" for="ch" forName="circle3" refType="h" refFor="ch" refForName="circle1" fact="0.66667"/>
+              <dgm:constr type="hOff" for="ch" forName="circle3" refType="h" refFor="ch" refForName="vertSpace2" fact="-0.33333"/>
+              <dgm:constr type="w" for="ch" forName="circle3" refType="h" refFor="ch" refForName="circle3" op="equ"/>
+              <dgm:constr type="wOff" for="ch" forName="circle3" refType="hOff" refFor="ch" refForName="circle3" op="equ"/>
+              <dgm:constr type="b" for="ch" forName="circle3" refType="t" refFor="ch" refForName="vertSpace3"/>
+              <dgm:constr type="l" for="ch" forName="rect3" refType="r" refFor="ch" refForName="space"/>
+              <dgm:constr type="r" for="ch" forName="rect3" refType="w"/>
+              <dgm:constr type="h" for="ch" forName="rect3" refType="h" refFor="ch" refForName="circle3"/>
+              <dgm:constr type="hOff" for="ch" forName="rect3" refType="hOff" refFor="ch" refForName="circle3"/>
+              <dgm:constr type="b" for="ch" forName="rect3" refType="b" refFor="ch" refForName="circle3"/>
+              <dgm:constr type="l" for="ch" forName="vertSpace4"/>
+              <dgm:constr type="w" for="ch" forName="vertSpace4" refType="w"/>
+              <dgm:constr type="h" for="ch" forName="vertSpace4" refType="h" refFor="ch" refForName="vertSpace3"/>
+              <dgm:constr type="b" for="ch" forName="vertSpace4" refType="t" refFor="ch" refForName="vertSpace3"/>
+              <dgm:constr type="ctrX" for="ch" forName="circle4" refType="l" refFor="ch" refForName="space"/>
+              <dgm:constr type="h" for="ch" forName="circle4" refType="h" refFor="ch" refForName="circle1" fact="0.5"/>
+              <dgm:constr type="hOff" for="ch" forName="circle4" refType="h" refFor="ch" refForName="vertSpace2" fact="-0.5"/>
+              <dgm:constr type="w" for="ch" forName="circle4" refType="h" refFor="ch" refForName="circle4" op="equ"/>
+              <dgm:constr type="wOff" for="ch" forName="circle4" refType="hOff" refFor="ch" refForName="circle4" op="equ"/>
+              <dgm:constr type="b" for="ch" forName="circle4" refType="t" refFor="ch" refForName="vertSpace4"/>
+              <dgm:constr type="l" for="ch" forName="rect4" refType="r" refFor="ch" refForName="space"/>
+              <dgm:constr type="r" for="ch" forName="rect4" refType="w"/>
+              <dgm:constr type="h" for="ch" forName="rect4" refType="h" refFor="ch" refForName="circle4"/>
+              <dgm:constr type="hOff" for="ch" forName="rect4" refType="hOff" refFor="ch" refForName="circle4"/>
+              <dgm:constr type="b" for="ch" forName="rect4" refType="b" refFor="ch" refForName="circle4"/>
+              <dgm:constr type="l" for="ch" forName="vertSpace5"/>
+              <dgm:constr type="w" for="ch" forName="vertSpace5" refType="w"/>
+              <dgm:constr type="h" for="ch" forName="vertSpace5" refType="h" refFor="ch" refForName="vertSpace4"/>
+              <dgm:constr type="b" for="ch" forName="vertSpace5" refType="t" refFor="ch" refForName="vertSpace4"/>
+              <dgm:constr type="ctrX" for="ch" forName="circle5" refType="l" refFor="ch" refForName="space"/>
+              <dgm:constr type="h" for="ch" forName="circle5" refType="h" refFor="ch" refForName="circle1" fact="0.33333"/>
+              <dgm:constr type="hOff" for="ch" forName="circle5" refType="h" refFor="ch" refForName="vertSpace2" fact="-0.66667"/>
+              <dgm:constr type="w" for="ch" forName="circle5" refType="h" refFor="ch" refForName="circle5" op="equ"/>
+              <dgm:constr type="wOff" for="ch" forName="circle5" refType="hOff" refFor="ch" refForName="circle5" op="equ"/>
+              <dgm:constr type="b" for="ch" forName="circle5" refType="t" refFor="ch" refForName="vertSpace5"/>
+              <dgm:constr type="l" for="ch" forName="rect5" refType="r" refFor="ch" refForName="space"/>
+              <dgm:constr type="r" for="ch" forName="rect5" refType="w"/>
+              <dgm:constr type="h" for="ch" forName="rect5" refType="h" refFor="ch" refForName="circle5"/>
+              <dgm:constr type="hOff" for="ch" forName="rect5" refType="hOff" refFor="ch" refForName="circle5"/>
+              <dgm:constr type="b" for="ch" forName="rect5" refType="b" refFor="ch" refForName="circle5"/>
+              <dgm:constr type="l" for="ch" forName="vertSpace6"/>
+              <dgm:constr type="w" for="ch" forName="vertSpace6" refType="w"/>
+              <dgm:constr type="h" for="ch" forName="vertSpace6" refType="h" refFor="ch" refForName="vertSpace5"/>
+              <dgm:constr type="b" for="ch" forName="vertSpace6" refType="t" refFor="ch" refForName="vertSpace5"/>
+              <dgm:constr type="ctrX" for="ch" forName="circle6" refType="l" refFor="ch" refForName="space"/>
+              <dgm:constr type="h" for="ch" forName="circle6" refType="h" refFor="ch" refForName="circle1" fact="0.16667"/>
+              <dgm:constr type="hOff" for="ch" forName="circle6" refType="h" refFor="ch" refForName="vertSpace2" fact="-0.83333"/>
+              <dgm:constr type="w" for="ch" forName="circle6" refType="h" refFor="ch" refForName="circle6" op="equ"/>
+              <dgm:constr type="wOff" for="ch" forName="circle6" refType="hOff" refFor="ch" refForName="circle6" op="equ"/>
+              <dgm:constr type="b" for="ch" forName="circle6" refType="t" refFor="ch" refForName="vertSpace6"/>
+              <dgm:constr type="l" for="ch" forName="rect6" refType="r" refFor="ch" refForName="space"/>
+              <dgm:constr type="r" for="ch" forName="rect6" refType="w"/>
+              <dgm:constr type="h" for="ch" forName="rect6" refType="h" refFor="ch" refForName="circle6"/>
+              <dgm:constr type="hOff" for="ch" forName="rect6" refType="hOff" refFor="ch" refForName="circle6"/>
+              <dgm:constr type="b" for="ch" forName="rect6" refType="b" refFor="ch" refForName="circle6"/>
+              <dgm:constr type="l" for="ch" forName="rect6ParTx" refType="r" refFor="ch" refForName="space"/>
+              <dgm:constr type="w" for="ch" forName="rect6ParTx" refType="w" refFor="ch" refForName="rect6" fact="0.5"/>
+              <dgm:constr type="t" for="ch" forName="rect6ParTx" refType="t" refFor="ch" refForName="rect6"/>
+              <dgm:constr type="b" for="ch" forName="rect6ParTx" refType="b" refFor="ch" refForName="rect6"/>
+              <dgm:constr type="l" for="ch" forName="rect6ChTx" refType="r" refFor="ch" refForName="rect6ParTx"/>
+              <dgm:constr type="w" for="ch" forName="rect6ChTx" refType="w" refFor="ch" refForName="rect6ParTx"/>
+              <dgm:constr type="t" for="ch" forName="rect6ChTx" refType="t" refFor="ch" refForName="rect6ParTx"/>
+              <dgm:constr type="b" for="ch" forName="rect6ChTx" refType="b" refFor="ch" refForName="rect6ParTx"/>
+              <dgm:constr type="l" for="ch" forName="rect6ParTxNoCh" refType="r" refFor="ch" refForName="space"/>
+              <dgm:constr type="w" for="ch" forName="rect6ParTxNoCh" refType="w" refFor="ch" refForName="rect6"/>
+              <dgm:constr type="t" for="ch" forName="rect6ParTxNoCh" refType="t" refFor="ch" refForName="rect6"/>
+              <dgm:constr type="b" for="ch" forName="rect6ParTxNoCh" refType="b" refFor="ch" refForName="rect6"/>
+              <dgm:constr type="l" for="ch" forName="rect1ParTx" refType="r" refFor="ch" refForName="space"/>
+              <dgm:constr type="w" for="ch" forName="rect1ParTx" refType="w" refFor="ch" refForName="rect1" fact="0.5"/>
+              <dgm:constr type="t" for="ch" forName="rect1ParTx" refType="t" refFor="ch" refForName="rect1"/>
+              <dgm:constr type="b" for="ch" forName="rect1ParTx" refType="t" refFor="ch" refForName="rect2"/>
+              <dgm:constr type="l" for="ch" forName="rect1ChTx" refType="r" refFor="ch" refForName="rect1ParTx"/>
+              <dgm:constr type="w" for="ch" forName="rect1ChTx" refType="w" refFor="ch" refForName="rect1ParTx"/>
+              <dgm:constr type="t" for="ch" forName="rect1ChTx" refType="t" refFor="ch" refForName="rect1ParTx"/>
+              <dgm:constr type="b" for="ch" forName="rect1ChTx" refType="b" refFor="ch" refForName="rect1ParTx"/>
+              <dgm:constr type="l" for="ch" forName="rect1ParTxNoCh" refType="r" refFor="ch" refForName="space"/>
+              <dgm:constr type="w" for="ch" forName="rect1ParTxNoCh" refType="w" refFor="ch" refForName="rect1"/>
+              <dgm:constr type="t" for="ch" forName="rect1ParTxNoCh" refType="t" refFor="ch" refForName="rect1"/>
+              <dgm:constr type="b" for="ch" forName="rect1ParTxNoCh" refType="t" refFor="ch" refForName="rect2"/>
+              <dgm:constr type="l" for="ch" forName="rect2ParTx" refType="r" refFor="ch" refForName="space"/>
+              <dgm:constr type="w" for="ch" forName="rect2ParTx" refType="w" refFor="ch" refForName="rect2" fact="0.5"/>
+              <dgm:constr type="t" for="ch" forName="rect2ParTx" refType="t" refFor="ch" refForName="rect2"/>
+              <dgm:constr type="b" for="ch" forName="rect2ParTx" refType="t" refFor="ch" refForName="rect3"/>
+              <dgm:constr type="l" for="ch" forName="rect2ChTx" refType="r" refFor="ch" refForName="rect2ParTx"/>
+              <dgm:constr type="w" for="ch" forName="rect2ChTx" refType="w" refFor="ch" refForName="rect2ParTx"/>
+              <dgm:constr type="t" for="ch" forName="rect2ChTx" refType="t" refFor="ch" refForName="rect2ParTx"/>
+              <dgm:constr type="b" for="ch" forName="rect2ChTx" refType="b" refFor="ch" refForName="rect2ParTx"/>
+              <dgm:constr type="l" for="ch" forName="rect2ParTxNoCh" refType="r" refFor="ch" refForName="space"/>
+              <dgm:constr type="w" for="ch" forName="rect2ParTxNoCh" refType="w" refFor="ch" refForName="rect2"/>
+              <dgm:constr type="t" for="ch" forName="rect2ParTxNoCh" refType="t" refFor="ch" refForName="rect2"/>
+              <dgm:constr type="b" for="ch" forName="rect2ParTxNoCh" refType="t" refFor="ch" refForName="rect3"/>
+              <dgm:constr type="l" for="ch" forName="rect3ParTx" refType="r" refFor="ch" refForName="space"/>
+              <dgm:constr type="w" for="ch" forName="rect3ParTx" refType="w" refFor="ch" refForName="rect3" fact="0.5"/>
+              <dgm:constr type="t" for="ch" forName="rect3ParTx" refType="t" refFor="ch" refForName="rect3"/>
+              <dgm:constr type="b" for="ch" forName="rect3ParTx" refType="t" refFor="ch" refForName="rect4"/>
+              <dgm:constr type="l" for="ch" forName="rect3ChTx" refType="r" refFor="ch" refForName="rect3ParTx"/>
+              <dgm:constr type="w" for="ch" forName="rect3ChTx" refType="w" refFor="ch" refForName="rect3ParTx"/>
+              <dgm:constr type="t" for="ch" forName="rect3ChTx" refType="t" refFor="ch" refForName="rect3ParTx"/>
+              <dgm:constr type="b" for="ch" forName="rect3ChTx" refType="b" refFor="ch" refForName="rect3ParTx"/>
+              <dgm:constr type="l" for="ch" forName="rect3ParTxNoCh" refType="r" refFor="ch" refForName="space"/>
+              <dgm:constr type="w" for="ch" forName="rect3ParTxNoCh" refType="w" refFor="ch" refForName="rect3"/>
+              <dgm:constr type="t" for="ch" forName="rect3ParTxNoCh" refType="t" refFor="ch" refForName="rect3"/>
+              <dgm:constr type="b" for="ch" forName="rect3ParTxNoCh" refType="t" refFor="ch" refForName="rect4"/>
+              <dgm:constr type="l" for="ch" forName="rect4ParTx" refType="r" refFor="ch" refForName="space"/>
+              <dgm:constr type="w" for="ch" forName="rect4ParTx" refType="w" refFor="ch" refForName="rect4" fact="0.5"/>
+              <dgm:constr type="t" for="ch" forName="rect4ParTx" refType="t" refFor="ch" refForName="rect4"/>
+              <dgm:constr type="b" for="ch" forName="rect4ParTx" refType="t" refFor="ch" refForName="rect5"/>
+              <dgm:constr type="l" for="ch" forName="rect4ChTx" refType="r" refFor="ch" refForName="rect4ParTx"/>
+              <dgm:constr type="w" for="ch" forName="rect4ChTx" refType="w" refFor="ch" refForName="rect4ParTx"/>
+              <dgm:constr type="t" for="ch" forName="rect4ChTx" refType="t" refFor="ch" refForName="rect4ParTx"/>
+              <dgm:constr type="b" for="ch" forName="rect4ChTx" refType="b" refFor="ch" refForName="rect4ParTx"/>
+              <dgm:constr type="l" for="ch" forName="rect4ParTxNoCh" refType="r" refFor="ch" refForName="space"/>
+              <dgm:constr type="w" for="ch" forName="rect4ParTxNoCh" refType="w" refFor="ch" refForName="rect4"/>
+              <dgm:constr type="t" for="ch" forName="rect4ParTxNoCh" refType="t" refFor="ch" refForName="rect4"/>
+              <dgm:constr type="b" for="ch" forName="rect4ParTxNoCh" refType="t" refFor="ch" refForName="rect5"/>
+              <dgm:constr type="l" for="ch" forName="rect5ParTx" refType="r" refFor="ch" refForName="space"/>
+              <dgm:constr type="w" for="ch" forName="rect5ParTx" refType="w" refFor="ch" refForName="rect5" fact="0.5"/>
+              <dgm:constr type="t" for="ch" forName="rect5ParTx" refType="t" refFor="ch" refForName="rect5"/>
+              <dgm:constr type="b" for="ch" forName="rect5ParTx" refType="t" refFor="ch" refForName="rect6"/>
+              <dgm:constr type="l" for="ch" forName="rect5ChTx" refType="r" refFor="ch" refForName="rect5ParTx"/>
+              <dgm:constr type="w" for="ch" forName="rect5ChTx" refType="w" refFor="ch" refForName="rect5ParTx"/>
+              <dgm:constr type="t" for="ch" forName="rect5ChTx" refType="t" refFor="ch" refForName="rect5ParTx"/>
+              <dgm:constr type="b" for="ch" forName="rect5ChTx" refType="b" refFor="ch" refForName="rect5ParTx"/>
+              <dgm:constr type="l" for="ch" forName="rect5ParTxNoCh" refType="r" refFor="ch" refForName="space"/>
+              <dgm:constr type="w" for="ch" forName="rect5ParTxNoCh" refType="w" refFor="ch" refForName="rect5"/>
+              <dgm:constr type="t" for="ch" forName="rect5ParTxNoCh" refType="t" refFor="ch" refForName="rect5"/>
+              <dgm:constr type="b" for="ch" forName="rect5ParTxNoCh" refType="t" refFor="ch" refForName="rect6"/>
+              <dgm:constr type="primFontSz" for="ch" op="equ" val="65"/>
+              <dgm:constr type="secFontSz" for="ch" op="equ" val="65"/>
+            </dgm:constrLst>
+          </dgm:if>
+          <dgm:if name="Name10" axis="ch" ptType="node" func="cnt" op="gte" val="7">
+            <dgm:constrLst>
+              <dgm:constr type="userA" refType="w" fact="0.3"/>
+              <dgm:constr type="w" for="ch" forName="circle1" refType="userA" fact="2"/>
+              <dgm:constr type="h" for="ch" forName="circle1" refType="w" refFor="ch" refForName="circle1" op="equ"/>
+              <dgm:constr type="l" for="ch" forName="circle1"/>
+              <dgm:constr type="ctrY" for="ch" forName="circle1" refType="h" fact="0.5"/>
+              <dgm:constr type="l" for="ch" forName="space" refType="ctrX" refFor="ch" refForName="circle1"/>
+              <dgm:constr type="w" for="ch" forName="space"/>
+              <dgm:constr type="h" for="ch" forName="space" refType="h" refFor="ch" refForName="circle1"/>
+              <dgm:constr type="b" for="ch" forName="space" refType="b" refFor="ch" refForName="circle1"/>
+              <dgm:constr type="l" for="ch" forName="rect1" refType="r" refFor="ch" refForName="space"/>
+              <dgm:constr type="r" for="ch" forName="rect1" refType="w"/>
+              <dgm:constr type="h" for="ch" forName="rect1" refType="h" refFor="ch" refForName="circle1"/>
+              <dgm:constr type="b" for="ch" forName="rect1" refType="b" refFor="ch" refForName="circle1"/>
+              <dgm:constr type="l" for="ch" forName="vertSpace2"/>
+              <dgm:constr type="w" for="ch" forName="vertSpace2" refType="w"/>
+              <dgm:constr type="h" for="ch" forName="vertSpace2" refType="h" refFor="ch" refForName="circle1" fact="0.05"/>
+              <dgm:constr type="b" for="ch" forName="vertSpace2" refType="b" refFor="ch" refForName="circle1"/>
+              <dgm:constr type="ctrX" for="ch" forName="circle2" refType="l" refFor="ch" refForName="space"/>
+              <dgm:constr type="h" for="ch" forName="circle2" refType="h" refFor="ch" refForName="circle1" fact="0.85714"/>
+              <dgm:constr type="hOff" for="ch" forName="circle2" refType="h" refFor="ch" refForName="vertSpace2" fact="-0.14286"/>
+              <dgm:constr type="w" for="ch" forName="circle2" refType="h" refFor="ch" refForName="circle2" op="equ"/>
+              <dgm:constr type="wOff" for="ch" forName="circle2" refType="hOff" refFor="ch" refForName="circle2" op="equ"/>
+              <dgm:constr type="b" for="ch" forName="circle2" refType="t" refFor="ch" refForName="vertSpace2"/>
+              <dgm:constr type="l" for="ch" forName="rect2" refType="r" refFor="ch" refForName="space"/>
+              <dgm:constr type="r" for="ch" forName="rect2" refType="w"/>
+              <dgm:constr type="h" for="ch" forName="rect2" refType="h" refFor="ch" refForName="circle2"/>
+              <dgm:constr type="hOff" for="ch" forName="rect2" refType="hOff" refFor="ch" refForName="circle2"/>
+              <dgm:constr type="b" for="ch" forName="rect2" refType="b" refFor="ch" refForName="circle2"/>
+              <dgm:constr type="l" for="ch" forName="vertSpace3"/>
+              <dgm:constr type="w" for="ch" forName="vertSpace3" refType="w"/>
+              <dgm:constr type="h" for="ch" forName="vertSpace3" refType="h" refFor="ch" refForName="vertSpace2"/>
+              <dgm:constr type="b" for="ch" forName="vertSpace3" refType="t" refFor="ch" refForName="vertSpace2"/>
+              <dgm:constr type="ctrX" for="ch" forName="circle3" refType="l" refFor="ch" refForName="space"/>
+              <dgm:constr type="h" for="ch" forName="circle3" refType="h" refFor="ch" refForName="circle1" fact="0.71429"/>
+              <dgm:constr type="hOff" for="ch" forName="circle3" refType="h" refFor="ch" refForName="vertSpace2" fact="-0.28571"/>
+              <dgm:constr type="w" for="ch" forName="circle3" refType="h" refFor="ch" refForName="circle3" op="equ"/>
+              <dgm:constr type="wOff" for="ch" forName="circle3" refType="hOff" refFor="ch" refForName="circle3" op="equ"/>
+              <dgm:constr type="b" for="ch" forName="circle3" refType="t" refFor="ch" refForName="vertSpace3"/>
+              <dgm:constr type="l" for="ch" forName="rect3" refType="r" refFor="ch" refForName="space"/>
+              <dgm:constr type="r" for="ch" forName="rect3" refType="w"/>
+              <dgm:constr type="h" for="ch" forName="rect3" refType="h" refFor="ch" refForName="circle3"/>
+              <dgm:constr type="hOff" for="ch" forName="rect3" refType="hOff" refFor="ch" refForName="circle3"/>
+              <dgm:constr type="b" for="ch" forName="rect3" refType="b" refFor="ch" refForName="circle3"/>
+              <dgm:constr type="l" for="ch" forName="vertSpace4"/>
+              <dgm:constr type="w" for="ch" forName="vertSpace4" refType="w"/>
+              <dgm:constr type="h" for="ch" forName="vertSpace4" refType="h" refFor="ch" refForName="vertSpace3"/>
+              <dgm:constr type="b" for="ch" forName="vertSpace4" refType="t" refFor="ch" refForName="vertSpace3"/>
+              <dgm:constr type="ctrX" for="ch" forName="circle4" refType="l" refFor="ch" refForName="space"/>
+              <dgm:constr type="h" for="ch" forName="circle4" refType="h" refFor="ch" refForName="circle1" fact="0.57143"/>
+              <dgm:constr type="hOff" for="ch" forName="circle4" refType="h" refFor="ch" refForName="vertSpace2" fact="-0.42857"/>
+              <dgm:constr type="w" for="ch" forName="circle4" refType="h" refFor="ch" refForName="circle4" op="equ"/>
+              <dgm:constr type="wOff" for="ch" forName="circle4" refType="hOff" refFor="ch" refForName="circle4" op="equ"/>
+              <dgm:constr type="b" for="ch" forName="circle4" refType="t" refFor="ch" refForName="vertSpace4"/>
+              <dgm:constr type="l" for="ch" forName="rect4" refType="r" refFor="ch" refForName="space"/>
+              <dgm:constr type="r" for="ch" forName="rect4" refType="w"/>
+              <dgm:constr type="h" for="ch" forName="rect4" refType="h" refFor="ch" refForName="circle4"/>
+              <dgm:constr type="hOff" for="ch" forName="rect4" refType="hOff" refFor="ch" refForName="circle4"/>
+              <dgm:constr type="b" for="ch" forName="rect4" refType="b" refFor="ch" refForName="circle4"/>
+              <dgm:constr type="l" for="ch" forName="vertSpace5"/>
+              <dgm:constr type="w" for="ch" forName="vertSpace5" refType="w"/>
+              <dgm:constr type="h" for="ch" forName="vertSpace5" refType="h" refFor="ch" refForName="vertSpace4"/>
+              <dgm:constr type="b" for="ch" forName="vertSpace5" refType="t" refFor="ch" refForName="vertSpace4"/>
+              <dgm:constr type="ctrX" for="ch" forName="circle5" refType="l" refFor="ch" refForName="space"/>
+              <dgm:constr type="h" for="ch" forName="circle5" refType="h" refFor="ch" refForName="circle1" fact="0.42857"/>
+              <dgm:constr type="hOff" for="ch" forName="circle5" refType="h" refFor="ch" refForName="vertSpace2" fact="-0.57143"/>
+              <dgm:constr type="w" for="ch" forName="circle5" refType="h" refFor="ch" refForName="circle5" op="equ"/>
+              <dgm:constr type="wOff" for="ch" forName="circle5" refType="hOff" refFor="ch" refForName="circle5" op="equ"/>
+              <dgm:constr type="b" for="ch" forName="circle5" refType="t" refFor="ch" refForName="vertSpace5"/>
+              <dgm:constr type="l" for="ch" forName="rect5" refType="r" refFor="ch" refForName="space"/>
+              <dgm:constr type="r" for="ch" forName="rect5" refType="w"/>
+              <dgm:constr type="h" for="ch" forName="rect5" refType="h" refFor="ch" refForName="circle5"/>
+              <dgm:constr type="hOff" for="ch" forName="rect5" refType="hOff" refFor="ch" refForName="circle5"/>
+              <dgm:constr type="b" for="ch" forName="rect5" refType="b" refFor="ch" refForName="circle5"/>
+              <dgm:constr type="l" for="ch" forName="vertSpace6"/>
+              <dgm:constr type="w" for="ch" forName="vertSpace6" refType="w"/>
+              <dgm:constr type="h" for="ch" forName="vertSpace6" refType="h" refFor="ch" refForName="vertSpace5"/>
+              <dgm:constr type="b" for="ch" forName="vertSpace6" refType="t" refFor="ch" refForName="vertSpace5"/>
+              <dgm:constr type="ctrX" for="ch" forName="circle6" refType="l" refFor="ch" refForName="space"/>
+              <dgm:constr type="h" for="ch" forName="circle6" refType="h" refFor="ch" refForName="circle1" fact="0.28571"/>
+              <dgm:constr type="hOff" for="ch" forName="circle6" refType="h" refFor="ch" refForName="vertSpace2" fact="-0.71429"/>
+              <dgm:constr type="w" for="ch" forName="circle6" refType="h" refFor="ch" refForName="circle6" op="equ"/>
+              <dgm:constr type="wOff" for="ch" forName="circle6" refType="hOff" refFor="ch" refForName="circle6" op="equ"/>
+              <dgm:constr type="b" for="ch" forName="circle6" refType="t" refFor="ch" refForName="vertSpace6"/>
+              <dgm:constr type="l" for="ch" forName="rect6" refType="r" refFor="ch" refForName="space"/>
+              <dgm:constr type="r" for="ch" forName="rect6" refType="w"/>
+              <dgm:constr type="h" for="ch" forName="rect6" refType="h" refFor="ch" refForName="circle6"/>
+              <dgm:constr type="hOff" for="ch" forName="rect6" refType="hOff" refFor="ch" refForName="circle6"/>
+              <dgm:constr type="b" for="ch" forName="rect6" refType="b" refFor="ch" refForName="circle6"/>
+              <dgm:constr type="l" for="ch" forName="vertSpace7"/>
+              <dgm:constr type="w" for="ch" forName="vertSpace7" refType="w"/>
+              <dgm:constr type="h" for="ch" forName="vertSpace7" refType="h" refFor="ch" refForName="vertSpace6"/>
+              <dgm:constr type="b" for="ch" forName="vertSpace7" refType="t" refFor="ch" refForName="vertSpace6"/>
+              <dgm:constr type="ctrX" for="ch" forName="circle7" refType="l" refFor="ch" refForName="space"/>
+              <dgm:constr type="h" for="ch" forName="circle7" refType="h" refFor="ch" refForName="circle1" fact="0.14286"/>
+              <dgm:constr type="hOff" for="ch" forName="circle7" refType="h" refFor="ch" refForName="vertSpace2" fact="-0.85714"/>
+              <dgm:constr type="w" for="ch" forName="circle7" refType="h" refFor="ch" refForName="circle7" op="equ"/>
+              <dgm:constr type="wOff" for="ch" forName="circle7" refType="hOff" refFor="ch" refForName="circle7" op="equ"/>
+              <dgm:constr type="b" for="ch" forName="circle7" refType="t" refFor="ch" refForName="vertSpace7"/>
+              <dgm:constr type="l" for="ch" forName="rect7" refType="r" refFor="ch" refForName="space"/>
+              <dgm:constr type="r" for="ch" forName="rect7" refType="w"/>
+              <dgm:constr type="h" for="ch" forName="rect7" refType="h" refFor="ch" refForName="circle7"/>
+              <dgm:constr type="hOff" for="ch" forName="rect7" refType="hOff" refFor="ch" refForName="circle7"/>
+              <dgm:constr type="b" for="ch" forName="rect7" refType="b" refFor="ch" refForName="circle7"/>
+              <dgm:constr type="l" for="ch" forName="rect7ParTx" refType="r" refFor="ch" refForName="space"/>
+              <dgm:constr type="w" for="ch" forName="rect7ParTx" refType="w" refFor="ch" refForName="rect7" fact="0.5"/>
+              <dgm:constr type="t" for="ch" forName="rect7ParTx" refType="t" refFor="ch" refForName="rect7"/>
+              <dgm:constr type="b" for="ch" forName="rect7ParTx" refType="b" refFor="ch" refForName="rect7"/>
+              <dgm:constr type="l" for="ch" forName="rect7ChTx" refType="r" refFor="ch" refForName="rect7ParTx"/>
+              <dgm:constr type="w" for="ch" forName="rect7ChTx" refType="w" refFor="ch" refForName="rect7ParTx"/>
+              <dgm:constr type="t" for="ch" forName="rect7ChTx" refType="t" refFor="ch" refForName="rect7ParTx"/>
+              <dgm:constr type="b" for="ch" forName="rect7ChTx" refType="b" refFor="ch" refForName="rect7ParTx"/>
+              <dgm:constr type="l" for="ch" forName="rect7ParTxNoCh" refType="r" refFor="ch" refForName="space"/>
+              <dgm:constr type="w" for="ch" forName="rect7ParTxNoCh" refType="w" refFor="ch" refForName="rect7"/>
+              <dgm:constr type="t" for="ch" forName="rect7ParTxNoCh" refType="t" refFor="ch" refForName="rect7"/>
+              <dgm:constr type="b" for="ch" forName="rect7ParTxNoCh" refType="b" refFor="ch" refForName="rect7"/>
+              <dgm:constr type="l" for="ch" forName="rect1ParTx" refType="r" refFor="ch" refForName="space"/>
+              <dgm:constr type="w" for="ch" forName="rect1ParTx" refType="w" refFor="ch" refForName="rect1" fact="0.5"/>
+              <dgm:constr type="t" for="ch" forName="rect1ParTx" refType="t" refFor="ch" refForName="rect1"/>
+              <dgm:constr type="b" for="ch" forName="rect1ParTx" refType="t" refFor="ch" refForName="rect2"/>
+              <dgm:constr type="l" for="ch" forName="rect1ChTx" refType="r" refFor="ch" refForName="rect1ParTx"/>
+              <dgm:constr type="w" for="ch" forName="rect1ChTx" refType="w" refFor="ch" refForName="rect1ParTx"/>
+              <dgm:constr type="t" for="ch" forName="rect1ChTx" refType="t" refFor="ch" refForName="rect1ParTx"/>
+              <dgm:constr type="b" for="ch" forName="rect1ChTx" refType="b" refFor="ch" refForName="rect1ParTx"/>
+              <dgm:constr type="l" for="ch" forName="rect1ParTxNoCh" refType="r" refFor="ch" refForName="space"/>
+              <dgm:constr type="w" for="ch" forName="rect1ParTxNoCh" refType="w" refFor="ch" refForName="rect1"/>
+              <dgm:constr type="t" for="ch" forName="rect1ParTxNoCh" refType="t" refFor="ch" refForName="rect1"/>
+              <dgm:constr type="b" for="ch" forName="rect1ParTxNoCh" refType="t" refFor="ch" refForName="rect2"/>
+              <dgm:constr type="l" for="ch" forName="rect2ParTx" refType="r" refFor="ch" refForName="space"/>
+              <dgm:constr type="w" for="ch" forName="rect2ParTx" refType="w" refFor="ch" refForName="rect2" fact="0.5"/>
+              <dgm:constr type="t" for="ch" forName="rect2ParTx" refType="t" refFor="ch" refForName="rect2"/>
+              <dgm:constr type="b" for="ch" forName="rect2ParTx" refType="t" refFor="ch" refForName="rect3"/>
+              <dgm:constr type="l" for="ch" forName="rect2ChTx" refType="r" refFor="ch" refForName="rect2ParTx"/>
+              <dgm:constr type="w" for="ch" forName="rect2ChTx" refType="w" refFor="ch" refForName="rect2ParTx"/>
+              <dgm:constr type="t" for="ch" forName="rect2ChTx" refType="t" refFor="ch" refForName="rect2ParTx"/>
+              <dgm:constr type="b" for="ch" forName="rect2ChTx" refType="b" refFor="ch" refForName="rect2ParTx"/>
+              <dgm:constr type="l" for="ch" forName="rect2ParTxNoCh" refType="r" refFor="ch" refForName="space"/>
+              <dgm:constr type="w" for="ch" forName="rect2ParTxNoCh" refType="w" refFor="ch" refForName="rect2"/>
+              <dgm:constr type="t" for="ch" forName="rect2ParTxNoCh" refType="t" refFor="ch" refForName="rect2"/>
+              <dgm:constr type="b" for="ch" forName="rect2ParTxNoCh" refType="t" refFor="ch" refForName="rect3"/>
+              <dgm:constr type="l" for="ch" forName="rect3ParTx" refType="r" refFor="ch" refForName="space"/>
+              <dgm:constr type="w" for="ch" forName="rect3ParTx" refType="w" refFor="ch" refForName="rect3" fact="0.5"/>
+              <dgm:constr type="t" for="ch" forName="rect3ParTx" refType="t" refFor="ch" refForName="rect3"/>
+              <dgm:constr type="b" for="ch" forName="rect3ParTx" refType="t" refFor="ch" refForName="rect4"/>
+              <dgm:constr type="l" for="ch" forName="rect3ChTx" refType="r" refFor="ch" refForName="rect3ParTx"/>
+              <dgm:constr type="w" for="ch" forName="rect3ChTx" refType="w" refFor="ch" refForName="rect3ParTx"/>
+              <dgm:constr type="t" for="ch" forName="rect3ChTx" refType="t" refFor="ch" refForName="rect3ParTx"/>
+              <dgm:constr type="b" for="ch" forName="rect3ChTx" refType="b" refFor="ch" refForName="rect3ParTx"/>
+              <dgm:constr type="l" for="ch" forName="rect3ParTxNoCh" refType="r" refFor="ch" refForName="space"/>
+              <dgm:constr type="w" for="ch" forName="rect3ParTxNoCh" refType="w" refFor="ch" refForName="rect3"/>
+              <dgm:constr type="t" for="ch" forName="rect3ParTxNoCh" refType="t" refFor="ch" refForName="rect3"/>
+              <dgm:constr type="b" for="ch" forName="rect3ParTxNoCh" refType="t" refFor="ch" refForName="rect4"/>
+              <dgm:constr type="l" for="ch" forName="rect4ParTx" refType="r" refFor="ch" refForName="space"/>
+              <dgm:constr type="w" for="ch" forName="rect4ParTx" refType="w" refFor="ch" refForName="rect4" fact="0.5"/>
+              <dgm:constr type="t" for="ch" forName="rect4ParTx" refType="t" refFor="ch" refForName="rect4"/>
+              <dgm:constr type="b" for="ch" forName="rect4ParTx" refType="t" refFor="ch" refForName="rect5"/>
+              <dgm:constr type="l" for="ch" forName="rect4ChTx" refType="r" refFor="ch" refForName="rect4ParTx"/>
+              <dgm:constr type="w" for="ch" forName="rect4ChTx" refType="w" refFor="ch" refForName="rect4ParTx"/>
+              <dgm:constr type="t" for="ch" forName="rect4ChTx" refType="t" refFor="ch" refForName="rect4ParTx"/>
+              <dgm:constr type="b" for="ch" forName="rect4ChTx" refType="b" refFor="ch" refForName="rect4ParTx"/>
+              <dgm:constr type="l" for="ch" forName="rect4ParTxNoCh" refType="r" refFor="ch" refForName="space"/>
+              <dgm:constr type="w" for="ch" forName="rect4ParTxNoCh" refType="w" refFor="ch" refForName="rect4"/>
+              <dgm:constr type="t" for="ch" forName="rect4ParTxNoCh" refType="t" refFor="ch" refForName="rect4"/>
+              <dgm:constr type="b" for="ch" forName="rect4ParTxNoCh" refType="t" refFor="ch" refForName="rect5"/>
+              <dgm:constr type="l" for="ch" forName="rect5ParTx" refType="r" refFor="ch" refForName="space"/>
+              <dgm:constr type="w" for="ch" forName="rect5ParTx" refType="w" refFor="ch" refForName="rect5" fact="0.5"/>
+              <dgm:constr type="t" for="ch" forName="rect5ParTx" refType="t" refFor="ch" refForName="rect5"/>
+              <dgm:constr type="b" for="ch" forName="rect5ParTx" refType="t" refFor="ch" refForName="rect6"/>
+              <dgm:constr type="l" for="ch" forName="rect5ChTx" refType="r" refFor="ch" refForName="rect5ParTx"/>
+              <dgm:constr type="w" for="ch" forName="rect5ChTx" refType="w" refFor="ch" refForName="rect5ParTx"/>
+              <dgm:constr type="t" for="ch" forName="rect5ChTx" refType="t" refFor="ch" refForName="rect5ParTx"/>
+              <dgm:constr type="b" for="ch" forName="rect5ChTx" refType="b" refFor="ch" refForName="rect5ParTx"/>
+              <dgm:constr type="l" for="ch" forName="rect5ParTxNoCh" refType="r" refFor="ch" refForName="space"/>
+              <dgm:constr type="w" for="ch" forName="rect5ParTxNoCh" refType="w" refFor="ch" refForName="rect5"/>
+              <dgm:constr type="t" for="ch" forName="rect5ParTxNoCh" refType="t" refFor="ch" refForName="rect5"/>
+              <dgm:constr type="b" for="ch" forName="rect5ParTxNoCh" refType="t" refFor="ch" refForName="rect6"/>
+              <dgm:constr type="l" for="ch" forName="rect6ParTx" refType="r" refFor="ch" refForName="space"/>
+              <dgm:constr type="w" for="ch" forName="rect6ParTx" refType="w" refFor="ch" refForName="rect6" fact="0.5"/>
+              <dgm:constr type="t" for="ch" forName="rect6ParTx" refType="t" refFor="ch" refForName="rect6"/>
+              <dgm:constr type="b" for="ch" forName="rect6ParTx" refType="t" refFor="ch" refForName="rect7"/>
+              <dgm:constr type="l" for="ch" forName="rect6ChTx" refType="r" refFor="ch" refForName="rect6ParTx"/>
+              <dgm:constr type="w" for="ch" forName="rect6ChTx" refType="w" refFor="ch" refForName="rect6ParTx"/>
+              <dgm:constr type="t" for="ch" forName="rect6ChTx" refType="t" refFor="ch" refForName="rect6ParTx"/>
+              <dgm:constr type="b" for="ch" forName="rect6ChTx" refType="b" refFor="ch" refForName="rect6ParTx"/>
+              <dgm:constr type="l" for="ch" forName="rect6ParTxNoCh" refType="r" refFor="ch" refForName="space"/>
+              <dgm:constr type="w" for="ch" forName="rect6ParTxNoCh" refType="w" refFor="ch" refForName="rect6"/>
+              <dgm:constr type="t" for="ch" forName="rect6ParTxNoCh" refType="t" refFor="ch" refForName="rect6"/>
+              <dgm:constr type="b" for="ch" forName="rect6ParTxNoCh" refType="t" refFor="ch" refForName="rect7"/>
+              <dgm:constr type="primFontSz" for="ch" op="equ" val="65"/>
+              <dgm:constr type="secFontSz" for="ch" op="equ" val="65"/>
+            </dgm:constrLst>
+          </dgm:if>
+          <dgm:else name="Name11">
+            <dgm:constrLst/>
+          </dgm:else>
+        </dgm:choose>
+      </dgm:if>
+      <dgm:else name="Name12">
+        <dgm:choose name="Name13">
+          <dgm:if name="Name14" axis="ch" ptType="node" func="cnt" op="equ" val="1">
+            <dgm:constrLst>
+              <dgm:constr type="userA" refType="w" fact="0.3"/>
+              <dgm:constr type="w" for="ch" forName="circle1" refType="userA" fact="2"/>
+              <dgm:constr type="h" for="ch" forName="circle1" refType="w" refFor="ch" refForName="circle1" op="equ"/>
+              <dgm:constr type="r" for="ch" forName="circle1" refType="w"/>
+              <dgm:constr type="ctrY" for="ch" forName="circle1" refType="h" fact="0.5"/>
+              <dgm:constr type="r" for="ch" forName="space" refType="ctrX" refFor="ch" refForName="circle1"/>
+              <dgm:constr type="w" for="ch" forName="space"/>
+              <dgm:constr type="h" for="ch" forName="space" refType="h" refFor="ch" refForName="circle1"/>
+              <dgm:constr type="b" for="ch" forName="space" refType="b" refFor="ch" refForName="circle1"/>
+              <dgm:constr type="r" for="ch" forName="rect1" refType="l" refFor="ch" refForName="space"/>
+              <dgm:constr type="l" for="ch" forName="rect1"/>
+              <dgm:constr type="h" for="ch" forName="rect1" refType="h" refFor="ch" refForName="circle1"/>
+              <dgm:constr type="b" for="ch" forName="rect1" refType="b" refFor="ch" refForName="circle1"/>
+              <dgm:constr type="r" for="ch" forName="rect1ParTx" refType="l" refFor="ch" refForName="space"/>
+              <dgm:constr type="w" for="ch" forName="rect1ParTx" refType="w" refFor="ch" refForName="rect1" fact="0.5"/>
+              <dgm:constr type="t" for="ch" forName="rect1ParTx" refType="t" refFor="ch" refForName="rect1"/>
+              <dgm:constr type="b" for="ch" forName="rect1ParTx" refType="b" refFor="ch" refForName="rect1"/>
+              <dgm:constr type="r" for="ch" forName="rect1ChTx" refType="l" refFor="ch" refForName="rect1ParTx"/>
+              <dgm:constr type="w" for="ch" forName="rect1ChTx" refType="w" refFor="ch" refForName="rect1ParTx"/>
+              <dgm:constr type="t" for="ch" forName="rect1ChTx" refType="t" refFor="ch" refForName="rect1ParTx"/>
+              <dgm:constr type="b" for="ch" forName="rect1ChTx" refType="b" refFor="ch" refForName="rect1ParTx"/>
+              <dgm:constr type="r" for="ch" forName="rect1ParTxNoCh" refType="l" refFor="ch" refForName="space"/>
+              <dgm:constr type="w" for="ch" forName="rect1ParTxNoCh" refType="w" refFor="ch" refForName="rect1"/>
+              <dgm:constr type="t" for="ch" forName="rect1ParTxNoCh" refType="t" refFor="ch" refForName="rect1"/>
+              <dgm:constr type="b" for="ch" forName="rect1ParTxNoCh" refType="b" refFor="ch" refForName="rect1"/>
+              <dgm:constr type="primFontSz" for="ch" op="equ" val="65"/>
+              <dgm:constr type="secFontSz" for="ch" op="equ" val="65"/>
+            </dgm:constrLst>
+          </dgm:if>
+          <dgm:if name="Name15" axis="ch" ptType="node" func="cnt" op="equ" val="2">
+            <dgm:constrLst>
+              <dgm:constr type="userA" refType="w" fact="0.3"/>
+              <dgm:constr type="w" for="ch" forName="circle1" refType="userA" fact="2"/>
+              <dgm:constr type="h" for="ch" forName="circle1" refType="w" refFor="ch" refForName="circle1" op="equ"/>
+              <dgm:constr type="r" for="ch" forName="circle1" refType="w"/>
+              <dgm:constr type="ctrY" for="ch" forName="circle1" refType="h" fact="0.5"/>
+              <dgm:constr type="r" for="ch" forName="space" refType="ctrX" refFor="ch" refForName="circle1"/>
+              <dgm:constr type="w" for="ch" forName="space"/>
+              <dgm:constr type="h" for="ch" forName="space" refType="h" refFor="ch" refForName="circle1"/>
+              <dgm:constr type="b" for="ch" forName="space" refType="b" refFor="ch" refForName="circle1"/>
+              <dgm:constr type="r" for="ch" forName="rect1" refType="l" refFor="ch" refForName="space"/>
+              <dgm:constr type="l" for="ch" forName="rect1"/>
+              <dgm:constr type="h" for="ch" forName="rect1" refType="h" refFor="ch" refForName="circle1"/>
+              <dgm:constr type="b" for="ch" forName="rect1" refType="b" refFor="ch" refForName="circle1"/>
+              <dgm:constr type="l" for="ch" forName="vertSpace2"/>
+              <dgm:constr type="w" for="ch" forName="vertSpace2" refType="w"/>
+              <dgm:constr type="h" for="ch" forName="vertSpace2" refType="h" refFor="ch" refForName="circle1" fact="0.05"/>
+              <dgm:constr type="b" for="ch" forName="vertSpace2" refType="b" refFor="ch" refForName="circle1"/>
+              <dgm:constr type="ctrX" for="ch" forName="circle2" refType="r" refFor="ch" refForName="space"/>
+              <dgm:constr type="h" for="ch" forName="circle2" refType="h" refFor="ch" refForName="circle1" fact="0.5"/>
+              <dgm:constr type="hOff" for="ch" forName="circle2" refType="h" refFor="ch" refForName="vertSpace2" fact="-0.5"/>
+              <dgm:constr type="w" for="ch" forName="circle2" refType="h" refFor="ch" refForName="circle2" op="equ"/>
+              <dgm:constr type="wOff" for="ch" forName="circle2" refType="hOff" refFor="ch" refForName="circle2" op="equ"/>
+              <dgm:constr type="b" for="ch" forName="circle2" refType="t" refFor="ch" refForName="vertSpace2"/>
+              <dgm:constr type="r" for="ch" forName="rect2" refType="l" refFor="ch" refForName="space"/>
+              <dgm:constr type="l" for="ch" forName="rect2"/>
+              <dgm:constr type="h" for="ch" forName="rect2" refType="h" refFor="ch" refForName="circle2"/>
+              <dgm:constr type="hOff" for="ch" forName="rect2" refType="hOff" refFor="ch" refForName="circle2"/>
+              <dgm:constr type="b" for="ch" forName="rect2" refType="b" refFor="ch" refForName="circle2"/>
+              <dgm:constr type="r" for="ch" forName="rect2ParTx" refType="l" refFor="ch" refForName="space"/>
+              <dgm:constr type="w" for="ch" forName="rect2ParTx" refType="w" refFor="ch" refForName="rect2" fact="0.5"/>
+              <dgm:constr type="t" for="ch" forName="rect2ParTx" refType="t" refFor="ch" refForName="rect2"/>
+              <dgm:constr type="b" for="ch" forName="rect2ParTx" refType="b" refFor="ch" refForName="rect2"/>
+              <dgm:constr type="r" for="ch" forName="rect2ChTx" refType="l" refFor="ch" refForName="rect2ParTx"/>
+              <dgm:constr type="w" for="ch" forName="rect2ChTx" refType="w" refFor="ch" refForName="rect2ParTx"/>
+              <dgm:constr type="t" for="ch" forName="rect2ChTx" refType="t" refFor="ch" refForName="rect2ParTx"/>
+              <dgm:constr type="b" for="ch" forName="rect2ChTx" refType="b" refFor="ch" refForName="rect2ParTx"/>
+              <dgm:constr type="r" for="ch" forName="rect2ParTxNoCh" refType="l" refFor="ch" refForName="space"/>
+              <dgm:constr type="w" for="ch" forName="rect2ParTxNoCh" refType="w" refFor="ch" refForName="rect2"/>
+              <dgm:constr type="t" for="ch" forName="rect2ParTxNoCh" refType="t" refFor="ch" refForName="rect2"/>
+              <dgm:constr type="b" for="ch" forName="rect2ParTxNoCh" refType="b" refFor="ch" refForName="rect2"/>
+              <dgm:constr type="r" for="ch" forName="rect1ParTx" refType="l" refFor="ch" refForName="space"/>
+              <dgm:constr type="w" for="ch" forName="rect1ParTx" refType="w" refFor="ch" refForName="rect1" fact="0.5"/>
+              <dgm:constr type="t" for="ch" forName="rect1ParTx" refType="t" refFor="ch" refForName="rect1"/>
+              <dgm:constr type="b" for="ch" forName="rect1ParTx" refType="t" refFor="ch" refForName="rect2"/>
+              <dgm:constr type="r" for="ch" forName="rect1ChTx" refType="l" refFor="ch" refForName="rect1ParTx"/>
+              <dgm:constr type="w" for="ch" forName="rect1ChTx" refType="w" refFor="ch" refForName="rect1ParTx"/>
+              <dgm:constr type="t" for="ch" forName="rect1ChTx" refType="t" refFor="ch" refForName="rect1ParTx"/>
+              <dgm:constr type="b" for="ch" forName="rect1ChTx" refType="b" refFor="ch" refForName="rect1ParTx"/>
+              <dgm:constr type="r" for="ch" forName="rect1ParTxNoCh" refType="l" refFor="ch" refForName="space"/>
+              <dgm:constr type="w" for="ch" forName="rect1ParTxNoCh" refType="w" refFor="ch" refForName="rect1"/>
+              <dgm:constr type="t" for="ch" forName="rect1ParTxNoCh" refType="t" refFor="ch" refForName="rect1"/>
+              <dgm:constr type="b" for="ch" forName="rect1ParTxNoCh" refType="t" refFor="ch" refForName="rect2"/>
+              <dgm:constr type="primFontSz" for="ch" op="equ" val="65"/>
+              <dgm:constr type="secFontSz" for="ch" op="equ" val="65"/>
+            </dgm:constrLst>
+          </dgm:if>
+          <dgm:if name="Name16" axis="ch" ptType="node" func="cnt" op="equ" val="3">
+            <dgm:constrLst>
+              <dgm:constr type="userA" refType="w" fact="0.3"/>
+              <dgm:constr type="w" for="ch" forName="circle1" refType="userA" fact="2"/>
+              <dgm:constr type="h" for="ch" forName="circle1" refType="w" refFor="ch" refForName="circle1" op="equ"/>
+              <dgm:constr type="r" for="ch" forName="circle1" refType="w"/>
+              <dgm:constr type="ctrY" for="ch" forName="circle1" refType="h" fact="0.5"/>
+              <dgm:constr type="r" for="ch" forName="space" refType="ctrX" refFor="ch" refForName="circle1"/>
+              <dgm:constr type="w" for="ch" forName="space"/>
+              <dgm:constr type="h" for="ch" forName="space" refType="h" refFor="ch" refForName="circle1"/>
+              <dgm:constr type="b" for="ch" forName="space" refType="b" refFor="ch" refForName="circle1"/>
+              <dgm:constr type="r" for="ch" forName="rect1" refType="l" refFor="ch" refForName="space"/>
+              <dgm:constr type="l" for="ch" forName="rect1"/>
+              <dgm:constr type="h" for="ch" forName="rect1" refType="h" refFor="ch" refForName="circle1"/>
+              <dgm:constr type="b" for="ch" forName="rect1" refType="b" refFor="ch" refForName="circle1"/>
+              <dgm:constr type="l" for="ch" forName="vertSpace2"/>
+              <dgm:constr type="w" for="ch" forName="vertSpace2" refType="w"/>
+              <dgm:constr type="h" for="ch" forName="vertSpace2" refType="h" refFor="ch" refForName="circle1" fact="0.05"/>
+              <dgm:constr type="b" for="ch" forName="vertSpace2" refType="b" refFor="ch" refForName="circle1"/>
+              <dgm:constr type="ctrX" for="ch" forName="circle2" refType="r" refFor="ch" refForName="space"/>
+              <dgm:constr type="h" for="ch" forName="circle2" refType="h" refFor="ch" refForName="circle1" fact="0.66667"/>
+              <dgm:constr type="hOff" for="ch" forName="circle2" refType="h" refFor="ch" refForName="vertSpace2" fact="-0.33333"/>
+              <dgm:constr type="w" for="ch" forName="circle2" refType="h" refFor="ch" refForName="circle2" op="equ"/>
+              <dgm:constr type="wOff" for="ch" forName="circle2" refType="hOff" refFor="ch" refForName="circle2" op="equ"/>
+              <dgm:constr type="b" for="ch" forName="circle2" refType="t" refFor="ch" refForName="vertSpace2"/>
+              <dgm:constr type="r" for="ch" forName="rect2" refType="l" refFor="ch" refForName="space"/>
+              <dgm:constr type="l" for="ch" forName="rect2"/>
+              <dgm:constr type="h" for="ch" forName="rect2" refType="h" refFor="ch" refForName="circle2"/>
+              <dgm:constr type="hOff" for="ch" forName="rect2" refType="hOff" refFor="ch" refForName="circle2"/>
+              <dgm:constr type="b" for="ch" forName="rect2" refType="b" refFor="ch" refForName="circle2"/>
+              <dgm:constr type="l" for="ch" forName="vertSpace3"/>
+              <dgm:constr type="w" for="ch" forName="vertSpace3" refType="w"/>
+              <dgm:constr type="h" for="ch" forName="vertSpace3" refType="h" refFor="ch" refForName="vertSpace2"/>
+              <dgm:constr type="b" for="ch" forName="vertSpace3" refType="t" refFor="ch" refForName="vertSpace2"/>
+              <dgm:constr type="ctrX" for="ch" forName="circle3" refType="r" refFor="ch" refForName="space"/>
+              <dgm:constr type="h" for="ch" forName="circle3" refType="h" refFor="ch" refForName="circle1" fact="0.33333"/>
+              <dgm:constr type="hOff" for="ch" forName="circle3" refType="h" refFor="ch" refForName="vertSpace2" fact="-0.66667"/>
+              <dgm:constr type="w" for="ch" forName="circle3" refType="h" refFor="ch" refForName="circle3" op="equ"/>
+              <dgm:constr type="wOff" for="ch" forName="circle3" refType="hOff" refFor="ch" refForName="circle3" op="equ"/>
+              <dgm:constr type="b" for="ch" forName="circle3" refType="t" refFor="ch" refForName="vertSpace3"/>
+              <dgm:constr type="r" for="ch" forName="rect3" refType="l" refFor="ch" refForName="space"/>
+              <dgm:constr type="l" for="ch" forName="rect3"/>
+              <dgm:constr type="h" for="ch" forName="rect3" refType="h" refFor="ch" refForName="circle3"/>
+              <dgm:constr type="hOff" for="ch" forName="rect3" refType="hOff" refFor="ch" refForName="circle3"/>
+              <dgm:constr type="b" for="ch" forName="rect3" refType="b" refFor="ch" refForName="circle3"/>
+              <dgm:constr type="r" for="ch" forName="rect3ParTx" refType="l" refFor="ch" refForName="space"/>
+              <dgm:constr type="w" for="ch" forName="rect3ParTx" refType="w" refFor="ch" refForName="rect3" fact="0.5"/>
+              <dgm:constr type="t" for="ch" forName="rect3ParTx" refType="t" refFor="ch" refForName="rect3"/>
+              <dgm:constr type="b" for="ch" forName="rect3ParTx" refType="b" refFor="ch" refForName="rect3"/>
+              <dgm:constr type="r" for="ch" forName="rect3ChTx" refType="l" refFor="ch" refForName="rect3ParTx"/>
+              <dgm:constr type="w" for="ch" forName="rect3ChTx" refType="w" refFor="ch" refForName="rect3ParTx"/>
+              <dgm:constr type="t" for="ch" forName="rect3ChTx" refType="t" refFor="ch" refForName="rect3ParTx"/>
+              <dgm:constr type="b" for="ch" forName="rect3ChTx" refType="b" refFor="ch" refForName="rect3ParTx"/>
+              <dgm:constr type="r" for="ch" forName="rect3ParTxNoCh" refType="l" refFor="ch" refForName="space"/>
+              <dgm:constr type="w" for="ch" forName="rect3ParTxNoCh" refType="w" refFor="ch" refForName="rect3"/>
+              <dgm:constr type="t" for="ch" forName="rect3ParTxNoCh" refType="t" refFor="ch" refForName="rect3"/>
+              <dgm:constr type="b" for="ch" forName="rect3ParTxNoCh" refType="b" refFor="ch" refForName="rect3"/>
+              <dgm:constr type="r" for="ch" forName="rect1ParTx" refType="l" refFor="ch" refForName="space"/>
+              <dgm:constr type="w" for="ch" forName="rect1ParTx" refType="w" refFor="ch" refForName="rect1" fact="0.5"/>
+              <dgm:constr type="t" for="ch" forName="rect1ParTx" refType="t" refFor="ch" refForName="rect1"/>
+              <dgm:constr type="b" for="ch" forName="rect1ParTx" refType="t" refFor="ch" refForName="rect2"/>
+              <dgm:constr type="r" for="ch" forName="rect1ChTx" refType="l" refFor="ch" refForName="rect1ParTx"/>
+              <dgm:constr type="w" for="ch" forName="rect1ChTx" refType="w" refFor="ch" refForName="rect1ParTx"/>
+              <dgm:constr type="t" for="ch" forName="rect1ChTx" refType="t" refFor="ch" refForName="rect1ParTx"/>
+              <dgm:constr type="b" for="ch" forName="rect1ChTx" refType="b" refFor="ch" refForName="rect1ParTx"/>
+              <dgm:constr type="r" for="ch" forName="rect1ParTxNoCh" refType="l" refFor="ch" refForName="space"/>
+              <dgm:constr type="w" for="ch" forName="rect1ParTxNoCh" refType="w" refFor="ch" refForName="rect1"/>
+              <dgm:constr type="t" for="ch" forName="rect1ParTxNoCh" refType="t" refFor="ch" refForName="rect1"/>
+              <dgm:constr type="b" for="ch" forName="rect1ParTxNoCh" refType="t" refFor="ch" refForName="rect2"/>
+              <dgm:constr type="r" for="ch" forName="rect2ParTx" refType="l" refFor="ch" refForName="space"/>
+              <dgm:constr type="w" for="ch" forName="rect2ParTx" refType="w" refFor="ch" refForName="rect2" fact="0.5"/>
+              <dgm:constr type="t" for="ch" forName="rect2ParTx" refType="t" refFor="ch" refForName="rect2"/>
+              <dgm:constr type="b" for="ch" forName="rect2ParTx" refType="t" refFor="ch" refForName="rect3"/>
+              <dgm:constr type="r" for="ch" forName="rect2ChTx" refType="l" refFor="ch" refForName="rect2ParTx"/>
+              <dgm:constr type="w" for="ch" forName="rect2ChTx" refType="w" refFor="ch" refForName="rect2ParTx"/>
+              <dgm:constr type="t" for="ch" forName="rect2ChTx" refType="t" refFor="ch" refForName="rect2ParTx"/>
+              <dgm:constr type="b" for="ch" forName="rect2ChTx" refType="b" refFor="ch" refForName="rect2ParTx"/>
+              <dgm:constr type="r" for="ch" forName="rect2ParTxNoCh" refType="l" refFor="ch" refForName="space"/>
+              <dgm:constr type="w" for="ch" forName="rect2ParTxNoCh" refType="w" refFor="ch" refForName="rect2"/>
+              <dgm:constr type="t" for="ch" forName="rect2ParTxNoCh" refType="t" refFor="ch" refForName="rect2"/>
+              <dgm:constr type="b" for="ch" forName="rect2ParTxNoCh" refType="t" refFor="ch" refForName="rect3"/>
+              <dgm:constr type="primFontSz" for="ch" op="equ" val="65"/>
+              <dgm:constr type="secFontSz" for="ch" op="equ" val="65"/>
+            </dgm:constrLst>
+          </dgm:if>
+          <dgm:if name="Name17" axis="ch" ptType="node" func="cnt" op="equ" val="4">
+            <dgm:constrLst>
+              <dgm:constr type="userA" refType="w" fact="0.3"/>
+              <dgm:constr type="w" for="ch" forName="circle1" refType="userA" fact="2"/>
+              <dgm:constr type="h" for="ch" forName="circle1" refType="w" refFor="ch" refForName="circle1" op="equ"/>
+              <dgm:constr type="r" for="ch" forName="circle1" refType="w"/>
+              <dgm:constr type="ctrY" for="ch" forName="circle1" refType="h" fact="0.5"/>
+              <dgm:constr type="r" for="ch" forName="space" refType="ctrX" refFor="ch" refForName="circle1"/>
+              <dgm:constr type="w" for="ch" forName="space"/>
+              <dgm:constr type="h" for="ch" forName="space" refType="h" refFor="ch" refForName="circle1"/>
+              <dgm:constr type="b" for="ch" forName="space" refType="b" refFor="ch" refForName="circle1"/>
+              <dgm:constr type="r" for="ch" forName="rect1" refType="l" refFor="ch" refForName="space"/>
+              <dgm:constr type="l" for="ch" forName="rect1"/>
+              <dgm:constr type="h" for="ch" forName="rect1" refType="h" refFor="ch" refForName="circle1"/>
+              <dgm:constr type="b" for="ch" forName="rect1" refType="b" refFor="ch" refForName="circle1"/>
+              <dgm:constr type="l" for="ch" forName="vertSpace2"/>
+              <dgm:constr type="w" for="ch" forName="vertSpace2" refType="w"/>
+              <dgm:constr type="h" for="ch" forName="vertSpace2" refType="h" refFor="ch" refForName="circle1" fact="0.05"/>
+              <dgm:constr type="b" for="ch" forName="vertSpace2" refType="b" refFor="ch" refForName="circle1"/>
+              <dgm:constr type="ctrX" for="ch" forName="circle2" refType="r" refFor="ch" refForName="space"/>
+              <dgm:constr type="h" for="ch" forName="circle2" refType="h" refFor="ch" refForName="circle1" fact="0.75"/>
+              <dgm:constr type="hOff" for="ch" forName="circle2" refType="h" refFor="ch" refForName="vertSpace2" fact="-0.25"/>
+              <dgm:constr type="w" for="ch" forName="circle2" refType="h" refFor="ch" refForName="circle2" op="equ"/>
+              <dgm:constr type="wOff" for="ch" forName="circle2" refType="hOff" refFor="ch" refForName="circle2" op="equ"/>
+              <dgm:constr type="b" for="ch" forName="circle2" refType="t" refFor="ch" refForName="vertSpace2"/>
+              <dgm:constr type="r" for="ch" forName="rect2" refType="l" refFor="ch" refForName="space"/>
+              <dgm:constr type="l" for="ch" forName="rect2"/>
+              <dgm:constr type="h" for="ch" forName="rect2" refType="h" refFor="ch" refForName="circle2"/>
+              <dgm:constr type="hOff" for="ch" forName="rect2" refType="hOff" refFor="ch" refForName="circle2"/>
+              <dgm:constr type="b" for="ch" forName="rect2" refType="b" refFor="ch" refForName="circle2"/>
+              <dgm:constr type="l" for="ch" forName="vertSpace3"/>
+              <dgm:constr type="w" for="ch" forName="vertSpace3" refType="w"/>
+              <dgm:constr type="h" for="ch" forName="vertSpace3" refType="h" refFor="ch" refForName="vertSpace2"/>
+              <dgm:constr type="b" for="ch" forName="vertSpace3" refType="t" refFor="ch" refForName="vertSpace2"/>
+              <dgm:constr type="ctrX" for="ch" forName="circle3" refType="r" refFor="ch" refForName="space"/>
+              <dgm:constr type="h" for="ch" forName="circle3" refType="h" refFor="ch" refForName="circle1" fact="0.5"/>
+              <dgm:constr type="hOff" for="ch" forName="circle3" refType="h" refFor="ch" refForName="vertSpace2" fact="-0.5"/>
+              <dgm:constr type="w" for="ch" forName="circle3" refType="h" refFor="ch" refForName="circle3" op="equ"/>
+              <dgm:constr type="wOff" for="ch" forName="circle3" refType="hOff" refFor="ch" refForName="circle3" op="equ"/>
+              <dgm:constr type="b" for="ch" forName="circle3" refType="t" refFor="ch" refForName="vertSpace3"/>
+              <dgm:constr type="r" for="ch" forName="rect3" refType="l" refFor="ch" refForName="space"/>
+              <dgm:constr type="l" for="ch" forName="rect3"/>
+              <dgm:constr type="h" for="ch" forName="rect3" refType="h" refFor="ch" refForName="circle3"/>
+              <dgm:constr type="hOff" for="ch" forName="rect3" refType="hOff" refFor="ch" refForName="circle3"/>
+              <dgm:constr type="b" for="ch" forName="rect3" refType="b" refFor="ch" refForName="circle3"/>
+              <dgm:constr type="l" for="ch" forName="vertSpace4"/>
+              <dgm:constr type="w" for="ch" forName="vertSpace4" refType="w"/>
+              <dgm:constr type="h" for="ch" forName="vertSpace4" refType="h" refFor="ch" refForName="vertSpace3"/>
+              <dgm:constr type="b" for="ch" forName="vertSpace4" refType="t" refFor="ch" refForName="vertSpace3"/>
+              <dgm:constr type="ctrX" for="ch" forName="circle4" refType="r" refFor="ch" refForName="space"/>
+              <dgm:constr type="h" for="ch" forName="circle4" refType="h" refFor="ch" refForName="circle1" fact="0.25"/>
+              <dgm:constr type="hOff" for="ch" forName="circle4" refType="h" refFor="ch" refForName="vertSpace2" fact="-0.75"/>
+              <dgm:constr type="w" for="ch" forName="circle4" refType="h" refFor="ch" refForName="circle4" op="equ"/>
+              <dgm:constr type="wOff" for="ch" forName="circle4" refType="hOff" refFor="ch" refForName="circle4" op="equ"/>
+              <dgm:constr type="b" for="ch" forName="circle4" refType="t" refFor="ch" refForName="vertSpace4"/>
+              <dgm:constr type="r" for="ch" forName="rect4" refType="l" refFor="ch" refForName="space"/>
+              <dgm:constr type="l" for="ch" forName="rect4"/>
+              <dgm:constr type="h" for="ch" forName="rect4" refType="h" refFor="ch" refForName="circle4"/>
+              <dgm:constr type="hOff" for="ch" forName="rect4" refType="hOff" refFor="ch" refForName="circle4"/>
+              <dgm:constr type="b" for="ch" forName="rect4" refType="b" refFor="ch" refForName="circle4"/>
+              <dgm:constr type="r" for="ch" forName="rect4ParTx" refType="l" refFor="ch" refForName="space"/>
+              <dgm:constr type="w" for="ch" forName="rect4ParTx" refType="w" refFor="ch" refForName="rect4" fact="0.5"/>
+              <dgm:constr type="t" for="ch" forName="rect4ParTx" refType="t" refFor="ch" refForName="rect4"/>
+              <dgm:constr type="b" for="ch" forName="rect4ParTx" refType="b" refFor="ch" refForName="rect4"/>
+              <dgm:constr type="r" for="ch" forName="rect4ChTx" refType="l" refFor="ch" refForName="rect4ParTx"/>
+              <dgm:constr type="w" for="ch" forName="rect4ChTx" refType="w" refFor="ch" refForName="rect4ParTx"/>
+              <dgm:constr type="t" for="ch" forName="rect4ChTx" refType="t" refFor="ch" refForName="rect4ParTx"/>
+              <dgm:constr type="b" for="ch" forName="rect4ChTx" refType="b" refFor="ch" refForName="rect4ParTx"/>
+              <dgm:constr type="r" for="ch" forName="rect4ParTxNoCh" refType="l" refFor="ch" refForName="space"/>
+              <dgm:constr type="w" for="ch" forName="rect4ParTxNoCh" refType="w" refFor="ch" refForName="rect4"/>
+              <dgm:constr type="t" for="ch" forName="rect4ParTxNoCh" refType="t" refFor="ch" refForName="rect4"/>
+              <dgm:constr type="b" for="ch" forName="rect4ParTxNoCh" refType="b" refFor="ch" refForName="rect4"/>
+              <dgm:constr type="r" for="ch" forName="rect1ParTx" refType="l" refFor="ch" refForName="space"/>
+              <dgm:constr type="w" for="ch" forName="rect1ParTx" refType="w" refFor="ch" refForName="rect1" fact="0.5"/>
+              <dgm:constr type="t" for="ch" forName="rect1ParTx" refType="t" refFor="ch" refForName="rect1"/>
+              <dgm:constr type="b" for="ch" forName="rect1ParTx" refType="t" refFor="ch" refForName="rect2"/>
+              <dgm:constr type="r" for="ch" forName="rect1ChTx" refType="l" refFor="ch" refForName="rect1ParTx"/>
+              <dgm:constr type="w" for="ch" forName="rect1ChTx" refType="w" refFor="ch" refForName="rect1ParTx"/>
+              <dgm:constr type="t" for="ch" forName="rect1ChTx" refType="t" refFor="ch" refForName="rect1ParTx"/>
+              <dgm:constr type="b" for="ch" forName="rect1ChTx" refType="b" refFor="ch" refForName="rect1ParTx"/>
+              <dgm:constr type="r" for="ch" forName="rect1ParTxNoCh" refType="l" refFor="ch" refForName="space"/>
+              <dgm:constr type="w" for="ch" forName="rect1ParTxNoCh" refType="w" refFor="ch" refForName="rect1"/>
+              <dgm:constr type="t" for="ch" forName="rect1ParTxNoCh" refType="t" refFor="ch" refForName="rect1"/>
+              <dgm:constr type="b" for="ch" forName="rect1ParTxNoCh" refType="t" refFor="ch" refForName="rect2"/>
+              <dgm:constr type="r" for="ch" forName="rect2ParTx" refType="l" refFor="ch" refForName="space"/>
+              <dgm:constr type="w" for="ch" forName="rect2ParTx" refType="w" refFor="ch" refForName="rect2" fact="0.5"/>
+              <dgm:constr type="t" for="ch" forName="rect2ParTx" refType="t" refFor="ch" refForName="rect2"/>
+              <dgm:constr type="b" for="ch" forName="rect2ParTx" refType="t" refFor="ch" refForName="rect3"/>
+              <dgm:constr type="r" for="ch" forName="rect2ChTx" refType="l" refFor="ch" refForName="rect2ParTx"/>
+              <dgm:constr type="w" for="ch" forName="rect2ChTx" refType="w" refFor="ch" refForName="rect2ParTx"/>
+              <dgm:constr type="t" for="ch" forName="rect2ChTx" refType="t" refFor="ch" refForName="rect2ParTx"/>
+              <dgm:constr type="b" for="ch" forName="rect2ChTx" refType="b" refFor="ch" refForName="rect2ParTx"/>
+              <dgm:constr type="r" for="ch" forName="rect2ParTxNoCh" refType="l" refFor="ch" refForName="space"/>
+              <dgm:constr type="w" for="ch" forName="rect2ParTxNoCh" refType="w" refFor="ch" refForName="rect2"/>
+              <dgm:constr type="t" for="ch" forName="rect2ParTxNoCh" refType="t" refFor="ch" refForName="rect2"/>
+              <dgm:constr type="b" for="ch" forName="rect2ParTxNoCh" refType="t" refFor="ch" refForName="rect3"/>
+              <dgm:constr type="r" for="ch" forName="rect3ParTx" refType="l" refFor="ch" refForName="space"/>
+              <dgm:constr type="w" for="ch" forName="rect3ParTx" refType="w" refFor="ch" refForName="rect3" fact="0.5"/>
+              <dgm:constr type="t" for="ch" forName="rect3ParTx" refType="t" refFor="ch" refForName="rect3"/>
+              <dgm:constr type="b" for="ch" forName="rect3ParTx" refType="t" refFor="ch" refForName="rect4"/>
+              <dgm:constr type="r" for="ch" forName="rect3ChTx" refType="l" refFor="ch" refForName="rect3ParTx"/>
+              <dgm:constr type="w" for="ch" forName="rect3ChTx" refType="w" refFor="ch" refForName="rect3ParTx"/>
+              <dgm:constr type="t" for="ch" forName="rect3ChTx" refType="t" refFor="ch" refForName="rect3ParTx"/>
+              <dgm:constr type="b" for="ch" forName="rect3ChTx" refType="b" refFor="ch" refForName="rect3ParTx"/>
+              <dgm:constr type="r" for="ch" forName="rect3ParTxNoCh" refType="l" refFor="ch" refForName="space"/>
+              <dgm:constr type="w" for="ch" forName="rect3ParTxNoCh" refType="w" refFor="ch" refForName="rect3"/>
+              <dgm:constr type="t" for="ch" forName="rect3ParTxNoCh" refType="t" refFor="ch" refForName="rect3"/>
+              <dgm:constr type="b" for="ch" forName="rect3ParTxNoCh" refType="t" refFor="ch" refForName="rect4"/>
+              <dgm:constr type="primFontSz" for="ch" op="equ" val="65"/>
+              <dgm:constr type="secFontSz" for="ch" op="equ" val="65"/>
+            </dgm:constrLst>
+          </dgm:if>
+          <dgm:if name="Name18" axis="ch" ptType="node" func="cnt" op="equ" val="5">
+            <dgm:constrLst>
+              <dgm:constr type="userA" refType="w" fact="0.3"/>
+              <dgm:constr type="w" for="ch" forName="circle1" refType="userA" fact="2"/>
+              <dgm:constr type="h" for="ch" forName="circle1" refType="w" refFor="ch" refForName="circle1" op="equ"/>
+              <dgm:constr type="r" for="ch" forName="circle1" refType="w"/>
+              <dgm:constr type="ctrY" for="ch" forName="circle1" refType="h" fact="0.5"/>
+              <dgm:constr type="r" for="ch" forName="space" refType="ctrX" refFor="ch" refForName="circle1"/>
+              <dgm:constr type="w" for="ch" forName="space"/>
+              <dgm:constr type="h" for="ch" forName="space" refType="h" refFor="ch" refForName="circle1"/>
+              <dgm:constr type="b" for="ch" forName="space" refType="b" refFor="ch" refForName="circle1"/>
+              <dgm:constr type="r" for="ch" forName="rect1" refType="l" refFor="ch" refForName="space"/>
+              <dgm:constr type="l" for="ch" forName="rect1"/>
+              <dgm:constr type="h" for="ch" forName="rect1" refType="h" refFor="ch" refForName="circle1"/>
+              <dgm:constr type="b" for="ch" forName="rect1" refType="b" refFor="ch" refForName="circle1"/>
+              <dgm:constr type="l" for="ch" forName="vertSpace2"/>
+              <dgm:constr type="w" for="ch" forName="vertSpace2" refType="w"/>
+              <dgm:constr type="h" for="ch" forName="vertSpace2" refType="h" refFor="ch" refForName="circle1" fact="0.05"/>
+              <dgm:constr type="b" for="ch" forName="vertSpace2" refType="b" refFor="ch" refForName="circle1"/>
+              <dgm:constr type="ctrX" for="ch" forName="circle2" refType="r" refFor="ch" refForName="space"/>
+              <dgm:constr type="h" for="ch" forName="circle2" refType="h" refFor="ch" refForName="circle1" fact="0.8"/>
+              <dgm:constr type="hOff" for="ch" forName="circle2" refType="h" refFor="ch" refForName="vertSpace2" fact="-0.2"/>
+              <dgm:constr type="w" for="ch" forName="circle2" refType="h" refFor="ch" refForName="circle2" op="equ"/>
+              <dgm:constr type="wOff" for="ch" forName="circle2" refType="hOff" refFor="ch" refForName="circle2" op="equ"/>
+              <dgm:constr type="b" for="ch" forName="circle2" refType="t" refFor="ch" refForName="vertSpace2"/>
+              <dgm:constr type="r" for="ch" forName="rect2" refType="l" refFor="ch" refForName="space"/>
+              <dgm:constr type="l" for="ch" forName="rect2"/>
+              <dgm:constr type="h" for="ch" forName="rect2" refType="h" refFor="ch" refForName="circle2"/>
+              <dgm:constr type="hOff" for="ch" forName="rect2" refType="hOff" refFor="ch" refForName="circle2"/>
+              <dgm:constr type="b" for="ch" forName="rect2" refType="b" refFor="ch" refForName="circle2"/>
+              <dgm:constr type="l" for="ch" forName="vertSpace3"/>
+              <dgm:constr type="w" for="ch" forName="vertSpace3" refType="w"/>
+              <dgm:constr type="h" for="ch" forName="vertSpace3" refType="h" refFor="ch" refForName="vertSpace2"/>
+              <dgm:constr type="b" for="ch" forName="vertSpace3" refType="t" refFor="ch" refForName="vertSpace2"/>
+              <dgm:constr type="ctrX" for="ch" forName="circle3" refType="r" refFor="ch" refForName="space"/>
+              <dgm:constr type="h" for="ch" forName="circle3" refType="h" refFor="ch" refForName="circle1" fact="0.6"/>
+              <dgm:constr type="hOff" for="ch" forName="circle3" refType="h" refFor="ch" refForName="vertSpace2" fact="-0.4"/>
+              <dgm:constr type="w" for="ch" forName="circle3" refType="h" refFor="ch" refForName="circle3" op="equ"/>
+              <dgm:constr type="wOff" for="ch" forName="circle3" refType="hOff" refFor="ch" refForName="circle3" op="equ"/>
+              <dgm:constr type="b" for="ch" forName="circle3" refType="t" refFor="ch" refForName="vertSpace3"/>
+              <dgm:constr type="r" for="ch" forName="rect3" refType="l" refFor="ch" refForName="space"/>
+              <dgm:constr type="l" for="ch" forName="rect3"/>
+              <dgm:constr type="h" for="ch" forName="rect3" refType="h" refFor="ch" refForName="circle3"/>
+              <dgm:constr type="hOff" for="ch" forName="rect3" refType="hOff" refFor="ch" refForName="circle3"/>
+              <dgm:constr type="b" for="ch" forName="rect3" refType="b" refFor="ch" refForName="circle3"/>
+              <dgm:constr type="l" for="ch" forName="vertSpace4"/>
+              <dgm:constr type="w" for="ch" forName="vertSpace4" refType="w"/>
+              <dgm:constr type="h" for="ch" forName="vertSpace4" refType="h" refFor="ch" refForName="vertSpace3"/>
+              <dgm:constr type="b" for="ch" forName="vertSpace4" refType="t" refFor="ch" refForName="vertSpace3"/>
+              <dgm:constr type="ctrX" for="ch" forName="circle4" refType="r" refFor="ch" refForName="space"/>
+              <dgm:constr type="h" for="ch" forName="circle4" refType="h" refFor="ch" refForName="circle1" fact="0.4"/>
+              <dgm:constr type="hOff" for="ch" forName="circle4" refType="h" refFor="ch" refForName="vertSpace2" fact="-0.6"/>
+              <dgm:constr type="w" for="ch" forName="circle4" refType="h" refFor="ch" refForName="circle4" op="equ"/>
+              <dgm:constr type="wOff" for="ch" forName="circle4" refType="hOff" refFor="ch" refForName="circle4" op="equ"/>
+              <dgm:constr type="b" for="ch" forName="circle4" refType="t" refFor="ch" refForName="vertSpace4"/>
+              <dgm:constr type="r" for="ch" forName="rect4" refType="l" refFor="ch" refForName="space"/>
+              <dgm:constr type="l" for="ch" forName="rect4"/>
+              <dgm:constr type="h" for="ch" forName="rect4" refType="h" refFor="ch" refForName="circle4"/>
+              <dgm:constr type="hOff" for="ch" forName="rect4" refType="hOff" refFor="ch" refForName="circle4"/>
+              <dgm:constr type="b" for="ch" forName="rect4" refType="b" refFor="ch" refForName="circle4"/>
+              <dgm:constr type="l" for="ch" forName="vertSpace5"/>
+              <dgm:constr type="w" for="ch" forName="vertSpace5" refType="w"/>
+              <dgm:constr type="h" for="ch" forName="vertSpace5" refType="h" refFor="ch" refForName="vertSpace4"/>
+              <dgm:constr type="b" for="ch" forName="vertSpace5" refType="t" refFor="ch" refForName="vertSpace4"/>
+              <dgm:constr type="ctrX" for="ch" forName="circle5" refType="r" refFor="ch" refForName="space"/>
+              <dgm:constr type="h" for="ch" forName="circle5" refType="h" refFor="ch" refForName="circle1" fact="0.2"/>
+              <dgm:constr type="hOff" for="ch" forName="circle5" refType="h" refFor="ch" refForName="vertSpace2" fact="-0.8"/>
+              <dgm:constr type="w" for="ch" forName="circle5" refType="h" refFor="ch" refForName="circle5" op="equ"/>
+              <dgm:constr type="wOff" for="ch" forName="circle5" refType="hOff" refFor="ch" refForName="circle5" op="equ"/>
+              <dgm:constr type="b" for="ch" forName="circle5" refType="t" refFor="ch" refForName="vertSpace5"/>
+              <dgm:constr type="r" for="ch" forName="rect5" refType="l" refFor="ch" refForName="space"/>
+              <dgm:constr type="l" for="ch" forName="rect5"/>
+              <dgm:constr type="h" for="ch" forName="rect5" refType="h" refFor="ch" refForName="circle5"/>
+              <dgm:constr type="hOff" for="ch" forName="rect5" refType="hOff" refFor="ch" refForName="circle5"/>
+              <dgm:constr type="b" for="ch" forName="rect5" refType="b" refFor="ch" refForName="circle5"/>
+              <dgm:constr type="r" for="ch" forName="rect5ParTx" refType="l" refFor="ch" refForName="space"/>
+              <dgm:constr type="w" for="ch" forName="rect5ParTx" refType="w" refFor="ch" refForName="rect5" fact="0.5"/>
+              <dgm:constr type="t" for="ch" forName="rect5ParTx" refType="t" refFor="ch" refForName="rect5"/>
+              <dgm:constr type="b" for="ch" forName="rect5ParTx" refType="b" refFor="ch" refForName="rect5"/>
+              <dgm:constr type="r" for="ch" forName="rect5ChTx" refType="l" refFor="ch" refForName="rect5ParTx"/>
+              <dgm:constr type="w" for="ch" forName="rect5ChTx" refType="w" refFor="ch" refForName="rect5ParTx"/>
+              <dgm:constr type="t" for="ch" forName="rect5ChTx" refType="t" refFor="ch" refForName="rect5ParTx"/>
+              <dgm:constr type="b" for="ch" forName="rect5ChTx" refType="b" refFor="ch" refForName="rect5ParTx"/>
+              <dgm:constr type="r" for="ch" forName="rect5ParTxNoCh" refType="l" refFor="ch" refForName="space"/>
+              <dgm:constr type="w" for="ch" forName="rect5ParTxNoCh" refType="w" refFor="ch" refForName="rect5"/>
+              <dgm:constr type="t" for="ch" forName="rect5ParTxNoCh" refType="t" refFor="ch" refForName="rect5"/>
+              <dgm:constr type="b" for="ch" forName="rect5ParTxNoCh" refType="b" refFor="ch" refForName="rect5"/>
+              <dgm:constr type="r" for="ch" forName="rect1ParTx" refType="l" refFor="ch" refForName="space"/>
+              <dgm:constr type="w" for="ch" forName="rect1ParTx" refType="w" refFor="ch" refForName="rect1" fact="0.5"/>
+              <dgm:constr type="t" for="ch" forName="rect1ParTx" refType="t" refFor="ch" refForName="rect1"/>
+              <dgm:constr type="b" for="ch" forName="rect1ParTx" refType="t" refFor="ch" refForName="rect2"/>
+              <dgm:constr type="r" for="ch" forName="rect1ChTx" refType="l" refFor="ch" refForName="rect1ParTx"/>
+              <dgm:constr type="w" for="ch" forName="rect1ChTx" refType="w" refFor="ch" refForName="rect1ParTx"/>
+              <dgm:constr type="t" for="ch" forName="rect1ChTx" refType="t" refFor="ch" refForName="rect1ParTx"/>
+              <dgm:constr type="b" for="ch" forName="rect1ChTx" refType="b" refFor="ch" refForName="rect1ParTx"/>
+              <dgm:constr type="r" for="ch" forName="rect1ParTxNoCh" refType="l" refFor="ch" refForName="space"/>
+              <dgm:constr type="w" for="ch" forName="rect1ParTxNoCh" refType="w" refFor="ch" refForName="rect1"/>
+              <dgm:constr type="t" for="ch" forName="rect1ParTxNoCh" refType="t" refFor="ch" refForName="rect1"/>
+              <dgm:constr type="b" for="ch" forName="rect1ParTxNoCh" refType="t" refFor="ch" refForName="rect2"/>
+              <dgm:constr type="r" for="ch" forName="rect2ParTx" refType="l" refFor="ch" refForName="space"/>
+              <dgm:constr type="w" for="ch" forName="rect2ParTx" refType="w" refFor="ch" refForName="rect2" fact="0.5"/>
+              <dgm:constr type="t" for="ch" forName="rect2ParTx" refType="t" refFor="ch" refForName="rect2"/>
+              <dgm:constr type="b" for="ch" forName="rect2ParTx" refType="t" refFor="ch" refForName="rect3"/>
+              <dgm:constr type="r" for="ch" forName="rect2ChTx" refType="l" refFor="ch" refForName="rect2ParTx"/>
+              <dgm:constr type="w" for="ch" forName="rect2ChTx" refType="w" refFor="ch" refForName="rect2ParTx"/>
+              <dgm:constr type="t" for="ch" forName="rect2ChTx" refType="t" refFor="ch" refForName="rect2ParTx"/>
+              <dgm:constr type="b" for="ch" forName="rect2ChTx" refType="b" refFor="ch" refForName="rect2ParTx"/>
+              <dgm:constr type="r" for="ch" forName="rect2ParTxNoCh" refType="l" refFor="ch" refForName="space"/>
+              <dgm:constr type="w" for="ch" forName="rect2ParTxNoCh" refType="w" refFor="ch" refForName="rect2"/>
+              <dgm:constr type="t" for="ch" forName="rect2ParTxNoCh" refType="t" refFor="ch" refForName="rect2"/>
+              <dgm:constr type="b" for="ch" forName="rect2ParTxNoCh" refType="t" refFor="ch" refForName="rect3"/>
+              <dgm:constr type="r" for="ch" forName="rect3ParTx" refType="l" refFor="ch" refForName="space"/>
+              <dgm:constr type="w" for="ch" forName="rect3ParTx" refType="w" refFor="ch" refForName="rect3" fact="0.5"/>
+              <dgm:constr type="t" for="ch" forName="rect3ParTx" refType="t" refFor="ch" refForName="rect3"/>
+              <dgm:constr type="b" for="ch" forName="rect3ParTx" refType="t" refFor="ch" refForName="rect4"/>
+              <dgm:constr type="r" for="ch" forName="rect3ChTx" refType="l" refFor="ch" refForName="rect3ParTx"/>
+              <dgm:constr type="w" for="ch" forName="rect3ChTx" refType="w" refFor="ch" refForName="rect3ParTx"/>
+              <dgm:constr type="t" for="ch" forName="rect3ChTx" refType="t" refFor="ch" refForName="rect3ParTx"/>
+              <dgm:constr type="b" for="ch" forName="rect3ChTx" refType="b" refFor="ch" refForName="rect3ParTx"/>
+              <dgm:constr type="r" for="ch" forName="rect3ParTxNoCh" refType="l" refFor="ch" refForName="space"/>
+              <dgm:constr type="w" for="ch" forName="rect3ParTxNoCh" refType="w" refFor="ch" refForName="rect3"/>
+              <dgm:constr type="t" for="ch" forName="rect3ParTxNoCh" refType="t" refFor="ch" refForName="rect3"/>
+              <dgm:constr type="b" for="ch" forName="rect3ParTxNoCh" refType="t" refFor="ch" refForName="rect4"/>
+              <dgm:constr type="r" for="ch" forName="rect4ParTx" refType="l" refFor="ch" refForName="space"/>
+              <dgm:constr type="w" for="ch" forName="rect4ParTx" refType="w" refFor="ch" refForName="rect4" fact="0.5"/>
+              <dgm:constr type="t" for="ch" forName="rect4ParTx" refType="t" refFor="ch" refForName="rect4"/>
+              <dgm:constr type="b" for="ch" forName="rect4ParTx" refType="t" refFor="ch" refForName="rect5"/>
+              <dgm:constr type="r" for="ch" forName="rect4ChTx" refType="l" refFor="ch" refForName="rect4ParTx"/>
+              <dgm:constr type="w" for="ch" forName="rect4ChTx" refType="w" refFor="ch" refForName="rect4ParTx"/>
+              <dgm:constr type="t" for="ch" forName="rect4ChTx" refType="t" refFor="ch" refForName="rect4ParTx"/>
+              <dgm:constr type="b" for="ch" forName="rect4ChTx" refType="b" refFor="ch" refForName="rect4ParTx"/>
+              <dgm:constr type="r" for="ch" forName="rect4ParTxNoCh" refType="l" refFor="ch" refForName="space"/>
+              <dgm:constr type="w" for="ch" forName="rect4ParTxNoCh" refType="w" refFor="ch" refForName="rect4"/>
+              <dgm:constr type="t" for="ch" forName="rect4ParTxNoCh" refType="t" refFor="ch" refForName="rect4"/>
+              <dgm:constr type="b" for="ch" forName="rect4ParTxNoCh" refType="t" refFor="ch" refForName="rect5"/>
+              <dgm:constr type="primFontSz" for="ch" op="equ" val="65"/>
+              <dgm:constr type="secFontSz" for="ch" op="equ" val="65"/>
+            </dgm:constrLst>
+          </dgm:if>
+          <dgm:if name="Name19" axis="ch" ptType="node" func="cnt" op="equ" val="6">
+            <dgm:constrLst>
+              <dgm:constr type="userA" refType="w" fact="0.3"/>
+              <dgm:constr type="w" for="ch" forName="circle1" refType="userA" fact="2"/>
+              <dgm:constr type="h" for="ch" forName="circle1" refType="w" refFor="ch" refForName="circle1" op="equ"/>
+              <dgm:constr type="r" for="ch" forName="circle1" refType="w"/>
+              <dgm:constr type="ctrY" for="ch" forName="circle1" refType="h" fact="0.5"/>
+              <dgm:constr type="r" for="ch" forName="space" refType="ctrX" refFor="ch" refForName="circle1"/>
+              <dgm:constr type="w" for="ch" forName="space"/>
+              <dgm:constr type="h" for="ch" forName="space" refType="h" refFor="ch" refForName="circle1"/>
+              <dgm:constr type="b" for="ch" forName="space" refType="b" refFor="ch" refForName="circle1"/>
+              <dgm:constr type="r" for="ch" forName="rect1" refType="l" refFor="ch" refForName="space"/>
+              <dgm:constr type="l" for="ch" forName="rect1"/>
+              <dgm:constr type="h" for="ch" forName="rect1" refType="h" refFor="ch" refForName="circle1"/>
+              <dgm:constr type="b" for="ch" forName="rect1" refType="b" refFor="ch" refForName="circle1"/>
+              <dgm:constr type="l" for="ch" forName="vertSpace2"/>
+              <dgm:constr type="w" for="ch" forName="vertSpace2" refType="w"/>
+              <dgm:constr type="h" for="ch" forName="vertSpace2" refType="h" refFor="ch" refForName="circle1" fact="0.05"/>
+              <dgm:constr type="b" for="ch" forName="vertSpace2" refType="b" refFor="ch" refForName="circle1"/>
+              <dgm:constr type="ctrX" for="ch" forName="circle2" refType="r" refFor="ch" refForName="space"/>
+              <dgm:constr type="h" for="ch" forName="circle2" refType="h" refFor="ch" refForName="circle1" fact="0.83333"/>
+              <dgm:constr type="hOff" for="ch" forName="circle2" refType="h" refFor="ch" refForName="vertSpace2" fact="-0.16667"/>
+              <dgm:constr type="w" for="ch" forName="circle2" refType="h" refFor="ch" refForName="circle2" op="equ"/>
+              <dgm:constr type="wOff" for="ch" forName="circle2" refType="hOff" refFor="ch" refForName="circle2" op="equ"/>
+              <dgm:constr type="b" for="ch" forName="circle2" refType="t" refFor="ch" refForName="vertSpace2"/>
+              <dgm:constr type="r" for="ch" forName="rect2" refType="l" refFor="ch" refForName="space"/>
+              <dgm:constr type="l" for="ch" forName="rect2"/>
+              <dgm:constr type="h" for="ch" forName="rect2" refType="h" refFor="ch" refForName="circle2"/>
+              <dgm:constr type="hOff" for="ch" forName="rect2" refType="hOff" refFor="ch" refForName="circle2"/>
+              <dgm:constr type="b" for="ch" forName="rect2" refType="b" refFor="ch" refForName="circle2"/>
+              <dgm:constr type="l" for="ch" forName="vertSpace3"/>
+              <dgm:constr type="w" for="ch" forName="vertSpace3" refType="w"/>
+              <dgm:constr type="h" for="ch" forName="vertSpace3" refType="h" refFor="ch" refForName="vertSpace2"/>
+              <dgm:constr type="b" for="ch" forName="vertSpace3" refType="t" refFor="ch" refForName="vertSpace2"/>
+              <dgm:constr type="ctrX" for="ch" forName="circle3" refType="r" refFor="ch" refForName="space"/>
+              <dgm:constr type="h" for="ch" forName="circle3" refType="h" refFor="ch" refForName="circle1" fact="0.66667"/>
+              <dgm:constr type="hOff" for="ch" forName="circle3" refType="h" refFor="ch" refForName="vertSpace2" fact="-0.33333"/>
+              <dgm:constr type="w" for="ch" forName="circle3" refType="h" refFor="ch" refForName="circle3" op="equ"/>
+              <dgm:constr type="wOff" for="ch" forName="circle3" refType="hOff" refFor="ch" refForName="circle3" op="equ"/>
+              <dgm:constr type="b" for="ch" forName="circle3" refType="t" refFor="ch" refForName="vertSpace3"/>
+              <dgm:constr type="r" for="ch" forName="rect3" refType="l" refFor="ch" refForName="space"/>
+              <dgm:constr type="l" for="ch" forName="rect3"/>
+              <dgm:constr type="h" for="ch" forName="rect3" refType="h" refFor="ch" refForName="circle3"/>
+              <dgm:constr type="hOff" for="ch" forName="rect3" refType="hOff" refFor="ch" refForName="circle3"/>
+              <dgm:constr type="b" for="ch" forName="rect3" refType="b" refFor="ch" refForName="circle3"/>
+              <dgm:constr type="l" for="ch" forName="vertSpace4"/>
+              <dgm:constr type="w" for="ch" forName="vertSpace4" refType="w"/>
+              <dgm:constr type="h" for="ch" forName="vertSpace4" refType="h" refFor="ch" refForName="vertSpace3"/>
+              <dgm:constr type="b" for="ch" forName="vertSpace4" refType="t" refFor="ch" refForName="vertSpace3"/>
+              <dgm:constr type="ctrX" for="ch" forName="circle4" refType="r" refFor="ch" refForName="space"/>
+              <dgm:constr type="h" for="ch" forName="circle4" refType="h" refFor="ch" refForName="circle1" fact="0.5"/>
+              <dgm:constr type="hOff" for="ch" forName="circle4" refType="h" refFor="ch" refForName="vertSpace2" fact="-0.5"/>
+              <dgm:constr type="w" for="ch" forName="circle4" refType="h" refFor="ch" refForName="circle4" op="equ"/>
+              <dgm:constr type="wOff" for="ch" forName="circle4" refType="hOff" refFor="ch" refForName="circle4" op="equ"/>
+              <dgm:constr type="b" for="ch" forName="circle4" refType="t" refFor="ch" refForName="vertSpace4"/>
+              <dgm:constr type="r" for="ch" forName="rect4" refType="l" refFor="ch" refForName="space"/>
+              <dgm:constr type="l" for="ch" forName="rect4"/>
+              <dgm:constr type="h" for="ch" forName="rect4" refType="h" refFor="ch" refForName="circle4"/>
+              <dgm:constr type="hOff" for="ch" forName="rect4" refType="hOff" refFor="ch" refForName="circle4"/>
+              <dgm:constr type="b" for="ch" forName="rect4" refType="b" refFor="ch" refForName="circle4"/>
+              <dgm:constr type="l" for="ch" forName="vertSpace5"/>
+              <dgm:constr type="w" for="ch" forName="vertSpace5" refType="w"/>
+              <dgm:constr type="h" for="ch" forName="vertSpace5" refType="h" refFor="ch" refForName="vertSpace4"/>
+              <dgm:constr type="b" for="ch" forName="vertSpace5" refType="t" refFor="ch" refForName="vertSpace4"/>
+              <dgm:constr type="ctrX" for="ch" forName="circle5" refType="r" refFor="ch" refForName="space"/>
+              <dgm:constr type="h" for="ch" forName="circle5" refType="h" refFor="ch" refForName="circle1" fact="0.33333"/>
+              <dgm:constr type="hOff" for="ch" forName="circle5" refType="h" refFor="ch" refForName="vertSpace2" fact="-0.66667"/>
+              <dgm:constr type="w" for="ch" forName="circle5" refType="h" refFor="ch" refForName="circle5" op="equ"/>
+              <dgm:constr type="wOff" for="ch" forName="circle5" refType="hOff" refFor="ch" refForName="circle5" op="equ"/>
+              <dgm:constr type="b" for="ch" forName="circle5" refType="t" refFor="ch" refForName="vertSpace5"/>
+              <dgm:constr type="r" for="ch" forName="rect5" refType="l" refFor="ch" refForName="space"/>
+              <dgm:constr type="l" for="ch" forName="rect5"/>
+              <dgm:constr type="h" for="ch" forName="rect5" refType="h" refFor="ch" refForName="circle5"/>
+              <dgm:constr type="hOff" for="ch" forName="rect5" refType="hOff" refFor="ch" refForName="circle5"/>
+              <dgm:constr type="b" for="ch" forName="rect5" refType="b" refFor="ch" refForName="circle5"/>
+              <dgm:constr type="l" for="ch" forName="vertSpace6"/>
+              <dgm:constr type="w" for="ch" forName="vertSpace6" refType="w"/>
+              <dgm:constr type="h" for="ch" forName="vertSpace6" refType="h" refFor="ch" refForName="vertSpace5"/>
+              <dgm:constr type="b" for="ch" forName="vertSpace6" refType="t" refFor="ch" refForName="vertSpace5"/>
+              <dgm:constr type="ctrX" for="ch" forName="circle6" refType="r" refFor="ch" refForName="space"/>
+              <dgm:constr type="h" for="ch" forName="circle6" refType="h" refFor="ch" refForName="circle1" fact="0.16667"/>
+              <dgm:constr type="hOff" for="ch" forName="circle6" refType="h" refFor="ch" refForName="vertSpace2" fact="-0.83333"/>
+              <dgm:constr type="w" for="ch" forName="circle6" refType="h" refFor="ch" refForName="circle6" op="equ"/>
+              <dgm:constr type="wOff" for="ch" forName="circle6" refType="hOff" refFor="ch" refForName="circle6" op="equ"/>
+              <dgm:constr type="b" for="ch" forName="circle6" refType="t" refFor="ch" refForName="vertSpace6"/>
+              <dgm:constr type="r" for="ch" forName="rect6" refType="l" refFor="ch" refForName="space"/>
+              <dgm:constr type="l" for="ch" forName="rect6"/>
+              <dgm:constr type="h" for="ch" forName="rect6" refType="h" refFor="ch" refForName="circle6"/>
+              <dgm:constr type="hOff" for="ch" forName="rect6" refType="hOff" refFor="ch" refForName="circle6"/>
+              <dgm:constr type="b" for="ch" forName="rect6" refType="b" refFor="ch" refForName="circle6"/>
+              <dgm:constr type="r" for="ch" forName="rect6ParTx" refType="l" refFor="ch" refForName="space"/>
+              <dgm:constr type="w" for="ch" forName="rect6ParTx" refType="w" refFor="ch" refForName="rect6" fact="0.5"/>
+              <dgm:constr type="t" for="ch" forName="rect6ParTx" refType="t" refFor="ch" refForName="rect6"/>
+              <dgm:constr type="b" for="ch" forName="rect6ParTx" refType="b" refFor="ch" refForName="rect6"/>
+              <dgm:constr type="r" for="ch" forName="rect6ChTx" refType="l" refFor="ch" refForName="rect6ParTx"/>
+              <dgm:constr type="w" for="ch" forName="rect6ChTx" refType="w" refFor="ch" refForName="rect6ParTx"/>
+              <dgm:constr type="t" for="ch" forName="rect6ChTx" refType="t" refFor="ch" refForName="rect6ParTx"/>
+              <dgm:constr type="b" for="ch" forName="rect6ChTx" refType="b" refFor="ch" refForName="rect6ParTx"/>
+              <dgm:constr type="r" for="ch" forName="rect6ParTxNoCh" refType="l" refFor="ch" refForName="space"/>
+              <dgm:constr type="w" for="ch" forName="rect6ParTxNoCh" refType="w" refFor="ch" refForName="rect6"/>
+              <dgm:constr type="t" for="ch" forName="rect6ParTxNoCh" refType="t" refFor="ch" refForName="rect6"/>
+              <dgm:constr type="b" for="ch" forName="rect6ParTxNoCh" refType="b" refFor="ch" refForName="rect6"/>
+              <dgm:constr type="r" for="ch" forName="rect1ParTx" refType="l" refFor="ch" refForName="space"/>
+              <dgm:constr type="w" for="ch" forName="rect1ParTx" refType="w" refFor="ch" refForName="rect1" fact="0.5"/>
+              <dgm:constr type="t" for="ch" forName="rect1ParTx" refType="t" refFor="ch" refForName="rect1"/>
+              <dgm:constr type="b" for="ch" forName="rect1ParTx" refType="t" refFor="ch" refForName="rect2"/>
+              <dgm:constr type="r" for="ch" forName="rect1ChTx" refType="l" refFor="ch" refForName="rect1ParTx"/>
+              <dgm:constr type="w" for="ch" forName="rect1ChTx" refType="w" refFor="ch" refForName="rect1ParTx"/>
+              <dgm:constr type="t" for="ch" forName="rect1ChTx" refType="t" refFor="ch" refForName="rect1ParTx"/>
+              <dgm:constr type="b" for="ch" forName="rect1ChTx" refType="b" refFor="ch" refForName="rect1ParTx"/>
+              <dgm:constr type="r" for="ch" forName="rect1ParTxNoCh" refType="l" refFor="ch" refForName="space"/>
+              <dgm:constr type="w" for="ch" forName="rect1ParTxNoCh" refType="w" refFor="ch" refForName="rect1"/>
+              <dgm:constr type="t" for="ch" forName="rect1ParTxNoCh" refType="t" refFor="ch" refForName="rect1"/>
+              <dgm:constr type="b" for="ch" forName="rect1ParTxNoCh" refType="t" refFor="ch" refForName="rect2"/>
+              <dgm:constr type="r" for="ch" forName="rect2ParTx" refType="l" refFor="ch" refForName="space"/>
+              <dgm:constr type="w" for="ch" forName="rect2ParTx" refType="w" refFor="ch" refForName="rect2" fact="0.5"/>
+              <dgm:constr type="t" for="ch" forName="rect2ParTx" refType="t" refFor="ch" refForName="rect2"/>
+              <dgm:constr type="b" for="ch" forName="rect2ParTx" refType="t" refFor="ch" refForName="rect3"/>
+              <dgm:constr type="r" for="ch" forName="rect2ChTx" refType="l" refFor="ch" refForName="rect2ParTx"/>
+              <dgm:constr type="w" for="ch" forName="rect2ChTx" refType="w" refFor="ch" refForName="rect2ParTx"/>
+              <dgm:constr type="t" for="ch" forName="rect2ChTx" refType="t" refFor="ch" refForName="rect2ParTx"/>
+              <dgm:constr type="b" for="ch" forName="rect2ChTx" refType="b" refFor="ch" refForName="rect2ParTx"/>
+              <dgm:constr type="r" for="ch" forName="rect2ParTxNoCh" refType="l" refFor="ch" refForName="space"/>
+              <dgm:constr type="w" for="ch" forName="rect2ParTxNoCh" refType="w" refFor="ch" refForName="rect2"/>
+              <dgm:constr type="t" for="ch" forName="rect2ParTxNoCh" refType="t" refFor="ch" refForName="rect2"/>
+              <dgm:constr type="b" for="ch" forName="rect2ParTxNoCh" refType="t" refFor="ch" refForName="rect3"/>
+              <dgm:constr type="r" for="ch" forName="rect3ParTx" refType="l" refFor="ch" refForName="space"/>
+              <dgm:constr type="w" for="ch" forName="rect3ParTx" refType="w" refFor="ch" refForName="rect3" fact="0.5"/>
+              <dgm:constr type="t" for="ch" forName="rect3ParTx" refType="t" refFor="ch" refForName="rect3"/>
+              <dgm:constr type="b" for="ch" forName="rect3ParTx" refType="t" refFor="ch" refForName="rect4"/>
+              <dgm:constr type="r" for="ch" forName="rect3ChTx" refType="l" refFor="ch" refForName="rect3ParTx"/>
+              <dgm:constr type="w" for="ch" forName="rect3ChTx" refType="w" refFor="ch" refForName="rect3ParTx"/>
+              <dgm:constr type="t" for="ch" forName="rect3ChTx" refType="t" refFor="ch" refForName="rect3ParTx"/>
+              <dgm:constr type="b" for="ch" forName="rect3ChTx" refType="b" refFor="ch" refForName="rect3ParTx"/>
+              <dgm:constr type="r" for="ch" forName="rect3ParTxNoCh" refType="l" refFor="ch" refForName="space"/>
+              <dgm:constr type="w" for="ch" forName="rect3ParTxNoCh" refType="w" refFor="ch" refForName="rect3"/>
+              <dgm:constr type="t" for="ch" forName="rect3ParTxNoCh" refType="t" refFor="ch" refForName="rect3"/>
+              <dgm:constr type="b" for="ch" forName="rect3ParTxNoCh" refType="t" refFor="ch" refForName="rect4"/>
+              <dgm:constr type="r" for="ch" forName="rect4ParTx" refType="l" refFor="ch" refForName="space"/>
+              <dgm:constr type="w" for="ch" forName="rect4ParTx" refType="w" refFor="ch" refForName="rect4" fact="0.5"/>
+              <dgm:constr type="t" for="ch" forName="rect4ParTx" refType="t" refFor="ch" refForName="rect4"/>
+              <dgm:constr type="b" for="ch" forName="rect4ParTx" refType="t" refFor="ch" refForName="rect5"/>
+              <dgm:constr type="r" for="ch" forName="rect4ChTx" refType="l" refFor="ch" refForName="rect4ParTx"/>
+              <dgm:constr type="w" for="ch" forName="rect4ChTx" refType="w" refFor="ch" refForName="rect4ParTx"/>
+              <dgm:constr type="t" for="ch" forName="rect4ChTx" refType="t" refFor="ch" refForName="rect4ParTx"/>
+              <dgm:constr type="b" for="ch" forName="rect4ChTx" refType="b" refFor="ch" refForName="rect4ParTx"/>
+              <dgm:constr type="r" for="ch" forName="rect4ParTxNoCh" refType="l" refFor="ch" refForName="space"/>
+              <dgm:constr type="w" for="ch" forName="rect4ParTxNoCh" refType="w" refFor="ch" refForName="rect4"/>
+              <dgm:constr type="t" for="ch" forName="rect4ParTxNoCh" refType="t" refFor="ch" refForName="rect4"/>
+              <dgm:constr type="b" for="ch" forName="rect4ParTxNoCh" refType="t" refFor="ch" refForName="rect5"/>
+              <dgm:constr type="r" for="ch" forName="rect5ParTx" refType="l" refFor="ch" refForName="space"/>
+              <dgm:constr type="w" for="ch" forName="rect5ParTx" refType="w" refFor="ch" refForName="rect5" fact="0.5"/>
+              <dgm:constr type="t" for="ch" forName="rect5ParTx" refType="t" refFor="ch" refForName="rect5"/>
+              <dgm:constr type="b" for="ch" forName="rect5ParTx" refType="t" refFor="ch" refForName="rect6"/>
+              <dgm:constr type="r" for="ch" forName="rect5ChTx" refType="l" refFor="ch" refForName="rect5ParTx"/>
+              <dgm:constr type="w" for="ch" forName="rect5ChTx" refType="w" refFor="ch" refForName="rect5ParTx"/>
+              <dgm:constr type="t" for="ch" forName="rect5ChTx" refType="t" refFor="ch" refForName="rect5ParTx"/>
+              <dgm:constr type="b" for="ch" forName="rect5ChTx" refType="b" refFor="ch" refForName="rect5ParTx"/>
+              <dgm:constr type="r" for="ch" forName="rect5ParTxNoCh" refType="l" refFor="ch" refForName="space"/>
+              <dgm:constr type="w" for="ch" forName="rect5ParTxNoCh" refType="w" refFor="ch" refForName="rect5"/>
+              <dgm:constr type="t" for="ch" forName="rect5ParTxNoCh" refType="t" refFor="ch" refForName="rect5"/>
+              <dgm:constr type="b" for="ch" forName="rect5ParTxNoCh" refType="t" refFor="ch" refForName="rect6"/>
+              <dgm:constr type="primFontSz" for="ch" op="equ" val="65"/>
+              <dgm:constr type="secFontSz" for="ch" op="equ" val="65"/>
+            </dgm:constrLst>
+          </dgm:if>
+          <dgm:if name="Name20" axis="ch" ptType="node" func="cnt" op="gte" val="7">
+            <dgm:constrLst>
+              <dgm:constr type="userA" refType="w" fact="0.3"/>
+              <dgm:constr type="w" for="ch" forName="circle1" refType="userA" fact="2"/>
+              <dgm:constr type="h" for="ch" forName="circle1" refType="w" refFor="ch" refForName="circle1" op="equ"/>
+              <dgm:constr type="r" for="ch" forName="circle1" refType="w"/>
+              <dgm:constr type="ctrY" for="ch" forName="circle1" refType="h" fact="0.5"/>
+              <dgm:constr type="r" for="ch" forName="space" refType="ctrX" refFor="ch" refForName="circle1"/>
+              <dgm:constr type="w" for="ch" forName="space"/>
+              <dgm:constr type="h" for="ch" forName="space" refType="h" refFor="ch" refForName="circle1"/>
+              <dgm:constr type="b" for="ch" forName="space" refType="b" refFor="ch" refForName="circle1"/>
+              <dgm:constr type="r" for="ch" forName="rect1" refType="l" refFor="ch" refForName="space"/>
+              <dgm:constr type="l" for="ch" forName="rect1"/>
+              <dgm:constr type="h" for="ch" forName="rect1" refType="h" refFor="ch" refForName="circle1"/>
+              <dgm:constr type="b" for="ch" forName="rect1" refType="b" refFor="ch" refForName="circle1"/>
+              <dgm:constr type="l" for="ch" forName="vertSpace2"/>
+              <dgm:constr type="w" for="ch" forName="vertSpace2" refType="w"/>
+              <dgm:constr type="h" for="ch" forName="vertSpace2" refType="h" refFor="ch" refForName="circle1" fact="0.05"/>
+              <dgm:constr type="b" for="ch" forName="vertSpace2" refType="b" refFor="ch" refForName="circle1"/>
+              <dgm:constr type="ctrX" for="ch" forName="circle2" refType="r" refFor="ch" refForName="space"/>
+              <dgm:constr type="h" for="ch" forName="circle2" refType="h" refFor="ch" refForName="circle1" fact="0.85714"/>
+              <dgm:constr type="hOff" for="ch" forName="circle2" refType="h" refFor="ch" refForName="vertSpace2" fact="-0.14286"/>
+              <dgm:constr type="w" for="ch" forName="circle2" refType="h" refFor="ch" refForName="circle2" op="equ"/>
+              <dgm:constr type="wOff" for="ch" forName="circle2" refType="hOff" refFor="ch" refForName="circle2" op="equ"/>
+              <dgm:constr type="b" for="ch" forName="circle2" refType="t" refFor="ch" refForName="vertSpace2"/>
+              <dgm:constr type="r" for="ch" forName="rect2" refType="l" refFor="ch" refForName="space"/>
+              <dgm:constr type="l" for="ch" forName="rect2"/>
+              <dgm:constr type="h" for="ch" forName="rect2" refType="h" refFor="ch" refForName="circle2"/>
+              <dgm:constr type="hOff" for="ch" forName="rect2" refType="hOff" refFor="ch" refForName="circle2"/>
+              <dgm:constr type="b" for="ch" forName="rect2" refType="b" refFor="ch" refForName="circle2"/>
+              <dgm:constr type="l" for="ch" forName="vertSpace3"/>
+              <dgm:constr type="w" for="ch" forName="vertSpace3" refType="w"/>
+              <dgm:constr type="h" for="ch" forName="vertSpace3" refType="h" refFor="ch" refForName="vertSpace2"/>
+              <dgm:constr type="b" for="ch" forName="vertSpace3" refType="t" refFor="ch" refForName="vertSpace2"/>
+              <dgm:constr type="ctrX" for="ch" forName="circle3" refType="r" refFor="ch" refForName="space"/>
+              <dgm:constr type="h" for="ch" forName="circle3" refType="h" refFor="ch" refForName="circle1" fact="0.71429"/>
+              <dgm:constr type="hOff" for="ch" forName="circle3" refType="h" refFor="ch" refForName="vertSpace2" fact="-0.28571"/>
+              <dgm:constr type="w" for="ch" forName="circle3" refType="h" refFor="ch" refForName="circle3" op="equ"/>
+              <dgm:constr type="wOff" for="ch" forName="circle3" refType="hOff" refFor="ch" refForName="circle3" op="equ"/>
+              <dgm:constr type="b" for="ch" forName="circle3" refType="t" refFor="ch" refForName="vertSpace3"/>
+              <dgm:constr type="r" for="ch" forName="rect3" refType="l" refFor="ch" refForName="space"/>
+              <dgm:constr type="l" for="ch" forName="rect3"/>
+              <dgm:constr type="h" for="ch" forName="rect3" refType="h" refFor="ch" refForName="circle3"/>
+              <dgm:constr type="hOff" for="ch" forName="rect3" refType="hOff" refFor="ch" refForName="circle3"/>
+              <dgm:constr type="b" for="ch" forName="rect3" refType="b" refFor="ch" refForName="circle3"/>
+              <dgm:constr type="l" for="ch" forName="vertSpace4"/>
+              <dgm:constr type="w" for="ch" forName="vertSpace4" refType="w"/>
+              <dgm:constr type="h" for="ch" forName="vertSpace4" refType="h" refFor="ch" refForName="vertSpace3"/>
+              <dgm:constr type="b" for="ch" forName="vertSpace4" refType="t" refFor="ch" refForName="vertSpace3"/>
+              <dgm:constr type="ctrX" for="ch" forName="circle4" refType="r" refFor="ch" refForName="space"/>
+              <dgm:constr type="h" for="ch" forName="circle4" refType="h" refFor="ch" refForName="circle1" fact="0.57143"/>
+              <dgm:constr type="hOff" for="ch" forName="circle4" refType="h" refFor="ch" refForName="vertSpace2" fact="-0.42857"/>
+              <dgm:constr type="w" for="ch" forName="circle4" refType="h" refFor="ch" refForName="circle4" op="equ"/>
+              <dgm:constr type="wOff" for="ch" forName="circle4" refType="hOff" refFor="ch" refForName="circle4" op="equ"/>
+              <dgm:constr type="b" for="ch" forName="circle4" refType="t" refFor="ch" refForName="vertSpace4"/>
+              <dgm:constr type="r" for="ch" forName="rect4" refType="l" refFor="ch" refForName="space"/>
+              <dgm:constr type="l" for="ch" forName="rect4"/>
+              <dgm:constr type="h" for="ch" forName="rect4" refType="h" refFor="ch" refForName="circle4"/>
+              <dgm:constr type="hOff" for="ch" forName="rect4" refType="hOff" refFor="ch" refForName="circle4"/>
+              <dgm:constr type="b" for="ch" forName="rect4" refType="b" refFor="ch" refForName="circle4"/>
+              <dgm:constr type="l" for="ch" forName="vertSpace5"/>
+              <dgm:constr type="w" for="ch" forName="vertSpace5" refType="w"/>
+              <dgm:constr type="h" for="ch" forName="vertSpace5" refType="h" refFor="ch" refForName="vertSpace4"/>
+              <dgm:constr type="b" for="ch" forName="vertSpace5" refType="t" refFor="ch" refForName="vertSpace4"/>
+              <dgm:constr type="ctrX" for="ch" forName="circle5" refType="r" refFor="ch" refForName="space"/>
+              <dgm:constr type="h" for="ch" forName="circle5" refType="h" refFor="ch" refForName="circle1" fact="0.42857"/>
+              <dgm:constr type="hOff" for="ch" forName="circle5" refType="h" refFor="ch" refForName="vertSpace2" fact="-0.57143"/>
+              <dgm:constr type="w" for="ch" forName="circle5" refType="h" refFor="ch" refForName="circle5" op="equ"/>
+              <dgm:constr type="wOff" for="ch" forName="circle5" refType="hOff" refFor="ch" refForName="circle5" op="equ"/>
+              <dgm:constr type="b" for="ch" forName="circle5" refType="t" refFor="ch" refForName="vertSpace5"/>
+              <dgm:constr type="r" for="ch" forName="rect5" refType="l" refFor="ch" refForName="space"/>
+              <dgm:constr type="l" for="ch" forName="rect5"/>
+              <dgm:constr type="h" for="ch" forName="rect5" refType="h" refFor="ch" refForName="circle5"/>
+              <dgm:constr type="hOff" for="ch" forName="rect5" refType="hOff" refFor="ch" refForName="circle5"/>
+              <dgm:constr type="b" for="ch" forName="rect5" refType="b" refFor="ch" refForName="circle5"/>
+              <dgm:constr type="l" for="ch" forName="vertSpace6"/>
+              <dgm:constr type="w" for="ch" forName="vertSpace6" refType="w"/>
+              <dgm:constr type="h" for="ch" forName="vertSpace6" refType="h" refFor="ch" refForName="vertSpace5"/>
+              <dgm:constr type="b" for="ch" forName="vertSpace6" refType="t" refFor="ch" refForName="vertSpace5"/>
+              <dgm:constr type="ctrX" for="ch" forName="circle6" refType="r" refFor="ch" refForName="space"/>
+              <dgm:constr type="h" for="ch" forName="circle6" refType="h" refFor="ch" refForName="circle1" fact="0.28571"/>
+              <dgm:constr type="hOff" for="ch" forName="circle6" refType="h" refFor="ch" refForName="vertSpace2" fact="-0.71429"/>
+              <dgm:constr type="w" for="ch" forName="circle6" refType="h" refFor="ch" refForName="circle6" op="equ"/>
+              <dgm:constr type="wOff" for="ch" forName="circle6" refType="hOff" refFor="ch" refForName="circle6" op="equ"/>
+              <dgm:constr type="b" for="ch" forName="circle6" refType="t" refFor="ch" refForName="vertSpace6"/>
+              <dgm:constr type="r" for="ch" forName="rect6" refType="l" refFor="ch" refForName="space"/>
+              <dgm:constr type="l" for="ch" forName="rect6"/>
+              <dgm:constr type="h" for="ch" forName="rect6" refType="h" refFor="ch" refForName="circle6"/>
+              <dgm:constr type="hOff" for="ch" forName="rect6" refType="hOff" refFor="ch" refForName="circle6"/>
+              <dgm:constr type="b" for="ch" forName="rect6" refType="b" refFor="ch" refForName="circle6"/>
+              <dgm:constr type="l" for="ch" forName="vertSpace7"/>
+              <dgm:constr type="w" for="ch" forName="vertSpace7" refType="w"/>
+              <dgm:constr type="h" for="ch" forName="vertSpace7" refType="h" refFor="ch" refForName="vertSpace6"/>
+              <dgm:constr type="b" for="ch" forName="vertSpace7" refType="t" refFor="ch" refForName="vertSpace6"/>
+              <dgm:constr type="ctrX" for="ch" forName="circle7" refType="r" refFor="ch" refForName="space"/>
+              <dgm:constr type="h" for="ch" forName="circle7" refType="h" refFor="ch" refForName="circle1" fact="0.14286"/>
+              <dgm:constr type="hOff" for="ch" forName="circle7" refType="h" refFor="ch" refForName="vertSpace2" fact="-0.85714"/>
+              <dgm:constr type="w" for="ch" forName="circle7" refType="h" refFor="ch" refForName="circle7" op="equ"/>
+              <dgm:constr type="wOff" for="ch" forName="circle7" refType="hOff" refFor="ch" refForName="circle7" op="equ"/>
+              <dgm:constr type="b" for="ch" forName="circle7" refType="t" refFor="ch" refForName="vertSpace7"/>
+              <dgm:constr type="r" for="ch" forName="rect7" refType="l" refFor="ch" refForName="space"/>
+              <dgm:constr type="l" for="ch" forName="rect7"/>
+              <dgm:constr type="h" for="ch" forName="rect7" refType="h" refFor="ch" refForName="circle7"/>
+              <dgm:constr type="hOff" for="ch" forName="rect7" refType="hOff" refFor="ch" refForName="circle7"/>
+              <dgm:constr type="b" for="ch" forName="rect7" refType="b" refFor="ch" refForName="circle7"/>
+              <dgm:constr type="r" for="ch" forName="rect7ParTx" refType="l" refFor="ch" refForName="space"/>
+              <dgm:constr type="w" for="ch" forName="rect7ParTx" refType="w" refFor="ch" refForName="rect7" fact="0.5"/>
+              <dgm:constr type="t" for="ch" forName="rect7ParTx" refType="t" refFor="ch" refForName="rect7"/>
+              <dgm:constr type="b" for="ch" forName="rect7ParTx" refType="b" refFor="ch" refForName="rect7"/>
+              <dgm:constr type="r" for="ch" forName="rect7ChTx" refType="l" refFor="ch" refForName="rect7ParTx"/>
+              <dgm:constr type="w" for="ch" forName="rect7ChTx" refType="w" refFor="ch" refForName="rect7ParTx"/>
+              <dgm:constr type="t" for="ch" forName="rect7ChTx" refType="t" refFor="ch" refForName="rect7ParTx"/>
+              <dgm:constr type="b" for="ch" forName="rect7ChTx" refType="b" refFor="ch" refForName="rect7ParTx"/>
+              <dgm:constr type="r" for="ch" forName="rect7ParTxNoCh" refType="l" refFor="ch" refForName="space"/>
+              <dgm:constr type="w" for="ch" forName="rect7ParTxNoCh" refType="w" refFor="ch" refForName="rect7"/>
+              <dgm:constr type="t" for="ch" forName="rect7ParTxNoCh" refType="t" refFor="ch" refForName="rect7"/>
+              <dgm:constr type="b" for="ch" forName="rect7ParTxNoCh" refType="b" refFor="ch" refForName="rect7"/>
+              <dgm:constr type="r" for="ch" forName="rect1ParTx" refType="l" refFor="ch" refForName="space"/>
+              <dgm:constr type="w" for="ch" forName="rect1ParTx" refType="w" refFor="ch" refForName="rect1" fact="0.5"/>
+              <dgm:constr type="t" for="ch" forName="rect1ParTx" refType="t" refFor="ch" refForName="rect1"/>
+              <dgm:constr type="b" for="ch" forName="rect1ParTx" refType="t" refFor="ch" refForName="rect2"/>
+              <dgm:constr type="r" for="ch" forName="rect1ChTx" refType="l" refFor="ch" refForName="rect1ParTx"/>
+              <dgm:constr type="w" for="ch" forName="rect1ChTx" refType="w" refFor="ch" refForName="rect1ParTx"/>
+              <dgm:constr type="t" for="ch" forName="rect1ChTx" refType="t" refFor="ch" refForName="rect1ParTx"/>
+              <dgm:constr type="b" for="ch" forName="rect1ChTx" refType="b" refFor="ch" refForName="rect1ParTx"/>
+              <dgm:constr type="r" for="ch" forName="rect1ParTxNoCh" refType="l" refFor="ch" refForName="space"/>
+              <dgm:constr type="w" for="ch" forName="rect1ParTxNoCh" refType="w" refFor="ch" refForName="rect1"/>
+              <dgm:constr type="t" for="ch" forName="rect1ParTxNoCh" refType="t" refFor="ch" refForName="rect1"/>
+              <dgm:constr type="b" for="ch" forName="rect1ParTxNoCh" refType="t" refFor="ch" refForName="rect2"/>
+              <dgm:constr type="r" for="ch" forName="rect2ParTx" refType="l" refFor="ch" refForName="space"/>
+              <dgm:constr type="w" for="ch" forName="rect2ParTx" refType="w" refFor="ch" refForName="rect2" fact="0.5"/>
+              <dgm:constr type="t" for="ch" forName="rect2ParTx" refType="t" refFor="ch" refForName="rect2"/>
+              <dgm:constr type="b" for="ch" forName="rect2ParTx" refType="t" refFor="ch" refForName="rect3"/>
+              <dgm:constr type="r" for="ch" forName="rect2ChTx" refType="l" refFor="ch" refForName="rect2ParTx"/>
+              <dgm:constr type="w" for="ch" forName="rect2ChTx" refType="w" refFor="ch" refForName="rect2ParTx"/>
+              <dgm:constr type="t" for="ch" forName="rect2ChTx" refType="t" refFor="ch" refForName="rect2ParTx"/>
+              <dgm:constr type="b" for="ch" forName="rect2ChTx" refType="b" refFor="ch" refForName="rect2ParTx"/>
+              <dgm:constr type="r" for="ch" forName="rect2ParTxNoCh" refType="l" refFor="ch" refForName="space"/>
+              <dgm:constr type="w" for="ch" forName="rect2ParTxNoCh" refType="w" refFor="ch" refForName="rect2"/>
+              <dgm:constr type="t" for="ch" forName="rect2ParTxNoCh" refType="t" refFor="ch" refForName="rect2"/>
+              <dgm:constr type="b" for="ch" forName="rect2ParTxNoCh" refType="t" refFor="ch" refForName="rect3"/>
+              <dgm:constr type="r" for="ch" forName="rect3ParTx" refType="l" refFor="ch" refForName="space"/>
+              <dgm:constr type="w" for="ch" forName="rect3ParTx" refType="w" refFor="ch" refForName="rect3" fact="0.5"/>
+              <dgm:constr type="t" for="ch" forName="rect3ParTx" refType="t" refFor="ch" refForName="rect3"/>
+              <dgm:constr type="b" for="ch" forName="rect3ParTx" refType="t" refFor="ch" refForName="rect4"/>
+              <dgm:constr type="r" for="ch" forName="rect3ChTx" refType="l" refFor="ch" refForName="rect3ParTx"/>
+              <dgm:constr type="w" for="ch" forName="rect3ChTx" refType="w" refFor="ch" refForName="rect3ParTx"/>
+              <dgm:constr type="t" for="ch" forName="rect3ChTx" refType="t" refFor="ch" refForName="rect3ParTx"/>
+              <dgm:constr type="b" for="ch" forName="rect3ChTx" refType="b" refFor="ch" refForName="rect3ParTx"/>
+              <dgm:constr type="r" for="ch" forName="rect3ParTxNoCh" refType="l" refFor="ch" refForName="space"/>
+              <dgm:constr type="w" for="ch" forName="rect3ParTxNoCh" refType="w" refFor="ch" refForName="rect3"/>
+              <dgm:constr type="t" for="ch" forName="rect3ParTxNoCh" refType="t" refFor="ch" refForName="rect3"/>
+              <dgm:constr type="b" for="ch" forName="rect3ParTxNoCh" refType="t" refFor="ch" refForName="rect4"/>
+              <dgm:constr type="r" for="ch" forName="rect4ParTx" refType="l" refFor="ch" refForName="space"/>
+              <dgm:constr type="w" for="ch" forName="rect4ParTx" refType="w" refFor="ch" refForName="rect4" fact="0.5"/>
+              <dgm:constr type="t" for="ch" forName="rect4ParTx" refType="t" refFor="ch" refForName="rect4"/>
+              <dgm:constr type="b" for="ch" forName="rect4ParTx" refType="t" refFor="ch" refForName="rect5"/>
+              <dgm:constr type="r" for="ch" forName="rect4ChTx" refType="l" refFor="ch" refForName="rect4ParTx"/>
+              <dgm:constr type="w" for="ch" forName="rect4ChTx" refType="w" refFor="ch" refForName="rect4ParTx"/>
+              <dgm:constr type="t" for="ch" forName="rect4ChTx" refType="t" refFor="ch" refForName="rect4ParTx"/>
+              <dgm:constr type="b" for="ch" forName="rect4ChTx" refType="b" refFor="ch" refForName="rect4ParTx"/>
+              <dgm:constr type="r" for="ch" forName="rect4ParTxNoCh" refType="l" refFor="ch" refForName="space"/>
+              <dgm:constr type="w" for="ch" forName="rect4ParTxNoCh" refType="w" refFor="ch" refForName="rect4"/>
+              <dgm:constr type="t" for="ch" forName="rect4ParTxNoCh" refType="t" refFor="ch" refForName="rect4"/>
+              <dgm:constr type="b" for="ch" forName="rect4ParTxNoCh" refType="t" refFor="ch" refForName="rect5"/>
+              <dgm:constr type="r" for="ch" forName="rect5ParTx" refType="l" refFor="ch" refForName="space"/>
+              <dgm:constr type="w" for="ch" forName="rect5ParTx" refType="w" refFor="ch" refForName="rect5" fact="0.5"/>
+              <dgm:constr type="t" for="ch" forName="rect5ParTx" refType="t" refFor="ch" refForName="rect5"/>
+              <dgm:constr type="b" for="ch" forName="rect5ParTx" refType="t" refFor="ch" refForName="rect6"/>
+              <dgm:constr type="r" for="ch" forName="rect5ChTx" refType="l" refFor="ch" refForName="rect5ParTx"/>
+              <dgm:constr type="w" for="ch" forName="rect5ChTx" refType="w" refFor="ch" refForName="rect5ParTx"/>
+              <dgm:constr type="t" for="ch" forName="rect5ChTx" refType="t" refFor="ch" refForName="rect5ParTx"/>
+              <dgm:constr type="b" for="ch" forName="rect5ChTx" refType="b" refFor="ch" refForName="rect5ParTx"/>
+              <dgm:constr type="r" for="ch" forName="rect5ParTxNoCh" refType="l" refFor="ch" refForName="space"/>
+              <dgm:constr type="w" for="ch" forName="rect5ParTxNoCh" refType="w" refFor="ch" refForName="rect5"/>
+              <dgm:constr type="t" for="ch" forName="rect5ParTxNoCh" refType="t" refFor="ch" refForName="rect5"/>
+              <dgm:constr type="b" for="ch" forName="rect5ParTxNoCh" refType="t" refFor="ch" refForName="rect6"/>
+              <dgm:constr type="r" for="ch" forName="rect6ParTx" refType="l" refFor="ch" refForName="space"/>
+              <dgm:constr type="w" for="ch" forName="rect6ParTx" refType="w" refFor="ch" refForName="rect6" fact="0.5"/>
+              <dgm:constr type="t" for="ch" forName="rect6ParTx" refType="t" refFor="ch" refForName="rect6"/>
+              <dgm:constr type="b" for="ch" forName="rect6ParTx" refType="t" refFor="ch" refForName="rect7"/>
+              <dgm:constr type="r" for="ch" forName="rect6ChTx" refType="l" refFor="ch" refForName="rect6ParTx"/>
+              <dgm:constr type="w" for="ch" forName="rect6ChTx" refType="w" refFor="ch" refForName="rect6ParTx"/>
+              <dgm:constr type="t" for="ch" forName="rect6ChTx" refType="t" refFor="ch" refForName="rect6ParTx"/>
+              <dgm:constr type="b" for="ch" forName="rect6ChTx" refType="b" refFor="ch" refForName="rect6ParTx"/>
+              <dgm:constr type="r" for="ch" forName="rect6ParTxNoCh" refType="l" refFor="ch" refForName="space"/>
+              <dgm:constr type="w" for="ch" forName="rect6ParTxNoCh" refType="w" refFor="ch" refForName="rect6"/>
+              <dgm:constr type="t" for="ch" forName="rect6ParTxNoCh" refType="t" refFor="ch" refForName="rect6"/>
+              <dgm:constr type="b" for="ch" forName="rect6ParTxNoCh" refType="t" refFor="ch" refForName="rect7"/>
+              <dgm:constr type="primFontSz" for="ch" op="equ" val="65"/>
+              <dgm:constr type="secFontSz" for="ch" op="equ" val="65"/>
+            </dgm:constrLst>
+          </dgm:if>
+          <dgm:else name="Name21">
+            <dgm:constrLst/>
+          </dgm:else>
+        </dgm:choose>
+      </dgm:else>
+    </dgm:choose>
+    <dgm:ruleLst/>
+    <dgm:forEach name="Name22" axis="ch" ptType="node" cnt="1">
+      <dgm:layoutNode name="circle1" styleLbl="node1">
+        <dgm:alg type="sp"/>
+        <dgm:choose name="Name23">
+          <dgm:if name="Name24" func="var" arg="dir" op="equ" val="norm">
+            <dgm:shape xmlns:r="http://schemas.openxmlformats.org/officeDocument/2006/relationships" type="pie" r:blip="">
+              <dgm:adjLst>
+                <dgm:adj idx="1" val="90"/>
+                <dgm:adj idx="2" val="270"/>
+              </dgm:adjLst>
+            </dgm:shape>
+          </dgm:if>
+          <dgm:else name="Name25">
+            <dgm:shape xmlns:r="http://schemas.openxmlformats.org/officeDocument/2006/relationships" type="pie" r:blip="">
+              <dgm:adjLst>
+                <dgm:adj idx="1" val="270"/>
+                <dgm:adj idx="2" val="90"/>
+              </dgm:adjLst>
+            </dgm:shape>
+          </dgm:else>
+        </dgm:choose>
+        <dgm:presOf/>
+        <dgm:constrLst/>
+        <dgm:ruleLst/>
+      </dgm:layoutNode>
+      <dgm:layoutNode name="space">
+        <dgm:alg type="sp"/>
+        <dgm:shape xmlns:r="http://schemas.openxmlformats.org/officeDocument/2006/relationships" r:blip="">
+          <dgm:adjLst/>
+        </dgm:shape>
+        <dgm:presOf/>
+        <dgm:constrLst/>
+        <dgm:ruleLst/>
+      </dgm:layoutNode>
+      <dgm:layoutNode name="rect1" styleLbl="alignAcc1">
+        <dgm:alg type="sp"/>
+        <dgm:shape xmlns:r="http://schemas.openxmlformats.org/officeDocument/2006/relationships" type="rect" r:blip="">
+          <dgm:adjLst/>
+        </dgm:shape>
+        <dgm:presOf axis="self"/>
+        <dgm:constrLst/>
+        <dgm:ruleLst/>
+      </dgm:layoutNode>
+    </dgm:forEach>
+    <dgm:forEach name="Name26" axis="ch" ptType="node" st="2" cnt="1">
+      <dgm:layoutNode name="vertSpace2">
+        <dgm:alg type="sp"/>
+        <dgm:shape xmlns:r="http://schemas.openxmlformats.org/officeDocument/2006/relationships" type="rect" r:blip="" hideGeom="1">
+          <dgm:adjLst/>
+        </dgm:shape>
+        <dgm:presOf/>
+        <dgm:constrLst/>
+        <dgm:ruleLst/>
+      </dgm:layoutNode>
+      <dgm:layoutNode name="circle2" styleLbl="node1">
+        <dgm:alg type="sp"/>
+        <dgm:choose name="Name27">
+          <dgm:if name="Name28" func="var" arg="dir" op="equ" val="norm">
+            <dgm:shape xmlns:r="http://schemas.openxmlformats.org/officeDocument/2006/relationships" type="pie" r:blip="">
+              <dgm:adjLst>
+                <dgm:adj idx="1" val="90"/>
+                <dgm:adj idx="2" val="270"/>
+              </dgm:adjLst>
+            </dgm:shape>
+          </dgm:if>
+          <dgm:else name="Name29">
+            <dgm:shape xmlns:r="http://schemas.openxmlformats.org/officeDocument/2006/relationships" type="pie" r:blip="">
+              <dgm:adjLst>
+                <dgm:adj idx="1" val="270"/>
+                <dgm:adj idx="2" val="90"/>
+              </dgm:adjLst>
+            </dgm:shape>
+          </dgm:else>
+        </dgm:choose>
+        <dgm:presOf/>
+        <dgm:constrLst/>
+        <dgm:ruleLst/>
+      </dgm:layoutNode>
+      <dgm:layoutNode name="rect2" styleLbl="alignAcc1">
+        <dgm:alg type="sp"/>
+        <dgm:shape xmlns:r="http://schemas.openxmlformats.org/officeDocument/2006/relationships" type="rect" r:blip="">
+          <dgm:adjLst/>
+        </dgm:shape>
+        <dgm:presOf axis="self"/>
+        <dgm:constrLst/>
+        <dgm:ruleLst/>
+      </dgm:layoutNode>
+    </dgm:forEach>
+    <dgm:forEach name="Name30" axis="ch" ptType="node" st="3" cnt="1">
+      <dgm:layoutNode name="vertSpace3">
+        <dgm:alg type="sp"/>
+        <dgm:shape xmlns:r="http://schemas.openxmlformats.org/officeDocument/2006/relationships" type="rect" r:blip="" hideGeom="1">
+          <dgm:adjLst/>
+        </dgm:shape>
+        <dgm:presOf/>
+        <dgm:constrLst/>
+        <dgm:ruleLst/>
+      </dgm:layoutNode>
+      <dgm:layoutNode name="circle3" styleLbl="node1">
+        <dgm:alg type="sp"/>
+        <dgm:choose name="Name31">
+          <dgm:if name="Name32" func="var" arg="dir" op="equ" val="norm">
+            <dgm:shape xmlns:r="http://schemas.openxmlformats.org/officeDocument/2006/relationships" type="pie" r:blip="">
+              <dgm:adjLst>
+                <dgm:adj idx="1" val="90"/>
+                <dgm:adj idx="2" val="270"/>
+              </dgm:adjLst>
+            </dgm:shape>
+          </dgm:if>
+          <dgm:else name="Name33">
+            <dgm:shape xmlns:r="http://schemas.openxmlformats.org/officeDocument/2006/relationships" type="pie" r:blip="">
+              <dgm:adjLst>
+                <dgm:adj idx="1" val="270"/>
+                <dgm:adj idx="2" val="90"/>
+              </dgm:adjLst>
+            </dgm:shape>
+          </dgm:else>
+        </dgm:choose>
+        <dgm:presOf/>
+        <dgm:constrLst/>
+        <dgm:ruleLst/>
+      </dgm:layoutNode>
+      <dgm:layoutNode name="rect3" styleLbl="alignAcc1">
+        <dgm:alg type="sp"/>
+        <dgm:shape xmlns:r="http://schemas.openxmlformats.org/officeDocument/2006/relationships" type="rect" r:blip="">
+          <dgm:adjLst/>
+        </dgm:shape>
+        <dgm:presOf axis="self"/>
+        <dgm:constrLst/>
+        <dgm:ruleLst/>
+      </dgm:layoutNode>
+    </dgm:forEach>
+    <dgm:forEach name="Name34" axis="ch" ptType="node" st="4" cnt="1">
+      <dgm:layoutNode name="vertSpace4">
+        <dgm:alg type="sp"/>
+        <dgm:shape xmlns:r="http://schemas.openxmlformats.org/officeDocument/2006/relationships" type="rect" r:blip="" hideGeom="1">
+          <dgm:adjLst/>
+        </dgm:shape>
+        <dgm:presOf/>
+        <dgm:constrLst/>
+        <dgm:ruleLst/>
+      </dgm:layoutNode>
+      <dgm:layoutNode name="circle4" styleLbl="node1">
+        <dgm:alg type="sp"/>
+        <dgm:choose name="Name35">
+          <dgm:if name="Name36" func="var" arg="dir" op="equ" val="norm">
+            <dgm:shape xmlns:r="http://schemas.openxmlformats.org/officeDocument/2006/relationships" type="pie" r:blip="">
+              <dgm:adjLst>
+                <dgm:adj idx="1" val="90"/>
+                <dgm:adj idx="2" val="270"/>
+              </dgm:adjLst>
+            </dgm:shape>
+          </dgm:if>
+          <dgm:else name="Name37">
+            <dgm:shape xmlns:r="http://schemas.openxmlformats.org/officeDocument/2006/relationships" type="pie" r:blip="">
+              <dgm:adjLst>
+                <dgm:adj idx="1" val="270"/>
+                <dgm:adj idx="2" val="90"/>
+              </dgm:adjLst>
+            </dgm:shape>
+          </dgm:else>
+        </dgm:choose>
+        <dgm:presOf/>
+        <dgm:constrLst/>
+        <dgm:ruleLst/>
+      </dgm:layoutNode>
+      <dgm:layoutNode name="rect4" styleLbl="alignAcc1">
+        <dgm:alg type="sp"/>
+        <dgm:shape xmlns:r="http://schemas.openxmlformats.org/officeDocument/2006/relationships" type="rect" r:blip="">
+          <dgm:adjLst/>
+        </dgm:shape>
+        <dgm:presOf axis="self"/>
+        <dgm:constrLst/>
+        <dgm:ruleLst/>
+      </dgm:layoutNode>
+    </dgm:forEach>
+    <dgm:forEach name="Name38" axis="ch" ptType="node" st="5" cnt="1">
+      <dgm:layoutNode name="vertSpace5">
+        <dgm:alg type="sp"/>
+        <dgm:shape xmlns:r="http://schemas.openxmlformats.org/officeDocument/2006/relationships" type="rect" r:blip="" hideGeom="1">
+          <dgm:adjLst/>
+        </dgm:shape>
+        <dgm:presOf/>
+        <dgm:constrLst/>
+        <dgm:ruleLst/>
+      </dgm:layoutNode>
+      <dgm:layoutNode name="circle5" styleLbl="node1">
+        <dgm:alg type="sp"/>
+        <dgm:choose name="Name39">
+          <dgm:if name="Name40" func="var" arg="dir" op="equ" val="norm">
+            <dgm:shape xmlns:r="http://schemas.openxmlformats.org/officeDocument/2006/relationships" type="pie" r:blip="">
+              <dgm:adjLst>
+                <dgm:adj idx="1" val="90"/>
+                <dgm:adj idx="2" val="270"/>
+              </dgm:adjLst>
+            </dgm:shape>
+          </dgm:if>
+          <dgm:else name="Name41">
+            <dgm:shape xmlns:r="http://schemas.openxmlformats.org/officeDocument/2006/relationships" type="pie" r:blip="">
+              <dgm:adjLst>
+                <dgm:adj idx="1" val="270"/>
+                <dgm:adj idx="2" val="90"/>
+              </dgm:adjLst>
+            </dgm:shape>
+          </dgm:else>
+        </dgm:choose>
+        <dgm:presOf/>
+        <dgm:constrLst/>
+        <dgm:ruleLst/>
+      </dgm:layoutNode>
+      <dgm:layoutNode name="rect5" styleLbl="alignAcc1">
+        <dgm:alg type="sp"/>
+        <dgm:shape xmlns:r="http://schemas.openxmlformats.org/officeDocument/2006/relationships" type="rect" r:blip="">
+          <dgm:adjLst/>
+        </dgm:shape>
+        <dgm:presOf axis="self"/>
+        <dgm:constrLst/>
+        <dgm:ruleLst/>
+      </dgm:layoutNode>
+    </dgm:forEach>
+    <dgm:forEach name="Name42" axis="ch" ptType="node" st="6" cnt="1">
+      <dgm:layoutNode name="vertSpace6">
+        <dgm:alg type="sp"/>
+        <dgm:shape xmlns:r="http://schemas.openxmlformats.org/officeDocument/2006/relationships" type="rect" r:blip="" hideGeom="1">
+          <dgm:adjLst/>
+        </dgm:shape>
+        <dgm:presOf/>
+        <dgm:constrLst/>
+        <dgm:ruleLst/>
+      </dgm:layoutNode>
+      <dgm:layoutNode name="circle6" styleLbl="node1">
+        <dgm:alg type="sp"/>
+        <dgm:choose name="Name43">
+          <dgm:if name="Name44" func="var" arg="dir" op="equ" val="norm">
+            <dgm:shape xmlns:r="http://schemas.openxmlformats.org/officeDocument/2006/relationships" type="pie" r:blip="">
+              <dgm:adjLst>
+                <dgm:adj idx="1" val="90"/>
+                <dgm:adj idx="2" val="270"/>
+              </dgm:adjLst>
+            </dgm:shape>
+          </dgm:if>
+          <dgm:else name="Name45">
+            <dgm:shape xmlns:r="http://schemas.openxmlformats.org/officeDocument/2006/relationships" type="pie" r:blip="">
+              <dgm:adjLst>
+                <dgm:adj idx="1" val="270"/>
+                <dgm:adj idx="2" val="90"/>
+              </dgm:adjLst>
+            </dgm:shape>
+          </dgm:else>
+        </dgm:choose>
+        <dgm:presOf/>
+        <dgm:constrLst/>
+        <dgm:ruleLst/>
+      </dgm:layoutNode>
+      <dgm:layoutNode name="rect6" styleLbl="alignAcc1">
+        <dgm:alg type="sp"/>
+        <dgm:shape xmlns:r="http://schemas.openxmlformats.org/officeDocument/2006/relationships" type="rect" r:blip="">
+          <dgm:adjLst/>
+        </dgm:shape>
+        <dgm:presOf axis="self"/>
+        <dgm:constrLst/>
+        <dgm:ruleLst/>
+      </dgm:layoutNode>
+    </dgm:forEach>
+    <dgm:forEach name="Name46" axis="ch" ptType="node" st="7" cnt="1">
+      <dgm:layoutNode name="vertSpace7">
+        <dgm:alg type="sp"/>
+        <dgm:shape xmlns:r="http://schemas.openxmlformats.org/officeDocument/2006/relationships" type="rect" r:blip="" hideGeom="1">
+          <dgm:adjLst/>
+        </dgm:shape>
+        <dgm:presOf/>
+        <dgm:constrLst/>
+        <dgm:ruleLst/>
+      </dgm:layoutNode>
+      <dgm:layoutNode name="circle7" styleLbl="node1">
+        <dgm:alg type="sp"/>
+        <dgm:choose name="Name47">
+          <dgm:if name="Name48" func="var" arg="dir" op="equ" val="norm">
+            <dgm:shape xmlns:r="http://schemas.openxmlformats.org/officeDocument/2006/relationships" type="pie" r:blip="">
+              <dgm:adjLst>
+                <dgm:adj idx="1" val="90"/>
+                <dgm:adj idx="2" val="270"/>
+              </dgm:adjLst>
+            </dgm:shape>
+          </dgm:if>
+          <dgm:else name="Name49">
+            <dgm:shape xmlns:r="http://schemas.openxmlformats.org/officeDocument/2006/relationships" type="pie" r:blip="">
+              <dgm:adjLst>
+                <dgm:adj idx="1" val="270"/>
+                <dgm:adj idx="2" val="90"/>
+              </dgm:adjLst>
+            </dgm:shape>
+          </dgm:else>
+        </dgm:choose>
+        <dgm:presOf/>
+        <dgm:constrLst/>
+        <dgm:ruleLst/>
+      </dgm:layoutNode>
+      <dgm:layoutNode name="rect7" styleLbl="alignAcc1">
+        <dgm:alg type="sp"/>
+        <dgm:shape xmlns:r="http://schemas.openxmlformats.org/officeDocument/2006/relationships" type="rect" r:blip="">
+          <dgm:adjLst/>
+        </dgm:shape>
+        <dgm:presOf axis="self"/>
+        <dgm:constrLst/>
+        <dgm:ruleLst/>
+      </dgm:layoutNode>
+    </dgm:forEach>
+    <dgm:forEach name="Name50" axis="ch" ptType="node" cnt="1">
+      <dgm:choose name="Name51">
+        <dgm:if name="Name52" axis="root des" ptType="all node" func="maxDepth" op="gte" val="2">
+          <dgm:layoutNode name="rect1ParTx" styleLbl="alignAcc1">
+            <dgm:varLst>
+              <dgm:chMax val="1"/>
+              <dgm:bulletEnabled val="1"/>
+            </dgm:varLst>
+            <dgm:alg type="tx"/>
+            <dgm:shape xmlns:r="http://schemas.openxmlformats.org/officeDocument/2006/relationships" type="rect" r:blip="" hideGeom="1">
+              <dgm:adjLst/>
+            </dgm:shape>
+            <dgm:presOf axis="self"/>
+            <dgm:constrLst>
+              <dgm:constr type="lMarg" refType="primFontSz" fact="0.3"/>
+              <dgm:constr type="rMarg" refType="primFontSz" fact="0.3"/>
+              <dgm:constr type="tMarg" refType="primFontSz" fact="0.3"/>
+              <dgm:constr type="bMarg" refType="primFontSz" fact="0.3"/>
+            </dgm:constrLst>
+            <dgm:ruleLst>
+              <dgm:rule type="primFontSz" val="5" fact="NaN" max="NaN"/>
+            </dgm:ruleLst>
+          </dgm:layoutNode>
+          <dgm:layoutNode name="rect1ChTx" styleLbl="alignAcc1">
+            <dgm:varLst>
+              <dgm:bulletEnabled val="1"/>
+            </dgm:varLst>
+            <dgm:alg type="tx">
+              <dgm:param type="stBulletLvl" val="1"/>
+              <dgm:param type="txAnchorVertCh" val="mid"/>
+            </dgm:alg>
+            <dgm:shape xmlns:r="http://schemas.openxmlformats.org/officeDocument/2006/relationships" type="rect" r:blip="" hideGeom="1">
+              <dgm:adjLst/>
+            </dgm:shape>
+            <dgm:presOf axis="des" ptType="node"/>
+            <dgm:constrLst>
+              <dgm:constr type="lMarg" refType="secFontSz" fact="0.3"/>
+              <dgm:constr type="rMarg" refType="secFontSz" fact="0.3"/>
+              <dgm:constr type="tMarg" refType="secFontSz" fact="0.3"/>
+              <dgm:constr type="bMarg" refType="secFontSz" fact="0.3"/>
+            </dgm:constrLst>
+            <dgm:ruleLst>
+              <dgm:rule type="secFontSz" val="5" fact="NaN" max="NaN"/>
+            </dgm:ruleLst>
+          </dgm:layoutNode>
+        </dgm:if>
+        <dgm:else name="Name53">
+          <dgm:layoutNode name="rect1ParTxNoCh" styleLbl="alignAcc1">
+            <dgm:varLst>
+              <dgm:chMax val="1"/>
+              <dgm:bulletEnabled val="1"/>
+            </dgm:varLst>
+            <dgm:alg type="tx"/>
+            <dgm:shape xmlns:r="http://schemas.openxmlformats.org/officeDocument/2006/relationships" type="rect" r:blip="" hideGeom="1">
+              <dgm:adjLst/>
+            </dgm:shape>
+            <dgm:presOf axis="self"/>
+            <dgm:constrLst>
+              <dgm:constr type="lMarg" refType="primFontSz" fact="0.3"/>
+              <dgm:constr type="rMarg" refType="primFontSz" fact="0.3"/>
+              <dgm:constr type="tMarg" refType="primFontSz" fact="0.3"/>
+              <dgm:constr type="bMarg" refType="primFontSz" fact="0.3"/>
+            </dgm:constrLst>
+            <dgm:ruleLst>
+              <dgm:rule type="primFontSz" val="5" fact="NaN" max="NaN"/>
+            </dgm:ruleLst>
+          </dgm:layoutNode>
+        </dgm:else>
+      </dgm:choose>
+    </dgm:forEach>
+    <dgm:forEach name="Name54" axis="ch" ptType="node" st="2" cnt="1">
+      <dgm:choose name="Name55">
+        <dgm:if name="Name56" axis="root des" ptType="all node" func="maxDepth" op="gte" val="2">
+          <dgm:layoutNode name="rect2ParTx" styleLbl="alignAcc1">
+            <dgm:varLst>
+              <dgm:chMax val="1"/>
+              <dgm:bulletEnabled val="1"/>
+            </dgm:varLst>
+            <dgm:alg type="tx"/>
+            <dgm:shape xmlns:r="http://schemas.openxmlformats.org/officeDocument/2006/relationships" type="rect" r:blip="" hideGeom="1">
+              <dgm:adjLst/>
+            </dgm:shape>
+            <dgm:presOf axis="self"/>
+            <dgm:constrLst>
+              <dgm:constr type="lMarg" refType="primFontSz" fact="0.3"/>
+              <dgm:constr type="rMarg" refType="primFontSz" fact="0.3"/>
+              <dgm:constr type="tMarg" refType="primFontSz" fact="0.3"/>
+              <dgm:constr type="bMarg" refType="primFontSz" fact="0.3"/>
+            </dgm:constrLst>
+            <dgm:ruleLst>
+              <dgm:rule type="primFontSz" val="5" fact="NaN" max="NaN"/>
+            </dgm:ruleLst>
+          </dgm:layoutNode>
+          <dgm:layoutNode name="rect2ChTx" styleLbl="alignAcc1">
+            <dgm:varLst>
+              <dgm:bulletEnabled val="1"/>
+            </dgm:varLst>
+            <dgm:alg type="tx">
+              <dgm:param type="stBulletLvl" val="1"/>
+              <dgm:param type="txAnchorVertCh" val="mid"/>
+            </dgm:alg>
+            <dgm:shape xmlns:r="http://schemas.openxmlformats.org/officeDocument/2006/relationships" type="rect" r:blip="" hideGeom="1">
+              <dgm:adjLst/>
+            </dgm:shape>
+            <dgm:presOf axis="des" ptType="node"/>
+            <dgm:constrLst>
+              <dgm:constr type="lMarg" refType="secFontSz" fact="0.3"/>
+              <dgm:constr type="rMarg" refType="secFontSz" fact="0.3"/>
+              <dgm:constr type="tMarg" refType="secFontSz" fact="0.3"/>
+              <dgm:constr type="bMarg" refType="secFontSz" fact="0.3"/>
+            </dgm:constrLst>
+            <dgm:ruleLst>
+              <dgm:rule type="secFontSz" val="5" fact="NaN" max="NaN"/>
+            </dgm:ruleLst>
+          </dgm:layoutNode>
+        </dgm:if>
+        <dgm:else name="Name57">
+          <dgm:layoutNode name="rect2ParTxNoCh" styleLbl="alignAcc1">
+            <dgm:varLst>
+              <dgm:chMax val="1"/>
+              <dgm:bulletEnabled val="1"/>
+            </dgm:varLst>
+            <dgm:alg type="tx"/>
+            <dgm:shape xmlns:r="http://schemas.openxmlformats.org/officeDocument/2006/relationships" type="rect" r:blip="" hideGeom="1">
+              <dgm:adjLst/>
+            </dgm:shape>
+            <dgm:presOf axis="self"/>
+            <dgm:constrLst>
+              <dgm:constr type="lMarg" refType="primFontSz" fact="0.3"/>
+              <dgm:constr type="rMarg" refType="primFontSz" fact="0.3"/>
+              <dgm:constr type="tMarg" refType="primFontSz" fact="0.3"/>
+              <dgm:constr type="bMarg" refType="primFontSz" fact="0.3"/>
+            </dgm:constrLst>
+            <dgm:ruleLst>
+              <dgm:rule type="primFontSz" val="5" fact="NaN" max="NaN"/>
+            </dgm:ruleLst>
+          </dgm:layoutNode>
+        </dgm:else>
+      </dgm:choose>
+    </dgm:forEach>
+    <dgm:forEach name="Name58" axis="ch" ptType="node" st="3" cnt="1">
+      <dgm:choose name="Name59">
+        <dgm:if name="Name60" axis="root des" ptType="all node" func="maxDepth" op="gte" val="2">
+          <dgm:layoutNode name="rect3ParTx" styleLbl="alignAcc1">
+            <dgm:varLst>
+              <dgm:chMax val="1"/>
+              <dgm:bulletEnabled val="1"/>
+            </dgm:varLst>
+            <dgm:alg type="tx"/>
+            <dgm:shape xmlns:r="http://schemas.openxmlformats.org/officeDocument/2006/relationships" type="rect" r:blip="" hideGeom="1">
+              <dgm:adjLst/>
+            </dgm:shape>
+            <dgm:presOf axis="self"/>
+            <dgm:constrLst>
+              <dgm:constr type="lMarg" refType="primFontSz" fact="0.3"/>
+              <dgm:constr type="rMarg" refType="primFontSz" fact="0.3"/>
+              <dgm:constr type="tMarg" refType="primFontSz" fact="0.3"/>
+              <dgm:constr type="bMarg" refType="primFontSz" fact="0.3"/>
+            </dgm:constrLst>
+            <dgm:ruleLst>
+              <dgm:rule type="primFontSz" val="5" fact="NaN" max="NaN"/>
+            </dgm:ruleLst>
+          </dgm:layoutNode>
+          <dgm:layoutNode name="rect3ChTx" styleLbl="alignAcc1">
+            <dgm:varLst>
+              <dgm:bulletEnabled val="1"/>
+            </dgm:varLst>
+            <dgm:alg type="tx">
+              <dgm:param type="stBulletLvl" val="1"/>
+              <dgm:param type="txAnchorVertCh" val="mid"/>
+            </dgm:alg>
+            <dgm:shape xmlns:r="http://schemas.openxmlformats.org/officeDocument/2006/relationships" type="rect" r:blip="" hideGeom="1">
+              <dgm:adjLst/>
+            </dgm:shape>
+            <dgm:presOf axis="des" ptType="node"/>
+            <dgm:constrLst>
+              <dgm:constr type="lMarg" refType="secFontSz" fact="0.3"/>
+              <dgm:constr type="rMarg" refType="secFontSz" fact="0.3"/>
+              <dgm:constr type="tMarg" refType="secFontSz" fact="0.3"/>
+              <dgm:constr type="bMarg" refType="secFontSz" fact="0.3"/>
+            </dgm:constrLst>
+            <dgm:ruleLst>
+              <dgm:rule type="secFontSz" val="5" fact="NaN" max="NaN"/>
+            </dgm:ruleLst>
+          </dgm:layoutNode>
+        </dgm:if>
+        <dgm:else name="Name61">
+          <dgm:layoutNode name="rect3ParTxNoCh" styleLbl="alignAcc1">
+            <dgm:varLst>
+              <dgm:chMax val="1"/>
+              <dgm:bulletEnabled val="1"/>
+            </dgm:varLst>
+            <dgm:alg type="tx"/>
+            <dgm:shape xmlns:r="http://schemas.openxmlformats.org/officeDocument/2006/relationships" type="rect" r:blip="" hideGeom="1">
+              <dgm:adjLst/>
+            </dgm:shape>
+            <dgm:presOf axis="self"/>
+            <dgm:constrLst>
+              <dgm:constr type="lMarg" refType="primFontSz" fact="0.3"/>
+              <dgm:constr type="rMarg" refType="primFontSz" fact="0.3"/>
+              <dgm:constr type="tMarg" refType="primFontSz" fact="0.3"/>
+              <dgm:constr type="bMarg" refType="primFontSz" fact="0.3"/>
+            </dgm:constrLst>
+            <dgm:ruleLst>
+              <dgm:rule type="primFontSz" val="5" fact="NaN" max="NaN"/>
+            </dgm:ruleLst>
+          </dgm:layoutNode>
+        </dgm:else>
+      </dgm:choose>
+    </dgm:forEach>
+    <dgm:forEach name="Name62" axis="ch" ptType="node" st="4" cnt="1">
+      <dgm:choose name="Name63">
+        <dgm:if name="Name64" axis="root des" ptType="all node" func="maxDepth" op="gte" val="2">
+          <dgm:layoutNode name="rect4ParTx" styleLbl="alignAcc1">
+            <dgm:varLst>
+              <dgm:chMax val="1"/>
+              <dgm:bulletEnabled val="1"/>
+            </dgm:varLst>
+            <dgm:alg type="tx"/>
+            <dgm:shape xmlns:r="http://schemas.openxmlformats.org/officeDocument/2006/relationships" type="rect" r:blip="" hideGeom="1">
+              <dgm:adjLst/>
+            </dgm:shape>
+            <dgm:presOf axis="self"/>
+            <dgm:constrLst>
+              <dgm:constr type="lMarg" refType="primFontSz" fact="0.3"/>
+              <dgm:constr type="rMarg" refType="primFontSz" fact="0.3"/>
+              <dgm:constr type="tMarg" refType="primFontSz" fact="0.3"/>
+              <dgm:constr type="bMarg" refType="primFontSz" fact="0.3"/>
+            </dgm:constrLst>
+            <dgm:ruleLst>
+              <dgm:rule type="primFontSz" val="5" fact="NaN" max="NaN"/>
+            </dgm:ruleLst>
+          </dgm:layoutNode>
+          <dgm:layoutNode name="rect4ChTx" styleLbl="alignAcc1">
+            <dgm:varLst>
+              <dgm:bulletEnabled val="1"/>
+            </dgm:varLst>
+            <dgm:alg type="tx">
+              <dgm:param type="stBulletLvl" val="1"/>
+              <dgm:param type="txAnchorVertCh" val="mid"/>
+            </dgm:alg>
+            <dgm:shape xmlns:r="http://schemas.openxmlformats.org/officeDocument/2006/relationships" type="rect" r:blip="" hideGeom="1">
+              <dgm:adjLst/>
+            </dgm:shape>
+            <dgm:presOf axis="des" ptType="node"/>
+            <dgm:constrLst>
+              <dgm:constr type="lMarg" refType="secFontSz" fact="0.3"/>
+              <dgm:constr type="rMarg" refType="secFontSz" fact="0.3"/>
+              <dgm:constr type="tMarg" refType="secFontSz" fact="0.3"/>
+              <dgm:constr type="bMarg" refType="secFontSz" fact="0.3"/>
+            </dgm:constrLst>
+            <dgm:ruleLst>
+              <dgm:rule type="secFontSz" val="5" fact="NaN" max="NaN"/>
+            </dgm:ruleLst>
+          </dgm:layoutNode>
+        </dgm:if>
+        <dgm:else name="Name65">
+          <dgm:layoutNode name="rect4ParTxNoCh" styleLbl="alignAcc1">
+            <dgm:varLst>
+              <dgm:chMax val="1"/>
+              <dgm:bulletEnabled val="1"/>
+            </dgm:varLst>
+            <dgm:alg type="tx"/>
+            <dgm:shape xmlns:r="http://schemas.openxmlformats.org/officeDocument/2006/relationships" type="rect" r:blip="" hideGeom="1">
+              <dgm:adjLst/>
+            </dgm:shape>
+            <dgm:presOf axis="self"/>
+            <dgm:constrLst>
+              <dgm:constr type="lMarg" refType="primFontSz" fact="0.3"/>
+              <dgm:constr type="rMarg" refType="primFontSz" fact="0.3"/>
+              <dgm:constr type="tMarg" refType="primFontSz" fact="0.3"/>
+              <dgm:constr type="bMarg" refType="primFontSz" fact="0.3"/>
+            </dgm:constrLst>
+            <dgm:ruleLst>
+              <dgm:rule type="primFontSz" val="5" fact="NaN" max="NaN"/>
+            </dgm:ruleLst>
+          </dgm:layoutNode>
+        </dgm:else>
+      </dgm:choose>
+    </dgm:forEach>
+    <dgm:forEach name="Name66" axis="ch" ptType="node" st="5" cnt="1">
+      <dgm:choose name="Name67">
+        <dgm:if name="Name68" axis="root des" ptType="all node" func="maxDepth" op="gte" val="2">
+          <dgm:layoutNode name="rect5ParTx" styleLbl="alignAcc1">
+            <dgm:varLst>
+              <dgm:chMax val="1"/>
+              <dgm:bulletEnabled val="1"/>
+            </dgm:varLst>
+            <dgm:alg type="tx"/>
+            <dgm:shape xmlns:r="http://schemas.openxmlformats.org/officeDocument/2006/relationships" type="rect" r:blip="" hideGeom="1">
+              <dgm:adjLst/>
+            </dgm:shape>
+            <dgm:presOf axis="self"/>
+            <dgm:constrLst>
+              <dgm:constr type="lMarg" refType="primFontSz" fact="0.3"/>
+              <dgm:constr type="rMarg" refType="primFontSz" fact="0.3"/>
+              <dgm:constr type="tMarg" refType="primFontSz" fact="0.3"/>
+              <dgm:constr type="bMarg" refType="primFontSz" fact="0.3"/>
+            </dgm:constrLst>
+            <dgm:ruleLst>
+              <dgm:rule type="primFontSz" val="5" fact="NaN" max="NaN"/>
+            </dgm:ruleLst>
+          </dgm:layoutNode>
+          <dgm:layoutNode name="rect5ChTx" styleLbl="alignAcc1">
+            <dgm:varLst>
+              <dgm:bulletEnabled val="1"/>
+            </dgm:varLst>
+            <dgm:alg type="tx">
+              <dgm:param type="stBulletLvl" val="1"/>
+              <dgm:param type="txAnchorVertCh" val="mid"/>
+            </dgm:alg>
+            <dgm:shape xmlns:r="http://schemas.openxmlformats.org/officeDocument/2006/relationships" type="rect" r:blip="" hideGeom="1">
+              <dgm:adjLst/>
+            </dgm:shape>
+            <dgm:presOf axis="des" ptType="node"/>
+            <dgm:constrLst>
+              <dgm:constr type="lMarg" refType="secFontSz" fact="0.3"/>
+              <dgm:constr type="rMarg" refType="secFontSz" fact="0.3"/>
+              <dgm:constr type="tMarg" refType="secFontSz" fact="0.3"/>
+              <dgm:constr type="bMarg" refType="secFontSz" fact="0.3"/>
+            </dgm:constrLst>
+            <dgm:ruleLst>
+              <dgm:rule type="secFontSz" val="5" fact="NaN" max="NaN"/>
+            </dgm:ruleLst>
+          </dgm:layoutNode>
+        </dgm:if>
+        <dgm:else name="Name69">
+          <dgm:layoutNode name="rect5ParTxNoCh" styleLbl="alignAcc1">
+            <dgm:varLst>
+              <dgm:chMax val="1"/>
+              <dgm:bulletEnabled val="1"/>
+            </dgm:varLst>
+            <dgm:alg type="tx"/>
+            <dgm:shape xmlns:r="http://schemas.openxmlformats.org/officeDocument/2006/relationships" type="rect" r:blip="" hideGeom="1">
+              <dgm:adjLst/>
+            </dgm:shape>
+            <dgm:presOf axis="self"/>
+            <dgm:constrLst>
+              <dgm:constr type="lMarg" refType="primFontSz" fact="0.3"/>
+              <dgm:constr type="rMarg" refType="primFontSz" fact="0.3"/>
+              <dgm:constr type="tMarg" refType="primFontSz" fact="0.3"/>
+              <dgm:constr type="bMarg" refType="primFontSz" fact="0.3"/>
+            </dgm:constrLst>
+            <dgm:ruleLst>
+              <dgm:rule type="primFontSz" val="5" fact="NaN" max="NaN"/>
+            </dgm:ruleLst>
+          </dgm:layoutNode>
+        </dgm:else>
+      </dgm:choose>
+    </dgm:forEach>
+    <dgm:forEach name="Name70" axis="ch" ptType="node" st="6" cnt="1">
+      <dgm:choose name="Name71">
+        <dgm:if name="Name72" axis="root des" ptType="all node" func="maxDepth" op="gte" val="2">
+          <dgm:layoutNode name="rect6ParTx" styleLbl="alignAcc1">
+            <dgm:varLst>
+              <dgm:chMax val="1"/>
+              <dgm:bulletEnabled val="1"/>
+            </dgm:varLst>
+            <dgm:alg type="tx"/>
+            <dgm:shape xmlns:r="http://schemas.openxmlformats.org/officeDocument/2006/relationships" type="rect" r:blip="" hideGeom="1">
+              <dgm:adjLst/>
+            </dgm:shape>
+            <dgm:presOf axis="self"/>
+            <dgm:constrLst>
+              <dgm:constr type="lMarg" refType="primFontSz" fact="0.3"/>
+              <dgm:constr type="rMarg" refType="primFontSz" fact="0.3"/>
+              <dgm:constr type="tMarg" refType="primFontSz" fact="0.3"/>
+              <dgm:constr type="bMarg" refType="primFontSz" fact="0.3"/>
+            </dgm:constrLst>
+            <dgm:ruleLst>
+              <dgm:rule type="primFontSz" val="5" fact="NaN" max="NaN"/>
+            </dgm:ruleLst>
+          </dgm:layoutNode>
+          <dgm:layoutNode name="rect6ChTx" styleLbl="alignAcc1">
+            <dgm:varLst>
+              <dgm:bulletEnabled val="1"/>
+            </dgm:varLst>
+            <dgm:alg type="tx">
+              <dgm:param type="stBulletLvl" val="1"/>
+              <dgm:param type="txAnchorVertCh" val="mid"/>
+            </dgm:alg>
+            <dgm:shape xmlns:r="http://schemas.openxmlformats.org/officeDocument/2006/relationships" type="rect" r:blip="" hideGeom="1">
+              <dgm:adjLst/>
+            </dgm:shape>
+            <dgm:presOf axis="des" ptType="node"/>
+            <dgm:constrLst>
+              <dgm:constr type="lMarg" refType="secFontSz" fact="0.3"/>
+              <dgm:constr type="rMarg" refType="secFontSz" fact="0.3"/>
+              <dgm:constr type="tMarg" refType="secFontSz" fact="0.3"/>
+              <dgm:constr type="bMarg" refType="secFontSz" fact="0.3"/>
+            </dgm:constrLst>
+            <dgm:ruleLst>
+              <dgm:rule type="secFontSz" val="5" fact="NaN" max="NaN"/>
+            </dgm:ruleLst>
+          </dgm:layoutNode>
+        </dgm:if>
+        <dgm:else name="Name73">
+          <dgm:layoutNode name="rect6ParTxNoCh" styleLbl="alignAcc1">
+            <dgm:varLst>
+              <dgm:chMax val="1"/>
+              <dgm:bulletEnabled val="1"/>
+            </dgm:varLst>
+            <dgm:alg type="tx"/>
+            <dgm:shape xmlns:r="http://schemas.openxmlformats.org/officeDocument/2006/relationships" type="rect" r:blip="" hideGeom="1">
+              <dgm:adjLst/>
+            </dgm:shape>
+            <dgm:presOf axis="self"/>
+            <dgm:constrLst>
+              <dgm:constr type="lMarg" refType="primFontSz" fact="0.3"/>
+              <dgm:constr type="rMarg" refType="primFontSz" fact="0.3"/>
+              <dgm:constr type="tMarg" refType="primFontSz" fact="0.3"/>
+              <dgm:constr type="bMarg" refType="primFontSz" fact="0.3"/>
+            </dgm:constrLst>
+            <dgm:ruleLst>
+              <dgm:rule type="primFontSz" val="5" fact="NaN" max="NaN"/>
+            </dgm:ruleLst>
+          </dgm:layoutNode>
+        </dgm:else>
+      </dgm:choose>
+    </dgm:forEach>
+    <dgm:forEach name="Name74" axis="ch" ptType="node" st="7" cnt="1">
+      <dgm:choose name="Name75">
+        <dgm:if name="Name76" axis="root des" ptType="all node" func="maxDepth" op="gte" val="2">
+          <dgm:layoutNode name="rect7ParTx" styleLbl="alignAcc1">
+            <dgm:varLst>
+              <dgm:chMax val="1"/>
+              <dgm:bulletEnabled val="1"/>
+            </dgm:varLst>
+            <dgm:alg type="tx"/>
+            <dgm:shape xmlns:r="http://schemas.openxmlformats.org/officeDocument/2006/relationships" type="rect" r:blip="" hideGeom="1">
+              <dgm:adjLst/>
+            </dgm:shape>
+            <dgm:presOf axis="self"/>
+            <dgm:constrLst>
+              <dgm:constr type="lMarg" refType="primFontSz" fact="0.3"/>
+              <dgm:constr type="rMarg" refType="primFontSz" fact="0.3"/>
+              <dgm:constr type="tMarg" refType="primFontSz" fact="0.3"/>
+              <dgm:constr type="bMarg" refType="primFontSz" fact="0.3"/>
+            </dgm:constrLst>
+            <dgm:ruleLst>
+              <dgm:rule type="primFontSz" val="5" fact="NaN" max="NaN"/>
+            </dgm:ruleLst>
+          </dgm:layoutNode>
+          <dgm:layoutNode name="rect7ChTx" styleLbl="alignAcc1">
+            <dgm:varLst>
+              <dgm:bulletEnabled val="1"/>
+            </dgm:varLst>
+            <dgm:alg type="tx">
+              <dgm:param type="stBulletLvl" val="1"/>
+              <dgm:param type="txAnchorVertCh" val="mid"/>
+            </dgm:alg>
+            <dgm:shape xmlns:r="http://schemas.openxmlformats.org/officeDocument/2006/relationships" type="rect" r:blip="" hideGeom="1">
+              <dgm:adjLst/>
+            </dgm:shape>
+            <dgm:presOf axis="des" ptType="node"/>
+            <dgm:constrLst>
+              <dgm:constr type="lMarg" refType="secFontSz" fact="0.3"/>
+              <dgm:constr type="rMarg" refType="secFontSz" fact="0.3"/>
+              <dgm:constr type="tMarg" refType="secFontSz" fact="0.3"/>
+              <dgm:constr type="bMarg" refType="secFontSz" fact="0.3"/>
+            </dgm:constrLst>
+            <dgm:ruleLst>
+              <dgm:rule type="secFontSz" val="5" fact="NaN" max="NaN"/>
+            </dgm:ruleLst>
+          </dgm:layoutNode>
+        </dgm:if>
+        <dgm:else name="Name77">
+          <dgm:layoutNode name="rect7ParTxNoCh" styleLbl="alignAcc1">
+            <dgm:varLst>
+              <dgm:chMax val="1"/>
+              <dgm:bulletEnabled val="1"/>
+            </dgm:varLst>
+            <dgm:alg type="tx"/>
+            <dgm:shape xmlns:r="http://schemas.openxmlformats.org/officeDocument/2006/relationships" type="rect" r:blip="" hideGeom="1">
+              <dgm:adjLst/>
+            </dgm:shape>
+            <dgm:presOf axis="self"/>
+            <dgm:constrLst>
+              <dgm:constr type="lMarg" refType="primFontSz" fact="0.3"/>
+              <dgm:constr type="rMarg" refType="primFontSz" fact="0.3"/>
+              <dgm:constr type="tMarg" refType="primFontSz" fact="0.3"/>
+              <dgm:constr type="bMarg" refType="primFontSz" fact="0.3"/>
+            </dgm:constrLst>
+            <dgm:ruleLst>
+              <dgm:rule type="primFontSz" val="5" fact="NaN" max="NaN"/>
+            </dgm:ruleLst>
+          </dgm:layoutNode>
+        </dgm:else>
+      </dgm:choose>
+    </dgm:forEach>
+  </dgm:layoutNode>
+</dgm:layoutDef>
+</file>
+
+<file path=ppt/diagrams/layout2.xml><?xml version="1.0" encoding="utf-8"?>
 <dgm:layoutDef xmlns:dgm="http://schemas.openxmlformats.org/drawingml/2006/diagram" xmlns:a="http://schemas.openxmlformats.org/drawingml/2006/main" uniqueId="urn:microsoft.com/office/officeart/2005/8/layout/balance1">
   <dgm:title val=""/>
   <dgm:desc val=""/>
@@ -17625,7 +22100,7 @@
 </dgm:layoutDef>
 </file>
 
-<file path=ppt/diagrams/layout2.xml><?xml version="1.0" encoding="utf-8"?>
+<file path=ppt/diagrams/layout3.xml><?xml version="1.0" encoding="utf-8"?>
 <dgm:layoutDef xmlns:dgm="http://schemas.openxmlformats.org/drawingml/2006/diagram" xmlns:a="http://schemas.openxmlformats.org/drawingml/2006/main" uniqueId="urn:microsoft.com/office/officeart/2005/8/layout/hProcess10">
   <dgm:title val=""/>
   <dgm:desc val=""/>
@@ -17865,7 +22340,7 @@
 </dgm:layoutDef>
 </file>
 
-<file path=ppt/diagrams/layout3.xml><?xml version="1.0" encoding="utf-8"?>
+<file path=ppt/diagrams/layout4.xml><?xml version="1.0" encoding="utf-8"?>
 <dgm:layoutDef xmlns:dgm="http://schemas.openxmlformats.org/drawingml/2006/diagram" xmlns:a="http://schemas.openxmlformats.org/drawingml/2006/main" uniqueId="urn:microsoft.com/office/officeart/2005/8/layout/funnel1">
   <dgm:title val=""/>
   <dgm:desc val=""/>
@@ -18183,7 +22658,7 @@
 </dgm:layoutDef>
 </file>
 
-<file path=ppt/diagrams/layout4.xml><?xml version="1.0" encoding="utf-8"?>
+<file path=ppt/diagrams/layout5.xml><?xml version="1.0" encoding="utf-8"?>
 <dgm:layoutDef xmlns:dgm="http://schemas.openxmlformats.org/drawingml/2006/diagram" xmlns:a="http://schemas.openxmlformats.org/drawingml/2006/main" uniqueId="urn:microsoft.com/office/officeart/2005/8/layout/arrow2">
   <dgm:title val=""/>
   <dgm:desc val=""/>
@@ -19828,238 +24303,6 @@
 </dgm:layoutDef>
 </file>
 
-<file path=ppt/diagrams/layout5.xml><?xml version="1.0" encoding="utf-8"?>
-<dgm:layoutDef xmlns:dgm="http://schemas.openxmlformats.org/drawingml/2006/diagram" xmlns:a="http://schemas.openxmlformats.org/drawingml/2006/main" uniqueId="urn:microsoft.com/office/officeart/2005/8/layout/pyramid3">
-  <dgm:title val=""/>
-  <dgm:desc val=""/>
-  <dgm:catLst>
-    <dgm:cat type="pyramid" pri="2000"/>
-  </dgm:catLst>
-  <dgm:sampData useDef="1">
-    <dgm:dataModel>
-      <dgm:ptLst/>
-      <dgm:bg/>
-      <dgm:whole/>
-    </dgm:dataModel>
-  </dgm:sampData>
-  <dgm:styleData>
-    <dgm:dataModel>
-      <dgm:ptLst>
-        <dgm:pt modelId="0" type="doc"/>
-        <dgm:pt modelId="1"/>
-        <dgm:pt modelId="2"/>
-      </dgm:ptLst>
-      <dgm:cxnLst>
-        <dgm:cxn modelId="3" srcId="0" destId="1" srcOrd="0" destOrd="0"/>
-        <dgm:cxn modelId="4" srcId="0" destId="2" srcOrd="1" destOrd="0"/>
-      </dgm:cxnLst>
-      <dgm:bg/>
-      <dgm:whole/>
-    </dgm:dataModel>
-  </dgm:styleData>
-  <dgm:clrData>
-    <dgm:dataModel>
-      <dgm:ptLst>
-        <dgm:pt modelId="0" type="doc"/>
-        <dgm:pt modelId="1"/>
-        <dgm:pt modelId="2"/>
-        <dgm:pt modelId="3"/>
-        <dgm:pt modelId="4"/>
-      </dgm:ptLst>
-      <dgm:cxnLst>
-        <dgm:cxn modelId="5" srcId="0" destId="1" srcOrd="0" destOrd="0"/>
-        <dgm:cxn modelId="6" srcId="0" destId="2" srcOrd="1" destOrd="0"/>
-        <dgm:cxn modelId="7" srcId="0" destId="3" srcOrd="2" destOrd="0"/>
-        <dgm:cxn modelId="8" srcId="0" destId="4" srcOrd="3" destOrd="0"/>
-      </dgm:cxnLst>
-      <dgm:bg/>
-      <dgm:whole/>
-    </dgm:dataModel>
-  </dgm:clrData>
-  <dgm:layoutNode name="Name0">
-    <dgm:varLst>
-      <dgm:dir/>
-      <dgm:animLvl val="lvl"/>
-      <dgm:resizeHandles val="exact"/>
-    </dgm:varLst>
-    <dgm:choose name="Name1">
-      <dgm:if name="Name2" func="var" arg="dir" op="equ" val="norm">
-        <dgm:alg type="pyra">
-          <dgm:param type="linDir" val="fromT"/>
-          <dgm:param type="txDir" val="fromT"/>
-          <dgm:param type="pyraAcctPos" val="aft"/>
-          <dgm:param type="pyraAcctTxMar" val="step"/>
-          <dgm:param type="pyraAcctBkgdNode" val="acctBkgd"/>
-          <dgm:param type="pyraAcctTxNode" val="acctTx"/>
-          <dgm:param type="pyraLvlNode" val="level"/>
-        </dgm:alg>
-      </dgm:if>
-      <dgm:else name="Name3">
-        <dgm:alg type="pyra">
-          <dgm:param type="linDir" val="fromT"/>
-          <dgm:param type="txDir" val="fromT"/>
-          <dgm:param type="pyraAcctPos" val="bef"/>
-          <dgm:param type="pyraAcctTxMar" val="step"/>
-          <dgm:param type="pyraAcctBkgdNode" val="acctBkgd"/>
-          <dgm:param type="pyraAcctTxNode" val="acctTx"/>
-          <dgm:param type="pyraLvlNode" val="level"/>
-        </dgm:alg>
-      </dgm:else>
-    </dgm:choose>
-    <dgm:shape xmlns:r="http://schemas.openxmlformats.org/officeDocument/2006/relationships" r:blip="">
-      <dgm:adjLst/>
-    </dgm:shape>
-    <dgm:presOf/>
-    <dgm:choose name="Name4">
-      <dgm:if name="Name5" axis="root des" ptType="all node" func="maxDepth" op="gte" val="2">
-        <dgm:constrLst>
-          <dgm:constr type="primFontSz" for="des" forName="levelTx" op="equ"/>
-          <dgm:constr type="secFontSz" for="des" forName="acctTx" op="equ"/>
-          <dgm:constr type="pyraAcctRatio" val="0.32"/>
-        </dgm:constrLst>
-      </dgm:if>
-      <dgm:else name="Name6">
-        <dgm:constrLst>
-          <dgm:constr type="primFontSz" for="des" forName="levelTx" op="equ"/>
-          <dgm:constr type="secFontSz" for="des" forName="acctTx" op="equ"/>
-          <dgm:constr type="pyraAcctRatio"/>
-        </dgm:constrLst>
-      </dgm:else>
-    </dgm:choose>
-    <dgm:ruleLst/>
-    <dgm:forEach name="Name7" axis="ch" ptType="node">
-      <dgm:layoutNode name="Name8">
-        <dgm:alg type="composite">
-          <dgm:param type="horzAlign" val="none"/>
-        </dgm:alg>
-        <dgm:shape xmlns:r="http://schemas.openxmlformats.org/officeDocument/2006/relationships" r:blip="">
-          <dgm:adjLst/>
-        </dgm:shape>
-        <dgm:presOf/>
-        <dgm:choose name="Name9">
-          <dgm:if name="Name10" axis="self" ptType="node" func="revPos" op="equ" val="1">
-            <dgm:constrLst>
-              <dgm:constr type="ctrX" for="ch" forName="acctBkgd" val="1"/>
-              <dgm:constr type="ctrY" for="ch" forName="acctBkgd" val="1"/>
-              <dgm:constr type="w" for="ch" forName="acctBkgd" val="1"/>
-              <dgm:constr type="h" for="ch" forName="acctBkgd" val="1"/>
-              <dgm:constr type="ctrX" for="ch" forName="acctTx" val="1"/>
-              <dgm:constr type="ctrY" for="ch" forName="acctTx" val="1"/>
-              <dgm:constr type="w" for="ch" forName="acctTx" val="1"/>
-              <dgm:constr type="h" for="ch" forName="acctTx" val="1"/>
-              <dgm:constr type="ctrX" for="ch" forName="level" val="1"/>
-              <dgm:constr type="ctrY" for="ch" forName="level" val="1"/>
-              <dgm:constr type="w" for="ch" forName="level" val="1"/>
-              <dgm:constr type="h" for="ch" forName="level" val="1"/>
-              <dgm:constr type="ctrX" for="ch" forName="levelTx" refType="ctrX" refFor="ch" refForName="level"/>
-              <dgm:constr type="ctrY" for="ch" forName="levelTx" refType="ctrY" refFor="ch" refForName="level"/>
-              <dgm:constr type="w" for="ch" forName="levelTx" refType="w" refFor="ch" refForName="level"/>
-              <dgm:constr type="h" for="ch" forName="levelTx" refType="h" refFor="ch" refForName="level"/>
-            </dgm:constrLst>
-          </dgm:if>
-          <dgm:else name="Name11">
-            <dgm:constrLst>
-              <dgm:constr type="ctrX" for="ch" forName="acctBkgd" val="1"/>
-              <dgm:constr type="ctrY" for="ch" forName="acctBkgd" val="1"/>
-              <dgm:constr type="w" for="ch" forName="acctBkgd" val="1"/>
-              <dgm:constr type="h" for="ch" forName="acctBkgd" val="1"/>
-              <dgm:constr type="ctrX" for="ch" forName="acctTx" val="1"/>
-              <dgm:constr type="ctrY" for="ch" forName="acctTx" val="1"/>
-              <dgm:constr type="w" for="ch" forName="acctTx" val="1"/>
-              <dgm:constr type="h" for="ch" forName="acctTx" val="1"/>
-              <dgm:constr type="ctrX" for="ch" forName="level" val="1"/>
-              <dgm:constr type="ctrY" for="ch" forName="level" val="1"/>
-              <dgm:constr type="w" for="ch" forName="level" val="1"/>
-              <dgm:constr type="h" for="ch" forName="level" val="1"/>
-              <dgm:constr type="ctrX" for="ch" forName="levelTx" refType="ctrX" refFor="ch" refForName="level"/>
-              <dgm:constr type="ctrY" for="ch" forName="levelTx" refType="ctrY" refFor="ch" refForName="level"/>
-              <dgm:constr type="w" for="ch" forName="levelTx" refType="w" refFor="ch" refForName="level" fact="0.65"/>
-              <dgm:constr type="h" for="ch" forName="levelTx" refType="h" refFor="ch" refForName="level"/>
-            </dgm:constrLst>
-          </dgm:else>
-        </dgm:choose>
-        <dgm:ruleLst/>
-        <dgm:choose name="Name12">
-          <dgm:if name="Name13" axis="ch" ptType="node" func="cnt" op="gte" val="1">
-            <dgm:layoutNode name="acctBkgd" styleLbl="alignAcc1">
-              <dgm:alg type="sp"/>
-              <dgm:shape xmlns:r="http://schemas.openxmlformats.org/officeDocument/2006/relationships" type="nonIsoscelesTrapezoid" r:blip="">
-                <dgm:adjLst/>
-              </dgm:shape>
-              <dgm:presOf axis="des" ptType="node"/>
-              <dgm:constrLst/>
-              <dgm:ruleLst/>
-            </dgm:layoutNode>
-            <dgm:layoutNode name="acctTx" styleLbl="alignAcc1">
-              <dgm:varLst>
-                <dgm:bulletEnabled val="1"/>
-              </dgm:varLst>
-              <dgm:alg type="tx">
-                <dgm:param type="stBulletLvl" val="1"/>
-                <dgm:param type="txAnchorVertCh" val="t"/>
-              </dgm:alg>
-              <dgm:shape xmlns:r="http://schemas.openxmlformats.org/officeDocument/2006/relationships" type="nonIsoscelesTrapezoid" r:blip="" hideGeom="1">
-                <dgm:adjLst/>
-              </dgm:shape>
-              <dgm:presOf axis="des" ptType="node"/>
-              <dgm:constrLst>
-                <dgm:constr type="secFontSz" val="65"/>
-                <dgm:constr type="primFontSz" refType="secFontSz"/>
-                <dgm:constr type="tMarg" refType="secFontSz" fact="0.3"/>
-                <dgm:constr type="bMarg" refType="secFontSz" fact="0.3"/>
-                <dgm:constr type="lMarg" refType="secFontSz" fact="0.3"/>
-                <dgm:constr type="rMarg" refType="secFontSz" fact="0.3"/>
-              </dgm:constrLst>
-              <dgm:ruleLst>
-                <dgm:rule type="secFontSz" val="5" fact="NaN" max="NaN"/>
-              </dgm:ruleLst>
-            </dgm:layoutNode>
-          </dgm:if>
-          <dgm:else name="Name14"/>
-        </dgm:choose>
-        <dgm:layoutNode name="level">
-          <dgm:varLst>
-            <dgm:chMax val="1"/>
-            <dgm:bulletEnabled val="1"/>
-          </dgm:varLst>
-          <dgm:alg type="sp"/>
-          <dgm:shape xmlns:r="http://schemas.openxmlformats.org/officeDocument/2006/relationships" type="trapezoid" r:blip="">
-            <dgm:adjLst/>
-          </dgm:shape>
-          <dgm:presOf axis="self"/>
-          <dgm:constrLst>
-            <dgm:constr type="h" val="500"/>
-            <dgm:constr type="w" val="1"/>
-          </dgm:constrLst>
-          <dgm:ruleLst/>
-        </dgm:layoutNode>
-        <dgm:layoutNode name="levelTx" styleLbl="revTx">
-          <dgm:varLst>
-            <dgm:chMax val="1"/>
-            <dgm:bulletEnabled val="1"/>
-          </dgm:varLst>
-          <dgm:alg type="tx"/>
-          <dgm:shape xmlns:r="http://schemas.openxmlformats.org/officeDocument/2006/relationships" type="rect" r:blip="" hideGeom="1">
-            <dgm:adjLst/>
-          </dgm:shape>
-          <dgm:presOf axis="self"/>
-          <dgm:constrLst>
-            <dgm:constr type="tMarg" refType="primFontSz" fact="0.1"/>
-            <dgm:constr type="bMarg" refType="primFontSz" fact="0.1"/>
-            <dgm:constr type="lMarg" refType="primFontSz" fact="0.1"/>
-            <dgm:constr type="rMarg" refType="primFontSz" fact="0.1"/>
-            <dgm:constr type="primFontSz" val="65"/>
-          </dgm:constrLst>
-          <dgm:ruleLst>
-            <dgm:rule type="primFontSz" val="5" fact="NaN" max="NaN"/>
-          </dgm:ruleLst>
-        </dgm:layoutNode>
-      </dgm:layoutNode>
-    </dgm:forEach>
-  </dgm:layoutNode>
-</dgm:layoutDef>
-</file>
-
 <file path=ppt/diagrams/layout6.xml><?xml version="1.0" encoding="utf-8"?>
 <dgm:layoutDef xmlns:dgm="http://schemas.openxmlformats.org/drawingml/2006/diagram" xmlns:a="http://schemas.openxmlformats.org/drawingml/2006/main" uniqueId="urn:microsoft.com/office/officeart/2005/8/layout/pyramid3">
   <dgm:title val=""/>
@@ -20293,6 +24536,238 @@
 </file>
 
 <file path=ppt/diagrams/layout7.xml><?xml version="1.0" encoding="utf-8"?>
+<dgm:layoutDef xmlns:dgm="http://schemas.openxmlformats.org/drawingml/2006/diagram" xmlns:a="http://schemas.openxmlformats.org/drawingml/2006/main" uniqueId="urn:microsoft.com/office/officeart/2005/8/layout/pyramid3">
+  <dgm:title val=""/>
+  <dgm:desc val=""/>
+  <dgm:catLst>
+    <dgm:cat type="pyramid" pri="2000"/>
+  </dgm:catLst>
+  <dgm:sampData useDef="1">
+    <dgm:dataModel>
+      <dgm:ptLst/>
+      <dgm:bg/>
+      <dgm:whole/>
+    </dgm:dataModel>
+  </dgm:sampData>
+  <dgm:styleData>
+    <dgm:dataModel>
+      <dgm:ptLst>
+        <dgm:pt modelId="0" type="doc"/>
+        <dgm:pt modelId="1"/>
+        <dgm:pt modelId="2"/>
+      </dgm:ptLst>
+      <dgm:cxnLst>
+        <dgm:cxn modelId="3" srcId="0" destId="1" srcOrd="0" destOrd="0"/>
+        <dgm:cxn modelId="4" srcId="0" destId="2" srcOrd="1" destOrd="0"/>
+      </dgm:cxnLst>
+      <dgm:bg/>
+      <dgm:whole/>
+    </dgm:dataModel>
+  </dgm:styleData>
+  <dgm:clrData>
+    <dgm:dataModel>
+      <dgm:ptLst>
+        <dgm:pt modelId="0" type="doc"/>
+        <dgm:pt modelId="1"/>
+        <dgm:pt modelId="2"/>
+        <dgm:pt modelId="3"/>
+        <dgm:pt modelId="4"/>
+      </dgm:ptLst>
+      <dgm:cxnLst>
+        <dgm:cxn modelId="5" srcId="0" destId="1" srcOrd="0" destOrd="0"/>
+        <dgm:cxn modelId="6" srcId="0" destId="2" srcOrd="1" destOrd="0"/>
+        <dgm:cxn modelId="7" srcId="0" destId="3" srcOrd="2" destOrd="0"/>
+        <dgm:cxn modelId="8" srcId="0" destId="4" srcOrd="3" destOrd="0"/>
+      </dgm:cxnLst>
+      <dgm:bg/>
+      <dgm:whole/>
+    </dgm:dataModel>
+  </dgm:clrData>
+  <dgm:layoutNode name="Name0">
+    <dgm:varLst>
+      <dgm:dir/>
+      <dgm:animLvl val="lvl"/>
+      <dgm:resizeHandles val="exact"/>
+    </dgm:varLst>
+    <dgm:choose name="Name1">
+      <dgm:if name="Name2" func="var" arg="dir" op="equ" val="norm">
+        <dgm:alg type="pyra">
+          <dgm:param type="linDir" val="fromT"/>
+          <dgm:param type="txDir" val="fromT"/>
+          <dgm:param type="pyraAcctPos" val="aft"/>
+          <dgm:param type="pyraAcctTxMar" val="step"/>
+          <dgm:param type="pyraAcctBkgdNode" val="acctBkgd"/>
+          <dgm:param type="pyraAcctTxNode" val="acctTx"/>
+          <dgm:param type="pyraLvlNode" val="level"/>
+        </dgm:alg>
+      </dgm:if>
+      <dgm:else name="Name3">
+        <dgm:alg type="pyra">
+          <dgm:param type="linDir" val="fromT"/>
+          <dgm:param type="txDir" val="fromT"/>
+          <dgm:param type="pyraAcctPos" val="bef"/>
+          <dgm:param type="pyraAcctTxMar" val="step"/>
+          <dgm:param type="pyraAcctBkgdNode" val="acctBkgd"/>
+          <dgm:param type="pyraAcctTxNode" val="acctTx"/>
+          <dgm:param type="pyraLvlNode" val="level"/>
+        </dgm:alg>
+      </dgm:else>
+    </dgm:choose>
+    <dgm:shape xmlns:r="http://schemas.openxmlformats.org/officeDocument/2006/relationships" r:blip="">
+      <dgm:adjLst/>
+    </dgm:shape>
+    <dgm:presOf/>
+    <dgm:choose name="Name4">
+      <dgm:if name="Name5" axis="root des" ptType="all node" func="maxDepth" op="gte" val="2">
+        <dgm:constrLst>
+          <dgm:constr type="primFontSz" for="des" forName="levelTx" op="equ"/>
+          <dgm:constr type="secFontSz" for="des" forName="acctTx" op="equ"/>
+          <dgm:constr type="pyraAcctRatio" val="0.32"/>
+        </dgm:constrLst>
+      </dgm:if>
+      <dgm:else name="Name6">
+        <dgm:constrLst>
+          <dgm:constr type="primFontSz" for="des" forName="levelTx" op="equ"/>
+          <dgm:constr type="secFontSz" for="des" forName="acctTx" op="equ"/>
+          <dgm:constr type="pyraAcctRatio"/>
+        </dgm:constrLst>
+      </dgm:else>
+    </dgm:choose>
+    <dgm:ruleLst/>
+    <dgm:forEach name="Name7" axis="ch" ptType="node">
+      <dgm:layoutNode name="Name8">
+        <dgm:alg type="composite">
+          <dgm:param type="horzAlign" val="none"/>
+        </dgm:alg>
+        <dgm:shape xmlns:r="http://schemas.openxmlformats.org/officeDocument/2006/relationships" r:blip="">
+          <dgm:adjLst/>
+        </dgm:shape>
+        <dgm:presOf/>
+        <dgm:choose name="Name9">
+          <dgm:if name="Name10" axis="self" ptType="node" func="revPos" op="equ" val="1">
+            <dgm:constrLst>
+              <dgm:constr type="ctrX" for="ch" forName="acctBkgd" val="1"/>
+              <dgm:constr type="ctrY" for="ch" forName="acctBkgd" val="1"/>
+              <dgm:constr type="w" for="ch" forName="acctBkgd" val="1"/>
+              <dgm:constr type="h" for="ch" forName="acctBkgd" val="1"/>
+              <dgm:constr type="ctrX" for="ch" forName="acctTx" val="1"/>
+              <dgm:constr type="ctrY" for="ch" forName="acctTx" val="1"/>
+              <dgm:constr type="w" for="ch" forName="acctTx" val="1"/>
+              <dgm:constr type="h" for="ch" forName="acctTx" val="1"/>
+              <dgm:constr type="ctrX" for="ch" forName="level" val="1"/>
+              <dgm:constr type="ctrY" for="ch" forName="level" val="1"/>
+              <dgm:constr type="w" for="ch" forName="level" val="1"/>
+              <dgm:constr type="h" for="ch" forName="level" val="1"/>
+              <dgm:constr type="ctrX" for="ch" forName="levelTx" refType="ctrX" refFor="ch" refForName="level"/>
+              <dgm:constr type="ctrY" for="ch" forName="levelTx" refType="ctrY" refFor="ch" refForName="level"/>
+              <dgm:constr type="w" for="ch" forName="levelTx" refType="w" refFor="ch" refForName="level"/>
+              <dgm:constr type="h" for="ch" forName="levelTx" refType="h" refFor="ch" refForName="level"/>
+            </dgm:constrLst>
+          </dgm:if>
+          <dgm:else name="Name11">
+            <dgm:constrLst>
+              <dgm:constr type="ctrX" for="ch" forName="acctBkgd" val="1"/>
+              <dgm:constr type="ctrY" for="ch" forName="acctBkgd" val="1"/>
+              <dgm:constr type="w" for="ch" forName="acctBkgd" val="1"/>
+              <dgm:constr type="h" for="ch" forName="acctBkgd" val="1"/>
+              <dgm:constr type="ctrX" for="ch" forName="acctTx" val="1"/>
+              <dgm:constr type="ctrY" for="ch" forName="acctTx" val="1"/>
+              <dgm:constr type="w" for="ch" forName="acctTx" val="1"/>
+              <dgm:constr type="h" for="ch" forName="acctTx" val="1"/>
+              <dgm:constr type="ctrX" for="ch" forName="level" val="1"/>
+              <dgm:constr type="ctrY" for="ch" forName="level" val="1"/>
+              <dgm:constr type="w" for="ch" forName="level" val="1"/>
+              <dgm:constr type="h" for="ch" forName="level" val="1"/>
+              <dgm:constr type="ctrX" for="ch" forName="levelTx" refType="ctrX" refFor="ch" refForName="level"/>
+              <dgm:constr type="ctrY" for="ch" forName="levelTx" refType="ctrY" refFor="ch" refForName="level"/>
+              <dgm:constr type="w" for="ch" forName="levelTx" refType="w" refFor="ch" refForName="level" fact="0.65"/>
+              <dgm:constr type="h" for="ch" forName="levelTx" refType="h" refFor="ch" refForName="level"/>
+            </dgm:constrLst>
+          </dgm:else>
+        </dgm:choose>
+        <dgm:ruleLst/>
+        <dgm:choose name="Name12">
+          <dgm:if name="Name13" axis="ch" ptType="node" func="cnt" op="gte" val="1">
+            <dgm:layoutNode name="acctBkgd" styleLbl="alignAcc1">
+              <dgm:alg type="sp"/>
+              <dgm:shape xmlns:r="http://schemas.openxmlformats.org/officeDocument/2006/relationships" type="nonIsoscelesTrapezoid" r:blip="">
+                <dgm:adjLst/>
+              </dgm:shape>
+              <dgm:presOf axis="des" ptType="node"/>
+              <dgm:constrLst/>
+              <dgm:ruleLst/>
+            </dgm:layoutNode>
+            <dgm:layoutNode name="acctTx" styleLbl="alignAcc1">
+              <dgm:varLst>
+                <dgm:bulletEnabled val="1"/>
+              </dgm:varLst>
+              <dgm:alg type="tx">
+                <dgm:param type="stBulletLvl" val="1"/>
+                <dgm:param type="txAnchorVertCh" val="t"/>
+              </dgm:alg>
+              <dgm:shape xmlns:r="http://schemas.openxmlformats.org/officeDocument/2006/relationships" type="nonIsoscelesTrapezoid" r:blip="" hideGeom="1">
+                <dgm:adjLst/>
+              </dgm:shape>
+              <dgm:presOf axis="des" ptType="node"/>
+              <dgm:constrLst>
+                <dgm:constr type="secFontSz" val="65"/>
+                <dgm:constr type="primFontSz" refType="secFontSz"/>
+                <dgm:constr type="tMarg" refType="secFontSz" fact="0.3"/>
+                <dgm:constr type="bMarg" refType="secFontSz" fact="0.3"/>
+                <dgm:constr type="lMarg" refType="secFontSz" fact="0.3"/>
+                <dgm:constr type="rMarg" refType="secFontSz" fact="0.3"/>
+              </dgm:constrLst>
+              <dgm:ruleLst>
+                <dgm:rule type="secFontSz" val="5" fact="NaN" max="NaN"/>
+              </dgm:ruleLst>
+            </dgm:layoutNode>
+          </dgm:if>
+          <dgm:else name="Name14"/>
+        </dgm:choose>
+        <dgm:layoutNode name="level">
+          <dgm:varLst>
+            <dgm:chMax val="1"/>
+            <dgm:bulletEnabled val="1"/>
+          </dgm:varLst>
+          <dgm:alg type="sp"/>
+          <dgm:shape xmlns:r="http://schemas.openxmlformats.org/officeDocument/2006/relationships" type="trapezoid" r:blip="">
+            <dgm:adjLst/>
+          </dgm:shape>
+          <dgm:presOf axis="self"/>
+          <dgm:constrLst>
+            <dgm:constr type="h" val="500"/>
+            <dgm:constr type="w" val="1"/>
+          </dgm:constrLst>
+          <dgm:ruleLst/>
+        </dgm:layoutNode>
+        <dgm:layoutNode name="levelTx" styleLbl="revTx">
+          <dgm:varLst>
+            <dgm:chMax val="1"/>
+            <dgm:bulletEnabled val="1"/>
+          </dgm:varLst>
+          <dgm:alg type="tx"/>
+          <dgm:shape xmlns:r="http://schemas.openxmlformats.org/officeDocument/2006/relationships" type="rect" r:blip="" hideGeom="1">
+            <dgm:adjLst/>
+          </dgm:shape>
+          <dgm:presOf axis="self"/>
+          <dgm:constrLst>
+            <dgm:constr type="tMarg" refType="primFontSz" fact="0.1"/>
+            <dgm:constr type="bMarg" refType="primFontSz" fact="0.1"/>
+            <dgm:constr type="lMarg" refType="primFontSz" fact="0.1"/>
+            <dgm:constr type="rMarg" refType="primFontSz" fact="0.1"/>
+            <dgm:constr type="primFontSz" val="65"/>
+          </dgm:constrLst>
+          <dgm:ruleLst>
+            <dgm:rule type="primFontSz" val="5" fact="NaN" max="NaN"/>
+          </dgm:ruleLst>
+        </dgm:layoutNode>
+      </dgm:layoutNode>
+    </dgm:forEach>
+  </dgm:layoutNode>
+</dgm:layoutDef>
+</file>
+
+<file path=ppt/diagrams/layout8.xml><?xml version="1.0" encoding="utf-8"?>
 <dgm:layoutDef xmlns:dgm="http://schemas.openxmlformats.org/drawingml/2006/diagram" xmlns:a="http://schemas.openxmlformats.org/drawingml/2006/main" uniqueId="urn:microsoft.com/office/officeart/2005/8/layout/lProcess3">
   <dgm:title val=""/>
   <dgm:desc val=""/>
@@ -26778,6 +31253,1040 @@
 </file>
 
 <file path=ppt/diagrams/quickStyle7.xml><?xml version="1.0" encoding="utf-8"?>
+<dgm:styleDef xmlns:dgm="http://schemas.openxmlformats.org/drawingml/2006/diagram" xmlns:a="http://schemas.openxmlformats.org/drawingml/2006/main" uniqueId="urn:microsoft.com/office/officeart/2005/8/quickstyle/simple1">
+  <dgm:title val=""/>
+  <dgm:desc val=""/>
+  <dgm:catLst>
+    <dgm:cat type="simple" pri="10100"/>
+  </dgm:catLst>
+  <dgm:scene3d>
+    <a:camera prst="orthographicFront"/>
+    <a:lightRig rig="threePt" dir="t"/>
+  </dgm:scene3d>
+  <dgm:styleLbl name="node0">
+    <dgm:scene3d>
+      <a:camera prst="orthographicFront"/>
+      <a:lightRig rig="threePt" dir="t"/>
+    </dgm:scene3d>
+    <dgm:sp3d/>
+    <dgm:txPr/>
+    <dgm:style>
+      <a:lnRef idx="2">
+        <a:scrgbClr r="0" g="0" b="0"/>
+      </a:lnRef>
+      <a:fillRef idx="1">
+        <a:scrgbClr r="0" g="0" b="0"/>
+      </a:fillRef>
+      <a:effectRef idx="0">
+        <a:scrgbClr r="0" g="0" b="0"/>
+      </a:effectRef>
+      <a:fontRef idx="minor">
+        <a:schemeClr val="lt1"/>
+      </a:fontRef>
+    </dgm:style>
+  </dgm:styleLbl>
+  <dgm:styleLbl name="lnNode1">
+    <dgm:scene3d>
+      <a:camera prst="orthographicFront"/>
+      <a:lightRig rig="threePt" dir="t"/>
+    </dgm:scene3d>
+    <dgm:sp3d/>
+    <dgm:txPr/>
+    <dgm:style>
+      <a:lnRef idx="2">
+        <a:scrgbClr r="0" g="0" b="0"/>
+      </a:lnRef>
+      <a:fillRef idx="1">
+        <a:scrgbClr r="0" g="0" b="0"/>
+      </a:fillRef>
+      <a:effectRef idx="0">
+        <a:scrgbClr r="0" g="0" b="0"/>
+      </a:effectRef>
+      <a:fontRef idx="minor">
+        <a:schemeClr val="lt1"/>
+      </a:fontRef>
+    </dgm:style>
+  </dgm:styleLbl>
+  <dgm:styleLbl name="vennNode1">
+    <dgm:scene3d>
+      <a:camera prst="orthographicFront"/>
+      <a:lightRig rig="threePt" dir="t"/>
+    </dgm:scene3d>
+    <dgm:sp3d/>
+    <dgm:txPr/>
+    <dgm:style>
+      <a:lnRef idx="2">
+        <a:scrgbClr r="0" g="0" b="0"/>
+      </a:lnRef>
+      <a:fillRef idx="1">
+        <a:scrgbClr r="0" g="0" b="0"/>
+      </a:fillRef>
+      <a:effectRef idx="0">
+        <a:scrgbClr r="0" g="0" b="0"/>
+      </a:effectRef>
+      <a:fontRef idx="minor">
+        <a:schemeClr val="tx1"/>
+      </a:fontRef>
+    </dgm:style>
+  </dgm:styleLbl>
+  <dgm:styleLbl name="alignNode1">
+    <dgm:scene3d>
+      <a:camera prst="orthographicFront"/>
+      <a:lightRig rig="threePt" dir="t"/>
+    </dgm:scene3d>
+    <dgm:sp3d/>
+    <dgm:txPr/>
+    <dgm:style>
+      <a:lnRef idx="2">
+        <a:scrgbClr r="0" g="0" b="0"/>
+      </a:lnRef>
+      <a:fillRef idx="1">
+        <a:scrgbClr r="0" g="0" b="0"/>
+      </a:fillRef>
+      <a:effectRef idx="0">
+        <a:scrgbClr r="0" g="0" b="0"/>
+      </a:effectRef>
+      <a:fontRef idx="minor">
+        <a:schemeClr val="lt1"/>
+      </a:fontRef>
+    </dgm:style>
+  </dgm:styleLbl>
+  <dgm:styleLbl name="node1">
+    <dgm:scene3d>
+      <a:camera prst="orthographicFront"/>
+      <a:lightRig rig="threePt" dir="t"/>
+    </dgm:scene3d>
+    <dgm:sp3d/>
+    <dgm:txPr/>
+    <dgm:style>
+      <a:lnRef idx="2">
+        <a:scrgbClr r="0" g="0" b="0"/>
+      </a:lnRef>
+      <a:fillRef idx="1">
+        <a:scrgbClr r="0" g="0" b="0"/>
+      </a:fillRef>
+      <a:effectRef idx="0">
+        <a:scrgbClr r="0" g="0" b="0"/>
+      </a:effectRef>
+      <a:fontRef idx="minor">
+        <a:schemeClr val="lt1"/>
+      </a:fontRef>
+    </dgm:style>
+  </dgm:styleLbl>
+  <dgm:styleLbl name="node2">
+    <dgm:scene3d>
+      <a:camera prst="orthographicFront"/>
+      <a:lightRig rig="threePt" dir="t"/>
+    </dgm:scene3d>
+    <dgm:sp3d/>
+    <dgm:txPr/>
+    <dgm:style>
+      <a:lnRef idx="2">
+        <a:scrgbClr r="0" g="0" b="0"/>
+      </a:lnRef>
+      <a:fillRef idx="1">
+        <a:scrgbClr r="0" g="0" b="0"/>
+      </a:fillRef>
+      <a:effectRef idx="0">
+        <a:scrgbClr r="0" g="0" b="0"/>
+      </a:effectRef>
+      <a:fontRef idx="minor">
+        <a:schemeClr val="lt1"/>
+      </a:fontRef>
+    </dgm:style>
+  </dgm:styleLbl>
+  <dgm:styleLbl name="node3">
+    <dgm:scene3d>
+      <a:camera prst="orthographicFront"/>
+      <a:lightRig rig="threePt" dir="t"/>
+    </dgm:scene3d>
+    <dgm:sp3d/>
+    <dgm:txPr/>
+    <dgm:style>
+      <a:lnRef idx="2">
+        <a:scrgbClr r="0" g="0" b="0"/>
+      </a:lnRef>
+      <a:fillRef idx="1">
+        <a:scrgbClr r="0" g="0" b="0"/>
+      </a:fillRef>
+      <a:effectRef idx="0">
+        <a:scrgbClr r="0" g="0" b="0"/>
+      </a:effectRef>
+      <a:fontRef idx="minor">
+        <a:schemeClr val="lt1"/>
+      </a:fontRef>
+    </dgm:style>
+  </dgm:styleLbl>
+  <dgm:styleLbl name="node4">
+    <dgm:scene3d>
+      <a:camera prst="orthographicFront"/>
+      <a:lightRig rig="threePt" dir="t"/>
+    </dgm:scene3d>
+    <dgm:sp3d/>
+    <dgm:txPr/>
+    <dgm:style>
+      <a:lnRef idx="2">
+        <a:scrgbClr r="0" g="0" b="0"/>
+      </a:lnRef>
+      <a:fillRef idx="1">
+        <a:scrgbClr r="0" g="0" b="0"/>
+      </a:fillRef>
+      <a:effectRef idx="0">
+        <a:scrgbClr r="0" g="0" b="0"/>
+      </a:effectRef>
+      <a:fontRef idx="minor">
+        <a:schemeClr val="lt1"/>
+      </a:fontRef>
+    </dgm:style>
+  </dgm:styleLbl>
+  <dgm:styleLbl name="fgImgPlace1">
+    <dgm:scene3d>
+      <a:camera prst="orthographicFront"/>
+      <a:lightRig rig="threePt" dir="t"/>
+    </dgm:scene3d>
+    <dgm:sp3d/>
+    <dgm:txPr/>
+    <dgm:style>
+      <a:lnRef idx="2">
+        <a:scrgbClr r="0" g="0" b="0"/>
+      </a:lnRef>
+      <a:fillRef idx="1">
+        <a:scrgbClr r="0" g="0" b="0"/>
+      </a:fillRef>
+      <a:effectRef idx="0">
+        <a:scrgbClr r="0" g="0" b="0"/>
+      </a:effectRef>
+      <a:fontRef idx="minor"/>
+    </dgm:style>
+  </dgm:styleLbl>
+  <dgm:styleLbl name="alignImgPlace1">
+    <dgm:scene3d>
+      <a:camera prst="orthographicFront"/>
+      <a:lightRig rig="threePt" dir="t"/>
+    </dgm:scene3d>
+    <dgm:sp3d/>
+    <dgm:txPr/>
+    <dgm:style>
+      <a:lnRef idx="2">
+        <a:scrgbClr r="0" g="0" b="0"/>
+      </a:lnRef>
+      <a:fillRef idx="1">
+        <a:scrgbClr r="0" g="0" b="0"/>
+      </a:fillRef>
+      <a:effectRef idx="0">
+        <a:scrgbClr r="0" g="0" b="0"/>
+      </a:effectRef>
+      <a:fontRef idx="minor"/>
+    </dgm:style>
+  </dgm:styleLbl>
+  <dgm:styleLbl name="bgImgPlace1">
+    <dgm:scene3d>
+      <a:camera prst="orthographicFront"/>
+      <a:lightRig rig="threePt" dir="t"/>
+    </dgm:scene3d>
+    <dgm:sp3d/>
+    <dgm:txPr/>
+    <dgm:style>
+      <a:lnRef idx="2">
+        <a:scrgbClr r="0" g="0" b="0"/>
+      </a:lnRef>
+      <a:fillRef idx="1">
+        <a:scrgbClr r="0" g="0" b="0"/>
+      </a:fillRef>
+      <a:effectRef idx="0">
+        <a:scrgbClr r="0" g="0" b="0"/>
+      </a:effectRef>
+      <a:fontRef idx="minor"/>
+    </dgm:style>
+  </dgm:styleLbl>
+  <dgm:styleLbl name="sibTrans2D1">
+    <dgm:scene3d>
+      <a:camera prst="orthographicFront"/>
+      <a:lightRig rig="threePt" dir="t"/>
+    </dgm:scene3d>
+    <dgm:sp3d/>
+    <dgm:txPr/>
+    <dgm:style>
+      <a:lnRef idx="0">
+        <a:scrgbClr r="0" g="0" b="0"/>
+      </a:lnRef>
+      <a:fillRef idx="1">
+        <a:scrgbClr r="0" g="0" b="0"/>
+      </a:fillRef>
+      <a:effectRef idx="0">
+        <a:scrgbClr r="0" g="0" b="0"/>
+      </a:effectRef>
+      <a:fontRef idx="minor">
+        <a:schemeClr val="lt1"/>
+      </a:fontRef>
+    </dgm:style>
+  </dgm:styleLbl>
+  <dgm:styleLbl name="fgSibTrans2D1">
+    <dgm:scene3d>
+      <a:camera prst="orthographicFront"/>
+      <a:lightRig rig="threePt" dir="t"/>
+    </dgm:scene3d>
+    <dgm:sp3d/>
+    <dgm:txPr/>
+    <dgm:style>
+      <a:lnRef idx="0">
+        <a:scrgbClr r="0" g="0" b="0"/>
+      </a:lnRef>
+      <a:fillRef idx="1">
+        <a:scrgbClr r="0" g="0" b="0"/>
+      </a:fillRef>
+      <a:effectRef idx="0">
+        <a:scrgbClr r="0" g="0" b="0"/>
+      </a:effectRef>
+      <a:fontRef idx="minor">
+        <a:schemeClr val="lt1"/>
+      </a:fontRef>
+    </dgm:style>
+  </dgm:styleLbl>
+  <dgm:styleLbl name="bgSibTrans2D1">
+    <dgm:scene3d>
+      <a:camera prst="orthographicFront"/>
+      <a:lightRig rig="threePt" dir="t"/>
+    </dgm:scene3d>
+    <dgm:sp3d/>
+    <dgm:txPr/>
+    <dgm:style>
+      <a:lnRef idx="0">
+        <a:scrgbClr r="0" g="0" b="0"/>
+      </a:lnRef>
+      <a:fillRef idx="1">
+        <a:scrgbClr r="0" g="0" b="0"/>
+      </a:fillRef>
+      <a:effectRef idx="0">
+        <a:scrgbClr r="0" g="0" b="0"/>
+      </a:effectRef>
+      <a:fontRef idx="minor">
+        <a:schemeClr val="lt1"/>
+      </a:fontRef>
+    </dgm:style>
+  </dgm:styleLbl>
+  <dgm:styleLbl name="sibTrans1D1">
+    <dgm:scene3d>
+      <a:camera prst="orthographicFront"/>
+      <a:lightRig rig="threePt" dir="t"/>
+    </dgm:scene3d>
+    <dgm:sp3d/>
+    <dgm:txPr/>
+    <dgm:style>
+      <a:lnRef idx="1">
+        <a:scrgbClr r="0" g="0" b="0"/>
+      </a:lnRef>
+      <a:fillRef idx="0">
+        <a:scrgbClr r="0" g="0" b="0"/>
+      </a:fillRef>
+      <a:effectRef idx="0">
+        <a:scrgbClr r="0" g="0" b="0"/>
+      </a:effectRef>
+      <a:fontRef idx="minor"/>
+    </dgm:style>
+  </dgm:styleLbl>
+  <dgm:styleLbl name="callout">
+    <dgm:scene3d>
+      <a:camera prst="orthographicFront"/>
+      <a:lightRig rig="threePt" dir="t"/>
+    </dgm:scene3d>
+    <dgm:sp3d/>
+    <dgm:txPr/>
+    <dgm:style>
+      <a:lnRef idx="2">
+        <a:scrgbClr r="0" g="0" b="0"/>
+      </a:lnRef>
+      <a:fillRef idx="1">
+        <a:scrgbClr r="0" g="0" b="0"/>
+      </a:fillRef>
+      <a:effectRef idx="0">
+        <a:scrgbClr r="0" g="0" b="0"/>
+      </a:effectRef>
+      <a:fontRef idx="minor"/>
+    </dgm:style>
+  </dgm:styleLbl>
+  <dgm:styleLbl name="asst0">
+    <dgm:scene3d>
+      <a:camera prst="orthographicFront"/>
+      <a:lightRig rig="threePt" dir="t"/>
+    </dgm:scene3d>
+    <dgm:sp3d/>
+    <dgm:txPr/>
+    <dgm:style>
+      <a:lnRef idx="2">
+        <a:scrgbClr r="0" g="0" b="0"/>
+      </a:lnRef>
+      <a:fillRef idx="1">
+        <a:scrgbClr r="0" g="0" b="0"/>
+      </a:fillRef>
+      <a:effectRef idx="0">
+        <a:scrgbClr r="0" g="0" b="0"/>
+      </a:effectRef>
+      <a:fontRef idx="minor">
+        <a:schemeClr val="lt1"/>
+      </a:fontRef>
+    </dgm:style>
+  </dgm:styleLbl>
+  <dgm:styleLbl name="asst1">
+    <dgm:scene3d>
+      <a:camera prst="orthographicFront"/>
+      <a:lightRig rig="threePt" dir="t"/>
+    </dgm:scene3d>
+    <dgm:sp3d/>
+    <dgm:txPr/>
+    <dgm:style>
+      <a:lnRef idx="2">
+        <a:scrgbClr r="0" g="0" b="0"/>
+      </a:lnRef>
+      <a:fillRef idx="1">
+        <a:scrgbClr r="0" g="0" b="0"/>
+      </a:fillRef>
+      <a:effectRef idx="0">
+        <a:scrgbClr r="0" g="0" b="0"/>
+      </a:effectRef>
+      <a:fontRef idx="minor">
+        <a:schemeClr val="lt1"/>
+      </a:fontRef>
+    </dgm:style>
+  </dgm:styleLbl>
+  <dgm:styleLbl name="asst2">
+    <dgm:scene3d>
+      <a:camera prst="orthographicFront"/>
+      <a:lightRig rig="threePt" dir="t"/>
+    </dgm:scene3d>
+    <dgm:sp3d/>
+    <dgm:txPr/>
+    <dgm:style>
+      <a:lnRef idx="2">
+        <a:scrgbClr r="0" g="0" b="0"/>
+      </a:lnRef>
+      <a:fillRef idx="1">
+        <a:scrgbClr r="0" g="0" b="0"/>
+      </a:fillRef>
+      <a:effectRef idx="0">
+        <a:scrgbClr r="0" g="0" b="0"/>
+      </a:effectRef>
+      <a:fontRef idx="minor">
+        <a:schemeClr val="lt1"/>
+      </a:fontRef>
+    </dgm:style>
+  </dgm:styleLbl>
+  <dgm:styleLbl name="asst3">
+    <dgm:scene3d>
+      <a:camera prst="orthographicFront"/>
+      <a:lightRig rig="threePt" dir="t"/>
+    </dgm:scene3d>
+    <dgm:sp3d/>
+    <dgm:txPr/>
+    <dgm:style>
+      <a:lnRef idx="2">
+        <a:scrgbClr r="0" g="0" b="0"/>
+      </a:lnRef>
+      <a:fillRef idx="1">
+        <a:scrgbClr r="0" g="0" b="0"/>
+      </a:fillRef>
+      <a:effectRef idx="0">
+        <a:scrgbClr r="0" g="0" b="0"/>
+      </a:effectRef>
+      <a:fontRef idx="minor">
+        <a:schemeClr val="lt1"/>
+      </a:fontRef>
+    </dgm:style>
+  </dgm:styleLbl>
+  <dgm:styleLbl name="asst4">
+    <dgm:scene3d>
+      <a:camera prst="orthographicFront"/>
+      <a:lightRig rig="threePt" dir="t"/>
+    </dgm:scene3d>
+    <dgm:sp3d/>
+    <dgm:txPr/>
+    <dgm:style>
+      <a:lnRef idx="2">
+        <a:scrgbClr r="0" g="0" b="0"/>
+      </a:lnRef>
+      <a:fillRef idx="1">
+        <a:scrgbClr r="0" g="0" b="0"/>
+      </a:fillRef>
+      <a:effectRef idx="0">
+        <a:scrgbClr r="0" g="0" b="0"/>
+      </a:effectRef>
+      <a:fontRef idx="minor">
+        <a:schemeClr val="lt1"/>
+      </a:fontRef>
+    </dgm:style>
+  </dgm:styleLbl>
+  <dgm:styleLbl name="parChTrans2D1">
+    <dgm:scene3d>
+      <a:camera prst="orthographicFront"/>
+      <a:lightRig rig="threePt" dir="t"/>
+    </dgm:scene3d>
+    <dgm:sp3d/>
+    <dgm:txPr/>
+    <dgm:style>
+      <a:lnRef idx="2">
+        <a:scrgbClr r="0" g="0" b="0"/>
+      </a:lnRef>
+      <a:fillRef idx="1">
+        <a:scrgbClr r="0" g="0" b="0"/>
+      </a:fillRef>
+      <a:effectRef idx="0">
+        <a:scrgbClr r="0" g="0" b="0"/>
+      </a:effectRef>
+      <a:fontRef idx="minor">
+        <a:schemeClr val="lt1"/>
+      </a:fontRef>
+    </dgm:style>
+  </dgm:styleLbl>
+  <dgm:styleLbl name="parChTrans2D2">
+    <dgm:scene3d>
+      <a:camera prst="orthographicFront"/>
+      <a:lightRig rig="threePt" dir="t"/>
+    </dgm:scene3d>
+    <dgm:sp3d/>
+    <dgm:txPr/>
+    <dgm:style>
+      <a:lnRef idx="2">
+        <a:scrgbClr r="0" g="0" b="0"/>
+      </a:lnRef>
+      <a:fillRef idx="1">
+        <a:scrgbClr r="0" g="0" b="0"/>
+      </a:fillRef>
+      <a:effectRef idx="0">
+        <a:scrgbClr r="0" g="0" b="0"/>
+      </a:effectRef>
+      <a:fontRef idx="minor">
+        <a:schemeClr val="lt1"/>
+      </a:fontRef>
+    </dgm:style>
+  </dgm:styleLbl>
+  <dgm:styleLbl name="parChTrans2D3">
+    <dgm:scene3d>
+      <a:camera prst="orthographicFront"/>
+      <a:lightRig rig="threePt" dir="t"/>
+    </dgm:scene3d>
+    <dgm:sp3d/>
+    <dgm:txPr/>
+    <dgm:style>
+      <a:lnRef idx="2">
+        <a:scrgbClr r="0" g="0" b="0"/>
+      </a:lnRef>
+      <a:fillRef idx="1">
+        <a:scrgbClr r="0" g="0" b="0"/>
+      </a:fillRef>
+      <a:effectRef idx="0">
+        <a:scrgbClr r="0" g="0" b="0"/>
+      </a:effectRef>
+      <a:fontRef idx="minor">
+        <a:schemeClr val="lt1"/>
+      </a:fontRef>
+    </dgm:style>
+  </dgm:styleLbl>
+  <dgm:styleLbl name="parChTrans2D4">
+    <dgm:scene3d>
+      <a:camera prst="orthographicFront"/>
+      <a:lightRig rig="threePt" dir="t"/>
+    </dgm:scene3d>
+    <dgm:sp3d/>
+    <dgm:txPr/>
+    <dgm:style>
+      <a:lnRef idx="2">
+        <a:scrgbClr r="0" g="0" b="0"/>
+      </a:lnRef>
+      <a:fillRef idx="1">
+        <a:scrgbClr r="0" g="0" b="0"/>
+      </a:fillRef>
+      <a:effectRef idx="0">
+        <a:scrgbClr r="0" g="0" b="0"/>
+      </a:effectRef>
+      <a:fontRef idx="minor">
+        <a:schemeClr val="lt1"/>
+      </a:fontRef>
+    </dgm:style>
+  </dgm:styleLbl>
+  <dgm:styleLbl name="parChTrans1D1">
+    <dgm:scene3d>
+      <a:camera prst="orthographicFront"/>
+      <a:lightRig rig="threePt" dir="t"/>
+    </dgm:scene3d>
+    <dgm:sp3d/>
+    <dgm:txPr/>
+    <dgm:style>
+      <a:lnRef idx="2">
+        <a:scrgbClr r="0" g="0" b="0"/>
+      </a:lnRef>
+      <a:fillRef idx="0">
+        <a:scrgbClr r="0" g="0" b="0"/>
+      </a:fillRef>
+      <a:effectRef idx="0">
+        <a:scrgbClr r="0" g="0" b="0"/>
+      </a:effectRef>
+      <a:fontRef idx="minor"/>
+    </dgm:style>
+  </dgm:styleLbl>
+  <dgm:styleLbl name="parChTrans1D2">
+    <dgm:scene3d>
+      <a:camera prst="orthographicFront"/>
+      <a:lightRig rig="threePt" dir="t"/>
+    </dgm:scene3d>
+    <dgm:sp3d/>
+    <dgm:txPr/>
+    <dgm:style>
+      <a:lnRef idx="2">
+        <a:scrgbClr r="0" g="0" b="0"/>
+      </a:lnRef>
+      <a:fillRef idx="0">
+        <a:scrgbClr r="0" g="0" b="0"/>
+      </a:fillRef>
+      <a:effectRef idx="0">
+        <a:scrgbClr r="0" g="0" b="0"/>
+      </a:effectRef>
+      <a:fontRef idx="minor"/>
+    </dgm:style>
+  </dgm:styleLbl>
+  <dgm:styleLbl name="parChTrans1D3">
+    <dgm:scene3d>
+      <a:camera prst="orthographicFront"/>
+      <a:lightRig rig="threePt" dir="t"/>
+    </dgm:scene3d>
+    <dgm:sp3d/>
+    <dgm:txPr/>
+    <dgm:style>
+      <a:lnRef idx="2">
+        <a:scrgbClr r="0" g="0" b="0"/>
+      </a:lnRef>
+      <a:fillRef idx="0">
+        <a:scrgbClr r="0" g="0" b="0"/>
+      </a:fillRef>
+      <a:effectRef idx="0">
+        <a:scrgbClr r="0" g="0" b="0"/>
+      </a:effectRef>
+      <a:fontRef idx="minor"/>
+    </dgm:style>
+  </dgm:styleLbl>
+  <dgm:styleLbl name="parChTrans1D4">
+    <dgm:scene3d>
+      <a:camera prst="orthographicFront"/>
+      <a:lightRig rig="threePt" dir="t"/>
+    </dgm:scene3d>
+    <dgm:sp3d/>
+    <dgm:txPr/>
+    <dgm:style>
+      <a:lnRef idx="2">
+        <a:scrgbClr r="0" g="0" b="0"/>
+      </a:lnRef>
+      <a:fillRef idx="0">
+        <a:scrgbClr r="0" g="0" b="0"/>
+      </a:fillRef>
+      <a:effectRef idx="0">
+        <a:scrgbClr r="0" g="0" b="0"/>
+      </a:effectRef>
+      <a:fontRef idx="minor"/>
+    </dgm:style>
+  </dgm:styleLbl>
+  <dgm:styleLbl name="fgAcc1">
+    <dgm:scene3d>
+      <a:camera prst="orthographicFront"/>
+      <a:lightRig rig="threePt" dir="t"/>
+    </dgm:scene3d>
+    <dgm:sp3d/>
+    <dgm:txPr/>
+    <dgm:style>
+      <a:lnRef idx="2">
+        <a:scrgbClr r="0" g="0" b="0"/>
+      </a:lnRef>
+      <a:fillRef idx="1">
+        <a:scrgbClr r="0" g="0" b="0"/>
+      </a:fillRef>
+      <a:effectRef idx="0">
+        <a:scrgbClr r="0" g="0" b="0"/>
+      </a:effectRef>
+      <a:fontRef idx="minor"/>
+    </dgm:style>
+  </dgm:styleLbl>
+  <dgm:styleLbl name="conFgAcc1">
+    <dgm:scene3d>
+      <a:camera prst="orthographicFront"/>
+      <a:lightRig rig="threePt" dir="t"/>
+    </dgm:scene3d>
+    <dgm:sp3d/>
+    <dgm:txPr/>
+    <dgm:style>
+      <a:lnRef idx="2">
+        <a:scrgbClr r="0" g="0" b="0"/>
+      </a:lnRef>
+      <a:fillRef idx="1">
+        <a:scrgbClr r="0" g="0" b="0"/>
+      </a:fillRef>
+      <a:effectRef idx="0">
+        <a:scrgbClr r="0" g="0" b="0"/>
+      </a:effectRef>
+      <a:fontRef idx="minor"/>
+    </dgm:style>
+  </dgm:styleLbl>
+  <dgm:styleLbl name="alignAcc1">
+    <dgm:scene3d>
+      <a:camera prst="orthographicFront"/>
+      <a:lightRig rig="threePt" dir="t"/>
+    </dgm:scene3d>
+    <dgm:sp3d/>
+    <dgm:txPr/>
+    <dgm:style>
+      <a:lnRef idx="2">
+        <a:scrgbClr r="0" g="0" b="0"/>
+      </a:lnRef>
+      <a:fillRef idx="1">
+        <a:scrgbClr r="0" g="0" b="0"/>
+      </a:fillRef>
+      <a:effectRef idx="0">
+        <a:scrgbClr r="0" g="0" b="0"/>
+      </a:effectRef>
+      <a:fontRef idx="minor"/>
+    </dgm:style>
+  </dgm:styleLbl>
+  <dgm:styleLbl name="trAlignAcc1">
+    <dgm:scene3d>
+      <a:camera prst="orthographicFront"/>
+      <a:lightRig rig="threePt" dir="t"/>
+    </dgm:scene3d>
+    <dgm:sp3d/>
+    <dgm:txPr/>
+    <dgm:style>
+      <a:lnRef idx="1">
+        <a:scrgbClr r="0" g="0" b="0"/>
+      </a:lnRef>
+      <a:fillRef idx="1">
+        <a:scrgbClr r="0" g="0" b="0"/>
+      </a:fillRef>
+      <a:effectRef idx="0">
+        <a:scrgbClr r="0" g="0" b="0"/>
+      </a:effectRef>
+      <a:fontRef idx="minor"/>
+    </dgm:style>
+  </dgm:styleLbl>
+  <dgm:styleLbl name="bgAcc1">
+    <dgm:scene3d>
+      <a:camera prst="orthographicFront"/>
+      <a:lightRig rig="threePt" dir="t"/>
+    </dgm:scene3d>
+    <dgm:sp3d/>
+    <dgm:txPr/>
+    <dgm:style>
+      <a:lnRef idx="2">
+        <a:scrgbClr r="0" g="0" b="0"/>
+      </a:lnRef>
+      <a:fillRef idx="1">
+        <a:scrgbClr r="0" g="0" b="0"/>
+      </a:fillRef>
+      <a:effectRef idx="0">
+        <a:scrgbClr r="0" g="0" b="0"/>
+      </a:effectRef>
+      <a:fontRef idx="minor"/>
+    </dgm:style>
+  </dgm:styleLbl>
+  <dgm:styleLbl name="solidFgAcc1">
+    <dgm:scene3d>
+      <a:camera prst="orthographicFront"/>
+      <a:lightRig rig="threePt" dir="t"/>
+    </dgm:scene3d>
+    <dgm:sp3d/>
+    <dgm:txPr/>
+    <dgm:style>
+      <a:lnRef idx="2">
+        <a:scrgbClr r="0" g="0" b="0"/>
+      </a:lnRef>
+      <a:fillRef idx="1">
+        <a:scrgbClr r="0" g="0" b="0"/>
+      </a:fillRef>
+      <a:effectRef idx="0">
+        <a:scrgbClr r="0" g="0" b="0"/>
+      </a:effectRef>
+      <a:fontRef idx="minor"/>
+    </dgm:style>
+  </dgm:styleLbl>
+  <dgm:styleLbl name="solidAlignAcc1">
+    <dgm:scene3d>
+      <a:camera prst="orthographicFront"/>
+      <a:lightRig rig="threePt" dir="t"/>
+    </dgm:scene3d>
+    <dgm:sp3d/>
+    <dgm:txPr/>
+    <dgm:style>
+      <a:lnRef idx="2">
+        <a:scrgbClr r="0" g="0" b="0"/>
+      </a:lnRef>
+      <a:fillRef idx="1">
+        <a:scrgbClr r="0" g="0" b="0"/>
+      </a:fillRef>
+      <a:effectRef idx="0">
+        <a:scrgbClr r="0" g="0" b="0"/>
+      </a:effectRef>
+      <a:fontRef idx="minor"/>
+    </dgm:style>
+  </dgm:styleLbl>
+  <dgm:styleLbl name="solidBgAcc1">
+    <dgm:scene3d>
+      <a:camera prst="orthographicFront"/>
+      <a:lightRig rig="threePt" dir="t"/>
+    </dgm:scene3d>
+    <dgm:sp3d/>
+    <dgm:txPr/>
+    <dgm:style>
+      <a:lnRef idx="2">
+        <a:scrgbClr r="0" g="0" b="0"/>
+      </a:lnRef>
+      <a:fillRef idx="1">
+        <a:scrgbClr r="0" g="0" b="0"/>
+      </a:fillRef>
+      <a:effectRef idx="0">
+        <a:scrgbClr r="0" g="0" b="0"/>
+      </a:effectRef>
+      <a:fontRef idx="minor"/>
+    </dgm:style>
+  </dgm:styleLbl>
+  <dgm:styleLbl name="fgAccFollowNode1">
+    <dgm:scene3d>
+      <a:camera prst="orthographicFront"/>
+      <a:lightRig rig="threePt" dir="t"/>
+    </dgm:scene3d>
+    <dgm:sp3d/>
+    <dgm:txPr/>
+    <dgm:style>
+      <a:lnRef idx="2">
+        <a:scrgbClr r="0" g="0" b="0"/>
+      </a:lnRef>
+      <a:fillRef idx="1">
+        <a:scrgbClr r="0" g="0" b="0"/>
+      </a:fillRef>
+      <a:effectRef idx="0">
+        <a:scrgbClr r="0" g="0" b="0"/>
+      </a:effectRef>
+      <a:fontRef idx="minor"/>
+    </dgm:style>
+  </dgm:styleLbl>
+  <dgm:styleLbl name="alignAccFollowNode1">
+    <dgm:scene3d>
+      <a:camera prst="orthographicFront"/>
+      <a:lightRig rig="threePt" dir="t"/>
+    </dgm:scene3d>
+    <dgm:sp3d/>
+    <dgm:txPr/>
+    <dgm:style>
+      <a:lnRef idx="2">
+        <a:scrgbClr r="0" g="0" b="0"/>
+      </a:lnRef>
+      <a:fillRef idx="1">
+        <a:scrgbClr r="0" g="0" b="0"/>
+      </a:fillRef>
+      <a:effectRef idx="0">
+        <a:scrgbClr r="0" g="0" b="0"/>
+      </a:effectRef>
+      <a:fontRef idx="minor"/>
+    </dgm:style>
+  </dgm:styleLbl>
+  <dgm:styleLbl name="bgAccFollowNode1">
+    <dgm:scene3d>
+      <a:camera prst="orthographicFront"/>
+      <a:lightRig rig="threePt" dir="t"/>
+    </dgm:scene3d>
+    <dgm:sp3d/>
+    <dgm:txPr/>
+    <dgm:style>
+      <a:lnRef idx="2">
+        <a:scrgbClr r="0" g="0" b="0"/>
+      </a:lnRef>
+      <a:fillRef idx="1">
+        <a:scrgbClr r="0" g="0" b="0"/>
+      </a:fillRef>
+      <a:effectRef idx="0">
+        <a:scrgbClr r="0" g="0" b="0"/>
+      </a:effectRef>
+      <a:fontRef idx="minor"/>
+    </dgm:style>
+  </dgm:styleLbl>
+  <dgm:styleLbl name="fgAcc0">
+    <dgm:scene3d>
+      <a:camera prst="orthographicFront"/>
+      <a:lightRig rig="threePt" dir="t"/>
+    </dgm:scene3d>
+    <dgm:sp3d/>
+    <dgm:txPr/>
+    <dgm:style>
+      <a:lnRef idx="2">
+        <a:scrgbClr r="0" g="0" b="0"/>
+      </a:lnRef>
+      <a:fillRef idx="1">
+        <a:scrgbClr r="0" g="0" b="0"/>
+      </a:fillRef>
+      <a:effectRef idx="0">
+        <a:scrgbClr r="0" g="0" b="0"/>
+      </a:effectRef>
+      <a:fontRef idx="minor"/>
+    </dgm:style>
+  </dgm:styleLbl>
+  <dgm:styleLbl name="fgAcc2">
+    <dgm:scene3d>
+      <a:camera prst="orthographicFront"/>
+      <a:lightRig rig="threePt" dir="t"/>
+    </dgm:scene3d>
+    <dgm:sp3d/>
+    <dgm:txPr/>
+    <dgm:style>
+      <a:lnRef idx="2">
+        <a:scrgbClr r="0" g="0" b="0"/>
+      </a:lnRef>
+      <a:fillRef idx="1">
+        <a:scrgbClr r="0" g="0" b="0"/>
+      </a:fillRef>
+      <a:effectRef idx="0">
+        <a:scrgbClr r="0" g="0" b="0"/>
+      </a:effectRef>
+      <a:fontRef idx="minor"/>
+    </dgm:style>
+  </dgm:styleLbl>
+  <dgm:styleLbl name="fgAcc3">
+    <dgm:scene3d>
+      <a:camera prst="orthographicFront"/>
+      <a:lightRig rig="threePt" dir="t"/>
+    </dgm:scene3d>
+    <dgm:sp3d/>
+    <dgm:txPr/>
+    <dgm:style>
+      <a:lnRef idx="2">
+        <a:scrgbClr r="0" g="0" b="0"/>
+      </a:lnRef>
+      <a:fillRef idx="1">
+        <a:scrgbClr r="0" g="0" b="0"/>
+      </a:fillRef>
+      <a:effectRef idx="0">
+        <a:scrgbClr r="0" g="0" b="0"/>
+      </a:effectRef>
+      <a:fontRef idx="minor"/>
+    </dgm:style>
+  </dgm:styleLbl>
+  <dgm:styleLbl name="fgAcc4">
+    <dgm:scene3d>
+      <a:camera prst="orthographicFront"/>
+      <a:lightRig rig="threePt" dir="t"/>
+    </dgm:scene3d>
+    <dgm:sp3d/>
+    <dgm:txPr/>
+    <dgm:style>
+      <a:lnRef idx="2">
+        <a:scrgbClr r="0" g="0" b="0"/>
+      </a:lnRef>
+      <a:fillRef idx="1">
+        <a:scrgbClr r="0" g="0" b="0"/>
+      </a:fillRef>
+      <a:effectRef idx="0">
+        <a:scrgbClr r="0" g="0" b="0"/>
+      </a:effectRef>
+      <a:fontRef idx="minor"/>
+    </dgm:style>
+  </dgm:styleLbl>
+  <dgm:styleLbl name="bgShp">
+    <dgm:scene3d>
+      <a:camera prst="orthographicFront"/>
+      <a:lightRig rig="threePt" dir="t"/>
+    </dgm:scene3d>
+    <dgm:sp3d/>
+    <dgm:txPr/>
+    <dgm:style>
+      <a:lnRef idx="0">
+        <a:scrgbClr r="0" g="0" b="0"/>
+      </a:lnRef>
+      <a:fillRef idx="1">
+        <a:scrgbClr r="0" g="0" b="0"/>
+      </a:fillRef>
+      <a:effectRef idx="0">
+        <a:scrgbClr r="0" g="0" b="0"/>
+      </a:effectRef>
+      <a:fontRef idx="minor"/>
+    </dgm:style>
+  </dgm:styleLbl>
+  <dgm:styleLbl name="dkBgShp">
+    <dgm:scene3d>
+      <a:camera prst="orthographicFront"/>
+      <a:lightRig rig="threePt" dir="t"/>
+    </dgm:scene3d>
+    <dgm:sp3d/>
+    <dgm:txPr/>
+    <dgm:style>
+      <a:lnRef idx="0">
+        <a:scrgbClr r="0" g="0" b="0"/>
+      </a:lnRef>
+      <a:fillRef idx="1">
+        <a:scrgbClr r="0" g="0" b="0"/>
+      </a:fillRef>
+      <a:effectRef idx="0">
+        <a:scrgbClr r="0" g="0" b="0"/>
+      </a:effectRef>
+      <a:fontRef idx="minor"/>
+    </dgm:style>
+  </dgm:styleLbl>
+  <dgm:styleLbl name="trBgShp">
+    <dgm:scene3d>
+      <a:camera prst="orthographicFront"/>
+      <a:lightRig rig="threePt" dir="t"/>
+    </dgm:scene3d>
+    <dgm:sp3d/>
+    <dgm:txPr/>
+    <dgm:style>
+      <a:lnRef idx="0">
+        <a:scrgbClr r="0" g="0" b="0"/>
+      </a:lnRef>
+      <a:fillRef idx="1">
+        <a:scrgbClr r="0" g="0" b="0"/>
+      </a:fillRef>
+      <a:effectRef idx="0">
+        <a:scrgbClr r="0" g="0" b="0"/>
+      </a:effectRef>
+      <a:fontRef idx="minor"/>
+    </dgm:style>
+  </dgm:styleLbl>
+  <dgm:styleLbl name="fgShp">
+    <dgm:scene3d>
+      <a:camera prst="orthographicFront"/>
+      <a:lightRig rig="threePt" dir="t"/>
+    </dgm:scene3d>
+    <dgm:sp3d/>
+    <dgm:txPr/>
+    <dgm:style>
+      <a:lnRef idx="2">
+        <a:scrgbClr r="0" g="0" b="0"/>
+      </a:lnRef>
+      <a:fillRef idx="1">
+        <a:scrgbClr r="0" g="0" b="0"/>
+      </a:fillRef>
+      <a:effectRef idx="0">
+        <a:scrgbClr r="0" g="0" b="0"/>
+      </a:effectRef>
+      <a:fontRef idx="minor"/>
+    </dgm:style>
+  </dgm:styleLbl>
+  <dgm:styleLbl name="revTx">
+    <dgm:scene3d>
+      <a:camera prst="orthographicFront"/>
+      <a:lightRig rig="threePt" dir="t"/>
+    </dgm:scene3d>
+    <dgm:sp3d/>
+    <dgm:txPr/>
+    <dgm:style>
+      <a:lnRef idx="0">
+        <a:scrgbClr r="0" g="0" b="0"/>
+      </a:lnRef>
+      <a:fillRef idx="0">
+        <a:scrgbClr r="0" g="0" b="0"/>
+      </a:fillRef>
+      <a:effectRef idx="0">
+        <a:scrgbClr r="0" g="0" b="0"/>
+      </a:effectRef>
+      <a:fontRef idx="minor"/>
+    </dgm:style>
+  </dgm:styleLbl>
+</dgm:styleDef>
+</file>
+
+<file path=ppt/diagrams/quickStyle8.xml><?xml version="1.0" encoding="utf-8"?>
 <dgm:styleDef xmlns:dgm="http://schemas.openxmlformats.org/drawingml/2006/diagram" xmlns:a="http://schemas.openxmlformats.org/drawingml/2006/main" uniqueId="urn:microsoft.com/office/officeart/2005/8/quickstyle/simple1">
   <dgm:title val=""/>
   <dgm:desc val=""/>
@@ -36466,12 +41975,114 @@
           <a:chExt cx="0" cy="0"/>
         </a:xfrm>
       </p:grpSpPr>
+      <p:sp>
+        <p:nvSpPr>
+          <p:cNvPr id="4" name="矩形 3">
+            <a:extLst>
+              <a:ext uri="{FF2B5EF4-FFF2-40B4-BE49-F238E27FC236}">
+                <a16:creationId xmlns:a16="http://schemas.microsoft.com/office/drawing/2014/main" id="{9EE587F0-EC44-4F90-A1CA-BDEE270B5920}"/>
+              </a:ext>
+            </a:extLst>
+          </p:cNvPr>
+          <p:cNvSpPr/>
+          <p:nvPr/>
+        </p:nvSpPr>
+        <p:spPr>
+          <a:xfrm>
+            <a:off x="5510764" y="4922270"/>
+            <a:ext cx="1590500" cy="923330"/>
+          </a:xfrm>
+          <a:prstGeom prst="rect">
+            <a:avLst/>
+          </a:prstGeom>
+          <a:noFill/>
+        </p:spPr>
+        <p:txBody>
+          <a:bodyPr wrap="none" lIns="91440" tIns="45720" rIns="91440" bIns="45720">
+            <a:spAutoFit/>
+          </a:bodyPr>
+          <a:lstStyle/>
+          <a:p>
+            <a:pPr algn="ctr"/>
+            <a:r>
+              <a:rPr lang="en-US" altLang="zh-CN" sz="5400" b="1" cap="none" spc="50" dirty="0">
+                <a:ln w="0"/>
+                <a:solidFill>
+                  <a:schemeClr val="bg2"/>
+                </a:solidFill>
+                <a:effectLst>
+                  <a:innerShdw blurRad="63500" dist="50800" dir="13500000">
+                    <a:srgbClr val="000000">
+                      <a:alpha val="50000"/>
+                    </a:srgbClr>
+                  </a:innerShdw>
+                </a:effectLst>
+              </a:rPr>
+              <a:t>END</a:t>
+            </a:r>
+            <a:endParaRPr lang="zh-CN" altLang="en-US" sz="5400" b="1" cap="none" spc="50" dirty="0">
+              <a:ln w="0"/>
+              <a:solidFill>
+                <a:schemeClr val="bg2"/>
+              </a:solidFill>
+              <a:effectLst>
+                <a:innerShdw blurRad="63500" dist="50800" dir="13500000">
+                  <a:srgbClr val="000000">
+                    <a:alpha val="50000"/>
+                  </a:srgbClr>
+                </a:innerShdw>
+              </a:effectLst>
+            </a:endParaRPr>
+          </a:p>
+        </p:txBody>
+      </p:sp>
+      <p:cxnSp>
+        <p:nvCxnSpPr>
+          <p:cNvPr id="6" name="直接箭头连接符 5">
+            <a:extLst>
+              <a:ext uri="{FF2B5EF4-FFF2-40B4-BE49-F238E27FC236}">
+                <a16:creationId xmlns:a16="http://schemas.microsoft.com/office/drawing/2014/main" id="{37212502-6764-409B-9050-42A0D3EA6F30}"/>
+              </a:ext>
+            </a:extLst>
+          </p:cNvPr>
+          <p:cNvCxnSpPr>
+            <a:cxnSpLocks/>
+          </p:cNvCxnSpPr>
+          <p:nvPr/>
+        </p:nvCxnSpPr>
+        <p:spPr>
+          <a:xfrm>
+            <a:off x="2332008" y="758283"/>
+            <a:ext cx="8183592" cy="0"/>
+          </a:xfrm>
+          <a:prstGeom prst="straightConnector1">
+            <a:avLst/>
+          </a:prstGeom>
+          <a:ln>
+            <a:tailEnd type="triangle"/>
+          </a:ln>
+        </p:spPr>
+        <p:style>
+          <a:lnRef idx="1">
+            <a:schemeClr val="dk1"/>
+          </a:lnRef>
+          <a:fillRef idx="0">
+            <a:schemeClr val="dk1"/>
+          </a:fillRef>
+          <a:effectRef idx="0">
+            <a:schemeClr val="dk1"/>
+          </a:effectRef>
+          <a:fontRef idx="minor">
+            <a:schemeClr val="tx1"/>
+          </a:fontRef>
+        </p:style>
+      </p:cxnSp>
       <p:pic>
         <p:nvPicPr>
-          <p:cNvPr id="4" name="图形 3" descr="智能手机">
+          <p:cNvPr id="7" name="图形 6" descr="用户">
             <a:extLst>
               <a:ext uri="{FF2B5EF4-FFF2-40B4-BE49-F238E27FC236}">
-                <a16:creationId xmlns:a16="http://schemas.microsoft.com/office/drawing/2014/main" id="{97C2796D-4078-4188-9961-0BE57A27B1D2}"/>
+                <a16:creationId xmlns:a16="http://schemas.microsoft.com/office/drawing/2014/main" id="{433AFFDC-5505-48B8-A67B-07F9AE467446}"/>
               </a:ext>
             </a:extLst>
           </p:cNvPr>
@@ -36497,7 +42108,7 @@
         </p:blipFill>
         <p:spPr>
           <a:xfrm>
-            <a:off x="10551197" y="5003144"/>
+            <a:off x="2603526" y="952553"/>
             <a:ext cx="914400" cy="914400"/>
           </a:xfrm>
           <a:prstGeom prst="rect">
@@ -36507,10 +42118,10 @@
       </p:pic>
       <p:pic>
         <p:nvPicPr>
-          <p:cNvPr id="5" name="图形 4" descr="用户">
+          <p:cNvPr id="8" name="图形 7" descr="用户">
             <a:extLst>
               <a:ext uri="{FF2B5EF4-FFF2-40B4-BE49-F238E27FC236}">
-                <a16:creationId xmlns:a16="http://schemas.microsoft.com/office/drawing/2014/main" id="{6BFDB208-CB1F-46D0-8955-5CC05297EEA0}"/>
+                <a16:creationId xmlns:a16="http://schemas.microsoft.com/office/drawing/2014/main" id="{0FE8AD4C-2703-4C41-8F76-66AD5125877D}"/>
               </a:ext>
             </a:extLst>
           </p:cNvPr>
@@ -36536,7 +42147,7 @@
         </p:blipFill>
         <p:spPr>
           <a:xfrm>
-            <a:off x="4205040" y="5251652"/>
+            <a:off x="3794816" y="952659"/>
             <a:ext cx="914400" cy="914400"/>
           </a:xfrm>
           <a:prstGeom prst="rect">
@@ -36546,10 +42157,10 @@
       </p:pic>
       <p:pic>
         <p:nvPicPr>
-          <p:cNvPr id="6" name="图形 5" descr="下载">
+          <p:cNvPr id="12" name="图形 11" descr="带齿轮的头部">
             <a:extLst>
               <a:ext uri="{FF2B5EF4-FFF2-40B4-BE49-F238E27FC236}">
-                <a16:creationId xmlns:a16="http://schemas.microsoft.com/office/drawing/2014/main" id="{1360312A-C9BE-4B27-9EDB-D08CA555665E}"/>
+                <a16:creationId xmlns:a16="http://schemas.microsoft.com/office/drawing/2014/main" id="{44FBE843-738C-4F11-8836-3C1E438E0B79}"/>
               </a:ext>
             </a:extLst>
           </p:cNvPr>
@@ -36575,7 +42186,7 @@
         </p:blipFill>
         <p:spPr>
           <a:xfrm>
-            <a:off x="9492090" y="5618433"/>
+            <a:off x="7283102" y="959840"/>
             <a:ext cx="914400" cy="914400"/>
           </a:xfrm>
           <a:prstGeom prst="rect">
@@ -36585,10 +42196,10 @@
       </p:pic>
       <p:pic>
         <p:nvPicPr>
-          <p:cNvPr id="7" name="图形 6" descr="发送">
+          <p:cNvPr id="13" name="图形 12" descr="灯泡">
             <a:extLst>
               <a:ext uri="{FF2B5EF4-FFF2-40B4-BE49-F238E27FC236}">
-                <a16:creationId xmlns:a16="http://schemas.microsoft.com/office/drawing/2014/main" id="{90BA677B-D7D1-435D-8504-4B6AA3066BAE}"/>
+                <a16:creationId xmlns:a16="http://schemas.microsoft.com/office/drawing/2014/main" id="{F5883C49-28DE-471E-A643-7F26A68C2435}"/>
               </a:ext>
             </a:extLst>
           </p:cNvPr>
@@ -36614,7 +42225,7 @@
         </p:blipFill>
         <p:spPr>
           <a:xfrm>
-            <a:off x="8394160" y="5618433"/>
+            <a:off x="8197502" y="959840"/>
             <a:ext cx="914400" cy="914400"/>
           </a:xfrm>
           <a:prstGeom prst="rect">
@@ -36624,10 +42235,10 @@
       </p:pic>
       <p:pic>
         <p:nvPicPr>
-          <p:cNvPr id="8" name="图形 7" descr="沙漏">
+          <p:cNvPr id="14" name="图形 13" descr="戏院">
             <a:extLst>
               <a:ext uri="{FF2B5EF4-FFF2-40B4-BE49-F238E27FC236}">
-                <a16:creationId xmlns:a16="http://schemas.microsoft.com/office/drawing/2014/main" id="{98014050-0AEE-4638-8AA3-21562CBFDCBC}"/>
+                <a16:creationId xmlns:a16="http://schemas.microsoft.com/office/drawing/2014/main" id="{9CB69505-85E4-4E77-80E9-F756E6C4DDE0}"/>
               </a:ext>
             </a:extLst>
           </p:cNvPr>
@@ -36653,7 +42264,7 @@
         </p:blipFill>
         <p:spPr>
           <a:xfrm>
-            <a:off x="3243038" y="5477071"/>
+            <a:off x="4986106" y="952553"/>
             <a:ext cx="914400" cy="914400"/>
           </a:xfrm>
           <a:prstGeom prst="rect">
@@ -36663,88 +42274,10 @@
       </p:pic>
       <p:pic>
         <p:nvPicPr>
-          <p:cNvPr id="9" name="图形 8" descr="发送">
+          <p:cNvPr id="15" name="图形 14" descr="惊讶的脸，没有填充">
             <a:extLst>
               <a:ext uri="{FF2B5EF4-FFF2-40B4-BE49-F238E27FC236}">
-                <a16:creationId xmlns:a16="http://schemas.microsoft.com/office/drawing/2014/main" id="{DF7C2B43-069F-48F6-BCA7-4EB2E003F57E}"/>
-              </a:ext>
-            </a:extLst>
-          </p:cNvPr>
-          <p:cNvPicPr>
-            <a:picLocks noChangeAspect="1"/>
-          </p:cNvPicPr>
-          <p:nvPr/>
-        </p:nvPicPr>
-        <p:blipFill>
-          <a:blip r:embed="rId8">
-            <a:extLst>
-              <a:ext uri="{28A0092B-C50C-407E-A947-70E740481C1C}">
-                <a14:useLocalDpi xmlns:a14="http://schemas.microsoft.com/office/drawing/2010/main" val="0"/>
-              </a:ext>
-              <a:ext uri="{96DAC541-7B7A-43D3-8B79-37D633B846F1}">
-                <asvg:svgBlip xmlns:asvg="http://schemas.microsoft.com/office/drawing/2016/SVG/main" r:embed="rId9"/>
-              </a:ext>
-            </a:extLst>
-          </a:blip>
-          <a:stretch>
-            <a:fillRect/>
-          </a:stretch>
-        </p:blipFill>
-        <p:spPr>
-          <a:xfrm>
-            <a:off x="5624242" y="5334040"/>
-            <a:ext cx="914400" cy="914400"/>
-          </a:xfrm>
-          <a:prstGeom prst="rect">
-            <a:avLst/>
-          </a:prstGeom>
-        </p:spPr>
-      </p:pic>
-      <p:pic>
-        <p:nvPicPr>
-          <p:cNvPr id="10" name="图形 9" descr="发送">
-            <a:extLst>
-              <a:ext uri="{FF2B5EF4-FFF2-40B4-BE49-F238E27FC236}">
-                <a16:creationId xmlns:a16="http://schemas.microsoft.com/office/drawing/2014/main" id="{DD11A742-EC97-490C-8A5A-2380EDBD2844}"/>
-              </a:ext>
-            </a:extLst>
-          </p:cNvPr>
-          <p:cNvPicPr>
-            <a:picLocks noChangeAspect="1"/>
-          </p:cNvPicPr>
-          <p:nvPr/>
-        </p:nvPicPr>
-        <p:blipFill>
-          <a:blip r:embed="rId8">
-            <a:extLst>
-              <a:ext uri="{28A0092B-C50C-407E-A947-70E740481C1C}">
-                <a14:useLocalDpi xmlns:a14="http://schemas.microsoft.com/office/drawing/2010/main" val="0"/>
-              </a:ext>
-              <a:ext uri="{96DAC541-7B7A-43D3-8B79-37D633B846F1}">
-                <asvg:svgBlip xmlns:asvg="http://schemas.microsoft.com/office/drawing/2016/SVG/main" r:embed="rId9"/>
-              </a:ext>
-            </a:extLst>
-          </a:blip>
-          <a:stretch>
-            <a:fillRect/>
-          </a:stretch>
-        </p:blipFill>
-        <p:spPr>
-          <a:xfrm>
-            <a:off x="7322501" y="5204537"/>
-            <a:ext cx="914400" cy="914400"/>
-          </a:xfrm>
-          <a:prstGeom prst="rect">
-            <a:avLst/>
-          </a:prstGeom>
-        </p:spPr>
-      </p:pic>
-      <p:pic>
-        <p:nvPicPr>
-          <p:cNvPr id="18" name="图形 17" descr="带齿轮的头部">
-            <a:extLst>
-              <a:ext uri="{FF2B5EF4-FFF2-40B4-BE49-F238E27FC236}">
-                <a16:creationId xmlns:a16="http://schemas.microsoft.com/office/drawing/2014/main" id="{C98211E8-DC68-425B-9E9A-AEB74A83C8D1}"/>
+                <a16:creationId xmlns:a16="http://schemas.microsoft.com/office/drawing/2014/main" id="{5AC4F49F-130A-4C6C-A3BC-4259554D5E22}"/>
               </a:ext>
             </a:extLst>
           </p:cNvPr>
@@ -36770,7 +42303,7 @@
         </p:blipFill>
         <p:spPr>
           <a:xfrm>
-            <a:off x="4157438" y="1889628"/>
+            <a:off x="9230650" y="952553"/>
             <a:ext cx="914400" cy="914400"/>
           </a:xfrm>
           <a:prstGeom prst="rect">
@@ -36780,10 +42313,10 @@
       </p:pic>
       <p:pic>
         <p:nvPicPr>
-          <p:cNvPr id="20" name="图形 19" descr="灯泡">
+          <p:cNvPr id="17" name="图形 16" descr="帮助">
             <a:extLst>
               <a:ext uri="{FF2B5EF4-FFF2-40B4-BE49-F238E27FC236}">
-                <a16:creationId xmlns:a16="http://schemas.microsoft.com/office/drawing/2014/main" id="{6667E098-D162-4377-AC9D-9104EEE7D833}"/>
+                <a16:creationId xmlns:a16="http://schemas.microsoft.com/office/drawing/2014/main" id="{E82E5D85-E4A2-4790-8897-AA6D0896FB05}"/>
               </a:ext>
             </a:extLst>
           </p:cNvPr>
@@ -36809,7 +42342,7 @@
         </p:blipFill>
         <p:spPr>
           <a:xfrm>
-            <a:off x="7659316" y="3121800"/>
+            <a:off x="6199564" y="952553"/>
             <a:ext cx="914400" cy="914400"/>
           </a:xfrm>
           <a:prstGeom prst="rect">
@@ -36817,55 +42350,632 @@
           </a:prstGeom>
         </p:spPr>
       </p:pic>
-      <p:pic>
-        <p:nvPicPr>
-          <p:cNvPr id="22" name="图形 21" descr="筛选器">
+      <p:sp>
+        <p:nvSpPr>
+          <p:cNvPr id="18" name="文本框 17">
             <a:extLst>
               <a:ext uri="{FF2B5EF4-FFF2-40B4-BE49-F238E27FC236}">
-                <a16:creationId xmlns:a16="http://schemas.microsoft.com/office/drawing/2014/main" id="{128AECF6-9B7B-49FD-8004-7A6371E599A8}"/>
+                <a16:creationId xmlns:a16="http://schemas.microsoft.com/office/drawing/2014/main" id="{43366845-BE7A-4B90-A838-2D0FB09D69DD}"/>
               </a:ext>
             </a:extLst>
           </p:cNvPr>
-          <p:cNvPicPr>
-            <a:picLocks noChangeAspect="1"/>
-          </p:cNvPicPr>
+          <p:cNvSpPr txBox="1"/>
           <p:nvPr/>
-        </p:nvPicPr>
-        <p:blipFill>
-          <a:blip r:embed="rId16">
-            <a:extLst>
-              <a:ext uri="{28A0092B-C50C-407E-A947-70E740481C1C}">
-                <a14:useLocalDpi xmlns:a14="http://schemas.microsoft.com/office/drawing/2010/main" val="0"/>
-              </a:ext>
-              <a:ext uri="{96DAC541-7B7A-43D3-8B79-37D633B846F1}">
-                <asvg:svgBlip xmlns:asvg="http://schemas.microsoft.com/office/drawing/2016/SVG/main" r:embed="rId17"/>
-              </a:ext>
-            </a:extLst>
-          </a:blip>
-          <a:stretch>
-            <a:fillRect/>
-          </a:stretch>
-        </p:blipFill>
+        </p:nvSpPr>
         <p:spPr>
           <a:xfrm>
-            <a:off x="2978344" y="3429000"/>
-            <a:ext cx="914400" cy="914400"/>
+            <a:off x="2332008" y="3454791"/>
+            <a:ext cx="8188460" cy="923330"/>
           </a:xfrm>
           <a:prstGeom prst="rect">
             <a:avLst/>
           </a:prstGeom>
+          <a:noFill/>
         </p:spPr>
-      </p:pic>
+        <p:txBody>
+          <a:bodyPr wrap="none" rtlCol="0">
+            <a:spAutoFit/>
+          </a:bodyPr>
+          <a:lstStyle/>
+          <a:p>
+            <a:r>
+              <a:rPr lang="en-US" altLang="zh-CN" dirty="0"/>
+              <a:t>If you had a chance to re-choice. would u make a deep breath &amp; think deeply. </a:t>
+            </a:r>
+          </a:p>
+          <a:p>
+            <a:r>
+              <a:rPr lang="en-US" altLang="zh-CN" dirty="0"/>
+              <a:t>your position today, dependent on many good or bad choice u made yesterday. </a:t>
+            </a:r>
+          </a:p>
+          <a:p>
+            <a:r>
+              <a:rPr lang="en-US" altLang="zh-CN" dirty="0"/>
+              <a:t>calm down &amp; follow your instinct also, your </a:t>
+            </a:r>
+            <a:r>
+              <a:rPr lang="en-US" altLang="zh-CN"/>
+              <a:t>grace taste.</a:t>
+            </a:r>
+            <a:endParaRPr lang="zh-CN" altLang="en-US" dirty="0"/>
+          </a:p>
+        </p:txBody>
+      </p:sp>
+      <p:sp>
+        <p:nvSpPr>
+          <p:cNvPr id="19" name="文本框 18">
+            <a:extLst>
+              <a:ext uri="{FF2B5EF4-FFF2-40B4-BE49-F238E27FC236}">
+                <a16:creationId xmlns:a16="http://schemas.microsoft.com/office/drawing/2014/main" id="{AF1C0FA6-0F34-4936-B18B-BD86E864C1F5}"/>
+              </a:ext>
+            </a:extLst>
+          </p:cNvPr>
+          <p:cNvSpPr txBox="1"/>
+          <p:nvPr/>
+        </p:nvSpPr>
+        <p:spPr>
+          <a:xfrm>
+            <a:off x="4902424" y="2356770"/>
+            <a:ext cx="2807179" cy="584775"/>
+          </a:xfrm>
+          <a:prstGeom prst="rect">
+            <a:avLst/>
+          </a:prstGeom>
+          <a:noFill/>
+        </p:spPr>
+        <p:txBody>
+          <a:bodyPr wrap="none" rtlCol="0">
+            <a:spAutoFit/>
+          </a:bodyPr>
+          <a:lstStyle/>
+          <a:p>
+            <a:r>
+              <a:rPr lang="en-US" altLang="zh-CN" sz="3200" dirty="0"/>
+              <a:t>taste &amp; instinct</a:t>
+            </a:r>
+          </a:p>
+        </p:txBody>
+      </p:sp>
     </p:spTree>
     <p:extLst>
       <p:ext uri="{BB962C8B-B14F-4D97-AF65-F5344CB8AC3E}">
-        <p14:creationId xmlns:p14="http://schemas.microsoft.com/office/powerpoint/2010/main" val="2781392906"/>
+        <p14:creationId xmlns:p14="http://schemas.microsoft.com/office/powerpoint/2010/main" val="191710853"/>
       </p:ext>
     </p:extLst>
   </p:cSld>
   <p:clrMapOvr>
     <a:masterClrMapping/>
   </p:clrMapOvr>
+  <p:timing>
+    <p:tnLst>
+      <p:par>
+        <p:cTn id="1" dur="indefinite" restart="never" nodeType="tmRoot">
+          <p:childTnLst>
+            <p:seq concurrent="1" nextAc="seek">
+              <p:cTn id="2" dur="indefinite" nodeType="mainSeq">
+                <p:childTnLst>
+                  <p:par>
+                    <p:cTn id="3" fill="hold">
+                      <p:stCondLst>
+                        <p:cond delay="indefinite"/>
+                      </p:stCondLst>
+                      <p:childTnLst>
+                        <p:par>
+                          <p:cTn id="4" fill="hold">
+                            <p:stCondLst>
+                              <p:cond delay="0"/>
+                            </p:stCondLst>
+                            <p:childTnLst>
+                              <p:par>
+                                <p:cTn id="5" presetID="22" presetClass="entr" presetSubtype="8" fill="hold" nodeType="clickEffect">
+                                  <p:stCondLst>
+                                    <p:cond delay="0"/>
+                                  </p:stCondLst>
+                                  <p:childTnLst>
+                                    <p:set>
+                                      <p:cBhvr>
+                                        <p:cTn id="6" dur="1" fill="hold">
+                                          <p:stCondLst>
+                                            <p:cond delay="0"/>
+                                          </p:stCondLst>
+                                        </p:cTn>
+                                        <p:tgtEl>
+                                          <p:spTgt spid="6"/>
+                                        </p:tgtEl>
+                                        <p:attrNameLst>
+                                          <p:attrName>style.visibility</p:attrName>
+                                        </p:attrNameLst>
+                                      </p:cBhvr>
+                                      <p:to>
+                                        <p:strVal val="visible"/>
+                                      </p:to>
+                                    </p:set>
+                                    <p:animEffect transition="in" filter="wipe(left)">
+                                      <p:cBhvr>
+                                        <p:cTn id="7" dur="2000"/>
+                                        <p:tgtEl>
+                                          <p:spTgt spid="6"/>
+                                        </p:tgtEl>
+                                      </p:cBhvr>
+                                    </p:animEffect>
+                                  </p:childTnLst>
+                                </p:cTn>
+                              </p:par>
+                            </p:childTnLst>
+                          </p:cTn>
+                        </p:par>
+                        <p:par>
+                          <p:cTn id="8" fill="hold">
+                            <p:stCondLst>
+                              <p:cond delay="2000"/>
+                            </p:stCondLst>
+                            <p:childTnLst>
+                              <p:par>
+                                <p:cTn id="9" presetID="22" presetClass="entr" presetSubtype="8" fill="hold" nodeType="afterEffect">
+                                  <p:stCondLst>
+                                    <p:cond delay="0"/>
+                                  </p:stCondLst>
+                                  <p:childTnLst>
+                                    <p:set>
+                                      <p:cBhvr>
+                                        <p:cTn id="10" dur="1" fill="hold">
+                                          <p:stCondLst>
+                                            <p:cond delay="0"/>
+                                          </p:stCondLst>
+                                        </p:cTn>
+                                        <p:tgtEl>
+                                          <p:spTgt spid="7"/>
+                                        </p:tgtEl>
+                                        <p:attrNameLst>
+                                          <p:attrName>style.visibility</p:attrName>
+                                        </p:attrNameLst>
+                                      </p:cBhvr>
+                                      <p:to>
+                                        <p:strVal val="visible"/>
+                                      </p:to>
+                                    </p:set>
+                                    <p:animEffect transition="in" filter="wipe(left)">
+                                      <p:cBhvr>
+                                        <p:cTn id="11" dur="1000"/>
+                                        <p:tgtEl>
+                                          <p:spTgt spid="7"/>
+                                        </p:tgtEl>
+                                      </p:cBhvr>
+                                    </p:animEffect>
+                                  </p:childTnLst>
+                                </p:cTn>
+                              </p:par>
+                            </p:childTnLst>
+                          </p:cTn>
+                        </p:par>
+                        <p:par>
+                          <p:cTn id="12" fill="hold">
+                            <p:stCondLst>
+                              <p:cond delay="3000"/>
+                            </p:stCondLst>
+                            <p:childTnLst>
+                              <p:par>
+                                <p:cTn id="13" presetID="22" presetClass="entr" presetSubtype="8" fill="hold" nodeType="afterEffect">
+                                  <p:stCondLst>
+                                    <p:cond delay="1000"/>
+                                  </p:stCondLst>
+                                  <p:childTnLst>
+                                    <p:set>
+                                      <p:cBhvr>
+                                        <p:cTn id="14" dur="1" fill="hold">
+                                          <p:stCondLst>
+                                            <p:cond delay="0"/>
+                                          </p:stCondLst>
+                                        </p:cTn>
+                                        <p:tgtEl>
+                                          <p:spTgt spid="8"/>
+                                        </p:tgtEl>
+                                        <p:attrNameLst>
+                                          <p:attrName>style.visibility</p:attrName>
+                                        </p:attrNameLst>
+                                      </p:cBhvr>
+                                      <p:to>
+                                        <p:strVal val="visible"/>
+                                      </p:to>
+                                    </p:set>
+                                    <p:animEffect transition="in" filter="wipe(left)">
+                                      <p:cBhvr>
+                                        <p:cTn id="15" dur="1000"/>
+                                        <p:tgtEl>
+                                          <p:spTgt spid="8"/>
+                                        </p:tgtEl>
+                                      </p:cBhvr>
+                                    </p:animEffect>
+                                  </p:childTnLst>
+                                </p:cTn>
+                              </p:par>
+                            </p:childTnLst>
+                          </p:cTn>
+                        </p:par>
+                        <p:par>
+                          <p:cTn id="16" fill="hold">
+                            <p:stCondLst>
+                              <p:cond delay="5000"/>
+                            </p:stCondLst>
+                            <p:childTnLst>
+                              <p:par>
+                                <p:cTn id="17" presetID="22" presetClass="entr" presetSubtype="8" fill="hold" nodeType="afterEffect">
+                                  <p:stCondLst>
+                                    <p:cond delay="1000"/>
+                                  </p:stCondLst>
+                                  <p:childTnLst>
+                                    <p:set>
+                                      <p:cBhvr>
+                                        <p:cTn id="18" dur="1" fill="hold">
+                                          <p:stCondLst>
+                                            <p:cond delay="0"/>
+                                          </p:stCondLst>
+                                        </p:cTn>
+                                        <p:tgtEl>
+                                          <p:spTgt spid="14"/>
+                                        </p:tgtEl>
+                                        <p:attrNameLst>
+                                          <p:attrName>style.visibility</p:attrName>
+                                        </p:attrNameLst>
+                                      </p:cBhvr>
+                                      <p:to>
+                                        <p:strVal val="visible"/>
+                                      </p:to>
+                                    </p:set>
+                                    <p:animEffect transition="in" filter="wipe(left)">
+                                      <p:cBhvr>
+                                        <p:cTn id="19" dur="1000"/>
+                                        <p:tgtEl>
+                                          <p:spTgt spid="14"/>
+                                        </p:tgtEl>
+                                      </p:cBhvr>
+                                    </p:animEffect>
+                                  </p:childTnLst>
+                                </p:cTn>
+                              </p:par>
+                            </p:childTnLst>
+                          </p:cTn>
+                        </p:par>
+                        <p:par>
+                          <p:cTn id="20" fill="hold">
+                            <p:stCondLst>
+                              <p:cond delay="7000"/>
+                            </p:stCondLst>
+                            <p:childTnLst>
+                              <p:par>
+                                <p:cTn id="21" presetID="22" presetClass="entr" presetSubtype="8" fill="hold" nodeType="afterEffect">
+                                  <p:stCondLst>
+                                    <p:cond delay="1000"/>
+                                  </p:stCondLst>
+                                  <p:childTnLst>
+                                    <p:set>
+                                      <p:cBhvr>
+                                        <p:cTn id="22" dur="1" fill="hold">
+                                          <p:stCondLst>
+                                            <p:cond delay="0"/>
+                                          </p:stCondLst>
+                                        </p:cTn>
+                                        <p:tgtEl>
+                                          <p:spTgt spid="17"/>
+                                        </p:tgtEl>
+                                        <p:attrNameLst>
+                                          <p:attrName>style.visibility</p:attrName>
+                                        </p:attrNameLst>
+                                      </p:cBhvr>
+                                      <p:to>
+                                        <p:strVal val="visible"/>
+                                      </p:to>
+                                    </p:set>
+                                    <p:animEffect transition="in" filter="wipe(left)">
+                                      <p:cBhvr>
+                                        <p:cTn id="23" dur="1000"/>
+                                        <p:tgtEl>
+                                          <p:spTgt spid="17"/>
+                                        </p:tgtEl>
+                                      </p:cBhvr>
+                                    </p:animEffect>
+                                  </p:childTnLst>
+                                </p:cTn>
+                              </p:par>
+                            </p:childTnLst>
+                          </p:cTn>
+                        </p:par>
+                        <p:par>
+                          <p:cTn id="24" fill="hold">
+                            <p:stCondLst>
+                              <p:cond delay="9000"/>
+                            </p:stCondLst>
+                            <p:childTnLst>
+                              <p:par>
+                                <p:cTn id="25" presetID="22" presetClass="entr" presetSubtype="8" fill="hold" nodeType="afterEffect">
+                                  <p:stCondLst>
+                                    <p:cond delay="1000"/>
+                                  </p:stCondLst>
+                                  <p:childTnLst>
+                                    <p:set>
+                                      <p:cBhvr>
+                                        <p:cTn id="26" dur="1" fill="hold">
+                                          <p:stCondLst>
+                                            <p:cond delay="0"/>
+                                          </p:stCondLst>
+                                        </p:cTn>
+                                        <p:tgtEl>
+                                          <p:spTgt spid="12"/>
+                                        </p:tgtEl>
+                                        <p:attrNameLst>
+                                          <p:attrName>style.visibility</p:attrName>
+                                        </p:attrNameLst>
+                                      </p:cBhvr>
+                                      <p:to>
+                                        <p:strVal val="visible"/>
+                                      </p:to>
+                                    </p:set>
+                                    <p:animEffect transition="in" filter="wipe(left)">
+                                      <p:cBhvr>
+                                        <p:cTn id="27" dur="1000"/>
+                                        <p:tgtEl>
+                                          <p:spTgt spid="12"/>
+                                        </p:tgtEl>
+                                      </p:cBhvr>
+                                    </p:animEffect>
+                                  </p:childTnLst>
+                                </p:cTn>
+                              </p:par>
+                            </p:childTnLst>
+                          </p:cTn>
+                        </p:par>
+                        <p:par>
+                          <p:cTn id="28" fill="hold">
+                            <p:stCondLst>
+                              <p:cond delay="11000"/>
+                            </p:stCondLst>
+                            <p:childTnLst>
+                              <p:par>
+                                <p:cTn id="29" presetID="22" presetClass="entr" presetSubtype="8" fill="hold" nodeType="afterEffect">
+                                  <p:stCondLst>
+                                    <p:cond delay="1000"/>
+                                  </p:stCondLst>
+                                  <p:childTnLst>
+                                    <p:set>
+                                      <p:cBhvr>
+                                        <p:cTn id="30" dur="1" fill="hold">
+                                          <p:stCondLst>
+                                            <p:cond delay="0"/>
+                                          </p:stCondLst>
+                                        </p:cTn>
+                                        <p:tgtEl>
+                                          <p:spTgt spid="13"/>
+                                        </p:tgtEl>
+                                        <p:attrNameLst>
+                                          <p:attrName>style.visibility</p:attrName>
+                                        </p:attrNameLst>
+                                      </p:cBhvr>
+                                      <p:to>
+                                        <p:strVal val="visible"/>
+                                      </p:to>
+                                    </p:set>
+                                    <p:animEffect transition="in" filter="wipe(left)">
+                                      <p:cBhvr>
+                                        <p:cTn id="31" dur="1000"/>
+                                        <p:tgtEl>
+                                          <p:spTgt spid="13"/>
+                                        </p:tgtEl>
+                                      </p:cBhvr>
+                                    </p:animEffect>
+                                  </p:childTnLst>
+                                </p:cTn>
+                              </p:par>
+                            </p:childTnLst>
+                          </p:cTn>
+                        </p:par>
+                        <p:par>
+                          <p:cTn id="32" fill="hold">
+                            <p:stCondLst>
+                              <p:cond delay="13000"/>
+                            </p:stCondLst>
+                            <p:childTnLst>
+                              <p:par>
+                                <p:cTn id="33" presetID="22" presetClass="entr" presetSubtype="8" fill="hold" nodeType="afterEffect">
+                                  <p:stCondLst>
+                                    <p:cond delay="1000"/>
+                                  </p:stCondLst>
+                                  <p:childTnLst>
+                                    <p:set>
+                                      <p:cBhvr>
+                                        <p:cTn id="34" dur="1" fill="hold">
+                                          <p:stCondLst>
+                                            <p:cond delay="0"/>
+                                          </p:stCondLst>
+                                        </p:cTn>
+                                        <p:tgtEl>
+                                          <p:spTgt spid="15"/>
+                                        </p:tgtEl>
+                                        <p:attrNameLst>
+                                          <p:attrName>style.visibility</p:attrName>
+                                        </p:attrNameLst>
+                                      </p:cBhvr>
+                                      <p:to>
+                                        <p:strVal val="visible"/>
+                                      </p:to>
+                                    </p:set>
+                                    <p:animEffect transition="in" filter="wipe(left)">
+                                      <p:cBhvr>
+                                        <p:cTn id="35" dur="1000"/>
+                                        <p:tgtEl>
+                                          <p:spTgt spid="15"/>
+                                        </p:tgtEl>
+                                      </p:cBhvr>
+                                    </p:animEffect>
+                                  </p:childTnLst>
+                                </p:cTn>
+                              </p:par>
+                            </p:childTnLst>
+                          </p:cTn>
+                        </p:par>
+                        <p:par>
+                          <p:cTn id="36" fill="hold">
+                            <p:stCondLst>
+                              <p:cond delay="15000"/>
+                            </p:stCondLst>
+                            <p:childTnLst>
+                              <p:par>
+                                <p:cTn id="37" presetID="10" presetClass="entr" presetSubtype="0" fill="hold" grpId="0" nodeType="afterEffect">
+                                  <p:stCondLst>
+                                    <p:cond delay="0"/>
+                                  </p:stCondLst>
+                                  <p:childTnLst>
+                                    <p:set>
+                                      <p:cBhvr>
+                                        <p:cTn id="38" dur="1" fill="hold">
+                                          <p:stCondLst>
+                                            <p:cond delay="0"/>
+                                          </p:stCondLst>
+                                        </p:cTn>
+                                        <p:tgtEl>
+                                          <p:spTgt spid="18"/>
+                                        </p:tgtEl>
+                                        <p:attrNameLst>
+                                          <p:attrName>style.visibility</p:attrName>
+                                        </p:attrNameLst>
+                                      </p:cBhvr>
+                                      <p:to>
+                                        <p:strVal val="visible"/>
+                                      </p:to>
+                                    </p:set>
+                                    <p:animEffect transition="in" filter="fade">
+                                      <p:cBhvr>
+                                        <p:cTn id="39" dur="5000"/>
+                                        <p:tgtEl>
+                                          <p:spTgt spid="18"/>
+                                        </p:tgtEl>
+                                      </p:cBhvr>
+                                    </p:animEffect>
+                                  </p:childTnLst>
+                                </p:cTn>
+                              </p:par>
+                            </p:childTnLst>
+                          </p:cTn>
+                        </p:par>
+                        <p:par>
+                          <p:cTn id="40" fill="hold">
+                            <p:stCondLst>
+                              <p:cond delay="20000"/>
+                            </p:stCondLst>
+                            <p:childTnLst>
+                              <p:par>
+                                <p:cTn id="41" presetID="42" presetClass="entr" presetSubtype="0" fill="hold" grpId="0" nodeType="afterEffect">
+                                  <p:stCondLst>
+                                    <p:cond delay="0"/>
+                                  </p:stCondLst>
+                                  <p:childTnLst>
+                                    <p:set>
+                                      <p:cBhvr>
+                                        <p:cTn id="42" dur="1" fill="hold">
+                                          <p:stCondLst>
+                                            <p:cond delay="0"/>
+                                          </p:stCondLst>
+                                        </p:cTn>
+                                        <p:tgtEl>
+                                          <p:spTgt spid="4"/>
+                                        </p:tgtEl>
+                                        <p:attrNameLst>
+                                          <p:attrName>style.visibility</p:attrName>
+                                        </p:attrNameLst>
+                                      </p:cBhvr>
+                                      <p:to>
+                                        <p:strVal val="visible"/>
+                                      </p:to>
+                                    </p:set>
+                                    <p:animEffect transition="in" filter="fade">
+                                      <p:cBhvr>
+                                        <p:cTn id="43" dur="1000"/>
+                                        <p:tgtEl>
+                                          <p:spTgt spid="4"/>
+                                        </p:tgtEl>
+                                      </p:cBhvr>
+                                    </p:animEffect>
+                                    <p:anim calcmode="lin" valueType="num">
+                                      <p:cBhvr>
+                                        <p:cTn id="44" dur="1000" fill="hold"/>
+                                        <p:tgtEl>
+                                          <p:spTgt spid="4"/>
+                                        </p:tgtEl>
+                                        <p:attrNameLst>
+                                          <p:attrName>ppt_x</p:attrName>
+                                        </p:attrNameLst>
+                                      </p:cBhvr>
+                                      <p:tavLst>
+                                        <p:tav tm="0">
+                                          <p:val>
+                                            <p:strVal val="#ppt_x"/>
+                                          </p:val>
+                                        </p:tav>
+                                        <p:tav tm="100000">
+                                          <p:val>
+                                            <p:strVal val="#ppt_x"/>
+                                          </p:val>
+                                        </p:tav>
+                                      </p:tavLst>
+                                    </p:anim>
+                                    <p:anim calcmode="lin" valueType="num">
+                                      <p:cBhvr>
+                                        <p:cTn id="45" dur="1000" fill="hold"/>
+                                        <p:tgtEl>
+                                          <p:spTgt spid="4"/>
+                                        </p:tgtEl>
+                                        <p:attrNameLst>
+                                          <p:attrName>ppt_y</p:attrName>
+                                        </p:attrNameLst>
+                                      </p:cBhvr>
+                                      <p:tavLst>
+                                        <p:tav tm="0">
+                                          <p:val>
+                                            <p:strVal val="#ppt_y+.1"/>
+                                          </p:val>
+                                        </p:tav>
+                                        <p:tav tm="100000">
+                                          <p:val>
+                                            <p:strVal val="#ppt_y"/>
+                                          </p:val>
+                                        </p:tav>
+                                      </p:tavLst>
+                                    </p:anim>
+                                  </p:childTnLst>
+                                </p:cTn>
+                              </p:par>
+                            </p:childTnLst>
+                          </p:cTn>
+                        </p:par>
+                      </p:childTnLst>
+                    </p:cTn>
+                  </p:par>
+                </p:childTnLst>
+              </p:cTn>
+              <p:prevCondLst>
+                <p:cond evt="onPrev" delay="0">
+                  <p:tgtEl>
+                    <p:sldTgt/>
+                  </p:tgtEl>
+                </p:cond>
+              </p:prevCondLst>
+              <p:nextCondLst>
+                <p:cond evt="onNext" delay="0">
+                  <p:tgtEl>
+                    <p:sldTgt/>
+                  </p:tgtEl>
+                </p:cond>
+              </p:nextCondLst>
+            </p:seq>
+          </p:childTnLst>
+        </p:cTn>
+      </p:par>
+    </p:tnLst>
+    <p:bldLst>
+      <p:bldP spid="4" grpId="0"/>
+      <p:bldP spid="18" grpId="0"/>
+    </p:bldLst>
+  </p:timing>
 </p:sld>
 </file>
 
@@ -36886,47 +42996,6 @@
           <a:chExt cx="0" cy="0"/>
         </a:xfrm>
       </p:grpSpPr>
-      <p:cxnSp>
-        <p:nvCxnSpPr>
-          <p:cNvPr id="6" name="直接箭头连接符 5">
-            <a:extLst>
-              <a:ext uri="{FF2B5EF4-FFF2-40B4-BE49-F238E27FC236}">
-                <a16:creationId xmlns:a16="http://schemas.microsoft.com/office/drawing/2014/main" id="{CA3639B2-78D3-4E9D-94A5-AC7A2F973C37}"/>
-              </a:ext>
-            </a:extLst>
-          </p:cNvPr>
-          <p:cNvCxnSpPr>
-            <a:cxnSpLocks/>
-          </p:cNvCxnSpPr>
-          <p:nvPr/>
-        </p:nvCxnSpPr>
-        <p:spPr>
-          <a:xfrm>
-            <a:off x="5961888" y="1380530"/>
-            <a:ext cx="0" cy="5069038"/>
-          </a:xfrm>
-          <a:prstGeom prst="straightConnector1">
-            <a:avLst/>
-          </a:prstGeom>
-          <a:ln>
-            <a:tailEnd type="triangle"/>
-          </a:ln>
-        </p:spPr>
-        <p:style>
-          <a:lnRef idx="1">
-            <a:schemeClr val="dk1"/>
-          </a:lnRef>
-          <a:fillRef idx="0">
-            <a:schemeClr val="dk1"/>
-          </a:fillRef>
-          <a:effectRef idx="0">
-            <a:schemeClr val="dk1"/>
-          </a:effectRef>
-          <a:fontRef idx="minor">
-            <a:schemeClr val="tx1"/>
-          </a:fontRef>
-        </p:style>
-      </p:cxnSp>
       <p:sp>
         <p:nvSpPr>
           <p:cNvPr id="11" name="矩形 10">
@@ -36941,8 +43010,8 @@
         </p:nvSpPr>
         <p:spPr>
           <a:xfrm>
-            <a:off x="3785912" y="457200"/>
-            <a:ext cx="4620176" cy="923330"/>
+            <a:off x="3831601" y="457200"/>
+            <a:ext cx="4528805" cy="923330"/>
           </a:xfrm>
           <a:prstGeom prst="rect">
             <a:avLst/>
@@ -36970,7 +43039,7 @@
                   </a:innerShdw>
                 </a:effectLst>
               </a:rPr>
-              <a:t>Name Pattern</a:t>
+              <a:t>Core Concept</a:t>
             </a:r>
             <a:endParaRPr lang="zh-CN" altLang="en-US" sz="5400" b="1" cap="none" spc="50" dirty="0">
               <a:ln w="0"/>
@@ -37024,685 +43093,34 @@
           </a:fontRef>
         </p:style>
       </p:cxnSp>
-      <p:sp>
-        <p:nvSpPr>
-          <p:cNvPr id="18" name="文本框 17">
+      <p:graphicFrame>
+        <p:nvGraphicFramePr>
+          <p:cNvPr id="3" name="图示 2">
             <a:extLst>
               <a:ext uri="{FF2B5EF4-FFF2-40B4-BE49-F238E27FC236}">
-                <a16:creationId xmlns:a16="http://schemas.microsoft.com/office/drawing/2014/main" id="{B1231A12-4929-41AD-BB02-C446C63B80C6}"/>
+                <a16:creationId xmlns:a16="http://schemas.microsoft.com/office/drawing/2014/main" id="{6363C178-C98F-4F77-BE39-C11F9DAEE996}"/>
               </a:ext>
             </a:extLst>
           </p:cNvPr>
-          <p:cNvSpPr txBox="1"/>
-          <p:nvPr/>
-        </p:nvSpPr>
-        <p:spPr>
-          <a:xfrm>
-            <a:off x="4114974" y="2044256"/>
-            <a:ext cx="1518364" cy="369332"/>
-          </a:xfrm>
-          <a:prstGeom prst="rect">
-            <a:avLst/>
-          </a:prstGeom>
-          <a:noFill/>
-        </p:spPr>
-        <p:txBody>
-          <a:bodyPr wrap="none" rtlCol="0">
-            <a:spAutoFit/>
-          </a:bodyPr>
-          <a:lstStyle/>
-          <a:p>
-            <a:r>
-              <a:rPr lang="en-US" altLang="zh-CN" dirty="0"/>
-              <a:t>Development</a:t>
-            </a:r>
-            <a:endParaRPr lang="zh-CN" altLang="en-US" dirty="0"/>
-          </a:p>
-        </p:txBody>
-      </p:sp>
-      <p:sp>
-        <p:nvSpPr>
-          <p:cNvPr id="19" name="文本框 18">
-            <a:extLst>
-              <a:ext uri="{FF2B5EF4-FFF2-40B4-BE49-F238E27FC236}">
-                <a16:creationId xmlns:a16="http://schemas.microsoft.com/office/drawing/2014/main" id="{D5BBE6CD-6EC9-42BA-B7B0-DC67C294EE04}"/>
-              </a:ext>
-            </a:extLst>
-          </p:cNvPr>
-          <p:cNvSpPr txBox="1"/>
-          <p:nvPr/>
-        </p:nvSpPr>
-        <p:spPr>
-          <a:xfrm>
-            <a:off x="5041509" y="3323909"/>
-            <a:ext cx="591829" cy="369332"/>
-          </a:xfrm>
-          <a:prstGeom prst="rect">
-            <a:avLst/>
-          </a:prstGeom>
-          <a:noFill/>
-        </p:spPr>
-        <p:txBody>
-          <a:bodyPr wrap="none" rtlCol="0">
-            <a:spAutoFit/>
-          </a:bodyPr>
-          <a:lstStyle/>
-          <a:p>
-            <a:r>
-              <a:rPr lang="en-US" altLang="zh-CN" dirty="0"/>
-              <a:t>Test</a:t>
-            </a:r>
-            <a:endParaRPr lang="zh-CN" altLang="en-US" dirty="0"/>
-          </a:p>
-        </p:txBody>
-      </p:sp>
-      <p:sp>
-        <p:nvSpPr>
-          <p:cNvPr id="20" name="文本框 19">
-            <a:extLst>
-              <a:ext uri="{FF2B5EF4-FFF2-40B4-BE49-F238E27FC236}">
-                <a16:creationId xmlns:a16="http://schemas.microsoft.com/office/drawing/2014/main" id="{8752EA5C-41F6-470A-9D21-68D1255C5F2C}"/>
-              </a:ext>
-            </a:extLst>
-          </p:cNvPr>
-          <p:cNvSpPr txBox="1"/>
-          <p:nvPr/>
-        </p:nvSpPr>
-        <p:spPr>
-          <a:xfrm>
-            <a:off x="4361836" y="4603562"/>
-            <a:ext cx="1271502" cy="369332"/>
-          </a:xfrm>
-          <a:prstGeom prst="rect">
-            <a:avLst/>
-          </a:prstGeom>
-          <a:noFill/>
-        </p:spPr>
-        <p:txBody>
-          <a:bodyPr wrap="none" rtlCol="0">
-            <a:spAutoFit/>
-          </a:bodyPr>
-          <a:lstStyle/>
-          <a:p>
-            <a:r>
-              <a:rPr lang="en-US" altLang="zh-CN" dirty="0"/>
-              <a:t>Production</a:t>
-            </a:r>
-            <a:endParaRPr lang="zh-CN" altLang="en-US" dirty="0"/>
-          </a:p>
-        </p:txBody>
-      </p:sp>
-      <p:sp>
-        <p:nvSpPr>
-          <p:cNvPr id="23" name="文本框 22">
-            <a:extLst>
-              <a:ext uri="{FF2B5EF4-FFF2-40B4-BE49-F238E27FC236}">
-                <a16:creationId xmlns:a16="http://schemas.microsoft.com/office/drawing/2014/main" id="{19820EE7-8C9C-4130-86B8-4F7D3545EF0F}"/>
-              </a:ext>
-            </a:extLst>
-          </p:cNvPr>
-          <p:cNvSpPr txBox="1"/>
-          <p:nvPr/>
-        </p:nvSpPr>
-        <p:spPr>
-          <a:xfrm>
-            <a:off x="7711144" y="1674924"/>
-            <a:ext cx="1963999" cy="369332"/>
-          </a:xfrm>
-          <a:prstGeom prst="rect">
-            <a:avLst/>
-          </a:prstGeom>
-          <a:noFill/>
-        </p:spPr>
-        <p:txBody>
-          <a:bodyPr wrap="none" rtlCol="0">
-            <a:spAutoFit/>
-          </a:bodyPr>
-          <a:lstStyle/>
-          <a:p>
-            <a:r>
-              <a:rPr lang="en-US" altLang="zh-CN" dirty="0"/>
-              <a:t>name new project</a:t>
-            </a:r>
-            <a:endParaRPr lang="zh-CN" altLang="en-US" dirty="0"/>
-          </a:p>
-        </p:txBody>
-      </p:sp>
-      <p:sp>
-        <p:nvSpPr>
-          <p:cNvPr id="24" name="文本框 23">
-            <a:extLst>
-              <a:ext uri="{FF2B5EF4-FFF2-40B4-BE49-F238E27FC236}">
-                <a16:creationId xmlns:a16="http://schemas.microsoft.com/office/drawing/2014/main" id="{A85D11F5-713D-49CF-A198-9B2CD69259C0}"/>
-              </a:ext>
-            </a:extLst>
-          </p:cNvPr>
-          <p:cNvSpPr txBox="1"/>
-          <p:nvPr/>
-        </p:nvSpPr>
-        <p:spPr>
-          <a:xfrm>
-            <a:off x="7711144" y="2228922"/>
-            <a:ext cx="1771639" cy="369332"/>
-          </a:xfrm>
-          <a:prstGeom prst="rect">
-            <a:avLst/>
-          </a:prstGeom>
-          <a:noFill/>
-        </p:spPr>
-        <p:txBody>
-          <a:bodyPr wrap="none" rtlCol="0">
-            <a:spAutoFit/>
-          </a:bodyPr>
-          <a:lstStyle/>
-          <a:p>
-            <a:r>
-              <a:rPr lang="en-US" altLang="zh-CN" dirty="0"/>
-              <a:t>name new page</a:t>
-            </a:r>
-            <a:endParaRPr lang="zh-CN" altLang="en-US" dirty="0"/>
-          </a:p>
-        </p:txBody>
-      </p:sp>
-      <p:sp>
-        <p:nvSpPr>
-          <p:cNvPr id="29" name="文本框 28">
-            <a:extLst>
-              <a:ext uri="{FF2B5EF4-FFF2-40B4-BE49-F238E27FC236}">
-                <a16:creationId xmlns:a16="http://schemas.microsoft.com/office/drawing/2014/main" id="{897834A3-7834-464F-A05B-CC248BAC42E6}"/>
-              </a:ext>
-            </a:extLst>
-          </p:cNvPr>
-          <p:cNvSpPr txBox="1"/>
-          <p:nvPr/>
-        </p:nvSpPr>
-        <p:spPr>
-          <a:xfrm>
-            <a:off x="7711144" y="3588116"/>
-            <a:ext cx="1383712" cy="369332"/>
-          </a:xfrm>
-          <a:prstGeom prst="rect">
-            <a:avLst/>
-          </a:prstGeom>
-          <a:noFill/>
-        </p:spPr>
-        <p:txBody>
-          <a:bodyPr wrap="none" rtlCol="0">
-            <a:spAutoFit/>
-          </a:bodyPr>
-          <a:lstStyle/>
-          <a:p>
-            <a:r>
-              <a:rPr lang="en-US" altLang="zh-CN" dirty="0"/>
-              <a:t>fast compile</a:t>
-            </a:r>
-          </a:p>
-        </p:txBody>
-      </p:sp>
-      <p:sp>
-        <p:nvSpPr>
-          <p:cNvPr id="30" name="文本框 29">
-            <a:extLst>
-              <a:ext uri="{FF2B5EF4-FFF2-40B4-BE49-F238E27FC236}">
-                <a16:creationId xmlns:a16="http://schemas.microsoft.com/office/drawing/2014/main" id="{198A953F-9C8A-4B65-88B4-6F1AE8DF5130}"/>
-              </a:ext>
-            </a:extLst>
-          </p:cNvPr>
-          <p:cNvSpPr txBox="1"/>
-          <p:nvPr/>
-        </p:nvSpPr>
-        <p:spPr>
-          <a:xfrm>
-            <a:off x="7711144" y="3046910"/>
-            <a:ext cx="1329210" cy="369332"/>
-          </a:xfrm>
-          <a:prstGeom prst="rect">
-            <a:avLst/>
-          </a:prstGeom>
-          <a:noFill/>
-        </p:spPr>
-        <p:txBody>
-          <a:bodyPr wrap="none" rtlCol="0">
-            <a:spAutoFit/>
-          </a:bodyPr>
-          <a:lstStyle/>
-          <a:p>
-            <a:r>
-              <a:rPr lang="en-US" altLang="zh-CN" dirty="0"/>
-              <a:t>full compile</a:t>
-            </a:r>
-          </a:p>
-        </p:txBody>
-      </p:sp>
-      <p:cxnSp>
-        <p:nvCxnSpPr>
-          <p:cNvPr id="32" name="连接符: 肘形 31">
-            <a:extLst>
-              <a:ext uri="{FF2B5EF4-FFF2-40B4-BE49-F238E27FC236}">
-                <a16:creationId xmlns:a16="http://schemas.microsoft.com/office/drawing/2014/main" id="{6B9DD60A-B596-4866-9186-0B69B6B35D64}"/>
-              </a:ext>
-            </a:extLst>
-          </p:cNvPr>
-          <p:cNvCxnSpPr>
-            <a:cxnSpLocks/>
-            <a:stCxn id="19" idx="3"/>
-            <a:endCxn id="30" idx="1"/>
-          </p:cNvCxnSpPr>
-          <p:nvPr/>
-        </p:nvCxnSpPr>
-        <p:spPr>
-          <a:xfrm flipV="1">
-            <a:off x="5633338" y="3231576"/>
-            <a:ext cx="2077806" cy="276999"/>
-          </a:xfrm>
-          <a:prstGeom prst="bentConnector3">
-            <a:avLst/>
-          </a:prstGeom>
-          <a:ln>
-            <a:tailEnd type="triangle"/>
-          </a:ln>
-        </p:spPr>
-        <p:style>
-          <a:lnRef idx="1">
-            <a:schemeClr val="dk1"/>
-          </a:lnRef>
-          <a:fillRef idx="0">
-            <a:schemeClr val="dk1"/>
-          </a:fillRef>
-          <a:effectRef idx="0">
-            <a:schemeClr val="dk1"/>
-          </a:effectRef>
-          <a:fontRef idx="minor">
-            <a:schemeClr val="tx1"/>
-          </a:fontRef>
-        </p:style>
-      </p:cxnSp>
-      <p:cxnSp>
-        <p:nvCxnSpPr>
-          <p:cNvPr id="34" name="连接符: 肘形 33">
-            <a:extLst>
-              <a:ext uri="{FF2B5EF4-FFF2-40B4-BE49-F238E27FC236}">
-                <a16:creationId xmlns:a16="http://schemas.microsoft.com/office/drawing/2014/main" id="{9372EFD2-F1BB-4D74-96A0-DD53779B5CC6}"/>
-              </a:ext>
-            </a:extLst>
-          </p:cNvPr>
-          <p:cNvCxnSpPr>
-            <a:stCxn id="19" idx="3"/>
-            <a:endCxn id="29" idx="1"/>
-          </p:cNvCxnSpPr>
-          <p:nvPr/>
-        </p:nvCxnSpPr>
-        <p:spPr>
-          <a:xfrm>
-            <a:off x="5633338" y="3508575"/>
-            <a:ext cx="2077806" cy="264207"/>
-          </a:xfrm>
-          <a:prstGeom prst="bentConnector3">
-            <a:avLst/>
-          </a:prstGeom>
-          <a:ln>
-            <a:tailEnd type="triangle"/>
-          </a:ln>
-        </p:spPr>
-        <p:style>
-          <a:lnRef idx="1">
-            <a:schemeClr val="dk1"/>
-          </a:lnRef>
-          <a:fillRef idx="0">
-            <a:schemeClr val="dk1"/>
-          </a:fillRef>
-          <a:effectRef idx="0">
-            <a:schemeClr val="dk1"/>
-          </a:effectRef>
-          <a:fontRef idx="minor">
-            <a:schemeClr val="tx1"/>
-          </a:fontRef>
-        </p:style>
-      </p:cxnSp>
-      <p:cxnSp>
-        <p:nvCxnSpPr>
-          <p:cNvPr id="35" name="连接符: 肘形 34">
-            <a:extLst>
-              <a:ext uri="{FF2B5EF4-FFF2-40B4-BE49-F238E27FC236}">
-                <a16:creationId xmlns:a16="http://schemas.microsoft.com/office/drawing/2014/main" id="{8944C631-FB38-497A-92A1-B4D0741A9920}"/>
-              </a:ext>
-            </a:extLst>
-          </p:cNvPr>
-          <p:cNvCxnSpPr>
-            <a:cxnSpLocks/>
-            <a:stCxn id="18" idx="3"/>
-            <a:endCxn id="23" idx="1"/>
-          </p:cNvCxnSpPr>
-          <p:nvPr/>
-        </p:nvCxnSpPr>
-        <p:spPr>
-          <a:xfrm flipV="1">
-            <a:off x="5633338" y="1859590"/>
-            <a:ext cx="2077806" cy="369332"/>
-          </a:xfrm>
-          <a:prstGeom prst="bentConnector3">
-            <a:avLst/>
-          </a:prstGeom>
-          <a:ln>
-            <a:tailEnd type="triangle"/>
-          </a:ln>
-        </p:spPr>
-        <p:style>
-          <a:lnRef idx="1">
-            <a:schemeClr val="dk1"/>
-          </a:lnRef>
-          <a:fillRef idx="0">
-            <a:schemeClr val="dk1"/>
-          </a:fillRef>
-          <a:effectRef idx="0">
-            <a:schemeClr val="dk1"/>
-          </a:effectRef>
-          <a:fontRef idx="minor">
-            <a:schemeClr val="tx1"/>
-          </a:fontRef>
-        </p:style>
-      </p:cxnSp>
-      <p:cxnSp>
-        <p:nvCxnSpPr>
-          <p:cNvPr id="38" name="连接符: 肘形 37">
-            <a:extLst>
-              <a:ext uri="{FF2B5EF4-FFF2-40B4-BE49-F238E27FC236}">
-                <a16:creationId xmlns:a16="http://schemas.microsoft.com/office/drawing/2014/main" id="{850BACFF-C1B5-48E2-B9D4-2B513BD7F671}"/>
-              </a:ext>
-            </a:extLst>
-          </p:cNvPr>
-          <p:cNvCxnSpPr>
-            <a:cxnSpLocks/>
-            <a:stCxn id="18" idx="3"/>
-            <a:endCxn id="24" idx="1"/>
-          </p:cNvCxnSpPr>
-          <p:nvPr/>
-        </p:nvCxnSpPr>
-        <p:spPr>
-          <a:xfrm>
-            <a:off x="5633338" y="2228922"/>
-            <a:ext cx="2077806" cy="184666"/>
-          </a:xfrm>
-          <a:prstGeom prst="bentConnector3">
-            <a:avLst/>
-          </a:prstGeom>
-          <a:ln>
-            <a:tailEnd type="triangle"/>
-          </a:ln>
-        </p:spPr>
-        <p:style>
-          <a:lnRef idx="1">
-            <a:schemeClr val="dk1"/>
-          </a:lnRef>
-          <a:fillRef idx="0">
-            <a:schemeClr val="dk1"/>
-          </a:fillRef>
-          <a:effectRef idx="0">
-            <a:schemeClr val="dk1"/>
-          </a:effectRef>
-          <a:fontRef idx="minor">
-            <a:schemeClr val="tx1"/>
-          </a:fontRef>
-        </p:style>
-      </p:cxnSp>
-      <p:sp>
-        <p:nvSpPr>
-          <p:cNvPr id="41" name="文本框 40">
-            <a:extLst>
-              <a:ext uri="{FF2B5EF4-FFF2-40B4-BE49-F238E27FC236}">
-                <a16:creationId xmlns:a16="http://schemas.microsoft.com/office/drawing/2014/main" id="{C3F5721D-8284-4146-B551-3B709F6419DF}"/>
-              </a:ext>
-            </a:extLst>
-          </p:cNvPr>
-          <p:cNvSpPr txBox="1"/>
-          <p:nvPr/>
-        </p:nvSpPr>
-        <p:spPr>
-          <a:xfrm>
-            <a:off x="7711144" y="4308495"/>
-            <a:ext cx="1128835" cy="369332"/>
-          </a:xfrm>
-          <a:prstGeom prst="rect">
-            <a:avLst/>
-          </a:prstGeom>
-          <a:noFill/>
-        </p:spPr>
-        <p:txBody>
-          <a:bodyPr wrap="none" rtlCol="0">
-            <a:spAutoFit/>
-          </a:bodyPr>
-          <a:lstStyle/>
-          <a:p>
-            <a:r>
-              <a:rPr lang="en-US" altLang="zh-CN" dirty="0"/>
-              <a:t>sync path</a:t>
-            </a:r>
-          </a:p>
-        </p:txBody>
-      </p:sp>
-      <p:sp>
-        <p:nvSpPr>
-          <p:cNvPr id="42" name="文本框 41">
-            <a:extLst>
-              <a:ext uri="{FF2B5EF4-FFF2-40B4-BE49-F238E27FC236}">
-                <a16:creationId xmlns:a16="http://schemas.microsoft.com/office/drawing/2014/main" id="{558A730A-C11B-4306-82E3-F56FD5B0915B}"/>
-              </a:ext>
-            </a:extLst>
-          </p:cNvPr>
-          <p:cNvSpPr txBox="1"/>
-          <p:nvPr/>
-        </p:nvSpPr>
-        <p:spPr>
-          <a:xfrm>
-            <a:off x="7711923" y="4904137"/>
-            <a:ext cx="1515158" cy="369332"/>
-          </a:xfrm>
-          <a:prstGeom prst="rect">
-            <a:avLst/>
-          </a:prstGeom>
-          <a:noFill/>
-        </p:spPr>
-        <p:txBody>
-          <a:bodyPr wrap="none" rtlCol="0">
-            <a:spAutoFit/>
-          </a:bodyPr>
-          <a:lstStyle/>
-          <a:p>
-            <a:r>
-              <a:rPr lang="en-US" altLang="zh-CN" dirty="0"/>
-              <a:t>page </a:t>
-            </a:r>
-            <a:r>
-              <a:rPr lang="en-US" altLang="zh-CN" dirty="0" err="1"/>
-              <a:t>url</a:t>
-            </a:r>
-            <a:r>
-              <a:rPr lang="en-US" altLang="zh-CN" dirty="0"/>
-              <a:t> path</a:t>
-            </a:r>
-          </a:p>
-        </p:txBody>
-      </p:sp>
-      <p:cxnSp>
-        <p:nvCxnSpPr>
-          <p:cNvPr id="56" name="连接符: 肘形 55">
-            <a:extLst>
-              <a:ext uri="{FF2B5EF4-FFF2-40B4-BE49-F238E27FC236}">
-                <a16:creationId xmlns:a16="http://schemas.microsoft.com/office/drawing/2014/main" id="{E57E7055-124E-431F-8532-309E9F04A041}"/>
-              </a:ext>
-            </a:extLst>
-          </p:cNvPr>
-          <p:cNvCxnSpPr>
-            <a:stCxn id="20" idx="3"/>
-            <a:endCxn id="41" idx="1"/>
-          </p:cNvCxnSpPr>
-          <p:nvPr/>
-        </p:nvCxnSpPr>
-        <p:spPr>
-          <a:xfrm flipV="1">
-            <a:off x="5633338" y="4493161"/>
-            <a:ext cx="2077806" cy="295067"/>
-          </a:xfrm>
-          <a:prstGeom prst="bentConnector3">
-            <a:avLst/>
-          </a:prstGeom>
-          <a:ln>
-            <a:tailEnd type="triangle"/>
-          </a:ln>
-        </p:spPr>
-        <p:style>
-          <a:lnRef idx="1">
-            <a:schemeClr val="dk1"/>
-          </a:lnRef>
-          <a:fillRef idx="0">
-            <a:schemeClr val="dk1"/>
-          </a:fillRef>
-          <a:effectRef idx="0">
-            <a:schemeClr val="dk1"/>
-          </a:effectRef>
-          <a:fontRef idx="minor">
-            <a:schemeClr val="tx1"/>
-          </a:fontRef>
-        </p:style>
-      </p:cxnSp>
-      <p:cxnSp>
-        <p:nvCxnSpPr>
-          <p:cNvPr id="58" name="连接符: 肘形 57">
-            <a:extLst>
-              <a:ext uri="{FF2B5EF4-FFF2-40B4-BE49-F238E27FC236}">
-                <a16:creationId xmlns:a16="http://schemas.microsoft.com/office/drawing/2014/main" id="{D70E725C-DC45-4AA2-86D7-F92B7C1BC50E}"/>
-              </a:ext>
-            </a:extLst>
-          </p:cNvPr>
-          <p:cNvCxnSpPr>
-            <a:stCxn id="20" idx="3"/>
-            <a:endCxn id="42" idx="1"/>
-          </p:cNvCxnSpPr>
-          <p:nvPr/>
-        </p:nvCxnSpPr>
-        <p:spPr>
-          <a:xfrm>
-            <a:off x="5633338" y="4788228"/>
-            <a:ext cx="2078585" cy="300575"/>
-          </a:xfrm>
-          <a:prstGeom prst="bentConnector3">
-            <a:avLst/>
-          </a:prstGeom>
-          <a:ln>
-            <a:tailEnd type="triangle"/>
-          </a:ln>
-        </p:spPr>
-        <p:style>
-          <a:lnRef idx="1">
-            <a:schemeClr val="dk1"/>
-          </a:lnRef>
-          <a:fillRef idx="0">
-            <a:schemeClr val="dk1"/>
-          </a:fillRef>
-          <a:effectRef idx="0">
-            <a:schemeClr val="dk1"/>
-          </a:effectRef>
-          <a:fontRef idx="minor">
-            <a:schemeClr val="tx1"/>
-          </a:fontRef>
-        </p:style>
-      </p:cxnSp>
-      <p:sp>
-        <p:nvSpPr>
-          <p:cNvPr id="74" name="对话气泡: 矩形 73">
-            <a:extLst>
-              <a:ext uri="{FF2B5EF4-FFF2-40B4-BE49-F238E27FC236}">
-                <a16:creationId xmlns:a16="http://schemas.microsoft.com/office/drawing/2014/main" id="{A228415A-31D8-48A9-88EB-3B8FA9611759}"/>
-              </a:ext>
-            </a:extLst>
-          </p:cNvPr>
-          <p:cNvSpPr/>
-          <p:nvPr/>
-        </p:nvSpPr>
-        <p:spPr>
-          <a:xfrm>
-            <a:off x="1045515" y="668024"/>
-            <a:ext cx="1652114" cy="1015446"/>
-          </a:xfrm>
-          <a:prstGeom prst="wedgeRectCallout">
-            <a:avLst/>
-          </a:prstGeom>
-        </p:spPr>
-        <p:style>
-          <a:lnRef idx="2">
-            <a:schemeClr val="accent3"/>
-          </a:lnRef>
-          <a:fillRef idx="1">
-            <a:schemeClr val="lt1"/>
-          </a:fillRef>
-          <a:effectRef idx="0">
-            <a:schemeClr val="accent3"/>
-          </a:effectRef>
-          <a:fontRef idx="minor">
-            <a:schemeClr val="dk1"/>
-          </a:fontRef>
-        </p:style>
-        <p:txBody>
-          <a:bodyPr rtlCol="0" anchor="ctr"/>
-          <a:lstStyle/>
-          <a:p>
-            <a:pPr algn="ctr"/>
-            <a:r>
-              <a:rPr lang="en-US" altLang="zh-CN" dirty="0"/>
-              <a:t>Environment</a:t>
-            </a:r>
-            <a:endParaRPr lang="zh-CN" altLang="en-US" dirty="0"/>
-          </a:p>
-        </p:txBody>
-      </p:sp>
-      <p:sp>
-        <p:nvSpPr>
-          <p:cNvPr id="75" name="对话气泡: 矩形 74">
-            <a:extLst>
-              <a:ext uri="{FF2B5EF4-FFF2-40B4-BE49-F238E27FC236}">
-                <a16:creationId xmlns:a16="http://schemas.microsoft.com/office/drawing/2014/main" id="{B14259AD-37E5-47CC-9011-B6D5C5984D84}"/>
-              </a:ext>
-            </a:extLst>
-          </p:cNvPr>
-          <p:cNvSpPr/>
-          <p:nvPr/>
-        </p:nvSpPr>
-        <p:spPr>
-          <a:xfrm>
-            <a:off x="9494371" y="613420"/>
-            <a:ext cx="1652114" cy="1015446"/>
-          </a:xfrm>
-          <a:prstGeom prst="wedgeRectCallout">
-            <a:avLst/>
-          </a:prstGeom>
-        </p:spPr>
-        <p:style>
-          <a:lnRef idx="2">
-            <a:schemeClr val="accent3"/>
-          </a:lnRef>
-          <a:fillRef idx="1">
-            <a:schemeClr val="lt1"/>
-          </a:fillRef>
-          <a:effectRef idx="0">
-            <a:schemeClr val="accent3"/>
-          </a:effectRef>
-          <a:fontRef idx="minor">
-            <a:schemeClr val="dk1"/>
-          </a:fontRef>
-        </p:style>
-        <p:txBody>
-          <a:bodyPr rtlCol="0" anchor="ctr"/>
-          <a:lstStyle/>
-          <a:p>
-            <a:pPr algn="ctr"/>
-            <a:r>
-              <a:rPr lang="en-US" altLang="zh-CN" dirty="0"/>
-              <a:t>Usage</a:t>
-            </a:r>
-            <a:endParaRPr lang="zh-CN" altLang="en-US" dirty="0"/>
-          </a:p>
-        </p:txBody>
-      </p:sp>
+          <p:cNvGraphicFramePr/>
+          <p:nvPr>
+            <p:extLst>
+              <p:ext uri="{D42A27DB-BD31-4B8C-83A1-F6EECF244321}">
+                <p14:modId xmlns:p14="http://schemas.microsoft.com/office/powerpoint/2010/main" val="1708583434"/>
+              </p:ext>
+            </p:extLst>
+          </p:nvPr>
+        </p:nvGraphicFramePr>
+        <p:xfrm>
+          <a:off x="1553577" y="1380530"/>
+          <a:ext cx="8128000" cy="5418667"/>
+        </p:xfrm>
+        <a:graphic>
+          <a:graphicData uri="http://schemas.openxmlformats.org/drawingml/2006/diagram">
+            <dgm:relIds xmlns:dgm="http://schemas.openxmlformats.org/drawingml/2006/diagram" xmlns:r="http://schemas.openxmlformats.org/officeDocument/2006/relationships" r:dm="rId2" r:lo="rId3" r:qs="rId4" r:cs="rId5"/>
+          </a:graphicData>
+        </a:graphic>
+      </p:graphicFrame>
     </p:spTree>
     <p:extLst>
       <p:ext uri="{BB962C8B-B14F-4D97-AF65-F5344CB8AC3E}">

--- a/ppt/deploy-frontend-code.pptx
+++ b/ppt/deploy-frontend-code.pptx
@@ -33402,7 +33402,7 @@
           <a:p>
             <a:fld id="{E2C0358F-1E84-49E8-B21C-8C0A3A5C5B79}" type="datetimeFigureOut">
               <a:rPr lang="zh-CN" altLang="en-US" smtClean="0"/>
-              <a:t>2017/11/14</a:t>
+              <a:t>2017/11/16</a:t>
             </a:fld>
             <a:endParaRPr lang="zh-CN" altLang="en-US"/>
           </a:p>
@@ -33984,7 +33984,7 @@
           <a:p>
             <a:fld id="{447F3282-5A5E-4735-A17A-39D77A40030C}" type="datetimeFigureOut">
               <a:rPr lang="zh-CN" altLang="en-US" smtClean="0"/>
-              <a:t>2017/11/14</a:t>
+              <a:t>2017/11/16</a:t>
             </a:fld>
             <a:endParaRPr lang="zh-CN" altLang="en-US"/>
           </a:p>
@@ -34182,7 +34182,7 @@
           <a:p>
             <a:fld id="{447F3282-5A5E-4735-A17A-39D77A40030C}" type="datetimeFigureOut">
               <a:rPr lang="zh-CN" altLang="en-US" smtClean="0"/>
-              <a:t>2017/11/14</a:t>
+              <a:t>2017/11/16</a:t>
             </a:fld>
             <a:endParaRPr lang="zh-CN" altLang="en-US"/>
           </a:p>
@@ -34390,7 +34390,7 @@
           <a:p>
             <a:fld id="{447F3282-5A5E-4735-A17A-39D77A40030C}" type="datetimeFigureOut">
               <a:rPr lang="zh-CN" altLang="en-US" smtClean="0"/>
-              <a:t>2017/11/14</a:t>
+              <a:t>2017/11/16</a:t>
             </a:fld>
             <a:endParaRPr lang="zh-CN" altLang="en-US"/>
           </a:p>
@@ -34588,7 +34588,7 @@
           <a:p>
             <a:fld id="{447F3282-5A5E-4735-A17A-39D77A40030C}" type="datetimeFigureOut">
               <a:rPr lang="zh-CN" altLang="en-US" smtClean="0"/>
-              <a:t>2017/11/14</a:t>
+              <a:t>2017/11/16</a:t>
             </a:fld>
             <a:endParaRPr lang="zh-CN" altLang="en-US"/>
           </a:p>
@@ -34863,7 +34863,7 @@
           <a:p>
             <a:fld id="{447F3282-5A5E-4735-A17A-39D77A40030C}" type="datetimeFigureOut">
               <a:rPr lang="zh-CN" altLang="en-US" smtClean="0"/>
-              <a:t>2017/11/14</a:t>
+              <a:t>2017/11/16</a:t>
             </a:fld>
             <a:endParaRPr lang="zh-CN" altLang="en-US"/>
           </a:p>
@@ -35128,7 +35128,7 @@
           <a:p>
             <a:fld id="{447F3282-5A5E-4735-A17A-39D77A40030C}" type="datetimeFigureOut">
               <a:rPr lang="zh-CN" altLang="en-US" smtClean="0"/>
-              <a:t>2017/11/14</a:t>
+              <a:t>2017/11/16</a:t>
             </a:fld>
             <a:endParaRPr lang="zh-CN" altLang="en-US"/>
           </a:p>
@@ -35540,7 +35540,7 @@
           <a:p>
             <a:fld id="{447F3282-5A5E-4735-A17A-39D77A40030C}" type="datetimeFigureOut">
               <a:rPr lang="zh-CN" altLang="en-US" smtClean="0"/>
-              <a:t>2017/11/14</a:t>
+              <a:t>2017/11/16</a:t>
             </a:fld>
             <a:endParaRPr lang="zh-CN" altLang="en-US"/>
           </a:p>
@@ -35681,7 +35681,7 @@
           <a:p>
             <a:fld id="{447F3282-5A5E-4735-A17A-39D77A40030C}" type="datetimeFigureOut">
               <a:rPr lang="zh-CN" altLang="en-US" smtClean="0"/>
-              <a:t>2017/11/14</a:t>
+              <a:t>2017/11/16</a:t>
             </a:fld>
             <a:endParaRPr lang="zh-CN" altLang="en-US"/>
           </a:p>
@@ -35794,7 +35794,7 @@
           <a:p>
             <a:fld id="{447F3282-5A5E-4735-A17A-39D77A40030C}" type="datetimeFigureOut">
               <a:rPr lang="zh-CN" altLang="en-US" smtClean="0"/>
-              <a:t>2017/11/14</a:t>
+              <a:t>2017/11/16</a:t>
             </a:fld>
             <a:endParaRPr lang="zh-CN" altLang="en-US"/>
           </a:p>
@@ -36105,7 +36105,7 @@
           <a:p>
             <a:fld id="{447F3282-5A5E-4735-A17A-39D77A40030C}" type="datetimeFigureOut">
               <a:rPr lang="zh-CN" altLang="en-US" smtClean="0"/>
-              <a:t>2017/11/14</a:t>
+              <a:t>2017/11/16</a:t>
             </a:fld>
             <a:endParaRPr lang="zh-CN" altLang="en-US"/>
           </a:p>
@@ -36393,7 +36393,7 @@
           <a:p>
             <a:fld id="{447F3282-5A5E-4735-A17A-39D77A40030C}" type="datetimeFigureOut">
               <a:rPr lang="zh-CN" altLang="en-US" smtClean="0"/>
-              <a:t>2017/11/14</a:t>
+              <a:t>2017/11/16</a:t>
             </a:fld>
             <a:endParaRPr lang="zh-CN" altLang="en-US"/>
           </a:p>
@@ -36634,7 +36634,7 @@
           <a:p>
             <a:fld id="{447F3282-5A5E-4735-A17A-39D77A40030C}" type="datetimeFigureOut">
               <a:rPr lang="zh-CN" altLang="en-US" smtClean="0"/>
-              <a:t>2017/11/14</a:t>
+              <a:t>2017/11/16</a:t>
             </a:fld>
             <a:endParaRPr lang="zh-CN" altLang="en-US"/>
           </a:p>
@@ -39970,7 +39970,7 @@
                                     </p:set>
                                     <p:animEffect transition="in" filter="fade">
                                       <p:cBhvr>
-                                        <p:cTn id="7" dur="1000"/>
+                                        <p:cTn id="7" dur="2000"/>
                                         <p:tgtEl>
                                           <p:spTgt spid="10"/>
                                         </p:tgtEl>
@@ -39978,7 +39978,7 @@
                                     </p:animEffect>
                                     <p:anim calcmode="lin" valueType="num">
                                       <p:cBhvr>
-                                        <p:cTn id="8" dur="1000" fill="hold"/>
+                                        <p:cTn id="8" dur="2000" fill="hold"/>
                                         <p:tgtEl>
                                           <p:spTgt spid="10"/>
                                         </p:tgtEl>
@@ -40001,7 +40001,7 @@
                                     </p:anim>
                                     <p:anim calcmode="lin" valueType="num">
                                       <p:cBhvr>
-                                        <p:cTn id="9" dur="1000" fill="hold"/>
+                                        <p:cTn id="9" dur="2000" fill="hold"/>
                                         <p:tgtEl>
                                           <p:spTgt spid="10"/>
                                         </p:tgtEl>
@@ -40028,30 +40028,21 @@
                             </p:childTnLst>
                           </p:cTn>
                         </p:par>
-                      </p:childTnLst>
-                    </p:cTn>
-                  </p:par>
-                  <p:par>
-                    <p:cTn id="10" fill="hold">
-                      <p:stCondLst>
-                        <p:cond delay="indefinite"/>
-                      </p:stCondLst>
-                      <p:childTnLst>
                         <p:par>
-                          <p:cTn id="11" fill="hold">
+                          <p:cTn id="10" fill="hold">
                             <p:stCondLst>
-                              <p:cond delay="0"/>
+                              <p:cond delay="2000"/>
                             </p:stCondLst>
                             <p:childTnLst>
                               <p:par>
-                                <p:cTn id="12" presetID="2" presetClass="entr" presetSubtype="4" fill="hold" nodeType="clickEffect">
+                                <p:cTn id="11" presetID="2" presetClass="entr" presetSubtype="4" fill="hold" nodeType="afterEffect">
                                   <p:stCondLst>
                                     <p:cond delay="0"/>
                                   </p:stCondLst>
                                   <p:childTnLst>
                                     <p:set>
                                       <p:cBhvr>
-                                        <p:cTn id="13" dur="1" fill="hold">
+                                        <p:cTn id="12" dur="1" fill="hold">
                                           <p:stCondLst>
                                             <p:cond delay="0"/>
                                           </p:stCondLst>
@@ -40069,7 +40060,7 @@
                                     </p:set>
                                     <p:anim calcmode="lin" valueType="num">
                                       <p:cBhvr additive="base">
-                                        <p:cTn id="14" dur="500" fill="hold"/>
+                                        <p:cTn id="13" dur="1000" fill="hold"/>
                                         <p:tgtEl>
                                           <p:spTgt spid="6"/>
                                         </p:tgtEl>
@@ -40092,7 +40083,7 @@
                                     </p:anim>
                                     <p:anim calcmode="lin" valueType="num">
                                       <p:cBhvr additive="base">
-                                        <p:cTn id="15" dur="500" fill="hold"/>
+                                        <p:cTn id="14" dur="1000" fill="hold"/>
                                         <p:tgtEl>
                                           <p:spTgt spid="6"/>
                                         </p:tgtEl>
@@ -40119,30 +40110,21 @@
                             </p:childTnLst>
                           </p:cTn>
                         </p:par>
-                      </p:childTnLst>
-                    </p:cTn>
-                  </p:par>
-                  <p:par>
-                    <p:cTn id="16" fill="hold">
-                      <p:stCondLst>
-                        <p:cond delay="indefinite"/>
-                      </p:stCondLst>
-                      <p:childTnLst>
                         <p:par>
-                          <p:cTn id="17" fill="hold">
+                          <p:cTn id="15" fill="hold">
                             <p:stCondLst>
-                              <p:cond delay="0"/>
+                              <p:cond delay="3000"/>
                             </p:stCondLst>
                             <p:childTnLst>
                               <p:par>
-                                <p:cTn id="18" presetID="10" presetClass="entr" presetSubtype="0" fill="hold" grpId="0" nodeType="clickEffect">
+                                <p:cTn id="16" presetID="10" presetClass="entr" presetSubtype="0" fill="hold" grpId="0" nodeType="afterEffect">
                                   <p:stCondLst>
                                     <p:cond delay="0"/>
                                   </p:stCondLst>
                                   <p:childTnLst>
                                     <p:set>
                                       <p:cBhvr>
-                                        <p:cTn id="19" dur="1" fill="hold">
+                                        <p:cTn id="17" dur="1" fill="hold">
                                           <p:stCondLst>
                                             <p:cond delay="0"/>
                                           </p:stCondLst>
@@ -40160,7 +40142,7 @@
                                     </p:set>
                                     <p:animEffect transition="in" filter="fade">
                                       <p:cBhvr>
-                                        <p:cTn id="20" dur="500"/>
+                                        <p:cTn id="18" dur="1000"/>
                                         <p:tgtEl>
                                           <p:spTgt spid="31"/>
                                         </p:tgtEl>
@@ -40172,30 +40154,21 @@
                             </p:childTnLst>
                           </p:cTn>
                         </p:par>
-                      </p:childTnLst>
-                    </p:cTn>
-                  </p:par>
-                  <p:par>
-                    <p:cTn id="21" fill="hold">
-                      <p:stCondLst>
-                        <p:cond delay="indefinite"/>
-                      </p:stCondLst>
-                      <p:childTnLst>
                         <p:par>
-                          <p:cTn id="22" fill="hold">
+                          <p:cTn id="19" fill="hold">
                             <p:stCondLst>
-                              <p:cond delay="0"/>
+                              <p:cond delay="4000"/>
                             </p:stCondLst>
                             <p:childTnLst>
                               <p:par>
-                                <p:cTn id="23" presetID="10" presetClass="entr" presetSubtype="0" fill="hold" grpId="0" nodeType="clickEffect">
+                                <p:cTn id="20" presetID="10" presetClass="entr" presetSubtype="0" fill="hold" grpId="0" nodeType="afterEffect">
                                   <p:stCondLst>
                                     <p:cond delay="0"/>
                                   </p:stCondLst>
                                   <p:childTnLst>
                                     <p:set>
                                       <p:cBhvr>
-                                        <p:cTn id="24" dur="1" fill="hold">
+                                        <p:cTn id="21" dur="1" fill="hold">
                                           <p:stCondLst>
                                             <p:cond delay="0"/>
                                           </p:stCondLst>
@@ -40213,7 +40186,7 @@
                                     </p:set>
                                     <p:animEffect transition="in" filter="fade">
                                       <p:cBhvr>
-                                        <p:cTn id="25" dur="500"/>
+                                        <p:cTn id="22" dur="1000"/>
                                         <p:tgtEl>
                                           <p:spTgt spid="32"/>
                                         </p:tgtEl>
@@ -40225,30 +40198,21 @@
                             </p:childTnLst>
                           </p:cTn>
                         </p:par>
-                      </p:childTnLst>
-                    </p:cTn>
-                  </p:par>
-                  <p:par>
-                    <p:cTn id="26" fill="hold">
-                      <p:stCondLst>
-                        <p:cond delay="indefinite"/>
-                      </p:stCondLst>
-                      <p:childTnLst>
                         <p:par>
-                          <p:cTn id="27" fill="hold">
+                          <p:cTn id="23" fill="hold">
                             <p:stCondLst>
-                              <p:cond delay="0"/>
+                              <p:cond delay="5000"/>
                             </p:stCondLst>
                             <p:childTnLst>
                               <p:par>
-                                <p:cTn id="28" presetID="10" presetClass="entr" presetSubtype="0" fill="hold" grpId="0" nodeType="clickEffect">
+                                <p:cTn id="24" presetID="10" presetClass="entr" presetSubtype="0" fill="hold" grpId="0" nodeType="afterEffect">
                                   <p:stCondLst>
                                     <p:cond delay="0"/>
                                   </p:stCondLst>
                                   <p:childTnLst>
                                     <p:set>
                                       <p:cBhvr>
-                                        <p:cTn id="29" dur="1" fill="hold">
+                                        <p:cTn id="25" dur="1" fill="hold">
                                           <p:stCondLst>
                                             <p:cond delay="0"/>
                                           </p:stCondLst>
@@ -40266,7 +40230,7 @@
                                     </p:set>
                                     <p:animEffect transition="in" filter="fade">
                                       <p:cBhvr>
-                                        <p:cTn id="30" dur="500"/>
+                                        <p:cTn id="26" dur="1000"/>
                                         <p:tgtEl>
                                           <p:spTgt spid="33"/>
                                         </p:tgtEl>
@@ -40278,30 +40242,21 @@
                             </p:childTnLst>
                           </p:cTn>
                         </p:par>
-                      </p:childTnLst>
-                    </p:cTn>
-                  </p:par>
-                  <p:par>
-                    <p:cTn id="31" fill="hold">
-                      <p:stCondLst>
-                        <p:cond delay="indefinite"/>
-                      </p:stCondLst>
-                      <p:childTnLst>
                         <p:par>
-                          <p:cTn id="32" fill="hold">
+                          <p:cTn id="27" fill="hold">
                             <p:stCondLst>
-                              <p:cond delay="0"/>
+                              <p:cond delay="6000"/>
                             </p:stCondLst>
                             <p:childTnLst>
                               <p:par>
-                                <p:cTn id="33" presetID="10" presetClass="entr" presetSubtype="0" fill="hold" grpId="0" nodeType="clickEffect">
+                                <p:cTn id="28" presetID="10" presetClass="entr" presetSubtype="0" fill="hold" grpId="0" nodeType="afterEffect">
                                   <p:stCondLst>
                                     <p:cond delay="0"/>
                                   </p:stCondLst>
                                   <p:childTnLst>
                                     <p:set>
                                       <p:cBhvr>
-                                        <p:cTn id="34" dur="1" fill="hold">
+                                        <p:cTn id="29" dur="1" fill="hold">
                                           <p:stCondLst>
                                             <p:cond delay="0"/>
                                           </p:stCondLst>
@@ -40319,7 +40274,7 @@
                                     </p:set>
                                     <p:animEffect transition="in" filter="fade">
                                       <p:cBhvr>
-                                        <p:cTn id="35" dur="500"/>
+                                        <p:cTn id="30" dur="1000"/>
                                         <p:tgtEl>
                                           <p:spTgt spid="34"/>
                                         </p:tgtEl>
@@ -40331,30 +40286,21 @@
                             </p:childTnLst>
                           </p:cTn>
                         </p:par>
-                      </p:childTnLst>
-                    </p:cTn>
-                  </p:par>
-                  <p:par>
-                    <p:cTn id="36" fill="hold">
-                      <p:stCondLst>
-                        <p:cond delay="indefinite"/>
-                      </p:stCondLst>
-                      <p:childTnLst>
                         <p:par>
-                          <p:cTn id="37" fill="hold">
+                          <p:cTn id="31" fill="hold">
                             <p:stCondLst>
-                              <p:cond delay="0"/>
+                              <p:cond delay="7000"/>
                             </p:stCondLst>
                             <p:childTnLst>
                               <p:par>
-                                <p:cTn id="38" presetID="10" presetClass="entr" presetSubtype="0" fill="hold" grpId="0" nodeType="clickEffect">
+                                <p:cTn id="32" presetID="10" presetClass="entr" presetSubtype="0" fill="hold" grpId="0" nodeType="afterEffect">
                                   <p:stCondLst>
                                     <p:cond delay="0"/>
                                   </p:stCondLst>
                                   <p:childTnLst>
                                     <p:set>
                                       <p:cBhvr>
-                                        <p:cTn id="39" dur="1" fill="hold">
+                                        <p:cTn id="33" dur="1" fill="hold">
                                           <p:stCondLst>
                                             <p:cond delay="0"/>
                                           </p:stCondLst>
@@ -40372,7 +40318,7 @@
                                     </p:set>
                                     <p:animEffect transition="in" filter="fade">
                                       <p:cBhvr>
-                                        <p:cTn id="40" dur="500"/>
+                                        <p:cTn id="34" dur="1000"/>
                                         <p:tgtEl>
                                           <p:spTgt spid="70"/>
                                         </p:tgtEl>
@@ -40384,30 +40330,21 @@
                             </p:childTnLst>
                           </p:cTn>
                         </p:par>
-                      </p:childTnLst>
-                    </p:cTn>
-                  </p:par>
-                  <p:par>
-                    <p:cTn id="41" fill="hold">
-                      <p:stCondLst>
-                        <p:cond delay="indefinite"/>
-                      </p:stCondLst>
-                      <p:childTnLst>
                         <p:par>
-                          <p:cTn id="42" fill="hold">
+                          <p:cTn id="35" fill="hold">
                             <p:stCondLst>
-                              <p:cond delay="0"/>
+                              <p:cond delay="8000"/>
                             </p:stCondLst>
                             <p:childTnLst>
                               <p:par>
-                                <p:cTn id="43" presetID="22" presetClass="entr" presetSubtype="4" fill="hold" nodeType="clickEffect">
+                                <p:cTn id="36" presetID="22" presetClass="entr" presetSubtype="4" fill="hold" nodeType="afterEffect">
                                   <p:stCondLst>
                                     <p:cond delay="0"/>
                                   </p:stCondLst>
                                   <p:childTnLst>
                                     <p:set>
                                       <p:cBhvr>
-                                        <p:cTn id="44" dur="1" fill="hold">
+                                        <p:cTn id="37" dur="1" fill="hold">
                                           <p:stCondLst>
                                             <p:cond delay="0"/>
                                           </p:stCondLst>
@@ -40425,7 +40362,7 @@
                                     </p:set>
                                     <p:animEffect transition="in" filter="wipe(down)">
                                       <p:cBhvr>
-                                        <p:cTn id="45" dur="500"/>
+                                        <p:cTn id="38" dur="1000"/>
                                         <p:tgtEl>
                                           <p:spTgt spid="36"/>
                                         </p:tgtEl>
@@ -40437,30 +40374,21 @@
                             </p:childTnLst>
                           </p:cTn>
                         </p:par>
-                      </p:childTnLst>
-                    </p:cTn>
-                  </p:par>
-                  <p:par>
-                    <p:cTn id="46" fill="hold">
-                      <p:stCondLst>
-                        <p:cond delay="indefinite"/>
-                      </p:stCondLst>
-                      <p:childTnLst>
                         <p:par>
-                          <p:cTn id="47" fill="hold">
+                          <p:cTn id="39" fill="hold">
                             <p:stCondLst>
-                              <p:cond delay="0"/>
+                              <p:cond delay="9000"/>
                             </p:stCondLst>
                             <p:childTnLst>
                               <p:par>
-                                <p:cTn id="48" presetID="10" presetClass="entr" presetSubtype="0" fill="hold" grpId="0" nodeType="clickEffect">
+                                <p:cTn id="40" presetID="10" presetClass="entr" presetSubtype="0" fill="hold" grpId="0" nodeType="afterEffect">
                                   <p:stCondLst>
                                     <p:cond delay="0"/>
                                   </p:stCondLst>
                                   <p:childTnLst>
                                     <p:set>
                                       <p:cBhvr>
-                                        <p:cTn id="49" dur="1" fill="hold">
+                                        <p:cTn id="41" dur="1" fill="hold">
                                           <p:stCondLst>
                                             <p:cond delay="0"/>
                                           </p:stCondLst>
@@ -40478,7 +40406,7 @@
                                     </p:set>
                                     <p:animEffect transition="in" filter="fade">
                                       <p:cBhvr>
-                                        <p:cTn id="50" dur="500"/>
+                                        <p:cTn id="42" dur="1000"/>
                                         <p:tgtEl>
                                           <p:spTgt spid="69"/>
                                         </p:tgtEl>
@@ -40490,30 +40418,21 @@
                             </p:childTnLst>
                           </p:cTn>
                         </p:par>
-                      </p:childTnLst>
-                    </p:cTn>
-                  </p:par>
-                  <p:par>
-                    <p:cTn id="51" fill="hold">
-                      <p:stCondLst>
-                        <p:cond delay="indefinite"/>
-                      </p:stCondLst>
-                      <p:childTnLst>
                         <p:par>
-                          <p:cTn id="52" fill="hold">
+                          <p:cTn id="43" fill="hold">
                             <p:stCondLst>
-                              <p:cond delay="0"/>
+                              <p:cond delay="10000"/>
                             </p:stCondLst>
                             <p:childTnLst>
                               <p:par>
-                                <p:cTn id="53" presetID="22" presetClass="entr" presetSubtype="8" fill="hold" nodeType="clickEffect">
+                                <p:cTn id="44" presetID="22" presetClass="entr" presetSubtype="8" fill="hold" nodeType="afterEffect">
                                   <p:stCondLst>
                                     <p:cond delay="0"/>
                                   </p:stCondLst>
                                   <p:childTnLst>
                                     <p:set>
                                       <p:cBhvr>
-                                        <p:cTn id="54" dur="1" fill="hold">
+                                        <p:cTn id="45" dur="1" fill="hold">
                                           <p:stCondLst>
                                             <p:cond delay="0"/>
                                           </p:stCondLst>
@@ -40531,7 +40450,7 @@
                                     </p:set>
                                     <p:animEffect transition="in" filter="wipe(left)">
                                       <p:cBhvr>
-                                        <p:cTn id="55" dur="500"/>
+                                        <p:cTn id="46" dur="1000"/>
                                         <p:tgtEl>
                                           <p:spTgt spid="74"/>
                                         </p:tgtEl>
@@ -40543,83 +40462,21 @@
                             </p:childTnLst>
                           </p:cTn>
                         </p:par>
-                      </p:childTnLst>
-                    </p:cTn>
-                  </p:par>
-                  <p:par>
-                    <p:cTn id="56" fill="hold">
-                      <p:stCondLst>
-                        <p:cond delay="indefinite"/>
-                      </p:stCondLst>
-                      <p:childTnLst>
                         <p:par>
-                          <p:cTn id="57" fill="hold">
+                          <p:cTn id="47" fill="hold">
                             <p:stCondLst>
-                              <p:cond delay="0"/>
+                              <p:cond delay="11000"/>
                             </p:stCondLst>
                             <p:childTnLst>
                               <p:par>
-                                <p:cTn id="58" presetID="10" presetClass="entr" presetSubtype="0" fill="hold" nodeType="clickEffect">
+                                <p:cTn id="48" presetID="22" presetClass="entr" presetSubtype="1" fill="hold" nodeType="afterEffect">
                                   <p:stCondLst>
                                     <p:cond delay="0"/>
                                   </p:stCondLst>
                                   <p:childTnLst>
                                     <p:set>
                                       <p:cBhvr>
-                                        <p:cTn id="59" dur="1" fill="hold">
-                                          <p:stCondLst>
-                                            <p:cond delay="0"/>
-                                          </p:stCondLst>
-                                        </p:cTn>
-                                        <p:tgtEl>
-                                          <p:spTgt spid="90"/>
-                                        </p:tgtEl>
-                                        <p:attrNameLst>
-                                          <p:attrName>style.visibility</p:attrName>
-                                        </p:attrNameLst>
-                                      </p:cBhvr>
-                                      <p:to>
-                                        <p:strVal val="visible"/>
-                                      </p:to>
-                                    </p:set>
-                                    <p:animEffect transition="in" filter="fade">
-                                      <p:cBhvr>
-                                        <p:cTn id="60" dur="500"/>
-                                        <p:tgtEl>
-                                          <p:spTgt spid="90"/>
-                                        </p:tgtEl>
-                                      </p:cBhvr>
-                                    </p:animEffect>
-                                  </p:childTnLst>
-                                </p:cTn>
-                              </p:par>
-                            </p:childTnLst>
-                          </p:cTn>
-                        </p:par>
-                      </p:childTnLst>
-                    </p:cTn>
-                  </p:par>
-                  <p:par>
-                    <p:cTn id="61" fill="hold">
-                      <p:stCondLst>
-                        <p:cond delay="indefinite"/>
-                      </p:stCondLst>
-                      <p:childTnLst>
-                        <p:par>
-                          <p:cTn id="62" fill="hold">
-                            <p:stCondLst>
-                              <p:cond delay="0"/>
-                            </p:stCondLst>
-                            <p:childTnLst>
-                              <p:par>
-                                <p:cTn id="63" presetID="22" presetClass="entr" presetSubtype="8" fill="hold" nodeType="clickEffect">
-                                  <p:stCondLst>
-                                    <p:cond delay="0"/>
-                                  </p:stCondLst>
-                                  <p:childTnLst>
-                                    <p:set>
-                                      <p:cBhvr>
-                                        <p:cTn id="64" dur="1" fill="hold">
+                                        <p:cTn id="49" dur="1" fill="hold">
                                           <p:stCondLst>
                                             <p:cond delay="0"/>
                                           </p:stCondLst>
@@ -40635,9 +40492,9 @@
                                         <p:strVal val="visible"/>
                                       </p:to>
                                     </p:set>
-                                    <p:animEffect transition="in" filter="wipe(left)">
+                                    <p:animEffect transition="in" filter="wipe(up)">
                                       <p:cBhvr>
-                                        <p:cTn id="65" dur="500"/>
+                                        <p:cTn id="50" dur="1000"/>
                                         <p:tgtEl>
                                           <p:spTgt spid="38"/>
                                         </p:tgtEl>
@@ -40649,30 +40506,21 @@
                             </p:childTnLst>
                           </p:cTn>
                         </p:par>
-                      </p:childTnLst>
-                    </p:cTn>
-                  </p:par>
-                  <p:par>
-                    <p:cTn id="66" fill="hold">
-                      <p:stCondLst>
-                        <p:cond delay="indefinite"/>
-                      </p:stCondLst>
-                      <p:childTnLst>
                         <p:par>
-                          <p:cTn id="67" fill="hold">
+                          <p:cTn id="51" fill="hold">
                             <p:stCondLst>
-                              <p:cond delay="0"/>
+                              <p:cond delay="12000"/>
                             </p:stCondLst>
                             <p:childTnLst>
                               <p:par>
-                                <p:cTn id="68" presetID="10" presetClass="entr" presetSubtype="0" fill="hold" grpId="0" nodeType="clickEffect">
+                                <p:cTn id="52" presetID="10" presetClass="entr" presetSubtype="0" fill="hold" grpId="0" nodeType="afterEffect">
                                   <p:stCondLst>
                                     <p:cond delay="0"/>
                                   </p:stCondLst>
                                   <p:childTnLst>
                                     <p:set>
                                       <p:cBhvr>
-                                        <p:cTn id="69" dur="1" fill="hold">
+                                        <p:cTn id="53" dur="1" fill="hold">
                                           <p:stCondLst>
                                             <p:cond delay="0"/>
                                           </p:stCondLst>
@@ -40690,7 +40538,7 @@
                                     </p:set>
                                     <p:animEffect transition="in" filter="fade">
                                       <p:cBhvr>
-                                        <p:cTn id="70" dur="500"/>
+                                        <p:cTn id="54" dur="1000"/>
                                         <p:tgtEl>
                                           <p:spTgt spid="91"/>
                                         </p:tgtEl>
@@ -40702,30 +40550,21 @@
                             </p:childTnLst>
                           </p:cTn>
                         </p:par>
-                      </p:childTnLst>
-                    </p:cTn>
-                  </p:par>
-                  <p:par>
-                    <p:cTn id="71" fill="hold">
-                      <p:stCondLst>
-                        <p:cond delay="indefinite"/>
-                      </p:stCondLst>
-                      <p:childTnLst>
                         <p:par>
-                          <p:cTn id="72" fill="hold">
+                          <p:cTn id="55" fill="hold">
                             <p:stCondLst>
-                              <p:cond delay="0"/>
+                              <p:cond delay="13000"/>
                             </p:stCondLst>
                             <p:childTnLst>
                               <p:par>
-                                <p:cTn id="73" presetID="22" presetClass="entr" presetSubtype="8" fill="hold" nodeType="clickEffect">
+                                <p:cTn id="56" presetID="22" presetClass="entr" presetSubtype="8" fill="hold" nodeType="afterEffect">
                                   <p:stCondLst>
                                     <p:cond delay="0"/>
                                   </p:stCondLst>
                                   <p:childTnLst>
                                     <p:set>
                                       <p:cBhvr>
-                                        <p:cTn id="74" dur="1" fill="hold">
+                                        <p:cTn id="57" dur="1" fill="hold">
                                           <p:stCondLst>
                                             <p:cond delay="0"/>
                                           </p:stCondLst>
@@ -40743,7 +40582,7 @@
                                     </p:set>
                                     <p:animEffect transition="in" filter="wipe(left)">
                                       <p:cBhvr>
-                                        <p:cTn id="75" dur="500"/>
+                                        <p:cTn id="58" dur="1000"/>
                                         <p:tgtEl>
                                           <p:spTgt spid="94"/>
                                         </p:tgtEl>
@@ -40755,83 +40594,21 @@
                             </p:childTnLst>
                           </p:cTn>
                         </p:par>
-                      </p:childTnLst>
-                    </p:cTn>
-                  </p:par>
-                  <p:par>
-                    <p:cTn id="76" fill="hold">
-                      <p:stCondLst>
-                        <p:cond delay="indefinite"/>
-                      </p:stCondLst>
-                      <p:childTnLst>
                         <p:par>
-                          <p:cTn id="77" fill="hold">
+                          <p:cTn id="59" fill="hold">
                             <p:stCondLst>
-                              <p:cond delay="0"/>
+                              <p:cond delay="14000"/>
                             </p:stCondLst>
                             <p:childTnLst>
                               <p:par>
-                                <p:cTn id="78" presetID="10" presetClass="entr" presetSubtype="0" fill="hold" nodeType="clickEffect">
+                                <p:cTn id="60" presetID="22" presetClass="entr" presetSubtype="1" fill="hold" nodeType="afterEffect">
                                   <p:stCondLst>
-                                    <p:cond delay="0"/>
+                                    <p:cond delay="1000"/>
                                   </p:stCondLst>
                                   <p:childTnLst>
                                     <p:set>
                                       <p:cBhvr>
-                                        <p:cTn id="79" dur="1" fill="hold">
-                                          <p:stCondLst>
-                                            <p:cond delay="0"/>
-                                          </p:stCondLst>
-                                        </p:cTn>
-                                        <p:tgtEl>
-                                          <p:spTgt spid="100"/>
-                                        </p:tgtEl>
-                                        <p:attrNameLst>
-                                          <p:attrName>style.visibility</p:attrName>
-                                        </p:attrNameLst>
-                                      </p:cBhvr>
-                                      <p:to>
-                                        <p:strVal val="visible"/>
-                                      </p:to>
-                                    </p:set>
-                                    <p:animEffect transition="in" filter="fade">
-                                      <p:cBhvr>
-                                        <p:cTn id="80" dur="500"/>
-                                        <p:tgtEl>
-                                          <p:spTgt spid="100"/>
-                                        </p:tgtEl>
-                                      </p:cBhvr>
-                                    </p:animEffect>
-                                  </p:childTnLst>
-                                </p:cTn>
-                              </p:par>
-                            </p:childTnLst>
-                          </p:cTn>
-                        </p:par>
-                      </p:childTnLst>
-                    </p:cTn>
-                  </p:par>
-                  <p:par>
-                    <p:cTn id="81" fill="hold">
-                      <p:stCondLst>
-                        <p:cond delay="indefinite"/>
-                      </p:stCondLst>
-                      <p:childTnLst>
-                        <p:par>
-                          <p:cTn id="82" fill="hold">
-                            <p:stCondLst>
-                              <p:cond delay="0"/>
-                            </p:stCondLst>
-                            <p:childTnLst>
-                              <p:par>
-                                <p:cTn id="83" presetID="22" presetClass="entr" presetSubtype="8" fill="hold" nodeType="clickEffect">
-                                  <p:stCondLst>
-                                    <p:cond delay="0"/>
-                                  </p:stCondLst>
-                                  <p:childTnLst>
-                                    <p:set>
-                                      <p:cBhvr>
-                                        <p:cTn id="84" dur="1" fill="hold">
+                                        <p:cTn id="61" dur="1" fill="hold">
                                           <p:stCondLst>
                                             <p:cond delay="0"/>
                                           </p:stCondLst>
@@ -40847,9 +40624,9 @@
                                         <p:strVal val="visible"/>
                                       </p:to>
                                     </p:set>
-                                    <p:animEffect transition="in" filter="wipe(left)">
+                                    <p:animEffect transition="in" filter="wipe(up)">
                                       <p:cBhvr>
-                                        <p:cTn id="85" dur="500"/>
+                                        <p:cTn id="62" dur="1000"/>
                                         <p:tgtEl>
                                           <p:spTgt spid="40"/>
                                         </p:tgtEl>
@@ -40861,83 +40638,21 @@
                             </p:childTnLst>
                           </p:cTn>
                         </p:par>
-                      </p:childTnLst>
-                    </p:cTn>
-                  </p:par>
-                  <p:par>
-                    <p:cTn id="86" fill="hold">
-                      <p:stCondLst>
-                        <p:cond delay="indefinite"/>
-                      </p:stCondLst>
-                      <p:childTnLst>
                         <p:par>
-                          <p:cTn id="87" fill="hold">
+                          <p:cTn id="63" fill="hold">
                             <p:stCondLst>
-                              <p:cond delay="0"/>
+                              <p:cond delay="16000"/>
                             </p:stCondLst>
                             <p:childTnLst>
                               <p:par>
-                                <p:cTn id="88" presetID="10" presetClass="entr" presetSubtype="0" fill="hold" nodeType="clickEffect">
+                                <p:cTn id="64" presetID="22" presetClass="entr" presetSubtype="1" fill="hold" nodeType="afterEffect">
                                   <p:stCondLst>
-                                    <p:cond delay="0"/>
+                                    <p:cond delay="1000"/>
                                   </p:stCondLst>
                                   <p:childTnLst>
                                     <p:set>
                                       <p:cBhvr>
-                                        <p:cTn id="89" dur="1" fill="hold">
-                                          <p:stCondLst>
-                                            <p:cond delay="0"/>
-                                          </p:stCondLst>
-                                        </p:cTn>
-                                        <p:tgtEl>
-                                          <p:spTgt spid="227"/>
-                                        </p:tgtEl>
-                                        <p:attrNameLst>
-                                          <p:attrName>style.visibility</p:attrName>
-                                        </p:attrNameLst>
-                                      </p:cBhvr>
-                                      <p:to>
-                                        <p:strVal val="visible"/>
-                                      </p:to>
-                                    </p:set>
-                                    <p:animEffect transition="in" filter="fade">
-                                      <p:cBhvr>
-                                        <p:cTn id="90" dur="500"/>
-                                        <p:tgtEl>
-                                          <p:spTgt spid="227"/>
-                                        </p:tgtEl>
-                                      </p:cBhvr>
-                                    </p:animEffect>
-                                  </p:childTnLst>
-                                </p:cTn>
-                              </p:par>
-                            </p:childTnLst>
-                          </p:cTn>
-                        </p:par>
-                      </p:childTnLst>
-                    </p:cTn>
-                  </p:par>
-                  <p:par>
-                    <p:cTn id="91" fill="hold">
-                      <p:stCondLst>
-                        <p:cond delay="indefinite"/>
-                      </p:stCondLst>
-                      <p:childTnLst>
-                        <p:par>
-                          <p:cTn id="92" fill="hold">
-                            <p:stCondLst>
-                              <p:cond delay="0"/>
-                            </p:stCondLst>
-                            <p:childTnLst>
-                              <p:par>
-                                <p:cTn id="93" presetID="22" presetClass="entr" presetSubtype="1" fill="hold" nodeType="clickEffect">
-                                  <p:stCondLst>
-                                    <p:cond delay="0"/>
-                                  </p:stCondLst>
-                                  <p:childTnLst>
-                                    <p:set>
-                                      <p:cBhvr>
-                                        <p:cTn id="94" dur="1" fill="hold">
+                                        <p:cTn id="65" dur="1" fill="hold">
                                           <p:stCondLst>
                                             <p:cond delay="0"/>
                                           </p:stCondLst>
@@ -40955,7 +40670,7 @@
                                     </p:set>
                                     <p:animEffect transition="in" filter="wipe(up)">
                                       <p:cBhvr>
-                                        <p:cTn id="95" dur="500"/>
+                                        <p:cTn id="66" dur="1000"/>
                                         <p:tgtEl>
                                           <p:spTgt spid="137"/>
                                         </p:tgtEl>
@@ -40967,30 +40682,21 @@
                             </p:childTnLst>
                           </p:cTn>
                         </p:par>
-                      </p:childTnLst>
-                    </p:cTn>
-                  </p:par>
-                  <p:par>
-                    <p:cTn id="96" fill="hold">
-                      <p:stCondLst>
-                        <p:cond delay="indefinite"/>
-                      </p:stCondLst>
-                      <p:childTnLst>
                         <p:par>
-                          <p:cTn id="97" fill="hold">
+                          <p:cTn id="67" fill="hold">
                             <p:stCondLst>
-                              <p:cond delay="0"/>
+                              <p:cond delay="18000"/>
                             </p:stCondLst>
                             <p:childTnLst>
                               <p:par>
-                                <p:cTn id="98" presetID="22" presetClass="entr" presetSubtype="8" fill="hold" nodeType="clickEffect">
+                                <p:cTn id="68" presetID="22" presetClass="entr" presetSubtype="8" fill="hold" nodeType="afterEffect">
                                   <p:stCondLst>
-                                    <p:cond delay="0"/>
+                                    <p:cond delay="1000"/>
                                   </p:stCondLst>
                                   <p:childTnLst>
                                     <p:set>
                                       <p:cBhvr>
-                                        <p:cTn id="99" dur="1" fill="hold">
+                                        <p:cTn id="69" dur="1" fill="hold">
                                           <p:stCondLst>
                                             <p:cond delay="0"/>
                                           </p:stCondLst>
@@ -41008,7 +40714,7 @@
                                     </p:set>
                                     <p:animEffect transition="in" filter="wipe(left)">
                                       <p:cBhvr>
-                                        <p:cTn id="100" dur="500"/>
+                                        <p:cTn id="70" dur="1000"/>
                                         <p:tgtEl>
                                           <p:spTgt spid="117"/>
                                         </p:tgtEl>
@@ -41020,136 +40726,21 @@
                             </p:childTnLst>
                           </p:cTn>
                         </p:par>
-                      </p:childTnLst>
-                    </p:cTn>
-                  </p:par>
-                  <p:par>
-                    <p:cTn id="101" fill="hold">
-                      <p:stCondLst>
-                        <p:cond delay="indefinite"/>
-                      </p:stCondLst>
-                      <p:childTnLst>
                         <p:par>
-                          <p:cTn id="102" fill="hold">
+                          <p:cTn id="71" fill="hold">
                             <p:stCondLst>
-                              <p:cond delay="0"/>
+                              <p:cond delay="20000"/>
                             </p:stCondLst>
                             <p:childTnLst>
                               <p:par>
-                                <p:cTn id="103" presetID="10" presetClass="entr" presetSubtype="0" fill="hold" nodeType="clickEffect">
+                                <p:cTn id="72" presetID="22" presetClass="entr" presetSubtype="1" fill="hold" nodeType="afterEffect">
                                   <p:stCondLst>
-                                    <p:cond delay="0"/>
+                                    <p:cond delay="1000"/>
                                   </p:stCondLst>
                                   <p:childTnLst>
                                     <p:set>
                                       <p:cBhvr>
-                                        <p:cTn id="104" dur="1" fill="hold">
-                                          <p:stCondLst>
-                                            <p:cond delay="0"/>
-                                          </p:stCondLst>
-                                        </p:cTn>
-                                        <p:tgtEl>
-                                          <p:spTgt spid="198"/>
-                                        </p:tgtEl>
-                                        <p:attrNameLst>
-                                          <p:attrName>style.visibility</p:attrName>
-                                        </p:attrNameLst>
-                                      </p:cBhvr>
-                                      <p:to>
-                                        <p:strVal val="visible"/>
-                                      </p:to>
-                                    </p:set>
-                                    <p:animEffect transition="in" filter="fade">
-                                      <p:cBhvr>
-                                        <p:cTn id="105" dur="500"/>
-                                        <p:tgtEl>
-                                          <p:spTgt spid="198"/>
-                                        </p:tgtEl>
-                                      </p:cBhvr>
-                                    </p:animEffect>
-                                  </p:childTnLst>
-                                </p:cTn>
-                              </p:par>
-                            </p:childTnLst>
-                          </p:cTn>
-                        </p:par>
-                      </p:childTnLst>
-                    </p:cTn>
-                  </p:par>
-                  <p:par>
-                    <p:cTn id="106" fill="hold">
-                      <p:stCondLst>
-                        <p:cond delay="indefinite"/>
-                      </p:stCondLst>
-                      <p:childTnLst>
-                        <p:par>
-                          <p:cTn id="107" fill="hold">
-                            <p:stCondLst>
-                              <p:cond delay="0"/>
-                            </p:stCondLst>
-                            <p:childTnLst>
-                              <p:par>
-                                <p:cTn id="108" presetID="10" presetClass="entr" presetSubtype="0" fill="hold" nodeType="clickEffect">
-                                  <p:stCondLst>
-                                    <p:cond delay="0"/>
-                                  </p:stCondLst>
-                                  <p:childTnLst>
-                                    <p:set>
-                                      <p:cBhvr>
-                                        <p:cTn id="109" dur="1" fill="hold">
-                                          <p:stCondLst>
-                                            <p:cond delay="0"/>
-                                          </p:stCondLst>
-                                        </p:cTn>
-                                        <p:tgtEl>
-                                          <p:spTgt spid="168"/>
-                                        </p:tgtEl>
-                                        <p:attrNameLst>
-                                          <p:attrName>style.visibility</p:attrName>
-                                        </p:attrNameLst>
-                                      </p:cBhvr>
-                                      <p:to>
-                                        <p:strVal val="visible"/>
-                                      </p:to>
-                                    </p:set>
-                                    <p:animEffect transition="in" filter="fade">
-                                      <p:cBhvr>
-                                        <p:cTn id="110" dur="500"/>
-                                        <p:tgtEl>
-                                          <p:spTgt spid="168"/>
-                                        </p:tgtEl>
-                                      </p:cBhvr>
-                                    </p:animEffect>
-                                  </p:childTnLst>
-                                </p:cTn>
-                              </p:par>
-                            </p:childTnLst>
-                          </p:cTn>
-                        </p:par>
-                      </p:childTnLst>
-                    </p:cTn>
-                  </p:par>
-                  <p:par>
-                    <p:cTn id="111" fill="hold">
-                      <p:stCondLst>
-                        <p:cond delay="indefinite"/>
-                      </p:stCondLst>
-                      <p:childTnLst>
-                        <p:par>
-                          <p:cTn id="112" fill="hold">
-                            <p:stCondLst>
-                              <p:cond delay="0"/>
-                            </p:stCondLst>
-                            <p:childTnLst>
-                              <p:par>
-                                <p:cTn id="113" presetID="22" presetClass="entr" presetSubtype="1" fill="hold" nodeType="clickEffect">
-                                  <p:stCondLst>
-                                    <p:cond delay="0"/>
-                                  </p:stCondLst>
-                                  <p:childTnLst>
-                                    <p:set>
-                                      <p:cBhvr>
-                                        <p:cTn id="114" dur="1" fill="hold">
+                                        <p:cTn id="73" dur="1" fill="hold">
                                           <p:stCondLst>
                                             <p:cond delay="0"/>
                                           </p:stCondLst>
@@ -41167,7 +40758,7 @@
                                     </p:set>
                                     <p:animEffect transition="in" filter="wipe(up)">
                                       <p:cBhvr>
-                                        <p:cTn id="115" dur="500"/>
+                                        <p:cTn id="74" dur="1000"/>
                                         <p:tgtEl>
                                           <p:spTgt spid="47"/>
                                         </p:tgtEl>
@@ -41179,30 +40770,21 @@
                             </p:childTnLst>
                           </p:cTn>
                         </p:par>
-                      </p:childTnLst>
-                    </p:cTn>
-                  </p:par>
-                  <p:par>
-                    <p:cTn id="116" fill="hold">
-                      <p:stCondLst>
-                        <p:cond delay="indefinite"/>
-                      </p:stCondLst>
-                      <p:childTnLst>
                         <p:par>
-                          <p:cTn id="117" fill="hold">
+                          <p:cTn id="75" fill="hold">
                             <p:stCondLst>
-                              <p:cond delay="0"/>
+                              <p:cond delay="22000"/>
                             </p:stCondLst>
                             <p:childTnLst>
                               <p:par>
-                                <p:cTn id="118" presetID="22" presetClass="entr" presetSubtype="8" fill="hold" nodeType="clickEffect">
+                                <p:cTn id="76" presetID="22" presetClass="entr" presetSubtype="8" fill="hold" nodeType="afterEffect">
                                   <p:stCondLst>
-                                    <p:cond delay="0"/>
+                                    <p:cond delay="1000"/>
                                   </p:stCondLst>
                                   <p:childTnLst>
                                     <p:set>
                                       <p:cBhvr>
-                                        <p:cTn id="119" dur="1" fill="hold">
+                                        <p:cTn id="77" dur="1" fill="hold">
                                           <p:stCondLst>
                                             <p:cond delay="0"/>
                                           </p:stCondLst>
@@ -41220,7 +40802,7 @@
                                     </p:set>
                                     <p:animEffect transition="in" filter="wipe(left)">
                                       <p:cBhvr>
-                                        <p:cTn id="120" dur="500"/>
+                                        <p:cTn id="78" dur="1000"/>
                                         <p:tgtEl>
                                           <p:spTgt spid="214"/>
                                         </p:tgtEl>
@@ -41229,33 +40811,15 @@
                                   </p:childTnLst>
                                 </p:cTn>
                               </p:par>
-                            </p:childTnLst>
-                          </p:cTn>
-                        </p:par>
-                      </p:childTnLst>
-                    </p:cTn>
-                  </p:par>
-                  <p:par>
-                    <p:cTn id="121" fill="hold">
-                      <p:stCondLst>
-                        <p:cond delay="indefinite"/>
-                      </p:stCondLst>
-                      <p:childTnLst>
-                        <p:par>
-                          <p:cTn id="122" fill="hold">
-                            <p:stCondLst>
-                              <p:cond delay="0"/>
-                            </p:stCondLst>
-                            <p:childTnLst>
                               <p:par>
-                                <p:cTn id="123" presetID="22" presetClass="entr" presetSubtype="8" fill="hold" nodeType="clickEffect">
+                                <p:cTn id="79" presetID="22" presetClass="entr" presetSubtype="8" fill="hold" nodeType="withEffect">
                                   <p:stCondLst>
-                                    <p:cond delay="0"/>
+                                    <p:cond delay="1000"/>
                                   </p:stCondLst>
                                   <p:childTnLst>
                                     <p:set>
                                       <p:cBhvr>
-                                        <p:cTn id="124" dur="1" fill="hold">
+                                        <p:cTn id="80" dur="1" fill="hold">
                                           <p:stCondLst>
                                             <p:cond delay="0"/>
                                           </p:stCondLst>
@@ -41273,7 +40837,7 @@
                                     </p:set>
                                     <p:animEffect transition="in" filter="wipe(left)">
                                       <p:cBhvr>
-                                        <p:cTn id="125" dur="500"/>
+                                        <p:cTn id="81" dur="1000"/>
                                         <p:tgtEl>
                                           <p:spTgt spid="45"/>
                                         </p:tgtEl>
@@ -41285,136 +40849,21 @@
                             </p:childTnLst>
                           </p:cTn>
                         </p:par>
-                      </p:childTnLst>
-                    </p:cTn>
-                  </p:par>
-                  <p:par>
-                    <p:cTn id="126" fill="hold">
-                      <p:stCondLst>
-                        <p:cond delay="indefinite"/>
-                      </p:stCondLst>
-                      <p:childTnLst>
                         <p:par>
-                          <p:cTn id="127" fill="hold">
+                          <p:cTn id="82" fill="hold">
                             <p:stCondLst>
-                              <p:cond delay="0"/>
+                              <p:cond delay="24000"/>
                             </p:stCondLst>
                             <p:childTnLst>
                               <p:par>
-                                <p:cTn id="128" presetID="10" presetClass="entr" presetSubtype="0" fill="hold" nodeType="clickEffect">
+                                <p:cTn id="83" presetID="22" presetClass="entr" presetSubtype="8" fill="hold" nodeType="afterEffect">
                                   <p:stCondLst>
-                                    <p:cond delay="0"/>
+                                    <p:cond delay="1000"/>
                                   </p:stCondLst>
                                   <p:childTnLst>
                                     <p:set>
                                       <p:cBhvr>
-                                        <p:cTn id="129" dur="1" fill="hold">
-                                          <p:stCondLst>
-                                            <p:cond delay="0"/>
-                                          </p:stCondLst>
-                                        </p:cTn>
-                                        <p:tgtEl>
-                                          <p:spTgt spid="171"/>
-                                        </p:tgtEl>
-                                        <p:attrNameLst>
-                                          <p:attrName>style.visibility</p:attrName>
-                                        </p:attrNameLst>
-                                      </p:cBhvr>
-                                      <p:to>
-                                        <p:strVal val="visible"/>
-                                      </p:to>
-                                    </p:set>
-                                    <p:animEffect transition="in" filter="fade">
-                                      <p:cBhvr>
-                                        <p:cTn id="130" dur="500"/>
-                                        <p:tgtEl>
-                                          <p:spTgt spid="171"/>
-                                        </p:tgtEl>
-                                      </p:cBhvr>
-                                    </p:animEffect>
-                                  </p:childTnLst>
-                                </p:cTn>
-                              </p:par>
-                            </p:childTnLst>
-                          </p:cTn>
-                        </p:par>
-                      </p:childTnLst>
-                    </p:cTn>
-                  </p:par>
-                  <p:par>
-                    <p:cTn id="131" fill="hold">
-                      <p:stCondLst>
-                        <p:cond delay="indefinite"/>
-                      </p:stCondLst>
-                      <p:childTnLst>
-                        <p:par>
-                          <p:cTn id="132" fill="hold">
-                            <p:stCondLst>
-                              <p:cond delay="0"/>
-                            </p:stCondLst>
-                            <p:childTnLst>
-                              <p:par>
-                                <p:cTn id="133" presetID="10" presetClass="entr" presetSubtype="0" fill="hold" nodeType="clickEffect">
-                                  <p:stCondLst>
-                                    <p:cond delay="0"/>
-                                  </p:stCondLst>
-                                  <p:childTnLst>
-                                    <p:set>
-                                      <p:cBhvr>
-                                        <p:cTn id="134" dur="1" fill="hold">
-                                          <p:stCondLst>
-                                            <p:cond delay="0"/>
-                                          </p:stCondLst>
-                                        </p:cTn>
-                                        <p:tgtEl>
-                                          <p:spTgt spid="242"/>
-                                        </p:tgtEl>
-                                        <p:attrNameLst>
-                                          <p:attrName>style.visibility</p:attrName>
-                                        </p:attrNameLst>
-                                      </p:cBhvr>
-                                      <p:to>
-                                        <p:strVal val="visible"/>
-                                      </p:to>
-                                    </p:set>
-                                    <p:animEffect transition="in" filter="fade">
-                                      <p:cBhvr>
-                                        <p:cTn id="135" dur="500"/>
-                                        <p:tgtEl>
-                                          <p:spTgt spid="242"/>
-                                        </p:tgtEl>
-                                      </p:cBhvr>
-                                    </p:animEffect>
-                                  </p:childTnLst>
-                                </p:cTn>
-                              </p:par>
-                            </p:childTnLst>
-                          </p:cTn>
-                        </p:par>
-                      </p:childTnLst>
-                    </p:cTn>
-                  </p:par>
-                  <p:par>
-                    <p:cTn id="136" fill="hold">
-                      <p:stCondLst>
-                        <p:cond delay="indefinite"/>
-                      </p:stCondLst>
-                      <p:childTnLst>
-                        <p:par>
-                          <p:cTn id="137" fill="hold">
-                            <p:stCondLst>
-                              <p:cond delay="0"/>
-                            </p:stCondLst>
-                            <p:childTnLst>
-                              <p:par>
-                                <p:cTn id="138" presetID="22" presetClass="entr" presetSubtype="8" fill="hold" nodeType="clickEffect">
-                                  <p:stCondLst>
-                                    <p:cond delay="0"/>
-                                  </p:stCondLst>
-                                  <p:childTnLst>
-                                    <p:set>
-                                      <p:cBhvr>
-                                        <p:cTn id="139" dur="1" fill="hold">
+                                        <p:cTn id="84" dur="1" fill="hold">
                                           <p:stCondLst>
                                             <p:cond delay="0"/>
                                           </p:stCondLst>
@@ -41432,7 +40881,7 @@
                                     </p:set>
                                     <p:animEffect transition="in" filter="wipe(left)">
                                       <p:cBhvr>
-                                        <p:cTn id="140" dur="500"/>
+                                        <p:cTn id="85" dur="1000"/>
                                         <p:tgtEl>
                                           <p:spTgt spid="216"/>
                                         </p:tgtEl>
@@ -41441,86 +40890,15 @@
                                   </p:childTnLst>
                                 </p:cTn>
                               </p:par>
-                            </p:childTnLst>
-                          </p:cTn>
-                        </p:par>
-                      </p:childTnLst>
-                    </p:cTn>
-                  </p:par>
-                  <p:par>
-                    <p:cTn id="141" fill="hold">
-                      <p:stCondLst>
-                        <p:cond delay="indefinite"/>
-                      </p:stCondLst>
-                      <p:childTnLst>
-                        <p:par>
-                          <p:cTn id="142" fill="hold">
-                            <p:stCondLst>
-                              <p:cond delay="0"/>
-                            </p:stCondLst>
-                            <p:childTnLst>
                               <p:par>
-                                <p:cTn id="143" presetID="10" presetClass="entr" presetSubtype="0" fill="hold" nodeType="clickEffect">
+                                <p:cTn id="86" presetID="22" presetClass="entr" presetSubtype="8" fill="hold" nodeType="withEffect">
                                   <p:stCondLst>
-                                    <p:cond delay="0"/>
+                                    <p:cond delay="1000"/>
                                   </p:stCondLst>
                                   <p:childTnLst>
                                     <p:set>
                                       <p:cBhvr>
-                                        <p:cTn id="144" dur="1" fill="hold">
-                                          <p:stCondLst>
-                                            <p:cond delay="0"/>
-                                          </p:stCondLst>
-                                        </p:cTn>
-                                        <p:tgtEl>
-                                          <p:spTgt spid="208"/>
-                                        </p:tgtEl>
-                                        <p:attrNameLst>
-                                          <p:attrName>style.visibility</p:attrName>
-                                        </p:attrNameLst>
-                                      </p:cBhvr>
-                                      <p:to>
-                                        <p:strVal val="visible"/>
-                                      </p:to>
-                                    </p:set>
-                                    <p:animEffect transition="in" filter="fade">
-                                      <p:cBhvr>
-                                        <p:cTn id="145" dur="500"/>
-                                        <p:tgtEl>
-                                          <p:spTgt spid="208"/>
-                                        </p:tgtEl>
-                                      </p:cBhvr>
-                                    </p:animEffect>
-                                  </p:childTnLst>
-                                </p:cTn>
-                              </p:par>
-                            </p:childTnLst>
-                          </p:cTn>
-                        </p:par>
-                      </p:childTnLst>
-                    </p:cTn>
-                  </p:par>
-                  <p:par>
-                    <p:cTn id="146" fill="hold">
-                      <p:stCondLst>
-                        <p:cond delay="indefinite"/>
-                      </p:stCondLst>
-                      <p:childTnLst>
-                        <p:par>
-                          <p:cTn id="147" fill="hold">
-                            <p:stCondLst>
-                              <p:cond delay="0"/>
-                            </p:stCondLst>
-                            <p:childTnLst>
-                              <p:par>
-                                <p:cTn id="148" presetID="22" presetClass="entr" presetSubtype="8" fill="hold" nodeType="clickEffect">
-                                  <p:stCondLst>
-                                    <p:cond delay="0"/>
-                                  </p:stCondLst>
-                                  <p:childTnLst>
-                                    <p:set>
-                                      <p:cBhvr>
-                                        <p:cTn id="149" dur="1" fill="hold">
+                                        <p:cTn id="87" dur="1" fill="hold">
                                           <p:stCondLst>
                                             <p:cond delay="0"/>
                                           </p:stCondLst>
@@ -41538,7 +40916,7 @@
                                     </p:set>
                                     <p:animEffect transition="in" filter="wipe(left)">
                                       <p:cBhvr>
-                                        <p:cTn id="150" dur="500"/>
+                                        <p:cTn id="88" dur="1000"/>
                                         <p:tgtEl>
                                           <p:spTgt spid="218"/>
                                         </p:tgtEl>
@@ -41550,83 +40928,21 @@
                             </p:childTnLst>
                           </p:cTn>
                         </p:par>
-                      </p:childTnLst>
-                    </p:cTn>
-                  </p:par>
-                  <p:par>
-                    <p:cTn id="151" fill="hold">
-                      <p:stCondLst>
-                        <p:cond delay="indefinite"/>
-                      </p:stCondLst>
-                      <p:childTnLst>
                         <p:par>
-                          <p:cTn id="152" fill="hold">
+                          <p:cTn id="89" fill="hold">
                             <p:stCondLst>
-                              <p:cond delay="0"/>
+                              <p:cond delay="26000"/>
                             </p:stCondLst>
                             <p:childTnLst>
                               <p:par>
-                                <p:cTn id="153" presetID="10" presetClass="entr" presetSubtype="0" fill="hold" nodeType="clickEffect">
+                                <p:cTn id="90" presetID="22" presetClass="entr" presetSubtype="8" fill="hold" nodeType="afterEffect">
                                   <p:stCondLst>
-                                    <p:cond delay="0"/>
+                                    <p:cond delay="1000"/>
                                   </p:stCondLst>
                                   <p:childTnLst>
                                     <p:set>
                                       <p:cBhvr>
-                                        <p:cTn id="154" dur="1" fill="hold">
-                                          <p:stCondLst>
-                                            <p:cond delay="0"/>
-                                          </p:stCondLst>
-                                        </p:cTn>
-                                        <p:tgtEl>
-                                          <p:spTgt spid="177"/>
-                                        </p:tgtEl>
-                                        <p:attrNameLst>
-                                          <p:attrName>style.visibility</p:attrName>
-                                        </p:attrNameLst>
-                                      </p:cBhvr>
-                                      <p:to>
-                                        <p:strVal val="visible"/>
-                                      </p:to>
-                                    </p:set>
-                                    <p:animEffect transition="in" filter="fade">
-                                      <p:cBhvr>
-                                        <p:cTn id="155" dur="500"/>
-                                        <p:tgtEl>
-                                          <p:spTgt spid="177"/>
-                                        </p:tgtEl>
-                                      </p:cBhvr>
-                                    </p:animEffect>
-                                  </p:childTnLst>
-                                </p:cTn>
-                              </p:par>
-                            </p:childTnLst>
-                          </p:cTn>
-                        </p:par>
-                      </p:childTnLst>
-                    </p:cTn>
-                  </p:par>
-                  <p:par>
-                    <p:cTn id="156" fill="hold">
-                      <p:stCondLst>
-                        <p:cond delay="indefinite"/>
-                      </p:stCondLst>
-                      <p:childTnLst>
-                        <p:par>
-                          <p:cTn id="157" fill="hold">
-                            <p:stCondLst>
-                              <p:cond delay="0"/>
-                            </p:stCondLst>
-                            <p:childTnLst>
-                              <p:par>
-                                <p:cTn id="158" presetID="22" presetClass="entr" presetSubtype="8" fill="hold" nodeType="clickEffect">
-                                  <p:stCondLst>
-                                    <p:cond delay="0"/>
-                                  </p:stCondLst>
-                                  <p:childTnLst>
-                                    <p:set>
-                                      <p:cBhvr>
-                                        <p:cTn id="159" dur="1" fill="hold">
+                                        <p:cTn id="91" dur="1" fill="hold">
                                           <p:stCondLst>
                                             <p:cond delay="0"/>
                                           </p:stCondLst>
@@ -41644,7 +40960,7 @@
                                     </p:set>
                                     <p:animEffect transition="in" filter="wipe(left)">
                                       <p:cBhvr>
-                                        <p:cTn id="160" dur="500"/>
+                                        <p:cTn id="92" dur="1000"/>
                                         <p:tgtEl>
                                           <p:spTgt spid="66"/>
                                         </p:tgtEl>
@@ -41656,83 +40972,21 @@
                             </p:childTnLst>
                           </p:cTn>
                         </p:par>
-                      </p:childTnLst>
-                    </p:cTn>
-                  </p:par>
-                  <p:par>
-                    <p:cTn id="161" fill="hold">
-                      <p:stCondLst>
-                        <p:cond delay="indefinite"/>
-                      </p:stCondLst>
-                      <p:childTnLst>
                         <p:par>
-                          <p:cTn id="162" fill="hold">
+                          <p:cTn id="93" fill="hold">
                             <p:stCondLst>
-                              <p:cond delay="0"/>
+                              <p:cond delay="28000"/>
                             </p:stCondLst>
                             <p:childTnLst>
                               <p:par>
-                                <p:cTn id="163" presetID="10" presetClass="entr" presetSubtype="0" fill="hold" nodeType="clickEffect">
+                                <p:cTn id="94" presetID="22" presetClass="entr" presetSubtype="4" fill="hold" nodeType="afterEffect">
                                   <p:stCondLst>
-                                    <p:cond delay="0"/>
+                                    <p:cond delay="1000"/>
                                   </p:stCondLst>
                                   <p:childTnLst>
                                     <p:set>
                                       <p:cBhvr>
-                                        <p:cTn id="164" dur="1" fill="hold">
-                                          <p:stCondLst>
-                                            <p:cond delay="0"/>
-                                          </p:stCondLst>
-                                        </p:cTn>
-                                        <p:tgtEl>
-                                          <p:spTgt spid="251"/>
-                                        </p:tgtEl>
-                                        <p:attrNameLst>
-                                          <p:attrName>style.visibility</p:attrName>
-                                        </p:attrNameLst>
-                                      </p:cBhvr>
-                                      <p:to>
-                                        <p:strVal val="visible"/>
-                                      </p:to>
-                                    </p:set>
-                                    <p:animEffect transition="in" filter="fade">
-                                      <p:cBhvr>
-                                        <p:cTn id="165" dur="500"/>
-                                        <p:tgtEl>
-                                          <p:spTgt spid="251"/>
-                                        </p:tgtEl>
-                                      </p:cBhvr>
-                                    </p:animEffect>
-                                  </p:childTnLst>
-                                </p:cTn>
-                              </p:par>
-                            </p:childTnLst>
-                          </p:cTn>
-                        </p:par>
-                      </p:childTnLst>
-                    </p:cTn>
-                  </p:par>
-                  <p:par>
-                    <p:cTn id="166" fill="hold">
-                      <p:stCondLst>
-                        <p:cond delay="indefinite"/>
-                      </p:stCondLst>
-                      <p:childTnLst>
-                        <p:par>
-                          <p:cTn id="167" fill="hold">
-                            <p:stCondLst>
-                              <p:cond delay="0"/>
-                            </p:stCondLst>
-                            <p:childTnLst>
-                              <p:par>
-                                <p:cTn id="168" presetID="22" presetClass="entr" presetSubtype="4" fill="hold" nodeType="clickEffect">
-                                  <p:stCondLst>
-                                    <p:cond delay="0"/>
-                                  </p:stCondLst>
-                                  <p:childTnLst>
-                                    <p:set>
-                                      <p:cBhvr>
-                                        <p:cTn id="169" dur="1" fill="hold">
+                                        <p:cTn id="95" dur="1" fill="hold">
                                           <p:stCondLst>
                                             <p:cond delay="0"/>
                                           </p:stCondLst>
@@ -41750,7 +41004,7 @@
                                     </p:set>
                                     <p:animEffect transition="in" filter="wipe(down)">
                                       <p:cBhvr>
-                                        <p:cTn id="170" dur="500"/>
+                                        <p:cTn id="96" dur="1000"/>
                                         <p:tgtEl>
                                           <p:spTgt spid="68"/>
                                         </p:tgtEl>
@@ -41759,33 +41013,15 @@
                                   </p:childTnLst>
                                 </p:cTn>
                               </p:par>
-                            </p:childTnLst>
-                          </p:cTn>
-                        </p:par>
-                      </p:childTnLst>
-                    </p:cTn>
-                  </p:par>
-                  <p:par>
-                    <p:cTn id="171" fill="hold">
-                      <p:stCondLst>
-                        <p:cond delay="indefinite"/>
-                      </p:stCondLst>
-                      <p:childTnLst>
-                        <p:par>
-                          <p:cTn id="172" fill="hold">
-                            <p:stCondLst>
-                              <p:cond delay="0"/>
-                            </p:stCondLst>
-                            <p:childTnLst>
                               <p:par>
-                                <p:cTn id="173" presetID="22" presetClass="entr" presetSubtype="1" fill="hold" nodeType="clickEffect">
+                                <p:cTn id="97" presetID="22" presetClass="entr" presetSubtype="1" fill="hold" nodeType="withEffect">
                                   <p:stCondLst>
-                                    <p:cond delay="0"/>
+                                    <p:cond delay="1000"/>
                                   </p:stCondLst>
                                   <p:childTnLst>
                                     <p:set>
                                       <p:cBhvr>
-                                        <p:cTn id="174" dur="1" fill="hold">
+                                        <p:cTn id="98" dur="1" fill="hold">
                                           <p:stCondLst>
                                             <p:cond delay="0"/>
                                           </p:stCondLst>
@@ -41803,115 +41039,9 @@
                                     </p:set>
                                     <p:animEffect transition="in" filter="wipe(up)">
                                       <p:cBhvr>
-                                        <p:cTn id="175" dur="500"/>
+                                        <p:cTn id="99" dur="1000"/>
                                         <p:tgtEl>
                                           <p:spTgt spid="257"/>
-                                        </p:tgtEl>
-                                      </p:cBhvr>
-                                    </p:animEffect>
-                                  </p:childTnLst>
-                                </p:cTn>
-                              </p:par>
-                            </p:childTnLst>
-                          </p:cTn>
-                        </p:par>
-                      </p:childTnLst>
-                    </p:cTn>
-                  </p:par>
-                  <p:par>
-                    <p:cTn id="176" fill="hold">
-                      <p:stCondLst>
-                        <p:cond delay="indefinite"/>
-                      </p:stCondLst>
-                      <p:childTnLst>
-                        <p:par>
-                          <p:cTn id="177" fill="hold">
-                            <p:stCondLst>
-                              <p:cond delay="0"/>
-                            </p:stCondLst>
-                            <p:childTnLst>
-                              <p:par>
-                                <p:cTn id="178" presetID="10" presetClass="entr" presetSubtype="0" fill="hold" nodeType="clickEffect">
-                                  <p:stCondLst>
-                                    <p:cond delay="0"/>
-                                  </p:stCondLst>
-                                  <p:childTnLst>
-                                    <p:set>
-                                      <p:cBhvr>
-                                        <p:cTn id="179" dur="1" fill="hold">
-                                          <p:stCondLst>
-                                            <p:cond delay="0"/>
-                                          </p:stCondLst>
-                                        </p:cTn>
-                                        <p:tgtEl>
-                                          <p:spTgt spid="253"/>
-                                        </p:tgtEl>
-                                        <p:attrNameLst>
-                                          <p:attrName>style.visibility</p:attrName>
-                                        </p:attrNameLst>
-                                      </p:cBhvr>
-                                      <p:to>
-                                        <p:strVal val="visible"/>
-                                      </p:to>
-                                    </p:set>
-                                    <p:animEffect transition="in" filter="fade">
-                                      <p:cBhvr>
-                                        <p:cTn id="180" dur="500"/>
-                                        <p:tgtEl>
-                                          <p:spTgt spid="253"/>
-                                        </p:tgtEl>
-                                      </p:cBhvr>
-                                    </p:animEffect>
-                                  </p:childTnLst>
-                                </p:cTn>
-                              </p:par>
-                            </p:childTnLst>
-                          </p:cTn>
-                        </p:par>
-                      </p:childTnLst>
-                    </p:cTn>
-                  </p:par>
-                  <p:par>
-                    <p:cTn id="181" fill="hold">
-                      <p:stCondLst>
-                        <p:cond delay="indefinite"/>
-                      </p:stCondLst>
-                      <p:childTnLst>
-                        <p:par>
-                          <p:cTn id="182" fill="hold">
-                            <p:stCondLst>
-                              <p:cond delay="0"/>
-                            </p:stCondLst>
-                            <p:childTnLst>
-                              <p:par>
-                                <p:cTn id="183" presetID="10" presetClass="entr" presetSubtype="0" fill="hold" nodeType="clickEffect">
-                                  <p:stCondLst>
-                                    <p:cond delay="0"/>
-                                  </p:stCondLst>
-                                  <p:childTnLst>
-                                    <p:set>
-                                      <p:cBhvr>
-                                        <p:cTn id="184" dur="1" fill="hold">
-                                          <p:stCondLst>
-                                            <p:cond delay="0"/>
-                                          </p:stCondLst>
-                                        </p:cTn>
-                                        <p:tgtEl>
-                                          <p:spTgt spid="194"/>
-                                        </p:tgtEl>
-                                        <p:attrNameLst>
-                                          <p:attrName>style.visibility</p:attrName>
-                                        </p:attrNameLst>
-                                      </p:cBhvr>
-                                      <p:to>
-                                        <p:strVal val="visible"/>
-                                      </p:to>
-                                    </p:set>
-                                    <p:animEffect transition="in" filter="fade">
-                                      <p:cBhvr>
-                                        <p:cTn id="185" dur="500"/>
-                                        <p:tgtEl>
-                                          <p:spTgt spid="194"/>
                                         </p:tgtEl>
                                       </p:cBhvr>
                                     </p:animEffect>
